--- a/PPTs/Ch8_ARM_Subroutines_Exercises ANS.pptx
+++ b/PPTs/Ch8_ARM_Subroutines_Exercises ANS.pptx
@@ -5,15 +5,22 @@
     <p:sldMasterId id="2147483660" r:id="rId1"/>
   </p:sldMasterIdLst>
   <p:notesMasterIdLst>
-    <p:notesMasterId r:id="rId5"/>
+    <p:notesMasterId r:id="rId12"/>
   </p:notesMasterIdLst>
   <p:handoutMasterIdLst>
-    <p:handoutMasterId r:id="rId6"/>
+    <p:handoutMasterId r:id="rId13"/>
   </p:handoutMasterIdLst>
   <p:sldIdLst>
     <p:sldId id="256" r:id="rId2"/>
-    <p:sldId id="257" r:id="rId3"/>
-    <p:sldId id="258" r:id="rId4"/>
+    <p:sldId id="278" r:id="rId3"/>
+    <p:sldId id="279" r:id="rId4"/>
+    <p:sldId id="261" r:id="rId5"/>
+    <p:sldId id="263" r:id="rId6"/>
+    <p:sldId id="259" r:id="rId7"/>
+    <p:sldId id="280" r:id="rId8"/>
+    <p:sldId id="260" r:id="rId9"/>
+    <p:sldId id="257" r:id="rId10"/>
+    <p:sldId id="258" r:id="rId11"/>
   </p:sldIdLst>
   <p:sldSz cx="9144000" cy="6858000" type="screen4x3"/>
   <p:notesSz cx="6950075" cy="9236075"/>
@@ -134,7 +141,7 @@
 <file path=ppt/revisionInfo.xml><?xml version="1.0" encoding="utf-8"?>
 <p1510:revInfo xmlns:a="http://schemas.openxmlformats.org/drawingml/2006/main" xmlns:r="http://schemas.openxmlformats.org/officeDocument/2006/relationships" xmlns:p1510="http://schemas.microsoft.com/office/powerpoint/2015/10/main">
   <p1510:revLst>
-    <p1510:client id="{26DF0AC7-7898-4CAF-8C74-9051912ABD73}" v="11" dt="2025-09-22T00:24:34.785"/>
+    <p1510:client id="{26DF0AC7-7898-4CAF-8C74-9051912ABD73}" v="66" dt="2025-09-22T19:36:37.735"/>
     <p1510:client id="{7D5089A3-B8F3-4495-8EC2-B25A10EF758C}" v="20" dt="2025-09-22T00:18:13.663"/>
   </p1510:revLst>
 </p1510:revInfo>
@@ -145,7 +152,7 @@
   <pc:docChgLst>
     <pc:chgData name="Zonghua Gu" userId="9a7e1853e1951ef5" providerId="LiveId" clId="{CF1FAA12-072C-4ED5-BA76-0FFFAEFDB88A}"/>
     <pc:docChg chg="undo custSel addSld delSld modSld">
-      <pc:chgData name="Zonghua Gu" userId="9a7e1853e1951ef5" providerId="LiveId" clId="{CF1FAA12-072C-4ED5-BA76-0FFFAEFDB88A}" dt="2025-09-22T00:26:13.917" v="268" actId="207"/>
+      <pc:chgData name="Zonghua Gu" userId="9a7e1853e1951ef5" providerId="LiveId" clId="{CF1FAA12-072C-4ED5-BA76-0FFFAEFDB88A}" dt="2025-09-22T19:38:04.649" v="819" actId="20577"/>
       <pc:docMkLst>
         <pc:docMk/>
       </pc:docMkLst>
@@ -181,7 +188,7 @@
         </pc:spChg>
       </pc:sldChg>
       <pc:sldChg chg="addSp delSp modSp new mod">
-        <pc:chgData name="Zonghua Gu" userId="9a7e1853e1951ef5" providerId="LiveId" clId="{CF1FAA12-072C-4ED5-BA76-0FFFAEFDB88A}" dt="2025-09-22T00:25:52.962" v="266" actId="20577"/>
+        <pc:chgData name="Zonghua Gu" userId="9a7e1853e1951ef5" providerId="LiveId" clId="{CF1FAA12-072C-4ED5-BA76-0FFFAEFDB88A}" dt="2025-09-22T19:01:29.316" v="303" actId="20577"/>
         <pc:sldMkLst>
           <pc:docMk/>
           <pc:sldMk cId="4120051107" sldId="257"/>
@@ -192,6 +199,14 @@
             <pc:docMk/>
             <pc:sldMk cId="4120051107" sldId="257"/>
             <ac:spMk id="2" creationId="{53769777-22BA-A4F2-A717-CA88FA78E82B}"/>
+          </ac:spMkLst>
+        </pc:spChg>
+        <pc:spChg chg="mod">
+          <ac:chgData name="Zonghua Gu" userId="9a7e1853e1951ef5" providerId="LiveId" clId="{CF1FAA12-072C-4ED5-BA76-0FFFAEFDB88A}" dt="2025-09-22T19:01:29.316" v="303" actId="20577"/>
+          <ac:spMkLst>
+            <pc:docMk/>
+            <pc:sldMk cId="4120051107" sldId="257"/>
+            <ac:spMk id="4" creationId="{5998200F-E2E0-2FC9-A24B-3D85B65165B0}"/>
           </ac:spMkLst>
         </pc:spChg>
         <pc:graphicFrameChg chg="add mod modGraphic">
@@ -250,12 +265,700 @@
           </ac:graphicFrameMkLst>
         </pc:graphicFrameChg>
       </pc:sldChg>
+      <pc:sldChg chg="addSp delSp modSp new mod">
+        <pc:chgData name="Zonghua Gu" userId="9a7e1853e1951ef5" providerId="LiveId" clId="{CF1FAA12-072C-4ED5-BA76-0FFFAEFDB88A}" dt="2025-09-22T19:08:21.892" v="398" actId="20577"/>
+        <pc:sldMkLst>
+          <pc:docMk/>
+          <pc:sldMk cId="2724411605" sldId="259"/>
+        </pc:sldMkLst>
+        <pc:spChg chg="mod">
+          <ac:chgData name="Zonghua Gu" userId="9a7e1853e1951ef5" providerId="LiveId" clId="{CF1FAA12-072C-4ED5-BA76-0FFFAEFDB88A}" dt="2025-09-22T19:04:29.885" v="330" actId="20577"/>
+          <ac:spMkLst>
+            <pc:docMk/>
+            <pc:sldMk cId="2724411605" sldId="259"/>
+            <ac:spMk id="2" creationId="{BBF7B3FB-5C59-12EE-7933-D1B84D34745C}"/>
+          </ac:spMkLst>
+        </pc:spChg>
+        <pc:spChg chg="mod">
+          <ac:chgData name="Zonghua Gu" userId="9a7e1853e1951ef5" providerId="LiveId" clId="{CF1FAA12-072C-4ED5-BA76-0FFFAEFDB88A}" dt="2025-09-22T19:08:21.892" v="398" actId="20577"/>
+          <ac:spMkLst>
+            <pc:docMk/>
+            <pc:sldMk cId="2724411605" sldId="259"/>
+            <ac:spMk id="4" creationId="{5891B2DB-8D92-68E6-3839-2EB2B6D0CCA5}"/>
+          </ac:spMkLst>
+        </pc:spChg>
+        <pc:spChg chg="add mod">
+          <ac:chgData name="Zonghua Gu" userId="9a7e1853e1951ef5" providerId="LiveId" clId="{CF1FAA12-072C-4ED5-BA76-0FFFAEFDB88A}" dt="2025-09-22T18:56:50.123" v="295"/>
+          <ac:spMkLst>
+            <pc:docMk/>
+            <pc:sldMk cId="2724411605" sldId="259"/>
+            <ac:spMk id="7" creationId="{785BB1D4-1FF0-B9B4-8A1B-9814F0C6ACC7}"/>
+          </ac:spMkLst>
+        </pc:spChg>
+        <pc:spChg chg="add mod">
+          <ac:chgData name="Zonghua Gu" userId="9a7e1853e1951ef5" providerId="LiveId" clId="{CF1FAA12-072C-4ED5-BA76-0FFFAEFDB88A}" dt="2025-09-22T18:56:50.123" v="295"/>
+          <ac:spMkLst>
+            <pc:docMk/>
+            <pc:sldMk cId="2724411605" sldId="259"/>
+            <ac:spMk id="8" creationId="{A33EEC6A-8058-C112-3898-A347A87B4EC6}"/>
+          </ac:spMkLst>
+        </pc:spChg>
+        <pc:spChg chg="add mod">
+          <ac:chgData name="Zonghua Gu" userId="9a7e1853e1951ef5" providerId="LiveId" clId="{CF1FAA12-072C-4ED5-BA76-0FFFAEFDB88A}" dt="2025-09-22T18:56:50.123" v="295"/>
+          <ac:spMkLst>
+            <pc:docMk/>
+            <pc:sldMk cId="2724411605" sldId="259"/>
+            <ac:spMk id="9" creationId="{8B452197-7453-4412-AE01-5F09E80CEB6E}"/>
+          </ac:spMkLst>
+        </pc:spChg>
+        <pc:spChg chg="add mod">
+          <ac:chgData name="Zonghua Gu" userId="9a7e1853e1951ef5" providerId="LiveId" clId="{CF1FAA12-072C-4ED5-BA76-0FFFAEFDB88A}" dt="2025-09-22T18:56:50.123" v="295"/>
+          <ac:spMkLst>
+            <pc:docMk/>
+            <pc:sldMk cId="2724411605" sldId="259"/>
+            <ac:spMk id="10" creationId="{7DBA327D-2110-7E95-0997-4E5300A9DDCB}"/>
+          </ac:spMkLst>
+        </pc:spChg>
+        <pc:spChg chg="add mod">
+          <ac:chgData name="Zonghua Gu" userId="9a7e1853e1951ef5" providerId="LiveId" clId="{CF1FAA12-072C-4ED5-BA76-0FFFAEFDB88A}" dt="2025-09-22T18:56:50.123" v="295"/>
+          <ac:spMkLst>
+            <pc:docMk/>
+            <pc:sldMk cId="2724411605" sldId="259"/>
+            <ac:spMk id="13" creationId="{DA4E1186-8F6E-421B-2B1F-7711315ECCA3}"/>
+          </ac:spMkLst>
+        </pc:spChg>
+        <pc:spChg chg="add mod">
+          <ac:chgData name="Zonghua Gu" userId="9a7e1853e1951ef5" providerId="LiveId" clId="{CF1FAA12-072C-4ED5-BA76-0FFFAEFDB88A}" dt="2025-09-22T18:56:50.123" v="295"/>
+          <ac:spMkLst>
+            <pc:docMk/>
+            <pc:sldMk cId="2724411605" sldId="259"/>
+            <ac:spMk id="15" creationId="{3ED5AE10-0B4C-7FD1-64E0-79EF86645894}"/>
+          </ac:spMkLst>
+        </pc:spChg>
+        <pc:spChg chg="add mod">
+          <ac:chgData name="Zonghua Gu" userId="9a7e1853e1951ef5" providerId="LiveId" clId="{CF1FAA12-072C-4ED5-BA76-0FFFAEFDB88A}" dt="2025-09-22T18:56:50.123" v="295"/>
+          <ac:spMkLst>
+            <pc:docMk/>
+            <pc:sldMk cId="2724411605" sldId="259"/>
+            <ac:spMk id="16" creationId="{8B4F19CD-44AE-D459-1218-23866AE603BA}"/>
+          </ac:spMkLst>
+        </pc:spChg>
+        <pc:spChg chg="add mod">
+          <ac:chgData name="Zonghua Gu" userId="9a7e1853e1951ef5" providerId="LiveId" clId="{CF1FAA12-072C-4ED5-BA76-0FFFAEFDB88A}" dt="2025-09-22T18:56:50.123" v="295"/>
+          <ac:spMkLst>
+            <pc:docMk/>
+            <pc:sldMk cId="2724411605" sldId="259"/>
+            <ac:spMk id="20" creationId="{4DC6C5F3-DC46-5C99-02E9-C5C6E8642CDC}"/>
+          </ac:spMkLst>
+        </pc:spChg>
+        <pc:spChg chg="add mod">
+          <ac:chgData name="Zonghua Gu" userId="9a7e1853e1951ef5" providerId="LiveId" clId="{CF1FAA12-072C-4ED5-BA76-0FFFAEFDB88A}" dt="2025-09-22T18:56:50.123" v="295"/>
+          <ac:spMkLst>
+            <pc:docMk/>
+            <pc:sldMk cId="2724411605" sldId="259"/>
+            <ac:spMk id="21" creationId="{7706CBAC-DBF0-78CE-990A-5187D41B3E5B}"/>
+          </ac:spMkLst>
+        </pc:spChg>
+        <pc:spChg chg="add mod">
+          <ac:chgData name="Zonghua Gu" userId="9a7e1853e1951ef5" providerId="LiveId" clId="{CF1FAA12-072C-4ED5-BA76-0FFFAEFDB88A}" dt="2025-09-22T18:56:50.123" v="295"/>
+          <ac:spMkLst>
+            <pc:docMk/>
+            <pc:sldMk cId="2724411605" sldId="259"/>
+            <ac:spMk id="23" creationId="{E9332474-CEDF-5726-8B84-ECB965249974}"/>
+          </ac:spMkLst>
+        </pc:spChg>
+        <pc:spChg chg="add del mod">
+          <ac:chgData name="Zonghua Gu" userId="9a7e1853e1951ef5" providerId="LiveId" clId="{CF1FAA12-072C-4ED5-BA76-0FFFAEFDB88A}" dt="2025-09-22T19:01:15.988" v="298" actId="478"/>
+          <ac:spMkLst>
+            <pc:docMk/>
+            <pc:sldMk cId="2724411605" sldId="259"/>
+            <ac:spMk id="28" creationId="{62EE7EBA-CD12-C004-2DFC-2275E9A7885F}"/>
+          </ac:spMkLst>
+        </pc:spChg>
+        <pc:spChg chg="add del mod">
+          <ac:chgData name="Zonghua Gu" userId="9a7e1853e1951ef5" providerId="LiveId" clId="{CF1FAA12-072C-4ED5-BA76-0FFFAEFDB88A}" dt="2025-09-22T19:01:15.988" v="298" actId="478"/>
+          <ac:spMkLst>
+            <pc:docMk/>
+            <pc:sldMk cId="2724411605" sldId="259"/>
+            <ac:spMk id="30" creationId="{95CE31CC-1422-B814-DC13-D223CB05898A}"/>
+          </ac:spMkLst>
+        </pc:spChg>
+        <pc:spChg chg="add del mod">
+          <ac:chgData name="Zonghua Gu" userId="9a7e1853e1951ef5" providerId="LiveId" clId="{CF1FAA12-072C-4ED5-BA76-0FFFAEFDB88A}" dt="2025-09-22T19:01:15.988" v="298" actId="478"/>
+          <ac:spMkLst>
+            <pc:docMk/>
+            <pc:sldMk cId="2724411605" sldId="259"/>
+            <ac:spMk id="31" creationId="{B13B7838-F932-0B62-C7EA-7C0EA120FB93}"/>
+          </ac:spMkLst>
+        </pc:spChg>
+        <pc:spChg chg="add del mod">
+          <ac:chgData name="Zonghua Gu" userId="9a7e1853e1951ef5" providerId="LiveId" clId="{CF1FAA12-072C-4ED5-BA76-0FFFAEFDB88A}" dt="2025-09-22T19:01:15.988" v="298" actId="478"/>
+          <ac:spMkLst>
+            <pc:docMk/>
+            <pc:sldMk cId="2724411605" sldId="259"/>
+            <ac:spMk id="32" creationId="{C8DC135E-1A65-D646-44A8-6B11EB67EAFC}"/>
+          </ac:spMkLst>
+        </pc:spChg>
+        <pc:spChg chg="add del mod">
+          <ac:chgData name="Zonghua Gu" userId="9a7e1853e1951ef5" providerId="LiveId" clId="{CF1FAA12-072C-4ED5-BA76-0FFFAEFDB88A}" dt="2025-09-22T19:01:15.988" v="298" actId="478"/>
+          <ac:spMkLst>
+            <pc:docMk/>
+            <pc:sldMk cId="2724411605" sldId="259"/>
+            <ac:spMk id="33" creationId="{658A5B97-1ED5-39E7-FC3B-88DF8A4BD472}"/>
+          </ac:spMkLst>
+        </pc:spChg>
+        <pc:spChg chg="add del mod">
+          <ac:chgData name="Zonghua Gu" userId="9a7e1853e1951ef5" providerId="LiveId" clId="{CF1FAA12-072C-4ED5-BA76-0FFFAEFDB88A}" dt="2025-09-22T19:01:15.988" v="298" actId="478"/>
+          <ac:spMkLst>
+            <pc:docMk/>
+            <pc:sldMk cId="2724411605" sldId="259"/>
+            <ac:spMk id="36" creationId="{570A3A5F-715C-903E-E493-87A70D3130FD}"/>
+          </ac:spMkLst>
+        </pc:spChg>
+        <pc:spChg chg="add del mod">
+          <ac:chgData name="Zonghua Gu" userId="9a7e1853e1951ef5" providerId="LiveId" clId="{CF1FAA12-072C-4ED5-BA76-0FFFAEFDB88A}" dt="2025-09-22T19:01:15.988" v="298" actId="478"/>
+          <ac:spMkLst>
+            <pc:docMk/>
+            <pc:sldMk cId="2724411605" sldId="259"/>
+            <ac:spMk id="37" creationId="{5C6F30BD-F800-7813-190B-927A721EB512}"/>
+          </ac:spMkLst>
+        </pc:spChg>
+        <pc:spChg chg="add del mod">
+          <ac:chgData name="Zonghua Gu" userId="9a7e1853e1951ef5" providerId="LiveId" clId="{CF1FAA12-072C-4ED5-BA76-0FFFAEFDB88A}" dt="2025-09-22T19:01:15.988" v="298" actId="478"/>
+          <ac:spMkLst>
+            <pc:docMk/>
+            <pc:sldMk cId="2724411605" sldId="259"/>
+            <ac:spMk id="40" creationId="{23E8D773-521E-EFEC-1C0A-6DD493F188E0}"/>
+          </ac:spMkLst>
+        </pc:spChg>
+        <pc:spChg chg="add del mod">
+          <ac:chgData name="Zonghua Gu" userId="9a7e1853e1951ef5" providerId="LiveId" clId="{CF1FAA12-072C-4ED5-BA76-0FFFAEFDB88A}" dt="2025-09-22T19:01:15.988" v="298" actId="478"/>
+          <ac:spMkLst>
+            <pc:docMk/>
+            <pc:sldMk cId="2724411605" sldId="259"/>
+            <ac:spMk id="44" creationId="{FAC75CD7-04CD-2A28-5654-A14BB8B35A19}"/>
+          </ac:spMkLst>
+        </pc:spChg>
+        <pc:spChg chg="add del mod">
+          <ac:chgData name="Zonghua Gu" userId="9a7e1853e1951ef5" providerId="LiveId" clId="{CF1FAA12-072C-4ED5-BA76-0FFFAEFDB88A}" dt="2025-09-22T19:01:15.988" v="298" actId="478"/>
+          <ac:spMkLst>
+            <pc:docMk/>
+            <pc:sldMk cId="2724411605" sldId="259"/>
+            <ac:spMk id="48" creationId="{081C1058-993D-A9D0-3833-E8694F50BED4}"/>
+          </ac:spMkLst>
+        </pc:spChg>
+      </pc:sldChg>
+      <pc:sldChg chg="addSp delSp modSp add mod">
+        <pc:chgData name="Zonghua Gu" userId="9a7e1853e1951ef5" providerId="LiveId" clId="{CF1FAA12-072C-4ED5-BA76-0FFFAEFDB88A}" dt="2025-09-22T19:33:58.510" v="660" actId="478"/>
+        <pc:sldMkLst>
+          <pc:docMk/>
+          <pc:sldMk cId="3884894996" sldId="260"/>
+        </pc:sldMkLst>
+        <pc:spChg chg="mod">
+          <ac:chgData name="Zonghua Gu" userId="9a7e1853e1951ef5" providerId="LiveId" clId="{CF1FAA12-072C-4ED5-BA76-0FFFAEFDB88A}" dt="2025-09-22T19:04:35.554" v="335" actId="20577"/>
+          <ac:spMkLst>
+            <pc:docMk/>
+            <pc:sldMk cId="3884894996" sldId="260"/>
+            <ac:spMk id="2" creationId="{24322505-1263-8867-CBD4-3845DB776BF0}"/>
+          </ac:spMkLst>
+        </pc:spChg>
+        <pc:spChg chg="mod">
+          <ac:chgData name="Zonghua Gu" userId="9a7e1853e1951ef5" providerId="LiveId" clId="{CF1FAA12-072C-4ED5-BA76-0FFFAEFDB88A}" dt="2025-09-22T19:28:22.455" v="595" actId="27636"/>
+          <ac:spMkLst>
+            <pc:docMk/>
+            <pc:sldMk cId="3884894996" sldId="260"/>
+            <ac:spMk id="4" creationId="{36843E04-780F-8745-F7A3-B8C73E674D4A}"/>
+          </ac:spMkLst>
+        </pc:spChg>
+        <pc:spChg chg="add mod">
+          <ac:chgData name="Zonghua Gu" userId="9a7e1853e1951ef5" providerId="LiveId" clId="{CF1FAA12-072C-4ED5-BA76-0FFFAEFDB88A}" dt="2025-09-22T19:29:15.294" v="609" actId="1038"/>
+          <ac:spMkLst>
+            <pc:docMk/>
+            <pc:sldMk cId="3884894996" sldId="260"/>
+            <ac:spMk id="9" creationId="{FBE0A9DC-0F13-5E17-C834-D68F85D8A1B9}"/>
+          </ac:spMkLst>
+        </pc:spChg>
+        <pc:spChg chg="add mod">
+          <ac:chgData name="Zonghua Gu" userId="9a7e1853e1951ef5" providerId="LiveId" clId="{CF1FAA12-072C-4ED5-BA76-0FFFAEFDB88A}" dt="2025-09-22T19:30:14.892" v="628" actId="1076"/>
+          <ac:spMkLst>
+            <pc:docMk/>
+            <pc:sldMk cId="3884894996" sldId="260"/>
+            <ac:spMk id="10" creationId="{DE97FC87-43CF-4901-CF7A-C5C93E8F3712}"/>
+          </ac:spMkLst>
+        </pc:spChg>
+        <pc:spChg chg="add mod">
+          <ac:chgData name="Zonghua Gu" userId="9a7e1853e1951ef5" providerId="LiveId" clId="{CF1FAA12-072C-4ED5-BA76-0FFFAEFDB88A}" dt="2025-09-22T19:30:14.892" v="628" actId="1076"/>
+          <ac:spMkLst>
+            <pc:docMk/>
+            <pc:sldMk cId="3884894996" sldId="260"/>
+            <ac:spMk id="12" creationId="{B243B488-2D7A-A8C2-598C-7289DABA24B7}"/>
+          </ac:spMkLst>
+        </pc:spChg>
+        <pc:spChg chg="add mod">
+          <ac:chgData name="Zonghua Gu" userId="9a7e1853e1951ef5" providerId="LiveId" clId="{CF1FAA12-072C-4ED5-BA76-0FFFAEFDB88A}" dt="2025-09-22T19:30:14.892" v="628" actId="1076"/>
+          <ac:spMkLst>
+            <pc:docMk/>
+            <pc:sldMk cId="3884894996" sldId="260"/>
+            <ac:spMk id="13" creationId="{EA6F7C4A-B9A7-2468-84A3-CDFC9A75A5CB}"/>
+          </ac:spMkLst>
+        </pc:spChg>
+        <pc:spChg chg="add mod">
+          <ac:chgData name="Zonghua Gu" userId="9a7e1853e1951ef5" providerId="LiveId" clId="{CF1FAA12-072C-4ED5-BA76-0FFFAEFDB88A}" dt="2025-09-22T19:30:14.892" v="628" actId="1076"/>
+          <ac:spMkLst>
+            <pc:docMk/>
+            <pc:sldMk cId="3884894996" sldId="260"/>
+            <ac:spMk id="15" creationId="{89C82B0B-D220-355C-C11A-2B105F6B47A5}"/>
+          </ac:spMkLst>
+        </pc:spChg>
+        <pc:spChg chg="add mod">
+          <ac:chgData name="Zonghua Gu" userId="9a7e1853e1951ef5" providerId="LiveId" clId="{CF1FAA12-072C-4ED5-BA76-0FFFAEFDB88A}" dt="2025-09-22T19:30:14.892" v="628" actId="1076"/>
+          <ac:spMkLst>
+            <pc:docMk/>
+            <pc:sldMk cId="3884894996" sldId="260"/>
+            <ac:spMk id="16" creationId="{AB622E9D-674E-4337-516D-F1611B40B59F}"/>
+          </ac:spMkLst>
+        </pc:spChg>
+        <pc:spChg chg="add mod">
+          <ac:chgData name="Zonghua Gu" userId="9a7e1853e1951ef5" providerId="LiveId" clId="{CF1FAA12-072C-4ED5-BA76-0FFFAEFDB88A}" dt="2025-09-22T19:30:14.892" v="628" actId="1076"/>
+          <ac:spMkLst>
+            <pc:docMk/>
+            <pc:sldMk cId="3884894996" sldId="260"/>
+            <ac:spMk id="17" creationId="{89FABA7E-D88F-B22C-2671-4103A5520001}"/>
+          </ac:spMkLst>
+        </pc:spChg>
+        <pc:spChg chg="add mod">
+          <ac:chgData name="Zonghua Gu" userId="9a7e1853e1951ef5" providerId="LiveId" clId="{CF1FAA12-072C-4ED5-BA76-0FFFAEFDB88A}" dt="2025-09-22T19:30:14.892" v="628" actId="1076"/>
+          <ac:spMkLst>
+            <pc:docMk/>
+            <pc:sldMk cId="3884894996" sldId="260"/>
+            <ac:spMk id="18" creationId="{575A4558-8CD1-5604-11F5-98FCE4191B47}"/>
+          </ac:spMkLst>
+        </pc:spChg>
+        <pc:spChg chg="add mod">
+          <ac:chgData name="Zonghua Gu" userId="9a7e1853e1951ef5" providerId="LiveId" clId="{CF1FAA12-072C-4ED5-BA76-0FFFAEFDB88A}" dt="2025-09-22T19:30:33.802" v="632" actId="1076"/>
+          <ac:spMkLst>
+            <pc:docMk/>
+            <pc:sldMk cId="3884894996" sldId="260"/>
+            <ac:spMk id="20" creationId="{2F85393E-30E2-EDCD-D332-A91D6B997220}"/>
+          </ac:spMkLst>
+        </pc:spChg>
+        <pc:spChg chg="add mod">
+          <ac:chgData name="Zonghua Gu" userId="9a7e1853e1951ef5" providerId="LiveId" clId="{CF1FAA12-072C-4ED5-BA76-0FFFAEFDB88A}" dt="2025-09-22T19:30:33.802" v="632" actId="1076"/>
+          <ac:spMkLst>
+            <pc:docMk/>
+            <pc:sldMk cId="3884894996" sldId="260"/>
+            <ac:spMk id="21" creationId="{4524FD91-BDC9-DC17-142A-13AD5F27DA31}"/>
+          </ac:spMkLst>
+        </pc:spChg>
+        <pc:spChg chg="add mod">
+          <ac:chgData name="Zonghua Gu" userId="9a7e1853e1951ef5" providerId="LiveId" clId="{CF1FAA12-072C-4ED5-BA76-0FFFAEFDB88A}" dt="2025-09-22T19:31:17.989" v="655" actId="1076"/>
+          <ac:spMkLst>
+            <pc:docMk/>
+            <pc:sldMk cId="3884894996" sldId="260"/>
+            <ac:spMk id="22" creationId="{875DABEC-3EAE-282B-99E0-5AD8630AFE37}"/>
+          </ac:spMkLst>
+        </pc:spChg>
+        <pc:graphicFrameChg chg="add del mod modGraphic">
+          <ac:chgData name="Zonghua Gu" userId="9a7e1853e1951ef5" providerId="LiveId" clId="{CF1FAA12-072C-4ED5-BA76-0FFFAEFDB88A}" dt="2025-09-22T19:33:58.510" v="660" actId="478"/>
+          <ac:graphicFrameMkLst>
+            <pc:docMk/>
+            <pc:sldMk cId="3884894996" sldId="260"/>
+            <ac:graphicFrameMk id="5" creationId="{8100F10B-2F1A-CE58-56D7-1EC2D605DF06}"/>
+          </ac:graphicFrameMkLst>
+        </pc:graphicFrameChg>
+        <pc:graphicFrameChg chg="add del mod modGraphic">
+          <ac:chgData name="Zonghua Gu" userId="9a7e1853e1951ef5" providerId="LiveId" clId="{CF1FAA12-072C-4ED5-BA76-0FFFAEFDB88A}" dt="2025-09-22T19:33:58.510" v="660" actId="478"/>
+          <ac:graphicFrameMkLst>
+            <pc:docMk/>
+            <pc:sldMk cId="3884894996" sldId="260"/>
+            <ac:graphicFrameMk id="6" creationId="{60884789-36D2-8938-A487-ED635FF8B69C}"/>
+          </ac:graphicFrameMkLst>
+        </pc:graphicFrameChg>
+        <pc:graphicFrameChg chg="add del mod modGraphic">
+          <ac:chgData name="Zonghua Gu" userId="9a7e1853e1951ef5" providerId="LiveId" clId="{CF1FAA12-072C-4ED5-BA76-0FFFAEFDB88A}" dt="2025-09-22T19:33:58.510" v="660" actId="478"/>
+          <ac:graphicFrameMkLst>
+            <pc:docMk/>
+            <pc:sldMk cId="3884894996" sldId="260"/>
+            <ac:graphicFrameMk id="7" creationId="{6F1B9976-D9DE-2ACB-B681-4A9B5D03ABD9}"/>
+          </ac:graphicFrameMkLst>
+        </pc:graphicFrameChg>
+        <pc:graphicFrameChg chg="add mod">
+          <ac:chgData name="Zonghua Gu" userId="9a7e1853e1951ef5" providerId="LiveId" clId="{CF1FAA12-072C-4ED5-BA76-0FFFAEFDB88A}" dt="2025-09-22T19:28:38.019" v="598" actId="1076"/>
+          <ac:graphicFrameMkLst>
+            <pc:docMk/>
+            <pc:sldMk cId="3884894996" sldId="260"/>
+            <ac:graphicFrameMk id="8" creationId="{03308E94-A0F6-359D-717D-891E2E630EAB}"/>
+          </ac:graphicFrameMkLst>
+        </pc:graphicFrameChg>
+        <pc:graphicFrameChg chg="mod">
+          <ac:chgData name="Zonghua Gu" userId="9a7e1853e1951ef5" providerId="LiveId" clId="{CF1FAA12-072C-4ED5-BA76-0FFFAEFDB88A}" dt="2025-09-22T19:30:02.517" v="626" actId="1076"/>
+          <ac:graphicFrameMkLst>
+            <pc:docMk/>
+            <pc:sldMk cId="3884894996" sldId="260"/>
+            <ac:graphicFrameMk id="11" creationId="{F41DF45E-6835-8E25-656C-8E8DC4631F0E}"/>
+          </ac:graphicFrameMkLst>
+        </pc:graphicFrameChg>
+        <pc:graphicFrameChg chg="add mod">
+          <ac:chgData name="Zonghua Gu" userId="9a7e1853e1951ef5" providerId="LiveId" clId="{CF1FAA12-072C-4ED5-BA76-0FFFAEFDB88A}" dt="2025-09-22T19:29:58.746" v="625" actId="1076"/>
+          <ac:graphicFrameMkLst>
+            <pc:docMk/>
+            <pc:sldMk cId="3884894996" sldId="260"/>
+            <ac:graphicFrameMk id="14" creationId="{D915B79B-0559-150B-208E-D718B7EC52C1}"/>
+          </ac:graphicFrameMkLst>
+        </pc:graphicFrameChg>
+        <pc:graphicFrameChg chg="add mod modGraphic">
+          <ac:chgData name="Zonghua Gu" userId="9a7e1853e1951ef5" providerId="LiveId" clId="{CF1FAA12-072C-4ED5-BA76-0FFFAEFDB88A}" dt="2025-09-22T19:30:37.736" v="633" actId="6549"/>
+          <ac:graphicFrameMkLst>
+            <pc:docMk/>
+            <pc:sldMk cId="3884894996" sldId="260"/>
+            <ac:graphicFrameMk id="19" creationId="{138764CE-BAA4-9C81-9732-4DD4B550914C}"/>
+          </ac:graphicFrameMkLst>
+        </pc:graphicFrameChg>
+      </pc:sldChg>
+      <pc:sldChg chg="addSp delSp modSp new mod">
+        <pc:chgData name="Zonghua Gu" userId="9a7e1853e1951ef5" providerId="LiveId" clId="{CF1FAA12-072C-4ED5-BA76-0FFFAEFDB88A}" dt="2025-09-22T19:27:41.816" v="549"/>
+        <pc:sldMkLst>
+          <pc:docMk/>
+          <pc:sldMk cId="437885179" sldId="261"/>
+        </pc:sldMkLst>
+        <pc:spChg chg="mod">
+          <ac:chgData name="Zonghua Gu" userId="9a7e1853e1951ef5" providerId="LiveId" clId="{CF1FAA12-072C-4ED5-BA76-0FFFAEFDB88A}" dt="2025-09-22T19:27:14.223" v="541" actId="20577"/>
+          <ac:spMkLst>
+            <pc:docMk/>
+            <pc:sldMk cId="437885179" sldId="261"/>
+            <ac:spMk id="2" creationId="{A840350A-DE76-846E-5AB2-1DE2EDB0E9E9}"/>
+          </ac:spMkLst>
+        </pc:spChg>
+        <pc:spChg chg="add del mod">
+          <ac:chgData name="Zonghua Gu" userId="9a7e1853e1951ef5" providerId="LiveId" clId="{CF1FAA12-072C-4ED5-BA76-0FFFAEFDB88A}" dt="2025-09-22T19:22:58.977" v="495" actId="14100"/>
+          <ac:spMkLst>
+            <pc:docMk/>
+            <pc:sldMk cId="437885179" sldId="261"/>
+            <ac:spMk id="4" creationId="{F8B814FC-F419-027A-EA4D-935437EEAA0E}"/>
+          </ac:spMkLst>
+        </pc:spChg>
+        <pc:spChg chg="add mod">
+          <ac:chgData name="Zonghua Gu" userId="9a7e1853e1951ef5" providerId="LiveId" clId="{CF1FAA12-072C-4ED5-BA76-0FFFAEFDB88A}" dt="2025-09-22T19:23:54.528" v="512" actId="1076"/>
+          <ac:spMkLst>
+            <pc:docMk/>
+            <pc:sldMk cId="437885179" sldId="261"/>
+            <ac:spMk id="8" creationId="{21C00B18-AB39-00EF-930D-94A66B3DBEEE}"/>
+          </ac:spMkLst>
+        </pc:spChg>
+        <pc:spChg chg="add mod">
+          <ac:chgData name="Zonghua Gu" userId="9a7e1853e1951ef5" providerId="LiveId" clId="{CF1FAA12-072C-4ED5-BA76-0FFFAEFDB88A}" dt="2025-09-22T19:23:54.528" v="512" actId="1076"/>
+          <ac:spMkLst>
+            <pc:docMk/>
+            <pc:sldMk cId="437885179" sldId="261"/>
+            <ac:spMk id="9" creationId="{2D771397-E6F5-FBB8-542D-C5B13309CE80}"/>
+          </ac:spMkLst>
+        </pc:spChg>
+        <pc:spChg chg="add del mod">
+          <ac:chgData name="Zonghua Gu" userId="9a7e1853e1951ef5" providerId="LiveId" clId="{CF1FAA12-072C-4ED5-BA76-0FFFAEFDB88A}" dt="2025-09-22T19:27:32.386" v="545" actId="478"/>
+          <ac:spMkLst>
+            <pc:docMk/>
+            <pc:sldMk cId="437885179" sldId="261"/>
+            <ac:spMk id="11" creationId="{3D277C65-F9A5-ABE5-B4D8-363831C56942}"/>
+          </ac:spMkLst>
+        </pc:spChg>
+        <pc:spChg chg="add del mod">
+          <ac:chgData name="Zonghua Gu" userId="9a7e1853e1951ef5" providerId="LiveId" clId="{CF1FAA12-072C-4ED5-BA76-0FFFAEFDB88A}" dt="2025-09-22T19:27:32.386" v="545" actId="478"/>
+          <ac:spMkLst>
+            <pc:docMk/>
+            <pc:sldMk cId="437885179" sldId="261"/>
+            <ac:spMk id="12" creationId="{5409741A-B13B-CA11-9EE5-AB85D053E74D}"/>
+          </ac:spMkLst>
+        </pc:spChg>
+        <pc:spChg chg="add del mod">
+          <ac:chgData name="Zonghua Gu" userId="9a7e1853e1951ef5" providerId="LiveId" clId="{CF1FAA12-072C-4ED5-BA76-0FFFAEFDB88A}" dt="2025-09-22T19:27:30.420" v="544" actId="478"/>
+          <ac:spMkLst>
+            <pc:docMk/>
+            <pc:sldMk cId="437885179" sldId="261"/>
+            <ac:spMk id="14" creationId="{0BD9F96F-5096-E052-20A8-9FD4C7B79AA6}"/>
+          </ac:spMkLst>
+        </pc:spChg>
+        <pc:spChg chg="add del mod">
+          <ac:chgData name="Zonghua Gu" userId="9a7e1853e1951ef5" providerId="LiveId" clId="{CF1FAA12-072C-4ED5-BA76-0FFFAEFDB88A}" dt="2025-09-22T19:27:30.420" v="544" actId="478"/>
+          <ac:spMkLst>
+            <pc:docMk/>
+            <pc:sldMk cId="437885179" sldId="261"/>
+            <ac:spMk id="15" creationId="{E3D118B7-0C41-8E16-28DA-986549126DAF}"/>
+          </ac:spMkLst>
+        </pc:spChg>
+        <pc:spChg chg="add mod">
+          <ac:chgData name="Zonghua Gu" userId="9a7e1853e1951ef5" providerId="LiveId" clId="{CF1FAA12-072C-4ED5-BA76-0FFFAEFDB88A}" dt="2025-09-22T19:23:58.413" v="513" actId="1076"/>
+          <ac:spMkLst>
+            <pc:docMk/>
+            <pc:sldMk cId="437885179" sldId="261"/>
+            <ac:spMk id="16" creationId="{F8C9E426-19B3-C381-5E30-7C2FF94F96E8}"/>
+          </ac:spMkLst>
+        </pc:spChg>
+        <pc:spChg chg="add del mod">
+          <ac:chgData name="Zonghua Gu" userId="9a7e1853e1951ef5" providerId="LiveId" clId="{CF1FAA12-072C-4ED5-BA76-0FFFAEFDB88A}" dt="2025-09-22T19:23:48.516" v="510" actId="478"/>
+          <ac:spMkLst>
+            <pc:docMk/>
+            <pc:sldMk cId="437885179" sldId="261"/>
+            <ac:spMk id="19" creationId="{69124F9F-786E-F6FE-3926-FC255326135A}"/>
+          </ac:spMkLst>
+        </pc:spChg>
+        <pc:spChg chg="add mod">
+          <ac:chgData name="Zonghua Gu" userId="9a7e1853e1951ef5" providerId="LiveId" clId="{CF1FAA12-072C-4ED5-BA76-0FFFAEFDB88A}" dt="2025-09-22T19:27:41.816" v="549"/>
+          <ac:spMkLst>
+            <pc:docMk/>
+            <pc:sldMk cId="437885179" sldId="261"/>
+            <ac:spMk id="22" creationId="{8C3A0F5D-E35F-6473-85B4-E60E6B15F6BA}"/>
+          </ac:spMkLst>
+        </pc:spChg>
+        <pc:graphicFrameChg chg="add mod modGraphic">
+          <ac:chgData name="Zonghua Gu" userId="9a7e1853e1951ef5" providerId="LiveId" clId="{CF1FAA12-072C-4ED5-BA76-0FFFAEFDB88A}" dt="2025-09-22T19:23:54.528" v="512" actId="1076"/>
+          <ac:graphicFrameMkLst>
+            <pc:docMk/>
+            <pc:sldMk cId="437885179" sldId="261"/>
+            <ac:graphicFrameMk id="7" creationId="{9CA273F4-CE16-CD49-EA0C-05FC3BE81836}"/>
+          </ac:graphicFrameMkLst>
+        </pc:graphicFrameChg>
+        <pc:graphicFrameChg chg="add mod modGraphic">
+          <ac:chgData name="Zonghua Gu" userId="9a7e1853e1951ef5" providerId="LiveId" clId="{CF1FAA12-072C-4ED5-BA76-0FFFAEFDB88A}" dt="2025-09-22T19:27:24.138" v="543" actId="6549"/>
+          <ac:graphicFrameMkLst>
+            <pc:docMk/>
+            <pc:sldMk cId="437885179" sldId="261"/>
+            <ac:graphicFrameMk id="10" creationId="{769E05C3-D653-26B3-A1FA-DB8D01C197A6}"/>
+          </ac:graphicFrameMkLst>
+        </pc:graphicFrameChg>
+        <pc:graphicFrameChg chg="add mod">
+          <ac:chgData name="Zonghua Gu" userId="9a7e1853e1951ef5" providerId="LiveId" clId="{CF1FAA12-072C-4ED5-BA76-0FFFAEFDB88A}" dt="2025-09-22T19:24:02.176" v="514" actId="1076"/>
+          <ac:graphicFrameMkLst>
+            <pc:docMk/>
+            <pc:sldMk cId="437885179" sldId="261"/>
+            <ac:graphicFrameMk id="13" creationId="{E2800F77-7DAB-31B4-1921-A01DE4EBD781}"/>
+          </ac:graphicFrameMkLst>
+        </pc:graphicFrameChg>
+        <pc:picChg chg="add del mod ord">
+          <ac:chgData name="Zonghua Gu" userId="9a7e1853e1951ef5" providerId="LiveId" clId="{CF1FAA12-072C-4ED5-BA76-0FFFAEFDB88A}" dt="2025-09-22T19:19:07.616" v="417" actId="22"/>
+          <ac:picMkLst>
+            <pc:docMk/>
+            <pc:sldMk cId="437885179" sldId="261"/>
+            <ac:picMk id="6" creationId="{91055C05-2F85-D5CD-169D-26F788F8E736}"/>
+          </ac:picMkLst>
+        </pc:picChg>
+        <pc:cxnChg chg="add del mod">
+          <ac:chgData name="Zonghua Gu" userId="9a7e1853e1951ef5" providerId="LiveId" clId="{CF1FAA12-072C-4ED5-BA76-0FFFAEFDB88A}" dt="2025-09-22T19:22:50.630" v="494" actId="478"/>
+          <ac:cxnSpMkLst>
+            <pc:docMk/>
+            <pc:sldMk cId="437885179" sldId="261"/>
+            <ac:cxnSpMk id="18" creationId="{303A9457-17A1-E16E-1578-8D66CC20CA0A}"/>
+          </ac:cxnSpMkLst>
+        </pc:cxnChg>
+        <pc:cxnChg chg="add del mod">
+          <ac:chgData name="Zonghua Gu" userId="9a7e1853e1951ef5" providerId="LiveId" clId="{CF1FAA12-072C-4ED5-BA76-0FFFAEFDB88A}" dt="2025-09-22T19:23:50.480" v="511" actId="478"/>
+          <ac:cxnSpMkLst>
+            <pc:docMk/>
+            <pc:sldMk cId="437885179" sldId="261"/>
+            <ac:cxnSpMk id="20" creationId="{6536BBCC-EEDD-0758-049F-8A37B4E7E446}"/>
+          </ac:cxnSpMkLst>
+        </pc:cxnChg>
+      </pc:sldChg>
+      <pc:sldChg chg="modSp add del mod">
+        <pc:chgData name="Zonghua Gu" userId="9a7e1853e1951ef5" providerId="LiveId" clId="{CF1FAA12-072C-4ED5-BA76-0FFFAEFDB88A}" dt="2025-09-22T19:33:49.397" v="659" actId="47"/>
+        <pc:sldMkLst>
+          <pc:docMk/>
+          <pc:sldMk cId="811408396" sldId="262"/>
+        </pc:sldMkLst>
+        <pc:spChg chg="mod">
+          <ac:chgData name="Zonghua Gu" userId="9a7e1853e1951ef5" providerId="LiveId" clId="{CF1FAA12-072C-4ED5-BA76-0FFFAEFDB88A}" dt="2025-09-22T19:29:23.321" v="614" actId="1037"/>
+          <ac:spMkLst>
+            <pc:docMk/>
+            <pc:sldMk cId="811408396" sldId="262"/>
+            <ac:spMk id="8" creationId="{F1F191B1-122C-DE69-5D99-9885FE770CEF}"/>
+          </ac:spMkLst>
+        </pc:spChg>
+        <pc:spChg chg="mod">
+          <ac:chgData name="Zonghua Gu" userId="9a7e1853e1951ef5" providerId="LiveId" clId="{CF1FAA12-072C-4ED5-BA76-0FFFAEFDB88A}" dt="2025-09-22T19:29:23.321" v="614" actId="1037"/>
+          <ac:spMkLst>
+            <pc:docMk/>
+            <pc:sldMk cId="811408396" sldId="262"/>
+            <ac:spMk id="9" creationId="{4250663F-4178-8FCA-1A62-89421E05B475}"/>
+          </ac:spMkLst>
+        </pc:spChg>
+        <pc:spChg chg="mod">
+          <ac:chgData name="Zonghua Gu" userId="9a7e1853e1951ef5" providerId="LiveId" clId="{CF1FAA12-072C-4ED5-BA76-0FFFAEFDB88A}" dt="2025-09-22T19:29:27.264" v="618" actId="1037"/>
+          <ac:spMkLst>
+            <pc:docMk/>
+            <pc:sldMk cId="811408396" sldId="262"/>
+            <ac:spMk id="11" creationId="{F3A7A8C3-C9E2-865D-A8E9-38BB3A4AA9E1}"/>
+          </ac:spMkLst>
+        </pc:spChg>
+        <pc:spChg chg="mod">
+          <ac:chgData name="Zonghua Gu" userId="9a7e1853e1951ef5" providerId="LiveId" clId="{CF1FAA12-072C-4ED5-BA76-0FFFAEFDB88A}" dt="2025-09-22T19:29:27.264" v="618" actId="1037"/>
+          <ac:spMkLst>
+            <pc:docMk/>
+            <pc:sldMk cId="811408396" sldId="262"/>
+            <ac:spMk id="12" creationId="{2FC435EA-0559-1B90-C166-252E630FE067}"/>
+          </ac:spMkLst>
+        </pc:spChg>
+        <pc:spChg chg="mod">
+          <ac:chgData name="Zonghua Gu" userId="9a7e1853e1951ef5" providerId="LiveId" clId="{CF1FAA12-072C-4ED5-BA76-0FFFAEFDB88A}" dt="2025-09-22T19:29:32.070" v="622" actId="1037"/>
+          <ac:spMkLst>
+            <pc:docMk/>
+            <pc:sldMk cId="811408396" sldId="262"/>
+            <ac:spMk id="14" creationId="{3E7FA428-1FF7-3678-BA12-52B7B27CE248}"/>
+          </ac:spMkLst>
+        </pc:spChg>
+        <pc:spChg chg="mod">
+          <ac:chgData name="Zonghua Gu" userId="9a7e1853e1951ef5" providerId="LiveId" clId="{CF1FAA12-072C-4ED5-BA76-0FFFAEFDB88A}" dt="2025-09-22T19:29:32.070" v="622" actId="1037"/>
+          <ac:spMkLst>
+            <pc:docMk/>
+            <pc:sldMk cId="811408396" sldId="262"/>
+            <ac:spMk id="15" creationId="{17FA646C-7278-D65B-6456-003D90C5D49A}"/>
+          </ac:spMkLst>
+        </pc:spChg>
+        <pc:spChg chg="mod">
+          <ac:chgData name="Zonghua Gu" userId="9a7e1853e1951ef5" providerId="LiveId" clId="{CF1FAA12-072C-4ED5-BA76-0FFFAEFDB88A}" dt="2025-09-22T19:30:43.281" v="635" actId="1076"/>
+          <ac:spMkLst>
+            <pc:docMk/>
+            <pc:sldMk cId="811408396" sldId="262"/>
+            <ac:spMk id="22" creationId="{721073BD-7DB6-2778-20A6-200BC47AB188}"/>
+          </ac:spMkLst>
+        </pc:spChg>
+      </pc:sldChg>
+      <pc:sldChg chg="addSp modSp add mod">
+        <pc:chgData name="Zonghua Gu" userId="9a7e1853e1951ef5" providerId="LiveId" clId="{CF1FAA12-072C-4ED5-BA76-0FFFAEFDB88A}" dt="2025-09-22T19:38:04.649" v="819" actId="20577"/>
+        <pc:sldMkLst>
+          <pc:docMk/>
+          <pc:sldMk cId="2007294765" sldId="263"/>
+        </pc:sldMkLst>
+        <pc:spChg chg="add mod">
+          <ac:chgData name="Zonghua Gu" userId="9a7e1853e1951ef5" providerId="LiveId" clId="{CF1FAA12-072C-4ED5-BA76-0FFFAEFDB88A}" dt="2025-09-22T19:38:04.649" v="819" actId="20577"/>
+          <ac:spMkLst>
+            <pc:docMk/>
+            <pc:sldMk cId="2007294765" sldId="263"/>
+            <ac:spMk id="5" creationId="{E934273F-86D4-4FCA-7A42-387A88B6F17F}"/>
+          </ac:spMkLst>
+        </pc:spChg>
+      </pc:sldChg>
       <pc:sldChg chg="del">
         <pc:chgData name="Zonghua Gu" userId="9a7e1853e1951ef5" providerId="LiveId" clId="{CF1FAA12-072C-4ED5-BA76-0FFFAEFDB88A}" dt="2025-09-22T00:19:08.642" v="112" actId="47"/>
         <pc:sldMkLst>
           <pc:docMk/>
           <pc:sldMk cId="2949426341" sldId="266"/>
         </pc:sldMkLst>
+      </pc:sldChg>
+      <pc:sldChg chg="addSp modSp add">
+        <pc:chgData name="Zonghua Gu" userId="9a7e1853e1951ef5" providerId="LiveId" clId="{CF1FAA12-072C-4ED5-BA76-0FFFAEFDB88A}" dt="2025-09-22T19:33:26.215" v="657"/>
+        <pc:sldMkLst>
+          <pc:docMk/>
+          <pc:sldMk cId="1120632604" sldId="278"/>
+        </pc:sldMkLst>
+        <pc:spChg chg="add mod">
+          <ac:chgData name="Zonghua Gu" userId="9a7e1853e1951ef5" providerId="LiveId" clId="{CF1FAA12-072C-4ED5-BA76-0FFFAEFDB88A}" dt="2025-09-22T19:33:26.215" v="657"/>
+          <ac:spMkLst>
+            <pc:docMk/>
+            <pc:sldMk cId="1120632604" sldId="278"/>
+            <ac:spMk id="7" creationId="{CA1DAB37-747D-183E-CAAD-AD690621F135}"/>
+          </ac:spMkLst>
+        </pc:spChg>
+      </pc:sldChg>
+      <pc:sldChg chg="addSp modSp add">
+        <pc:chgData name="Zonghua Gu" userId="9a7e1853e1951ef5" providerId="LiveId" clId="{CF1FAA12-072C-4ED5-BA76-0FFFAEFDB88A}" dt="2025-09-22T19:33:28.753" v="658"/>
+        <pc:sldMkLst>
+          <pc:docMk/>
+          <pc:sldMk cId="424972285" sldId="279"/>
+        </pc:sldMkLst>
+        <pc:spChg chg="add mod">
+          <ac:chgData name="Zonghua Gu" userId="9a7e1853e1951ef5" providerId="LiveId" clId="{CF1FAA12-072C-4ED5-BA76-0FFFAEFDB88A}" dt="2025-09-22T19:33:28.753" v="658"/>
+          <ac:spMkLst>
+            <pc:docMk/>
+            <pc:sldMk cId="424972285" sldId="279"/>
+            <ac:spMk id="8" creationId="{81298358-2851-DD72-AD97-76AEE8B1D766}"/>
+          </ac:spMkLst>
+        </pc:spChg>
+      </pc:sldChg>
+      <pc:sldChg chg="delSp modSp add mod">
+        <pc:chgData name="Zonghua Gu" userId="9a7e1853e1951ef5" providerId="LiveId" clId="{CF1FAA12-072C-4ED5-BA76-0FFFAEFDB88A}" dt="2025-09-22T19:35:54.081" v="674"/>
+        <pc:sldMkLst>
+          <pc:docMk/>
+          <pc:sldMk cId="465749855" sldId="280"/>
+        </pc:sldMkLst>
+        <pc:spChg chg="mod">
+          <ac:chgData name="Zonghua Gu" userId="9a7e1853e1951ef5" providerId="LiveId" clId="{CF1FAA12-072C-4ED5-BA76-0FFFAEFDB88A}" dt="2025-09-22T19:35:22.290" v="662" actId="20577"/>
+          <ac:spMkLst>
+            <pc:docMk/>
+            <pc:sldMk cId="465749855" sldId="280"/>
+            <ac:spMk id="2" creationId="{8CE305BA-4383-D05A-A09F-E8888E979ED1}"/>
+          </ac:spMkLst>
+        </pc:spChg>
+        <pc:spChg chg="del">
+          <ac:chgData name="Zonghua Gu" userId="9a7e1853e1951ef5" providerId="LiveId" clId="{CF1FAA12-072C-4ED5-BA76-0FFFAEFDB88A}" dt="2025-09-22T19:35:28.671" v="663" actId="478"/>
+          <ac:spMkLst>
+            <pc:docMk/>
+            <pc:sldMk cId="465749855" sldId="280"/>
+            <ac:spMk id="12" creationId="{A4AF4342-F51E-DE37-FA1C-5EF318ED469B}"/>
+          </ac:spMkLst>
+        </pc:spChg>
+        <pc:spChg chg="del">
+          <ac:chgData name="Zonghua Gu" userId="9a7e1853e1951ef5" providerId="LiveId" clId="{CF1FAA12-072C-4ED5-BA76-0FFFAEFDB88A}" dt="2025-09-22T19:35:28.671" v="663" actId="478"/>
+          <ac:spMkLst>
+            <pc:docMk/>
+            <pc:sldMk cId="465749855" sldId="280"/>
+            <ac:spMk id="13" creationId="{B7BF2683-612D-023D-F053-9281C5D88B19}"/>
+          </ac:spMkLst>
+        </pc:spChg>
+        <pc:spChg chg="del">
+          <ac:chgData name="Zonghua Gu" userId="9a7e1853e1951ef5" providerId="LiveId" clId="{CF1FAA12-072C-4ED5-BA76-0FFFAEFDB88A}" dt="2025-09-22T19:35:28.671" v="663" actId="478"/>
+          <ac:spMkLst>
+            <pc:docMk/>
+            <pc:sldMk cId="465749855" sldId="280"/>
+            <ac:spMk id="15" creationId="{C5A44ABD-EF26-AFB1-7128-4BD1C705F8D7}"/>
+          </ac:spMkLst>
+        </pc:spChg>
+        <pc:spChg chg="del">
+          <ac:chgData name="Zonghua Gu" userId="9a7e1853e1951ef5" providerId="LiveId" clId="{CF1FAA12-072C-4ED5-BA76-0FFFAEFDB88A}" dt="2025-09-22T19:35:28.671" v="663" actId="478"/>
+          <ac:spMkLst>
+            <pc:docMk/>
+            <pc:sldMk cId="465749855" sldId="280"/>
+            <ac:spMk id="16" creationId="{F0B336CC-502A-C190-AFA3-83039C57812B}"/>
+          </ac:spMkLst>
+        </pc:spChg>
+        <pc:spChg chg="del">
+          <ac:chgData name="Zonghua Gu" userId="9a7e1853e1951ef5" providerId="LiveId" clId="{CF1FAA12-072C-4ED5-BA76-0FFFAEFDB88A}" dt="2025-09-22T19:35:31.359" v="664" actId="478"/>
+          <ac:spMkLst>
+            <pc:docMk/>
+            <pc:sldMk cId="465749855" sldId="280"/>
+            <ac:spMk id="20" creationId="{A177A75E-E534-E27E-6F7C-F055FF891F3C}"/>
+          </ac:spMkLst>
+        </pc:spChg>
+        <pc:spChg chg="del">
+          <ac:chgData name="Zonghua Gu" userId="9a7e1853e1951ef5" providerId="LiveId" clId="{CF1FAA12-072C-4ED5-BA76-0FFFAEFDB88A}" dt="2025-09-22T19:35:31.359" v="664" actId="478"/>
+          <ac:spMkLst>
+            <pc:docMk/>
+            <pc:sldMk cId="465749855" sldId="280"/>
+            <ac:spMk id="21" creationId="{28AA04E0-82B0-7BE7-8DEE-AE45D0936096}"/>
+          </ac:spMkLst>
+        </pc:spChg>
+        <pc:spChg chg="mod">
+          <ac:chgData name="Zonghua Gu" userId="9a7e1853e1951ef5" providerId="LiveId" clId="{CF1FAA12-072C-4ED5-BA76-0FFFAEFDB88A}" dt="2025-09-22T19:35:54.081" v="674"/>
+          <ac:spMkLst>
+            <pc:docMk/>
+            <pc:sldMk cId="465749855" sldId="280"/>
+            <ac:spMk id="22" creationId="{48B69D91-DFE6-88E9-7060-DADED4F5332B}"/>
+          </ac:spMkLst>
+        </pc:spChg>
+        <pc:graphicFrameChg chg="modGraphic">
+          <ac:chgData name="Zonghua Gu" userId="9a7e1853e1951ef5" providerId="LiveId" clId="{CF1FAA12-072C-4ED5-BA76-0FFFAEFDB88A}" dt="2025-09-22T19:35:40.019" v="666" actId="6549"/>
+          <ac:graphicFrameMkLst>
+            <pc:docMk/>
+            <pc:sldMk cId="465749855" sldId="280"/>
+            <ac:graphicFrameMk id="11" creationId="{048D6398-3761-E3BF-934F-679B116555DD}"/>
+          </ac:graphicFrameMkLst>
+        </pc:graphicFrameChg>
+        <pc:graphicFrameChg chg="modGraphic">
+          <ac:chgData name="Zonghua Gu" userId="9a7e1853e1951ef5" providerId="LiveId" clId="{CF1FAA12-072C-4ED5-BA76-0FFFAEFDB88A}" dt="2025-09-22T19:35:44.420" v="670" actId="6549"/>
+          <ac:graphicFrameMkLst>
+            <pc:docMk/>
+            <pc:sldMk cId="465749855" sldId="280"/>
+            <ac:graphicFrameMk id="14" creationId="{CC6440A4-115E-9454-B8B0-2DAC5F2E8E85}"/>
+          </ac:graphicFrameMkLst>
+        </pc:graphicFrameChg>
       </pc:sldChg>
       <pc:sldChg chg="del">
         <pc:chgData name="Zonghua Gu" userId="9a7e1853e1951ef5" providerId="LiveId" clId="{CF1FAA12-072C-4ED5-BA76-0FFFAEFDB88A}" dt="2025-09-22T00:19:08.642" v="112" actId="47"/>
@@ -695,7 +1398,7 @@
           <a:p>
             <a:fld id="{3B161579-C726-4AFD-89FC-66D961EAF8EA}" type="datetimeFigureOut">
               <a:rPr lang="en-US" smtClean="0"/>
-              <a:t>9/21/2025</a:t>
+              <a:t>9/22/2025</a:t>
             </a:fld>
             <a:endParaRPr lang="en-US"/>
           </a:p>
@@ -873,7 +1576,7 @@
             <a:fld id="{0C5DCA7A-C3FD-4606-A3AD-864BD96433D4}" type="datetimeFigureOut">
               <a:rPr lang="en-US" smtClean="0"/>
               <a:pPr/>
-              <a:t>9/21/2025</a:t>
+              <a:t>9/22/2025</a:t>
             </a:fld>
             <a:endParaRPr lang="en-US"/>
           </a:p>
@@ -1141,6 +1844,330 @@
 </p:notesMaster>
 </file>
 
+<file path=ppt/notesSlides/notesSlide1.xml><?xml version="1.0" encoding="utf-8"?>
+<p:notes xmlns:a="http://schemas.openxmlformats.org/drawingml/2006/main" xmlns:r="http://schemas.openxmlformats.org/officeDocument/2006/relationships" xmlns:p="http://schemas.openxmlformats.org/presentationml/2006/main">
+  <p:cSld>
+    <p:spTree>
+      <p:nvGrpSpPr>
+        <p:cNvPr id="1" name=""/>
+        <p:cNvGrpSpPr/>
+        <p:nvPr/>
+      </p:nvGrpSpPr>
+      <p:grpSpPr>
+        <a:xfrm>
+          <a:off x="0" y="0"/>
+          <a:ext cx="0" cy="0"/>
+          <a:chOff x="0" y="0"/>
+          <a:chExt cx="0" cy="0"/>
+        </a:xfrm>
+      </p:grpSpPr>
+      <p:sp>
+        <p:nvSpPr>
+          <p:cNvPr id="2" name="Slide Image Placeholder 1"/>
+          <p:cNvSpPr>
+            <a:spLocks noGrp="1" noRot="1" noChangeAspect="1"/>
+          </p:cNvSpPr>
+          <p:nvPr>
+            <p:ph type="sldImg"/>
+          </p:nvPr>
+        </p:nvSpPr>
+        <p:spPr/>
+      </p:sp>
+      <p:sp>
+        <p:nvSpPr>
+          <p:cNvPr id="3" name="Notes Placeholder 2"/>
+          <p:cNvSpPr>
+            <a:spLocks noGrp="1"/>
+          </p:cNvSpPr>
+          <p:nvPr>
+            <p:ph type="body" idx="1"/>
+          </p:nvPr>
+        </p:nvSpPr>
+        <p:spPr/>
+        <p:txBody>
+          <a:bodyPr/>
+          <a:lstStyle/>
+          <a:p>
+            <a:r>
+              <a:rPr lang="en-US" dirty="0"/>
+              <a:t>Yes. For a standard full-descending ARM/Thumb-2 stack, SP is decremented before each store during PUSH (pre-decrement), and incremented after each load during POP (post-increment); slides should reflect SP moving down before writing and up after reading.</a:t>
+            </a:r>
+            <a:r>
+              <a:rPr lang="en-US" dirty="0">
+                <a:hlinkClick r:id="rId3"/>
+              </a:rPr>
+              <a:t>duetorun+1</a:t>
+            </a:r>
+            <a:endParaRPr lang="en-US" dirty="0"/>
+          </a:p>
+          <a:p>
+            <a:r>
+              <a:rPr lang="en-US" b="1" dirty="0"/>
+              <a:t>Correct rule to apply</a:t>
+            </a:r>
+          </a:p>
+          <a:p>
+            <a:r>
+              <a:rPr lang="en-US" dirty="0"/>
+              <a:t>PUSH: STMDB/STMFD </a:t>
+            </a:r>
+            <a:r>
+              <a:rPr lang="en-US" dirty="0" err="1"/>
+              <a:t>sp</a:t>
+            </a:r>
+            <a:r>
+              <a:rPr lang="en-US" dirty="0"/>
+              <a:t>!, {...} semantics — SP moves down first, then values are stored starting at the new SP; lowest-numbered register goes to the lowest address.</a:t>
+            </a:r>
+            <a:r>
+              <a:rPr lang="en-US" dirty="0">
+                <a:effectLst/>
+                <a:hlinkClick r:id="rId4"/>
+              </a:rPr>
+              <a:t>documentation-service.arm</a:t>
+            </a:r>
+            <a:r>
+              <a:rPr lang="en-US" dirty="0">
+                <a:hlinkClick r:id="rId4"/>
+              </a:rPr>
+              <a:t>+1</a:t>
+            </a:r>
+            <a:endParaRPr lang="en-US" dirty="0"/>
+          </a:p>
+          <a:p>
+            <a:r>
+              <a:rPr lang="en-US" dirty="0"/>
+              <a:t>POP: LDMIA/LDMFD </a:t>
+            </a:r>
+            <a:r>
+              <a:rPr lang="en-US" dirty="0" err="1"/>
+              <a:t>sp</a:t>
+            </a:r>
+            <a:r>
+              <a:rPr lang="en-US" dirty="0"/>
+              <a:t>!, {...} semantics — values are read starting at SP, then SP moves up after the block; lowest-numbered register is loaded from the lowest address.</a:t>
+            </a:r>
+            <a:r>
+              <a:rPr lang="en-US" dirty="0">
+                <a:hlinkClick r:id="rId5"/>
+              </a:rPr>
+              <a:t>developer.arm+1</a:t>
+            </a:r>
+            <a:endParaRPr lang="en-US" dirty="0"/>
+          </a:p>
+          <a:p>
+            <a:r>
+              <a:rPr lang="en-US" dirty="0">
+                <a:hlinkClick r:id="rId3"/>
+              </a:rPr>
+              <a:t>https://duetorun.com/blog/20230614/arm-stack-modes/</a:t>
+            </a:r>
+            <a:endParaRPr lang="en-US" dirty="0"/>
+          </a:p>
+          <a:p>
+            <a:r>
+              <a:rPr lang="en-US" dirty="0">
+                <a:hlinkClick r:id="rId6"/>
+              </a:rPr>
+              <a:t>https://developer.arm.com/documentation/107656/latest/Registers/Registers-in-the-register-bank/R13--Stack-Pointer--SP-/Stack-memory</a:t>
+            </a:r>
+            <a:endParaRPr lang="en-US" dirty="0"/>
+          </a:p>
+          <a:p>
+            <a:r>
+              <a:rPr lang="en-US" dirty="0">
+                <a:hlinkClick r:id="rId4"/>
+              </a:rPr>
+              <a:t>https://documentation-service.arm.com/static/65798111b52744113be5cda1?token=</a:t>
+            </a:r>
+            <a:endParaRPr lang="en-US" dirty="0"/>
+          </a:p>
+          <a:p>
+            <a:r>
+              <a:rPr lang="en-US" dirty="0">
+                <a:hlinkClick r:id="rId5"/>
+              </a:rPr>
+              <a:t>https://developer.arm.com/documentation/dui0231/latest/thumb-instruction-reference/thumb-memory-access-instructions/push-and-pop</a:t>
+            </a:r>
+            <a:endParaRPr lang="en-US" dirty="0"/>
+          </a:p>
+          <a:p>
+            <a:r>
+              <a:rPr lang="en-US" dirty="0">
+                <a:hlinkClick r:id="rId7"/>
+              </a:rPr>
+              <a:t>https://developer.arm.com/documentation/dui0801/a/Cacbgchh</a:t>
+            </a:r>
+            <a:endParaRPr lang="en-US" dirty="0"/>
+          </a:p>
+          <a:p>
+            <a:r>
+              <a:rPr lang="en-US" dirty="0">
+                <a:hlinkClick r:id="rId8"/>
+              </a:rPr>
+              <a:t>https://stackoverflow.com/questions/70008529/i-cannot-understand-how-the-arm-stack-operations-work</a:t>
+            </a:r>
+            <a:endParaRPr lang="en-US" dirty="0"/>
+          </a:p>
+          <a:p>
+            <a:r>
+              <a:rPr lang="en-US" dirty="0">
+                <a:hlinkClick r:id="rId9"/>
+              </a:rPr>
+              <a:t>https://www.scs.stanford.edu/~zyedidia/docs/arm/extras/annot/subroutines.hohl-arm-asm.pdf</a:t>
+            </a:r>
+            <a:endParaRPr lang="en-US" dirty="0"/>
+          </a:p>
+          <a:p>
+            <a:r>
+              <a:rPr lang="en-US" dirty="0">
+                <a:hlinkClick r:id="rId10"/>
+              </a:rPr>
+              <a:t>https://stackoverflow.com/questions/47109767/push-and-pop-order-in-arm/47109995</a:t>
+            </a:r>
+            <a:endParaRPr lang="en-US" dirty="0"/>
+          </a:p>
+          <a:p>
+            <a:r>
+              <a:rPr lang="en-US" dirty="0">
+                <a:hlinkClick r:id="rId11"/>
+              </a:rPr>
+              <a:t>https://shankarrajagopal.github.io/theory/Module_5_good_one.pdf</a:t>
+            </a:r>
+            <a:endParaRPr lang="en-US" dirty="0"/>
+          </a:p>
+          <a:p>
+            <a:r>
+              <a:rPr lang="en-US" dirty="0">
+                <a:hlinkClick r:id="rId12"/>
+              </a:rPr>
+              <a:t>https://developer.arm.com/documentation/dui0489/e/arm-and-thumb-instructions/memory-access-instructions/push-and-pop</a:t>
+            </a:r>
+            <a:endParaRPr lang="en-US" dirty="0"/>
+          </a:p>
+          <a:p>
+            <a:r>
+              <a:rPr lang="en-US" dirty="0">
+                <a:hlinkClick r:id="rId13"/>
+              </a:rPr>
+              <a:t>https://www.embeddedrelated.com/showthread/comp.arch.embedded/200819-1.php</a:t>
+            </a:r>
+            <a:endParaRPr lang="en-US" dirty="0"/>
+          </a:p>
+          <a:p>
+            <a:r>
+              <a:rPr lang="en-US" dirty="0">
+                <a:hlinkClick r:id="rId14"/>
+              </a:rPr>
+              <a:t>http://www.cs.emory.edu/~cheung/Courses/255/Syllabus/7-ARM/SLIDES/s53.html</a:t>
+            </a:r>
+            <a:endParaRPr lang="en-US" dirty="0"/>
+          </a:p>
+          <a:p>
+            <a:r>
+              <a:rPr lang="en-US" dirty="0">
+                <a:hlinkClick r:id="rId15"/>
+              </a:rPr>
+              <a:t>https://bob.cs.sonoma.edu/testing/sec-stack.html</a:t>
+            </a:r>
+            <a:endParaRPr lang="en-US" dirty="0"/>
+          </a:p>
+          <a:p>
+            <a:r>
+              <a:rPr lang="en-US" dirty="0">
+                <a:hlinkClick r:id="rId16"/>
+              </a:rPr>
+              <a:t>https://stackoverflow.com/questions/57031401/why-push-first-decreases-the-stack-pointer</a:t>
+            </a:r>
+            <a:endParaRPr lang="en-US" dirty="0"/>
+          </a:p>
+          <a:p>
+            <a:r>
+              <a:rPr lang="en-US" dirty="0">
+                <a:hlinkClick r:id="rId17"/>
+              </a:rPr>
+              <a:t>https://azeria-labs.com/functions-and-the-stack-part-7/</a:t>
+            </a:r>
+            <a:endParaRPr lang="en-US" dirty="0"/>
+          </a:p>
+          <a:p>
+            <a:r>
+              <a:rPr lang="en-US" dirty="0">
+                <a:hlinkClick r:id="rId18"/>
+              </a:rPr>
+              <a:t>http://www-mdp.eng.cam.ac.uk/web/library/enginfo/mdp_micro/lecture5/lecture5-4-2.html</a:t>
+            </a:r>
+            <a:endParaRPr lang="en-US" dirty="0"/>
+          </a:p>
+          <a:p>
+            <a:r>
+              <a:rPr lang="en-US" dirty="0">
+                <a:hlinkClick r:id="rId19"/>
+              </a:rPr>
+              <a:t>https://web.eecs.umich.edu/~prabal/teaching/eecs373-f10/readings/ARMv7-M_ARM.pdf</a:t>
+            </a:r>
+            <a:endParaRPr lang="en-US" dirty="0"/>
+          </a:p>
+          <a:p>
+            <a:r>
+              <a:rPr lang="en-US" dirty="0">
+                <a:hlinkClick r:id="rId20"/>
+              </a:rPr>
+              <a:t>https://users.ece.utexas.edu/~valvano/mspm0/Arm_Architecture_v6m_Reference_Manual.pdf</a:t>
+            </a:r>
+            <a:endParaRPr lang="en-US" dirty="0"/>
+          </a:p>
+          <a:p>
+            <a:r>
+              <a:rPr lang="en-US" dirty="0">
+                <a:hlinkClick r:id="rId21"/>
+              </a:rPr>
+              <a:t>http://homepage.cs.uiowa.edu/~jones/compiler/notes/27.shtml</a:t>
+            </a:r>
+            <a:endParaRPr lang="en-US" dirty="0"/>
+          </a:p>
+          <a:p>
+            <a:endParaRPr lang="en-US" dirty="0"/>
+          </a:p>
+        </p:txBody>
+      </p:sp>
+      <p:sp>
+        <p:nvSpPr>
+          <p:cNvPr id="4" name="Slide Number Placeholder 3"/>
+          <p:cNvSpPr>
+            <a:spLocks noGrp="1"/>
+          </p:cNvSpPr>
+          <p:nvPr>
+            <p:ph type="sldNum" sz="quarter" idx="5"/>
+          </p:nvPr>
+        </p:nvSpPr>
+        <p:spPr/>
+        <p:txBody>
+          <a:bodyPr/>
+          <a:lstStyle/>
+          <a:p>
+            <a:fld id="{61B2AF1D-1787-4F45-8D94-E7435950448C}" type="slidenum">
+              <a:rPr lang="en-US" smtClean="0"/>
+              <a:pPr/>
+              <a:t>2</a:t>
+            </a:fld>
+            <a:endParaRPr lang="en-US"/>
+          </a:p>
+        </p:txBody>
+      </p:sp>
+    </p:spTree>
+    <p:extLst>
+      <p:ext uri="{BB962C8B-B14F-4D97-AF65-F5344CB8AC3E}">
+        <p14:creationId xmlns:p14="http://schemas.microsoft.com/office/powerpoint/2010/main" val="1104558044"/>
+      </p:ext>
+    </p:extLst>
+  </p:cSld>
+  <p:clrMapOvr>
+    <a:masterClrMapping/>
+  </p:clrMapOvr>
+</p:notes>
+</file>
+
 <file path=ppt/slideLayouts/slideLayout1.xml><?xml version="1.0" encoding="utf-8"?>
 <p:sldLayout xmlns:a="http://schemas.openxmlformats.org/drawingml/2006/main" xmlns:r="http://schemas.openxmlformats.org/officeDocument/2006/relationships" xmlns:p="http://schemas.openxmlformats.org/presentationml/2006/main" showMasterSp="0" type="title" preserve="1">
   <p:cSld name="Title Slide">
@@ -1283,7 +2310,7 @@
             <a:pPr eaLnBrk="1" latinLnBrk="0" hangingPunct="1"/>
             <a:fld id="{7966D375-7FE4-4861-9EA3-8493E3E81506}" type="datetime1">
               <a:rPr lang="en-US" smtClean="0"/>
-              <a:t>9/21/2025</a:t>
+              <a:t>9/22/2025</a:t>
             </a:fld>
             <a:endParaRPr lang="en-US" sz="1600" dirty="0"/>
           </a:p>
@@ -1643,7 +2670,7 @@
             <a:pPr eaLnBrk="1" latinLnBrk="0" hangingPunct="1"/>
             <a:fld id="{A9C54BE0-D5FE-4C7B-88A7-8835FDA599B1}" type="datetime1">
               <a:rPr lang="en-US" smtClean="0"/>
-              <a:t>9/21/2025</a:t>
+              <a:t>9/22/2025</a:t>
             </a:fld>
             <a:endParaRPr lang="en-US"/>
           </a:p>
@@ -1819,7 +2846,7 @@
             <a:pPr eaLnBrk="1" latinLnBrk="0" hangingPunct="1"/>
             <a:fld id="{F132153C-039A-48A4-AC9F-CEC24D5C2B7A}" type="datetime1">
               <a:rPr lang="en-US" smtClean="0"/>
-              <a:t>9/21/2025</a:t>
+              <a:t>9/22/2025</a:t>
             </a:fld>
             <a:endParaRPr lang="en-US"/>
           </a:p>
@@ -2200,7 +3227,7 @@
             <a:pPr eaLnBrk="1" latinLnBrk="0" hangingPunct="1"/>
             <a:fld id="{00065D69-4622-413E-9E09-6A2509001B66}" type="datetime1">
               <a:rPr lang="en-US" smtClean="0"/>
-              <a:t>9/21/2025</a:t>
+              <a:t>9/22/2025</a:t>
             </a:fld>
             <a:endParaRPr lang="en-US" dirty="0"/>
           </a:p>
@@ -2470,7 +3497,7 @@
             <a:pPr eaLnBrk="1" latinLnBrk="0" hangingPunct="1"/>
             <a:fld id="{26D84756-85D3-4017-90AB-B482945A0CB0}" type="datetime1">
               <a:rPr lang="en-US" smtClean="0"/>
-              <a:t>9/21/2025</a:t>
+              <a:t>9/22/2025</a:t>
             </a:fld>
             <a:endParaRPr lang="en-US" dirty="0"/>
           </a:p>
@@ -2691,7 +3718,7 @@
             <a:pPr eaLnBrk="1" latinLnBrk="0" hangingPunct="1"/>
             <a:fld id="{1359E9A9-3822-4D57-8A64-831B26641011}" type="datetime1">
               <a:rPr lang="en-US" smtClean="0"/>
-              <a:t>9/21/2025</a:t>
+              <a:t>9/22/2025</a:t>
             </a:fld>
             <a:endParaRPr lang="en-US"/>
           </a:p>
@@ -3044,7 +4071,7 @@
             <a:pPr eaLnBrk="1" latinLnBrk="0" hangingPunct="1"/>
             <a:fld id="{F96C45A0-00E6-4B4B-A1A7-CF1486D67AF4}" type="datetime1">
               <a:rPr lang="en-US" smtClean="0"/>
-              <a:t>9/21/2025</a:t>
+              <a:t>9/22/2025</a:t>
             </a:fld>
             <a:endParaRPr lang="en-US"/>
           </a:p>
@@ -3277,7 +4304,7 @@
             <a:pPr eaLnBrk="1" latinLnBrk="0" hangingPunct="1"/>
             <a:fld id="{B88C3861-EF45-4815-A76E-294671FAB405}" type="datetime1">
               <a:rPr lang="en-US" smtClean="0"/>
-              <a:t>9/21/2025</a:t>
+              <a:t>9/22/2025</a:t>
             </a:fld>
             <a:endParaRPr lang="en-US"/>
           </a:p>
@@ -3419,7 +4446,7 @@
             <a:pPr eaLnBrk="1" latinLnBrk="0" hangingPunct="1"/>
             <a:fld id="{0F0B8080-ED7A-45A9-A704-76D750342F93}" type="datetime1">
               <a:rPr lang="en-US" smtClean="0"/>
-              <a:t>9/21/2025</a:t>
+              <a:t>9/22/2025</a:t>
             </a:fld>
             <a:endParaRPr lang="en-US"/>
           </a:p>
@@ -3697,7 +4724,7 @@
             <a:pPr eaLnBrk="1" latinLnBrk="0" hangingPunct="1"/>
             <a:fld id="{D1503A19-0780-4B28-9CCB-B5B1820188BD}" type="datetime1">
               <a:rPr lang="en-US" smtClean="0"/>
-              <a:t>9/21/2025</a:t>
+              <a:t>9/22/2025</a:t>
             </a:fld>
             <a:endParaRPr lang="en-US"/>
           </a:p>
@@ -4105,7 +5132,7 @@
             <a:pPr eaLnBrk="1" latinLnBrk="0" hangingPunct="1"/>
             <a:fld id="{2142A9E5-AE71-46A9-A65E-9BA279401128}" type="datetime1">
               <a:rPr lang="en-US" smtClean="0"/>
-              <a:t>9/21/2025</a:t>
+              <a:t>9/22/2025</a:t>
             </a:fld>
             <a:endParaRPr lang="en-US"/>
           </a:p>
@@ -4443,7 +5470,7 @@
             <a:pPr eaLnBrk="1" latinLnBrk="0" hangingPunct="1"/>
             <a:fld id="{4087DD3F-948A-46ED-B3EC-5D68A963D0B7}" type="datetime1">
               <a:rPr lang="en-US" smtClean="0"/>
-              <a:t>9/21/2025</a:t>
+              <a:t>9/22/2025</a:t>
             </a:fld>
             <a:endParaRPr lang="en-US" sz="1400" dirty="0">
               <a:solidFill>
@@ -5167,675 +6194,7 @@
 </p:sld>
 </file>
 
-<file path=ppt/slides/slide2.xml><?xml version="1.0" encoding="utf-8"?>
-<p:sld xmlns:a="http://schemas.openxmlformats.org/drawingml/2006/main" xmlns:r="http://schemas.openxmlformats.org/officeDocument/2006/relationships" xmlns:p="http://schemas.openxmlformats.org/presentationml/2006/main">
-  <p:cSld>
-    <p:spTree>
-      <p:nvGrpSpPr>
-        <p:cNvPr id="1" name=""/>
-        <p:cNvGrpSpPr/>
-        <p:nvPr/>
-      </p:nvGrpSpPr>
-      <p:grpSpPr>
-        <a:xfrm>
-          <a:off x="0" y="0"/>
-          <a:ext cx="0" cy="0"/>
-          <a:chOff x="0" y="0"/>
-          <a:chExt cx="0" cy="0"/>
-        </a:xfrm>
-      </p:grpSpPr>
-      <p:sp>
-        <p:nvSpPr>
-          <p:cNvPr id="2" name="Title 1">
-            <a:extLst>
-              <a:ext uri="{FF2B5EF4-FFF2-40B4-BE49-F238E27FC236}">
-                <a16:creationId xmlns:a16="http://schemas.microsoft.com/office/drawing/2014/main" id="{53769777-22BA-A4F2-A717-CA88FA78E82B}"/>
-              </a:ext>
-            </a:extLst>
-          </p:cNvPr>
-          <p:cNvSpPr>
-            <a:spLocks noGrp="1"/>
-          </p:cNvSpPr>
-          <p:nvPr>
-            <p:ph type="title"/>
-          </p:nvPr>
-        </p:nvSpPr>
-        <p:spPr/>
-        <p:txBody>
-          <a:bodyPr/>
-          <a:lstStyle/>
-          <a:p>
-            <a:r>
-              <a:rPr lang="en-US" altLang="zh-CN" dirty="0"/>
-              <a:t>What </a:t>
-            </a:r>
-            <a:r>
-              <a:rPr lang="en-US" altLang="zh-CN"/>
-              <a:t>is Wrong?</a:t>
-            </a:r>
-            <a:endParaRPr lang="en-US"/>
-          </a:p>
-        </p:txBody>
-      </p:sp>
-      <p:sp>
-        <p:nvSpPr>
-          <p:cNvPr id="3" name="Slide Number Placeholder 2">
-            <a:extLst>
-              <a:ext uri="{FF2B5EF4-FFF2-40B4-BE49-F238E27FC236}">
-                <a16:creationId xmlns:a16="http://schemas.microsoft.com/office/drawing/2014/main" id="{B3A26B7A-A91C-8739-59F7-FED523EC9EA9}"/>
-              </a:ext>
-            </a:extLst>
-          </p:cNvPr>
-          <p:cNvSpPr>
-            <a:spLocks noGrp="1"/>
-          </p:cNvSpPr>
-          <p:nvPr>
-            <p:ph type="sldNum" sz="quarter" idx="12"/>
-          </p:nvPr>
-        </p:nvSpPr>
-        <p:spPr/>
-        <p:txBody>
-          <a:bodyPr/>
-          <a:lstStyle/>
-          <a:p>
-            <a:fld id="{EA7C8D44-3667-46F6-9772-CC52308E2A7F}" type="slidenum">
-              <a:rPr kumimoji="0" lang="en-US" smtClean="0"/>
-              <a:pPr/>
-              <a:t>2</a:t>
-            </a:fld>
-            <a:endParaRPr kumimoji="0" lang="en-US" dirty="0"/>
-          </a:p>
-        </p:txBody>
-      </p:sp>
-      <p:sp>
-        <p:nvSpPr>
-          <p:cNvPr id="4" name="Content Placeholder 3">
-            <a:extLst>
-              <a:ext uri="{FF2B5EF4-FFF2-40B4-BE49-F238E27FC236}">
-                <a16:creationId xmlns:a16="http://schemas.microsoft.com/office/drawing/2014/main" id="{5998200F-E2E0-2FC9-A24B-3D85B65165B0}"/>
-              </a:ext>
-            </a:extLst>
-          </p:cNvPr>
-          <p:cNvSpPr>
-            <a:spLocks noGrp="1"/>
-          </p:cNvSpPr>
-          <p:nvPr>
-            <p:ph sz="quarter" idx="1"/>
-          </p:nvPr>
-        </p:nvSpPr>
-        <p:spPr/>
-        <p:txBody>
-          <a:bodyPr/>
-          <a:lstStyle/>
-          <a:p>
-            <a:endParaRPr lang="en-US"/>
-          </a:p>
-        </p:txBody>
-      </p:sp>
-      <p:graphicFrame>
-        <p:nvGraphicFramePr>
-          <p:cNvPr id="5" name="Table 4">
-            <a:extLst>
-              <a:ext uri="{FF2B5EF4-FFF2-40B4-BE49-F238E27FC236}">
-                <a16:creationId xmlns:a16="http://schemas.microsoft.com/office/drawing/2014/main" id="{A554D579-850A-433C-2F4C-D7CBDE33F5FD}"/>
-              </a:ext>
-            </a:extLst>
-          </p:cNvPr>
-          <p:cNvGraphicFramePr>
-            <a:graphicFrameLocks noGrp="1"/>
-          </p:cNvGraphicFramePr>
-          <p:nvPr>
-            <p:extLst>
-              <p:ext uri="{D42A27DB-BD31-4B8C-83A1-F6EECF244321}">
-                <p14:modId xmlns:p14="http://schemas.microsoft.com/office/powerpoint/2010/main" val="1546225091"/>
-              </p:ext>
-            </p:extLst>
-          </p:nvPr>
-        </p:nvGraphicFramePr>
-        <p:xfrm>
-          <a:off x="2696497" y="1731779"/>
-          <a:ext cx="5791200" cy="2018941"/>
-        </p:xfrm>
-        <a:graphic>
-          <a:graphicData uri="http://schemas.openxmlformats.org/drawingml/2006/table">
-            <a:tbl>
-              <a:tblPr firstRow="1" firstCol="1" bandRow="1">
-                <a:tableStyleId>{5940675A-B579-460E-94D1-54222C63F5DA}</a:tableStyleId>
-              </a:tblPr>
-              <a:tblGrid>
-                <a:gridCol w="5791200">
-                  <a:extLst>
-                    <a:ext uri="{9D8B030D-6E8A-4147-A177-3AD203B41FA5}">
-                      <a16:colId xmlns:a16="http://schemas.microsoft.com/office/drawing/2014/main" val="20000"/>
-                    </a:ext>
-                  </a:extLst>
-                </a:gridCol>
-              </a:tblGrid>
-              <a:tr h="175619">
-                <a:tc>
-                  <a:txBody>
-                    <a:bodyPr/>
-                    <a:lstStyle/>
-                    <a:p>
-                      <a:pPr marL="0" marR="0" algn="l">
-                        <a:spcBef>
-                          <a:spcPts val="0"/>
-                        </a:spcBef>
-                        <a:spcAft>
-                          <a:spcPts val="0"/>
-                        </a:spcAft>
-                      </a:pPr>
-                      <a:r>
-                        <a:rPr lang="en-US" sz="1400" b="1" dirty="0">
-                          <a:solidFill>
-                            <a:schemeClr val="bg1"/>
-                          </a:solidFill>
-                          <a:effectLst/>
-                          <a:latin typeface="Consolas" panose="020B0609020204030204" pitchFamily="49" charset="0"/>
-                          <a:cs typeface="Consolas" panose="020B0609020204030204" pitchFamily="49" charset="0"/>
-                        </a:rPr>
-                        <a:t>Caller Program</a:t>
-                      </a:r>
-                      <a:endParaRPr lang="en-US" sz="1400" b="1" dirty="0">
-                        <a:solidFill>
-                          <a:schemeClr val="bg1"/>
-                        </a:solidFill>
-                        <a:effectLst/>
-                        <a:latin typeface="Consolas" panose="020B0609020204030204" pitchFamily="49" charset="0"/>
-                        <a:ea typeface="宋体"/>
-                        <a:cs typeface="Consolas" panose="020B0609020204030204" pitchFamily="49" charset="0"/>
-                      </a:endParaRPr>
-                    </a:p>
-                  </a:txBody>
-                  <a:tcPr marL="68580" marR="68580" marT="0" marB="0">
-                    <a:solidFill>
-                      <a:schemeClr val="accent1"/>
-                    </a:solidFill>
-                  </a:tcPr>
-                </a:tc>
-                <a:extLst>
-                  <a:ext uri="{0D108BD9-81ED-4DB2-BD59-A6C34878D82A}">
-                    <a16:rowId xmlns:a16="http://schemas.microsoft.com/office/drawing/2014/main" val="10000"/>
-                  </a:ext>
-                </a:extLst>
-              </a:tr>
-              <a:tr h="1805581">
-                <a:tc>
-                  <a:txBody>
-                    <a:bodyPr/>
-                    <a:lstStyle/>
-                    <a:p>
-                      <a:pPr marL="0" marR="0" algn="l">
-                        <a:spcBef>
-                          <a:spcPts val="0"/>
-                        </a:spcBef>
-                        <a:spcAft>
-                          <a:spcPts val="0"/>
-                        </a:spcAft>
-                      </a:pPr>
-                      <a:r>
-                        <a:rPr lang="fr-FR" sz="1400" dirty="0" err="1">
-                          <a:effectLst/>
-                          <a:latin typeface="Consolas" panose="020B0609020204030204" pitchFamily="49" charset="0"/>
-                          <a:cs typeface="Consolas" panose="020B0609020204030204" pitchFamily="49" charset="0"/>
-                        </a:rPr>
-                        <a:t>Extern</a:t>
-                      </a:r>
-                      <a:r>
-                        <a:rPr lang="fr-FR" sz="1400" dirty="0">
-                          <a:effectLst/>
-                          <a:latin typeface="Consolas" panose="020B0609020204030204" pitchFamily="49" charset="0"/>
-                          <a:cs typeface="Consolas" panose="020B0609020204030204" pitchFamily="49" charset="0"/>
-                        </a:rPr>
-                        <a:t> int32_t sum3(int32_t a1, int32_t a2, int32_t a3);</a:t>
-                      </a:r>
-                    </a:p>
-                    <a:p>
-                      <a:pPr marL="0" marR="0" algn="l">
-                        <a:spcBef>
-                          <a:spcPts val="0"/>
-                        </a:spcBef>
-                        <a:spcAft>
-                          <a:spcPts val="0"/>
-                        </a:spcAft>
-                      </a:pPr>
-                      <a:endParaRPr lang="fr-FR" sz="1400" dirty="0">
-                        <a:effectLst/>
-                        <a:latin typeface="Consolas" panose="020B0609020204030204" pitchFamily="49" charset="0"/>
-                        <a:cs typeface="Consolas" panose="020B0609020204030204" pitchFamily="49" charset="0"/>
-                      </a:endParaRPr>
-                    </a:p>
-                    <a:p>
-                      <a:pPr marL="0" marR="0" algn="l">
-                        <a:spcBef>
-                          <a:spcPts val="0"/>
-                        </a:spcBef>
-                        <a:spcAft>
-                          <a:spcPts val="0"/>
-                        </a:spcAft>
-                      </a:pPr>
-                      <a:r>
-                        <a:rPr lang="fr-FR" sz="1400" dirty="0" err="1">
-                          <a:effectLst/>
-                          <a:latin typeface="Consolas" panose="020B0609020204030204" pitchFamily="49" charset="0"/>
-                          <a:cs typeface="Consolas" panose="020B0609020204030204" pitchFamily="49" charset="0"/>
-                        </a:rPr>
-                        <a:t>int</a:t>
-                      </a:r>
-                      <a:r>
-                        <a:rPr lang="fr-FR" sz="1400" dirty="0">
-                          <a:effectLst/>
-                          <a:latin typeface="Consolas" panose="020B0609020204030204" pitchFamily="49" charset="0"/>
-                          <a:cs typeface="Consolas" panose="020B0609020204030204" pitchFamily="49" charset="0"/>
-                        </a:rPr>
-                        <a:t> main(</a:t>
-                      </a:r>
-                      <a:r>
-                        <a:rPr lang="fr-FR" sz="1400" dirty="0" err="1">
-                          <a:effectLst/>
-                          <a:latin typeface="Consolas" panose="020B0609020204030204" pitchFamily="49" charset="0"/>
-                          <a:cs typeface="Consolas" panose="020B0609020204030204" pitchFamily="49" charset="0"/>
-                        </a:rPr>
-                        <a:t>void</a:t>
-                      </a:r>
-                      <a:r>
-                        <a:rPr lang="fr-FR" sz="1400" dirty="0">
-                          <a:effectLst/>
-                          <a:latin typeface="Consolas" panose="020B0609020204030204" pitchFamily="49" charset="0"/>
-                          <a:cs typeface="Consolas" panose="020B0609020204030204" pitchFamily="49" charset="0"/>
-                        </a:rPr>
-                        <a:t>){</a:t>
-                      </a:r>
-                    </a:p>
-                    <a:p>
-                      <a:pPr marL="0" marR="0" algn="l">
-                        <a:spcBef>
-                          <a:spcPts val="0"/>
-                        </a:spcBef>
-                        <a:spcAft>
-                          <a:spcPts val="0"/>
-                        </a:spcAft>
-                      </a:pPr>
-                      <a:r>
-                        <a:rPr lang="fr-FR" sz="1400" dirty="0">
-                          <a:effectLst/>
-                          <a:latin typeface="Consolas" panose="020B0609020204030204" pitchFamily="49" charset="0"/>
-                          <a:cs typeface="Consolas" panose="020B0609020204030204" pitchFamily="49" charset="0"/>
-                        </a:rPr>
-                        <a:t>int32_t s</a:t>
-                      </a:r>
-                    </a:p>
-                    <a:p>
-                      <a:pPr marL="0" marR="0" algn="l">
-                        <a:spcBef>
-                          <a:spcPts val="0"/>
-                        </a:spcBef>
-                        <a:spcAft>
-                          <a:spcPts val="0"/>
-                        </a:spcAft>
-                      </a:pPr>
-                      <a:r>
-                        <a:rPr lang="fr-FR" sz="1400" dirty="0">
-                          <a:effectLst/>
-                          <a:latin typeface="Consolas" panose="020B0609020204030204" pitchFamily="49" charset="0"/>
-                          <a:cs typeface="Consolas" panose="020B0609020204030204" pitchFamily="49" charset="0"/>
-                        </a:rPr>
-                        <a:t>...</a:t>
-                      </a:r>
-                    </a:p>
-                    <a:p>
-                      <a:pPr marL="0" marR="0" algn="l">
-                        <a:spcBef>
-                          <a:spcPts val="0"/>
-                        </a:spcBef>
-                        <a:spcAft>
-                          <a:spcPts val="0"/>
-                        </a:spcAft>
-                      </a:pPr>
-                      <a:r>
-                        <a:rPr lang="fr-FR" sz="1400" dirty="0">
-                          <a:effectLst/>
-                          <a:latin typeface="Consolas" panose="020B0609020204030204" pitchFamily="49" charset="0"/>
-                          <a:cs typeface="Consolas" panose="020B0609020204030204" pitchFamily="49" charset="0"/>
-                        </a:rPr>
-                        <a:t>s = sum3(-1, -2, -3) + sum3(4, 5, 6);</a:t>
-                      </a:r>
-                    </a:p>
-                    <a:p>
-                      <a:pPr marL="0" marR="0" lvl="0" indent="0" algn="l" defTabSz="914400" rtl="0" eaLnBrk="1" fontAlgn="auto" latinLnBrk="0" hangingPunct="1">
-                        <a:lnSpc>
-                          <a:spcPct val="100000"/>
-                        </a:lnSpc>
-                        <a:spcBef>
-                          <a:spcPts val="0"/>
-                        </a:spcBef>
-                        <a:spcAft>
-                          <a:spcPts val="0"/>
-                        </a:spcAft>
-                        <a:buClrTx/>
-                        <a:buSzTx/>
-                        <a:buFontTx/>
-                        <a:buNone/>
-                        <a:tabLst/>
-                        <a:defRPr/>
-                      </a:pPr>
-                      <a:r>
-                        <a:rPr lang="fr-FR" sz="1400" dirty="0">
-                          <a:effectLst/>
-                          <a:latin typeface="Consolas" panose="020B0609020204030204" pitchFamily="49" charset="0"/>
-                          <a:cs typeface="Consolas" panose="020B0609020204030204" pitchFamily="49" charset="0"/>
-                        </a:rPr>
-                        <a:t>...</a:t>
-                      </a:r>
-                      <a:endParaRPr lang="en-US" sz="1400" dirty="0">
-                        <a:effectLst/>
-                        <a:latin typeface="Consolas" panose="020B0609020204030204" pitchFamily="49" charset="0"/>
-                        <a:cs typeface="Consolas" panose="020B0609020204030204" pitchFamily="49" charset="0"/>
-                      </a:endParaRPr>
-                    </a:p>
-                  </a:txBody>
-                  <a:tcPr marL="68580" marR="68580" marT="0" marB="0"/>
-                </a:tc>
-                <a:extLst>
-                  <a:ext uri="{0D108BD9-81ED-4DB2-BD59-A6C34878D82A}">
-                    <a16:rowId xmlns:a16="http://schemas.microsoft.com/office/drawing/2014/main" val="10001"/>
-                  </a:ext>
-                </a:extLst>
-              </a:tr>
-            </a:tbl>
-          </a:graphicData>
-        </a:graphic>
-      </p:graphicFrame>
-      <p:graphicFrame>
-        <p:nvGraphicFramePr>
-          <p:cNvPr id="7" name="Table 6">
-            <a:extLst>
-              <a:ext uri="{FF2B5EF4-FFF2-40B4-BE49-F238E27FC236}">
-                <a16:creationId xmlns:a16="http://schemas.microsoft.com/office/drawing/2014/main" id="{7F3EEF33-13EC-BB93-CE67-9DD4DBFC221D}"/>
-              </a:ext>
-            </a:extLst>
-          </p:cNvPr>
-          <p:cNvGraphicFramePr>
-            <a:graphicFrameLocks noGrp="1"/>
-          </p:cNvGraphicFramePr>
-          <p:nvPr>
-            <p:extLst>
-              <p:ext uri="{D42A27DB-BD31-4B8C-83A1-F6EECF244321}">
-                <p14:modId xmlns:p14="http://schemas.microsoft.com/office/powerpoint/2010/main" val="3133712184"/>
-              </p:ext>
-            </p:extLst>
-          </p:nvPr>
-        </p:nvGraphicFramePr>
-        <p:xfrm>
-          <a:off x="4847303" y="3856560"/>
-          <a:ext cx="3657600" cy="2194560"/>
-        </p:xfrm>
-        <a:graphic>
-          <a:graphicData uri="http://schemas.openxmlformats.org/drawingml/2006/table">
-            <a:tbl>
-              <a:tblPr firstRow="1" firstCol="1" bandRow="1">
-                <a:tableStyleId>{5940675A-B579-460E-94D1-54222C63F5DA}</a:tableStyleId>
-              </a:tblPr>
-              <a:tblGrid>
-                <a:gridCol w="3657600">
-                  <a:extLst>
-                    <a:ext uri="{9D8B030D-6E8A-4147-A177-3AD203B41FA5}">
-                      <a16:colId xmlns:a16="http://schemas.microsoft.com/office/drawing/2014/main" val="20000"/>
-                    </a:ext>
-                  </a:extLst>
-                </a:gridCol>
-              </a:tblGrid>
-              <a:tr h="175619">
-                <a:tc>
-                  <a:txBody>
-                    <a:bodyPr/>
-                    <a:lstStyle/>
-                    <a:p>
-                      <a:pPr marL="0" marR="0" algn="just">
-                        <a:spcBef>
-                          <a:spcPts val="0"/>
-                        </a:spcBef>
-                        <a:spcAft>
-                          <a:spcPts val="0"/>
-                        </a:spcAft>
-                      </a:pPr>
-                      <a:r>
-                        <a:rPr lang="en-US" sz="1600" b="1" dirty="0">
-                          <a:solidFill>
-                            <a:schemeClr val="bg1"/>
-                          </a:solidFill>
-                          <a:effectLst/>
-                          <a:latin typeface="Consolas" panose="020B0609020204030204" pitchFamily="49" charset="0"/>
-                          <a:cs typeface="Consolas" panose="020B0609020204030204" pitchFamily="49" charset="0"/>
-                        </a:rPr>
-                        <a:t>Calle</a:t>
-                      </a:r>
-                      <a:r>
-                        <a:rPr lang="en-US" altLang="zh-CN" sz="1600" b="1" dirty="0">
-                          <a:solidFill>
-                            <a:schemeClr val="bg1"/>
-                          </a:solidFill>
-                          <a:effectLst/>
-                          <a:latin typeface="Consolas" panose="020B0609020204030204" pitchFamily="49" charset="0"/>
-                          <a:cs typeface="Consolas" panose="020B0609020204030204" pitchFamily="49" charset="0"/>
-                        </a:rPr>
-                        <a:t>e</a:t>
-                      </a:r>
-                      <a:r>
-                        <a:rPr lang="en-US" sz="1600" b="1" dirty="0">
-                          <a:solidFill>
-                            <a:schemeClr val="bg1"/>
-                          </a:solidFill>
-                          <a:effectLst/>
-                          <a:latin typeface="Consolas" panose="020B0609020204030204" pitchFamily="49" charset="0"/>
-                          <a:cs typeface="Consolas" panose="020B0609020204030204" pitchFamily="49" charset="0"/>
-                        </a:rPr>
-                        <a:t> Program</a:t>
-                      </a:r>
-                      <a:endParaRPr lang="en-US" sz="1600" b="1" dirty="0">
-                        <a:solidFill>
-                          <a:schemeClr val="bg1"/>
-                        </a:solidFill>
-                        <a:effectLst/>
-                        <a:latin typeface="Consolas" panose="020B0609020204030204" pitchFamily="49" charset="0"/>
-                        <a:ea typeface="宋体"/>
-                        <a:cs typeface="Consolas" panose="020B0609020204030204" pitchFamily="49" charset="0"/>
-                      </a:endParaRPr>
-                    </a:p>
-                  </a:txBody>
-                  <a:tcPr marL="68580" marR="68580" marT="0" marB="0">
-                    <a:solidFill>
-                      <a:schemeClr val="accent1"/>
-                    </a:solidFill>
-                  </a:tcPr>
-                </a:tc>
-                <a:extLst>
-                  <a:ext uri="{0D108BD9-81ED-4DB2-BD59-A6C34878D82A}">
-                    <a16:rowId xmlns:a16="http://schemas.microsoft.com/office/drawing/2014/main" val="10000"/>
-                  </a:ext>
-                </a:extLst>
-              </a:tr>
-              <a:tr h="1805581">
-                <a:tc>
-                  <a:txBody>
-                    <a:bodyPr/>
-                    <a:lstStyle/>
-                    <a:p>
-                      <a:pPr marL="0" marR="0" algn="just">
-                        <a:spcBef>
-                          <a:spcPts val="0"/>
-                        </a:spcBef>
-                        <a:spcAft>
-                          <a:spcPts val="0"/>
-                        </a:spcAft>
-                      </a:pPr>
-                      <a:r>
-                        <a:rPr lang="pt-BR" sz="1600" dirty="0">
-                          <a:effectLst/>
-                          <a:latin typeface="Consolas" panose="020B0609020204030204" pitchFamily="49" charset="0"/>
-                          <a:cs typeface="Consolas" panose="020B0609020204030204" pitchFamily="49" charset="0"/>
-                        </a:rPr>
-                        <a:t>sum3 PROC</a:t>
-                      </a:r>
-                    </a:p>
-                    <a:p>
-                      <a:pPr marL="0" marR="0" algn="just">
-                        <a:spcBef>
-                          <a:spcPts val="0"/>
-                        </a:spcBef>
-                        <a:spcAft>
-                          <a:spcPts val="0"/>
-                        </a:spcAft>
-                      </a:pPr>
-                      <a:r>
-                        <a:rPr lang="pt-BR" sz="1600" dirty="0">
-                          <a:effectLst/>
-                          <a:latin typeface="Consolas" panose="020B0609020204030204" pitchFamily="49" charset="0"/>
-                          <a:cs typeface="Consolas" panose="020B0609020204030204" pitchFamily="49" charset="0"/>
-                        </a:rPr>
-                        <a:t>EXPORT sum3</a:t>
-                      </a:r>
-                    </a:p>
-                    <a:p>
-                      <a:pPr marL="0" marR="0" algn="just">
-                        <a:spcBef>
-                          <a:spcPts val="0"/>
-                        </a:spcBef>
-                        <a:spcAft>
-                          <a:spcPts val="0"/>
-                        </a:spcAft>
-                      </a:pPr>
-                      <a:r>
-                        <a:rPr lang="pt-BR" sz="1600" dirty="0">
-                          <a:effectLst/>
-                          <a:latin typeface="Consolas" panose="020B0609020204030204" pitchFamily="49" charset="0"/>
-                          <a:cs typeface="Consolas" panose="020B0609020204030204" pitchFamily="49" charset="0"/>
-                        </a:rPr>
-                        <a:t>; r3 = sum</a:t>
-                      </a:r>
-                    </a:p>
-                    <a:p>
-                      <a:pPr marL="0" marR="0" algn="just">
-                        <a:spcBef>
-                          <a:spcPts val="0"/>
-                        </a:spcBef>
-                        <a:spcAft>
-                          <a:spcPts val="0"/>
-                        </a:spcAft>
-                      </a:pPr>
-                      <a:r>
-                        <a:rPr lang="pt-BR" sz="1600" dirty="0">
-                          <a:effectLst/>
-                          <a:latin typeface="Consolas" panose="020B0609020204030204" pitchFamily="49" charset="0"/>
-                          <a:cs typeface="Consolas" panose="020B0609020204030204" pitchFamily="49" charset="0"/>
-                        </a:rPr>
-                        <a:t>ADD r3, r0, r1 ; sum = a1 + a2</a:t>
-                      </a:r>
-                    </a:p>
-                    <a:p>
-                      <a:pPr marL="0" marR="0" algn="just">
-                        <a:spcBef>
-                          <a:spcPts val="0"/>
-                        </a:spcBef>
-                        <a:spcAft>
-                          <a:spcPts val="0"/>
-                        </a:spcAft>
-                      </a:pPr>
-                      <a:r>
-                        <a:rPr lang="pt-BR" sz="1600" dirty="0">
-                          <a:effectLst/>
-                          <a:latin typeface="Consolas" panose="020B0609020204030204" pitchFamily="49" charset="0"/>
-                          <a:cs typeface="Consolas" panose="020B0609020204030204" pitchFamily="49" charset="0"/>
-                        </a:rPr>
-                        <a:t>ADD r3, r0, r2 ; sum += a3</a:t>
-                      </a:r>
-                    </a:p>
-                    <a:p>
-                      <a:pPr marL="0" marR="0" algn="just">
-                        <a:spcBef>
-                          <a:spcPts val="0"/>
-                        </a:spcBef>
-                        <a:spcAft>
-                          <a:spcPts val="0"/>
-                        </a:spcAft>
-                      </a:pPr>
-                      <a:r>
-                        <a:rPr lang="pt-BR" sz="1600" dirty="0">
-                          <a:effectLst/>
-                          <a:latin typeface="Consolas" panose="020B0609020204030204" pitchFamily="49" charset="0"/>
-                          <a:cs typeface="Consolas" panose="020B0609020204030204" pitchFamily="49" charset="0"/>
-                        </a:rPr>
-                        <a:t>MOV r1, r3</a:t>
-                      </a:r>
-                    </a:p>
-                    <a:p>
-                      <a:pPr marL="0" marR="0" algn="just">
-                        <a:spcBef>
-                          <a:spcPts val="0"/>
-                        </a:spcBef>
-                        <a:spcAft>
-                          <a:spcPts val="0"/>
-                        </a:spcAft>
-                      </a:pPr>
-                      <a:r>
-                        <a:rPr lang="pt-BR" sz="1600" dirty="0">
-                          <a:effectLst/>
-                          <a:latin typeface="Consolas" panose="020B0609020204030204" pitchFamily="49" charset="0"/>
-                          <a:cs typeface="Consolas" panose="020B0609020204030204" pitchFamily="49" charset="0"/>
-                        </a:rPr>
-                        <a:t>BX pc</a:t>
-                      </a:r>
-                    </a:p>
-                    <a:p>
-                      <a:pPr marL="0" marR="0" algn="just">
-                        <a:spcBef>
-                          <a:spcPts val="0"/>
-                        </a:spcBef>
-                        <a:spcAft>
-                          <a:spcPts val="0"/>
-                        </a:spcAft>
-                      </a:pPr>
-                      <a:r>
-                        <a:rPr lang="pt-BR" sz="1600" dirty="0">
-                          <a:effectLst/>
-                          <a:latin typeface="Consolas" panose="020B0609020204030204" pitchFamily="49" charset="0"/>
-                          <a:cs typeface="Consolas" panose="020B0609020204030204" pitchFamily="49" charset="0"/>
-                        </a:rPr>
-                        <a:t>ENDP</a:t>
-                      </a:r>
-                      <a:endParaRPr lang="en-US" sz="1600" dirty="0">
-                        <a:effectLst/>
-                        <a:latin typeface="Consolas" panose="020B0609020204030204" pitchFamily="49" charset="0"/>
-                        <a:cs typeface="Consolas" panose="020B0609020204030204" pitchFamily="49" charset="0"/>
-                      </a:endParaRPr>
-                    </a:p>
-                  </a:txBody>
-                  <a:tcPr marL="68580" marR="68580" marT="0" marB="0"/>
-                </a:tc>
-                <a:extLst>
-                  <a:ext uri="{0D108BD9-81ED-4DB2-BD59-A6C34878D82A}">
-                    <a16:rowId xmlns:a16="http://schemas.microsoft.com/office/drawing/2014/main" val="10001"/>
-                  </a:ext>
-                </a:extLst>
-              </a:tr>
-            </a:tbl>
-          </a:graphicData>
-        </a:graphic>
-      </p:graphicFrame>
-    </p:spTree>
-    <p:extLst>
-      <p:ext uri="{BB962C8B-B14F-4D97-AF65-F5344CB8AC3E}">
-        <p14:creationId xmlns:p14="http://schemas.microsoft.com/office/powerpoint/2010/main" val="4120051107"/>
-      </p:ext>
-    </p:extLst>
-  </p:cSld>
-  <p:clrMapOvr>
-    <a:masterClrMapping/>
-  </p:clrMapOvr>
-</p:sld>
-</file>
-
-<file path=ppt/slides/slide3.xml><?xml version="1.0" encoding="utf-8"?>
+<file path=ppt/slides/slide10.xml><?xml version="1.0" encoding="utf-8"?>
 <p:sld xmlns:a="http://schemas.openxmlformats.org/drawingml/2006/main" xmlns:r="http://schemas.openxmlformats.org/officeDocument/2006/relationships" xmlns:p="http://schemas.openxmlformats.org/presentationml/2006/main">
   <p:cSld>
     <p:spTree>
@@ -5911,7 +6270,7 @@
             <a:fld id="{EA7C8D44-3667-46F6-9772-CC52308E2A7F}" type="slidenum">
               <a:rPr kumimoji="0" lang="en-US" smtClean="0"/>
               <a:pPr/>
-              <a:t>3</a:t>
+              <a:t>10</a:t>
             </a:fld>
             <a:endParaRPr kumimoji="0" lang="en-US" dirty="0"/>
           </a:p>
@@ -6537,6 +6896,6165 @@
     <p:extLst>
       <p:ext uri="{BB962C8B-B14F-4D97-AF65-F5344CB8AC3E}">
         <p14:creationId xmlns:p14="http://schemas.microsoft.com/office/powerpoint/2010/main" val="1814278120"/>
+      </p:ext>
+    </p:extLst>
+  </p:cSld>
+  <p:clrMapOvr>
+    <a:masterClrMapping/>
+  </p:clrMapOvr>
+</p:sld>
+</file>
+
+<file path=ppt/slides/slide2.xml><?xml version="1.0" encoding="utf-8"?>
+<p:sld xmlns:a="http://schemas.openxmlformats.org/drawingml/2006/main" xmlns:r="http://schemas.openxmlformats.org/officeDocument/2006/relationships" xmlns:p="http://schemas.openxmlformats.org/presentationml/2006/main">
+  <p:cSld>
+    <p:spTree>
+      <p:nvGrpSpPr>
+        <p:cNvPr id="1" name=""/>
+        <p:cNvGrpSpPr/>
+        <p:nvPr/>
+      </p:nvGrpSpPr>
+      <p:grpSpPr>
+        <a:xfrm>
+          <a:off x="0" y="0"/>
+          <a:ext cx="0" cy="0"/>
+          <a:chOff x="0" y="0"/>
+          <a:chExt cx="0" cy="0"/>
+        </a:xfrm>
+      </p:grpSpPr>
+      <p:sp>
+        <p:nvSpPr>
+          <p:cNvPr id="2" name="Title 1"/>
+          <p:cNvSpPr>
+            <a:spLocks noGrp="1"/>
+          </p:cNvSpPr>
+          <p:nvPr>
+            <p:ph type="title"/>
+          </p:nvPr>
+        </p:nvSpPr>
+        <p:spPr/>
+        <p:txBody>
+          <a:bodyPr/>
+          <a:lstStyle/>
+          <a:p>
+            <a:r>
+              <a:rPr lang="en-GB" dirty="0"/>
+              <a:t>Stack</a:t>
+            </a:r>
+          </a:p>
+        </p:txBody>
+      </p:sp>
+      <p:sp>
+        <p:nvSpPr>
+          <p:cNvPr id="3" name="Content Placeholder 2"/>
+          <p:cNvSpPr>
+            <a:spLocks noGrp="1"/>
+          </p:cNvSpPr>
+          <p:nvPr>
+            <p:ph idx="1"/>
+          </p:nvPr>
+        </p:nvSpPr>
+        <p:spPr>
+          <a:xfrm>
+            <a:off x="457200" y="1219200"/>
+            <a:ext cx="8229600" cy="3200400"/>
+          </a:xfrm>
+        </p:spPr>
+        <p:txBody>
+          <a:bodyPr/>
+          <a:lstStyle/>
+          <a:p>
+            <a:pPr>
+              <a:buNone/>
+            </a:pPr>
+            <a:r>
+              <a:rPr lang="en-GB" sz="2800" b="1" dirty="0">
+                <a:solidFill>
+                  <a:srgbClr val="FF0000"/>
+                </a:solidFill>
+                <a:latin typeface="Consolas" panose="020B0609020204030204" pitchFamily="49" charset="0"/>
+                <a:cs typeface="Consolas" panose="020B0609020204030204" pitchFamily="49" charset="0"/>
+              </a:rPr>
+              <a:t>PUSH</a:t>
+            </a:r>
+            <a:r>
+              <a:rPr lang="en-GB" sz="2800" dirty="0">
+                <a:solidFill>
+                  <a:srgbClr val="FF0000"/>
+                </a:solidFill>
+                <a:latin typeface="Consolas" panose="020B0609020204030204" pitchFamily="49" charset="0"/>
+                <a:cs typeface="Consolas" panose="020B0609020204030204" pitchFamily="49" charset="0"/>
+              </a:rPr>
+              <a:t> </a:t>
+            </a:r>
+            <a:r>
+              <a:rPr lang="en-GB" sz="2800" dirty="0">
+                <a:latin typeface="Consolas" panose="020B0609020204030204" pitchFamily="49" charset="0"/>
+                <a:cs typeface="Consolas" panose="020B0609020204030204" pitchFamily="49" charset="0"/>
+              </a:rPr>
+              <a:t>{</a:t>
+            </a:r>
+            <a:r>
+              <a:rPr lang="en-GB" sz="2800" i="1" dirty="0">
+                <a:latin typeface="Consolas" panose="020B0609020204030204" pitchFamily="49" charset="0"/>
+                <a:cs typeface="Consolas" panose="020B0609020204030204" pitchFamily="49" charset="0"/>
+              </a:rPr>
+              <a:t>Rd</a:t>
+            </a:r>
+            <a:r>
+              <a:rPr lang="en-GB" sz="2800" dirty="0">
+                <a:latin typeface="Consolas" panose="020B0609020204030204" pitchFamily="49" charset="0"/>
+                <a:cs typeface="Consolas" panose="020B0609020204030204" pitchFamily="49" charset="0"/>
+              </a:rPr>
+              <a:t>} </a:t>
+            </a:r>
+          </a:p>
+          <a:p>
+            <a:pPr lvl="1"/>
+            <a:r>
+              <a:rPr lang="en-GB" sz="2400" dirty="0" err="1">
+                <a:latin typeface="Consolas" panose="020B0609020204030204" pitchFamily="49" charset="0"/>
+                <a:cs typeface="Consolas" panose="020B0609020204030204" pitchFamily="49" charset="0"/>
+              </a:rPr>
+              <a:t>SP</a:t>
+            </a:r>
+            <a:r>
+              <a:rPr lang="en-GB" sz="2400" dirty="0">
+                <a:latin typeface="Consolas" panose="020B0609020204030204" pitchFamily="49" charset="0"/>
+                <a:cs typeface="Consolas" panose="020B0609020204030204" pitchFamily="49" charset="0"/>
+              </a:rPr>
+              <a:t> = </a:t>
+            </a:r>
+            <a:r>
+              <a:rPr lang="en-GB" sz="2400" dirty="0" err="1">
+                <a:latin typeface="Consolas" panose="020B0609020204030204" pitchFamily="49" charset="0"/>
+                <a:cs typeface="Consolas" panose="020B0609020204030204" pitchFamily="49" charset="0"/>
+              </a:rPr>
+              <a:t>SP</a:t>
+            </a:r>
+            <a:r>
+              <a:rPr lang="en-GB" sz="2400" dirty="0">
+                <a:latin typeface="Consolas" panose="020B0609020204030204" pitchFamily="49" charset="0"/>
+                <a:cs typeface="Consolas" panose="020B0609020204030204" pitchFamily="49" charset="0"/>
+              </a:rPr>
+              <a:t>-4   </a:t>
+            </a:r>
+            <a:r>
+              <a:rPr lang="en-GB" sz="2400" dirty="0">
+                <a:latin typeface="Cambria Math"/>
+                <a:ea typeface="Cambria Math"/>
+                <a:cs typeface="Consolas" panose="020B0609020204030204" pitchFamily="49" charset="0"/>
+              </a:rPr>
+              <a:t>⟶    descending stack</a:t>
+            </a:r>
+            <a:endParaRPr lang="en-GB" sz="2400" dirty="0">
+              <a:latin typeface="Consolas" panose="020B0609020204030204" pitchFamily="49" charset="0"/>
+              <a:cs typeface="Consolas" panose="020B0609020204030204" pitchFamily="49" charset="0"/>
+            </a:endParaRPr>
+          </a:p>
+          <a:p>
+            <a:pPr lvl="1"/>
+            <a:r>
+              <a:rPr lang="en-GB" sz="2400" dirty="0">
+                <a:latin typeface="Consolas" panose="020B0609020204030204" pitchFamily="49" charset="0"/>
+                <a:cs typeface="Consolas" panose="020B0609020204030204" pitchFamily="49" charset="0"/>
+              </a:rPr>
+              <a:t>(*SP) = </a:t>
+            </a:r>
+            <a:r>
+              <a:rPr lang="en-GB" sz="2400" i="1" dirty="0">
+                <a:latin typeface="Consolas" panose="020B0609020204030204" pitchFamily="49" charset="0"/>
+                <a:cs typeface="Consolas" panose="020B0609020204030204" pitchFamily="49" charset="0"/>
+              </a:rPr>
+              <a:t>Rd</a:t>
+            </a:r>
+            <a:r>
+              <a:rPr lang="en-GB" sz="2400" dirty="0">
+                <a:latin typeface="Cambria Math"/>
+                <a:ea typeface="Cambria Math"/>
+                <a:cs typeface="Consolas" panose="020B0609020204030204" pitchFamily="49" charset="0"/>
+              </a:rPr>
+              <a:t>     ⟶    full stack</a:t>
+            </a:r>
+          </a:p>
+          <a:p>
+            <a:pPr marL="0" indent="0">
+              <a:buNone/>
+            </a:pPr>
+            <a:endParaRPr lang="en-GB" sz="2700" i="1" dirty="0">
+              <a:latin typeface="Consolas" panose="020B0609020204030204" pitchFamily="49" charset="0"/>
+              <a:cs typeface="Consolas" panose="020B0609020204030204" pitchFamily="49" charset="0"/>
+            </a:endParaRPr>
+          </a:p>
+          <a:p>
+            <a:pPr marL="0" indent="0">
+              <a:buNone/>
+            </a:pPr>
+            <a:r>
+              <a:rPr lang="en-GB" sz="2700" dirty="0">
+                <a:cs typeface="Consolas" panose="020B0609020204030204" pitchFamily="49" charset="0"/>
+              </a:rPr>
+              <a:t>Push multiple registers</a:t>
+            </a:r>
+          </a:p>
+          <a:p>
+            <a:pPr marL="0" indent="0">
+              <a:buNone/>
+            </a:pPr>
+            <a:endParaRPr lang="en-GB" sz="2800" dirty="0"/>
+          </a:p>
+          <a:p>
+            <a:endParaRPr lang="en-GB" sz="2400" dirty="0"/>
+          </a:p>
+          <a:p>
+            <a:pPr>
+              <a:buNone/>
+            </a:pPr>
+            <a:endParaRPr lang="en-GB" dirty="0"/>
+          </a:p>
+        </p:txBody>
+      </p:sp>
+      <p:sp>
+        <p:nvSpPr>
+          <p:cNvPr id="4" name="Slide Number Placeholder 3"/>
+          <p:cNvSpPr>
+            <a:spLocks noGrp="1"/>
+          </p:cNvSpPr>
+          <p:nvPr>
+            <p:ph type="sldNum" sz="quarter" idx="12"/>
+          </p:nvPr>
+        </p:nvSpPr>
+        <p:spPr/>
+        <p:txBody>
+          <a:bodyPr/>
+          <a:lstStyle/>
+          <a:p>
+            <a:fld id="{EA7C8D44-3667-46F6-9772-CC52308E2A7F}" type="slidenum">
+              <a:rPr kumimoji="0" lang="en-US" smtClean="0"/>
+              <a:pPr/>
+              <a:t>2</a:t>
+            </a:fld>
+            <a:endParaRPr kumimoji="0" lang="en-US" dirty="0"/>
+          </a:p>
+        </p:txBody>
+      </p:sp>
+      <p:sp>
+        <p:nvSpPr>
+          <p:cNvPr id="5" name="Rectangle 4"/>
+          <p:cNvSpPr/>
+          <p:nvPr/>
+        </p:nvSpPr>
+        <p:spPr>
+          <a:xfrm>
+            <a:off x="410688" y="3848146"/>
+            <a:ext cx="2488850" cy="369332"/>
+          </a:xfrm>
+          <a:prstGeom prst="rect">
+            <a:avLst/>
+          </a:prstGeom>
+        </p:spPr>
+        <p:txBody>
+          <a:bodyPr wrap="square">
+            <a:spAutoFit/>
+          </a:bodyPr>
+          <a:lstStyle/>
+          <a:p>
+            <a:r>
+              <a:rPr lang="en-GB" b="1" dirty="0">
+                <a:solidFill>
+                  <a:srgbClr val="FF0000"/>
+                </a:solidFill>
+                <a:latin typeface="Consolas" panose="020B0609020204030204" pitchFamily="49" charset="0"/>
+                <a:cs typeface="Consolas" panose="020B0609020204030204" pitchFamily="49" charset="0"/>
+              </a:rPr>
+              <a:t>PUSH {r6, r7, </a:t>
+            </a:r>
+            <a:r>
+              <a:rPr lang="en-GB" b="1" dirty="0" err="1">
+                <a:solidFill>
+                  <a:srgbClr val="FF0000"/>
+                </a:solidFill>
+                <a:latin typeface="Consolas" panose="020B0609020204030204" pitchFamily="49" charset="0"/>
+                <a:cs typeface="Consolas" panose="020B0609020204030204" pitchFamily="49" charset="0"/>
+              </a:rPr>
+              <a:t>r8</a:t>
+            </a:r>
+            <a:r>
+              <a:rPr lang="en-GB" b="1" dirty="0">
+                <a:solidFill>
+                  <a:srgbClr val="FF0000"/>
+                </a:solidFill>
+                <a:latin typeface="Consolas" panose="020B0609020204030204" pitchFamily="49" charset="0"/>
+                <a:cs typeface="Consolas" panose="020B0609020204030204" pitchFamily="49" charset="0"/>
+              </a:rPr>
+              <a:t>}</a:t>
+            </a:r>
+          </a:p>
+        </p:txBody>
+      </p:sp>
+      <p:sp>
+        <p:nvSpPr>
+          <p:cNvPr id="6" name="TextBox 5"/>
+          <p:cNvSpPr txBox="1"/>
+          <p:nvPr/>
+        </p:nvSpPr>
+        <p:spPr>
+          <a:xfrm>
+            <a:off x="3611088" y="3465945"/>
+            <a:ext cx="1969129" cy="369332"/>
+          </a:xfrm>
+          <a:prstGeom prst="rect">
+            <a:avLst/>
+          </a:prstGeom>
+          <a:noFill/>
+        </p:spPr>
+        <p:txBody>
+          <a:bodyPr wrap="none" rtlCol="0">
+            <a:spAutoFit/>
+          </a:bodyPr>
+          <a:lstStyle/>
+          <a:p>
+            <a:r>
+              <a:rPr lang="en-US" i="1" dirty="0"/>
+              <a:t>They are equivalent. </a:t>
+            </a:r>
+          </a:p>
+        </p:txBody>
+      </p:sp>
+      <p:sp>
+        <p:nvSpPr>
+          <p:cNvPr id="8" name="Rectangle 7"/>
+          <p:cNvSpPr/>
+          <p:nvPr/>
+        </p:nvSpPr>
+        <p:spPr>
+          <a:xfrm>
+            <a:off x="7040088" y="3568140"/>
+            <a:ext cx="1324402" cy="923330"/>
+          </a:xfrm>
+          <a:prstGeom prst="rect">
+            <a:avLst/>
+          </a:prstGeom>
+        </p:spPr>
+        <p:txBody>
+          <a:bodyPr wrap="none">
+            <a:spAutoFit/>
+          </a:bodyPr>
+          <a:lstStyle/>
+          <a:p>
+            <a:r>
+              <a:rPr lang="en-GB" b="1" dirty="0">
+                <a:solidFill>
+                  <a:srgbClr val="FF0000"/>
+                </a:solidFill>
+                <a:latin typeface="Consolas" panose="020B0609020204030204" pitchFamily="49" charset="0"/>
+                <a:cs typeface="Consolas" panose="020B0609020204030204" pitchFamily="49" charset="0"/>
+              </a:rPr>
+              <a:t>PUSH {r8}</a:t>
+            </a:r>
+          </a:p>
+          <a:p>
+            <a:r>
+              <a:rPr lang="en-GB" b="1" dirty="0">
+                <a:solidFill>
+                  <a:srgbClr val="FF0000"/>
+                </a:solidFill>
+                <a:latin typeface="Consolas" panose="020B0609020204030204" pitchFamily="49" charset="0"/>
+                <a:cs typeface="Consolas" panose="020B0609020204030204" pitchFamily="49" charset="0"/>
+              </a:rPr>
+              <a:t>PUSH {r7}</a:t>
+            </a:r>
+          </a:p>
+          <a:p>
+            <a:r>
+              <a:rPr lang="en-GB" b="1" dirty="0">
+                <a:solidFill>
+                  <a:srgbClr val="FF0000"/>
+                </a:solidFill>
+                <a:latin typeface="Consolas" panose="020B0609020204030204" pitchFamily="49" charset="0"/>
+                <a:cs typeface="Consolas" panose="020B0609020204030204" pitchFamily="49" charset="0"/>
+              </a:rPr>
+              <a:t>PUSH {r6}</a:t>
+            </a:r>
+          </a:p>
+        </p:txBody>
+      </p:sp>
+      <p:sp>
+        <p:nvSpPr>
+          <p:cNvPr id="10" name="Rectangle 9"/>
+          <p:cNvSpPr/>
+          <p:nvPr/>
+        </p:nvSpPr>
+        <p:spPr>
+          <a:xfrm>
+            <a:off x="3611088" y="3848146"/>
+            <a:ext cx="2337499" cy="369332"/>
+          </a:xfrm>
+          <a:prstGeom prst="rect">
+            <a:avLst/>
+          </a:prstGeom>
+        </p:spPr>
+        <p:txBody>
+          <a:bodyPr wrap="none">
+            <a:spAutoFit/>
+          </a:bodyPr>
+          <a:lstStyle/>
+          <a:p>
+            <a:r>
+              <a:rPr lang="en-GB" b="1" dirty="0">
+                <a:solidFill>
+                  <a:srgbClr val="FF0000"/>
+                </a:solidFill>
+                <a:latin typeface="Consolas" panose="020B0609020204030204" pitchFamily="49" charset="0"/>
+                <a:cs typeface="Consolas" panose="020B0609020204030204" pitchFamily="49" charset="0"/>
+              </a:rPr>
+              <a:t>PUSH {</a:t>
+            </a:r>
+            <a:r>
+              <a:rPr lang="en-GB" b="1" dirty="0" err="1">
+                <a:solidFill>
+                  <a:srgbClr val="FF0000"/>
+                </a:solidFill>
+                <a:latin typeface="Consolas" panose="020B0609020204030204" pitchFamily="49" charset="0"/>
+                <a:cs typeface="Consolas" panose="020B0609020204030204" pitchFamily="49" charset="0"/>
+              </a:rPr>
+              <a:t>r8</a:t>
+            </a:r>
+            <a:r>
+              <a:rPr lang="en-GB" b="1" dirty="0">
+                <a:solidFill>
+                  <a:srgbClr val="FF0000"/>
+                </a:solidFill>
+                <a:latin typeface="Consolas" panose="020B0609020204030204" pitchFamily="49" charset="0"/>
+                <a:cs typeface="Consolas" panose="020B0609020204030204" pitchFamily="49" charset="0"/>
+              </a:rPr>
+              <a:t>, </a:t>
+            </a:r>
+            <a:r>
+              <a:rPr lang="en-GB" b="1" dirty="0" err="1">
+                <a:solidFill>
+                  <a:srgbClr val="FF0000"/>
+                </a:solidFill>
+                <a:latin typeface="Consolas" panose="020B0609020204030204" pitchFamily="49" charset="0"/>
+                <a:cs typeface="Consolas" panose="020B0609020204030204" pitchFamily="49" charset="0"/>
+              </a:rPr>
+              <a:t>r7</a:t>
+            </a:r>
+            <a:r>
+              <a:rPr lang="en-GB" b="1" dirty="0">
+                <a:solidFill>
+                  <a:srgbClr val="FF0000"/>
+                </a:solidFill>
+                <a:latin typeface="Consolas" panose="020B0609020204030204" pitchFamily="49" charset="0"/>
+                <a:cs typeface="Consolas" panose="020B0609020204030204" pitchFamily="49" charset="0"/>
+              </a:rPr>
+              <a:t>, </a:t>
+            </a:r>
+            <a:r>
+              <a:rPr lang="en-GB" b="1" dirty="0" err="1">
+                <a:solidFill>
+                  <a:srgbClr val="FF0000"/>
+                </a:solidFill>
+                <a:latin typeface="Consolas" panose="020B0609020204030204" pitchFamily="49" charset="0"/>
+                <a:cs typeface="Consolas" panose="020B0609020204030204" pitchFamily="49" charset="0"/>
+              </a:rPr>
+              <a:t>r6</a:t>
+            </a:r>
+            <a:r>
+              <a:rPr lang="en-GB" b="1" dirty="0">
+                <a:solidFill>
+                  <a:srgbClr val="FF0000"/>
+                </a:solidFill>
+                <a:latin typeface="Consolas" panose="020B0609020204030204" pitchFamily="49" charset="0"/>
+                <a:cs typeface="Consolas" panose="020B0609020204030204" pitchFamily="49" charset="0"/>
+              </a:rPr>
+              <a:t>}</a:t>
+            </a:r>
+          </a:p>
+        </p:txBody>
+      </p:sp>
+      <p:sp>
+        <p:nvSpPr>
+          <p:cNvPr id="11" name="Left-Right Arrow 10"/>
+          <p:cNvSpPr/>
+          <p:nvPr/>
+        </p:nvSpPr>
+        <p:spPr>
+          <a:xfrm>
+            <a:off x="3001488" y="3976346"/>
+            <a:ext cx="482950" cy="197882"/>
+          </a:xfrm>
+          <a:prstGeom prst="leftRightArrow">
+            <a:avLst/>
+          </a:prstGeom>
+        </p:spPr>
+        <p:style>
+          <a:lnRef idx="2">
+            <a:schemeClr val="accent1">
+              <a:shade val="50000"/>
+            </a:schemeClr>
+          </a:lnRef>
+          <a:fillRef idx="1">
+            <a:schemeClr val="accent1"/>
+          </a:fillRef>
+          <a:effectRef idx="0">
+            <a:schemeClr val="accent1"/>
+          </a:effectRef>
+          <a:fontRef idx="minor">
+            <a:schemeClr val="lt1"/>
+          </a:fontRef>
+        </p:style>
+        <p:txBody>
+          <a:bodyPr rtlCol="0" anchor="ctr"/>
+          <a:lstStyle/>
+          <a:p>
+            <a:pPr algn="ctr"/>
+            <a:endParaRPr lang="en-US"/>
+          </a:p>
+        </p:txBody>
+      </p:sp>
+      <p:sp>
+        <p:nvSpPr>
+          <p:cNvPr id="12" name="Left-Right Arrow 11"/>
+          <p:cNvSpPr/>
+          <p:nvPr/>
+        </p:nvSpPr>
+        <p:spPr>
+          <a:xfrm>
+            <a:off x="6278088" y="3930864"/>
+            <a:ext cx="482950" cy="197882"/>
+          </a:xfrm>
+          <a:prstGeom prst="leftRightArrow">
+            <a:avLst/>
+          </a:prstGeom>
+        </p:spPr>
+        <p:style>
+          <a:lnRef idx="2">
+            <a:schemeClr val="accent1">
+              <a:shade val="50000"/>
+            </a:schemeClr>
+          </a:lnRef>
+          <a:fillRef idx="1">
+            <a:schemeClr val="accent1"/>
+          </a:fillRef>
+          <a:effectRef idx="0">
+            <a:schemeClr val="accent1"/>
+          </a:effectRef>
+          <a:fontRef idx="minor">
+            <a:schemeClr val="lt1"/>
+          </a:fontRef>
+        </p:style>
+        <p:txBody>
+          <a:bodyPr rtlCol="0" anchor="ctr"/>
+          <a:lstStyle/>
+          <a:p>
+            <a:pPr algn="ctr"/>
+            <a:endParaRPr lang="en-US"/>
+          </a:p>
+        </p:txBody>
+      </p:sp>
+      <p:sp>
+        <p:nvSpPr>
+          <p:cNvPr id="13" name="Rectangle 12"/>
+          <p:cNvSpPr/>
+          <p:nvPr/>
+        </p:nvSpPr>
+        <p:spPr>
+          <a:xfrm>
+            <a:off x="758953" y="4504339"/>
+            <a:ext cx="7772399" cy="1938992"/>
+          </a:xfrm>
+          <a:prstGeom prst="rect">
+            <a:avLst/>
+          </a:prstGeom>
+        </p:spPr>
+        <p:txBody>
+          <a:bodyPr wrap="square">
+            <a:spAutoFit/>
+          </a:bodyPr>
+          <a:lstStyle/>
+          <a:p>
+            <a:pPr marL="285750" indent="-285750">
+              <a:buFont typeface="Arial" panose="020B0604020202020204" pitchFamily="34" charset="0"/>
+              <a:buChar char="•"/>
+            </a:pPr>
+            <a:r>
+              <a:rPr lang="en-US" sz="2000" dirty="0"/>
+              <a:t>SP is decremented before PUSH (pre-decrement), and incremented after POP (post-increment). </a:t>
+            </a:r>
+          </a:p>
+          <a:p>
+            <a:pPr marL="285750" indent="-285750">
+              <a:buFont typeface="Arial" panose="020B0604020202020204" pitchFamily="34" charset="0"/>
+              <a:buChar char="•"/>
+            </a:pPr>
+            <a:r>
+              <a:rPr lang="en-US" sz="2000" dirty="0"/>
+              <a:t>The order in which registers listed in the register list does not matter. </a:t>
+            </a:r>
+          </a:p>
+          <a:p>
+            <a:pPr marL="285750" indent="-285750">
+              <a:buFont typeface="Arial" panose="020B0604020202020204" pitchFamily="34" charset="0"/>
+              <a:buChar char="•"/>
+            </a:pPr>
+            <a:r>
+              <a:rPr lang="en-US" sz="2000" dirty="0"/>
+              <a:t>When pushing multiple registers, these registers are automatically </a:t>
+            </a:r>
+            <a:r>
+              <a:rPr lang="en-US" sz="2000" dirty="0">
+                <a:solidFill>
+                  <a:srgbClr val="3333FF"/>
+                </a:solidFill>
+              </a:rPr>
+              <a:t>sorted by name </a:t>
+            </a:r>
+            <a:r>
+              <a:rPr lang="en-US" sz="2000" dirty="0"/>
+              <a:t>and </a:t>
+            </a:r>
+            <a:r>
+              <a:rPr lang="en-US" sz="2000" dirty="0">
+                <a:solidFill>
+                  <a:srgbClr val="3333FF"/>
+                </a:solidFill>
+              </a:rPr>
+              <a:t>the lowest-numbered register </a:t>
+            </a:r>
+            <a:r>
+              <a:rPr lang="en-US" sz="2000" dirty="0"/>
+              <a:t>is stored to the lowest memory address, </a:t>
+            </a:r>
+            <a:r>
+              <a:rPr lang="en-US" sz="2000" i="1" dirty="0"/>
+              <a:t>i.e. </a:t>
+            </a:r>
+            <a:r>
+              <a:rPr lang="en-US" sz="2000" dirty="0">
+                <a:solidFill>
+                  <a:srgbClr val="3333FF"/>
+                </a:solidFill>
+              </a:rPr>
+              <a:t>is stored last</a:t>
+            </a:r>
+            <a:r>
+              <a:rPr lang="en-US" sz="2000" dirty="0"/>
+              <a:t>. </a:t>
+            </a:r>
+          </a:p>
+        </p:txBody>
+      </p:sp>
+      <p:sp>
+        <p:nvSpPr>
+          <p:cNvPr id="7" name="Horizontal Scroll 15">
+            <a:extLst>
+              <a:ext uri="{FF2B5EF4-FFF2-40B4-BE49-F238E27FC236}">
+                <a16:creationId xmlns:a16="http://schemas.microsoft.com/office/drawing/2014/main" id="{CA1DAB37-747D-183E-CAAD-AD690621F135}"/>
+              </a:ext>
+            </a:extLst>
+          </p:cNvPr>
+          <p:cNvSpPr/>
+          <p:nvPr/>
+        </p:nvSpPr>
+        <p:spPr>
+          <a:xfrm>
+            <a:off x="76200" y="-23210"/>
+            <a:ext cx="1265712" cy="762000"/>
+          </a:xfrm>
+          <a:prstGeom prst="horizontalScroll">
+            <a:avLst/>
+          </a:prstGeom>
+          <a:gradFill rotWithShape="1">
+            <a:gsLst>
+              <a:gs pos="0">
+                <a:srgbClr val="4F81BD">
+                  <a:tint val="50000"/>
+                  <a:satMod val="300000"/>
+                </a:srgbClr>
+              </a:gs>
+              <a:gs pos="35000">
+                <a:srgbClr val="4F81BD">
+                  <a:tint val="37000"/>
+                  <a:satMod val="300000"/>
+                </a:srgbClr>
+              </a:gs>
+              <a:gs pos="100000">
+                <a:srgbClr val="4F81BD">
+                  <a:tint val="15000"/>
+                  <a:satMod val="350000"/>
+                </a:srgbClr>
+              </a:gs>
+            </a:gsLst>
+            <a:lin ang="16200000" scaled="1"/>
+          </a:gradFill>
+          <a:ln w="9525" cap="flat" cmpd="sng" algn="ctr">
+            <a:solidFill>
+              <a:srgbClr val="4F81BD">
+                <a:shade val="95000"/>
+                <a:satMod val="105000"/>
+              </a:srgbClr>
+            </a:solidFill>
+            <a:prstDash val="solid"/>
+          </a:ln>
+          <a:effectLst>
+            <a:outerShdw blurRad="40000" dist="20000" dir="5400000" rotWithShape="0">
+              <a:srgbClr val="000000">
+                <a:alpha val="38000"/>
+              </a:srgbClr>
+            </a:outerShdw>
+          </a:effectLst>
+        </p:spPr>
+        <p:txBody>
+          <a:bodyPr rtlCol="0" anchor="ctr"/>
+          <a:lstStyle/>
+          <a:p>
+            <a:pPr marL="0" marR="0" lvl="0" indent="0" algn="ctr" defTabSz="457200" eaLnBrk="1" fontAlgn="auto" latinLnBrk="0" hangingPunct="1">
+              <a:lnSpc>
+                <a:spcPct val="100000"/>
+              </a:lnSpc>
+              <a:spcBef>
+                <a:spcPts val="0"/>
+              </a:spcBef>
+              <a:spcAft>
+                <a:spcPts val="0"/>
+              </a:spcAft>
+              <a:buClrTx/>
+              <a:buSzTx/>
+              <a:buFontTx/>
+              <a:buNone/>
+              <a:tabLst/>
+              <a:defRPr/>
+            </a:pPr>
+            <a:r>
+              <a:rPr kumimoji="0" lang="en-US" sz="2400" b="0" i="0" u="none" strike="noStrike" kern="0" cap="none" spc="0" normalizeH="0" baseline="0" noProof="0" dirty="0">
+                <a:ln>
+                  <a:noFill/>
+                </a:ln>
+                <a:solidFill>
+                  <a:prstClr val="black"/>
+                </a:solidFill>
+                <a:effectLst/>
+                <a:uLnTx/>
+                <a:uFillTx/>
+                <a:latin typeface="Calibri"/>
+                <a:ea typeface="+mn-ea"/>
+                <a:cs typeface="+mn-cs"/>
+              </a:rPr>
+              <a:t>Review</a:t>
+            </a:r>
+          </a:p>
+        </p:txBody>
+      </p:sp>
+    </p:spTree>
+    <p:extLst>
+      <p:ext uri="{BB962C8B-B14F-4D97-AF65-F5344CB8AC3E}">
+        <p14:creationId xmlns:p14="http://schemas.microsoft.com/office/powerpoint/2010/main" val="1120632604"/>
+      </p:ext>
+    </p:extLst>
+  </p:cSld>
+  <p:clrMapOvr>
+    <a:masterClrMapping/>
+  </p:clrMapOvr>
+</p:sld>
+</file>
+
+<file path=ppt/slides/slide3.xml><?xml version="1.0" encoding="utf-8"?>
+<p:sld xmlns:a="http://schemas.openxmlformats.org/drawingml/2006/main" xmlns:r="http://schemas.openxmlformats.org/officeDocument/2006/relationships" xmlns:p="http://schemas.openxmlformats.org/presentationml/2006/main">
+  <p:cSld>
+    <p:spTree>
+      <p:nvGrpSpPr>
+        <p:cNvPr id="1" name=""/>
+        <p:cNvGrpSpPr/>
+        <p:nvPr/>
+      </p:nvGrpSpPr>
+      <p:grpSpPr>
+        <a:xfrm>
+          <a:off x="0" y="0"/>
+          <a:ext cx="0" cy="0"/>
+          <a:chOff x="0" y="0"/>
+          <a:chExt cx="0" cy="0"/>
+        </a:xfrm>
+      </p:grpSpPr>
+      <p:sp>
+        <p:nvSpPr>
+          <p:cNvPr id="2" name="Title 1"/>
+          <p:cNvSpPr>
+            <a:spLocks noGrp="1"/>
+          </p:cNvSpPr>
+          <p:nvPr>
+            <p:ph type="title"/>
+          </p:nvPr>
+        </p:nvSpPr>
+        <p:spPr/>
+        <p:txBody>
+          <a:bodyPr/>
+          <a:lstStyle/>
+          <a:p>
+            <a:r>
+              <a:rPr lang="en-GB" dirty="0"/>
+              <a:t>Stack</a:t>
+            </a:r>
+          </a:p>
+        </p:txBody>
+      </p:sp>
+      <p:sp>
+        <p:nvSpPr>
+          <p:cNvPr id="3" name="Content Placeholder 2"/>
+          <p:cNvSpPr>
+            <a:spLocks noGrp="1"/>
+          </p:cNvSpPr>
+          <p:nvPr>
+            <p:ph idx="1"/>
+          </p:nvPr>
+        </p:nvSpPr>
+        <p:spPr/>
+        <p:txBody>
+          <a:bodyPr/>
+          <a:lstStyle/>
+          <a:p>
+            <a:pPr>
+              <a:buNone/>
+            </a:pPr>
+            <a:r>
+              <a:rPr lang="en-GB" sz="2800" b="1" dirty="0">
+                <a:solidFill>
+                  <a:srgbClr val="FF0000"/>
+                </a:solidFill>
+                <a:latin typeface="Consolas" panose="020B0609020204030204" pitchFamily="49" charset="0"/>
+                <a:cs typeface="Consolas" panose="020B0609020204030204" pitchFamily="49" charset="0"/>
+              </a:rPr>
+              <a:t>POP</a:t>
+            </a:r>
+            <a:r>
+              <a:rPr lang="en-GB" sz="2800" dirty="0">
+                <a:solidFill>
+                  <a:srgbClr val="FF0000"/>
+                </a:solidFill>
+                <a:latin typeface="Consolas" panose="020B0609020204030204" pitchFamily="49" charset="0"/>
+                <a:cs typeface="Consolas" panose="020B0609020204030204" pitchFamily="49" charset="0"/>
+              </a:rPr>
+              <a:t> </a:t>
+            </a:r>
+            <a:r>
+              <a:rPr lang="en-GB" sz="2800" dirty="0">
+                <a:latin typeface="Consolas" panose="020B0609020204030204" pitchFamily="49" charset="0"/>
+                <a:cs typeface="Consolas" panose="020B0609020204030204" pitchFamily="49" charset="0"/>
+              </a:rPr>
+              <a:t>{</a:t>
+            </a:r>
+            <a:r>
+              <a:rPr lang="en-GB" sz="2800" i="1" dirty="0">
+                <a:latin typeface="Consolas" panose="020B0609020204030204" pitchFamily="49" charset="0"/>
+                <a:cs typeface="Consolas" panose="020B0609020204030204" pitchFamily="49" charset="0"/>
+              </a:rPr>
+              <a:t>Rd</a:t>
+            </a:r>
+            <a:r>
+              <a:rPr lang="en-GB" sz="2800" dirty="0">
+                <a:latin typeface="Consolas" panose="020B0609020204030204" pitchFamily="49" charset="0"/>
+                <a:cs typeface="Consolas" panose="020B0609020204030204" pitchFamily="49" charset="0"/>
+              </a:rPr>
+              <a:t>} </a:t>
+            </a:r>
+          </a:p>
+          <a:p>
+            <a:pPr lvl="1"/>
+            <a:r>
+              <a:rPr lang="en-GB" sz="2400" i="1" dirty="0">
+                <a:latin typeface="Consolas" panose="020B0609020204030204" pitchFamily="49" charset="0"/>
+                <a:cs typeface="Consolas" panose="020B0609020204030204" pitchFamily="49" charset="0"/>
+              </a:rPr>
+              <a:t>Rd </a:t>
+            </a:r>
+            <a:r>
+              <a:rPr lang="en-GB" sz="2400" dirty="0">
+                <a:latin typeface="Consolas" panose="020B0609020204030204" pitchFamily="49" charset="0"/>
+                <a:cs typeface="Consolas" panose="020B0609020204030204" pitchFamily="49" charset="0"/>
+              </a:rPr>
+              <a:t>= (*</a:t>
+            </a:r>
+            <a:r>
+              <a:rPr lang="en-GB" sz="2400" dirty="0" err="1">
+                <a:latin typeface="Consolas" panose="020B0609020204030204" pitchFamily="49" charset="0"/>
+                <a:cs typeface="Consolas" panose="020B0609020204030204" pitchFamily="49" charset="0"/>
+              </a:rPr>
+              <a:t>SP</a:t>
+            </a:r>
+            <a:r>
+              <a:rPr lang="en-GB" sz="2400" dirty="0">
+                <a:latin typeface="Consolas" panose="020B0609020204030204" pitchFamily="49" charset="0"/>
+                <a:cs typeface="Consolas" panose="020B0609020204030204" pitchFamily="49" charset="0"/>
+              </a:rPr>
+              <a:t>)    </a:t>
+            </a:r>
+            <a:r>
+              <a:rPr lang="en-GB" sz="2400" dirty="0">
+                <a:latin typeface="Cambria Math"/>
+                <a:ea typeface="Cambria Math"/>
+                <a:cs typeface="Consolas" panose="020B0609020204030204" pitchFamily="49" charset="0"/>
+              </a:rPr>
+              <a:t>⟶    full stack</a:t>
+            </a:r>
+            <a:endParaRPr lang="en-GB" sz="2400" dirty="0">
+              <a:latin typeface="Consolas" panose="020B0609020204030204" pitchFamily="49" charset="0"/>
+              <a:cs typeface="Consolas" panose="020B0609020204030204" pitchFamily="49" charset="0"/>
+            </a:endParaRPr>
+          </a:p>
+          <a:p>
+            <a:pPr lvl="1"/>
+            <a:r>
+              <a:rPr lang="en-GB" sz="2400" dirty="0" err="1">
+                <a:latin typeface="Consolas" panose="020B0609020204030204" pitchFamily="49" charset="0"/>
+                <a:cs typeface="Consolas" panose="020B0609020204030204" pitchFamily="49" charset="0"/>
+              </a:rPr>
+              <a:t>SP</a:t>
+            </a:r>
+            <a:r>
+              <a:rPr lang="en-GB" sz="2400" dirty="0">
+                <a:latin typeface="Consolas" panose="020B0609020204030204" pitchFamily="49" charset="0"/>
+                <a:cs typeface="Consolas" panose="020B0609020204030204" pitchFamily="49" charset="0"/>
+              </a:rPr>
+              <a:t> = </a:t>
+            </a:r>
+            <a:r>
+              <a:rPr lang="en-GB" sz="2400" dirty="0" err="1">
+                <a:latin typeface="Consolas" panose="020B0609020204030204" pitchFamily="49" charset="0"/>
+                <a:cs typeface="Consolas" panose="020B0609020204030204" pitchFamily="49" charset="0"/>
+              </a:rPr>
+              <a:t>SP</a:t>
+            </a:r>
+            <a:r>
+              <a:rPr lang="en-GB" sz="2400" dirty="0">
+                <a:latin typeface="Consolas" panose="020B0609020204030204" pitchFamily="49" charset="0"/>
+                <a:cs typeface="Consolas" panose="020B0609020204030204" pitchFamily="49" charset="0"/>
+              </a:rPr>
+              <a:t> + 4   </a:t>
+            </a:r>
+            <a:r>
+              <a:rPr lang="en-GB" sz="2400" dirty="0">
+                <a:latin typeface="Cambria Math"/>
+                <a:ea typeface="Cambria Math"/>
+                <a:cs typeface="Consolas" panose="020B0609020204030204" pitchFamily="49" charset="0"/>
+              </a:rPr>
+              <a:t>⟶    Stack shrinks</a:t>
+            </a:r>
+          </a:p>
+          <a:p>
+            <a:pPr lvl="1"/>
+            <a:endParaRPr lang="en-GB" sz="2700" dirty="0">
+              <a:latin typeface="Consolas" panose="020B0609020204030204" pitchFamily="49" charset="0"/>
+              <a:cs typeface="Consolas" panose="020B0609020204030204" pitchFamily="49" charset="0"/>
+            </a:endParaRPr>
+          </a:p>
+          <a:p>
+            <a:pPr marL="0" indent="0">
+              <a:buNone/>
+            </a:pPr>
+            <a:r>
+              <a:rPr lang="en-GB" sz="2700" dirty="0">
+                <a:cs typeface="Consolas" panose="020B0609020204030204" pitchFamily="49" charset="0"/>
+              </a:rPr>
+              <a:t>Pop multiple registers</a:t>
+            </a:r>
+          </a:p>
+        </p:txBody>
+      </p:sp>
+      <p:sp>
+        <p:nvSpPr>
+          <p:cNvPr id="4" name="Slide Number Placeholder 3"/>
+          <p:cNvSpPr>
+            <a:spLocks noGrp="1"/>
+          </p:cNvSpPr>
+          <p:nvPr>
+            <p:ph type="sldNum" sz="quarter" idx="12"/>
+          </p:nvPr>
+        </p:nvSpPr>
+        <p:spPr/>
+        <p:txBody>
+          <a:bodyPr/>
+          <a:lstStyle/>
+          <a:p>
+            <a:fld id="{EA7C8D44-3667-46F6-9772-CC52308E2A7F}" type="slidenum">
+              <a:rPr kumimoji="0" lang="en-US" smtClean="0"/>
+              <a:pPr/>
+              <a:t>3</a:t>
+            </a:fld>
+            <a:endParaRPr kumimoji="0" lang="en-US" dirty="0"/>
+          </a:p>
+        </p:txBody>
+      </p:sp>
+      <p:sp>
+        <p:nvSpPr>
+          <p:cNvPr id="5" name="Rectangle 4"/>
+          <p:cNvSpPr/>
+          <p:nvPr/>
+        </p:nvSpPr>
+        <p:spPr>
+          <a:xfrm>
+            <a:off x="3733800" y="3909536"/>
+            <a:ext cx="2286000" cy="369332"/>
+          </a:xfrm>
+          <a:prstGeom prst="rect">
+            <a:avLst/>
+          </a:prstGeom>
+        </p:spPr>
+        <p:txBody>
+          <a:bodyPr wrap="square">
+            <a:spAutoFit/>
+          </a:bodyPr>
+          <a:lstStyle/>
+          <a:p>
+            <a:r>
+              <a:rPr lang="en-GB" b="1" dirty="0">
+                <a:solidFill>
+                  <a:srgbClr val="FF0000"/>
+                </a:solidFill>
+                <a:latin typeface="Consolas" panose="020B0609020204030204" pitchFamily="49" charset="0"/>
+                <a:cs typeface="Consolas" panose="020B0609020204030204" pitchFamily="49" charset="0"/>
+              </a:rPr>
+              <a:t>POP {r8, r7, r6}</a:t>
+            </a:r>
+          </a:p>
+        </p:txBody>
+      </p:sp>
+      <p:sp>
+        <p:nvSpPr>
+          <p:cNvPr id="7" name="TextBox 6"/>
+          <p:cNvSpPr txBox="1"/>
+          <p:nvPr/>
+        </p:nvSpPr>
+        <p:spPr>
+          <a:xfrm>
+            <a:off x="3680557" y="3475672"/>
+            <a:ext cx="1969129" cy="369332"/>
+          </a:xfrm>
+          <a:prstGeom prst="rect">
+            <a:avLst/>
+          </a:prstGeom>
+          <a:noFill/>
+        </p:spPr>
+        <p:txBody>
+          <a:bodyPr wrap="none" rtlCol="0">
+            <a:spAutoFit/>
+          </a:bodyPr>
+          <a:lstStyle/>
+          <a:p>
+            <a:r>
+              <a:rPr lang="en-US" i="1" dirty="0"/>
+              <a:t>They are equivalent. </a:t>
+            </a:r>
+          </a:p>
+        </p:txBody>
+      </p:sp>
+      <p:sp>
+        <p:nvSpPr>
+          <p:cNvPr id="9" name="Rectangle 8"/>
+          <p:cNvSpPr/>
+          <p:nvPr/>
+        </p:nvSpPr>
+        <p:spPr>
+          <a:xfrm>
+            <a:off x="6955636" y="3660338"/>
+            <a:ext cx="1197764" cy="923330"/>
+          </a:xfrm>
+          <a:prstGeom prst="rect">
+            <a:avLst/>
+          </a:prstGeom>
+        </p:spPr>
+        <p:txBody>
+          <a:bodyPr wrap="none">
+            <a:spAutoFit/>
+          </a:bodyPr>
+          <a:lstStyle/>
+          <a:p>
+            <a:r>
+              <a:rPr lang="en-GB" b="1" dirty="0">
+                <a:solidFill>
+                  <a:srgbClr val="FF0000"/>
+                </a:solidFill>
+                <a:latin typeface="Consolas" panose="020B0609020204030204" pitchFamily="49" charset="0"/>
+                <a:cs typeface="Consolas" panose="020B0609020204030204" pitchFamily="49" charset="0"/>
+              </a:rPr>
+              <a:t>POP {</a:t>
+            </a:r>
+            <a:r>
+              <a:rPr lang="en-GB" b="1" dirty="0" err="1">
+                <a:solidFill>
+                  <a:srgbClr val="FF0000"/>
+                </a:solidFill>
+                <a:latin typeface="Consolas" panose="020B0609020204030204" pitchFamily="49" charset="0"/>
+                <a:cs typeface="Consolas" panose="020B0609020204030204" pitchFamily="49" charset="0"/>
+              </a:rPr>
+              <a:t>r6</a:t>
+            </a:r>
+            <a:r>
+              <a:rPr lang="en-GB" b="1" dirty="0">
+                <a:solidFill>
+                  <a:srgbClr val="FF0000"/>
+                </a:solidFill>
+                <a:latin typeface="Consolas" panose="020B0609020204030204" pitchFamily="49" charset="0"/>
+                <a:cs typeface="Consolas" panose="020B0609020204030204" pitchFamily="49" charset="0"/>
+              </a:rPr>
+              <a:t>}</a:t>
+            </a:r>
+          </a:p>
+          <a:p>
+            <a:r>
+              <a:rPr lang="en-GB" b="1" dirty="0">
+                <a:solidFill>
+                  <a:srgbClr val="FF0000"/>
+                </a:solidFill>
+                <a:latin typeface="Consolas" panose="020B0609020204030204" pitchFamily="49" charset="0"/>
+                <a:cs typeface="Consolas" panose="020B0609020204030204" pitchFamily="49" charset="0"/>
+              </a:rPr>
+              <a:t>POP {r7}</a:t>
+            </a:r>
+          </a:p>
+          <a:p>
+            <a:r>
+              <a:rPr lang="en-GB" b="1" dirty="0">
+                <a:solidFill>
+                  <a:srgbClr val="FF0000"/>
+                </a:solidFill>
+                <a:latin typeface="Consolas" panose="020B0609020204030204" pitchFamily="49" charset="0"/>
+                <a:cs typeface="Consolas" panose="020B0609020204030204" pitchFamily="49" charset="0"/>
+              </a:rPr>
+              <a:t>POP {</a:t>
+            </a:r>
+            <a:r>
+              <a:rPr lang="en-GB" b="1" dirty="0" err="1">
+                <a:solidFill>
+                  <a:srgbClr val="FF0000"/>
+                </a:solidFill>
+                <a:latin typeface="Consolas" panose="020B0609020204030204" pitchFamily="49" charset="0"/>
+                <a:cs typeface="Consolas" panose="020B0609020204030204" pitchFamily="49" charset="0"/>
+              </a:rPr>
+              <a:t>r8</a:t>
+            </a:r>
+            <a:r>
+              <a:rPr lang="en-GB" b="1" dirty="0">
+                <a:solidFill>
+                  <a:srgbClr val="FF0000"/>
+                </a:solidFill>
+                <a:latin typeface="Consolas" panose="020B0609020204030204" pitchFamily="49" charset="0"/>
+                <a:cs typeface="Consolas" panose="020B0609020204030204" pitchFamily="49" charset="0"/>
+              </a:rPr>
+              <a:t>}</a:t>
+            </a:r>
+          </a:p>
+        </p:txBody>
+      </p:sp>
+      <p:sp>
+        <p:nvSpPr>
+          <p:cNvPr id="10" name="Rectangle 9"/>
+          <p:cNvSpPr/>
+          <p:nvPr/>
+        </p:nvSpPr>
+        <p:spPr>
+          <a:xfrm>
+            <a:off x="608538" y="3909536"/>
+            <a:ext cx="2210862" cy="369332"/>
+          </a:xfrm>
+          <a:prstGeom prst="rect">
+            <a:avLst/>
+          </a:prstGeom>
+        </p:spPr>
+        <p:txBody>
+          <a:bodyPr wrap="none">
+            <a:spAutoFit/>
+          </a:bodyPr>
+          <a:lstStyle/>
+          <a:p>
+            <a:r>
+              <a:rPr lang="en-GB" b="1" dirty="0">
+                <a:solidFill>
+                  <a:srgbClr val="FF0000"/>
+                </a:solidFill>
+                <a:latin typeface="Consolas" panose="020B0609020204030204" pitchFamily="49" charset="0"/>
+                <a:cs typeface="Consolas" panose="020B0609020204030204" pitchFamily="49" charset="0"/>
+              </a:rPr>
+              <a:t>POP {</a:t>
+            </a:r>
+            <a:r>
+              <a:rPr lang="en-GB" b="1" dirty="0" err="1">
+                <a:solidFill>
+                  <a:srgbClr val="FF0000"/>
+                </a:solidFill>
+                <a:latin typeface="Consolas" panose="020B0609020204030204" pitchFamily="49" charset="0"/>
+                <a:cs typeface="Consolas" panose="020B0609020204030204" pitchFamily="49" charset="0"/>
+              </a:rPr>
+              <a:t>r6</a:t>
+            </a:r>
+            <a:r>
+              <a:rPr lang="en-GB" b="1" dirty="0">
+                <a:solidFill>
+                  <a:srgbClr val="FF0000"/>
+                </a:solidFill>
+                <a:latin typeface="Consolas" panose="020B0609020204030204" pitchFamily="49" charset="0"/>
+                <a:cs typeface="Consolas" panose="020B0609020204030204" pitchFamily="49" charset="0"/>
+              </a:rPr>
+              <a:t>, </a:t>
+            </a:r>
+            <a:r>
+              <a:rPr lang="en-GB" b="1" dirty="0" err="1">
+                <a:solidFill>
+                  <a:srgbClr val="FF0000"/>
+                </a:solidFill>
+                <a:latin typeface="Consolas" panose="020B0609020204030204" pitchFamily="49" charset="0"/>
+                <a:cs typeface="Consolas" panose="020B0609020204030204" pitchFamily="49" charset="0"/>
+              </a:rPr>
+              <a:t>r7</a:t>
+            </a:r>
+            <a:r>
+              <a:rPr lang="en-GB" b="1" dirty="0">
+                <a:solidFill>
+                  <a:srgbClr val="FF0000"/>
+                </a:solidFill>
+                <a:latin typeface="Consolas" panose="020B0609020204030204" pitchFamily="49" charset="0"/>
+                <a:cs typeface="Consolas" panose="020B0609020204030204" pitchFamily="49" charset="0"/>
+              </a:rPr>
+              <a:t>, </a:t>
+            </a:r>
+            <a:r>
+              <a:rPr lang="en-GB" b="1" dirty="0" err="1">
+                <a:solidFill>
+                  <a:srgbClr val="FF0000"/>
+                </a:solidFill>
+                <a:latin typeface="Consolas" panose="020B0609020204030204" pitchFamily="49" charset="0"/>
+                <a:cs typeface="Consolas" panose="020B0609020204030204" pitchFamily="49" charset="0"/>
+              </a:rPr>
+              <a:t>r8</a:t>
+            </a:r>
+            <a:r>
+              <a:rPr lang="en-GB" b="1" dirty="0">
+                <a:solidFill>
+                  <a:srgbClr val="FF0000"/>
+                </a:solidFill>
+                <a:latin typeface="Consolas" panose="020B0609020204030204" pitchFamily="49" charset="0"/>
+                <a:cs typeface="Consolas" panose="020B0609020204030204" pitchFamily="49" charset="0"/>
+              </a:rPr>
+              <a:t>}</a:t>
+            </a:r>
+          </a:p>
+        </p:txBody>
+      </p:sp>
+      <p:sp>
+        <p:nvSpPr>
+          <p:cNvPr id="11" name="Left-Right Arrow 10"/>
+          <p:cNvSpPr/>
+          <p:nvPr/>
+        </p:nvSpPr>
+        <p:spPr>
+          <a:xfrm>
+            <a:off x="2971800" y="4026068"/>
+            <a:ext cx="482950" cy="197882"/>
+          </a:xfrm>
+          <a:prstGeom prst="leftRightArrow">
+            <a:avLst/>
+          </a:prstGeom>
+        </p:spPr>
+        <p:style>
+          <a:lnRef idx="2">
+            <a:schemeClr val="accent1">
+              <a:shade val="50000"/>
+            </a:schemeClr>
+          </a:lnRef>
+          <a:fillRef idx="1">
+            <a:schemeClr val="accent1"/>
+          </a:fillRef>
+          <a:effectRef idx="0">
+            <a:schemeClr val="accent1"/>
+          </a:effectRef>
+          <a:fontRef idx="minor">
+            <a:schemeClr val="lt1"/>
+          </a:fontRef>
+        </p:style>
+        <p:txBody>
+          <a:bodyPr rtlCol="0" anchor="ctr"/>
+          <a:lstStyle/>
+          <a:p>
+            <a:pPr algn="ctr"/>
+            <a:endParaRPr lang="en-US"/>
+          </a:p>
+        </p:txBody>
+      </p:sp>
+      <p:sp>
+        <p:nvSpPr>
+          <p:cNvPr id="12" name="Left-Right Arrow 11"/>
+          <p:cNvSpPr/>
+          <p:nvPr/>
+        </p:nvSpPr>
+        <p:spPr>
+          <a:xfrm>
+            <a:off x="6248400" y="3980586"/>
+            <a:ext cx="482950" cy="197882"/>
+          </a:xfrm>
+          <a:prstGeom prst="leftRightArrow">
+            <a:avLst/>
+          </a:prstGeom>
+        </p:spPr>
+        <p:style>
+          <a:lnRef idx="2">
+            <a:schemeClr val="accent1">
+              <a:shade val="50000"/>
+            </a:schemeClr>
+          </a:lnRef>
+          <a:fillRef idx="1">
+            <a:schemeClr val="accent1"/>
+          </a:fillRef>
+          <a:effectRef idx="0">
+            <a:schemeClr val="accent1"/>
+          </a:effectRef>
+          <a:fontRef idx="minor">
+            <a:schemeClr val="lt1"/>
+          </a:fontRef>
+        </p:style>
+        <p:txBody>
+          <a:bodyPr rtlCol="0" anchor="ctr"/>
+          <a:lstStyle/>
+          <a:p>
+            <a:pPr algn="ctr"/>
+            <a:endParaRPr lang="en-US"/>
+          </a:p>
+        </p:txBody>
+      </p:sp>
+      <p:sp>
+        <p:nvSpPr>
+          <p:cNvPr id="6" name="Rectangle 5"/>
+          <p:cNvSpPr/>
+          <p:nvPr/>
+        </p:nvSpPr>
+        <p:spPr>
+          <a:xfrm>
+            <a:off x="758953" y="4538568"/>
+            <a:ext cx="7772399" cy="1938992"/>
+          </a:xfrm>
+          <a:prstGeom prst="rect">
+            <a:avLst/>
+          </a:prstGeom>
+        </p:spPr>
+        <p:txBody>
+          <a:bodyPr wrap="square">
+            <a:spAutoFit/>
+          </a:bodyPr>
+          <a:lstStyle/>
+          <a:p>
+            <a:pPr marL="285750" indent="-285750">
+              <a:buFont typeface="Arial" panose="020B0604020202020204" pitchFamily="34" charset="0"/>
+              <a:buChar char="•"/>
+            </a:pPr>
+            <a:r>
+              <a:rPr lang="en-US" sz="2000" dirty="0"/>
+              <a:t>SP is decremented before PUSH (pre-decrement), and incremented after POP (post-increment). </a:t>
+            </a:r>
+          </a:p>
+          <a:p>
+            <a:pPr marL="285750" indent="-285750">
+              <a:buFont typeface="Arial" panose="020B0604020202020204" pitchFamily="34" charset="0"/>
+              <a:buChar char="•"/>
+            </a:pPr>
+            <a:r>
+              <a:rPr lang="en-US" sz="2000" dirty="0"/>
+              <a:t>The order in which registers listed in the register list does not matter. </a:t>
+            </a:r>
+          </a:p>
+          <a:p>
+            <a:pPr marL="285750" indent="-285750">
+              <a:buFont typeface="Arial" panose="020B0604020202020204" pitchFamily="34" charset="0"/>
+              <a:buChar char="•"/>
+            </a:pPr>
+            <a:r>
+              <a:rPr lang="en-US" sz="2000" dirty="0"/>
+              <a:t>When popping multiple registers, these registers are automatically </a:t>
+            </a:r>
+            <a:r>
+              <a:rPr lang="en-US" sz="2000" dirty="0">
+                <a:solidFill>
+                  <a:srgbClr val="3333FF"/>
+                </a:solidFill>
+              </a:rPr>
+              <a:t>sorted by name </a:t>
+            </a:r>
+            <a:r>
+              <a:rPr lang="en-US" sz="2000" dirty="0"/>
+              <a:t>and </a:t>
+            </a:r>
+            <a:r>
+              <a:rPr lang="en-US" sz="2000" dirty="0">
+                <a:solidFill>
+                  <a:srgbClr val="3333FF"/>
+                </a:solidFill>
+              </a:rPr>
+              <a:t>the lowest-numbered register</a:t>
+            </a:r>
+            <a:r>
+              <a:rPr lang="en-US" sz="2000" dirty="0"/>
+              <a:t> is loaded from the lowest memory address, </a:t>
+            </a:r>
+            <a:r>
+              <a:rPr lang="en-US" sz="2000" i="1" dirty="0"/>
+              <a:t>i.e. </a:t>
+            </a:r>
+            <a:r>
+              <a:rPr lang="en-US" sz="2000" dirty="0">
+                <a:solidFill>
+                  <a:srgbClr val="3333FF"/>
+                </a:solidFill>
+              </a:rPr>
+              <a:t>is loaded first</a:t>
+            </a:r>
+            <a:r>
+              <a:rPr lang="en-US" sz="2000" dirty="0"/>
+              <a:t>. </a:t>
+            </a:r>
+          </a:p>
+        </p:txBody>
+      </p:sp>
+      <p:sp>
+        <p:nvSpPr>
+          <p:cNvPr id="8" name="Horizontal Scroll 15">
+            <a:extLst>
+              <a:ext uri="{FF2B5EF4-FFF2-40B4-BE49-F238E27FC236}">
+                <a16:creationId xmlns:a16="http://schemas.microsoft.com/office/drawing/2014/main" id="{81298358-2851-DD72-AD97-76AEE8B1D766}"/>
+              </a:ext>
+            </a:extLst>
+          </p:cNvPr>
+          <p:cNvSpPr/>
+          <p:nvPr/>
+        </p:nvSpPr>
+        <p:spPr>
+          <a:xfrm>
+            <a:off x="76200" y="-23210"/>
+            <a:ext cx="1265712" cy="762000"/>
+          </a:xfrm>
+          <a:prstGeom prst="horizontalScroll">
+            <a:avLst/>
+          </a:prstGeom>
+          <a:gradFill rotWithShape="1">
+            <a:gsLst>
+              <a:gs pos="0">
+                <a:srgbClr val="4F81BD">
+                  <a:tint val="50000"/>
+                  <a:satMod val="300000"/>
+                </a:srgbClr>
+              </a:gs>
+              <a:gs pos="35000">
+                <a:srgbClr val="4F81BD">
+                  <a:tint val="37000"/>
+                  <a:satMod val="300000"/>
+                </a:srgbClr>
+              </a:gs>
+              <a:gs pos="100000">
+                <a:srgbClr val="4F81BD">
+                  <a:tint val="15000"/>
+                  <a:satMod val="350000"/>
+                </a:srgbClr>
+              </a:gs>
+            </a:gsLst>
+            <a:lin ang="16200000" scaled="1"/>
+          </a:gradFill>
+          <a:ln w="9525" cap="flat" cmpd="sng" algn="ctr">
+            <a:solidFill>
+              <a:srgbClr val="4F81BD">
+                <a:shade val="95000"/>
+                <a:satMod val="105000"/>
+              </a:srgbClr>
+            </a:solidFill>
+            <a:prstDash val="solid"/>
+          </a:ln>
+          <a:effectLst>
+            <a:outerShdw blurRad="40000" dist="20000" dir="5400000" rotWithShape="0">
+              <a:srgbClr val="000000">
+                <a:alpha val="38000"/>
+              </a:srgbClr>
+            </a:outerShdw>
+          </a:effectLst>
+        </p:spPr>
+        <p:txBody>
+          <a:bodyPr rtlCol="0" anchor="ctr"/>
+          <a:lstStyle/>
+          <a:p>
+            <a:pPr marL="0" marR="0" lvl="0" indent="0" algn="ctr" defTabSz="457200" eaLnBrk="1" fontAlgn="auto" latinLnBrk="0" hangingPunct="1">
+              <a:lnSpc>
+                <a:spcPct val="100000"/>
+              </a:lnSpc>
+              <a:spcBef>
+                <a:spcPts val="0"/>
+              </a:spcBef>
+              <a:spcAft>
+                <a:spcPts val="0"/>
+              </a:spcAft>
+              <a:buClrTx/>
+              <a:buSzTx/>
+              <a:buFontTx/>
+              <a:buNone/>
+              <a:tabLst/>
+              <a:defRPr/>
+            </a:pPr>
+            <a:r>
+              <a:rPr kumimoji="0" lang="en-US" sz="2400" b="0" i="0" u="none" strike="noStrike" kern="0" cap="none" spc="0" normalizeH="0" baseline="0" noProof="0" dirty="0">
+                <a:ln>
+                  <a:noFill/>
+                </a:ln>
+                <a:solidFill>
+                  <a:prstClr val="black"/>
+                </a:solidFill>
+                <a:effectLst/>
+                <a:uLnTx/>
+                <a:uFillTx/>
+                <a:latin typeface="Calibri"/>
+                <a:ea typeface="+mn-ea"/>
+                <a:cs typeface="+mn-cs"/>
+              </a:rPr>
+              <a:t>Review</a:t>
+            </a:r>
+          </a:p>
+        </p:txBody>
+      </p:sp>
+    </p:spTree>
+    <p:extLst>
+      <p:ext uri="{BB962C8B-B14F-4D97-AF65-F5344CB8AC3E}">
+        <p14:creationId xmlns:p14="http://schemas.microsoft.com/office/powerpoint/2010/main" val="424972285"/>
+      </p:ext>
+    </p:extLst>
+  </p:cSld>
+  <p:clrMapOvr>
+    <a:masterClrMapping/>
+  </p:clrMapOvr>
+</p:sld>
+</file>
+
+<file path=ppt/slides/slide4.xml><?xml version="1.0" encoding="utf-8"?>
+<p:sld xmlns:a="http://schemas.openxmlformats.org/drawingml/2006/main" xmlns:r="http://schemas.openxmlformats.org/officeDocument/2006/relationships" xmlns:p="http://schemas.openxmlformats.org/presentationml/2006/main">
+  <p:cSld>
+    <p:spTree>
+      <p:nvGrpSpPr>
+        <p:cNvPr id="1" name=""/>
+        <p:cNvGrpSpPr/>
+        <p:nvPr/>
+      </p:nvGrpSpPr>
+      <p:grpSpPr>
+        <a:xfrm>
+          <a:off x="0" y="0"/>
+          <a:ext cx="0" cy="0"/>
+          <a:chOff x="0" y="0"/>
+          <a:chExt cx="0" cy="0"/>
+        </a:xfrm>
+      </p:grpSpPr>
+      <p:sp>
+        <p:nvSpPr>
+          <p:cNvPr id="2" name="Title 1">
+            <a:extLst>
+              <a:ext uri="{FF2B5EF4-FFF2-40B4-BE49-F238E27FC236}">
+                <a16:creationId xmlns:a16="http://schemas.microsoft.com/office/drawing/2014/main" id="{A840350A-DE76-846E-5AB2-1DE2EDB0E9E9}"/>
+              </a:ext>
+            </a:extLst>
+          </p:cNvPr>
+          <p:cNvSpPr>
+            <a:spLocks noGrp="1"/>
+          </p:cNvSpPr>
+          <p:nvPr>
+            <p:ph type="title"/>
+          </p:nvPr>
+        </p:nvSpPr>
+        <p:spPr/>
+        <p:txBody>
+          <a:bodyPr/>
+          <a:lstStyle/>
+          <a:p>
+            <a:r>
+              <a:rPr lang="en-US" dirty="0"/>
+              <a:t>Stack</a:t>
+            </a:r>
+          </a:p>
+        </p:txBody>
+      </p:sp>
+      <p:sp>
+        <p:nvSpPr>
+          <p:cNvPr id="3" name="Slide Number Placeholder 2">
+            <a:extLst>
+              <a:ext uri="{FF2B5EF4-FFF2-40B4-BE49-F238E27FC236}">
+                <a16:creationId xmlns:a16="http://schemas.microsoft.com/office/drawing/2014/main" id="{D788CD0F-F59A-17FD-A8C5-A5B8C7F7C22F}"/>
+              </a:ext>
+            </a:extLst>
+          </p:cNvPr>
+          <p:cNvSpPr>
+            <a:spLocks noGrp="1"/>
+          </p:cNvSpPr>
+          <p:nvPr>
+            <p:ph type="sldNum" sz="quarter" idx="12"/>
+          </p:nvPr>
+        </p:nvSpPr>
+        <p:spPr/>
+        <p:txBody>
+          <a:bodyPr/>
+          <a:lstStyle/>
+          <a:p>
+            <a:fld id="{EA7C8D44-3667-46F6-9772-CC52308E2A7F}" type="slidenum">
+              <a:rPr kumimoji="0" lang="en-US" smtClean="0"/>
+              <a:pPr/>
+              <a:t>4</a:t>
+            </a:fld>
+            <a:endParaRPr kumimoji="0" lang="en-US" dirty="0"/>
+          </a:p>
+        </p:txBody>
+      </p:sp>
+      <p:sp>
+        <p:nvSpPr>
+          <p:cNvPr id="4" name="Content Placeholder 3">
+            <a:extLst>
+              <a:ext uri="{FF2B5EF4-FFF2-40B4-BE49-F238E27FC236}">
+                <a16:creationId xmlns:a16="http://schemas.microsoft.com/office/drawing/2014/main" id="{F8B814FC-F419-027A-EA4D-935437EEAA0E}"/>
+              </a:ext>
+            </a:extLst>
+          </p:cNvPr>
+          <p:cNvSpPr>
+            <a:spLocks noGrp="1"/>
+          </p:cNvSpPr>
+          <p:nvPr>
+            <p:ph sz="quarter" idx="1"/>
+          </p:nvPr>
+        </p:nvSpPr>
+        <p:spPr>
+          <a:xfrm>
+            <a:off x="457200" y="1219200"/>
+            <a:ext cx="8229600" cy="1512689"/>
+          </a:xfrm>
+        </p:spPr>
+        <p:txBody>
+          <a:bodyPr/>
+          <a:lstStyle/>
+          <a:p>
+            <a:r>
+              <a:rPr lang="en-US" dirty="0"/>
+              <a:t>Initially, let </a:t>
+            </a:r>
+            <a:r>
+              <a:rPr lang="en-US" sz="2400" dirty="0"/>
+              <a:t>r0=0, r1=1, r2=2.</a:t>
+            </a:r>
+            <a:endParaRPr lang="en-US" dirty="0"/>
+          </a:p>
+          <a:p>
+            <a:r>
+              <a:rPr lang="en-US" dirty="0"/>
+              <a:t>a) Execute PUSH {r1,r2}. Draw stack.</a:t>
+            </a:r>
+          </a:p>
+          <a:p>
+            <a:r>
+              <a:rPr lang="en-US" dirty="0"/>
+              <a:t>b) Execute POP {r0,r1}. Draw stack.</a:t>
+            </a:r>
+          </a:p>
+        </p:txBody>
+      </p:sp>
+      <p:graphicFrame>
+        <p:nvGraphicFramePr>
+          <p:cNvPr id="7" name="Table 6">
+            <a:extLst>
+              <a:ext uri="{FF2B5EF4-FFF2-40B4-BE49-F238E27FC236}">
+                <a16:creationId xmlns:a16="http://schemas.microsoft.com/office/drawing/2014/main" id="{9CA273F4-CE16-CD49-EA0C-05FC3BE81836}"/>
+              </a:ext>
+            </a:extLst>
+          </p:cNvPr>
+          <p:cNvGraphicFramePr>
+            <a:graphicFrameLocks noGrp="1"/>
+          </p:cNvGraphicFramePr>
+          <p:nvPr>
+            <p:extLst>
+              <p:ext uri="{D42A27DB-BD31-4B8C-83A1-F6EECF244321}">
+                <p14:modId xmlns:p14="http://schemas.microsoft.com/office/powerpoint/2010/main" val="3544155278"/>
+              </p:ext>
+            </p:extLst>
+          </p:nvPr>
+        </p:nvGraphicFramePr>
+        <p:xfrm>
+          <a:off x="1535923" y="3188273"/>
+          <a:ext cx="838200" cy="1854200"/>
+        </p:xfrm>
+        <a:graphic>
+          <a:graphicData uri="http://schemas.openxmlformats.org/drawingml/2006/table">
+            <a:tbl>
+              <a:tblPr firstRow="1" bandRow="1">
+                <a:tableStyleId>{5940675A-B579-460E-94D1-54222C63F5DA}</a:tableStyleId>
+              </a:tblPr>
+              <a:tblGrid>
+                <a:gridCol w="838200">
+                  <a:extLst>
+                    <a:ext uri="{9D8B030D-6E8A-4147-A177-3AD203B41FA5}">
+                      <a16:colId xmlns:a16="http://schemas.microsoft.com/office/drawing/2014/main" val="2965708559"/>
+                    </a:ext>
+                  </a:extLst>
+                </a:gridCol>
+              </a:tblGrid>
+              <a:tr h="370840">
+                <a:tc>
+                  <a:txBody>
+                    <a:bodyPr/>
+                    <a:lstStyle/>
+                    <a:p>
+                      <a:pPr algn="ctr"/>
+                      <a:endParaRPr lang="en-US" dirty="0"/>
+                    </a:p>
+                  </a:txBody>
+                  <a:tcPr/>
+                </a:tc>
+                <a:extLst>
+                  <a:ext uri="{0D108BD9-81ED-4DB2-BD59-A6C34878D82A}">
+                    <a16:rowId xmlns:a16="http://schemas.microsoft.com/office/drawing/2014/main" val="2472658947"/>
+                  </a:ext>
+                </a:extLst>
+              </a:tr>
+              <a:tr h="370840">
+                <a:tc>
+                  <a:txBody>
+                    <a:bodyPr/>
+                    <a:lstStyle/>
+                    <a:p>
+                      <a:pPr algn="ctr"/>
+                      <a:endParaRPr lang="en-US" dirty="0"/>
+                    </a:p>
+                  </a:txBody>
+                  <a:tcPr/>
+                </a:tc>
+                <a:extLst>
+                  <a:ext uri="{0D108BD9-81ED-4DB2-BD59-A6C34878D82A}">
+                    <a16:rowId xmlns:a16="http://schemas.microsoft.com/office/drawing/2014/main" val="2790041352"/>
+                  </a:ext>
+                </a:extLst>
+              </a:tr>
+              <a:tr h="370840">
+                <a:tc>
+                  <a:txBody>
+                    <a:bodyPr/>
+                    <a:lstStyle/>
+                    <a:p>
+                      <a:pPr algn="ctr"/>
+                      <a:endParaRPr lang="en-US" dirty="0"/>
+                    </a:p>
+                  </a:txBody>
+                  <a:tcPr/>
+                </a:tc>
+                <a:extLst>
+                  <a:ext uri="{0D108BD9-81ED-4DB2-BD59-A6C34878D82A}">
+                    <a16:rowId xmlns:a16="http://schemas.microsoft.com/office/drawing/2014/main" val="1635259289"/>
+                  </a:ext>
+                </a:extLst>
+              </a:tr>
+              <a:tr h="370840">
+                <a:tc>
+                  <a:txBody>
+                    <a:bodyPr/>
+                    <a:lstStyle/>
+                    <a:p>
+                      <a:pPr algn="ctr"/>
+                      <a:endParaRPr lang="en-US" dirty="0"/>
+                    </a:p>
+                  </a:txBody>
+                  <a:tcPr/>
+                </a:tc>
+                <a:extLst>
+                  <a:ext uri="{0D108BD9-81ED-4DB2-BD59-A6C34878D82A}">
+                    <a16:rowId xmlns:a16="http://schemas.microsoft.com/office/drawing/2014/main" val="3475318883"/>
+                  </a:ext>
+                </a:extLst>
+              </a:tr>
+              <a:tr h="370840">
+                <a:tc>
+                  <a:txBody>
+                    <a:bodyPr/>
+                    <a:lstStyle/>
+                    <a:p>
+                      <a:pPr algn="ctr"/>
+                      <a:endParaRPr lang="en-US" dirty="0"/>
+                    </a:p>
+                  </a:txBody>
+                  <a:tcPr/>
+                </a:tc>
+                <a:extLst>
+                  <a:ext uri="{0D108BD9-81ED-4DB2-BD59-A6C34878D82A}">
+                    <a16:rowId xmlns:a16="http://schemas.microsoft.com/office/drawing/2014/main" val="2400188190"/>
+                  </a:ext>
+                </a:extLst>
+              </a:tr>
+            </a:tbl>
+          </a:graphicData>
+        </a:graphic>
+      </p:graphicFrame>
+      <p:sp>
+        <p:nvSpPr>
+          <p:cNvPr id="8" name="Arrow: Right 7">
+            <a:extLst>
+              <a:ext uri="{FF2B5EF4-FFF2-40B4-BE49-F238E27FC236}">
+                <a16:creationId xmlns:a16="http://schemas.microsoft.com/office/drawing/2014/main" id="{21C00B18-AB39-00EF-930D-94A66B3DBEEE}"/>
+              </a:ext>
+            </a:extLst>
+          </p:cNvPr>
+          <p:cNvSpPr/>
+          <p:nvPr/>
+        </p:nvSpPr>
+        <p:spPr>
+          <a:xfrm>
+            <a:off x="999475" y="3302859"/>
+            <a:ext cx="397565" cy="235054"/>
+          </a:xfrm>
+          <a:prstGeom prst="rightArrow">
+            <a:avLst/>
+          </a:prstGeom>
+          <a:solidFill>
+            <a:schemeClr val="bg2"/>
+          </a:solidFill>
+          <a:ln>
+            <a:solidFill>
+              <a:schemeClr val="tx1"/>
+            </a:solidFill>
+          </a:ln>
+        </p:spPr>
+        <p:style>
+          <a:lnRef idx="2">
+            <a:schemeClr val="accent1">
+              <a:shade val="50000"/>
+            </a:schemeClr>
+          </a:lnRef>
+          <a:fillRef idx="1">
+            <a:schemeClr val="accent1"/>
+          </a:fillRef>
+          <a:effectRef idx="0">
+            <a:schemeClr val="accent1"/>
+          </a:effectRef>
+          <a:fontRef idx="minor">
+            <a:schemeClr val="lt1"/>
+          </a:fontRef>
+        </p:style>
+        <p:txBody>
+          <a:bodyPr rtlCol="0" anchor="ctr"/>
+          <a:lstStyle/>
+          <a:p>
+            <a:pPr algn="ctr"/>
+            <a:endParaRPr lang="en-US"/>
+          </a:p>
+        </p:txBody>
+      </p:sp>
+      <p:sp>
+        <p:nvSpPr>
+          <p:cNvPr id="9" name="TextBox 8">
+            <a:extLst>
+              <a:ext uri="{FF2B5EF4-FFF2-40B4-BE49-F238E27FC236}">
+                <a16:creationId xmlns:a16="http://schemas.microsoft.com/office/drawing/2014/main" id="{2D771397-E6F5-FBB8-542D-C5B13309CE80}"/>
+              </a:ext>
+            </a:extLst>
+          </p:cNvPr>
+          <p:cNvSpPr txBox="1"/>
+          <p:nvPr/>
+        </p:nvSpPr>
+        <p:spPr>
+          <a:xfrm>
+            <a:off x="496902" y="3204332"/>
+            <a:ext cx="433132" cy="400110"/>
+          </a:xfrm>
+          <a:prstGeom prst="rect">
+            <a:avLst/>
+          </a:prstGeom>
+          <a:noFill/>
+        </p:spPr>
+        <p:txBody>
+          <a:bodyPr wrap="none" rtlCol="0">
+            <a:spAutoFit/>
+          </a:bodyPr>
+          <a:lstStyle/>
+          <a:p>
+            <a:r>
+              <a:rPr lang="en-US" sz="2000" dirty="0"/>
+              <a:t>SP</a:t>
+            </a:r>
+          </a:p>
+        </p:txBody>
+      </p:sp>
+      <p:graphicFrame>
+        <p:nvGraphicFramePr>
+          <p:cNvPr id="10" name="Table 9">
+            <a:extLst>
+              <a:ext uri="{FF2B5EF4-FFF2-40B4-BE49-F238E27FC236}">
+                <a16:creationId xmlns:a16="http://schemas.microsoft.com/office/drawing/2014/main" id="{769E05C3-D653-26B3-A1FA-DB8D01C197A6}"/>
+              </a:ext>
+            </a:extLst>
+          </p:cNvPr>
+          <p:cNvGraphicFramePr>
+            <a:graphicFrameLocks noGrp="1"/>
+          </p:cNvGraphicFramePr>
+          <p:nvPr>
+            <p:extLst>
+              <p:ext uri="{D42A27DB-BD31-4B8C-83A1-F6EECF244321}">
+                <p14:modId xmlns:p14="http://schemas.microsoft.com/office/powerpoint/2010/main" val="4189838150"/>
+              </p:ext>
+            </p:extLst>
+          </p:nvPr>
+        </p:nvGraphicFramePr>
+        <p:xfrm>
+          <a:off x="3798326" y="3199012"/>
+          <a:ext cx="838200" cy="1854200"/>
+        </p:xfrm>
+        <a:graphic>
+          <a:graphicData uri="http://schemas.openxmlformats.org/drawingml/2006/table">
+            <a:tbl>
+              <a:tblPr firstRow="1" bandRow="1">
+                <a:tableStyleId>{5940675A-B579-460E-94D1-54222C63F5DA}</a:tableStyleId>
+              </a:tblPr>
+              <a:tblGrid>
+                <a:gridCol w="838200">
+                  <a:extLst>
+                    <a:ext uri="{9D8B030D-6E8A-4147-A177-3AD203B41FA5}">
+                      <a16:colId xmlns:a16="http://schemas.microsoft.com/office/drawing/2014/main" val="2965708559"/>
+                    </a:ext>
+                  </a:extLst>
+                </a:gridCol>
+              </a:tblGrid>
+              <a:tr h="370840">
+                <a:tc>
+                  <a:txBody>
+                    <a:bodyPr/>
+                    <a:lstStyle/>
+                    <a:p>
+                      <a:pPr algn="ctr"/>
+                      <a:endParaRPr lang="en-US" dirty="0"/>
+                    </a:p>
+                  </a:txBody>
+                  <a:tcPr/>
+                </a:tc>
+                <a:extLst>
+                  <a:ext uri="{0D108BD9-81ED-4DB2-BD59-A6C34878D82A}">
+                    <a16:rowId xmlns:a16="http://schemas.microsoft.com/office/drawing/2014/main" val="2472658947"/>
+                  </a:ext>
+                </a:extLst>
+              </a:tr>
+              <a:tr h="370840">
+                <a:tc>
+                  <a:txBody>
+                    <a:bodyPr/>
+                    <a:lstStyle/>
+                    <a:p>
+                      <a:pPr algn="ctr"/>
+                      <a:endParaRPr lang="en-US" dirty="0"/>
+                    </a:p>
+                  </a:txBody>
+                  <a:tcPr/>
+                </a:tc>
+                <a:extLst>
+                  <a:ext uri="{0D108BD9-81ED-4DB2-BD59-A6C34878D82A}">
+                    <a16:rowId xmlns:a16="http://schemas.microsoft.com/office/drawing/2014/main" val="2790041352"/>
+                  </a:ext>
+                </a:extLst>
+              </a:tr>
+              <a:tr h="370840">
+                <a:tc>
+                  <a:txBody>
+                    <a:bodyPr/>
+                    <a:lstStyle/>
+                    <a:p>
+                      <a:pPr algn="ctr"/>
+                      <a:endParaRPr lang="en-US" dirty="0"/>
+                    </a:p>
+                  </a:txBody>
+                  <a:tcPr/>
+                </a:tc>
+                <a:extLst>
+                  <a:ext uri="{0D108BD9-81ED-4DB2-BD59-A6C34878D82A}">
+                    <a16:rowId xmlns:a16="http://schemas.microsoft.com/office/drawing/2014/main" val="1635259289"/>
+                  </a:ext>
+                </a:extLst>
+              </a:tr>
+              <a:tr h="370840">
+                <a:tc>
+                  <a:txBody>
+                    <a:bodyPr/>
+                    <a:lstStyle/>
+                    <a:p>
+                      <a:pPr algn="ctr"/>
+                      <a:endParaRPr lang="en-US" dirty="0"/>
+                    </a:p>
+                  </a:txBody>
+                  <a:tcPr/>
+                </a:tc>
+                <a:extLst>
+                  <a:ext uri="{0D108BD9-81ED-4DB2-BD59-A6C34878D82A}">
+                    <a16:rowId xmlns:a16="http://schemas.microsoft.com/office/drawing/2014/main" val="3475318883"/>
+                  </a:ext>
+                </a:extLst>
+              </a:tr>
+              <a:tr h="370840">
+                <a:tc>
+                  <a:txBody>
+                    <a:bodyPr/>
+                    <a:lstStyle/>
+                    <a:p>
+                      <a:pPr algn="ctr"/>
+                      <a:endParaRPr lang="en-US" dirty="0"/>
+                    </a:p>
+                  </a:txBody>
+                  <a:tcPr/>
+                </a:tc>
+                <a:extLst>
+                  <a:ext uri="{0D108BD9-81ED-4DB2-BD59-A6C34878D82A}">
+                    <a16:rowId xmlns:a16="http://schemas.microsoft.com/office/drawing/2014/main" val="2400188190"/>
+                  </a:ext>
+                </a:extLst>
+              </a:tr>
+            </a:tbl>
+          </a:graphicData>
+        </a:graphic>
+      </p:graphicFrame>
+      <p:graphicFrame>
+        <p:nvGraphicFramePr>
+          <p:cNvPr id="13" name="Table 12">
+            <a:extLst>
+              <a:ext uri="{FF2B5EF4-FFF2-40B4-BE49-F238E27FC236}">
+                <a16:creationId xmlns:a16="http://schemas.microsoft.com/office/drawing/2014/main" id="{E2800F77-7DAB-31B4-1921-A01DE4EBD781}"/>
+              </a:ext>
+            </a:extLst>
+          </p:cNvPr>
+          <p:cNvGraphicFramePr>
+            <a:graphicFrameLocks noGrp="1"/>
+          </p:cNvGraphicFramePr>
+          <p:nvPr>
+            <p:extLst>
+              <p:ext uri="{D42A27DB-BD31-4B8C-83A1-F6EECF244321}">
+                <p14:modId xmlns:p14="http://schemas.microsoft.com/office/powerpoint/2010/main" val="3105809410"/>
+              </p:ext>
+            </p:extLst>
+          </p:nvPr>
+        </p:nvGraphicFramePr>
+        <p:xfrm>
+          <a:off x="6465320" y="3188273"/>
+          <a:ext cx="838200" cy="1854200"/>
+        </p:xfrm>
+        <a:graphic>
+          <a:graphicData uri="http://schemas.openxmlformats.org/drawingml/2006/table">
+            <a:tbl>
+              <a:tblPr firstRow="1" bandRow="1">
+                <a:tableStyleId>{5940675A-B579-460E-94D1-54222C63F5DA}</a:tableStyleId>
+              </a:tblPr>
+              <a:tblGrid>
+                <a:gridCol w="838200">
+                  <a:extLst>
+                    <a:ext uri="{9D8B030D-6E8A-4147-A177-3AD203B41FA5}">
+                      <a16:colId xmlns:a16="http://schemas.microsoft.com/office/drawing/2014/main" val="2965708559"/>
+                    </a:ext>
+                  </a:extLst>
+                </a:gridCol>
+              </a:tblGrid>
+              <a:tr h="370840">
+                <a:tc>
+                  <a:txBody>
+                    <a:bodyPr/>
+                    <a:lstStyle/>
+                    <a:p>
+                      <a:pPr algn="ctr"/>
+                      <a:endParaRPr lang="en-US" dirty="0"/>
+                    </a:p>
+                  </a:txBody>
+                  <a:tcPr/>
+                </a:tc>
+                <a:extLst>
+                  <a:ext uri="{0D108BD9-81ED-4DB2-BD59-A6C34878D82A}">
+                    <a16:rowId xmlns:a16="http://schemas.microsoft.com/office/drawing/2014/main" val="2472658947"/>
+                  </a:ext>
+                </a:extLst>
+              </a:tr>
+              <a:tr h="370840">
+                <a:tc>
+                  <a:txBody>
+                    <a:bodyPr/>
+                    <a:lstStyle/>
+                    <a:p>
+                      <a:pPr algn="ctr"/>
+                      <a:endParaRPr lang="en-US" dirty="0"/>
+                    </a:p>
+                  </a:txBody>
+                  <a:tcPr/>
+                </a:tc>
+                <a:extLst>
+                  <a:ext uri="{0D108BD9-81ED-4DB2-BD59-A6C34878D82A}">
+                    <a16:rowId xmlns:a16="http://schemas.microsoft.com/office/drawing/2014/main" val="2790041352"/>
+                  </a:ext>
+                </a:extLst>
+              </a:tr>
+              <a:tr h="370840">
+                <a:tc>
+                  <a:txBody>
+                    <a:bodyPr/>
+                    <a:lstStyle/>
+                    <a:p>
+                      <a:pPr algn="ctr"/>
+                      <a:endParaRPr lang="en-US" dirty="0"/>
+                    </a:p>
+                  </a:txBody>
+                  <a:tcPr/>
+                </a:tc>
+                <a:extLst>
+                  <a:ext uri="{0D108BD9-81ED-4DB2-BD59-A6C34878D82A}">
+                    <a16:rowId xmlns:a16="http://schemas.microsoft.com/office/drawing/2014/main" val="1635259289"/>
+                  </a:ext>
+                </a:extLst>
+              </a:tr>
+              <a:tr h="370840">
+                <a:tc>
+                  <a:txBody>
+                    <a:bodyPr/>
+                    <a:lstStyle/>
+                    <a:p>
+                      <a:pPr algn="ctr"/>
+                      <a:endParaRPr lang="en-US" dirty="0"/>
+                    </a:p>
+                  </a:txBody>
+                  <a:tcPr/>
+                </a:tc>
+                <a:extLst>
+                  <a:ext uri="{0D108BD9-81ED-4DB2-BD59-A6C34878D82A}">
+                    <a16:rowId xmlns:a16="http://schemas.microsoft.com/office/drawing/2014/main" val="3475318883"/>
+                  </a:ext>
+                </a:extLst>
+              </a:tr>
+              <a:tr h="370840">
+                <a:tc>
+                  <a:txBody>
+                    <a:bodyPr/>
+                    <a:lstStyle/>
+                    <a:p>
+                      <a:pPr algn="ctr"/>
+                      <a:endParaRPr lang="en-US" dirty="0"/>
+                    </a:p>
+                  </a:txBody>
+                  <a:tcPr/>
+                </a:tc>
+                <a:extLst>
+                  <a:ext uri="{0D108BD9-81ED-4DB2-BD59-A6C34878D82A}">
+                    <a16:rowId xmlns:a16="http://schemas.microsoft.com/office/drawing/2014/main" val="2400188190"/>
+                  </a:ext>
+                </a:extLst>
+              </a:tr>
+            </a:tbl>
+          </a:graphicData>
+        </a:graphic>
+      </p:graphicFrame>
+      <p:sp>
+        <p:nvSpPr>
+          <p:cNvPr id="16" name="TextBox 15">
+            <a:extLst>
+              <a:ext uri="{FF2B5EF4-FFF2-40B4-BE49-F238E27FC236}">
+                <a16:creationId xmlns:a16="http://schemas.microsoft.com/office/drawing/2014/main" id="{F8C9E426-19B3-C381-5E30-7C2FF94F96E8}"/>
+              </a:ext>
+            </a:extLst>
+          </p:cNvPr>
+          <p:cNvSpPr txBox="1"/>
+          <p:nvPr/>
+        </p:nvSpPr>
+        <p:spPr>
+          <a:xfrm>
+            <a:off x="3186926" y="5137542"/>
+            <a:ext cx="2172390" cy="400110"/>
+          </a:xfrm>
+          <a:prstGeom prst="rect">
+            <a:avLst/>
+          </a:prstGeom>
+          <a:noFill/>
+        </p:spPr>
+        <p:txBody>
+          <a:bodyPr wrap="none" rtlCol="0">
+            <a:spAutoFit/>
+          </a:bodyPr>
+          <a:lstStyle/>
+          <a:p>
+            <a:r>
+              <a:rPr lang="en-US" sz="2000" dirty="0"/>
+              <a:t>After PUSH {r1,r2}</a:t>
+            </a:r>
+          </a:p>
+        </p:txBody>
+      </p:sp>
+      <p:sp>
+        <p:nvSpPr>
+          <p:cNvPr id="22" name="TextBox 21">
+            <a:extLst>
+              <a:ext uri="{FF2B5EF4-FFF2-40B4-BE49-F238E27FC236}">
+                <a16:creationId xmlns:a16="http://schemas.microsoft.com/office/drawing/2014/main" id="{8C3A0F5D-E35F-6473-85B4-E60E6B15F6BA}"/>
+              </a:ext>
+            </a:extLst>
+          </p:cNvPr>
+          <p:cNvSpPr txBox="1"/>
+          <p:nvPr/>
+        </p:nvSpPr>
+        <p:spPr>
+          <a:xfrm>
+            <a:off x="5859431" y="5137542"/>
+            <a:ext cx="2085827" cy="707886"/>
+          </a:xfrm>
+          <a:prstGeom prst="rect">
+            <a:avLst/>
+          </a:prstGeom>
+          <a:noFill/>
+        </p:spPr>
+        <p:txBody>
+          <a:bodyPr wrap="none" rtlCol="0">
+            <a:spAutoFit/>
+          </a:bodyPr>
+          <a:lstStyle/>
+          <a:p>
+            <a:r>
+              <a:rPr lang="en-US" sz="2000" dirty="0"/>
+              <a:t>After POP {r0,r1},</a:t>
+            </a:r>
+          </a:p>
+          <a:p>
+            <a:r>
+              <a:rPr lang="en-US" sz="2000" dirty="0"/>
+              <a:t>r0=?, r1=?</a:t>
+            </a:r>
+          </a:p>
+        </p:txBody>
+      </p:sp>
+    </p:spTree>
+    <p:extLst>
+      <p:ext uri="{BB962C8B-B14F-4D97-AF65-F5344CB8AC3E}">
+        <p14:creationId xmlns:p14="http://schemas.microsoft.com/office/powerpoint/2010/main" val="437885179"/>
+      </p:ext>
+    </p:extLst>
+  </p:cSld>
+  <p:clrMapOvr>
+    <a:masterClrMapping/>
+  </p:clrMapOvr>
+</p:sld>
+</file>
+
+<file path=ppt/slides/slide5.xml><?xml version="1.0" encoding="utf-8"?>
+<p:sld xmlns:a="http://schemas.openxmlformats.org/drawingml/2006/main" xmlns:r="http://schemas.openxmlformats.org/officeDocument/2006/relationships" xmlns:p="http://schemas.openxmlformats.org/presentationml/2006/main">
+  <p:cSld>
+    <p:spTree>
+      <p:nvGrpSpPr>
+        <p:cNvPr id="1" name="">
+          <a:extLst>
+            <a:ext uri="{FF2B5EF4-FFF2-40B4-BE49-F238E27FC236}">
+              <a16:creationId xmlns:a16="http://schemas.microsoft.com/office/drawing/2014/main" id="{D603F5E7-78DF-6AED-6EFE-A47B82A4A843}"/>
+            </a:ext>
+          </a:extLst>
+        </p:cNvPr>
+        <p:cNvGrpSpPr/>
+        <p:nvPr/>
+      </p:nvGrpSpPr>
+      <p:grpSpPr>
+        <a:xfrm>
+          <a:off x="0" y="0"/>
+          <a:ext cx="0" cy="0"/>
+          <a:chOff x="0" y="0"/>
+          <a:chExt cx="0" cy="0"/>
+        </a:xfrm>
+      </p:grpSpPr>
+      <p:sp>
+        <p:nvSpPr>
+          <p:cNvPr id="2" name="Title 1">
+            <a:extLst>
+              <a:ext uri="{FF2B5EF4-FFF2-40B4-BE49-F238E27FC236}">
+                <a16:creationId xmlns:a16="http://schemas.microsoft.com/office/drawing/2014/main" id="{944D1D1B-105E-E184-ADBC-2B07B3BB929E}"/>
+              </a:ext>
+            </a:extLst>
+          </p:cNvPr>
+          <p:cNvSpPr>
+            <a:spLocks noGrp="1"/>
+          </p:cNvSpPr>
+          <p:nvPr>
+            <p:ph type="title"/>
+          </p:nvPr>
+        </p:nvSpPr>
+        <p:spPr/>
+        <p:txBody>
+          <a:bodyPr/>
+          <a:lstStyle/>
+          <a:p>
+            <a:r>
+              <a:rPr lang="en-US" dirty="0"/>
+              <a:t>Stack ANS</a:t>
+            </a:r>
+          </a:p>
+        </p:txBody>
+      </p:sp>
+      <p:sp>
+        <p:nvSpPr>
+          <p:cNvPr id="3" name="Slide Number Placeholder 2">
+            <a:extLst>
+              <a:ext uri="{FF2B5EF4-FFF2-40B4-BE49-F238E27FC236}">
+                <a16:creationId xmlns:a16="http://schemas.microsoft.com/office/drawing/2014/main" id="{853C2332-DD8B-2EC1-C288-C9CD991A4074}"/>
+              </a:ext>
+            </a:extLst>
+          </p:cNvPr>
+          <p:cNvSpPr>
+            <a:spLocks noGrp="1"/>
+          </p:cNvSpPr>
+          <p:nvPr>
+            <p:ph type="sldNum" sz="quarter" idx="12"/>
+          </p:nvPr>
+        </p:nvSpPr>
+        <p:spPr/>
+        <p:txBody>
+          <a:bodyPr/>
+          <a:lstStyle/>
+          <a:p>
+            <a:fld id="{EA7C8D44-3667-46F6-9772-CC52308E2A7F}" type="slidenum">
+              <a:rPr kumimoji="0" lang="en-US" smtClean="0"/>
+              <a:pPr/>
+              <a:t>5</a:t>
+            </a:fld>
+            <a:endParaRPr kumimoji="0" lang="en-US" dirty="0"/>
+          </a:p>
+        </p:txBody>
+      </p:sp>
+      <p:sp>
+        <p:nvSpPr>
+          <p:cNvPr id="4" name="Content Placeholder 3">
+            <a:extLst>
+              <a:ext uri="{FF2B5EF4-FFF2-40B4-BE49-F238E27FC236}">
+                <a16:creationId xmlns:a16="http://schemas.microsoft.com/office/drawing/2014/main" id="{DCC0932D-B624-F476-2B57-930187D851D9}"/>
+              </a:ext>
+            </a:extLst>
+          </p:cNvPr>
+          <p:cNvSpPr>
+            <a:spLocks noGrp="1"/>
+          </p:cNvSpPr>
+          <p:nvPr>
+            <p:ph sz="quarter" idx="1"/>
+          </p:nvPr>
+        </p:nvSpPr>
+        <p:spPr>
+          <a:xfrm>
+            <a:off x="457200" y="1219200"/>
+            <a:ext cx="8229600" cy="1512689"/>
+          </a:xfrm>
+        </p:spPr>
+        <p:txBody>
+          <a:bodyPr/>
+          <a:lstStyle/>
+          <a:p>
+            <a:r>
+              <a:rPr lang="en-US" dirty="0"/>
+              <a:t>Initially, let </a:t>
+            </a:r>
+            <a:r>
+              <a:rPr lang="en-US" sz="2400" dirty="0"/>
+              <a:t>r0=0, r1=1, r2=2.</a:t>
+            </a:r>
+            <a:endParaRPr lang="en-US" dirty="0"/>
+          </a:p>
+          <a:p>
+            <a:r>
+              <a:rPr lang="en-US" dirty="0"/>
+              <a:t>a) Execute PUSH {r1,r2}. Draw stack.</a:t>
+            </a:r>
+          </a:p>
+          <a:p>
+            <a:r>
+              <a:rPr lang="en-US" dirty="0"/>
+              <a:t>b) Execute POP {r0,r1}. Draw stack.</a:t>
+            </a:r>
+          </a:p>
+        </p:txBody>
+      </p:sp>
+      <p:graphicFrame>
+        <p:nvGraphicFramePr>
+          <p:cNvPr id="7" name="Table 6">
+            <a:extLst>
+              <a:ext uri="{FF2B5EF4-FFF2-40B4-BE49-F238E27FC236}">
+                <a16:creationId xmlns:a16="http://schemas.microsoft.com/office/drawing/2014/main" id="{4809732D-EF89-C5A4-C000-5018FA595EFC}"/>
+              </a:ext>
+            </a:extLst>
+          </p:cNvPr>
+          <p:cNvGraphicFramePr>
+            <a:graphicFrameLocks noGrp="1"/>
+          </p:cNvGraphicFramePr>
+          <p:nvPr/>
+        </p:nvGraphicFramePr>
+        <p:xfrm>
+          <a:off x="1535923" y="3188273"/>
+          <a:ext cx="838200" cy="1854200"/>
+        </p:xfrm>
+        <a:graphic>
+          <a:graphicData uri="http://schemas.openxmlformats.org/drawingml/2006/table">
+            <a:tbl>
+              <a:tblPr firstRow="1" bandRow="1">
+                <a:tableStyleId>{5940675A-B579-460E-94D1-54222C63F5DA}</a:tableStyleId>
+              </a:tblPr>
+              <a:tblGrid>
+                <a:gridCol w="838200">
+                  <a:extLst>
+                    <a:ext uri="{9D8B030D-6E8A-4147-A177-3AD203B41FA5}">
+                      <a16:colId xmlns:a16="http://schemas.microsoft.com/office/drawing/2014/main" val="2965708559"/>
+                    </a:ext>
+                  </a:extLst>
+                </a:gridCol>
+              </a:tblGrid>
+              <a:tr h="370840">
+                <a:tc>
+                  <a:txBody>
+                    <a:bodyPr/>
+                    <a:lstStyle/>
+                    <a:p>
+                      <a:pPr algn="ctr"/>
+                      <a:endParaRPr lang="en-US" dirty="0"/>
+                    </a:p>
+                  </a:txBody>
+                  <a:tcPr/>
+                </a:tc>
+                <a:extLst>
+                  <a:ext uri="{0D108BD9-81ED-4DB2-BD59-A6C34878D82A}">
+                    <a16:rowId xmlns:a16="http://schemas.microsoft.com/office/drawing/2014/main" val="2472658947"/>
+                  </a:ext>
+                </a:extLst>
+              </a:tr>
+              <a:tr h="370840">
+                <a:tc>
+                  <a:txBody>
+                    <a:bodyPr/>
+                    <a:lstStyle/>
+                    <a:p>
+                      <a:pPr algn="ctr"/>
+                      <a:endParaRPr lang="en-US" dirty="0"/>
+                    </a:p>
+                  </a:txBody>
+                  <a:tcPr/>
+                </a:tc>
+                <a:extLst>
+                  <a:ext uri="{0D108BD9-81ED-4DB2-BD59-A6C34878D82A}">
+                    <a16:rowId xmlns:a16="http://schemas.microsoft.com/office/drawing/2014/main" val="2790041352"/>
+                  </a:ext>
+                </a:extLst>
+              </a:tr>
+              <a:tr h="370840">
+                <a:tc>
+                  <a:txBody>
+                    <a:bodyPr/>
+                    <a:lstStyle/>
+                    <a:p>
+                      <a:pPr algn="ctr"/>
+                      <a:endParaRPr lang="en-US" dirty="0"/>
+                    </a:p>
+                  </a:txBody>
+                  <a:tcPr/>
+                </a:tc>
+                <a:extLst>
+                  <a:ext uri="{0D108BD9-81ED-4DB2-BD59-A6C34878D82A}">
+                    <a16:rowId xmlns:a16="http://schemas.microsoft.com/office/drawing/2014/main" val="1635259289"/>
+                  </a:ext>
+                </a:extLst>
+              </a:tr>
+              <a:tr h="370840">
+                <a:tc>
+                  <a:txBody>
+                    <a:bodyPr/>
+                    <a:lstStyle/>
+                    <a:p>
+                      <a:pPr algn="ctr"/>
+                      <a:endParaRPr lang="en-US" dirty="0"/>
+                    </a:p>
+                  </a:txBody>
+                  <a:tcPr/>
+                </a:tc>
+                <a:extLst>
+                  <a:ext uri="{0D108BD9-81ED-4DB2-BD59-A6C34878D82A}">
+                    <a16:rowId xmlns:a16="http://schemas.microsoft.com/office/drawing/2014/main" val="3475318883"/>
+                  </a:ext>
+                </a:extLst>
+              </a:tr>
+              <a:tr h="370840">
+                <a:tc>
+                  <a:txBody>
+                    <a:bodyPr/>
+                    <a:lstStyle/>
+                    <a:p>
+                      <a:pPr algn="ctr"/>
+                      <a:endParaRPr lang="en-US" dirty="0"/>
+                    </a:p>
+                  </a:txBody>
+                  <a:tcPr/>
+                </a:tc>
+                <a:extLst>
+                  <a:ext uri="{0D108BD9-81ED-4DB2-BD59-A6C34878D82A}">
+                    <a16:rowId xmlns:a16="http://schemas.microsoft.com/office/drawing/2014/main" val="2400188190"/>
+                  </a:ext>
+                </a:extLst>
+              </a:tr>
+            </a:tbl>
+          </a:graphicData>
+        </a:graphic>
+      </p:graphicFrame>
+      <p:sp>
+        <p:nvSpPr>
+          <p:cNvPr id="8" name="Arrow: Right 7">
+            <a:extLst>
+              <a:ext uri="{FF2B5EF4-FFF2-40B4-BE49-F238E27FC236}">
+                <a16:creationId xmlns:a16="http://schemas.microsoft.com/office/drawing/2014/main" id="{569AE367-163D-297F-3DD6-599C9645483F}"/>
+              </a:ext>
+            </a:extLst>
+          </p:cNvPr>
+          <p:cNvSpPr/>
+          <p:nvPr/>
+        </p:nvSpPr>
+        <p:spPr>
+          <a:xfrm>
+            <a:off x="999475" y="3302859"/>
+            <a:ext cx="397565" cy="235054"/>
+          </a:xfrm>
+          <a:prstGeom prst="rightArrow">
+            <a:avLst/>
+          </a:prstGeom>
+          <a:solidFill>
+            <a:schemeClr val="bg2"/>
+          </a:solidFill>
+          <a:ln>
+            <a:solidFill>
+              <a:schemeClr val="tx1"/>
+            </a:solidFill>
+          </a:ln>
+        </p:spPr>
+        <p:style>
+          <a:lnRef idx="2">
+            <a:schemeClr val="accent1">
+              <a:shade val="50000"/>
+            </a:schemeClr>
+          </a:lnRef>
+          <a:fillRef idx="1">
+            <a:schemeClr val="accent1"/>
+          </a:fillRef>
+          <a:effectRef idx="0">
+            <a:schemeClr val="accent1"/>
+          </a:effectRef>
+          <a:fontRef idx="minor">
+            <a:schemeClr val="lt1"/>
+          </a:fontRef>
+        </p:style>
+        <p:txBody>
+          <a:bodyPr rtlCol="0" anchor="ctr"/>
+          <a:lstStyle/>
+          <a:p>
+            <a:pPr algn="ctr"/>
+            <a:endParaRPr lang="en-US"/>
+          </a:p>
+        </p:txBody>
+      </p:sp>
+      <p:sp>
+        <p:nvSpPr>
+          <p:cNvPr id="9" name="TextBox 8">
+            <a:extLst>
+              <a:ext uri="{FF2B5EF4-FFF2-40B4-BE49-F238E27FC236}">
+                <a16:creationId xmlns:a16="http://schemas.microsoft.com/office/drawing/2014/main" id="{62A10B87-EDD6-141E-74DF-591C75B3ADDB}"/>
+              </a:ext>
+            </a:extLst>
+          </p:cNvPr>
+          <p:cNvSpPr txBox="1"/>
+          <p:nvPr/>
+        </p:nvSpPr>
+        <p:spPr>
+          <a:xfrm>
+            <a:off x="496902" y="3204332"/>
+            <a:ext cx="433132" cy="400110"/>
+          </a:xfrm>
+          <a:prstGeom prst="rect">
+            <a:avLst/>
+          </a:prstGeom>
+          <a:noFill/>
+        </p:spPr>
+        <p:txBody>
+          <a:bodyPr wrap="none" rtlCol="0">
+            <a:spAutoFit/>
+          </a:bodyPr>
+          <a:lstStyle/>
+          <a:p>
+            <a:r>
+              <a:rPr lang="en-US" sz="2000" dirty="0"/>
+              <a:t>SP</a:t>
+            </a:r>
+          </a:p>
+        </p:txBody>
+      </p:sp>
+      <p:graphicFrame>
+        <p:nvGraphicFramePr>
+          <p:cNvPr id="10" name="Table 9">
+            <a:extLst>
+              <a:ext uri="{FF2B5EF4-FFF2-40B4-BE49-F238E27FC236}">
+                <a16:creationId xmlns:a16="http://schemas.microsoft.com/office/drawing/2014/main" id="{B0BB1A3A-DB33-B7A9-4626-5505E2FDAF8D}"/>
+              </a:ext>
+            </a:extLst>
+          </p:cNvPr>
+          <p:cNvGraphicFramePr>
+            <a:graphicFrameLocks noGrp="1"/>
+          </p:cNvGraphicFramePr>
+          <p:nvPr/>
+        </p:nvGraphicFramePr>
+        <p:xfrm>
+          <a:off x="3798326" y="3199012"/>
+          <a:ext cx="838200" cy="1854200"/>
+        </p:xfrm>
+        <a:graphic>
+          <a:graphicData uri="http://schemas.openxmlformats.org/drawingml/2006/table">
+            <a:tbl>
+              <a:tblPr firstRow="1" bandRow="1">
+                <a:tableStyleId>{5940675A-B579-460E-94D1-54222C63F5DA}</a:tableStyleId>
+              </a:tblPr>
+              <a:tblGrid>
+                <a:gridCol w="838200">
+                  <a:extLst>
+                    <a:ext uri="{9D8B030D-6E8A-4147-A177-3AD203B41FA5}">
+                      <a16:colId xmlns:a16="http://schemas.microsoft.com/office/drawing/2014/main" val="2965708559"/>
+                    </a:ext>
+                  </a:extLst>
+                </a:gridCol>
+              </a:tblGrid>
+              <a:tr h="370840">
+                <a:tc>
+                  <a:txBody>
+                    <a:bodyPr/>
+                    <a:lstStyle/>
+                    <a:p>
+                      <a:pPr algn="ctr"/>
+                      <a:endParaRPr lang="en-US" dirty="0"/>
+                    </a:p>
+                  </a:txBody>
+                  <a:tcPr/>
+                </a:tc>
+                <a:extLst>
+                  <a:ext uri="{0D108BD9-81ED-4DB2-BD59-A6C34878D82A}">
+                    <a16:rowId xmlns:a16="http://schemas.microsoft.com/office/drawing/2014/main" val="2472658947"/>
+                  </a:ext>
+                </a:extLst>
+              </a:tr>
+              <a:tr h="370840">
+                <a:tc>
+                  <a:txBody>
+                    <a:bodyPr/>
+                    <a:lstStyle/>
+                    <a:p>
+                      <a:pPr algn="ctr"/>
+                      <a:r>
+                        <a:rPr lang="en-US" dirty="0"/>
+                        <a:t>r2=2</a:t>
+                      </a:r>
+                    </a:p>
+                  </a:txBody>
+                  <a:tcPr/>
+                </a:tc>
+                <a:extLst>
+                  <a:ext uri="{0D108BD9-81ED-4DB2-BD59-A6C34878D82A}">
+                    <a16:rowId xmlns:a16="http://schemas.microsoft.com/office/drawing/2014/main" val="2790041352"/>
+                  </a:ext>
+                </a:extLst>
+              </a:tr>
+              <a:tr h="370840">
+                <a:tc>
+                  <a:txBody>
+                    <a:bodyPr/>
+                    <a:lstStyle/>
+                    <a:p>
+                      <a:pPr algn="ctr"/>
+                      <a:r>
+                        <a:rPr lang="en-US" dirty="0"/>
+                        <a:t>r1=1</a:t>
+                      </a:r>
+                    </a:p>
+                  </a:txBody>
+                  <a:tcPr/>
+                </a:tc>
+                <a:extLst>
+                  <a:ext uri="{0D108BD9-81ED-4DB2-BD59-A6C34878D82A}">
+                    <a16:rowId xmlns:a16="http://schemas.microsoft.com/office/drawing/2014/main" val="1635259289"/>
+                  </a:ext>
+                </a:extLst>
+              </a:tr>
+              <a:tr h="370840">
+                <a:tc>
+                  <a:txBody>
+                    <a:bodyPr/>
+                    <a:lstStyle/>
+                    <a:p>
+                      <a:pPr algn="ctr"/>
+                      <a:endParaRPr lang="en-US" dirty="0"/>
+                    </a:p>
+                  </a:txBody>
+                  <a:tcPr/>
+                </a:tc>
+                <a:extLst>
+                  <a:ext uri="{0D108BD9-81ED-4DB2-BD59-A6C34878D82A}">
+                    <a16:rowId xmlns:a16="http://schemas.microsoft.com/office/drawing/2014/main" val="3475318883"/>
+                  </a:ext>
+                </a:extLst>
+              </a:tr>
+              <a:tr h="370840">
+                <a:tc>
+                  <a:txBody>
+                    <a:bodyPr/>
+                    <a:lstStyle/>
+                    <a:p>
+                      <a:pPr algn="ctr"/>
+                      <a:endParaRPr lang="en-US" dirty="0"/>
+                    </a:p>
+                  </a:txBody>
+                  <a:tcPr/>
+                </a:tc>
+                <a:extLst>
+                  <a:ext uri="{0D108BD9-81ED-4DB2-BD59-A6C34878D82A}">
+                    <a16:rowId xmlns:a16="http://schemas.microsoft.com/office/drawing/2014/main" val="2400188190"/>
+                  </a:ext>
+                </a:extLst>
+              </a:tr>
+            </a:tbl>
+          </a:graphicData>
+        </a:graphic>
+      </p:graphicFrame>
+      <p:sp>
+        <p:nvSpPr>
+          <p:cNvPr id="11" name="Arrow: Right 10">
+            <a:extLst>
+              <a:ext uri="{FF2B5EF4-FFF2-40B4-BE49-F238E27FC236}">
+                <a16:creationId xmlns:a16="http://schemas.microsoft.com/office/drawing/2014/main" id="{50186B45-C036-8963-F983-F18A363F0E41}"/>
+              </a:ext>
+            </a:extLst>
+          </p:cNvPr>
+          <p:cNvSpPr/>
+          <p:nvPr/>
+        </p:nvSpPr>
+        <p:spPr>
+          <a:xfrm>
+            <a:off x="3265932" y="4038635"/>
+            <a:ext cx="397565" cy="235054"/>
+          </a:xfrm>
+          <a:prstGeom prst="rightArrow">
+            <a:avLst/>
+          </a:prstGeom>
+          <a:solidFill>
+            <a:schemeClr val="bg2"/>
+          </a:solidFill>
+          <a:ln>
+            <a:solidFill>
+              <a:schemeClr val="tx1"/>
+            </a:solidFill>
+          </a:ln>
+        </p:spPr>
+        <p:style>
+          <a:lnRef idx="2">
+            <a:schemeClr val="accent1">
+              <a:shade val="50000"/>
+            </a:schemeClr>
+          </a:lnRef>
+          <a:fillRef idx="1">
+            <a:schemeClr val="accent1"/>
+          </a:fillRef>
+          <a:effectRef idx="0">
+            <a:schemeClr val="accent1"/>
+          </a:effectRef>
+          <a:fontRef idx="minor">
+            <a:schemeClr val="lt1"/>
+          </a:fontRef>
+        </p:style>
+        <p:txBody>
+          <a:bodyPr rtlCol="0" anchor="ctr"/>
+          <a:lstStyle/>
+          <a:p>
+            <a:pPr algn="ctr"/>
+            <a:endParaRPr lang="en-US"/>
+          </a:p>
+        </p:txBody>
+      </p:sp>
+      <p:sp>
+        <p:nvSpPr>
+          <p:cNvPr id="12" name="TextBox 11">
+            <a:extLst>
+              <a:ext uri="{FF2B5EF4-FFF2-40B4-BE49-F238E27FC236}">
+                <a16:creationId xmlns:a16="http://schemas.microsoft.com/office/drawing/2014/main" id="{39593EEC-57A9-1968-DC28-8040B4B19D5D}"/>
+              </a:ext>
+            </a:extLst>
+          </p:cNvPr>
+          <p:cNvSpPr txBox="1"/>
+          <p:nvPr/>
+        </p:nvSpPr>
+        <p:spPr>
+          <a:xfrm>
+            <a:off x="2763359" y="3940108"/>
+            <a:ext cx="433132" cy="400110"/>
+          </a:xfrm>
+          <a:prstGeom prst="rect">
+            <a:avLst/>
+          </a:prstGeom>
+          <a:noFill/>
+        </p:spPr>
+        <p:txBody>
+          <a:bodyPr wrap="none" rtlCol="0">
+            <a:spAutoFit/>
+          </a:bodyPr>
+          <a:lstStyle/>
+          <a:p>
+            <a:r>
+              <a:rPr lang="en-US" sz="2000" dirty="0"/>
+              <a:t>SP</a:t>
+            </a:r>
+          </a:p>
+        </p:txBody>
+      </p:sp>
+      <p:graphicFrame>
+        <p:nvGraphicFramePr>
+          <p:cNvPr id="13" name="Table 12">
+            <a:extLst>
+              <a:ext uri="{FF2B5EF4-FFF2-40B4-BE49-F238E27FC236}">
+                <a16:creationId xmlns:a16="http://schemas.microsoft.com/office/drawing/2014/main" id="{0F90E149-86FB-1EB7-A72E-7589073CE919}"/>
+              </a:ext>
+            </a:extLst>
+          </p:cNvPr>
+          <p:cNvGraphicFramePr>
+            <a:graphicFrameLocks noGrp="1"/>
+          </p:cNvGraphicFramePr>
+          <p:nvPr/>
+        </p:nvGraphicFramePr>
+        <p:xfrm>
+          <a:off x="6465320" y="3188273"/>
+          <a:ext cx="838200" cy="1854200"/>
+        </p:xfrm>
+        <a:graphic>
+          <a:graphicData uri="http://schemas.openxmlformats.org/drawingml/2006/table">
+            <a:tbl>
+              <a:tblPr firstRow="1" bandRow="1">
+                <a:tableStyleId>{5940675A-B579-460E-94D1-54222C63F5DA}</a:tableStyleId>
+              </a:tblPr>
+              <a:tblGrid>
+                <a:gridCol w="838200">
+                  <a:extLst>
+                    <a:ext uri="{9D8B030D-6E8A-4147-A177-3AD203B41FA5}">
+                      <a16:colId xmlns:a16="http://schemas.microsoft.com/office/drawing/2014/main" val="2965708559"/>
+                    </a:ext>
+                  </a:extLst>
+                </a:gridCol>
+              </a:tblGrid>
+              <a:tr h="370840">
+                <a:tc>
+                  <a:txBody>
+                    <a:bodyPr/>
+                    <a:lstStyle/>
+                    <a:p>
+                      <a:pPr algn="ctr"/>
+                      <a:endParaRPr lang="en-US" dirty="0"/>
+                    </a:p>
+                  </a:txBody>
+                  <a:tcPr/>
+                </a:tc>
+                <a:extLst>
+                  <a:ext uri="{0D108BD9-81ED-4DB2-BD59-A6C34878D82A}">
+                    <a16:rowId xmlns:a16="http://schemas.microsoft.com/office/drawing/2014/main" val="2472658947"/>
+                  </a:ext>
+                </a:extLst>
+              </a:tr>
+              <a:tr h="370840">
+                <a:tc>
+                  <a:txBody>
+                    <a:bodyPr/>
+                    <a:lstStyle/>
+                    <a:p>
+                      <a:pPr algn="ctr"/>
+                      <a:endParaRPr lang="en-US" dirty="0"/>
+                    </a:p>
+                  </a:txBody>
+                  <a:tcPr/>
+                </a:tc>
+                <a:extLst>
+                  <a:ext uri="{0D108BD9-81ED-4DB2-BD59-A6C34878D82A}">
+                    <a16:rowId xmlns:a16="http://schemas.microsoft.com/office/drawing/2014/main" val="2790041352"/>
+                  </a:ext>
+                </a:extLst>
+              </a:tr>
+              <a:tr h="370840">
+                <a:tc>
+                  <a:txBody>
+                    <a:bodyPr/>
+                    <a:lstStyle/>
+                    <a:p>
+                      <a:pPr algn="ctr"/>
+                      <a:endParaRPr lang="en-US" dirty="0"/>
+                    </a:p>
+                  </a:txBody>
+                  <a:tcPr/>
+                </a:tc>
+                <a:extLst>
+                  <a:ext uri="{0D108BD9-81ED-4DB2-BD59-A6C34878D82A}">
+                    <a16:rowId xmlns:a16="http://schemas.microsoft.com/office/drawing/2014/main" val="1635259289"/>
+                  </a:ext>
+                </a:extLst>
+              </a:tr>
+              <a:tr h="370840">
+                <a:tc>
+                  <a:txBody>
+                    <a:bodyPr/>
+                    <a:lstStyle/>
+                    <a:p>
+                      <a:pPr algn="ctr"/>
+                      <a:endParaRPr lang="en-US" dirty="0"/>
+                    </a:p>
+                  </a:txBody>
+                  <a:tcPr/>
+                </a:tc>
+                <a:extLst>
+                  <a:ext uri="{0D108BD9-81ED-4DB2-BD59-A6C34878D82A}">
+                    <a16:rowId xmlns:a16="http://schemas.microsoft.com/office/drawing/2014/main" val="3475318883"/>
+                  </a:ext>
+                </a:extLst>
+              </a:tr>
+              <a:tr h="370840">
+                <a:tc>
+                  <a:txBody>
+                    <a:bodyPr/>
+                    <a:lstStyle/>
+                    <a:p>
+                      <a:pPr algn="ctr"/>
+                      <a:endParaRPr lang="en-US" dirty="0"/>
+                    </a:p>
+                  </a:txBody>
+                  <a:tcPr/>
+                </a:tc>
+                <a:extLst>
+                  <a:ext uri="{0D108BD9-81ED-4DB2-BD59-A6C34878D82A}">
+                    <a16:rowId xmlns:a16="http://schemas.microsoft.com/office/drawing/2014/main" val="2400188190"/>
+                  </a:ext>
+                </a:extLst>
+              </a:tr>
+            </a:tbl>
+          </a:graphicData>
+        </a:graphic>
+      </p:graphicFrame>
+      <p:sp>
+        <p:nvSpPr>
+          <p:cNvPr id="14" name="Arrow: Right 13">
+            <a:extLst>
+              <a:ext uri="{FF2B5EF4-FFF2-40B4-BE49-F238E27FC236}">
+                <a16:creationId xmlns:a16="http://schemas.microsoft.com/office/drawing/2014/main" id="{CB24527C-F1F4-33BA-B5D6-819E30373882}"/>
+              </a:ext>
+            </a:extLst>
+          </p:cNvPr>
+          <p:cNvSpPr/>
+          <p:nvPr/>
+        </p:nvSpPr>
+        <p:spPr>
+          <a:xfrm>
+            <a:off x="5928872" y="3302859"/>
+            <a:ext cx="397565" cy="235054"/>
+          </a:xfrm>
+          <a:prstGeom prst="rightArrow">
+            <a:avLst/>
+          </a:prstGeom>
+          <a:solidFill>
+            <a:schemeClr val="bg2"/>
+          </a:solidFill>
+          <a:ln>
+            <a:solidFill>
+              <a:schemeClr val="tx1"/>
+            </a:solidFill>
+          </a:ln>
+        </p:spPr>
+        <p:style>
+          <a:lnRef idx="2">
+            <a:schemeClr val="accent1">
+              <a:shade val="50000"/>
+            </a:schemeClr>
+          </a:lnRef>
+          <a:fillRef idx="1">
+            <a:schemeClr val="accent1"/>
+          </a:fillRef>
+          <a:effectRef idx="0">
+            <a:schemeClr val="accent1"/>
+          </a:effectRef>
+          <a:fontRef idx="minor">
+            <a:schemeClr val="lt1"/>
+          </a:fontRef>
+        </p:style>
+        <p:txBody>
+          <a:bodyPr rtlCol="0" anchor="ctr"/>
+          <a:lstStyle/>
+          <a:p>
+            <a:pPr algn="ctr"/>
+            <a:endParaRPr lang="en-US"/>
+          </a:p>
+        </p:txBody>
+      </p:sp>
+      <p:sp>
+        <p:nvSpPr>
+          <p:cNvPr id="15" name="TextBox 14">
+            <a:extLst>
+              <a:ext uri="{FF2B5EF4-FFF2-40B4-BE49-F238E27FC236}">
+                <a16:creationId xmlns:a16="http://schemas.microsoft.com/office/drawing/2014/main" id="{39061F2C-A317-8DD0-2E26-07A9FB2F6E12}"/>
+              </a:ext>
+            </a:extLst>
+          </p:cNvPr>
+          <p:cNvSpPr txBox="1"/>
+          <p:nvPr/>
+        </p:nvSpPr>
+        <p:spPr>
+          <a:xfrm>
+            <a:off x="5426299" y="3204332"/>
+            <a:ext cx="433132" cy="400110"/>
+          </a:xfrm>
+          <a:prstGeom prst="rect">
+            <a:avLst/>
+          </a:prstGeom>
+          <a:noFill/>
+        </p:spPr>
+        <p:txBody>
+          <a:bodyPr wrap="none" rtlCol="0">
+            <a:spAutoFit/>
+          </a:bodyPr>
+          <a:lstStyle/>
+          <a:p>
+            <a:r>
+              <a:rPr lang="en-US" sz="2000" dirty="0"/>
+              <a:t>SP</a:t>
+            </a:r>
+          </a:p>
+        </p:txBody>
+      </p:sp>
+      <p:sp>
+        <p:nvSpPr>
+          <p:cNvPr id="16" name="TextBox 15">
+            <a:extLst>
+              <a:ext uri="{FF2B5EF4-FFF2-40B4-BE49-F238E27FC236}">
+                <a16:creationId xmlns:a16="http://schemas.microsoft.com/office/drawing/2014/main" id="{A49D0B57-E431-F7A3-1BED-79D0F8F79AA1}"/>
+              </a:ext>
+            </a:extLst>
+          </p:cNvPr>
+          <p:cNvSpPr txBox="1"/>
+          <p:nvPr/>
+        </p:nvSpPr>
+        <p:spPr>
+          <a:xfrm>
+            <a:off x="3186926" y="5137542"/>
+            <a:ext cx="2172390" cy="400110"/>
+          </a:xfrm>
+          <a:prstGeom prst="rect">
+            <a:avLst/>
+          </a:prstGeom>
+          <a:noFill/>
+        </p:spPr>
+        <p:txBody>
+          <a:bodyPr wrap="none" rtlCol="0">
+            <a:spAutoFit/>
+          </a:bodyPr>
+          <a:lstStyle/>
+          <a:p>
+            <a:r>
+              <a:rPr lang="en-US" sz="2000" dirty="0"/>
+              <a:t>After PUSH {r1,r2}</a:t>
+            </a:r>
+          </a:p>
+        </p:txBody>
+      </p:sp>
+      <p:sp>
+        <p:nvSpPr>
+          <p:cNvPr id="22" name="TextBox 21">
+            <a:extLst>
+              <a:ext uri="{FF2B5EF4-FFF2-40B4-BE49-F238E27FC236}">
+                <a16:creationId xmlns:a16="http://schemas.microsoft.com/office/drawing/2014/main" id="{EA1D60ED-C6F0-ACD1-8F1A-B034A7D8F690}"/>
+              </a:ext>
+            </a:extLst>
+          </p:cNvPr>
+          <p:cNvSpPr txBox="1"/>
+          <p:nvPr/>
+        </p:nvSpPr>
+        <p:spPr>
+          <a:xfrm>
+            <a:off x="5859431" y="5137542"/>
+            <a:ext cx="2085827" cy="707886"/>
+          </a:xfrm>
+          <a:prstGeom prst="rect">
+            <a:avLst/>
+          </a:prstGeom>
+          <a:noFill/>
+        </p:spPr>
+        <p:txBody>
+          <a:bodyPr wrap="none" rtlCol="0">
+            <a:spAutoFit/>
+          </a:bodyPr>
+          <a:lstStyle/>
+          <a:p>
+            <a:r>
+              <a:rPr lang="en-US" sz="2000" dirty="0"/>
+              <a:t>After POP {r0,r1},</a:t>
+            </a:r>
+          </a:p>
+          <a:p>
+            <a:r>
+              <a:rPr lang="en-US" sz="2000" dirty="0"/>
+              <a:t>r0=1, r1=2</a:t>
+            </a:r>
+          </a:p>
+        </p:txBody>
+      </p:sp>
+      <p:sp>
+        <p:nvSpPr>
+          <p:cNvPr id="5" name="TextBox 4">
+            <a:extLst>
+              <a:ext uri="{FF2B5EF4-FFF2-40B4-BE49-F238E27FC236}">
+                <a16:creationId xmlns:a16="http://schemas.microsoft.com/office/drawing/2014/main" id="{E934273F-86D4-4FCA-7A42-387A88B6F17F}"/>
+              </a:ext>
+            </a:extLst>
+          </p:cNvPr>
+          <p:cNvSpPr txBox="1"/>
+          <p:nvPr/>
+        </p:nvSpPr>
+        <p:spPr>
+          <a:xfrm>
+            <a:off x="999474" y="5908432"/>
+            <a:ext cx="7687325" cy="646331"/>
+          </a:xfrm>
+          <a:prstGeom prst="rect">
+            <a:avLst/>
+          </a:prstGeom>
+          <a:solidFill>
+            <a:schemeClr val="bg1">
+              <a:lumMod val="85000"/>
+            </a:schemeClr>
+          </a:solidFill>
+        </p:spPr>
+        <p:style>
+          <a:lnRef idx="1">
+            <a:schemeClr val="dk1"/>
+          </a:lnRef>
+          <a:fillRef idx="2">
+            <a:schemeClr val="dk1"/>
+          </a:fillRef>
+          <a:effectRef idx="1">
+            <a:schemeClr val="dk1"/>
+          </a:effectRef>
+          <a:fontRef idx="minor">
+            <a:schemeClr val="dk1"/>
+          </a:fontRef>
+        </p:style>
+        <p:txBody>
+          <a:bodyPr wrap="square" rtlCol="0">
+            <a:spAutoFit/>
+          </a:bodyPr>
+          <a:lstStyle/>
+          <a:p>
+            <a:r>
+              <a:rPr lang="en-US" dirty="0"/>
+              <a:t>Stack contains only the values like 2, 1… </a:t>
+            </a:r>
+            <a:r>
+              <a:rPr lang="en-US"/>
+              <a:t>I write </a:t>
+            </a:r>
+            <a:r>
+              <a:rPr lang="en-US" dirty="0"/>
+              <a:t>r2=2, r1=1 in the figures for illustration purposes only. </a:t>
+            </a:r>
+          </a:p>
+        </p:txBody>
+      </p:sp>
+    </p:spTree>
+    <p:extLst>
+      <p:ext uri="{BB962C8B-B14F-4D97-AF65-F5344CB8AC3E}">
+        <p14:creationId xmlns:p14="http://schemas.microsoft.com/office/powerpoint/2010/main" val="2007294765"/>
+      </p:ext>
+    </p:extLst>
+  </p:cSld>
+  <p:clrMapOvr>
+    <a:masterClrMapping/>
+  </p:clrMapOvr>
+</p:sld>
+</file>
+
+<file path=ppt/slides/slide6.xml><?xml version="1.0" encoding="utf-8"?>
+<p:sld xmlns:a="http://schemas.openxmlformats.org/drawingml/2006/main" xmlns:r="http://schemas.openxmlformats.org/officeDocument/2006/relationships" xmlns:p="http://schemas.openxmlformats.org/presentationml/2006/main">
+  <p:cSld>
+    <p:spTree>
+      <p:nvGrpSpPr>
+        <p:cNvPr id="1" name=""/>
+        <p:cNvGrpSpPr/>
+        <p:nvPr/>
+      </p:nvGrpSpPr>
+      <p:grpSpPr>
+        <a:xfrm>
+          <a:off x="0" y="0"/>
+          <a:ext cx="0" cy="0"/>
+          <a:chOff x="0" y="0"/>
+          <a:chExt cx="0" cy="0"/>
+        </a:xfrm>
+      </p:grpSpPr>
+      <p:sp>
+        <p:nvSpPr>
+          <p:cNvPr id="2" name="Title 1">
+            <a:extLst>
+              <a:ext uri="{FF2B5EF4-FFF2-40B4-BE49-F238E27FC236}">
+                <a16:creationId xmlns:a16="http://schemas.microsoft.com/office/drawing/2014/main" id="{BBF7B3FB-5C59-12EE-7933-D1B84D34745C}"/>
+              </a:ext>
+            </a:extLst>
+          </p:cNvPr>
+          <p:cNvSpPr>
+            <a:spLocks noGrp="1"/>
+          </p:cNvSpPr>
+          <p:nvPr>
+            <p:ph type="title"/>
+          </p:nvPr>
+        </p:nvSpPr>
+        <p:spPr/>
+        <p:txBody>
+          <a:bodyPr/>
+          <a:lstStyle/>
+          <a:p>
+            <a:r>
+              <a:rPr lang="en-US" dirty="0"/>
+              <a:t>Stack</a:t>
+            </a:r>
+          </a:p>
+        </p:txBody>
+      </p:sp>
+      <p:sp>
+        <p:nvSpPr>
+          <p:cNvPr id="3" name="Slide Number Placeholder 2">
+            <a:extLst>
+              <a:ext uri="{FF2B5EF4-FFF2-40B4-BE49-F238E27FC236}">
+                <a16:creationId xmlns:a16="http://schemas.microsoft.com/office/drawing/2014/main" id="{0C4872FB-6E30-C087-032F-93730EF17554}"/>
+              </a:ext>
+            </a:extLst>
+          </p:cNvPr>
+          <p:cNvSpPr>
+            <a:spLocks noGrp="1"/>
+          </p:cNvSpPr>
+          <p:nvPr>
+            <p:ph type="sldNum" sz="quarter" idx="12"/>
+          </p:nvPr>
+        </p:nvSpPr>
+        <p:spPr/>
+        <p:txBody>
+          <a:bodyPr/>
+          <a:lstStyle/>
+          <a:p>
+            <a:fld id="{EA7C8D44-3667-46F6-9772-CC52308E2A7F}" type="slidenum">
+              <a:rPr kumimoji="0" lang="en-US" smtClean="0"/>
+              <a:pPr/>
+              <a:t>6</a:t>
+            </a:fld>
+            <a:endParaRPr kumimoji="0" lang="en-US" dirty="0"/>
+          </a:p>
+        </p:txBody>
+      </p:sp>
+      <p:sp>
+        <p:nvSpPr>
+          <p:cNvPr id="4" name="Content Placeholder 3">
+            <a:extLst>
+              <a:ext uri="{FF2B5EF4-FFF2-40B4-BE49-F238E27FC236}">
+                <a16:creationId xmlns:a16="http://schemas.microsoft.com/office/drawing/2014/main" id="{5891B2DB-8D92-68E6-3839-2EB2B6D0CCA5}"/>
+              </a:ext>
+            </a:extLst>
+          </p:cNvPr>
+          <p:cNvSpPr>
+            <a:spLocks noGrp="1"/>
+          </p:cNvSpPr>
+          <p:nvPr>
+            <p:ph sz="quarter" idx="1"/>
+          </p:nvPr>
+        </p:nvSpPr>
+        <p:spPr/>
+        <p:txBody>
+          <a:bodyPr/>
+          <a:lstStyle/>
+          <a:p>
+            <a:pPr marL="342900" indent="-342900">
+              <a:spcBef>
+                <a:spcPts val="0"/>
+              </a:spcBef>
+            </a:pPr>
+            <a:r>
+              <a:rPr lang="en-US" dirty="0"/>
+              <a:t>Initially, let r0=0, r1=1, r2=2, r3=3</a:t>
+            </a:r>
+          </a:p>
+          <a:p>
+            <a:pPr marL="342900" indent="-342900"/>
+            <a:r>
+              <a:rPr lang="en-US" dirty="0"/>
+              <a:t>Execute  </a:t>
+            </a:r>
+          </a:p>
+          <a:p>
+            <a:pPr marL="0" indent="0">
+              <a:buNone/>
+            </a:pPr>
+            <a:r>
+              <a:rPr lang="en-US" dirty="0">
+                <a:solidFill>
+                  <a:srgbClr val="7030A0"/>
+                </a:solidFill>
+                <a:ea typeface="Courier New"/>
+                <a:cs typeface="Courier New"/>
+                <a:sym typeface="Courier New"/>
+              </a:rPr>
+              <a:t>     PUSH {r1,r2}</a:t>
+            </a:r>
+          </a:p>
+          <a:p>
+            <a:pPr marL="0" indent="0">
+              <a:buNone/>
+            </a:pPr>
+            <a:r>
+              <a:rPr lang="en-US" dirty="0">
+                <a:solidFill>
+                  <a:srgbClr val="7030A0"/>
+                </a:solidFill>
+                <a:ea typeface="Courier New"/>
+                <a:cs typeface="Courier New"/>
+                <a:sym typeface="Courier New"/>
+              </a:rPr>
+              <a:t>     PUSH {r3,r0}</a:t>
+            </a:r>
+          </a:p>
+          <a:p>
+            <a:pPr marL="0" indent="0">
+              <a:buNone/>
+            </a:pPr>
+            <a:r>
+              <a:rPr lang="en-US" dirty="0">
+                <a:solidFill>
+                  <a:srgbClr val="7030A0"/>
+                </a:solidFill>
+                <a:ea typeface="Courier New"/>
+                <a:cs typeface="Courier New"/>
+                <a:sym typeface="Courier New"/>
+              </a:rPr>
+              <a:t>     POP {r0-r3}  (same as </a:t>
+            </a:r>
+            <a:r>
+              <a:rPr lang="pt-BR" dirty="0">
+                <a:solidFill>
+                  <a:srgbClr val="7030A0"/>
+                </a:solidFill>
+                <a:ea typeface="Courier New"/>
+                <a:cs typeface="Courier New"/>
+                <a:sym typeface="Courier New"/>
+              </a:rPr>
+              <a:t>POP {r0, r1, r2, r3}</a:t>
+            </a:r>
+            <a:r>
+              <a:rPr lang="en-US" dirty="0">
+                <a:solidFill>
+                  <a:srgbClr val="7030A0"/>
+                </a:solidFill>
+                <a:ea typeface="Courier New"/>
+                <a:cs typeface="Courier New"/>
+                <a:sym typeface="Courier New"/>
+              </a:rPr>
+              <a:t>)</a:t>
+            </a:r>
+          </a:p>
+          <a:p>
+            <a:pPr marL="342900" indent="-342900"/>
+            <a:r>
+              <a:rPr lang="en-US" dirty="0"/>
+              <a:t>What is in registers ?</a:t>
+            </a:r>
+          </a:p>
+        </p:txBody>
+      </p:sp>
+    </p:spTree>
+    <p:extLst>
+      <p:ext uri="{BB962C8B-B14F-4D97-AF65-F5344CB8AC3E}">
+        <p14:creationId xmlns:p14="http://schemas.microsoft.com/office/powerpoint/2010/main" val="2724411605"/>
+      </p:ext>
+    </p:extLst>
+  </p:cSld>
+  <p:clrMapOvr>
+    <a:masterClrMapping/>
+  </p:clrMapOvr>
+</p:sld>
+</file>
+
+<file path=ppt/slides/slide7.xml><?xml version="1.0" encoding="utf-8"?>
+<p:sld xmlns:a="http://schemas.openxmlformats.org/drawingml/2006/main" xmlns:r="http://schemas.openxmlformats.org/officeDocument/2006/relationships" xmlns:p="http://schemas.openxmlformats.org/presentationml/2006/main">
+  <p:cSld>
+    <p:spTree>
+      <p:nvGrpSpPr>
+        <p:cNvPr id="1" name="">
+          <a:extLst>
+            <a:ext uri="{FF2B5EF4-FFF2-40B4-BE49-F238E27FC236}">
+              <a16:creationId xmlns:a16="http://schemas.microsoft.com/office/drawing/2014/main" id="{10B31381-7AB9-FDA4-7FF9-72D96B8AD4E5}"/>
+            </a:ext>
+          </a:extLst>
+        </p:cNvPr>
+        <p:cNvGrpSpPr/>
+        <p:nvPr/>
+      </p:nvGrpSpPr>
+      <p:grpSpPr>
+        <a:xfrm>
+          <a:off x="0" y="0"/>
+          <a:ext cx="0" cy="0"/>
+          <a:chOff x="0" y="0"/>
+          <a:chExt cx="0" cy="0"/>
+        </a:xfrm>
+      </p:grpSpPr>
+      <p:sp>
+        <p:nvSpPr>
+          <p:cNvPr id="2" name="Title 1">
+            <a:extLst>
+              <a:ext uri="{FF2B5EF4-FFF2-40B4-BE49-F238E27FC236}">
+                <a16:creationId xmlns:a16="http://schemas.microsoft.com/office/drawing/2014/main" id="{8CE305BA-4383-D05A-A09F-E8888E979ED1}"/>
+              </a:ext>
+            </a:extLst>
+          </p:cNvPr>
+          <p:cNvSpPr>
+            <a:spLocks noGrp="1"/>
+          </p:cNvSpPr>
+          <p:nvPr>
+            <p:ph type="title"/>
+          </p:nvPr>
+        </p:nvSpPr>
+        <p:spPr/>
+        <p:txBody>
+          <a:bodyPr/>
+          <a:lstStyle/>
+          <a:p>
+            <a:r>
+              <a:rPr lang="en-US" dirty="0"/>
+              <a:t>Stack</a:t>
+            </a:r>
+          </a:p>
+        </p:txBody>
+      </p:sp>
+      <p:sp>
+        <p:nvSpPr>
+          <p:cNvPr id="3" name="Slide Number Placeholder 2">
+            <a:extLst>
+              <a:ext uri="{FF2B5EF4-FFF2-40B4-BE49-F238E27FC236}">
+                <a16:creationId xmlns:a16="http://schemas.microsoft.com/office/drawing/2014/main" id="{7B241A1B-240A-D65E-9382-43BCA168C33F}"/>
+              </a:ext>
+            </a:extLst>
+          </p:cNvPr>
+          <p:cNvSpPr>
+            <a:spLocks noGrp="1"/>
+          </p:cNvSpPr>
+          <p:nvPr>
+            <p:ph type="sldNum" sz="quarter" idx="12"/>
+          </p:nvPr>
+        </p:nvSpPr>
+        <p:spPr/>
+        <p:txBody>
+          <a:bodyPr/>
+          <a:lstStyle/>
+          <a:p>
+            <a:fld id="{EA7C8D44-3667-46F6-9772-CC52308E2A7F}" type="slidenum">
+              <a:rPr kumimoji="0" lang="en-US" smtClean="0"/>
+              <a:pPr/>
+              <a:t>7</a:t>
+            </a:fld>
+            <a:endParaRPr kumimoji="0" lang="en-US" dirty="0"/>
+          </a:p>
+        </p:txBody>
+      </p:sp>
+      <p:sp>
+        <p:nvSpPr>
+          <p:cNvPr id="4" name="Content Placeholder 3">
+            <a:extLst>
+              <a:ext uri="{FF2B5EF4-FFF2-40B4-BE49-F238E27FC236}">
+                <a16:creationId xmlns:a16="http://schemas.microsoft.com/office/drawing/2014/main" id="{D196B1B3-16B9-7552-E252-1625434D0362}"/>
+              </a:ext>
+            </a:extLst>
+          </p:cNvPr>
+          <p:cNvSpPr>
+            <a:spLocks noGrp="1"/>
+          </p:cNvSpPr>
+          <p:nvPr>
+            <p:ph sz="quarter" idx="1"/>
+          </p:nvPr>
+        </p:nvSpPr>
+        <p:spPr>
+          <a:xfrm>
+            <a:off x="457200" y="1219200"/>
+            <a:ext cx="8229600" cy="2667000"/>
+          </a:xfrm>
+        </p:spPr>
+        <p:txBody>
+          <a:bodyPr>
+            <a:normAutofit fontScale="92500" lnSpcReduction="20000"/>
+          </a:bodyPr>
+          <a:lstStyle/>
+          <a:p>
+            <a:pPr marL="342900" indent="-342900">
+              <a:spcBef>
+                <a:spcPts val="0"/>
+              </a:spcBef>
+            </a:pPr>
+            <a:r>
+              <a:rPr lang="en-US" dirty="0"/>
+              <a:t>Initially, let r0=0, r1=1, r2=2, r3=3</a:t>
+            </a:r>
+          </a:p>
+          <a:p>
+            <a:pPr marL="342900" indent="-342900"/>
+            <a:r>
+              <a:rPr lang="en-US" dirty="0"/>
+              <a:t>Execute  </a:t>
+            </a:r>
+          </a:p>
+          <a:p>
+            <a:pPr marL="0" indent="0">
+              <a:buNone/>
+            </a:pPr>
+            <a:r>
+              <a:rPr lang="en-US" dirty="0">
+                <a:solidFill>
+                  <a:srgbClr val="7030A0"/>
+                </a:solidFill>
+                <a:ea typeface="Courier New"/>
+                <a:cs typeface="Courier New"/>
+                <a:sym typeface="Courier New"/>
+              </a:rPr>
+              <a:t>     PUSH {r1,r2}</a:t>
+            </a:r>
+          </a:p>
+          <a:p>
+            <a:pPr marL="0" indent="0">
+              <a:buNone/>
+            </a:pPr>
+            <a:r>
+              <a:rPr lang="en-US" dirty="0">
+                <a:solidFill>
+                  <a:srgbClr val="7030A0"/>
+                </a:solidFill>
+                <a:ea typeface="Courier New"/>
+                <a:cs typeface="Courier New"/>
+                <a:sym typeface="Courier New"/>
+              </a:rPr>
+              <a:t>     PUSH {r3,r0}</a:t>
+            </a:r>
+          </a:p>
+          <a:p>
+            <a:pPr marL="0" indent="0">
+              <a:buNone/>
+            </a:pPr>
+            <a:r>
+              <a:rPr lang="en-US" dirty="0">
+                <a:solidFill>
+                  <a:srgbClr val="7030A0"/>
+                </a:solidFill>
+                <a:ea typeface="Courier New"/>
+                <a:cs typeface="Courier New"/>
+                <a:sym typeface="Courier New"/>
+              </a:rPr>
+              <a:t>     POP {r0-r3}</a:t>
+            </a:r>
+          </a:p>
+          <a:p>
+            <a:pPr marL="342900" indent="-342900"/>
+            <a:r>
+              <a:rPr lang="en-US" dirty="0"/>
+              <a:t>Draw stack after each instruction. What is in registers after execution?</a:t>
+            </a:r>
+          </a:p>
+        </p:txBody>
+      </p:sp>
+      <p:graphicFrame>
+        <p:nvGraphicFramePr>
+          <p:cNvPr id="8" name="Table 7">
+            <a:extLst>
+              <a:ext uri="{FF2B5EF4-FFF2-40B4-BE49-F238E27FC236}">
+                <a16:creationId xmlns:a16="http://schemas.microsoft.com/office/drawing/2014/main" id="{DEDAA85D-661A-99AB-3D20-19E0FF250C15}"/>
+              </a:ext>
+            </a:extLst>
+          </p:cNvPr>
+          <p:cNvGraphicFramePr>
+            <a:graphicFrameLocks noGrp="1"/>
+          </p:cNvGraphicFramePr>
+          <p:nvPr/>
+        </p:nvGraphicFramePr>
+        <p:xfrm>
+          <a:off x="955684" y="3799348"/>
+          <a:ext cx="838200" cy="1854200"/>
+        </p:xfrm>
+        <a:graphic>
+          <a:graphicData uri="http://schemas.openxmlformats.org/drawingml/2006/table">
+            <a:tbl>
+              <a:tblPr firstRow="1" bandRow="1">
+                <a:tableStyleId>{5940675A-B579-460E-94D1-54222C63F5DA}</a:tableStyleId>
+              </a:tblPr>
+              <a:tblGrid>
+                <a:gridCol w="838200">
+                  <a:extLst>
+                    <a:ext uri="{9D8B030D-6E8A-4147-A177-3AD203B41FA5}">
+                      <a16:colId xmlns:a16="http://schemas.microsoft.com/office/drawing/2014/main" val="2965708559"/>
+                    </a:ext>
+                  </a:extLst>
+                </a:gridCol>
+              </a:tblGrid>
+              <a:tr h="370840">
+                <a:tc>
+                  <a:txBody>
+                    <a:bodyPr/>
+                    <a:lstStyle/>
+                    <a:p>
+                      <a:pPr algn="ctr"/>
+                      <a:endParaRPr lang="en-US" dirty="0"/>
+                    </a:p>
+                  </a:txBody>
+                  <a:tcPr/>
+                </a:tc>
+                <a:extLst>
+                  <a:ext uri="{0D108BD9-81ED-4DB2-BD59-A6C34878D82A}">
+                    <a16:rowId xmlns:a16="http://schemas.microsoft.com/office/drawing/2014/main" val="2472658947"/>
+                  </a:ext>
+                </a:extLst>
+              </a:tr>
+              <a:tr h="370840">
+                <a:tc>
+                  <a:txBody>
+                    <a:bodyPr/>
+                    <a:lstStyle/>
+                    <a:p>
+                      <a:pPr algn="ctr"/>
+                      <a:endParaRPr lang="en-US" dirty="0"/>
+                    </a:p>
+                  </a:txBody>
+                  <a:tcPr/>
+                </a:tc>
+                <a:extLst>
+                  <a:ext uri="{0D108BD9-81ED-4DB2-BD59-A6C34878D82A}">
+                    <a16:rowId xmlns:a16="http://schemas.microsoft.com/office/drawing/2014/main" val="2790041352"/>
+                  </a:ext>
+                </a:extLst>
+              </a:tr>
+              <a:tr h="370840">
+                <a:tc>
+                  <a:txBody>
+                    <a:bodyPr/>
+                    <a:lstStyle/>
+                    <a:p>
+                      <a:pPr algn="ctr"/>
+                      <a:endParaRPr lang="en-US" dirty="0"/>
+                    </a:p>
+                  </a:txBody>
+                  <a:tcPr/>
+                </a:tc>
+                <a:extLst>
+                  <a:ext uri="{0D108BD9-81ED-4DB2-BD59-A6C34878D82A}">
+                    <a16:rowId xmlns:a16="http://schemas.microsoft.com/office/drawing/2014/main" val="1635259289"/>
+                  </a:ext>
+                </a:extLst>
+              </a:tr>
+              <a:tr h="370840">
+                <a:tc>
+                  <a:txBody>
+                    <a:bodyPr/>
+                    <a:lstStyle/>
+                    <a:p>
+                      <a:pPr algn="ctr"/>
+                      <a:endParaRPr lang="en-US" dirty="0"/>
+                    </a:p>
+                  </a:txBody>
+                  <a:tcPr/>
+                </a:tc>
+                <a:extLst>
+                  <a:ext uri="{0D108BD9-81ED-4DB2-BD59-A6C34878D82A}">
+                    <a16:rowId xmlns:a16="http://schemas.microsoft.com/office/drawing/2014/main" val="3475318883"/>
+                  </a:ext>
+                </a:extLst>
+              </a:tr>
+              <a:tr h="370840">
+                <a:tc>
+                  <a:txBody>
+                    <a:bodyPr/>
+                    <a:lstStyle/>
+                    <a:p>
+                      <a:pPr algn="ctr"/>
+                      <a:endParaRPr lang="en-US" dirty="0"/>
+                    </a:p>
+                  </a:txBody>
+                  <a:tcPr/>
+                </a:tc>
+                <a:extLst>
+                  <a:ext uri="{0D108BD9-81ED-4DB2-BD59-A6C34878D82A}">
+                    <a16:rowId xmlns:a16="http://schemas.microsoft.com/office/drawing/2014/main" val="2400188190"/>
+                  </a:ext>
+                </a:extLst>
+              </a:tr>
+            </a:tbl>
+          </a:graphicData>
+        </a:graphic>
+      </p:graphicFrame>
+      <p:sp>
+        <p:nvSpPr>
+          <p:cNvPr id="9" name="Arrow: Right 8">
+            <a:extLst>
+              <a:ext uri="{FF2B5EF4-FFF2-40B4-BE49-F238E27FC236}">
+                <a16:creationId xmlns:a16="http://schemas.microsoft.com/office/drawing/2014/main" id="{E94243C7-593D-0C96-F723-8D4C183BBC42}"/>
+              </a:ext>
+            </a:extLst>
+          </p:cNvPr>
+          <p:cNvSpPr/>
+          <p:nvPr/>
+        </p:nvSpPr>
+        <p:spPr>
+          <a:xfrm>
+            <a:off x="479216" y="3913934"/>
+            <a:ext cx="397565" cy="235054"/>
+          </a:xfrm>
+          <a:prstGeom prst="rightArrow">
+            <a:avLst/>
+          </a:prstGeom>
+          <a:solidFill>
+            <a:schemeClr val="bg2"/>
+          </a:solidFill>
+          <a:ln>
+            <a:solidFill>
+              <a:schemeClr val="tx1"/>
+            </a:solidFill>
+          </a:ln>
+        </p:spPr>
+        <p:style>
+          <a:lnRef idx="2">
+            <a:schemeClr val="accent1">
+              <a:shade val="50000"/>
+            </a:schemeClr>
+          </a:lnRef>
+          <a:fillRef idx="1">
+            <a:schemeClr val="accent1"/>
+          </a:fillRef>
+          <a:effectRef idx="0">
+            <a:schemeClr val="accent1"/>
+          </a:effectRef>
+          <a:fontRef idx="minor">
+            <a:schemeClr val="lt1"/>
+          </a:fontRef>
+        </p:style>
+        <p:txBody>
+          <a:bodyPr rtlCol="0" anchor="ctr"/>
+          <a:lstStyle/>
+          <a:p>
+            <a:pPr algn="ctr"/>
+            <a:endParaRPr lang="en-US"/>
+          </a:p>
+        </p:txBody>
+      </p:sp>
+      <p:sp>
+        <p:nvSpPr>
+          <p:cNvPr id="10" name="TextBox 9">
+            <a:extLst>
+              <a:ext uri="{FF2B5EF4-FFF2-40B4-BE49-F238E27FC236}">
+                <a16:creationId xmlns:a16="http://schemas.microsoft.com/office/drawing/2014/main" id="{E61D1BED-766C-F58C-91B9-24985E60BCCB}"/>
+              </a:ext>
+            </a:extLst>
+          </p:cNvPr>
+          <p:cNvSpPr txBox="1"/>
+          <p:nvPr/>
+        </p:nvSpPr>
+        <p:spPr>
+          <a:xfrm>
+            <a:off x="-23357" y="3815407"/>
+            <a:ext cx="433132" cy="400110"/>
+          </a:xfrm>
+          <a:prstGeom prst="rect">
+            <a:avLst/>
+          </a:prstGeom>
+          <a:noFill/>
+        </p:spPr>
+        <p:txBody>
+          <a:bodyPr wrap="none" rtlCol="0">
+            <a:spAutoFit/>
+          </a:bodyPr>
+          <a:lstStyle/>
+          <a:p>
+            <a:r>
+              <a:rPr lang="en-US" sz="2000" dirty="0"/>
+              <a:t>SP</a:t>
+            </a:r>
+          </a:p>
+        </p:txBody>
+      </p:sp>
+      <p:graphicFrame>
+        <p:nvGraphicFramePr>
+          <p:cNvPr id="11" name="Table 10">
+            <a:extLst>
+              <a:ext uri="{FF2B5EF4-FFF2-40B4-BE49-F238E27FC236}">
+                <a16:creationId xmlns:a16="http://schemas.microsoft.com/office/drawing/2014/main" id="{048D6398-3761-E3BF-934F-679B116555DD}"/>
+              </a:ext>
+            </a:extLst>
+          </p:cNvPr>
+          <p:cNvGraphicFramePr>
+            <a:graphicFrameLocks noGrp="1"/>
+          </p:cNvGraphicFramePr>
+          <p:nvPr>
+            <p:extLst>
+              <p:ext uri="{D42A27DB-BD31-4B8C-83A1-F6EECF244321}">
+                <p14:modId xmlns:p14="http://schemas.microsoft.com/office/powerpoint/2010/main" val="475370302"/>
+              </p:ext>
+            </p:extLst>
+          </p:nvPr>
+        </p:nvGraphicFramePr>
+        <p:xfrm>
+          <a:off x="2876940" y="3799348"/>
+          <a:ext cx="838200" cy="1854200"/>
+        </p:xfrm>
+        <a:graphic>
+          <a:graphicData uri="http://schemas.openxmlformats.org/drawingml/2006/table">
+            <a:tbl>
+              <a:tblPr firstRow="1" bandRow="1">
+                <a:tableStyleId>{5940675A-B579-460E-94D1-54222C63F5DA}</a:tableStyleId>
+              </a:tblPr>
+              <a:tblGrid>
+                <a:gridCol w="838200">
+                  <a:extLst>
+                    <a:ext uri="{9D8B030D-6E8A-4147-A177-3AD203B41FA5}">
+                      <a16:colId xmlns:a16="http://schemas.microsoft.com/office/drawing/2014/main" val="2965708559"/>
+                    </a:ext>
+                  </a:extLst>
+                </a:gridCol>
+              </a:tblGrid>
+              <a:tr h="370840">
+                <a:tc>
+                  <a:txBody>
+                    <a:bodyPr/>
+                    <a:lstStyle/>
+                    <a:p>
+                      <a:pPr algn="ctr"/>
+                      <a:endParaRPr lang="en-US" dirty="0"/>
+                    </a:p>
+                  </a:txBody>
+                  <a:tcPr/>
+                </a:tc>
+                <a:extLst>
+                  <a:ext uri="{0D108BD9-81ED-4DB2-BD59-A6C34878D82A}">
+                    <a16:rowId xmlns:a16="http://schemas.microsoft.com/office/drawing/2014/main" val="2472658947"/>
+                  </a:ext>
+                </a:extLst>
+              </a:tr>
+              <a:tr h="370840">
+                <a:tc>
+                  <a:txBody>
+                    <a:bodyPr/>
+                    <a:lstStyle/>
+                    <a:p>
+                      <a:pPr algn="ctr"/>
+                      <a:endParaRPr lang="en-US" dirty="0"/>
+                    </a:p>
+                  </a:txBody>
+                  <a:tcPr/>
+                </a:tc>
+                <a:extLst>
+                  <a:ext uri="{0D108BD9-81ED-4DB2-BD59-A6C34878D82A}">
+                    <a16:rowId xmlns:a16="http://schemas.microsoft.com/office/drawing/2014/main" val="2790041352"/>
+                  </a:ext>
+                </a:extLst>
+              </a:tr>
+              <a:tr h="370840">
+                <a:tc>
+                  <a:txBody>
+                    <a:bodyPr/>
+                    <a:lstStyle/>
+                    <a:p>
+                      <a:pPr algn="ctr"/>
+                      <a:endParaRPr lang="en-US" dirty="0"/>
+                    </a:p>
+                  </a:txBody>
+                  <a:tcPr/>
+                </a:tc>
+                <a:extLst>
+                  <a:ext uri="{0D108BD9-81ED-4DB2-BD59-A6C34878D82A}">
+                    <a16:rowId xmlns:a16="http://schemas.microsoft.com/office/drawing/2014/main" val="1635259289"/>
+                  </a:ext>
+                </a:extLst>
+              </a:tr>
+              <a:tr h="370840">
+                <a:tc>
+                  <a:txBody>
+                    <a:bodyPr/>
+                    <a:lstStyle/>
+                    <a:p>
+                      <a:pPr algn="ctr"/>
+                      <a:endParaRPr lang="en-US" dirty="0"/>
+                    </a:p>
+                  </a:txBody>
+                  <a:tcPr/>
+                </a:tc>
+                <a:extLst>
+                  <a:ext uri="{0D108BD9-81ED-4DB2-BD59-A6C34878D82A}">
+                    <a16:rowId xmlns:a16="http://schemas.microsoft.com/office/drawing/2014/main" val="3475318883"/>
+                  </a:ext>
+                </a:extLst>
+              </a:tr>
+              <a:tr h="370840">
+                <a:tc>
+                  <a:txBody>
+                    <a:bodyPr/>
+                    <a:lstStyle/>
+                    <a:p>
+                      <a:pPr algn="ctr"/>
+                      <a:endParaRPr lang="en-US" dirty="0"/>
+                    </a:p>
+                  </a:txBody>
+                  <a:tcPr/>
+                </a:tc>
+                <a:extLst>
+                  <a:ext uri="{0D108BD9-81ED-4DB2-BD59-A6C34878D82A}">
+                    <a16:rowId xmlns:a16="http://schemas.microsoft.com/office/drawing/2014/main" val="2400188190"/>
+                  </a:ext>
+                </a:extLst>
+              </a:tr>
+            </a:tbl>
+          </a:graphicData>
+        </a:graphic>
+      </p:graphicFrame>
+      <p:graphicFrame>
+        <p:nvGraphicFramePr>
+          <p:cNvPr id="14" name="Table 13">
+            <a:extLst>
+              <a:ext uri="{FF2B5EF4-FFF2-40B4-BE49-F238E27FC236}">
+                <a16:creationId xmlns:a16="http://schemas.microsoft.com/office/drawing/2014/main" id="{CC6440A4-115E-9454-B8B0-2DAC5F2E8E85}"/>
+              </a:ext>
+            </a:extLst>
+          </p:cNvPr>
+          <p:cNvGraphicFramePr>
+            <a:graphicFrameLocks noGrp="1"/>
+          </p:cNvGraphicFramePr>
+          <p:nvPr>
+            <p:extLst>
+              <p:ext uri="{D42A27DB-BD31-4B8C-83A1-F6EECF244321}">
+                <p14:modId xmlns:p14="http://schemas.microsoft.com/office/powerpoint/2010/main" val="790742638"/>
+              </p:ext>
+            </p:extLst>
+          </p:nvPr>
+        </p:nvGraphicFramePr>
+        <p:xfrm>
+          <a:off x="5181600" y="3784600"/>
+          <a:ext cx="838200" cy="1854200"/>
+        </p:xfrm>
+        <a:graphic>
+          <a:graphicData uri="http://schemas.openxmlformats.org/drawingml/2006/table">
+            <a:tbl>
+              <a:tblPr firstRow="1" bandRow="1">
+                <a:tableStyleId>{5940675A-B579-460E-94D1-54222C63F5DA}</a:tableStyleId>
+              </a:tblPr>
+              <a:tblGrid>
+                <a:gridCol w="838200">
+                  <a:extLst>
+                    <a:ext uri="{9D8B030D-6E8A-4147-A177-3AD203B41FA5}">
+                      <a16:colId xmlns:a16="http://schemas.microsoft.com/office/drawing/2014/main" val="2965708559"/>
+                    </a:ext>
+                  </a:extLst>
+                </a:gridCol>
+              </a:tblGrid>
+              <a:tr h="370840">
+                <a:tc>
+                  <a:txBody>
+                    <a:bodyPr/>
+                    <a:lstStyle/>
+                    <a:p>
+                      <a:pPr algn="ctr"/>
+                      <a:endParaRPr lang="en-US" dirty="0"/>
+                    </a:p>
+                  </a:txBody>
+                  <a:tcPr/>
+                </a:tc>
+                <a:extLst>
+                  <a:ext uri="{0D108BD9-81ED-4DB2-BD59-A6C34878D82A}">
+                    <a16:rowId xmlns:a16="http://schemas.microsoft.com/office/drawing/2014/main" val="2472658947"/>
+                  </a:ext>
+                </a:extLst>
+              </a:tr>
+              <a:tr h="370840">
+                <a:tc>
+                  <a:txBody>
+                    <a:bodyPr/>
+                    <a:lstStyle/>
+                    <a:p>
+                      <a:pPr algn="ctr"/>
+                      <a:endParaRPr lang="en-US" dirty="0"/>
+                    </a:p>
+                  </a:txBody>
+                  <a:tcPr/>
+                </a:tc>
+                <a:extLst>
+                  <a:ext uri="{0D108BD9-81ED-4DB2-BD59-A6C34878D82A}">
+                    <a16:rowId xmlns:a16="http://schemas.microsoft.com/office/drawing/2014/main" val="2790041352"/>
+                  </a:ext>
+                </a:extLst>
+              </a:tr>
+              <a:tr h="370840">
+                <a:tc>
+                  <a:txBody>
+                    <a:bodyPr/>
+                    <a:lstStyle/>
+                    <a:p>
+                      <a:pPr algn="ctr"/>
+                      <a:endParaRPr lang="en-US" dirty="0"/>
+                    </a:p>
+                  </a:txBody>
+                  <a:tcPr/>
+                </a:tc>
+                <a:extLst>
+                  <a:ext uri="{0D108BD9-81ED-4DB2-BD59-A6C34878D82A}">
+                    <a16:rowId xmlns:a16="http://schemas.microsoft.com/office/drawing/2014/main" val="1635259289"/>
+                  </a:ext>
+                </a:extLst>
+              </a:tr>
+              <a:tr h="370840">
+                <a:tc>
+                  <a:txBody>
+                    <a:bodyPr/>
+                    <a:lstStyle/>
+                    <a:p>
+                      <a:pPr algn="ctr"/>
+                      <a:endParaRPr lang="en-US" dirty="0"/>
+                    </a:p>
+                  </a:txBody>
+                  <a:tcPr/>
+                </a:tc>
+                <a:extLst>
+                  <a:ext uri="{0D108BD9-81ED-4DB2-BD59-A6C34878D82A}">
+                    <a16:rowId xmlns:a16="http://schemas.microsoft.com/office/drawing/2014/main" val="3475318883"/>
+                  </a:ext>
+                </a:extLst>
+              </a:tr>
+              <a:tr h="370840">
+                <a:tc>
+                  <a:txBody>
+                    <a:bodyPr/>
+                    <a:lstStyle/>
+                    <a:p>
+                      <a:pPr algn="ctr"/>
+                      <a:endParaRPr lang="en-US" dirty="0"/>
+                    </a:p>
+                  </a:txBody>
+                  <a:tcPr/>
+                </a:tc>
+                <a:extLst>
+                  <a:ext uri="{0D108BD9-81ED-4DB2-BD59-A6C34878D82A}">
+                    <a16:rowId xmlns:a16="http://schemas.microsoft.com/office/drawing/2014/main" val="2400188190"/>
+                  </a:ext>
+                </a:extLst>
+              </a:tr>
+            </a:tbl>
+          </a:graphicData>
+        </a:graphic>
+      </p:graphicFrame>
+      <p:sp>
+        <p:nvSpPr>
+          <p:cNvPr id="17" name="TextBox 16">
+            <a:extLst>
+              <a:ext uri="{FF2B5EF4-FFF2-40B4-BE49-F238E27FC236}">
+                <a16:creationId xmlns:a16="http://schemas.microsoft.com/office/drawing/2014/main" id="{52562272-51E0-2489-4A34-7B222B899CB7}"/>
+              </a:ext>
+            </a:extLst>
+          </p:cNvPr>
+          <p:cNvSpPr txBox="1"/>
+          <p:nvPr/>
+        </p:nvSpPr>
+        <p:spPr>
+          <a:xfrm>
+            <a:off x="2265540" y="5737878"/>
+            <a:ext cx="2172390" cy="400110"/>
+          </a:xfrm>
+          <a:prstGeom prst="rect">
+            <a:avLst/>
+          </a:prstGeom>
+          <a:noFill/>
+        </p:spPr>
+        <p:txBody>
+          <a:bodyPr wrap="none" rtlCol="0">
+            <a:spAutoFit/>
+          </a:bodyPr>
+          <a:lstStyle/>
+          <a:p>
+            <a:r>
+              <a:rPr lang="en-US" sz="2000" dirty="0"/>
+              <a:t>After PUSH {r1,r2}</a:t>
+            </a:r>
+          </a:p>
+        </p:txBody>
+      </p:sp>
+      <p:sp>
+        <p:nvSpPr>
+          <p:cNvPr id="18" name="TextBox 17">
+            <a:extLst>
+              <a:ext uri="{FF2B5EF4-FFF2-40B4-BE49-F238E27FC236}">
+                <a16:creationId xmlns:a16="http://schemas.microsoft.com/office/drawing/2014/main" id="{FE4D86A8-AA90-1492-FAB2-5B31D09C28BB}"/>
+              </a:ext>
+            </a:extLst>
+          </p:cNvPr>
+          <p:cNvSpPr txBox="1"/>
+          <p:nvPr/>
+        </p:nvSpPr>
+        <p:spPr>
+          <a:xfrm>
+            <a:off x="4575711" y="5733869"/>
+            <a:ext cx="2172390" cy="400110"/>
+          </a:xfrm>
+          <a:prstGeom prst="rect">
+            <a:avLst/>
+          </a:prstGeom>
+          <a:noFill/>
+        </p:spPr>
+        <p:txBody>
+          <a:bodyPr wrap="none" rtlCol="0">
+            <a:spAutoFit/>
+          </a:bodyPr>
+          <a:lstStyle/>
+          <a:p>
+            <a:r>
+              <a:rPr lang="en-US" sz="2000" dirty="0"/>
+              <a:t>After PUSH {r3,r0}</a:t>
+            </a:r>
+          </a:p>
+        </p:txBody>
+      </p:sp>
+      <p:graphicFrame>
+        <p:nvGraphicFramePr>
+          <p:cNvPr id="19" name="Table 18">
+            <a:extLst>
+              <a:ext uri="{FF2B5EF4-FFF2-40B4-BE49-F238E27FC236}">
+                <a16:creationId xmlns:a16="http://schemas.microsoft.com/office/drawing/2014/main" id="{AF2FBF41-08B2-16FD-577F-65544DBE3A6E}"/>
+              </a:ext>
+            </a:extLst>
+          </p:cNvPr>
+          <p:cNvGraphicFramePr>
+            <a:graphicFrameLocks noGrp="1"/>
+          </p:cNvGraphicFramePr>
+          <p:nvPr/>
+        </p:nvGraphicFramePr>
+        <p:xfrm>
+          <a:off x="7417937" y="3784600"/>
+          <a:ext cx="838200" cy="1854200"/>
+        </p:xfrm>
+        <a:graphic>
+          <a:graphicData uri="http://schemas.openxmlformats.org/drawingml/2006/table">
+            <a:tbl>
+              <a:tblPr firstRow="1" bandRow="1">
+                <a:tableStyleId>{5940675A-B579-460E-94D1-54222C63F5DA}</a:tableStyleId>
+              </a:tblPr>
+              <a:tblGrid>
+                <a:gridCol w="838200">
+                  <a:extLst>
+                    <a:ext uri="{9D8B030D-6E8A-4147-A177-3AD203B41FA5}">
+                      <a16:colId xmlns:a16="http://schemas.microsoft.com/office/drawing/2014/main" val="2965708559"/>
+                    </a:ext>
+                  </a:extLst>
+                </a:gridCol>
+              </a:tblGrid>
+              <a:tr h="370840">
+                <a:tc>
+                  <a:txBody>
+                    <a:bodyPr/>
+                    <a:lstStyle/>
+                    <a:p>
+                      <a:pPr algn="ctr"/>
+                      <a:endParaRPr lang="en-US" dirty="0"/>
+                    </a:p>
+                  </a:txBody>
+                  <a:tcPr/>
+                </a:tc>
+                <a:extLst>
+                  <a:ext uri="{0D108BD9-81ED-4DB2-BD59-A6C34878D82A}">
+                    <a16:rowId xmlns:a16="http://schemas.microsoft.com/office/drawing/2014/main" val="2472658947"/>
+                  </a:ext>
+                </a:extLst>
+              </a:tr>
+              <a:tr h="370840">
+                <a:tc>
+                  <a:txBody>
+                    <a:bodyPr/>
+                    <a:lstStyle/>
+                    <a:p>
+                      <a:pPr algn="ctr"/>
+                      <a:endParaRPr lang="en-US" dirty="0"/>
+                    </a:p>
+                  </a:txBody>
+                  <a:tcPr/>
+                </a:tc>
+                <a:extLst>
+                  <a:ext uri="{0D108BD9-81ED-4DB2-BD59-A6C34878D82A}">
+                    <a16:rowId xmlns:a16="http://schemas.microsoft.com/office/drawing/2014/main" val="2790041352"/>
+                  </a:ext>
+                </a:extLst>
+              </a:tr>
+              <a:tr h="370840">
+                <a:tc>
+                  <a:txBody>
+                    <a:bodyPr/>
+                    <a:lstStyle/>
+                    <a:p>
+                      <a:pPr algn="ctr"/>
+                      <a:endParaRPr lang="en-US" dirty="0"/>
+                    </a:p>
+                  </a:txBody>
+                  <a:tcPr/>
+                </a:tc>
+                <a:extLst>
+                  <a:ext uri="{0D108BD9-81ED-4DB2-BD59-A6C34878D82A}">
+                    <a16:rowId xmlns:a16="http://schemas.microsoft.com/office/drawing/2014/main" val="1635259289"/>
+                  </a:ext>
+                </a:extLst>
+              </a:tr>
+              <a:tr h="370840">
+                <a:tc>
+                  <a:txBody>
+                    <a:bodyPr/>
+                    <a:lstStyle/>
+                    <a:p>
+                      <a:pPr algn="ctr"/>
+                      <a:endParaRPr lang="en-US" dirty="0"/>
+                    </a:p>
+                  </a:txBody>
+                  <a:tcPr/>
+                </a:tc>
+                <a:extLst>
+                  <a:ext uri="{0D108BD9-81ED-4DB2-BD59-A6C34878D82A}">
+                    <a16:rowId xmlns:a16="http://schemas.microsoft.com/office/drawing/2014/main" val="3475318883"/>
+                  </a:ext>
+                </a:extLst>
+              </a:tr>
+              <a:tr h="370840">
+                <a:tc>
+                  <a:txBody>
+                    <a:bodyPr/>
+                    <a:lstStyle/>
+                    <a:p>
+                      <a:pPr algn="ctr"/>
+                      <a:endParaRPr lang="en-US" dirty="0"/>
+                    </a:p>
+                  </a:txBody>
+                  <a:tcPr/>
+                </a:tc>
+                <a:extLst>
+                  <a:ext uri="{0D108BD9-81ED-4DB2-BD59-A6C34878D82A}">
+                    <a16:rowId xmlns:a16="http://schemas.microsoft.com/office/drawing/2014/main" val="2400188190"/>
+                  </a:ext>
+                </a:extLst>
+              </a:tr>
+            </a:tbl>
+          </a:graphicData>
+        </a:graphic>
+      </p:graphicFrame>
+      <p:sp>
+        <p:nvSpPr>
+          <p:cNvPr id="22" name="TextBox 21">
+            <a:extLst>
+              <a:ext uri="{FF2B5EF4-FFF2-40B4-BE49-F238E27FC236}">
+                <a16:creationId xmlns:a16="http://schemas.microsoft.com/office/drawing/2014/main" id="{48B69D91-DFE6-88E9-7060-DADED4F5332B}"/>
+              </a:ext>
+            </a:extLst>
+          </p:cNvPr>
+          <p:cNvSpPr txBox="1"/>
+          <p:nvPr/>
+        </p:nvSpPr>
+        <p:spPr>
+          <a:xfrm>
+            <a:off x="6721062" y="5743714"/>
+            <a:ext cx="2383986" cy="707886"/>
+          </a:xfrm>
+          <a:prstGeom prst="rect">
+            <a:avLst/>
+          </a:prstGeom>
+          <a:noFill/>
+        </p:spPr>
+        <p:txBody>
+          <a:bodyPr wrap="none" rtlCol="0">
+            <a:spAutoFit/>
+          </a:bodyPr>
+          <a:lstStyle/>
+          <a:p>
+            <a:r>
+              <a:rPr lang="en-US" sz="2000" dirty="0"/>
+              <a:t>After POP {r0-r3}</a:t>
+            </a:r>
+          </a:p>
+          <a:p>
+            <a:r>
+              <a:rPr lang="en-US" sz="2000" dirty="0"/>
+              <a:t>r0=?, r1=?, r2=?, r3=?</a:t>
+            </a:r>
+          </a:p>
+        </p:txBody>
+      </p:sp>
+    </p:spTree>
+    <p:extLst>
+      <p:ext uri="{BB962C8B-B14F-4D97-AF65-F5344CB8AC3E}">
+        <p14:creationId xmlns:p14="http://schemas.microsoft.com/office/powerpoint/2010/main" val="465749855"/>
+      </p:ext>
+    </p:extLst>
+  </p:cSld>
+  <p:clrMapOvr>
+    <a:masterClrMapping/>
+  </p:clrMapOvr>
+</p:sld>
+</file>
+
+<file path=ppt/slides/slide8.xml><?xml version="1.0" encoding="utf-8"?>
+<p:sld xmlns:a="http://schemas.openxmlformats.org/drawingml/2006/main" xmlns:r="http://schemas.openxmlformats.org/officeDocument/2006/relationships" xmlns:p="http://schemas.openxmlformats.org/presentationml/2006/main">
+  <p:cSld>
+    <p:spTree>
+      <p:nvGrpSpPr>
+        <p:cNvPr id="1" name="">
+          <a:extLst>
+            <a:ext uri="{FF2B5EF4-FFF2-40B4-BE49-F238E27FC236}">
+              <a16:creationId xmlns:a16="http://schemas.microsoft.com/office/drawing/2014/main" id="{9E14492E-E870-6486-2824-677B21BA30B8}"/>
+            </a:ext>
+          </a:extLst>
+        </p:cNvPr>
+        <p:cNvGrpSpPr/>
+        <p:nvPr/>
+      </p:nvGrpSpPr>
+      <p:grpSpPr>
+        <a:xfrm>
+          <a:off x="0" y="0"/>
+          <a:ext cx="0" cy="0"/>
+          <a:chOff x="0" y="0"/>
+          <a:chExt cx="0" cy="0"/>
+        </a:xfrm>
+      </p:grpSpPr>
+      <p:sp>
+        <p:nvSpPr>
+          <p:cNvPr id="2" name="Title 1">
+            <a:extLst>
+              <a:ext uri="{FF2B5EF4-FFF2-40B4-BE49-F238E27FC236}">
+                <a16:creationId xmlns:a16="http://schemas.microsoft.com/office/drawing/2014/main" id="{24322505-1263-8867-CBD4-3845DB776BF0}"/>
+              </a:ext>
+            </a:extLst>
+          </p:cNvPr>
+          <p:cNvSpPr>
+            <a:spLocks noGrp="1"/>
+          </p:cNvSpPr>
+          <p:nvPr>
+            <p:ph type="title"/>
+          </p:nvPr>
+        </p:nvSpPr>
+        <p:spPr/>
+        <p:txBody>
+          <a:bodyPr/>
+          <a:lstStyle/>
+          <a:p>
+            <a:r>
+              <a:rPr lang="en-US" dirty="0"/>
+              <a:t>Stack ANS</a:t>
+            </a:r>
+          </a:p>
+        </p:txBody>
+      </p:sp>
+      <p:sp>
+        <p:nvSpPr>
+          <p:cNvPr id="3" name="Slide Number Placeholder 2">
+            <a:extLst>
+              <a:ext uri="{FF2B5EF4-FFF2-40B4-BE49-F238E27FC236}">
+                <a16:creationId xmlns:a16="http://schemas.microsoft.com/office/drawing/2014/main" id="{DC7FB908-97AA-B669-AB86-CBD8339F3B94}"/>
+              </a:ext>
+            </a:extLst>
+          </p:cNvPr>
+          <p:cNvSpPr>
+            <a:spLocks noGrp="1"/>
+          </p:cNvSpPr>
+          <p:nvPr>
+            <p:ph type="sldNum" sz="quarter" idx="12"/>
+          </p:nvPr>
+        </p:nvSpPr>
+        <p:spPr/>
+        <p:txBody>
+          <a:bodyPr/>
+          <a:lstStyle/>
+          <a:p>
+            <a:fld id="{EA7C8D44-3667-46F6-9772-CC52308E2A7F}" type="slidenum">
+              <a:rPr kumimoji="0" lang="en-US" smtClean="0"/>
+              <a:pPr/>
+              <a:t>8</a:t>
+            </a:fld>
+            <a:endParaRPr kumimoji="0" lang="en-US" dirty="0"/>
+          </a:p>
+        </p:txBody>
+      </p:sp>
+      <p:sp>
+        <p:nvSpPr>
+          <p:cNvPr id="4" name="Content Placeholder 3">
+            <a:extLst>
+              <a:ext uri="{FF2B5EF4-FFF2-40B4-BE49-F238E27FC236}">
+                <a16:creationId xmlns:a16="http://schemas.microsoft.com/office/drawing/2014/main" id="{36843E04-780F-8745-F7A3-B8C73E674D4A}"/>
+              </a:ext>
+            </a:extLst>
+          </p:cNvPr>
+          <p:cNvSpPr>
+            <a:spLocks noGrp="1"/>
+          </p:cNvSpPr>
+          <p:nvPr>
+            <p:ph sz="quarter" idx="1"/>
+          </p:nvPr>
+        </p:nvSpPr>
+        <p:spPr>
+          <a:xfrm>
+            <a:off x="457200" y="1219200"/>
+            <a:ext cx="8229600" cy="2667000"/>
+          </a:xfrm>
+        </p:spPr>
+        <p:txBody>
+          <a:bodyPr>
+            <a:normAutofit fontScale="92500" lnSpcReduction="20000"/>
+          </a:bodyPr>
+          <a:lstStyle/>
+          <a:p>
+            <a:pPr marL="342900" indent="-342900">
+              <a:spcBef>
+                <a:spcPts val="0"/>
+              </a:spcBef>
+            </a:pPr>
+            <a:r>
+              <a:rPr lang="en-US" dirty="0"/>
+              <a:t>Initially, let r0=0, r1=1, r2=2, r3=3</a:t>
+            </a:r>
+          </a:p>
+          <a:p>
+            <a:pPr marL="342900" indent="-342900"/>
+            <a:r>
+              <a:rPr lang="en-US" dirty="0"/>
+              <a:t>Execute  </a:t>
+            </a:r>
+          </a:p>
+          <a:p>
+            <a:pPr marL="0" indent="0">
+              <a:buNone/>
+            </a:pPr>
+            <a:r>
+              <a:rPr lang="en-US" dirty="0">
+                <a:solidFill>
+                  <a:srgbClr val="7030A0"/>
+                </a:solidFill>
+                <a:ea typeface="Courier New"/>
+                <a:cs typeface="Courier New"/>
+                <a:sym typeface="Courier New"/>
+              </a:rPr>
+              <a:t>     PUSH {r1,r2}</a:t>
+            </a:r>
+          </a:p>
+          <a:p>
+            <a:pPr marL="0" indent="0">
+              <a:buNone/>
+            </a:pPr>
+            <a:r>
+              <a:rPr lang="en-US" dirty="0">
+                <a:solidFill>
+                  <a:srgbClr val="7030A0"/>
+                </a:solidFill>
+                <a:ea typeface="Courier New"/>
+                <a:cs typeface="Courier New"/>
+                <a:sym typeface="Courier New"/>
+              </a:rPr>
+              <a:t>     PUSH {r3,r0}</a:t>
+            </a:r>
+          </a:p>
+          <a:p>
+            <a:pPr marL="0" indent="0">
+              <a:buNone/>
+            </a:pPr>
+            <a:r>
+              <a:rPr lang="en-US" dirty="0">
+                <a:solidFill>
+                  <a:srgbClr val="7030A0"/>
+                </a:solidFill>
+                <a:ea typeface="Courier New"/>
+                <a:cs typeface="Courier New"/>
+                <a:sym typeface="Courier New"/>
+              </a:rPr>
+              <a:t>     POP {r0-r3}</a:t>
+            </a:r>
+          </a:p>
+          <a:p>
+            <a:pPr marL="342900" indent="-342900"/>
+            <a:r>
+              <a:rPr lang="en-US" dirty="0"/>
+              <a:t>Draw stack after each instruction. What is in registers after execution?</a:t>
+            </a:r>
+          </a:p>
+        </p:txBody>
+      </p:sp>
+      <p:graphicFrame>
+        <p:nvGraphicFramePr>
+          <p:cNvPr id="8" name="Table 7">
+            <a:extLst>
+              <a:ext uri="{FF2B5EF4-FFF2-40B4-BE49-F238E27FC236}">
+                <a16:creationId xmlns:a16="http://schemas.microsoft.com/office/drawing/2014/main" id="{03308E94-A0F6-359D-717D-891E2E630EAB}"/>
+              </a:ext>
+            </a:extLst>
+          </p:cNvPr>
+          <p:cNvGraphicFramePr>
+            <a:graphicFrameLocks noGrp="1"/>
+          </p:cNvGraphicFramePr>
+          <p:nvPr>
+            <p:extLst>
+              <p:ext uri="{D42A27DB-BD31-4B8C-83A1-F6EECF244321}">
+                <p14:modId xmlns:p14="http://schemas.microsoft.com/office/powerpoint/2010/main" val="1105686839"/>
+              </p:ext>
+            </p:extLst>
+          </p:nvPr>
+        </p:nvGraphicFramePr>
+        <p:xfrm>
+          <a:off x="955684" y="3799348"/>
+          <a:ext cx="838200" cy="1854200"/>
+        </p:xfrm>
+        <a:graphic>
+          <a:graphicData uri="http://schemas.openxmlformats.org/drawingml/2006/table">
+            <a:tbl>
+              <a:tblPr firstRow="1" bandRow="1">
+                <a:tableStyleId>{5940675A-B579-460E-94D1-54222C63F5DA}</a:tableStyleId>
+              </a:tblPr>
+              <a:tblGrid>
+                <a:gridCol w="838200">
+                  <a:extLst>
+                    <a:ext uri="{9D8B030D-6E8A-4147-A177-3AD203B41FA5}">
+                      <a16:colId xmlns:a16="http://schemas.microsoft.com/office/drawing/2014/main" val="2965708559"/>
+                    </a:ext>
+                  </a:extLst>
+                </a:gridCol>
+              </a:tblGrid>
+              <a:tr h="370840">
+                <a:tc>
+                  <a:txBody>
+                    <a:bodyPr/>
+                    <a:lstStyle/>
+                    <a:p>
+                      <a:pPr algn="ctr"/>
+                      <a:endParaRPr lang="en-US" dirty="0"/>
+                    </a:p>
+                  </a:txBody>
+                  <a:tcPr/>
+                </a:tc>
+                <a:extLst>
+                  <a:ext uri="{0D108BD9-81ED-4DB2-BD59-A6C34878D82A}">
+                    <a16:rowId xmlns:a16="http://schemas.microsoft.com/office/drawing/2014/main" val="2472658947"/>
+                  </a:ext>
+                </a:extLst>
+              </a:tr>
+              <a:tr h="370840">
+                <a:tc>
+                  <a:txBody>
+                    <a:bodyPr/>
+                    <a:lstStyle/>
+                    <a:p>
+                      <a:pPr algn="ctr"/>
+                      <a:endParaRPr lang="en-US" dirty="0"/>
+                    </a:p>
+                  </a:txBody>
+                  <a:tcPr/>
+                </a:tc>
+                <a:extLst>
+                  <a:ext uri="{0D108BD9-81ED-4DB2-BD59-A6C34878D82A}">
+                    <a16:rowId xmlns:a16="http://schemas.microsoft.com/office/drawing/2014/main" val="2790041352"/>
+                  </a:ext>
+                </a:extLst>
+              </a:tr>
+              <a:tr h="370840">
+                <a:tc>
+                  <a:txBody>
+                    <a:bodyPr/>
+                    <a:lstStyle/>
+                    <a:p>
+                      <a:pPr algn="ctr"/>
+                      <a:endParaRPr lang="en-US" dirty="0"/>
+                    </a:p>
+                  </a:txBody>
+                  <a:tcPr/>
+                </a:tc>
+                <a:extLst>
+                  <a:ext uri="{0D108BD9-81ED-4DB2-BD59-A6C34878D82A}">
+                    <a16:rowId xmlns:a16="http://schemas.microsoft.com/office/drawing/2014/main" val="1635259289"/>
+                  </a:ext>
+                </a:extLst>
+              </a:tr>
+              <a:tr h="370840">
+                <a:tc>
+                  <a:txBody>
+                    <a:bodyPr/>
+                    <a:lstStyle/>
+                    <a:p>
+                      <a:pPr algn="ctr"/>
+                      <a:endParaRPr lang="en-US" dirty="0"/>
+                    </a:p>
+                  </a:txBody>
+                  <a:tcPr/>
+                </a:tc>
+                <a:extLst>
+                  <a:ext uri="{0D108BD9-81ED-4DB2-BD59-A6C34878D82A}">
+                    <a16:rowId xmlns:a16="http://schemas.microsoft.com/office/drawing/2014/main" val="3475318883"/>
+                  </a:ext>
+                </a:extLst>
+              </a:tr>
+              <a:tr h="370840">
+                <a:tc>
+                  <a:txBody>
+                    <a:bodyPr/>
+                    <a:lstStyle/>
+                    <a:p>
+                      <a:pPr algn="ctr"/>
+                      <a:endParaRPr lang="en-US" dirty="0"/>
+                    </a:p>
+                  </a:txBody>
+                  <a:tcPr/>
+                </a:tc>
+                <a:extLst>
+                  <a:ext uri="{0D108BD9-81ED-4DB2-BD59-A6C34878D82A}">
+                    <a16:rowId xmlns:a16="http://schemas.microsoft.com/office/drawing/2014/main" val="2400188190"/>
+                  </a:ext>
+                </a:extLst>
+              </a:tr>
+            </a:tbl>
+          </a:graphicData>
+        </a:graphic>
+      </p:graphicFrame>
+      <p:sp>
+        <p:nvSpPr>
+          <p:cNvPr id="9" name="Arrow: Right 8">
+            <a:extLst>
+              <a:ext uri="{FF2B5EF4-FFF2-40B4-BE49-F238E27FC236}">
+                <a16:creationId xmlns:a16="http://schemas.microsoft.com/office/drawing/2014/main" id="{FBE0A9DC-0F13-5E17-C834-D68F85D8A1B9}"/>
+              </a:ext>
+            </a:extLst>
+          </p:cNvPr>
+          <p:cNvSpPr/>
+          <p:nvPr/>
+        </p:nvSpPr>
+        <p:spPr>
+          <a:xfrm>
+            <a:off x="479216" y="3913934"/>
+            <a:ext cx="397565" cy="235054"/>
+          </a:xfrm>
+          <a:prstGeom prst="rightArrow">
+            <a:avLst/>
+          </a:prstGeom>
+          <a:solidFill>
+            <a:schemeClr val="bg2"/>
+          </a:solidFill>
+          <a:ln>
+            <a:solidFill>
+              <a:schemeClr val="tx1"/>
+            </a:solidFill>
+          </a:ln>
+        </p:spPr>
+        <p:style>
+          <a:lnRef idx="2">
+            <a:schemeClr val="accent1">
+              <a:shade val="50000"/>
+            </a:schemeClr>
+          </a:lnRef>
+          <a:fillRef idx="1">
+            <a:schemeClr val="accent1"/>
+          </a:fillRef>
+          <a:effectRef idx="0">
+            <a:schemeClr val="accent1"/>
+          </a:effectRef>
+          <a:fontRef idx="minor">
+            <a:schemeClr val="lt1"/>
+          </a:fontRef>
+        </p:style>
+        <p:txBody>
+          <a:bodyPr rtlCol="0" anchor="ctr"/>
+          <a:lstStyle/>
+          <a:p>
+            <a:pPr algn="ctr"/>
+            <a:endParaRPr lang="en-US"/>
+          </a:p>
+        </p:txBody>
+      </p:sp>
+      <p:sp>
+        <p:nvSpPr>
+          <p:cNvPr id="10" name="TextBox 9">
+            <a:extLst>
+              <a:ext uri="{FF2B5EF4-FFF2-40B4-BE49-F238E27FC236}">
+                <a16:creationId xmlns:a16="http://schemas.microsoft.com/office/drawing/2014/main" id="{DE97FC87-43CF-4901-CF7A-C5C93E8F3712}"/>
+              </a:ext>
+            </a:extLst>
+          </p:cNvPr>
+          <p:cNvSpPr txBox="1"/>
+          <p:nvPr/>
+        </p:nvSpPr>
+        <p:spPr>
+          <a:xfrm>
+            <a:off x="-23357" y="3815407"/>
+            <a:ext cx="433132" cy="400110"/>
+          </a:xfrm>
+          <a:prstGeom prst="rect">
+            <a:avLst/>
+          </a:prstGeom>
+          <a:noFill/>
+        </p:spPr>
+        <p:txBody>
+          <a:bodyPr wrap="none" rtlCol="0">
+            <a:spAutoFit/>
+          </a:bodyPr>
+          <a:lstStyle/>
+          <a:p>
+            <a:r>
+              <a:rPr lang="en-US" sz="2000" dirty="0"/>
+              <a:t>SP</a:t>
+            </a:r>
+          </a:p>
+        </p:txBody>
+      </p:sp>
+      <p:graphicFrame>
+        <p:nvGraphicFramePr>
+          <p:cNvPr id="11" name="Table 10">
+            <a:extLst>
+              <a:ext uri="{FF2B5EF4-FFF2-40B4-BE49-F238E27FC236}">
+                <a16:creationId xmlns:a16="http://schemas.microsoft.com/office/drawing/2014/main" id="{F41DF45E-6835-8E25-656C-8E8DC4631F0E}"/>
+              </a:ext>
+            </a:extLst>
+          </p:cNvPr>
+          <p:cNvGraphicFramePr>
+            <a:graphicFrameLocks noGrp="1"/>
+          </p:cNvGraphicFramePr>
+          <p:nvPr>
+            <p:extLst>
+              <p:ext uri="{D42A27DB-BD31-4B8C-83A1-F6EECF244321}">
+                <p14:modId xmlns:p14="http://schemas.microsoft.com/office/powerpoint/2010/main" val="3297162447"/>
+              </p:ext>
+            </p:extLst>
+          </p:nvPr>
+        </p:nvGraphicFramePr>
+        <p:xfrm>
+          <a:off x="2876940" y="3799348"/>
+          <a:ext cx="838200" cy="1854200"/>
+        </p:xfrm>
+        <a:graphic>
+          <a:graphicData uri="http://schemas.openxmlformats.org/drawingml/2006/table">
+            <a:tbl>
+              <a:tblPr firstRow="1" bandRow="1">
+                <a:tableStyleId>{5940675A-B579-460E-94D1-54222C63F5DA}</a:tableStyleId>
+              </a:tblPr>
+              <a:tblGrid>
+                <a:gridCol w="838200">
+                  <a:extLst>
+                    <a:ext uri="{9D8B030D-6E8A-4147-A177-3AD203B41FA5}">
+                      <a16:colId xmlns:a16="http://schemas.microsoft.com/office/drawing/2014/main" val="2965708559"/>
+                    </a:ext>
+                  </a:extLst>
+                </a:gridCol>
+              </a:tblGrid>
+              <a:tr h="370840">
+                <a:tc>
+                  <a:txBody>
+                    <a:bodyPr/>
+                    <a:lstStyle/>
+                    <a:p>
+                      <a:pPr algn="ctr"/>
+                      <a:endParaRPr lang="en-US" dirty="0"/>
+                    </a:p>
+                  </a:txBody>
+                  <a:tcPr/>
+                </a:tc>
+                <a:extLst>
+                  <a:ext uri="{0D108BD9-81ED-4DB2-BD59-A6C34878D82A}">
+                    <a16:rowId xmlns:a16="http://schemas.microsoft.com/office/drawing/2014/main" val="2472658947"/>
+                  </a:ext>
+                </a:extLst>
+              </a:tr>
+              <a:tr h="370840">
+                <a:tc>
+                  <a:txBody>
+                    <a:bodyPr/>
+                    <a:lstStyle/>
+                    <a:p>
+                      <a:pPr algn="ctr"/>
+                      <a:r>
+                        <a:rPr lang="en-US" dirty="0"/>
+                        <a:t>r2=2</a:t>
+                      </a:r>
+                    </a:p>
+                  </a:txBody>
+                  <a:tcPr/>
+                </a:tc>
+                <a:extLst>
+                  <a:ext uri="{0D108BD9-81ED-4DB2-BD59-A6C34878D82A}">
+                    <a16:rowId xmlns:a16="http://schemas.microsoft.com/office/drawing/2014/main" val="2790041352"/>
+                  </a:ext>
+                </a:extLst>
+              </a:tr>
+              <a:tr h="370840">
+                <a:tc>
+                  <a:txBody>
+                    <a:bodyPr/>
+                    <a:lstStyle/>
+                    <a:p>
+                      <a:pPr algn="ctr"/>
+                      <a:r>
+                        <a:rPr lang="en-US" dirty="0"/>
+                        <a:t>r1=1</a:t>
+                      </a:r>
+                    </a:p>
+                  </a:txBody>
+                  <a:tcPr/>
+                </a:tc>
+                <a:extLst>
+                  <a:ext uri="{0D108BD9-81ED-4DB2-BD59-A6C34878D82A}">
+                    <a16:rowId xmlns:a16="http://schemas.microsoft.com/office/drawing/2014/main" val="1635259289"/>
+                  </a:ext>
+                </a:extLst>
+              </a:tr>
+              <a:tr h="370840">
+                <a:tc>
+                  <a:txBody>
+                    <a:bodyPr/>
+                    <a:lstStyle/>
+                    <a:p>
+                      <a:pPr algn="ctr"/>
+                      <a:endParaRPr lang="en-US" dirty="0"/>
+                    </a:p>
+                  </a:txBody>
+                  <a:tcPr/>
+                </a:tc>
+                <a:extLst>
+                  <a:ext uri="{0D108BD9-81ED-4DB2-BD59-A6C34878D82A}">
+                    <a16:rowId xmlns:a16="http://schemas.microsoft.com/office/drawing/2014/main" val="3475318883"/>
+                  </a:ext>
+                </a:extLst>
+              </a:tr>
+              <a:tr h="370840">
+                <a:tc>
+                  <a:txBody>
+                    <a:bodyPr/>
+                    <a:lstStyle/>
+                    <a:p>
+                      <a:pPr algn="ctr"/>
+                      <a:endParaRPr lang="en-US" dirty="0"/>
+                    </a:p>
+                  </a:txBody>
+                  <a:tcPr/>
+                </a:tc>
+                <a:extLst>
+                  <a:ext uri="{0D108BD9-81ED-4DB2-BD59-A6C34878D82A}">
+                    <a16:rowId xmlns:a16="http://schemas.microsoft.com/office/drawing/2014/main" val="2400188190"/>
+                  </a:ext>
+                </a:extLst>
+              </a:tr>
+            </a:tbl>
+          </a:graphicData>
+        </a:graphic>
+      </p:graphicFrame>
+      <p:sp>
+        <p:nvSpPr>
+          <p:cNvPr id="12" name="Arrow: Right 11">
+            <a:extLst>
+              <a:ext uri="{FF2B5EF4-FFF2-40B4-BE49-F238E27FC236}">
+                <a16:creationId xmlns:a16="http://schemas.microsoft.com/office/drawing/2014/main" id="{B243B488-2D7A-A8C2-598C-7289DABA24B7}"/>
+              </a:ext>
+            </a:extLst>
+          </p:cNvPr>
+          <p:cNvSpPr/>
+          <p:nvPr/>
+        </p:nvSpPr>
+        <p:spPr>
+          <a:xfrm>
+            <a:off x="2420559" y="4638971"/>
+            <a:ext cx="397565" cy="235054"/>
+          </a:xfrm>
+          <a:prstGeom prst="rightArrow">
+            <a:avLst/>
+          </a:prstGeom>
+          <a:solidFill>
+            <a:schemeClr val="bg2"/>
+          </a:solidFill>
+          <a:ln>
+            <a:solidFill>
+              <a:schemeClr val="tx1"/>
+            </a:solidFill>
+          </a:ln>
+        </p:spPr>
+        <p:style>
+          <a:lnRef idx="2">
+            <a:schemeClr val="accent1">
+              <a:shade val="50000"/>
+            </a:schemeClr>
+          </a:lnRef>
+          <a:fillRef idx="1">
+            <a:schemeClr val="accent1"/>
+          </a:fillRef>
+          <a:effectRef idx="0">
+            <a:schemeClr val="accent1"/>
+          </a:effectRef>
+          <a:fontRef idx="minor">
+            <a:schemeClr val="lt1"/>
+          </a:fontRef>
+        </p:style>
+        <p:txBody>
+          <a:bodyPr rtlCol="0" anchor="ctr"/>
+          <a:lstStyle/>
+          <a:p>
+            <a:pPr algn="ctr"/>
+            <a:endParaRPr lang="en-US"/>
+          </a:p>
+        </p:txBody>
+      </p:sp>
+      <p:sp>
+        <p:nvSpPr>
+          <p:cNvPr id="13" name="TextBox 12">
+            <a:extLst>
+              <a:ext uri="{FF2B5EF4-FFF2-40B4-BE49-F238E27FC236}">
+                <a16:creationId xmlns:a16="http://schemas.microsoft.com/office/drawing/2014/main" id="{EA6F7C4A-B9A7-2468-84A3-CDFC9A75A5CB}"/>
+              </a:ext>
+            </a:extLst>
+          </p:cNvPr>
+          <p:cNvSpPr txBox="1"/>
+          <p:nvPr/>
+        </p:nvSpPr>
+        <p:spPr>
+          <a:xfrm>
+            <a:off x="1917986" y="4540444"/>
+            <a:ext cx="433132" cy="400110"/>
+          </a:xfrm>
+          <a:prstGeom prst="rect">
+            <a:avLst/>
+          </a:prstGeom>
+          <a:noFill/>
+        </p:spPr>
+        <p:txBody>
+          <a:bodyPr wrap="none" rtlCol="0">
+            <a:spAutoFit/>
+          </a:bodyPr>
+          <a:lstStyle/>
+          <a:p>
+            <a:r>
+              <a:rPr lang="en-US" sz="2000" dirty="0"/>
+              <a:t>SP</a:t>
+            </a:r>
+          </a:p>
+        </p:txBody>
+      </p:sp>
+      <p:graphicFrame>
+        <p:nvGraphicFramePr>
+          <p:cNvPr id="14" name="Table 13">
+            <a:extLst>
+              <a:ext uri="{FF2B5EF4-FFF2-40B4-BE49-F238E27FC236}">
+                <a16:creationId xmlns:a16="http://schemas.microsoft.com/office/drawing/2014/main" id="{D915B79B-0559-150B-208E-D718B7EC52C1}"/>
+              </a:ext>
+            </a:extLst>
+          </p:cNvPr>
+          <p:cNvGraphicFramePr>
+            <a:graphicFrameLocks noGrp="1"/>
+          </p:cNvGraphicFramePr>
+          <p:nvPr>
+            <p:extLst>
+              <p:ext uri="{D42A27DB-BD31-4B8C-83A1-F6EECF244321}">
+                <p14:modId xmlns:p14="http://schemas.microsoft.com/office/powerpoint/2010/main" val="2158631816"/>
+              </p:ext>
+            </p:extLst>
+          </p:nvPr>
+        </p:nvGraphicFramePr>
+        <p:xfrm>
+          <a:off x="5181600" y="3784600"/>
+          <a:ext cx="838200" cy="1854200"/>
+        </p:xfrm>
+        <a:graphic>
+          <a:graphicData uri="http://schemas.openxmlformats.org/drawingml/2006/table">
+            <a:tbl>
+              <a:tblPr firstRow="1" bandRow="1">
+                <a:tableStyleId>{5940675A-B579-460E-94D1-54222C63F5DA}</a:tableStyleId>
+              </a:tblPr>
+              <a:tblGrid>
+                <a:gridCol w="838200">
+                  <a:extLst>
+                    <a:ext uri="{9D8B030D-6E8A-4147-A177-3AD203B41FA5}">
+                      <a16:colId xmlns:a16="http://schemas.microsoft.com/office/drawing/2014/main" val="2965708559"/>
+                    </a:ext>
+                  </a:extLst>
+                </a:gridCol>
+              </a:tblGrid>
+              <a:tr h="370840">
+                <a:tc>
+                  <a:txBody>
+                    <a:bodyPr/>
+                    <a:lstStyle/>
+                    <a:p>
+                      <a:pPr algn="ctr"/>
+                      <a:endParaRPr lang="en-US" dirty="0"/>
+                    </a:p>
+                  </a:txBody>
+                  <a:tcPr/>
+                </a:tc>
+                <a:extLst>
+                  <a:ext uri="{0D108BD9-81ED-4DB2-BD59-A6C34878D82A}">
+                    <a16:rowId xmlns:a16="http://schemas.microsoft.com/office/drawing/2014/main" val="2472658947"/>
+                  </a:ext>
+                </a:extLst>
+              </a:tr>
+              <a:tr h="370840">
+                <a:tc>
+                  <a:txBody>
+                    <a:bodyPr/>
+                    <a:lstStyle/>
+                    <a:p>
+                      <a:pPr algn="ctr"/>
+                      <a:r>
+                        <a:rPr lang="en-US" dirty="0"/>
+                        <a:t>r2=2</a:t>
+                      </a:r>
+                    </a:p>
+                  </a:txBody>
+                  <a:tcPr/>
+                </a:tc>
+                <a:extLst>
+                  <a:ext uri="{0D108BD9-81ED-4DB2-BD59-A6C34878D82A}">
+                    <a16:rowId xmlns:a16="http://schemas.microsoft.com/office/drawing/2014/main" val="2790041352"/>
+                  </a:ext>
+                </a:extLst>
+              </a:tr>
+              <a:tr h="370840">
+                <a:tc>
+                  <a:txBody>
+                    <a:bodyPr/>
+                    <a:lstStyle/>
+                    <a:p>
+                      <a:pPr algn="ctr"/>
+                      <a:r>
+                        <a:rPr lang="en-US" dirty="0"/>
+                        <a:t>r1=1</a:t>
+                      </a:r>
+                    </a:p>
+                  </a:txBody>
+                  <a:tcPr/>
+                </a:tc>
+                <a:extLst>
+                  <a:ext uri="{0D108BD9-81ED-4DB2-BD59-A6C34878D82A}">
+                    <a16:rowId xmlns:a16="http://schemas.microsoft.com/office/drawing/2014/main" val="1635259289"/>
+                  </a:ext>
+                </a:extLst>
+              </a:tr>
+              <a:tr h="370840">
+                <a:tc>
+                  <a:txBody>
+                    <a:bodyPr/>
+                    <a:lstStyle/>
+                    <a:p>
+                      <a:pPr algn="ctr"/>
+                      <a:r>
+                        <a:rPr lang="en-US" dirty="0"/>
+                        <a:t>r3=3</a:t>
+                      </a:r>
+                    </a:p>
+                  </a:txBody>
+                  <a:tcPr/>
+                </a:tc>
+                <a:extLst>
+                  <a:ext uri="{0D108BD9-81ED-4DB2-BD59-A6C34878D82A}">
+                    <a16:rowId xmlns:a16="http://schemas.microsoft.com/office/drawing/2014/main" val="3475318883"/>
+                  </a:ext>
+                </a:extLst>
+              </a:tr>
+              <a:tr h="370840">
+                <a:tc>
+                  <a:txBody>
+                    <a:bodyPr/>
+                    <a:lstStyle/>
+                    <a:p>
+                      <a:pPr algn="ctr"/>
+                      <a:r>
+                        <a:rPr lang="en-US" dirty="0"/>
+                        <a:t>r0=0</a:t>
+                      </a:r>
+                    </a:p>
+                  </a:txBody>
+                  <a:tcPr/>
+                </a:tc>
+                <a:extLst>
+                  <a:ext uri="{0D108BD9-81ED-4DB2-BD59-A6C34878D82A}">
+                    <a16:rowId xmlns:a16="http://schemas.microsoft.com/office/drawing/2014/main" val="2400188190"/>
+                  </a:ext>
+                </a:extLst>
+              </a:tr>
+            </a:tbl>
+          </a:graphicData>
+        </a:graphic>
+      </p:graphicFrame>
+      <p:sp>
+        <p:nvSpPr>
+          <p:cNvPr id="15" name="Arrow: Right 14">
+            <a:extLst>
+              <a:ext uri="{FF2B5EF4-FFF2-40B4-BE49-F238E27FC236}">
+                <a16:creationId xmlns:a16="http://schemas.microsoft.com/office/drawing/2014/main" id="{89C82B0B-D220-355C-C11A-2B105F6B47A5}"/>
+              </a:ext>
+            </a:extLst>
+          </p:cNvPr>
+          <p:cNvSpPr/>
+          <p:nvPr/>
+        </p:nvSpPr>
+        <p:spPr>
+          <a:xfrm>
+            <a:off x="4715716" y="5360854"/>
+            <a:ext cx="397565" cy="235054"/>
+          </a:xfrm>
+          <a:prstGeom prst="rightArrow">
+            <a:avLst/>
+          </a:prstGeom>
+          <a:solidFill>
+            <a:schemeClr val="bg2"/>
+          </a:solidFill>
+          <a:ln>
+            <a:solidFill>
+              <a:schemeClr val="tx1"/>
+            </a:solidFill>
+          </a:ln>
+        </p:spPr>
+        <p:style>
+          <a:lnRef idx="2">
+            <a:schemeClr val="accent1">
+              <a:shade val="50000"/>
+            </a:schemeClr>
+          </a:lnRef>
+          <a:fillRef idx="1">
+            <a:schemeClr val="accent1"/>
+          </a:fillRef>
+          <a:effectRef idx="0">
+            <a:schemeClr val="accent1"/>
+          </a:effectRef>
+          <a:fontRef idx="minor">
+            <a:schemeClr val="lt1"/>
+          </a:fontRef>
+        </p:style>
+        <p:txBody>
+          <a:bodyPr rtlCol="0" anchor="ctr"/>
+          <a:lstStyle/>
+          <a:p>
+            <a:pPr algn="ctr"/>
+            <a:endParaRPr lang="en-US"/>
+          </a:p>
+        </p:txBody>
+      </p:sp>
+      <p:sp>
+        <p:nvSpPr>
+          <p:cNvPr id="16" name="TextBox 15">
+            <a:extLst>
+              <a:ext uri="{FF2B5EF4-FFF2-40B4-BE49-F238E27FC236}">
+                <a16:creationId xmlns:a16="http://schemas.microsoft.com/office/drawing/2014/main" id="{AB622E9D-674E-4337-516D-F1611B40B59F}"/>
+              </a:ext>
+            </a:extLst>
+          </p:cNvPr>
+          <p:cNvSpPr txBox="1"/>
+          <p:nvPr/>
+        </p:nvSpPr>
+        <p:spPr>
+          <a:xfrm>
+            <a:off x="4213143" y="5262327"/>
+            <a:ext cx="433132" cy="400110"/>
+          </a:xfrm>
+          <a:prstGeom prst="rect">
+            <a:avLst/>
+          </a:prstGeom>
+          <a:noFill/>
+        </p:spPr>
+        <p:txBody>
+          <a:bodyPr wrap="none" rtlCol="0">
+            <a:spAutoFit/>
+          </a:bodyPr>
+          <a:lstStyle/>
+          <a:p>
+            <a:r>
+              <a:rPr lang="en-US" sz="2000" dirty="0"/>
+              <a:t>SP</a:t>
+            </a:r>
+          </a:p>
+        </p:txBody>
+      </p:sp>
+      <p:sp>
+        <p:nvSpPr>
+          <p:cNvPr id="17" name="TextBox 16">
+            <a:extLst>
+              <a:ext uri="{FF2B5EF4-FFF2-40B4-BE49-F238E27FC236}">
+                <a16:creationId xmlns:a16="http://schemas.microsoft.com/office/drawing/2014/main" id="{89FABA7E-D88F-B22C-2671-4103A5520001}"/>
+              </a:ext>
+            </a:extLst>
+          </p:cNvPr>
+          <p:cNvSpPr txBox="1"/>
+          <p:nvPr/>
+        </p:nvSpPr>
+        <p:spPr>
+          <a:xfrm>
+            <a:off x="2265540" y="5737878"/>
+            <a:ext cx="2172390" cy="400110"/>
+          </a:xfrm>
+          <a:prstGeom prst="rect">
+            <a:avLst/>
+          </a:prstGeom>
+          <a:noFill/>
+        </p:spPr>
+        <p:txBody>
+          <a:bodyPr wrap="none" rtlCol="0">
+            <a:spAutoFit/>
+          </a:bodyPr>
+          <a:lstStyle/>
+          <a:p>
+            <a:r>
+              <a:rPr lang="en-US" sz="2000" dirty="0"/>
+              <a:t>After PUSH {r1,r2}</a:t>
+            </a:r>
+          </a:p>
+        </p:txBody>
+      </p:sp>
+      <p:sp>
+        <p:nvSpPr>
+          <p:cNvPr id="18" name="TextBox 17">
+            <a:extLst>
+              <a:ext uri="{FF2B5EF4-FFF2-40B4-BE49-F238E27FC236}">
+                <a16:creationId xmlns:a16="http://schemas.microsoft.com/office/drawing/2014/main" id="{575A4558-8CD1-5604-11F5-98FCE4191B47}"/>
+              </a:ext>
+            </a:extLst>
+          </p:cNvPr>
+          <p:cNvSpPr txBox="1"/>
+          <p:nvPr/>
+        </p:nvSpPr>
+        <p:spPr>
+          <a:xfrm>
+            <a:off x="4575711" y="5733869"/>
+            <a:ext cx="2172390" cy="400110"/>
+          </a:xfrm>
+          <a:prstGeom prst="rect">
+            <a:avLst/>
+          </a:prstGeom>
+          <a:noFill/>
+        </p:spPr>
+        <p:txBody>
+          <a:bodyPr wrap="none" rtlCol="0">
+            <a:spAutoFit/>
+          </a:bodyPr>
+          <a:lstStyle/>
+          <a:p>
+            <a:r>
+              <a:rPr lang="en-US" sz="2000" dirty="0"/>
+              <a:t>After PUSH {r3,r0}</a:t>
+            </a:r>
+          </a:p>
+        </p:txBody>
+      </p:sp>
+      <p:graphicFrame>
+        <p:nvGraphicFramePr>
+          <p:cNvPr id="19" name="Table 18">
+            <a:extLst>
+              <a:ext uri="{FF2B5EF4-FFF2-40B4-BE49-F238E27FC236}">
+                <a16:creationId xmlns:a16="http://schemas.microsoft.com/office/drawing/2014/main" id="{138764CE-BAA4-9C81-9732-4DD4B550914C}"/>
+              </a:ext>
+            </a:extLst>
+          </p:cNvPr>
+          <p:cNvGraphicFramePr>
+            <a:graphicFrameLocks noGrp="1"/>
+          </p:cNvGraphicFramePr>
+          <p:nvPr>
+            <p:extLst>
+              <p:ext uri="{D42A27DB-BD31-4B8C-83A1-F6EECF244321}">
+                <p14:modId xmlns:p14="http://schemas.microsoft.com/office/powerpoint/2010/main" val="3777744457"/>
+              </p:ext>
+            </p:extLst>
+          </p:nvPr>
+        </p:nvGraphicFramePr>
+        <p:xfrm>
+          <a:off x="7417937" y="3784600"/>
+          <a:ext cx="838200" cy="1854200"/>
+        </p:xfrm>
+        <a:graphic>
+          <a:graphicData uri="http://schemas.openxmlformats.org/drawingml/2006/table">
+            <a:tbl>
+              <a:tblPr firstRow="1" bandRow="1">
+                <a:tableStyleId>{5940675A-B579-460E-94D1-54222C63F5DA}</a:tableStyleId>
+              </a:tblPr>
+              <a:tblGrid>
+                <a:gridCol w="838200">
+                  <a:extLst>
+                    <a:ext uri="{9D8B030D-6E8A-4147-A177-3AD203B41FA5}">
+                      <a16:colId xmlns:a16="http://schemas.microsoft.com/office/drawing/2014/main" val="2965708559"/>
+                    </a:ext>
+                  </a:extLst>
+                </a:gridCol>
+              </a:tblGrid>
+              <a:tr h="370840">
+                <a:tc>
+                  <a:txBody>
+                    <a:bodyPr/>
+                    <a:lstStyle/>
+                    <a:p>
+                      <a:pPr algn="ctr"/>
+                      <a:endParaRPr lang="en-US" dirty="0"/>
+                    </a:p>
+                  </a:txBody>
+                  <a:tcPr/>
+                </a:tc>
+                <a:extLst>
+                  <a:ext uri="{0D108BD9-81ED-4DB2-BD59-A6C34878D82A}">
+                    <a16:rowId xmlns:a16="http://schemas.microsoft.com/office/drawing/2014/main" val="2472658947"/>
+                  </a:ext>
+                </a:extLst>
+              </a:tr>
+              <a:tr h="370840">
+                <a:tc>
+                  <a:txBody>
+                    <a:bodyPr/>
+                    <a:lstStyle/>
+                    <a:p>
+                      <a:pPr algn="ctr"/>
+                      <a:endParaRPr lang="en-US" dirty="0"/>
+                    </a:p>
+                  </a:txBody>
+                  <a:tcPr/>
+                </a:tc>
+                <a:extLst>
+                  <a:ext uri="{0D108BD9-81ED-4DB2-BD59-A6C34878D82A}">
+                    <a16:rowId xmlns:a16="http://schemas.microsoft.com/office/drawing/2014/main" val="2790041352"/>
+                  </a:ext>
+                </a:extLst>
+              </a:tr>
+              <a:tr h="370840">
+                <a:tc>
+                  <a:txBody>
+                    <a:bodyPr/>
+                    <a:lstStyle/>
+                    <a:p>
+                      <a:pPr algn="ctr"/>
+                      <a:endParaRPr lang="en-US" dirty="0"/>
+                    </a:p>
+                  </a:txBody>
+                  <a:tcPr/>
+                </a:tc>
+                <a:extLst>
+                  <a:ext uri="{0D108BD9-81ED-4DB2-BD59-A6C34878D82A}">
+                    <a16:rowId xmlns:a16="http://schemas.microsoft.com/office/drawing/2014/main" val="1635259289"/>
+                  </a:ext>
+                </a:extLst>
+              </a:tr>
+              <a:tr h="370840">
+                <a:tc>
+                  <a:txBody>
+                    <a:bodyPr/>
+                    <a:lstStyle/>
+                    <a:p>
+                      <a:pPr algn="ctr"/>
+                      <a:endParaRPr lang="en-US" dirty="0"/>
+                    </a:p>
+                  </a:txBody>
+                  <a:tcPr/>
+                </a:tc>
+                <a:extLst>
+                  <a:ext uri="{0D108BD9-81ED-4DB2-BD59-A6C34878D82A}">
+                    <a16:rowId xmlns:a16="http://schemas.microsoft.com/office/drawing/2014/main" val="3475318883"/>
+                  </a:ext>
+                </a:extLst>
+              </a:tr>
+              <a:tr h="370840">
+                <a:tc>
+                  <a:txBody>
+                    <a:bodyPr/>
+                    <a:lstStyle/>
+                    <a:p>
+                      <a:pPr algn="ctr"/>
+                      <a:endParaRPr lang="en-US" dirty="0"/>
+                    </a:p>
+                  </a:txBody>
+                  <a:tcPr/>
+                </a:tc>
+                <a:extLst>
+                  <a:ext uri="{0D108BD9-81ED-4DB2-BD59-A6C34878D82A}">
+                    <a16:rowId xmlns:a16="http://schemas.microsoft.com/office/drawing/2014/main" val="2400188190"/>
+                  </a:ext>
+                </a:extLst>
+              </a:tr>
+            </a:tbl>
+          </a:graphicData>
+        </a:graphic>
+      </p:graphicFrame>
+      <p:sp>
+        <p:nvSpPr>
+          <p:cNvPr id="20" name="Arrow: Right 19">
+            <a:extLst>
+              <a:ext uri="{FF2B5EF4-FFF2-40B4-BE49-F238E27FC236}">
+                <a16:creationId xmlns:a16="http://schemas.microsoft.com/office/drawing/2014/main" id="{2F85393E-30E2-EDCD-D332-A91D6B997220}"/>
+              </a:ext>
+            </a:extLst>
+          </p:cNvPr>
+          <p:cNvSpPr/>
+          <p:nvPr/>
+        </p:nvSpPr>
+        <p:spPr>
+          <a:xfrm>
+            <a:off x="6944156" y="3895740"/>
+            <a:ext cx="397565" cy="235054"/>
+          </a:xfrm>
+          <a:prstGeom prst="rightArrow">
+            <a:avLst/>
+          </a:prstGeom>
+          <a:solidFill>
+            <a:schemeClr val="bg2"/>
+          </a:solidFill>
+          <a:ln>
+            <a:solidFill>
+              <a:schemeClr val="tx1"/>
+            </a:solidFill>
+          </a:ln>
+        </p:spPr>
+        <p:style>
+          <a:lnRef idx="2">
+            <a:schemeClr val="accent1">
+              <a:shade val="50000"/>
+            </a:schemeClr>
+          </a:lnRef>
+          <a:fillRef idx="1">
+            <a:schemeClr val="accent1"/>
+          </a:fillRef>
+          <a:effectRef idx="0">
+            <a:schemeClr val="accent1"/>
+          </a:effectRef>
+          <a:fontRef idx="minor">
+            <a:schemeClr val="lt1"/>
+          </a:fontRef>
+        </p:style>
+        <p:txBody>
+          <a:bodyPr rtlCol="0" anchor="ctr"/>
+          <a:lstStyle/>
+          <a:p>
+            <a:pPr algn="ctr"/>
+            <a:endParaRPr lang="en-US"/>
+          </a:p>
+        </p:txBody>
+      </p:sp>
+      <p:sp>
+        <p:nvSpPr>
+          <p:cNvPr id="21" name="TextBox 20">
+            <a:extLst>
+              <a:ext uri="{FF2B5EF4-FFF2-40B4-BE49-F238E27FC236}">
+                <a16:creationId xmlns:a16="http://schemas.microsoft.com/office/drawing/2014/main" id="{4524FD91-BDC9-DC17-142A-13AD5F27DA31}"/>
+              </a:ext>
+            </a:extLst>
+          </p:cNvPr>
+          <p:cNvSpPr txBox="1"/>
+          <p:nvPr/>
+        </p:nvSpPr>
+        <p:spPr>
+          <a:xfrm>
+            <a:off x="6441583" y="3797213"/>
+            <a:ext cx="433132" cy="400110"/>
+          </a:xfrm>
+          <a:prstGeom prst="rect">
+            <a:avLst/>
+          </a:prstGeom>
+          <a:noFill/>
+        </p:spPr>
+        <p:txBody>
+          <a:bodyPr wrap="none" rtlCol="0">
+            <a:spAutoFit/>
+          </a:bodyPr>
+          <a:lstStyle/>
+          <a:p>
+            <a:r>
+              <a:rPr lang="en-US" sz="2000" dirty="0"/>
+              <a:t>SP</a:t>
+            </a:r>
+          </a:p>
+        </p:txBody>
+      </p:sp>
+      <p:sp>
+        <p:nvSpPr>
+          <p:cNvPr id="22" name="TextBox 21">
+            <a:extLst>
+              <a:ext uri="{FF2B5EF4-FFF2-40B4-BE49-F238E27FC236}">
+                <a16:creationId xmlns:a16="http://schemas.microsoft.com/office/drawing/2014/main" id="{875DABEC-3EAE-282B-99E0-5AD8630AFE37}"/>
+              </a:ext>
+            </a:extLst>
+          </p:cNvPr>
+          <p:cNvSpPr txBox="1"/>
+          <p:nvPr/>
+        </p:nvSpPr>
+        <p:spPr>
+          <a:xfrm>
+            <a:off x="6721062" y="5743714"/>
+            <a:ext cx="2513830" cy="707886"/>
+          </a:xfrm>
+          <a:prstGeom prst="rect">
+            <a:avLst/>
+          </a:prstGeom>
+          <a:noFill/>
+        </p:spPr>
+        <p:txBody>
+          <a:bodyPr wrap="none" rtlCol="0">
+            <a:spAutoFit/>
+          </a:bodyPr>
+          <a:lstStyle/>
+          <a:p>
+            <a:r>
+              <a:rPr lang="en-US" sz="2000" dirty="0"/>
+              <a:t>After POP {r0-r3}</a:t>
+            </a:r>
+          </a:p>
+          <a:p>
+            <a:r>
+              <a:rPr lang="en-US" sz="2000" dirty="0"/>
+              <a:t>r0=0, r1=3, r2=1, r3=2</a:t>
+            </a:r>
+          </a:p>
+        </p:txBody>
+      </p:sp>
+    </p:spTree>
+    <p:extLst>
+      <p:ext uri="{BB962C8B-B14F-4D97-AF65-F5344CB8AC3E}">
+        <p14:creationId xmlns:p14="http://schemas.microsoft.com/office/powerpoint/2010/main" val="3884894996"/>
+      </p:ext>
+    </p:extLst>
+  </p:cSld>
+  <p:clrMapOvr>
+    <a:masterClrMapping/>
+  </p:clrMapOvr>
+</p:sld>
+</file>
+
+<file path=ppt/slides/slide9.xml><?xml version="1.0" encoding="utf-8"?>
+<p:sld xmlns:a="http://schemas.openxmlformats.org/drawingml/2006/main" xmlns:r="http://schemas.openxmlformats.org/officeDocument/2006/relationships" xmlns:p="http://schemas.openxmlformats.org/presentationml/2006/main">
+  <p:cSld>
+    <p:spTree>
+      <p:nvGrpSpPr>
+        <p:cNvPr id="1" name=""/>
+        <p:cNvGrpSpPr/>
+        <p:nvPr/>
+      </p:nvGrpSpPr>
+      <p:grpSpPr>
+        <a:xfrm>
+          <a:off x="0" y="0"/>
+          <a:ext cx="0" cy="0"/>
+          <a:chOff x="0" y="0"/>
+          <a:chExt cx="0" cy="0"/>
+        </a:xfrm>
+      </p:grpSpPr>
+      <p:sp>
+        <p:nvSpPr>
+          <p:cNvPr id="2" name="Title 1">
+            <a:extLst>
+              <a:ext uri="{FF2B5EF4-FFF2-40B4-BE49-F238E27FC236}">
+                <a16:creationId xmlns:a16="http://schemas.microsoft.com/office/drawing/2014/main" id="{53769777-22BA-A4F2-A717-CA88FA78E82B}"/>
+              </a:ext>
+            </a:extLst>
+          </p:cNvPr>
+          <p:cNvSpPr>
+            <a:spLocks noGrp="1"/>
+          </p:cNvSpPr>
+          <p:nvPr>
+            <p:ph type="title"/>
+          </p:nvPr>
+        </p:nvSpPr>
+        <p:spPr/>
+        <p:txBody>
+          <a:bodyPr/>
+          <a:lstStyle/>
+          <a:p>
+            <a:r>
+              <a:rPr lang="en-US" altLang="zh-CN" dirty="0"/>
+              <a:t>What </a:t>
+            </a:r>
+            <a:r>
+              <a:rPr lang="en-US" altLang="zh-CN"/>
+              <a:t>is Wrong?</a:t>
+            </a:r>
+            <a:endParaRPr lang="en-US"/>
+          </a:p>
+        </p:txBody>
+      </p:sp>
+      <p:sp>
+        <p:nvSpPr>
+          <p:cNvPr id="3" name="Slide Number Placeholder 2">
+            <a:extLst>
+              <a:ext uri="{FF2B5EF4-FFF2-40B4-BE49-F238E27FC236}">
+                <a16:creationId xmlns:a16="http://schemas.microsoft.com/office/drawing/2014/main" id="{B3A26B7A-A91C-8739-59F7-FED523EC9EA9}"/>
+              </a:ext>
+            </a:extLst>
+          </p:cNvPr>
+          <p:cNvSpPr>
+            <a:spLocks noGrp="1"/>
+          </p:cNvSpPr>
+          <p:nvPr>
+            <p:ph type="sldNum" sz="quarter" idx="12"/>
+          </p:nvPr>
+        </p:nvSpPr>
+        <p:spPr/>
+        <p:txBody>
+          <a:bodyPr/>
+          <a:lstStyle/>
+          <a:p>
+            <a:fld id="{EA7C8D44-3667-46F6-9772-CC52308E2A7F}" type="slidenum">
+              <a:rPr kumimoji="0" lang="en-US" smtClean="0"/>
+              <a:pPr/>
+              <a:t>9</a:t>
+            </a:fld>
+            <a:endParaRPr kumimoji="0" lang="en-US" dirty="0"/>
+          </a:p>
+        </p:txBody>
+      </p:sp>
+      <p:sp>
+        <p:nvSpPr>
+          <p:cNvPr id="4" name="Content Placeholder 3">
+            <a:extLst>
+              <a:ext uri="{FF2B5EF4-FFF2-40B4-BE49-F238E27FC236}">
+                <a16:creationId xmlns:a16="http://schemas.microsoft.com/office/drawing/2014/main" id="{5998200F-E2E0-2FC9-A24B-3D85B65165B0}"/>
+              </a:ext>
+            </a:extLst>
+          </p:cNvPr>
+          <p:cNvSpPr>
+            <a:spLocks noGrp="1"/>
+          </p:cNvSpPr>
+          <p:nvPr>
+            <p:ph sz="quarter" idx="1"/>
+          </p:nvPr>
+        </p:nvSpPr>
+        <p:spPr/>
+        <p:txBody>
+          <a:bodyPr/>
+          <a:lstStyle/>
+          <a:p>
+            <a:endParaRPr lang="en-US" dirty="0"/>
+          </a:p>
+        </p:txBody>
+      </p:sp>
+      <p:graphicFrame>
+        <p:nvGraphicFramePr>
+          <p:cNvPr id="5" name="Table 4">
+            <a:extLst>
+              <a:ext uri="{FF2B5EF4-FFF2-40B4-BE49-F238E27FC236}">
+                <a16:creationId xmlns:a16="http://schemas.microsoft.com/office/drawing/2014/main" id="{A554D579-850A-433C-2F4C-D7CBDE33F5FD}"/>
+              </a:ext>
+            </a:extLst>
+          </p:cNvPr>
+          <p:cNvGraphicFramePr>
+            <a:graphicFrameLocks noGrp="1"/>
+          </p:cNvGraphicFramePr>
+          <p:nvPr>
+            <p:extLst>
+              <p:ext uri="{D42A27DB-BD31-4B8C-83A1-F6EECF244321}">
+                <p14:modId xmlns:p14="http://schemas.microsoft.com/office/powerpoint/2010/main" val="1546225091"/>
+              </p:ext>
+            </p:extLst>
+          </p:nvPr>
+        </p:nvGraphicFramePr>
+        <p:xfrm>
+          <a:off x="2696497" y="1731779"/>
+          <a:ext cx="5791200" cy="2018941"/>
+        </p:xfrm>
+        <a:graphic>
+          <a:graphicData uri="http://schemas.openxmlformats.org/drawingml/2006/table">
+            <a:tbl>
+              <a:tblPr firstRow="1" firstCol="1" bandRow="1">
+                <a:tableStyleId>{5940675A-B579-460E-94D1-54222C63F5DA}</a:tableStyleId>
+              </a:tblPr>
+              <a:tblGrid>
+                <a:gridCol w="5791200">
+                  <a:extLst>
+                    <a:ext uri="{9D8B030D-6E8A-4147-A177-3AD203B41FA5}">
+                      <a16:colId xmlns:a16="http://schemas.microsoft.com/office/drawing/2014/main" val="20000"/>
+                    </a:ext>
+                  </a:extLst>
+                </a:gridCol>
+              </a:tblGrid>
+              <a:tr h="175619">
+                <a:tc>
+                  <a:txBody>
+                    <a:bodyPr/>
+                    <a:lstStyle/>
+                    <a:p>
+                      <a:pPr marL="0" marR="0" algn="l">
+                        <a:spcBef>
+                          <a:spcPts val="0"/>
+                        </a:spcBef>
+                        <a:spcAft>
+                          <a:spcPts val="0"/>
+                        </a:spcAft>
+                      </a:pPr>
+                      <a:r>
+                        <a:rPr lang="en-US" sz="1400" b="1" dirty="0">
+                          <a:solidFill>
+                            <a:schemeClr val="bg1"/>
+                          </a:solidFill>
+                          <a:effectLst/>
+                          <a:latin typeface="Consolas" panose="020B0609020204030204" pitchFamily="49" charset="0"/>
+                          <a:cs typeface="Consolas" panose="020B0609020204030204" pitchFamily="49" charset="0"/>
+                        </a:rPr>
+                        <a:t>Caller Program</a:t>
+                      </a:r>
+                      <a:endParaRPr lang="en-US" sz="1400" b="1" dirty="0">
+                        <a:solidFill>
+                          <a:schemeClr val="bg1"/>
+                        </a:solidFill>
+                        <a:effectLst/>
+                        <a:latin typeface="Consolas" panose="020B0609020204030204" pitchFamily="49" charset="0"/>
+                        <a:ea typeface="宋体"/>
+                        <a:cs typeface="Consolas" panose="020B0609020204030204" pitchFamily="49" charset="0"/>
+                      </a:endParaRPr>
+                    </a:p>
+                  </a:txBody>
+                  <a:tcPr marL="68580" marR="68580" marT="0" marB="0">
+                    <a:solidFill>
+                      <a:schemeClr val="accent1"/>
+                    </a:solidFill>
+                  </a:tcPr>
+                </a:tc>
+                <a:extLst>
+                  <a:ext uri="{0D108BD9-81ED-4DB2-BD59-A6C34878D82A}">
+                    <a16:rowId xmlns:a16="http://schemas.microsoft.com/office/drawing/2014/main" val="10000"/>
+                  </a:ext>
+                </a:extLst>
+              </a:tr>
+              <a:tr h="1805581">
+                <a:tc>
+                  <a:txBody>
+                    <a:bodyPr/>
+                    <a:lstStyle/>
+                    <a:p>
+                      <a:pPr marL="0" marR="0" algn="l">
+                        <a:spcBef>
+                          <a:spcPts val="0"/>
+                        </a:spcBef>
+                        <a:spcAft>
+                          <a:spcPts val="0"/>
+                        </a:spcAft>
+                      </a:pPr>
+                      <a:r>
+                        <a:rPr lang="fr-FR" sz="1400" dirty="0" err="1">
+                          <a:effectLst/>
+                          <a:latin typeface="Consolas" panose="020B0609020204030204" pitchFamily="49" charset="0"/>
+                          <a:cs typeface="Consolas" panose="020B0609020204030204" pitchFamily="49" charset="0"/>
+                        </a:rPr>
+                        <a:t>Extern</a:t>
+                      </a:r>
+                      <a:r>
+                        <a:rPr lang="fr-FR" sz="1400" dirty="0">
+                          <a:effectLst/>
+                          <a:latin typeface="Consolas" panose="020B0609020204030204" pitchFamily="49" charset="0"/>
+                          <a:cs typeface="Consolas" panose="020B0609020204030204" pitchFamily="49" charset="0"/>
+                        </a:rPr>
+                        <a:t> int32_t sum3(int32_t a1, int32_t a2, int32_t a3);</a:t>
+                      </a:r>
+                    </a:p>
+                    <a:p>
+                      <a:pPr marL="0" marR="0" algn="l">
+                        <a:spcBef>
+                          <a:spcPts val="0"/>
+                        </a:spcBef>
+                        <a:spcAft>
+                          <a:spcPts val="0"/>
+                        </a:spcAft>
+                      </a:pPr>
+                      <a:endParaRPr lang="fr-FR" sz="1400" dirty="0">
+                        <a:effectLst/>
+                        <a:latin typeface="Consolas" panose="020B0609020204030204" pitchFamily="49" charset="0"/>
+                        <a:cs typeface="Consolas" panose="020B0609020204030204" pitchFamily="49" charset="0"/>
+                      </a:endParaRPr>
+                    </a:p>
+                    <a:p>
+                      <a:pPr marL="0" marR="0" algn="l">
+                        <a:spcBef>
+                          <a:spcPts val="0"/>
+                        </a:spcBef>
+                        <a:spcAft>
+                          <a:spcPts val="0"/>
+                        </a:spcAft>
+                      </a:pPr>
+                      <a:r>
+                        <a:rPr lang="fr-FR" sz="1400" dirty="0" err="1">
+                          <a:effectLst/>
+                          <a:latin typeface="Consolas" panose="020B0609020204030204" pitchFamily="49" charset="0"/>
+                          <a:cs typeface="Consolas" panose="020B0609020204030204" pitchFamily="49" charset="0"/>
+                        </a:rPr>
+                        <a:t>int</a:t>
+                      </a:r>
+                      <a:r>
+                        <a:rPr lang="fr-FR" sz="1400" dirty="0">
+                          <a:effectLst/>
+                          <a:latin typeface="Consolas" panose="020B0609020204030204" pitchFamily="49" charset="0"/>
+                          <a:cs typeface="Consolas" panose="020B0609020204030204" pitchFamily="49" charset="0"/>
+                        </a:rPr>
+                        <a:t> main(</a:t>
+                      </a:r>
+                      <a:r>
+                        <a:rPr lang="fr-FR" sz="1400" dirty="0" err="1">
+                          <a:effectLst/>
+                          <a:latin typeface="Consolas" panose="020B0609020204030204" pitchFamily="49" charset="0"/>
+                          <a:cs typeface="Consolas" panose="020B0609020204030204" pitchFamily="49" charset="0"/>
+                        </a:rPr>
+                        <a:t>void</a:t>
+                      </a:r>
+                      <a:r>
+                        <a:rPr lang="fr-FR" sz="1400" dirty="0">
+                          <a:effectLst/>
+                          <a:latin typeface="Consolas" panose="020B0609020204030204" pitchFamily="49" charset="0"/>
+                          <a:cs typeface="Consolas" panose="020B0609020204030204" pitchFamily="49" charset="0"/>
+                        </a:rPr>
+                        <a:t>){</a:t>
+                      </a:r>
+                    </a:p>
+                    <a:p>
+                      <a:pPr marL="0" marR="0" algn="l">
+                        <a:spcBef>
+                          <a:spcPts val="0"/>
+                        </a:spcBef>
+                        <a:spcAft>
+                          <a:spcPts val="0"/>
+                        </a:spcAft>
+                      </a:pPr>
+                      <a:r>
+                        <a:rPr lang="fr-FR" sz="1400" dirty="0">
+                          <a:effectLst/>
+                          <a:latin typeface="Consolas" panose="020B0609020204030204" pitchFamily="49" charset="0"/>
+                          <a:cs typeface="Consolas" panose="020B0609020204030204" pitchFamily="49" charset="0"/>
+                        </a:rPr>
+                        <a:t>int32_t s</a:t>
+                      </a:r>
+                    </a:p>
+                    <a:p>
+                      <a:pPr marL="0" marR="0" algn="l">
+                        <a:spcBef>
+                          <a:spcPts val="0"/>
+                        </a:spcBef>
+                        <a:spcAft>
+                          <a:spcPts val="0"/>
+                        </a:spcAft>
+                      </a:pPr>
+                      <a:r>
+                        <a:rPr lang="fr-FR" sz="1400" dirty="0">
+                          <a:effectLst/>
+                          <a:latin typeface="Consolas" panose="020B0609020204030204" pitchFamily="49" charset="0"/>
+                          <a:cs typeface="Consolas" panose="020B0609020204030204" pitchFamily="49" charset="0"/>
+                        </a:rPr>
+                        <a:t>...</a:t>
+                      </a:r>
+                    </a:p>
+                    <a:p>
+                      <a:pPr marL="0" marR="0" algn="l">
+                        <a:spcBef>
+                          <a:spcPts val="0"/>
+                        </a:spcBef>
+                        <a:spcAft>
+                          <a:spcPts val="0"/>
+                        </a:spcAft>
+                      </a:pPr>
+                      <a:r>
+                        <a:rPr lang="fr-FR" sz="1400" dirty="0">
+                          <a:effectLst/>
+                          <a:latin typeface="Consolas" panose="020B0609020204030204" pitchFamily="49" charset="0"/>
+                          <a:cs typeface="Consolas" panose="020B0609020204030204" pitchFamily="49" charset="0"/>
+                        </a:rPr>
+                        <a:t>s = sum3(-1, -2, -3) + sum3(4, 5, 6);</a:t>
+                      </a:r>
+                    </a:p>
+                    <a:p>
+                      <a:pPr marL="0" marR="0" lvl="0" indent="0" algn="l" defTabSz="914400" rtl="0" eaLnBrk="1" fontAlgn="auto" latinLnBrk="0" hangingPunct="1">
+                        <a:lnSpc>
+                          <a:spcPct val="100000"/>
+                        </a:lnSpc>
+                        <a:spcBef>
+                          <a:spcPts val="0"/>
+                        </a:spcBef>
+                        <a:spcAft>
+                          <a:spcPts val="0"/>
+                        </a:spcAft>
+                        <a:buClrTx/>
+                        <a:buSzTx/>
+                        <a:buFontTx/>
+                        <a:buNone/>
+                        <a:tabLst/>
+                        <a:defRPr/>
+                      </a:pPr>
+                      <a:r>
+                        <a:rPr lang="fr-FR" sz="1400" dirty="0">
+                          <a:effectLst/>
+                          <a:latin typeface="Consolas" panose="020B0609020204030204" pitchFamily="49" charset="0"/>
+                          <a:cs typeface="Consolas" panose="020B0609020204030204" pitchFamily="49" charset="0"/>
+                        </a:rPr>
+                        <a:t>...</a:t>
+                      </a:r>
+                      <a:endParaRPr lang="en-US" sz="1400" dirty="0">
+                        <a:effectLst/>
+                        <a:latin typeface="Consolas" panose="020B0609020204030204" pitchFamily="49" charset="0"/>
+                        <a:cs typeface="Consolas" panose="020B0609020204030204" pitchFamily="49" charset="0"/>
+                      </a:endParaRPr>
+                    </a:p>
+                  </a:txBody>
+                  <a:tcPr marL="68580" marR="68580" marT="0" marB="0"/>
+                </a:tc>
+                <a:extLst>
+                  <a:ext uri="{0D108BD9-81ED-4DB2-BD59-A6C34878D82A}">
+                    <a16:rowId xmlns:a16="http://schemas.microsoft.com/office/drawing/2014/main" val="10001"/>
+                  </a:ext>
+                </a:extLst>
+              </a:tr>
+            </a:tbl>
+          </a:graphicData>
+        </a:graphic>
+      </p:graphicFrame>
+      <p:graphicFrame>
+        <p:nvGraphicFramePr>
+          <p:cNvPr id="7" name="Table 6">
+            <a:extLst>
+              <a:ext uri="{FF2B5EF4-FFF2-40B4-BE49-F238E27FC236}">
+                <a16:creationId xmlns:a16="http://schemas.microsoft.com/office/drawing/2014/main" id="{7F3EEF33-13EC-BB93-CE67-9DD4DBFC221D}"/>
+              </a:ext>
+            </a:extLst>
+          </p:cNvPr>
+          <p:cNvGraphicFramePr>
+            <a:graphicFrameLocks noGrp="1"/>
+          </p:cNvGraphicFramePr>
+          <p:nvPr>
+            <p:extLst>
+              <p:ext uri="{D42A27DB-BD31-4B8C-83A1-F6EECF244321}">
+                <p14:modId xmlns:p14="http://schemas.microsoft.com/office/powerpoint/2010/main" val="3133712184"/>
+              </p:ext>
+            </p:extLst>
+          </p:nvPr>
+        </p:nvGraphicFramePr>
+        <p:xfrm>
+          <a:off x="4847303" y="3856560"/>
+          <a:ext cx="3657600" cy="2194560"/>
+        </p:xfrm>
+        <a:graphic>
+          <a:graphicData uri="http://schemas.openxmlformats.org/drawingml/2006/table">
+            <a:tbl>
+              <a:tblPr firstRow="1" firstCol="1" bandRow="1">
+                <a:tableStyleId>{5940675A-B579-460E-94D1-54222C63F5DA}</a:tableStyleId>
+              </a:tblPr>
+              <a:tblGrid>
+                <a:gridCol w="3657600">
+                  <a:extLst>
+                    <a:ext uri="{9D8B030D-6E8A-4147-A177-3AD203B41FA5}">
+                      <a16:colId xmlns:a16="http://schemas.microsoft.com/office/drawing/2014/main" val="20000"/>
+                    </a:ext>
+                  </a:extLst>
+                </a:gridCol>
+              </a:tblGrid>
+              <a:tr h="175619">
+                <a:tc>
+                  <a:txBody>
+                    <a:bodyPr/>
+                    <a:lstStyle/>
+                    <a:p>
+                      <a:pPr marL="0" marR="0" algn="just">
+                        <a:spcBef>
+                          <a:spcPts val="0"/>
+                        </a:spcBef>
+                        <a:spcAft>
+                          <a:spcPts val="0"/>
+                        </a:spcAft>
+                      </a:pPr>
+                      <a:r>
+                        <a:rPr lang="en-US" sz="1600" b="1" dirty="0">
+                          <a:solidFill>
+                            <a:schemeClr val="bg1"/>
+                          </a:solidFill>
+                          <a:effectLst/>
+                          <a:latin typeface="Consolas" panose="020B0609020204030204" pitchFamily="49" charset="0"/>
+                          <a:cs typeface="Consolas" panose="020B0609020204030204" pitchFamily="49" charset="0"/>
+                        </a:rPr>
+                        <a:t>Calle</a:t>
+                      </a:r>
+                      <a:r>
+                        <a:rPr lang="en-US" altLang="zh-CN" sz="1600" b="1" dirty="0">
+                          <a:solidFill>
+                            <a:schemeClr val="bg1"/>
+                          </a:solidFill>
+                          <a:effectLst/>
+                          <a:latin typeface="Consolas" panose="020B0609020204030204" pitchFamily="49" charset="0"/>
+                          <a:cs typeface="Consolas" panose="020B0609020204030204" pitchFamily="49" charset="0"/>
+                        </a:rPr>
+                        <a:t>e</a:t>
+                      </a:r>
+                      <a:r>
+                        <a:rPr lang="en-US" sz="1600" b="1" dirty="0">
+                          <a:solidFill>
+                            <a:schemeClr val="bg1"/>
+                          </a:solidFill>
+                          <a:effectLst/>
+                          <a:latin typeface="Consolas" panose="020B0609020204030204" pitchFamily="49" charset="0"/>
+                          <a:cs typeface="Consolas" panose="020B0609020204030204" pitchFamily="49" charset="0"/>
+                        </a:rPr>
+                        <a:t> Program</a:t>
+                      </a:r>
+                      <a:endParaRPr lang="en-US" sz="1600" b="1" dirty="0">
+                        <a:solidFill>
+                          <a:schemeClr val="bg1"/>
+                        </a:solidFill>
+                        <a:effectLst/>
+                        <a:latin typeface="Consolas" panose="020B0609020204030204" pitchFamily="49" charset="0"/>
+                        <a:ea typeface="宋体"/>
+                        <a:cs typeface="Consolas" panose="020B0609020204030204" pitchFamily="49" charset="0"/>
+                      </a:endParaRPr>
+                    </a:p>
+                  </a:txBody>
+                  <a:tcPr marL="68580" marR="68580" marT="0" marB="0">
+                    <a:solidFill>
+                      <a:schemeClr val="accent1"/>
+                    </a:solidFill>
+                  </a:tcPr>
+                </a:tc>
+                <a:extLst>
+                  <a:ext uri="{0D108BD9-81ED-4DB2-BD59-A6C34878D82A}">
+                    <a16:rowId xmlns:a16="http://schemas.microsoft.com/office/drawing/2014/main" val="10000"/>
+                  </a:ext>
+                </a:extLst>
+              </a:tr>
+              <a:tr h="1805581">
+                <a:tc>
+                  <a:txBody>
+                    <a:bodyPr/>
+                    <a:lstStyle/>
+                    <a:p>
+                      <a:pPr marL="0" marR="0" algn="just">
+                        <a:spcBef>
+                          <a:spcPts val="0"/>
+                        </a:spcBef>
+                        <a:spcAft>
+                          <a:spcPts val="0"/>
+                        </a:spcAft>
+                      </a:pPr>
+                      <a:r>
+                        <a:rPr lang="pt-BR" sz="1600" dirty="0">
+                          <a:effectLst/>
+                          <a:latin typeface="Consolas" panose="020B0609020204030204" pitchFamily="49" charset="0"/>
+                          <a:cs typeface="Consolas" panose="020B0609020204030204" pitchFamily="49" charset="0"/>
+                        </a:rPr>
+                        <a:t>sum3 PROC</a:t>
+                      </a:r>
+                    </a:p>
+                    <a:p>
+                      <a:pPr marL="0" marR="0" algn="just">
+                        <a:spcBef>
+                          <a:spcPts val="0"/>
+                        </a:spcBef>
+                        <a:spcAft>
+                          <a:spcPts val="0"/>
+                        </a:spcAft>
+                      </a:pPr>
+                      <a:r>
+                        <a:rPr lang="pt-BR" sz="1600" dirty="0">
+                          <a:effectLst/>
+                          <a:latin typeface="Consolas" panose="020B0609020204030204" pitchFamily="49" charset="0"/>
+                          <a:cs typeface="Consolas" panose="020B0609020204030204" pitchFamily="49" charset="0"/>
+                        </a:rPr>
+                        <a:t>EXPORT sum3</a:t>
+                      </a:r>
+                    </a:p>
+                    <a:p>
+                      <a:pPr marL="0" marR="0" algn="just">
+                        <a:spcBef>
+                          <a:spcPts val="0"/>
+                        </a:spcBef>
+                        <a:spcAft>
+                          <a:spcPts val="0"/>
+                        </a:spcAft>
+                      </a:pPr>
+                      <a:r>
+                        <a:rPr lang="pt-BR" sz="1600" dirty="0">
+                          <a:effectLst/>
+                          <a:latin typeface="Consolas" panose="020B0609020204030204" pitchFamily="49" charset="0"/>
+                          <a:cs typeface="Consolas" panose="020B0609020204030204" pitchFamily="49" charset="0"/>
+                        </a:rPr>
+                        <a:t>; r3 = sum</a:t>
+                      </a:r>
+                    </a:p>
+                    <a:p>
+                      <a:pPr marL="0" marR="0" algn="just">
+                        <a:spcBef>
+                          <a:spcPts val="0"/>
+                        </a:spcBef>
+                        <a:spcAft>
+                          <a:spcPts val="0"/>
+                        </a:spcAft>
+                      </a:pPr>
+                      <a:r>
+                        <a:rPr lang="pt-BR" sz="1600" dirty="0">
+                          <a:effectLst/>
+                          <a:latin typeface="Consolas" panose="020B0609020204030204" pitchFamily="49" charset="0"/>
+                          <a:cs typeface="Consolas" panose="020B0609020204030204" pitchFamily="49" charset="0"/>
+                        </a:rPr>
+                        <a:t>ADD r3, r0, r1 ; sum = a1 + a2</a:t>
+                      </a:r>
+                    </a:p>
+                    <a:p>
+                      <a:pPr marL="0" marR="0" algn="just">
+                        <a:spcBef>
+                          <a:spcPts val="0"/>
+                        </a:spcBef>
+                        <a:spcAft>
+                          <a:spcPts val="0"/>
+                        </a:spcAft>
+                      </a:pPr>
+                      <a:r>
+                        <a:rPr lang="pt-BR" sz="1600" dirty="0">
+                          <a:effectLst/>
+                          <a:latin typeface="Consolas" panose="020B0609020204030204" pitchFamily="49" charset="0"/>
+                          <a:cs typeface="Consolas" panose="020B0609020204030204" pitchFamily="49" charset="0"/>
+                        </a:rPr>
+                        <a:t>ADD r3, r0, r2 ; sum += a3</a:t>
+                      </a:r>
+                    </a:p>
+                    <a:p>
+                      <a:pPr marL="0" marR="0" algn="just">
+                        <a:spcBef>
+                          <a:spcPts val="0"/>
+                        </a:spcBef>
+                        <a:spcAft>
+                          <a:spcPts val="0"/>
+                        </a:spcAft>
+                      </a:pPr>
+                      <a:r>
+                        <a:rPr lang="pt-BR" sz="1600" dirty="0">
+                          <a:effectLst/>
+                          <a:latin typeface="Consolas" panose="020B0609020204030204" pitchFamily="49" charset="0"/>
+                          <a:cs typeface="Consolas" panose="020B0609020204030204" pitchFamily="49" charset="0"/>
+                        </a:rPr>
+                        <a:t>MOV r1, r3</a:t>
+                      </a:r>
+                    </a:p>
+                    <a:p>
+                      <a:pPr marL="0" marR="0" algn="just">
+                        <a:spcBef>
+                          <a:spcPts val="0"/>
+                        </a:spcBef>
+                        <a:spcAft>
+                          <a:spcPts val="0"/>
+                        </a:spcAft>
+                      </a:pPr>
+                      <a:r>
+                        <a:rPr lang="pt-BR" sz="1600" dirty="0">
+                          <a:effectLst/>
+                          <a:latin typeface="Consolas" panose="020B0609020204030204" pitchFamily="49" charset="0"/>
+                          <a:cs typeface="Consolas" panose="020B0609020204030204" pitchFamily="49" charset="0"/>
+                        </a:rPr>
+                        <a:t>BX pc</a:t>
+                      </a:r>
+                    </a:p>
+                    <a:p>
+                      <a:pPr marL="0" marR="0" algn="just">
+                        <a:spcBef>
+                          <a:spcPts val="0"/>
+                        </a:spcBef>
+                        <a:spcAft>
+                          <a:spcPts val="0"/>
+                        </a:spcAft>
+                      </a:pPr>
+                      <a:r>
+                        <a:rPr lang="pt-BR" sz="1600" dirty="0">
+                          <a:effectLst/>
+                          <a:latin typeface="Consolas" panose="020B0609020204030204" pitchFamily="49" charset="0"/>
+                          <a:cs typeface="Consolas" panose="020B0609020204030204" pitchFamily="49" charset="0"/>
+                        </a:rPr>
+                        <a:t>ENDP</a:t>
+                      </a:r>
+                      <a:endParaRPr lang="en-US" sz="1600" dirty="0">
+                        <a:effectLst/>
+                        <a:latin typeface="Consolas" panose="020B0609020204030204" pitchFamily="49" charset="0"/>
+                        <a:cs typeface="Consolas" panose="020B0609020204030204" pitchFamily="49" charset="0"/>
+                      </a:endParaRPr>
+                    </a:p>
+                  </a:txBody>
+                  <a:tcPr marL="68580" marR="68580" marT="0" marB="0"/>
+                </a:tc>
+                <a:extLst>
+                  <a:ext uri="{0D108BD9-81ED-4DB2-BD59-A6C34878D82A}">
+                    <a16:rowId xmlns:a16="http://schemas.microsoft.com/office/drawing/2014/main" val="10001"/>
+                  </a:ext>
+                </a:extLst>
+              </a:tr>
+            </a:tbl>
+          </a:graphicData>
+        </a:graphic>
+      </p:graphicFrame>
+    </p:spTree>
+    <p:extLst>
+      <p:ext uri="{BB962C8B-B14F-4D97-AF65-F5344CB8AC3E}">
+        <p14:creationId xmlns:p14="http://schemas.microsoft.com/office/powerpoint/2010/main" val="4120051107"/>
       </p:ext>
     </p:extLst>
   </p:cSld>

--- a/PPTs/Ch8_ARM_Subroutines_Exercises ANS.pptx
+++ b/PPTs/Ch8_ARM_Subroutines_Exercises ANS.pptx
@@ -5,10 +5,10 @@
     <p:sldMasterId id="2147483660" r:id="rId1"/>
   </p:sldMasterIdLst>
   <p:notesMasterIdLst>
-    <p:notesMasterId r:id="rId12"/>
+    <p:notesMasterId r:id="rId14"/>
   </p:notesMasterIdLst>
   <p:handoutMasterIdLst>
-    <p:handoutMasterId r:id="rId13"/>
+    <p:handoutMasterId r:id="rId15"/>
   </p:handoutMasterIdLst>
   <p:sldIdLst>
     <p:sldId id="256" r:id="rId2"/>
@@ -21,6 +21,8 @@
     <p:sldId id="260" r:id="rId9"/>
     <p:sldId id="257" r:id="rId10"/>
     <p:sldId id="258" r:id="rId11"/>
+    <p:sldId id="281" r:id="rId12"/>
+    <p:sldId id="282" r:id="rId13"/>
   </p:sldIdLst>
   <p:sldSz cx="9144000" cy="6858000" type="screen4x3"/>
   <p:notesSz cx="6950075" cy="9236075"/>
@@ -141,8 +143,7 @@
 <file path=ppt/revisionInfo.xml><?xml version="1.0" encoding="utf-8"?>
 <p1510:revInfo xmlns:a="http://schemas.openxmlformats.org/drawingml/2006/main" xmlns:r="http://schemas.openxmlformats.org/officeDocument/2006/relationships" xmlns:p1510="http://schemas.microsoft.com/office/powerpoint/2015/10/main">
   <p1510:revLst>
-    <p1510:client id="{26DF0AC7-7898-4CAF-8C74-9051912ABD73}" v="66" dt="2025-09-22T19:36:37.735"/>
-    <p1510:client id="{7D5089A3-B8F3-4495-8EC2-B25A10EF758C}" v="20" dt="2025-09-22T00:18:13.663"/>
+    <p1510:client id="{26DF0AC7-7898-4CAF-8C74-9051912ABD73}" v="90" dt="2025-09-23T02:40:28.480"/>
   </p1510:revLst>
 </p1510:revInfo>
 </file>
@@ -152,7 +153,7 @@
   <pc:docChgLst>
     <pc:chgData name="Zonghua Gu" userId="9a7e1853e1951ef5" providerId="LiveId" clId="{CF1FAA12-072C-4ED5-BA76-0FFFAEFDB88A}"/>
     <pc:docChg chg="undo custSel addSld delSld modSld">
-      <pc:chgData name="Zonghua Gu" userId="9a7e1853e1951ef5" providerId="LiveId" clId="{CF1FAA12-072C-4ED5-BA76-0FFFAEFDB88A}" dt="2025-09-22T19:38:04.649" v="819" actId="20577"/>
+      <pc:chgData name="Zonghua Gu" userId="9a7e1853e1951ef5" providerId="LiveId" clId="{CF1FAA12-072C-4ED5-BA76-0FFFAEFDB88A}" dt="2025-09-23T02:41:47.791" v="1178" actId="478"/>
       <pc:docMkLst>
         <pc:docMk/>
       </pc:docMkLst>
@@ -960,6 +961,139 @@
           </ac:graphicFrameMkLst>
         </pc:graphicFrameChg>
       </pc:sldChg>
+      <pc:sldChg chg="addSp delSp modSp new mod modNotes">
+        <pc:chgData name="Zonghua Gu" userId="9a7e1853e1951ef5" providerId="LiveId" clId="{CF1FAA12-072C-4ED5-BA76-0FFFAEFDB88A}" dt="2025-09-23T02:41:07.197" v="1176" actId="1076"/>
+        <pc:sldMkLst>
+          <pc:docMk/>
+          <pc:sldMk cId="4018749421" sldId="281"/>
+        </pc:sldMkLst>
+        <pc:spChg chg="mod">
+          <ac:chgData name="Zonghua Gu" userId="9a7e1853e1951ef5" providerId="LiveId" clId="{CF1FAA12-072C-4ED5-BA76-0FFFAEFDB88A}" dt="2025-09-23T02:35:25.491" v="1075"/>
+          <ac:spMkLst>
+            <pc:docMk/>
+            <pc:sldMk cId="4018749421" sldId="281"/>
+            <ac:spMk id="2" creationId="{9F91FAD6-E4B6-9B88-FA7A-9F38A7C51248}"/>
+          </ac:spMkLst>
+        </pc:spChg>
+        <pc:spChg chg="del mod">
+          <ac:chgData name="Zonghua Gu" userId="9a7e1853e1951ef5" providerId="LiveId" clId="{CF1FAA12-072C-4ED5-BA76-0FFFAEFDB88A}" dt="2025-09-23T02:22:10.232" v="839" actId="478"/>
+          <ac:spMkLst>
+            <pc:docMk/>
+            <pc:sldMk cId="4018749421" sldId="281"/>
+            <ac:spMk id="4" creationId="{5CD534CD-D4BC-44F4-6651-8462C9B8E10D}"/>
+          </ac:spMkLst>
+        </pc:spChg>
+        <pc:spChg chg="add mod">
+          <ac:chgData name="Zonghua Gu" userId="9a7e1853e1951ef5" providerId="LiveId" clId="{CF1FAA12-072C-4ED5-BA76-0FFFAEFDB88A}" dt="2025-09-23T02:41:07.197" v="1176" actId="1076"/>
+          <ac:spMkLst>
+            <pc:docMk/>
+            <pc:sldMk cId="4018749421" sldId="281"/>
+            <ac:spMk id="7" creationId="{A8877E1E-4738-45CE-9CC3-2C75B88FD72F}"/>
+          </ac:spMkLst>
+        </pc:spChg>
+        <pc:graphicFrameChg chg="add mod modGraphic">
+          <ac:chgData name="Zonghua Gu" userId="9a7e1853e1951ef5" providerId="LiveId" clId="{CF1FAA12-072C-4ED5-BA76-0FFFAEFDB88A}" dt="2025-09-23T02:23:22.820" v="911" actId="14100"/>
+          <ac:graphicFrameMkLst>
+            <pc:docMk/>
+            <pc:sldMk cId="4018749421" sldId="281"/>
+            <ac:graphicFrameMk id="5" creationId="{B1EBE5EF-493B-E11A-1B1D-CCABF51AA9D7}"/>
+          </ac:graphicFrameMkLst>
+        </pc:graphicFrameChg>
+        <pc:graphicFrameChg chg="add mod modGraphic">
+          <ac:chgData name="Zonghua Gu" userId="9a7e1853e1951ef5" providerId="LiveId" clId="{CF1FAA12-072C-4ED5-BA76-0FFFAEFDB88A}" dt="2025-09-23T02:34:06.941" v="1054" actId="14100"/>
+          <ac:graphicFrameMkLst>
+            <pc:docMk/>
+            <pc:sldMk cId="4018749421" sldId="281"/>
+            <ac:graphicFrameMk id="6" creationId="{441ADC90-ADB8-D7DD-0AC3-9F57EB29BD9E}"/>
+          </ac:graphicFrameMkLst>
+        </pc:graphicFrameChg>
+        <pc:graphicFrameChg chg="add mod modGraphic">
+          <ac:chgData name="Zonghua Gu" userId="9a7e1853e1951ef5" providerId="LiveId" clId="{CF1FAA12-072C-4ED5-BA76-0FFFAEFDB88A}" dt="2025-09-23T02:35:57.472" v="1095" actId="20577"/>
+          <ac:graphicFrameMkLst>
+            <pc:docMk/>
+            <pc:sldMk cId="4018749421" sldId="281"/>
+            <ac:graphicFrameMk id="8" creationId="{AA01F272-373C-24EF-CF3E-2DDED1980174}"/>
+          </ac:graphicFrameMkLst>
+        </pc:graphicFrameChg>
+      </pc:sldChg>
+      <pc:sldChg chg="addSp delSp modSp add mod modNotes">
+        <pc:chgData name="Zonghua Gu" userId="9a7e1853e1951ef5" providerId="LiveId" clId="{CF1FAA12-072C-4ED5-BA76-0FFFAEFDB88A}" dt="2025-09-23T02:41:47.791" v="1178" actId="478"/>
+        <pc:sldMkLst>
+          <pc:docMk/>
+          <pc:sldMk cId="623618619" sldId="282"/>
+        </pc:sldMkLst>
+        <pc:spChg chg="mod">
+          <ac:chgData name="Zonghua Gu" userId="9a7e1853e1951ef5" providerId="LiveId" clId="{CF1FAA12-072C-4ED5-BA76-0FFFAEFDB88A}" dt="2025-09-23T02:35:36.581" v="1081" actId="20577"/>
+          <ac:spMkLst>
+            <pc:docMk/>
+            <pc:sldMk cId="623618619" sldId="282"/>
+            <ac:spMk id="2" creationId="{25E58B75-95E0-2541-7E04-055CF0C60C5B}"/>
+          </ac:spMkLst>
+        </pc:spChg>
+        <pc:spChg chg="del">
+          <ac:chgData name="Zonghua Gu" userId="9a7e1853e1951ef5" providerId="LiveId" clId="{CF1FAA12-072C-4ED5-BA76-0FFFAEFDB88A}" dt="2025-09-23T02:41:10.070" v="1177" actId="478"/>
+          <ac:spMkLst>
+            <pc:docMk/>
+            <pc:sldMk cId="623618619" sldId="282"/>
+            <ac:spMk id="7" creationId="{69DFA021-B80F-320D-C327-C1CC0BE7FB00}"/>
+          </ac:spMkLst>
+        </pc:spChg>
+        <pc:spChg chg="add del mod">
+          <ac:chgData name="Zonghua Gu" userId="9a7e1853e1951ef5" providerId="LiveId" clId="{CF1FAA12-072C-4ED5-BA76-0FFFAEFDB88A}" dt="2025-09-23T02:41:47.791" v="1178" actId="478"/>
+          <ac:spMkLst>
+            <pc:docMk/>
+            <pc:sldMk cId="623618619" sldId="282"/>
+            <ac:spMk id="10" creationId="{41973CBB-45DB-609E-6176-6CAFA5AAC7AC}"/>
+          </ac:spMkLst>
+        </pc:spChg>
+        <pc:graphicFrameChg chg="add mod modGraphic">
+          <ac:chgData name="Zonghua Gu" userId="9a7e1853e1951ef5" providerId="LiveId" clId="{CF1FAA12-072C-4ED5-BA76-0FFFAEFDB88A}" dt="2025-09-23T02:40:41.243" v="1175" actId="6549"/>
+          <ac:graphicFrameMkLst>
+            <pc:docMk/>
+            <pc:sldMk cId="623618619" sldId="282"/>
+            <ac:graphicFrameMk id="4" creationId="{058C7988-0F62-036F-DDF3-1121F4620528}"/>
+          </ac:graphicFrameMkLst>
+        </pc:graphicFrameChg>
+        <pc:graphicFrameChg chg="del">
+          <ac:chgData name="Zonghua Gu" userId="9a7e1853e1951ef5" providerId="LiveId" clId="{CF1FAA12-072C-4ED5-BA76-0FFFAEFDB88A}" dt="2025-09-23T02:35:45.312" v="1082" actId="478"/>
+          <ac:graphicFrameMkLst>
+            <pc:docMk/>
+            <pc:sldMk cId="623618619" sldId="282"/>
+            <ac:graphicFrameMk id="5" creationId="{7B5F49DF-8C74-AA1D-7202-93CA4F3D15D3}"/>
+          </ac:graphicFrameMkLst>
+        </pc:graphicFrameChg>
+        <pc:graphicFrameChg chg="mod">
+          <ac:chgData name="Zonghua Gu" userId="9a7e1853e1951ef5" providerId="LiveId" clId="{CF1FAA12-072C-4ED5-BA76-0FFFAEFDB88A}" dt="2025-09-23T02:35:50.482" v="1083" actId="1076"/>
+          <ac:graphicFrameMkLst>
+            <pc:docMk/>
+            <pc:sldMk cId="623618619" sldId="282"/>
+            <ac:graphicFrameMk id="6" creationId="{CC203EDA-BA4D-8B0A-42B8-FE11C464F19D}"/>
+          </ac:graphicFrameMkLst>
+        </pc:graphicFrameChg>
+        <pc:graphicFrameChg chg="del">
+          <ac:chgData name="Zonghua Gu" userId="9a7e1853e1951ef5" providerId="LiveId" clId="{CF1FAA12-072C-4ED5-BA76-0FFFAEFDB88A}" dt="2025-09-23T02:36:17.601" v="1099" actId="478"/>
+          <ac:graphicFrameMkLst>
+            <pc:docMk/>
+            <pc:sldMk cId="623618619" sldId="282"/>
+            <ac:graphicFrameMk id="8" creationId="{91EDDF68-3421-266E-768C-7C650A8A4438}"/>
+          </ac:graphicFrameMkLst>
+        </pc:graphicFrameChg>
+      </pc:sldChg>
+      <pc:sldChg chg="modSp new del mod">
+        <pc:chgData name="Zonghua Gu" userId="9a7e1853e1951ef5" providerId="LiveId" clId="{CF1FAA12-072C-4ED5-BA76-0FFFAEFDB88A}" dt="2025-09-23T02:35:32.497" v="1076" actId="47"/>
+        <pc:sldMkLst>
+          <pc:docMk/>
+          <pc:sldMk cId="1063931100" sldId="282"/>
+        </pc:sldMkLst>
+        <pc:spChg chg="mod">
+          <ac:chgData name="Zonghua Gu" userId="9a7e1853e1951ef5" providerId="LiveId" clId="{CF1FAA12-072C-4ED5-BA76-0FFFAEFDB88A}" dt="2025-09-23T02:29:33.042" v="1032" actId="20577"/>
+          <ac:spMkLst>
+            <pc:docMk/>
+            <pc:sldMk cId="1063931100" sldId="282"/>
+            <ac:spMk id="4" creationId="{152BA667-EB09-4802-7AD7-705B8572BEBC}"/>
+          </ac:spMkLst>
+        </pc:spChg>
+      </pc:sldChg>
       <pc:sldChg chg="del">
         <pc:chgData name="Zonghua Gu" userId="9a7e1853e1951ef5" providerId="LiveId" clId="{CF1FAA12-072C-4ED5-BA76-0FFFAEFDB88A}" dt="2025-09-22T00:19:08.642" v="112" actId="47"/>
         <pc:sldMkLst>
@@ -1171,14 +1305,6 @@
           <pc:docMk/>
           <pc:sldMk cId="4257716461" sldId="367"/>
         </pc:sldMkLst>
-        <pc:spChg chg="mod">
-          <ac:chgData name="Zonghua Gu" userId="9a7e1853e1951ef5" providerId="LiveId" clId="{CF1FAA12-072C-4ED5-BA76-0FFFAEFDB88A}" dt="2025-09-21T23:16:00.969" v="32" actId="20577"/>
-          <ac:spMkLst>
-            <pc:docMk/>
-            <pc:sldMk cId="4257716461" sldId="367"/>
-            <ac:spMk id="23" creationId="{00000000-0000-0000-0000-000000000000}"/>
-          </ac:spMkLst>
-        </pc:spChg>
       </pc:sldChg>
       <pc:sldChg chg="del">
         <pc:chgData name="Zonghua Gu" userId="9a7e1853e1951ef5" providerId="LiveId" clId="{CF1FAA12-072C-4ED5-BA76-0FFFAEFDB88A}" dt="2025-09-22T00:19:08.642" v="112" actId="47"/>
@@ -1234,22 +1360,6 @@
             <pc:docMk/>
             <pc:sldMk cId="75619375" sldId="374"/>
             <ac:spMk id="2" creationId="{8C466A76-CD50-3559-3AEE-C44E77FF3255}"/>
-          </ac:spMkLst>
-        </pc:spChg>
-        <pc:spChg chg="del">
-          <ac:chgData name="Zonghua Gu" userId="9a7e1853e1951ef5" providerId="LiveId" clId="{CF1FAA12-072C-4ED5-BA76-0FFFAEFDB88A}" dt="2025-09-21T23:58:36.972" v="35" actId="478"/>
-          <ac:spMkLst>
-            <pc:docMk/>
-            <pc:sldMk cId="75619375" sldId="374"/>
-            <ac:spMk id="4" creationId="{08D7B31D-E1B8-23BC-A619-1658CF7B3495}"/>
-          </ac:spMkLst>
-        </pc:spChg>
-        <pc:spChg chg="add mod">
-          <ac:chgData name="Zonghua Gu" userId="9a7e1853e1951ef5" providerId="LiveId" clId="{CF1FAA12-072C-4ED5-BA76-0FFFAEFDB88A}" dt="2025-09-21T23:58:34.795" v="34"/>
-          <ac:spMkLst>
-            <pc:docMk/>
-            <pc:sldMk cId="75619375" sldId="374"/>
-            <ac:spMk id="5" creationId="{CD6C1BE6-2C21-95BE-94CA-D474C4F38191}"/>
           </ac:spMkLst>
         </pc:spChg>
         <pc:spChg chg="add mod">
@@ -2159,6 +2269,436 @@
     <p:extLst>
       <p:ext uri="{BB962C8B-B14F-4D97-AF65-F5344CB8AC3E}">
         <p14:creationId xmlns:p14="http://schemas.microsoft.com/office/powerpoint/2010/main" val="1104558044"/>
+      </p:ext>
+    </p:extLst>
+  </p:cSld>
+  <p:clrMapOvr>
+    <a:masterClrMapping/>
+  </p:clrMapOvr>
+</p:notes>
+</file>
+
+<file path=ppt/notesSlides/notesSlide2.xml><?xml version="1.0" encoding="utf-8"?>
+<p:notes xmlns:a="http://schemas.openxmlformats.org/drawingml/2006/main" xmlns:r="http://schemas.openxmlformats.org/officeDocument/2006/relationships" xmlns:p="http://schemas.openxmlformats.org/presentationml/2006/main">
+  <p:cSld>
+    <p:spTree>
+      <p:nvGrpSpPr>
+        <p:cNvPr id="1" name=""/>
+        <p:cNvGrpSpPr/>
+        <p:nvPr/>
+      </p:nvGrpSpPr>
+      <p:grpSpPr>
+        <a:xfrm>
+          <a:off x="0" y="0"/>
+          <a:ext cx="0" cy="0"/>
+          <a:chOff x="0" y="0"/>
+          <a:chExt cx="0" cy="0"/>
+        </a:xfrm>
+      </p:grpSpPr>
+      <p:sp>
+        <p:nvSpPr>
+          <p:cNvPr id="2" name="Slide Image Placeholder 1"/>
+          <p:cNvSpPr>
+            <a:spLocks noGrp="1" noRot="1" noChangeAspect="1"/>
+          </p:cNvSpPr>
+          <p:nvPr>
+            <p:ph type="sldImg"/>
+          </p:nvPr>
+        </p:nvSpPr>
+        <p:spPr/>
+      </p:sp>
+      <p:sp>
+        <p:nvSpPr>
+          <p:cNvPr id="3" name="Notes Placeholder 2"/>
+          <p:cNvSpPr>
+            <a:spLocks noGrp="1"/>
+          </p:cNvSpPr>
+          <p:nvPr>
+            <p:ph type="body" idx="1"/>
+          </p:nvPr>
+        </p:nvSpPr>
+        <p:spPr/>
+        <p:txBody>
+          <a:bodyPr/>
+          <a:lstStyle/>
+          <a:p>
+            <a:r>
+              <a:rPr lang="en-US" dirty="0"/>
+              <a:t> @ int mystery2(int c)</a:t>
+            </a:r>
+          </a:p>
+          <a:p>
+            <a:r>
+              <a:rPr lang="en-US" dirty="0"/>
+              <a:t>    @ r0: c  -&gt; returns r0</a:t>
+            </a:r>
+          </a:p>
+          <a:p>
+            <a:endParaRPr lang="en-US" dirty="0"/>
+          </a:p>
+          <a:p>
+            <a:r>
+              <a:rPr lang="en-US" dirty="0"/>
+              <a:t>    .text</a:t>
+            </a:r>
+          </a:p>
+          <a:p>
+            <a:r>
+              <a:rPr lang="en-US" dirty="0"/>
+              <a:t>    .align 2</a:t>
+            </a:r>
+          </a:p>
+          <a:p>
+            <a:r>
+              <a:rPr lang="en-US" dirty="0"/>
+              <a:t>    .global mystery2</a:t>
+            </a:r>
+          </a:p>
+          <a:p>
+            <a:r>
+              <a:rPr lang="en-US" dirty="0"/>
+              <a:t>mystery2:</a:t>
+            </a:r>
+          </a:p>
+          <a:p>
+            <a:r>
+              <a:rPr lang="en-US" dirty="0"/>
+              <a:t>    </a:t>
+            </a:r>
+            <a:r>
+              <a:rPr lang="en-US" dirty="0" err="1"/>
+              <a:t>cmp</a:t>
+            </a:r>
+            <a:r>
+              <a:rPr lang="en-US" dirty="0"/>
+              <a:t>     r0, #'A'                @ c ? 'A'</a:t>
+            </a:r>
+          </a:p>
+          <a:p>
+            <a:r>
+              <a:rPr lang="en-US" dirty="0"/>
+              <a:t>    </a:t>
+            </a:r>
+            <a:r>
+              <a:rPr lang="en-US" dirty="0" err="1"/>
+              <a:t>blt</a:t>
+            </a:r>
+            <a:r>
+              <a:rPr lang="en-US" dirty="0"/>
+              <a:t>     1f                      @ if c &lt; 'A' -&gt; skip add</a:t>
+            </a:r>
+          </a:p>
+          <a:p>
+            <a:r>
+              <a:rPr lang="en-US" dirty="0"/>
+              <a:t>    </a:t>
+            </a:r>
+            <a:r>
+              <a:rPr lang="en-US" dirty="0" err="1"/>
+              <a:t>cmp</a:t>
+            </a:r>
+            <a:r>
+              <a:rPr lang="en-US" dirty="0"/>
+              <a:t>     r0, #'Z'                @ c ? 'Z'</a:t>
+            </a:r>
+          </a:p>
+          <a:p>
+            <a:r>
+              <a:rPr lang="en-US" dirty="0"/>
+              <a:t>    </a:t>
+            </a:r>
+            <a:r>
+              <a:rPr lang="en-US" dirty="0" err="1"/>
+              <a:t>bgt</a:t>
+            </a:r>
+            <a:r>
+              <a:rPr lang="en-US" dirty="0"/>
+              <a:t>     1f                      @ if c &gt; 'Z' -&gt; skip add</a:t>
+            </a:r>
+          </a:p>
+          <a:p>
+            <a:r>
+              <a:rPr lang="en-US" dirty="0"/>
+              <a:t>    add     r0, r0, #('a' - 'A')    @ c += 32 (ASCII delta)</a:t>
+            </a:r>
+          </a:p>
+          <a:p>
+            <a:r>
+              <a:rPr lang="en-US" dirty="0"/>
+              <a:t>1:</a:t>
+            </a:r>
+          </a:p>
+          <a:p>
+            <a:r>
+              <a:rPr lang="en-US" dirty="0"/>
+              <a:t>    bx      </a:t>
+            </a:r>
+            <a:r>
+              <a:rPr lang="en-US" dirty="0" err="1"/>
+              <a:t>lr</a:t>
+            </a:r>
+            <a:r>
+              <a:rPr lang="en-US" dirty="0"/>
+              <a:t>                      @ return c (possibly adjusted)</a:t>
+            </a:r>
+          </a:p>
+        </p:txBody>
+      </p:sp>
+      <p:sp>
+        <p:nvSpPr>
+          <p:cNvPr id="4" name="Slide Number Placeholder 3"/>
+          <p:cNvSpPr>
+            <a:spLocks noGrp="1"/>
+          </p:cNvSpPr>
+          <p:nvPr>
+            <p:ph type="sldNum" sz="quarter" idx="5"/>
+          </p:nvPr>
+        </p:nvSpPr>
+        <p:spPr/>
+        <p:txBody>
+          <a:bodyPr/>
+          <a:lstStyle/>
+          <a:p>
+            <a:fld id="{D46F4F04-2BB1-473A-9274-1B455085D21A}" type="slidenum">
+              <a:rPr lang="en-US" smtClean="0"/>
+              <a:pPr/>
+              <a:t>11</a:t>
+            </a:fld>
+            <a:endParaRPr lang="en-US"/>
+          </a:p>
+        </p:txBody>
+      </p:sp>
+    </p:spTree>
+    <p:extLst>
+      <p:ext uri="{BB962C8B-B14F-4D97-AF65-F5344CB8AC3E}">
+        <p14:creationId xmlns:p14="http://schemas.microsoft.com/office/powerpoint/2010/main" val="388830642"/>
+      </p:ext>
+    </p:extLst>
+  </p:cSld>
+  <p:clrMapOvr>
+    <a:masterClrMapping/>
+  </p:clrMapOvr>
+</p:notes>
+</file>
+
+<file path=ppt/notesSlides/notesSlide3.xml><?xml version="1.0" encoding="utf-8"?>
+<p:notes xmlns:a="http://schemas.openxmlformats.org/drawingml/2006/main" xmlns:r="http://schemas.openxmlformats.org/officeDocument/2006/relationships" xmlns:p="http://schemas.openxmlformats.org/presentationml/2006/main">
+  <p:cSld>
+    <p:spTree>
+      <p:nvGrpSpPr>
+        <p:cNvPr id="1" name="">
+          <a:extLst>
+            <a:ext uri="{FF2B5EF4-FFF2-40B4-BE49-F238E27FC236}">
+              <a16:creationId xmlns:a16="http://schemas.microsoft.com/office/drawing/2014/main" id="{37150F2D-B710-7C2B-F932-9CA73BD177B8}"/>
+            </a:ext>
+          </a:extLst>
+        </p:cNvPr>
+        <p:cNvGrpSpPr/>
+        <p:nvPr/>
+      </p:nvGrpSpPr>
+      <p:grpSpPr>
+        <a:xfrm>
+          <a:off x="0" y="0"/>
+          <a:ext cx="0" cy="0"/>
+          <a:chOff x="0" y="0"/>
+          <a:chExt cx="0" cy="0"/>
+        </a:xfrm>
+      </p:grpSpPr>
+      <p:sp>
+        <p:nvSpPr>
+          <p:cNvPr id="2" name="Slide Image Placeholder 1">
+            <a:extLst>
+              <a:ext uri="{FF2B5EF4-FFF2-40B4-BE49-F238E27FC236}">
+                <a16:creationId xmlns:a16="http://schemas.microsoft.com/office/drawing/2014/main" id="{8E32C7E1-AE8A-FAD0-696A-6424492F1A96}"/>
+              </a:ext>
+            </a:extLst>
+          </p:cNvPr>
+          <p:cNvSpPr>
+            <a:spLocks noGrp="1" noRot="1" noChangeAspect="1"/>
+          </p:cNvSpPr>
+          <p:nvPr>
+            <p:ph type="sldImg"/>
+          </p:nvPr>
+        </p:nvSpPr>
+        <p:spPr/>
+      </p:sp>
+      <p:sp>
+        <p:nvSpPr>
+          <p:cNvPr id="3" name="Notes Placeholder 2">
+            <a:extLst>
+              <a:ext uri="{FF2B5EF4-FFF2-40B4-BE49-F238E27FC236}">
+                <a16:creationId xmlns:a16="http://schemas.microsoft.com/office/drawing/2014/main" id="{23F8D7F5-51E1-6057-8428-AB4BEC5BD9BA}"/>
+              </a:ext>
+            </a:extLst>
+          </p:cNvPr>
+          <p:cNvSpPr>
+            <a:spLocks noGrp="1"/>
+          </p:cNvSpPr>
+          <p:nvPr>
+            <p:ph type="body" idx="1"/>
+          </p:nvPr>
+        </p:nvSpPr>
+        <p:spPr/>
+        <p:txBody>
+          <a:bodyPr/>
+          <a:lstStyle/>
+          <a:p>
+            <a:r>
+              <a:rPr lang="en-US" dirty="0"/>
+              <a:t> @ int mystery2(int c)</a:t>
+            </a:r>
+          </a:p>
+          <a:p>
+            <a:r>
+              <a:rPr lang="en-US" dirty="0"/>
+              <a:t>    @ r0: c  -&gt; returns r0</a:t>
+            </a:r>
+          </a:p>
+          <a:p>
+            <a:endParaRPr lang="en-US" dirty="0"/>
+          </a:p>
+          <a:p>
+            <a:r>
+              <a:rPr lang="en-US" dirty="0"/>
+              <a:t>    .text</a:t>
+            </a:r>
+          </a:p>
+          <a:p>
+            <a:r>
+              <a:rPr lang="en-US" dirty="0"/>
+              <a:t>    .align 2</a:t>
+            </a:r>
+          </a:p>
+          <a:p>
+            <a:r>
+              <a:rPr lang="en-US" dirty="0"/>
+              <a:t>    .global mystery2</a:t>
+            </a:r>
+          </a:p>
+          <a:p>
+            <a:r>
+              <a:rPr lang="en-US" dirty="0"/>
+              <a:t>mystery2:</a:t>
+            </a:r>
+          </a:p>
+          <a:p>
+            <a:r>
+              <a:rPr lang="en-US" dirty="0"/>
+              <a:t>    </a:t>
+            </a:r>
+            <a:r>
+              <a:rPr lang="en-US" dirty="0" err="1"/>
+              <a:t>cmp</a:t>
+            </a:r>
+            <a:r>
+              <a:rPr lang="en-US" dirty="0"/>
+              <a:t>     r0, #'A'                @ c ? 'A'</a:t>
+            </a:r>
+          </a:p>
+          <a:p>
+            <a:r>
+              <a:rPr lang="en-US" dirty="0"/>
+              <a:t>    </a:t>
+            </a:r>
+            <a:r>
+              <a:rPr lang="en-US" dirty="0" err="1"/>
+              <a:t>blt</a:t>
+            </a:r>
+            <a:r>
+              <a:rPr lang="en-US" dirty="0"/>
+              <a:t>     1f                      @ if c &lt; 'A' -&gt; skip add</a:t>
+            </a:r>
+          </a:p>
+          <a:p>
+            <a:r>
+              <a:rPr lang="en-US" dirty="0"/>
+              <a:t>    </a:t>
+            </a:r>
+            <a:r>
+              <a:rPr lang="en-US" dirty="0" err="1"/>
+              <a:t>cmp</a:t>
+            </a:r>
+            <a:r>
+              <a:rPr lang="en-US" dirty="0"/>
+              <a:t>     r0, #'Z'                @ c ? 'Z'</a:t>
+            </a:r>
+          </a:p>
+          <a:p>
+            <a:r>
+              <a:rPr lang="en-US" dirty="0"/>
+              <a:t>    </a:t>
+            </a:r>
+            <a:r>
+              <a:rPr lang="en-US" dirty="0" err="1"/>
+              <a:t>bgt</a:t>
+            </a:r>
+            <a:r>
+              <a:rPr lang="en-US" dirty="0"/>
+              <a:t>     1f                      @ if c &gt; 'Z' -&gt; skip add</a:t>
+            </a:r>
+          </a:p>
+          <a:p>
+            <a:r>
+              <a:rPr lang="en-US" dirty="0"/>
+              <a:t>    add     r0, r0, #('a' - 'A')    @ c += 32 (ASCII delta)</a:t>
+            </a:r>
+          </a:p>
+          <a:p>
+            <a:r>
+              <a:rPr lang="en-US" dirty="0"/>
+              <a:t>1:</a:t>
+            </a:r>
+          </a:p>
+          <a:p>
+            <a:r>
+              <a:rPr lang="en-US" dirty="0"/>
+              <a:t>    bx      </a:t>
+            </a:r>
+            <a:r>
+              <a:rPr lang="en-US" dirty="0" err="1"/>
+              <a:t>lr</a:t>
+            </a:r>
+            <a:r>
+              <a:rPr lang="en-US" dirty="0"/>
+              <a:t>                      @ return c (possibly adjusted)</a:t>
+            </a:r>
+          </a:p>
+        </p:txBody>
+      </p:sp>
+      <p:sp>
+        <p:nvSpPr>
+          <p:cNvPr id="4" name="Slide Number Placeholder 3">
+            <a:extLst>
+              <a:ext uri="{FF2B5EF4-FFF2-40B4-BE49-F238E27FC236}">
+                <a16:creationId xmlns:a16="http://schemas.microsoft.com/office/drawing/2014/main" id="{AA788E4B-BC69-55C9-4689-173165A5E7DA}"/>
+              </a:ext>
+            </a:extLst>
+          </p:cNvPr>
+          <p:cNvSpPr>
+            <a:spLocks noGrp="1"/>
+          </p:cNvSpPr>
+          <p:nvPr>
+            <p:ph type="sldNum" sz="quarter" idx="5"/>
+          </p:nvPr>
+        </p:nvSpPr>
+        <p:spPr/>
+        <p:txBody>
+          <a:bodyPr/>
+          <a:lstStyle/>
+          <a:p>
+            <a:fld id="{D46F4F04-2BB1-473A-9274-1B455085D21A}" type="slidenum">
+              <a:rPr lang="en-US" smtClean="0"/>
+              <a:pPr/>
+              <a:t>12</a:t>
+            </a:fld>
+            <a:endParaRPr lang="en-US"/>
+          </a:p>
+        </p:txBody>
+      </p:sp>
+    </p:spTree>
+    <p:extLst>
+      <p:ext uri="{BB962C8B-B14F-4D97-AF65-F5344CB8AC3E}">
+        <p14:creationId xmlns:p14="http://schemas.microsoft.com/office/powerpoint/2010/main" val="1972380797"/>
       </p:ext>
     </p:extLst>
   </p:cSld>
@@ -6896,6 +7436,2707 @@
     <p:extLst>
       <p:ext uri="{BB962C8B-B14F-4D97-AF65-F5344CB8AC3E}">
         <p14:creationId xmlns:p14="http://schemas.microsoft.com/office/powerpoint/2010/main" val="1814278120"/>
+      </p:ext>
+    </p:extLst>
+  </p:cSld>
+  <p:clrMapOvr>
+    <a:masterClrMapping/>
+  </p:clrMapOvr>
+</p:sld>
+</file>
+
+<file path=ppt/slides/slide11.xml><?xml version="1.0" encoding="utf-8"?>
+<p:sld xmlns:a="http://schemas.openxmlformats.org/drawingml/2006/main" xmlns:r="http://schemas.openxmlformats.org/officeDocument/2006/relationships" xmlns:p="http://schemas.openxmlformats.org/presentationml/2006/main">
+  <p:cSld>
+    <p:spTree>
+      <p:nvGrpSpPr>
+        <p:cNvPr id="1" name=""/>
+        <p:cNvGrpSpPr/>
+        <p:nvPr/>
+      </p:nvGrpSpPr>
+      <p:grpSpPr>
+        <a:xfrm>
+          <a:off x="0" y="0"/>
+          <a:ext cx="0" cy="0"/>
+          <a:chOff x="0" y="0"/>
+          <a:chExt cx="0" cy="0"/>
+        </a:xfrm>
+      </p:grpSpPr>
+      <p:sp>
+        <p:nvSpPr>
+          <p:cNvPr id="2" name="Title 1">
+            <a:extLst>
+              <a:ext uri="{FF2B5EF4-FFF2-40B4-BE49-F238E27FC236}">
+                <a16:creationId xmlns:a16="http://schemas.microsoft.com/office/drawing/2014/main" id="{9F91FAD6-E4B6-9B88-FA7A-9F38A7C51248}"/>
+              </a:ext>
+            </a:extLst>
+          </p:cNvPr>
+          <p:cNvSpPr>
+            <a:spLocks noGrp="1"/>
+          </p:cNvSpPr>
+          <p:nvPr>
+            <p:ph type="title"/>
+          </p:nvPr>
+        </p:nvSpPr>
+        <p:spPr/>
+        <p:txBody>
+          <a:bodyPr/>
+          <a:lstStyle/>
+          <a:p>
+            <a:r>
+              <a:rPr lang="en-US" dirty="0" err="1"/>
+              <a:t>toLower</a:t>
+            </a:r>
+            <a:endParaRPr lang="en-US" dirty="0"/>
+          </a:p>
+        </p:txBody>
+      </p:sp>
+      <p:sp>
+        <p:nvSpPr>
+          <p:cNvPr id="3" name="Slide Number Placeholder 2">
+            <a:extLst>
+              <a:ext uri="{FF2B5EF4-FFF2-40B4-BE49-F238E27FC236}">
+                <a16:creationId xmlns:a16="http://schemas.microsoft.com/office/drawing/2014/main" id="{406B6A81-95A1-E1AF-809E-6F8C58EA574E}"/>
+              </a:ext>
+            </a:extLst>
+          </p:cNvPr>
+          <p:cNvSpPr>
+            <a:spLocks noGrp="1"/>
+          </p:cNvSpPr>
+          <p:nvPr>
+            <p:ph type="sldNum" sz="quarter" idx="12"/>
+          </p:nvPr>
+        </p:nvSpPr>
+        <p:spPr/>
+        <p:txBody>
+          <a:bodyPr/>
+          <a:lstStyle/>
+          <a:p>
+            <a:fld id="{EA7C8D44-3667-46F6-9772-CC52308E2A7F}" type="slidenum">
+              <a:rPr kumimoji="0" lang="en-US" smtClean="0"/>
+              <a:pPr/>
+              <a:t>11</a:t>
+            </a:fld>
+            <a:endParaRPr kumimoji="0" lang="en-US" dirty="0"/>
+          </a:p>
+        </p:txBody>
+      </p:sp>
+      <p:graphicFrame>
+        <p:nvGraphicFramePr>
+          <p:cNvPr id="5" name="Table 4">
+            <a:extLst>
+              <a:ext uri="{FF2B5EF4-FFF2-40B4-BE49-F238E27FC236}">
+                <a16:creationId xmlns:a16="http://schemas.microsoft.com/office/drawing/2014/main" id="{B1EBE5EF-493B-E11A-1B1D-CCABF51AA9D7}"/>
+              </a:ext>
+            </a:extLst>
+          </p:cNvPr>
+          <p:cNvGraphicFramePr>
+            <a:graphicFrameLocks noGrp="1"/>
+          </p:cNvGraphicFramePr>
+          <p:nvPr>
+            <p:extLst>
+              <p:ext uri="{D42A27DB-BD31-4B8C-83A1-F6EECF244321}">
+                <p14:modId xmlns:p14="http://schemas.microsoft.com/office/powerpoint/2010/main" val="678379025"/>
+              </p:ext>
+            </p:extLst>
+          </p:nvPr>
+        </p:nvGraphicFramePr>
+        <p:xfrm>
+          <a:off x="228600" y="1385857"/>
+          <a:ext cx="4800600" cy="4693920"/>
+        </p:xfrm>
+        <a:graphic>
+          <a:graphicData uri="http://schemas.openxmlformats.org/drawingml/2006/table">
+            <a:tbl>
+              <a:tblPr firstRow="1" firstCol="1" bandRow="1">
+                <a:tableStyleId>{5940675A-B579-460E-94D1-54222C63F5DA}</a:tableStyleId>
+              </a:tblPr>
+              <a:tblGrid>
+                <a:gridCol w="4800600">
+                  <a:extLst>
+                    <a:ext uri="{9D8B030D-6E8A-4147-A177-3AD203B41FA5}">
+                      <a16:colId xmlns:a16="http://schemas.microsoft.com/office/drawing/2014/main" val="20000"/>
+                    </a:ext>
+                  </a:extLst>
+                </a:gridCol>
+              </a:tblGrid>
+              <a:tr h="175619">
+                <a:tc>
+                  <a:txBody>
+                    <a:bodyPr/>
+                    <a:lstStyle/>
+                    <a:p>
+                      <a:pPr marL="0" marR="0" algn="l">
+                        <a:spcBef>
+                          <a:spcPts val="0"/>
+                        </a:spcBef>
+                        <a:spcAft>
+                          <a:spcPts val="0"/>
+                        </a:spcAft>
+                      </a:pPr>
+                      <a:r>
+                        <a:rPr lang="en-US" sz="1400" b="1" dirty="0">
+                          <a:solidFill>
+                            <a:schemeClr val="bg1"/>
+                          </a:solidFill>
+                          <a:effectLst/>
+                          <a:latin typeface="Consolas" panose="020B0609020204030204" pitchFamily="49" charset="0"/>
+                          <a:cs typeface="Consolas" panose="020B0609020204030204" pitchFamily="49" charset="0"/>
+                        </a:rPr>
+                        <a:t>Caller Program</a:t>
+                      </a:r>
+                      <a:endParaRPr lang="en-US" sz="1400" b="1" dirty="0">
+                        <a:solidFill>
+                          <a:schemeClr val="bg1"/>
+                        </a:solidFill>
+                        <a:effectLst/>
+                        <a:latin typeface="Consolas" panose="020B0609020204030204" pitchFamily="49" charset="0"/>
+                        <a:ea typeface="宋体"/>
+                        <a:cs typeface="Consolas" panose="020B0609020204030204" pitchFamily="49" charset="0"/>
+                      </a:endParaRPr>
+                    </a:p>
+                  </a:txBody>
+                  <a:tcPr marL="68580" marR="68580" marT="0" marB="0">
+                    <a:solidFill>
+                      <a:schemeClr val="accent1"/>
+                    </a:solidFill>
+                  </a:tcPr>
+                </a:tc>
+                <a:extLst>
+                  <a:ext uri="{0D108BD9-81ED-4DB2-BD59-A6C34878D82A}">
+                    <a16:rowId xmlns:a16="http://schemas.microsoft.com/office/drawing/2014/main" val="10000"/>
+                  </a:ext>
+                </a:extLst>
+              </a:tr>
+              <a:tr h="1805581">
+                <a:tc>
+                  <a:txBody>
+                    <a:bodyPr/>
+                    <a:lstStyle/>
+                    <a:p>
+                      <a:r>
+                        <a:rPr kumimoji="0" lang="en-US" sz="1400" b="0" i="0" kern="1200" dirty="0">
+                          <a:solidFill>
+                            <a:schemeClr val="tx1"/>
+                          </a:solidFill>
+                          <a:effectLst/>
+                          <a:latin typeface="Consolas" panose="020B0609020204030204" pitchFamily="49" charset="0"/>
+                          <a:ea typeface="+mn-ea"/>
+                          <a:cs typeface="+mn-cs"/>
+                        </a:rPr>
+                        <a:t>#include &lt;</a:t>
+                      </a:r>
+                      <a:r>
+                        <a:rPr kumimoji="0" lang="en-US" sz="1400" b="0" i="0" kern="1200" dirty="0" err="1">
+                          <a:solidFill>
+                            <a:schemeClr val="tx1"/>
+                          </a:solidFill>
+                          <a:effectLst/>
+                          <a:latin typeface="Consolas" panose="020B0609020204030204" pitchFamily="49" charset="0"/>
+                          <a:ea typeface="+mn-ea"/>
+                          <a:cs typeface="+mn-cs"/>
+                        </a:rPr>
+                        <a:t>stdio.h</a:t>
+                      </a:r>
+                      <a:r>
+                        <a:rPr kumimoji="0" lang="en-US" sz="1400" b="0" i="0" kern="1200" dirty="0">
+                          <a:solidFill>
+                            <a:schemeClr val="tx1"/>
+                          </a:solidFill>
+                          <a:effectLst/>
+                          <a:latin typeface="Consolas" panose="020B0609020204030204" pitchFamily="49" charset="0"/>
+                          <a:ea typeface="+mn-ea"/>
+                          <a:cs typeface="+mn-cs"/>
+                        </a:rPr>
+                        <a:t>&gt;</a:t>
+                      </a:r>
+                    </a:p>
+                    <a:p>
+                      <a:endParaRPr kumimoji="0" lang="en-US" sz="1400" b="0" i="0" kern="1200" dirty="0">
+                        <a:solidFill>
+                          <a:schemeClr val="tx1"/>
+                        </a:solidFill>
+                        <a:effectLst/>
+                        <a:latin typeface="Consolas" panose="020B0609020204030204" pitchFamily="49" charset="0"/>
+                        <a:ea typeface="+mn-ea"/>
+                        <a:cs typeface="+mn-cs"/>
+                      </a:endParaRPr>
+                    </a:p>
+                    <a:p>
+                      <a:r>
+                        <a:rPr kumimoji="0" lang="en-US" sz="1400" b="1" i="0" kern="1200" dirty="0">
+                          <a:solidFill>
+                            <a:schemeClr val="tx1"/>
+                          </a:solidFill>
+                          <a:effectLst/>
+                          <a:latin typeface="Consolas" panose="020B0609020204030204" pitchFamily="49" charset="0"/>
+                          <a:ea typeface="+mn-ea"/>
+                          <a:cs typeface="+mn-cs"/>
+                        </a:rPr>
+                        <a:t>extern</a:t>
+                      </a:r>
+                      <a:r>
+                        <a:rPr kumimoji="0" lang="en-US" sz="1400" b="0" i="0" kern="1200" dirty="0">
+                          <a:solidFill>
+                            <a:schemeClr val="tx1"/>
+                          </a:solidFill>
+                          <a:effectLst/>
+                          <a:latin typeface="Consolas" panose="020B0609020204030204" pitchFamily="49" charset="0"/>
+                          <a:ea typeface="+mn-ea"/>
+                          <a:cs typeface="+mn-cs"/>
+                        </a:rPr>
+                        <a:t> </a:t>
+                      </a:r>
+                      <a:r>
+                        <a:rPr kumimoji="0" lang="en-US" sz="1400" b="1" i="0" kern="1200" dirty="0">
+                          <a:solidFill>
+                            <a:schemeClr val="tx1"/>
+                          </a:solidFill>
+                          <a:effectLst/>
+                          <a:latin typeface="Consolas" panose="020B0609020204030204" pitchFamily="49" charset="0"/>
+                          <a:ea typeface="+mn-ea"/>
+                          <a:cs typeface="+mn-cs"/>
+                        </a:rPr>
+                        <a:t>int</a:t>
+                      </a:r>
+                      <a:r>
+                        <a:rPr kumimoji="0" lang="en-US" sz="1400" b="0" i="0" kern="1200" dirty="0">
+                          <a:solidFill>
+                            <a:schemeClr val="tx1"/>
+                          </a:solidFill>
+                          <a:effectLst/>
+                          <a:latin typeface="Consolas" panose="020B0609020204030204" pitchFamily="49" charset="0"/>
+                          <a:ea typeface="+mn-ea"/>
+                          <a:cs typeface="+mn-cs"/>
+                        </a:rPr>
+                        <a:t> mystery(</a:t>
+                      </a:r>
+                      <a:r>
+                        <a:rPr kumimoji="0" lang="en-US" sz="1400" b="1" i="0" kern="1200" dirty="0">
+                          <a:solidFill>
+                            <a:schemeClr val="tx1"/>
+                          </a:solidFill>
+                          <a:effectLst/>
+                          <a:latin typeface="Consolas" panose="020B0609020204030204" pitchFamily="49" charset="0"/>
+                          <a:ea typeface="+mn-ea"/>
+                          <a:cs typeface="+mn-cs"/>
+                        </a:rPr>
+                        <a:t>int</a:t>
+                      </a:r>
+                      <a:r>
+                        <a:rPr kumimoji="0" lang="en-US" sz="1400" b="0" i="0" kern="1200" dirty="0">
+                          <a:solidFill>
+                            <a:schemeClr val="tx1"/>
+                          </a:solidFill>
+                          <a:effectLst/>
+                          <a:latin typeface="Consolas" panose="020B0609020204030204" pitchFamily="49" charset="0"/>
+                          <a:ea typeface="+mn-ea"/>
+                          <a:cs typeface="+mn-cs"/>
+                        </a:rPr>
+                        <a:t>); </a:t>
+                      </a:r>
+                      <a:r>
+                        <a:rPr kumimoji="0" lang="en-US" sz="1400" b="0" i="1" kern="1200" dirty="0">
+                          <a:solidFill>
+                            <a:schemeClr val="tx1"/>
+                          </a:solidFill>
+                          <a:effectLst/>
+                          <a:latin typeface="Consolas" panose="020B0609020204030204" pitchFamily="49" charset="0"/>
+                          <a:ea typeface="+mn-ea"/>
+                          <a:cs typeface="+mn-cs"/>
+                        </a:rPr>
+                        <a:t>/* mystery assembler routine */</a:t>
+                      </a:r>
+                      <a:endParaRPr kumimoji="0" lang="en-US" sz="1400" b="0" i="0" kern="1200" dirty="0">
+                        <a:solidFill>
+                          <a:schemeClr val="tx1"/>
+                        </a:solidFill>
+                        <a:effectLst/>
+                        <a:latin typeface="Consolas" panose="020B0609020204030204" pitchFamily="49" charset="0"/>
+                        <a:ea typeface="+mn-ea"/>
+                        <a:cs typeface="+mn-cs"/>
+                      </a:endParaRPr>
+                    </a:p>
+                    <a:p>
+                      <a:endParaRPr kumimoji="0" lang="en-US" sz="1400" b="0" i="0" kern="1200" dirty="0">
+                        <a:solidFill>
+                          <a:schemeClr val="tx1"/>
+                        </a:solidFill>
+                        <a:effectLst/>
+                        <a:latin typeface="Consolas" panose="020B0609020204030204" pitchFamily="49" charset="0"/>
+                        <a:ea typeface="+mn-ea"/>
+                        <a:cs typeface="+mn-cs"/>
+                      </a:endParaRPr>
+                    </a:p>
+                    <a:p>
+                      <a:r>
+                        <a:rPr kumimoji="0" lang="en-US" sz="1400" b="1" i="0" kern="1200" dirty="0">
+                          <a:solidFill>
+                            <a:schemeClr val="tx1"/>
+                          </a:solidFill>
+                          <a:effectLst/>
+                          <a:latin typeface="Consolas" panose="020B0609020204030204" pitchFamily="49" charset="0"/>
+                          <a:ea typeface="+mn-ea"/>
+                          <a:cs typeface="+mn-cs"/>
+                        </a:rPr>
+                        <a:t>int</a:t>
+                      </a:r>
+                      <a:r>
+                        <a:rPr kumimoji="0" lang="en-US" sz="1400" b="0" i="0" kern="1200" dirty="0">
+                          <a:solidFill>
+                            <a:schemeClr val="tx1"/>
+                          </a:solidFill>
+                          <a:effectLst/>
+                          <a:latin typeface="Consolas" panose="020B0609020204030204" pitchFamily="49" charset="0"/>
+                          <a:ea typeface="+mn-ea"/>
+                          <a:cs typeface="+mn-cs"/>
+                        </a:rPr>
+                        <a:t> main(</a:t>
+                      </a:r>
+                      <a:r>
+                        <a:rPr kumimoji="0" lang="en-US" sz="1400" b="1" i="0" kern="1200" dirty="0">
+                          <a:solidFill>
+                            <a:schemeClr val="tx1"/>
+                          </a:solidFill>
+                          <a:effectLst/>
+                          <a:latin typeface="Consolas" panose="020B0609020204030204" pitchFamily="49" charset="0"/>
+                          <a:ea typeface="+mn-ea"/>
+                          <a:cs typeface="+mn-cs"/>
+                        </a:rPr>
+                        <a:t>void</a:t>
+                      </a:r>
+                      <a:r>
+                        <a:rPr kumimoji="0" lang="en-US" sz="1400" b="0" i="0" kern="1200" dirty="0">
+                          <a:solidFill>
+                            <a:schemeClr val="tx1"/>
+                          </a:solidFill>
+                          <a:effectLst/>
+                          <a:latin typeface="Consolas" panose="020B0609020204030204" pitchFamily="49" charset="0"/>
+                          <a:ea typeface="+mn-ea"/>
+                          <a:cs typeface="+mn-cs"/>
+                        </a:rPr>
+                        <a:t>)</a:t>
+                      </a:r>
+                    </a:p>
+                    <a:p>
+                      <a:r>
+                        <a:rPr kumimoji="0" lang="en-US" sz="1400" b="0" i="0" kern="1200" dirty="0">
+                          <a:solidFill>
+                            <a:schemeClr val="tx1"/>
+                          </a:solidFill>
+                          <a:effectLst/>
+                          <a:latin typeface="Consolas" panose="020B0609020204030204" pitchFamily="49" charset="0"/>
+                          <a:ea typeface="+mn-ea"/>
+                          <a:cs typeface="+mn-cs"/>
+                        </a:rPr>
+                        <a:t>{</a:t>
+                      </a:r>
+                    </a:p>
+                    <a:p>
+                      <a:r>
+                        <a:rPr kumimoji="0" lang="en-US" sz="1400" b="0" i="0" kern="1200" dirty="0">
+                          <a:solidFill>
+                            <a:schemeClr val="tx1"/>
+                          </a:solidFill>
+                          <a:effectLst/>
+                          <a:latin typeface="Consolas" panose="020B0609020204030204" pitchFamily="49" charset="0"/>
+                          <a:ea typeface="+mn-ea"/>
+                          <a:cs typeface="+mn-cs"/>
+                        </a:rPr>
+                        <a:t>    </a:t>
+                      </a:r>
+                      <a:r>
+                        <a:rPr kumimoji="0" lang="en-US" sz="1400" b="1" i="0" kern="1200" dirty="0">
+                          <a:solidFill>
+                            <a:schemeClr val="tx1"/>
+                          </a:solidFill>
+                          <a:effectLst/>
+                          <a:latin typeface="Consolas" panose="020B0609020204030204" pitchFamily="49" charset="0"/>
+                          <a:ea typeface="+mn-ea"/>
+                          <a:cs typeface="+mn-cs"/>
+                        </a:rPr>
+                        <a:t>static</a:t>
+                      </a:r>
+                      <a:r>
+                        <a:rPr kumimoji="0" lang="en-US" sz="1400" b="0" i="0" kern="1200" dirty="0">
+                          <a:solidFill>
+                            <a:schemeClr val="tx1"/>
+                          </a:solidFill>
+                          <a:effectLst/>
+                          <a:latin typeface="Consolas" panose="020B0609020204030204" pitchFamily="49" charset="0"/>
+                          <a:ea typeface="+mn-ea"/>
+                          <a:cs typeface="+mn-cs"/>
+                        </a:rPr>
+                        <a:t> </a:t>
+                      </a:r>
+                      <a:r>
+                        <a:rPr kumimoji="0" lang="en-US" sz="1400" b="1" i="0" kern="1200" dirty="0">
+                          <a:solidFill>
+                            <a:schemeClr val="tx1"/>
+                          </a:solidFill>
+                          <a:effectLst/>
+                          <a:latin typeface="Consolas" panose="020B0609020204030204" pitchFamily="49" charset="0"/>
+                          <a:ea typeface="+mn-ea"/>
+                          <a:cs typeface="+mn-cs"/>
+                        </a:rPr>
+                        <a:t>const</a:t>
+                      </a:r>
+                      <a:r>
+                        <a:rPr kumimoji="0" lang="en-US" sz="1400" b="0" i="0" kern="1200" dirty="0">
+                          <a:solidFill>
+                            <a:schemeClr val="tx1"/>
+                          </a:solidFill>
+                          <a:effectLst/>
+                          <a:latin typeface="Consolas" panose="020B0609020204030204" pitchFamily="49" charset="0"/>
+                          <a:ea typeface="+mn-ea"/>
+                          <a:cs typeface="+mn-cs"/>
+                        </a:rPr>
+                        <a:t> </a:t>
+                      </a:r>
+                      <a:r>
+                        <a:rPr kumimoji="0" lang="en-US" sz="1400" b="1" i="0" kern="1200" dirty="0">
+                          <a:solidFill>
+                            <a:schemeClr val="tx1"/>
+                          </a:solidFill>
+                          <a:effectLst/>
+                          <a:latin typeface="Consolas" panose="020B0609020204030204" pitchFamily="49" charset="0"/>
+                          <a:ea typeface="+mn-ea"/>
+                          <a:cs typeface="+mn-cs"/>
+                        </a:rPr>
+                        <a:t>char</a:t>
+                      </a:r>
+                      <a:r>
+                        <a:rPr kumimoji="0" lang="en-US" sz="1400" b="0" i="0" kern="1200" dirty="0">
+                          <a:solidFill>
+                            <a:schemeClr val="tx1"/>
+                          </a:solidFill>
+                          <a:effectLst/>
+                          <a:latin typeface="Consolas" panose="020B0609020204030204" pitchFamily="49" charset="0"/>
+                          <a:ea typeface="+mn-ea"/>
+                          <a:cs typeface="+mn-cs"/>
+                        </a:rPr>
+                        <a:t> str[] </a:t>
+                      </a:r>
+                      <a:r>
+                        <a:rPr kumimoji="0" lang="en-US" sz="1400" b="1" i="0" kern="1200" dirty="0">
+                          <a:solidFill>
+                            <a:schemeClr val="tx1"/>
+                          </a:solidFill>
+                          <a:effectLst/>
+                          <a:latin typeface="Consolas" panose="020B0609020204030204" pitchFamily="49" charset="0"/>
+                          <a:ea typeface="+mn-ea"/>
+                          <a:cs typeface="+mn-cs"/>
+                        </a:rPr>
+                        <a:t>=</a:t>
+                      </a:r>
+                      <a:r>
+                        <a:rPr kumimoji="0" lang="en-US" sz="1400" b="0" i="0" kern="1200" dirty="0">
+                          <a:solidFill>
+                            <a:schemeClr val="tx1"/>
+                          </a:solidFill>
+                          <a:effectLst/>
+                          <a:latin typeface="Consolas" panose="020B0609020204030204" pitchFamily="49" charset="0"/>
+                          <a:ea typeface="+mn-ea"/>
+                          <a:cs typeface="+mn-cs"/>
+                        </a:rPr>
+                        <a:t> "Hello, World!";</a:t>
+                      </a:r>
+                    </a:p>
+                    <a:p>
+                      <a:endParaRPr kumimoji="0" lang="en-US" sz="1400" b="0" i="0" kern="1200" dirty="0">
+                        <a:solidFill>
+                          <a:schemeClr val="tx1"/>
+                        </a:solidFill>
+                        <a:effectLst/>
+                        <a:latin typeface="Consolas" panose="020B0609020204030204" pitchFamily="49" charset="0"/>
+                        <a:ea typeface="+mn-ea"/>
+                        <a:cs typeface="+mn-cs"/>
+                      </a:endParaRPr>
+                    </a:p>
+                    <a:p>
+                      <a:r>
+                        <a:rPr kumimoji="0" lang="en-US" sz="1400" b="0" i="0" kern="1200" dirty="0">
+                          <a:solidFill>
+                            <a:schemeClr val="tx1"/>
+                          </a:solidFill>
+                          <a:effectLst/>
+                          <a:latin typeface="Consolas" panose="020B0609020204030204" pitchFamily="49" charset="0"/>
+                          <a:ea typeface="+mn-ea"/>
+                          <a:cs typeface="+mn-cs"/>
+                        </a:rPr>
+                        <a:t>    </a:t>
+                      </a:r>
+                      <a:r>
+                        <a:rPr kumimoji="0" lang="en-US" sz="1400" b="1" i="0" kern="1200" dirty="0">
+                          <a:solidFill>
+                            <a:schemeClr val="tx1"/>
+                          </a:solidFill>
+                          <a:effectLst/>
+                          <a:latin typeface="Consolas" panose="020B0609020204030204" pitchFamily="49" charset="0"/>
+                          <a:ea typeface="+mn-ea"/>
+                          <a:cs typeface="+mn-cs"/>
+                        </a:rPr>
+                        <a:t>const</a:t>
+                      </a:r>
+                      <a:r>
+                        <a:rPr kumimoji="0" lang="en-US" sz="1400" b="0" i="0" kern="1200" dirty="0">
+                          <a:solidFill>
+                            <a:schemeClr val="tx1"/>
+                          </a:solidFill>
+                          <a:effectLst/>
+                          <a:latin typeface="Consolas" panose="020B0609020204030204" pitchFamily="49" charset="0"/>
+                          <a:ea typeface="+mn-ea"/>
+                          <a:cs typeface="+mn-cs"/>
+                        </a:rPr>
+                        <a:t> </a:t>
+                      </a:r>
+                      <a:r>
+                        <a:rPr kumimoji="0" lang="en-US" sz="1400" b="1" i="0" kern="1200" dirty="0">
+                          <a:solidFill>
+                            <a:schemeClr val="tx1"/>
+                          </a:solidFill>
+                          <a:effectLst/>
+                          <a:latin typeface="Consolas" panose="020B0609020204030204" pitchFamily="49" charset="0"/>
+                          <a:ea typeface="+mn-ea"/>
+                          <a:cs typeface="+mn-cs"/>
+                        </a:rPr>
+                        <a:t>int</a:t>
+                      </a:r>
+                      <a:r>
+                        <a:rPr kumimoji="0" lang="en-US" sz="1400" b="0" i="0" kern="1200" dirty="0">
+                          <a:solidFill>
+                            <a:schemeClr val="tx1"/>
+                          </a:solidFill>
+                          <a:effectLst/>
+                          <a:latin typeface="Consolas" panose="020B0609020204030204" pitchFamily="49" charset="0"/>
+                          <a:ea typeface="+mn-ea"/>
+                          <a:cs typeface="+mn-cs"/>
+                        </a:rPr>
+                        <a:t> </a:t>
+                      </a:r>
+                      <a:r>
+                        <a:rPr kumimoji="0" lang="en-US" sz="1400" b="0" i="0" kern="1200" dirty="0" err="1">
+                          <a:solidFill>
+                            <a:schemeClr val="tx1"/>
+                          </a:solidFill>
+                          <a:effectLst/>
+                          <a:latin typeface="Consolas" panose="020B0609020204030204" pitchFamily="49" charset="0"/>
+                          <a:ea typeface="+mn-ea"/>
+                          <a:cs typeface="+mn-cs"/>
+                        </a:rPr>
+                        <a:t>len</a:t>
+                      </a:r>
+                      <a:r>
+                        <a:rPr kumimoji="0" lang="en-US" sz="1400" b="0" i="0" kern="1200" dirty="0">
+                          <a:solidFill>
+                            <a:schemeClr val="tx1"/>
+                          </a:solidFill>
+                          <a:effectLst/>
+                          <a:latin typeface="Consolas" panose="020B0609020204030204" pitchFamily="49" charset="0"/>
+                          <a:ea typeface="+mn-ea"/>
+                          <a:cs typeface="+mn-cs"/>
+                        </a:rPr>
+                        <a:t> </a:t>
+                      </a:r>
+                      <a:r>
+                        <a:rPr kumimoji="0" lang="en-US" sz="1400" b="1" i="0" kern="1200" dirty="0">
+                          <a:solidFill>
+                            <a:schemeClr val="tx1"/>
+                          </a:solidFill>
+                          <a:effectLst/>
+                          <a:latin typeface="Consolas" panose="020B0609020204030204" pitchFamily="49" charset="0"/>
+                          <a:ea typeface="+mn-ea"/>
+                          <a:cs typeface="+mn-cs"/>
+                        </a:rPr>
+                        <a:t>=</a:t>
+                      </a:r>
+                      <a:r>
+                        <a:rPr kumimoji="0" lang="en-US" sz="1400" b="0" i="0" kern="1200" dirty="0">
+                          <a:solidFill>
+                            <a:schemeClr val="tx1"/>
+                          </a:solidFill>
+                          <a:effectLst/>
+                          <a:latin typeface="Consolas" panose="020B0609020204030204" pitchFamily="49" charset="0"/>
+                          <a:ea typeface="+mn-ea"/>
+                          <a:cs typeface="+mn-cs"/>
+                        </a:rPr>
+                        <a:t> </a:t>
+                      </a:r>
+                      <a:r>
+                        <a:rPr kumimoji="0" lang="en-US" sz="1400" b="1" i="0" kern="1200" dirty="0" err="1">
+                          <a:solidFill>
+                            <a:schemeClr val="tx1"/>
+                          </a:solidFill>
+                          <a:effectLst/>
+                          <a:latin typeface="Consolas" panose="020B0609020204030204" pitchFamily="49" charset="0"/>
+                          <a:ea typeface="+mn-ea"/>
+                          <a:cs typeface="+mn-cs"/>
+                        </a:rPr>
+                        <a:t>sizeof</a:t>
+                      </a:r>
+                      <a:r>
+                        <a:rPr kumimoji="0" lang="en-US" sz="1400" b="0" i="0" kern="1200" dirty="0">
+                          <a:solidFill>
+                            <a:schemeClr val="tx1"/>
+                          </a:solidFill>
+                          <a:effectLst/>
+                          <a:latin typeface="Consolas" panose="020B0609020204030204" pitchFamily="49" charset="0"/>
+                          <a:ea typeface="+mn-ea"/>
+                          <a:cs typeface="+mn-cs"/>
+                        </a:rPr>
+                        <a:t>(str)</a:t>
+                      </a:r>
+                      <a:r>
+                        <a:rPr kumimoji="0" lang="en-US" sz="1400" b="1" i="0" kern="1200" dirty="0">
+                          <a:solidFill>
+                            <a:schemeClr val="tx1"/>
+                          </a:solidFill>
+                          <a:effectLst/>
+                          <a:latin typeface="Consolas" panose="020B0609020204030204" pitchFamily="49" charset="0"/>
+                          <a:ea typeface="+mn-ea"/>
+                          <a:cs typeface="+mn-cs"/>
+                        </a:rPr>
+                        <a:t>/</a:t>
+                      </a:r>
+                      <a:r>
+                        <a:rPr kumimoji="0" lang="en-US" sz="1400" b="1" i="0" kern="1200" dirty="0" err="1">
+                          <a:solidFill>
+                            <a:schemeClr val="tx1"/>
+                          </a:solidFill>
+                          <a:effectLst/>
+                          <a:latin typeface="Consolas" panose="020B0609020204030204" pitchFamily="49" charset="0"/>
+                          <a:ea typeface="+mn-ea"/>
+                          <a:cs typeface="+mn-cs"/>
+                        </a:rPr>
+                        <a:t>sizeof</a:t>
+                      </a:r>
+                      <a:r>
+                        <a:rPr kumimoji="0" lang="en-US" sz="1400" b="0" i="0" kern="1200" dirty="0">
+                          <a:solidFill>
+                            <a:schemeClr val="tx1"/>
+                          </a:solidFill>
+                          <a:effectLst/>
+                          <a:latin typeface="Consolas" panose="020B0609020204030204" pitchFamily="49" charset="0"/>
+                          <a:ea typeface="+mn-ea"/>
+                          <a:cs typeface="+mn-cs"/>
+                        </a:rPr>
+                        <a:t>(str[0]);</a:t>
+                      </a:r>
+                    </a:p>
+                    <a:p>
+                      <a:r>
+                        <a:rPr kumimoji="0" lang="en-US" sz="1400" b="0" i="0" kern="1200" dirty="0">
+                          <a:solidFill>
+                            <a:schemeClr val="tx1"/>
+                          </a:solidFill>
+                          <a:effectLst/>
+                          <a:latin typeface="Consolas" panose="020B0609020204030204" pitchFamily="49" charset="0"/>
+                          <a:ea typeface="+mn-ea"/>
+                          <a:cs typeface="+mn-cs"/>
+                        </a:rPr>
+                        <a:t>    </a:t>
+                      </a:r>
+                      <a:r>
+                        <a:rPr kumimoji="0" lang="en-US" sz="1400" b="1" i="0" kern="1200" dirty="0">
+                          <a:solidFill>
+                            <a:schemeClr val="tx1"/>
+                          </a:solidFill>
+                          <a:effectLst/>
+                          <a:latin typeface="Consolas" panose="020B0609020204030204" pitchFamily="49" charset="0"/>
+                          <a:ea typeface="+mn-ea"/>
+                          <a:cs typeface="+mn-cs"/>
+                        </a:rPr>
+                        <a:t>char</a:t>
+                      </a:r>
+                      <a:r>
+                        <a:rPr kumimoji="0" lang="en-US" sz="1400" b="0" i="0" kern="1200" dirty="0">
+                          <a:solidFill>
+                            <a:schemeClr val="tx1"/>
+                          </a:solidFill>
+                          <a:effectLst/>
+                          <a:latin typeface="Consolas" panose="020B0609020204030204" pitchFamily="49" charset="0"/>
+                          <a:ea typeface="+mn-ea"/>
+                          <a:cs typeface="+mn-cs"/>
+                        </a:rPr>
+                        <a:t>      </a:t>
+                      </a:r>
+                      <a:r>
+                        <a:rPr kumimoji="0" lang="en-US" sz="1400" b="0" i="0" kern="1200" dirty="0" err="1">
+                          <a:solidFill>
+                            <a:schemeClr val="tx1"/>
+                          </a:solidFill>
+                          <a:effectLst/>
+                          <a:latin typeface="Consolas" panose="020B0609020204030204" pitchFamily="49" charset="0"/>
+                          <a:ea typeface="+mn-ea"/>
+                          <a:cs typeface="+mn-cs"/>
+                        </a:rPr>
+                        <a:t>newstr</a:t>
+                      </a:r>
+                      <a:r>
+                        <a:rPr kumimoji="0" lang="en-US" sz="1400" b="0" i="0" kern="1200" dirty="0">
+                          <a:solidFill>
+                            <a:schemeClr val="tx1"/>
+                          </a:solidFill>
+                          <a:effectLst/>
+                          <a:latin typeface="Consolas" panose="020B0609020204030204" pitchFamily="49" charset="0"/>
+                          <a:ea typeface="+mn-ea"/>
+                          <a:cs typeface="+mn-cs"/>
+                        </a:rPr>
+                        <a:t>[</a:t>
+                      </a:r>
+                      <a:r>
+                        <a:rPr kumimoji="0" lang="en-US" sz="1400" b="0" i="0" kern="1200" dirty="0" err="1">
+                          <a:solidFill>
+                            <a:schemeClr val="tx1"/>
+                          </a:solidFill>
+                          <a:effectLst/>
+                          <a:latin typeface="Consolas" panose="020B0609020204030204" pitchFamily="49" charset="0"/>
+                          <a:ea typeface="+mn-ea"/>
+                          <a:cs typeface="+mn-cs"/>
+                        </a:rPr>
+                        <a:t>len</a:t>
+                      </a:r>
+                      <a:r>
+                        <a:rPr kumimoji="0" lang="en-US" sz="1400" b="0" i="0" kern="1200" dirty="0">
+                          <a:solidFill>
+                            <a:schemeClr val="tx1"/>
+                          </a:solidFill>
+                          <a:effectLst/>
+                          <a:latin typeface="Consolas" panose="020B0609020204030204" pitchFamily="49" charset="0"/>
+                          <a:ea typeface="+mn-ea"/>
+                          <a:cs typeface="+mn-cs"/>
+                        </a:rPr>
+                        <a:t>];</a:t>
+                      </a:r>
+                    </a:p>
+                    <a:p>
+                      <a:r>
+                        <a:rPr kumimoji="0" lang="en-US" sz="1400" b="0" i="0" kern="1200" dirty="0">
+                          <a:solidFill>
+                            <a:schemeClr val="tx1"/>
+                          </a:solidFill>
+                          <a:effectLst/>
+                          <a:latin typeface="Consolas" panose="020B0609020204030204" pitchFamily="49" charset="0"/>
+                          <a:ea typeface="+mn-ea"/>
+                          <a:cs typeface="+mn-cs"/>
+                        </a:rPr>
+                        <a:t>    </a:t>
+                      </a:r>
+                      <a:r>
+                        <a:rPr kumimoji="0" lang="en-US" sz="1400" b="1" i="0" kern="1200" dirty="0">
+                          <a:solidFill>
+                            <a:schemeClr val="tx1"/>
+                          </a:solidFill>
+                          <a:effectLst/>
+                          <a:latin typeface="Consolas" panose="020B0609020204030204" pitchFamily="49" charset="0"/>
+                          <a:ea typeface="+mn-ea"/>
+                          <a:cs typeface="+mn-cs"/>
+                        </a:rPr>
+                        <a:t>int</a:t>
+                      </a:r>
+                      <a:r>
+                        <a:rPr kumimoji="0" lang="en-US" sz="1400" b="0" i="0" kern="1200" dirty="0">
+                          <a:solidFill>
+                            <a:schemeClr val="tx1"/>
+                          </a:solidFill>
+                          <a:effectLst/>
+                          <a:latin typeface="Consolas" panose="020B0609020204030204" pitchFamily="49" charset="0"/>
+                          <a:ea typeface="+mn-ea"/>
+                          <a:cs typeface="+mn-cs"/>
+                        </a:rPr>
+                        <a:t>       </a:t>
+                      </a:r>
+                      <a:r>
+                        <a:rPr kumimoji="0" lang="en-US" sz="1400" b="0" i="0" kern="1200" dirty="0" err="1">
+                          <a:solidFill>
+                            <a:schemeClr val="tx1"/>
+                          </a:solidFill>
+                          <a:effectLst/>
+                          <a:latin typeface="Consolas" panose="020B0609020204030204" pitchFamily="49" charset="0"/>
+                          <a:ea typeface="+mn-ea"/>
+                          <a:cs typeface="+mn-cs"/>
+                        </a:rPr>
+                        <a:t>i</a:t>
+                      </a:r>
+                      <a:r>
+                        <a:rPr kumimoji="0" lang="en-US" sz="1400" b="0" i="0" kern="1200" dirty="0">
+                          <a:solidFill>
+                            <a:schemeClr val="tx1"/>
+                          </a:solidFill>
+                          <a:effectLst/>
+                          <a:latin typeface="Consolas" panose="020B0609020204030204" pitchFamily="49" charset="0"/>
+                          <a:ea typeface="+mn-ea"/>
+                          <a:cs typeface="+mn-cs"/>
+                        </a:rPr>
+                        <a:t>;</a:t>
+                      </a:r>
+                    </a:p>
+                    <a:p>
+                      <a:endParaRPr kumimoji="0" lang="en-US" sz="1400" b="0" i="0" kern="1200" dirty="0">
+                        <a:solidFill>
+                          <a:schemeClr val="tx1"/>
+                        </a:solidFill>
+                        <a:effectLst/>
+                        <a:latin typeface="Consolas" panose="020B0609020204030204" pitchFamily="49" charset="0"/>
+                        <a:ea typeface="+mn-ea"/>
+                        <a:cs typeface="+mn-cs"/>
+                      </a:endParaRPr>
+                    </a:p>
+                    <a:p>
+                      <a:r>
+                        <a:rPr kumimoji="0" lang="en-US" sz="1400" b="0" i="0" kern="1200" dirty="0">
+                          <a:solidFill>
+                            <a:schemeClr val="tx1"/>
+                          </a:solidFill>
+                          <a:effectLst/>
+                          <a:latin typeface="Consolas" panose="020B0609020204030204" pitchFamily="49" charset="0"/>
+                          <a:ea typeface="+mn-ea"/>
+                          <a:cs typeface="+mn-cs"/>
+                        </a:rPr>
+                        <a:t>    </a:t>
+                      </a:r>
+                      <a:r>
+                        <a:rPr kumimoji="0" lang="en-US" sz="1400" b="1" i="0" kern="1200" dirty="0">
+                          <a:solidFill>
+                            <a:schemeClr val="tx1"/>
+                          </a:solidFill>
+                          <a:effectLst/>
+                          <a:latin typeface="Consolas" panose="020B0609020204030204" pitchFamily="49" charset="0"/>
+                          <a:ea typeface="+mn-ea"/>
+                          <a:cs typeface="+mn-cs"/>
+                        </a:rPr>
+                        <a:t>for</a:t>
+                      </a:r>
+                      <a:r>
+                        <a:rPr kumimoji="0" lang="en-US" sz="1400" b="0" i="0" kern="1200" dirty="0">
+                          <a:solidFill>
+                            <a:schemeClr val="tx1"/>
+                          </a:solidFill>
+                          <a:effectLst/>
+                          <a:latin typeface="Consolas" panose="020B0609020204030204" pitchFamily="49" charset="0"/>
+                          <a:ea typeface="+mn-ea"/>
+                          <a:cs typeface="+mn-cs"/>
+                        </a:rPr>
+                        <a:t> (</a:t>
+                      </a:r>
+                      <a:r>
+                        <a:rPr kumimoji="0" lang="en-US" sz="1400" b="0" i="0" kern="1200" dirty="0" err="1">
+                          <a:solidFill>
+                            <a:schemeClr val="tx1"/>
+                          </a:solidFill>
+                          <a:effectLst/>
+                          <a:latin typeface="Consolas" panose="020B0609020204030204" pitchFamily="49" charset="0"/>
+                          <a:ea typeface="+mn-ea"/>
+                          <a:cs typeface="+mn-cs"/>
+                        </a:rPr>
+                        <a:t>i</a:t>
+                      </a:r>
+                      <a:r>
+                        <a:rPr kumimoji="0" lang="en-US" sz="1400" b="0" i="0" kern="1200" dirty="0">
+                          <a:solidFill>
+                            <a:schemeClr val="tx1"/>
+                          </a:solidFill>
+                          <a:effectLst/>
+                          <a:latin typeface="Consolas" panose="020B0609020204030204" pitchFamily="49" charset="0"/>
+                          <a:ea typeface="+mn-ea"/>
+                          <a:cs typeface="+mn-cs"/>
+                        </a:rPr>
+                        <a:t> </a:t>
+                      </a:r>
+                      <a:r>
+                        <a:rPr kumimoji="0" lang="en-US" sz="1400" b="1" i="0" kern="1200" dirty="0">
+                          <a:solidFill>
+                            <a:schemeClr val="tx1"/>
+                          </a:solidFill>
+                          <a:effectLst/>
+                          <a:latin typeface="Consolas" panose="020B0609020204030204" pitchFamily="49" charset="0"/>
+                          <a:ea typeface="+mn-ea"/>
+                          <a:cs typeface="+mn-cs"/>
+                        </a:rPr>
+                        <a:t>=</a:t>
+                      </a:r>
+                      <a:r>
+                        <a:rPr kumimoji="0" lang="en-US" sz="1400" b="0" i="0" kern="1200" dirty="0">
+                          <a:solidFill>
+                            <a:schemeClr val="tx1"/>
+                          </a:solidFill>
+                          <a:effectLst/>
+                          <a:latin typeface="Consolas" panose="020B0609020204030204" pitchFamily="49" charset="0"/>
+                          <a:ea typeface="+mn-ea"/>
+                          <a:cs typeface="+mn-cs"/>
+                        </a:rPr>
+                        <a:t> 0; </a:t>
+                      </a:r>
+                      <a:r>
+                        <a:rPr kumimoji="0" lang="en-US" sz="1400" b="0" i="0" kern="1200" dirty="0" err="1">
+                          <a:solidFill>
+                            <a:schemeClr val="tx1"/>
+                          </a:solidFill>
+                          <a:effectLst/>
+                          <a:latin typeface="Consolas" panose="020B0609020204030204" pitchFamily="49" charset="0"/>
+                          <a:ea typeface="+mn-ea"/>
+                          <a:cs typeface="+mn-cs"/>
+                        </a:rPr>
+                        <a:t>i</a:t>
+                      </a:r>
+                      <a:r>
+                        <a:rPr kumimoji="0" lang="en-US" sz="1400" b="0" i="0" kern="1200" dirty="0">
+                          <a:solidFill>
+                            <a:schemeClr val="tx1"/>
+                          </a:solidFill>
+                          <a:effectLst/>
+                          <a:latin typeface="Consolas" panose="020B0609020204030204" pitchFamily="49" charset="0"/>
+                          <a:ea typeface="+mn-ea"/>
+                          <a:cs typeface="+mn-cs"/>
+                        </a:rPr>
+                        <a:t> </a:t>
+                      </a:r>
+                      <a:r>
+                        <a:rPr kumimoji="0" lang="en-US" sz="1400" b="1" i="0" kern="1200" dirty="0">
+                          <a:solidFill>
+                            <a:schemeClr val="tx1"/>
+                          </a:solidFill>
+                          <a:effectLst/>
+                          <a:latin typeface="Consolas" panose="020B0609020204030204" pitchFamily="49" charset="0"/>
+                          <a:ea typeface="+mn-ea"/>
+                          <a:cs typeface="+mn-cs"/>
+                        </a:rPr>
+                        <a:t>&lt;</a:t>
+                      </a:r>
+                      <a:r>
+                        <a:rPr kumimoji="0" lang="en-US" sz="1400" b="0" i="0" kern="1200" dirty="0">
+                          <a:solidFill>
+                            <a:schemeClr val="tx1"/>
+                          </a:solidFill>
+                          <a:effectLst/>
+                          <a:latin typeface="Consolas" panose="020B0609020204030204" pitchFamily="49" charset="0"/>
+                          <a:ea typeface="+mn-ea"/>
+                          <a:cs typeface="+mn-cs"/>
+                        </a:rPr>
+                        <a:t> </a:t>
+                      </a:r>
+                      <a:r>
+                        <a:rPr kumimoji="0" lang="en-US" sz="1400" b="0" i="0" kern="1200" dirty="0" err="1">
+                          <a:solidFill>
+                            <a:schemeClr val="tx1"/>
+                          </a:solidFill>
+                          <a:effectLst/>
+                          <a:latin typeface="Consolas" panose="020B0609020204030204" pitchFamily="49" charset="0"/>
+                          <a:ea typeface="+mn-ea"/>
+                          <a:cs typeface="+mn-cs"/>
+                        </a:rPr>
+                        <a:t>len</a:t>
+                      </a:r>
+                      <a:r>
+                        <a:rPr kumimoji="0" lang="en-US" sz="1400" b="0" i="0" kern="1200" dirty="0">
+                          <a:solidFill>
+                            <a:schemeClr val="tx1"/>
+                          </a:solidFill>
+                          <a:effectLst/>
+                          <a:latin typeface="Consolas" panose="020B0609020204030204" pitchFamily="49" charset="0"/>
+                          <a:ea typeface="+mn-ea"/>
+                          <a:cs typeface="+mn-cs"/>
+                        </a:rPr>
+                        <a:t>; </a:t>
+                      </a:r>
+                      <a:r>
+                        <a:rPr kumimoji="0" lang="en-US" sz="1400" b="0" i="0" kern="1200" dirty="0" err="1">
+                          <a:solidFill>
+                            <a:schemeClr val="tx1"/>
+                          </a:solidFill>
+                          <a:effectLst/>
+                          <a:latin typeface="Consolas" panose="020B0609020204030204" pitchFamily="49" charset="0"/>
+                          <a:ea typeface="+mn-ea"/>
+                          <a:cs typeface="+mn-cs"/>
+                        </a:rPr>
+                        <a:t>i</a:t>
+                      </a:r>
+                      <a:r>
+                        <a:rPr kumimoji="0" lang="en-US" sz="1400" b="1" i="0" kern="1200" dirty="0">
+                          <a:solidFill>
+                            <a:schemeClr val="tx1"/>
+                          </a:solidFill>
+                          <a:effectLst/>
+                          <a:latin typeface="Consolas" panose="020B0609020204030204" pitchFamily="49" charset="0"/>
+                          <a:ea typeface="+mn-ea"/>
+                          <a:cs typeface="+mn-cs"/>
+                        </a:rPr>
+                        <a:t>++</a:t>
+                      </a:r>
+                      <a:r>
+                        <a:rPr kumimoji="0" lang="en-US" sz="1400" b="0" i="0" kern="1200" dirty="0">
+                          <a:solidFill>
+                            <a:schemeClr val="tx1"/>
+                          </a:solidFill>
+                          <a:effectLst/>
+                          <a:latin typeface="Consolas" panose="020B0609020204030204" pitchFamily="49" charset="0"/>
+                          <a:ea typeface="+mn-ea"/>
+                          <a:cs typeface="+mn-cs"/>
+                        </a:rPr>
+                        <a:t>)</a:t>
+                      </a:r>
+                    </a:p>
+                    <a:p>
+                      <a:r>
+                        <a:rPr kumimoji="0" lang="en-US" sz="1400" b="0" i="0" kern="1200" dirty="0">
+                          <a:solidFill>
+                            <a:schemeClr val="tx1"/>
+                          </a:solidFill>
+                          <a:effectLst/>
+                          <a:latin typeface="Consolas" panose="020B0609020204030204" pitchFamily="49" charset="0"/>
+                          <a:ea typeface="+mn-ea"/>
+                          <a:cs typeface="+mn-cs"/>
+                        </a:rPr>
+                        <a:t>        </a:t>
+                      </a:r>
+                      <a:r>
+                        <a:rPr kumimoji="0" lang="en-US" sz="1400" b="0" i="0" kern="1200" dirty="0" err="1">
+                          <a:solidFill>
+                            <a:schemeClr val="tx1"/>
+                          </a:solidFill>
+                          <a:effectLst/>
+                          <a:latin typeface="Consolas" panose="020B0609020204030204" pitchFamily="49" charset="0"/>
+                          <a:ea typeface="+mn-ea"/>
+                          <a:cs typeface="+mn-cs"/>
+                        </a:rPr>
+                        <a:t>newstr</a:t>
+                      </a:r>
+                      <a:r>
+                        <a:rPr kumimoji="0" lang="en-US" sz="1400" b="0" i="0" kern="1200" dirty="0">
+                          <a:solidFill>
+                            <a:schemeClr val="tx1"/>
+                          </a:solidFill>
+                          <a:effectLst/>
+                          <a:latin typeface="Consolas" panose="020B0609020204030204" pitchFamily="49" charset="0"/>
+                          <a:ea typeface="+mn-ea"/>
+                          <a:cs typeface="+mn-cs"/>
+                        </a:rPr>
+                        <a:t>[</a:t>
+                      </a:r>
+                      <a:r>
+                        <a:rPr kumimoji="0" lang="en-US" sz="1400" b="0" i="0" kern="1200" dirty="0" err="1">
+                          <a:solidFill>
+                            <a:schemeClr val="tx1"/>
+                          </a:solidFill>
+                          <a:effectLst/>
+                          <a:latin typeface="Consolas" panose="020B0609020204030204" pitchFamily="49" charset="0"/>
+                          <a:ea typeface="+mn-ea"/>
+                          <a:cs typeface="+mn-cs"/>
+                        </a:rPr>
+                        <a:t>i</a:t>
+                      </a:r>
+                      <a:r>
+                        <a:rPr kumimoji="0" lang="en-US" sz="1400" b="0" i="0" kern="1200" dirty="0">
+                          <a:solidFill>
+                            <a:schemeClr val="tx1"/>
+                          </a:solidFill>
+                          <a:effectLst/>
+                          <a:latin typeface="Consolas" panose="020B0609020204030204" pitchFamily="49" charset="0"/>
+                          <a:ea typeface="+mn-ea"/>
+                          <a:cs typeface="+mn-cs"/>
+                        </a:rPr>
+                        <a:t>] </a:t>
+                      </a:r>
+                      <a:r>
+                        <a:rPr kumimoji="0" lang="en-US" sz="1400" b="1" i="0" kern="1200" dirty="0">
+                          <a:solidFill>
+                            <a:schemeClr val="tx1"/>
+                          </a:solidFill>
+                          <a:effectLst/>
+                          <a:latin typeface="Consolas" panose="020B0609020204030204" pitchFamily="49" charset="0"/>
+                          <a:ea typeface="+mn-ea"/>
+                          <a:cs typeface="+mn-cs"/>
+                        </a:rPr>
+                        <a:t>=</a:t>
+                      </a:r>
+                      <a:r>
+                        <a:rPr kumimoji="0" lang="en-US" sz="1400" b="0" i="0" kern="1200" dirty="0">
+                          <a:solidFill>
+                            <a:schemeClr val="tx1"/>
+                          </a:solidFill>
+                          <a:effectLst/>
+                          <a:latin typeface="Consolas" panose="020B0609020204030204" pitchFamily="49" charset="0"/>
+                          <a:ea typeface="+mn-ea"/>
+                          <a:cs typeface="+mn-cs"/>
+                        </a:rPr>
+                        <a:t> </a:t>
+                      </a:r>
+                      <a:r>
+                        <a:rPr kumimoji="0" lang="en-US" sz="1400" b="0" i="0" kern="1200" dirty="0" err="1">
+                          <a:solidFill>
+                            <a:schemeClr val="tx1"/>
+                          </a:solidFill>
+                          <a:effectLst/>
+                          <a:latin typeface="Consolas" panose="020B0609020204030204" pitchFamily="49" charset="0"/>
+                          <a:ea typeface="+mn-ea"/>
+                          <a:cs typeface="+mn-cs"/>
+                        </a:rPr>
+                        <a:t>toLower</a:t>
+                      </a:r>
+                      <a:r>
+                        <a:rPr kumimoji="0" lang="en-US" sz="1400" b="0" i="0" kern="1200" dirty="0">
+                          <a:solidFill>
+                            <a:schemeClr val="tx1"/>
+                          </a:solidFill>
+                          <a:effectLst/>
+                          <a:latin typeface="Consolas" panose="020B0609020204030204" pitchFamily="49" charset="0"/>
+                          <a:ea typeface="+mn-ea"/>
+                          <a:cs typeface="+mn-cs"/>
+                        </a:rPr>
+                        <a:t> (str[</a:t>
+                      </a:r>
+                      <a:r>
+                        <a:rPr kumimoji="0" lang="en-US" sz="1400" b="0" i="0" kern="1200" dirty="0" err="1">
+                          <a:solidFill>
+                            <a:schemeClr val="tx1"/>
+                          </a:solidFill>
+                          <a:effectLst/>
+                          <a:latin typeface="Consolas" panose="020B0609020204030204" pitchFamily="49" charset="0"/>
+                          <a:ea typeface="+mn-ea"/>
+                          <a:cs typeface="+mn-cs"/>
+                        </a:rPr>
+                        <a:t>i</a:t>
+                      </a:r>
+                      <a:r>
+                        <a:rPr kumimoji="0" lang="en-US" sz="1400" b="0" i="0" kern="1200" dirty="0">
+                          <a:solidFill>
+                            <a:schemeClr val="tx1"/>
+                          </a:solidFill>
+                          <a:effectLst/>
+                          <a:latin typeface="Consolas" panose="020B0609020204030204" pitchFamily="49" charset="0"/>
+                          <a:ea typeface="+mn-ea"/>
+                          <a:cs typeface="+mn-cs"/>
+                        </a:rPr>
+                        <a:t>]);</a:t>
+                      </a:r>
+                    </a:p>
+                    <a:p>
+                      <a:endParaRPr kumimoji="0" lang="en-US" sz="1400" b="0" i="0" kern="1200" dirty="0">
+                        <a:solidFill>
+                          <a:schemeClr val="tx1"/>
+                        </a:solidFill>
+                        <a:effectLst/>
+                        <a:latin typeface="Consolas" panose="020B0609020204030204" pitchFamily="49" charset="0"/>
+                        <a:ea typeface="+mn-ea"/>
+                        <a:cs typeface="+mn-cs"/>
+                      </a:endParaRPr>
+                    </a:p>
+                    <a:p>
+                      <a:r>
+                        <a:rPr kumimoji="0" lang="en-US" sz="1400" b="0" i="0" kern="1200" dirty="0">
+                          <a:solidFill>
+                            <a:schemeClr val="tx1"/>
+                          </a:solidFill>
+                          <a:effectLst/>
+                          <a:latin typeface="Consolas" panose="020B0609020204030204" pitchFamily="49" charset="0"/>
+                          <a:ea typeface="+mn-ea"/>
+                          <a:cs typeface="+mn-cs"/>
+                        </a:rPr>
+                        <a:t>    </a:t>
+                      </a:r>
+                      <a:r>
+                        <a:rPr kumimoji="0" lang="en-US" sz="1400" b="0" i="0" kern="1200" dirty="0" err="1">
+                          <a:solidFill>
+                            <a:schemeClr val="tx1"/>
+                          </a:solidFill>
+                          <a:effectLst/>
+                          <a:latin typeface="Consolas" panose="020B0609020204030204" pitchFamily="49" charset="0"/>
+                          <a:ea typeface="+mn-ea"/>
+                          <a:cs typeface="+mn-cs"/>
+                        </a:rPr>
+                        <a:t>printf</a:t>
+                      </a:r>
+                      <a:r>
+                        <a:rPr kumimoji="0" lang="en-US" sz="1400" b="0" i="0" kern="1200" dirty="0">
+                          <a:solidFill>
+                            <a:schemeClr val="tx1"/>
+                          </a:solidFill>
+                          <a:effectLst/>
+                          <a:latin typeface="Consolas" panose="020B0609020204030204" pitchFamily="49" charset="0"/>
+                          <a:ea typeface="+mn-ea"/>
+                          <a:cs typeface="+mn-cs"/>
+                        </a:rPr>
+                        <a:t>("%s\n", </a:t>
+                      </a:r>
+                      <a:r>
+                        <a:rPr kumimoji="0" lang="en-US" sz="1400" b="0" i="0" kern="1200" dirty="0" err="1">
+                          <a:solidFill>
+                            <a:schemeClr val="tx1"/>
+                          </a:solidFill>
+                          <a:effectLst/>
+                          <a:latin typeface="Consolas" panose="020B0609020204030204" pitchFamily="49" charset="0"/>
+                          <a:ea typeface="+mn-ea"/>
+                          <a:cs typeface="+mn-cs"/>
+                        </a:rPr>
+                        <a:t>newstr</a:t>
+                      </a:r>
+                      <a:r>
+                        <a:rPr kumimoji="0" lang="en-US" sz="1400" b="0" i="0" kern="1200" dirty="0">
+                          <a:solidFill>
+                            <a:schemeClr val="tx1"/>
+                          </a:solidFill>
+                          <a:effectLst/>
+                          <a:latin typeface="Consolas" panose="020B0609020204030204" pitchFamily="49" charset="0"/>
+                          <a:ea typeface="+mn-ea"/>
+                          <a:cs typeface="+mn-cs"/>
+                        </a:rPr>
+                        <a:t>);</a:t>
+                      </a:r>
+                    </a:p>
+                    <a:p>
+                      <a:endParaRPr kumimoji="0" lang="en-US" sz="1400" b="0" i="0" kern="1200" dirty="0">
+                        <a:solidFill>
+                          <a:schemeClr val="tx1"/>
+                        </a:solidFill>
+                        <a:effectLst/>
+                        <a:latin typeface="Consolas" panose="020B0609020204030204" pitchFamily="49" charset="0"/>
+                        <a:ea typeface="+mn-ea"/>
+                        <a:cs typeface="+mn-cs"/>
+                      </a:endParaRPr>
+                    </a:p>
+                    <a:p>
+                      <a:r>
+                        <a:rPr kumimoji="0" lang="en-US" sz="1400" b="0" i="0" kern="1200" dirty="0">
+                          <a:solidFill>
+                            <a:schemeClr val="tx1"/>
+                          </a:solidFill>
+                          <a:effectLst/>
+                          <a:latin typeface="Consolas" panose="020B0609020204030204" pitchFamily="49" charset="0"/>
+                          <a:ea typeface="+mn-ea"/>
+                          <a:cs typeface="+mn-cs"/>
+                        </a:rPr>
+                        <a:t>    </a:t>
+                      </a:r>
+                      <a:r>
+                        <a:rPr kumimoji="0" lang="en-US" sz="1400" b="1" i="0" kern="1200" dirty="0">
+                          <a:solidFill>
+                            <a:schemeClr val="tx1"/>
+                          </a:solidFill>
+                          <a:effectLst/>
+                          <a:latin typeface="Consolas" panose="020B0609020204030204" pitchFamily="49" charset="0"/>
+                          <a:ea typeface="+mn-ea"/>
+                          <a:cs typeface="+mn-cs"/>
+                        </a:rPr>
+                        <a:t>return</a:t>
+                      </a:r>
+                      <a:r>
+                        <a:rPr kumimoji="0" lang="en-US" sz="1400" b="0" i="0" kern="1200" dirty="0">
+                          <a:solidFill>
+                            <a:schemeClr val="tx1"/>
+                          </a:solidFill>
+                          <a:effectLst/>
+                          <a:latin typeface="Consolas" panose="020B0609020204030204" pitchFamily="49" charset="0"/>
+                          <a:ea typeface="+mn-ea"/>
+                          <a:cs typeface="+mn-cs"/>
+                        </a:rPr>
+                        <a:t> 0;</a:t>
+                      </a:r>
+                    </a:p>
+                    <a:p>
+                      <a:r>
+                        <a:rPr kumimoji="0" lang="en-US" sz="1400" b="0" i="0" kern="1200" dirty="0">
+                          <a:solidFill>
+                            <a:schemeClr val="tx1"/>
+                          </a:solidFill>
+                          <a:effectLst/>
+                          <a:latin typeface="Consolas" panose="020B0609020204030204" pitchFamily="49" charset="0"/>
+                          <a:ea typeface="+mn-ea"/>
+                          <a:cs typeface="+mn-cs"/>
+                        </a:rPr>
+                        <a:t>}</a:t>
+                      </a:r>
+                    </a:p>
+                    <a:p>
+                      <a:pPr marL="0" marR="0" algn="l">
+                        <a:spcBef>
+                          <a:spcPts val="0"/>
+                        </a:spcBef>
+                        <a:spcAft>
+                          <a:spcPts val="0"/>
+                        </a:spcAft>
+                      </a:pPr>
+                      <a:endParaRPr lang="en-US" sz="1400" dirty="0">
+                        <a:effectLst/>
+                        <a:latin typeface="Consolas" panose="020B0609020204030204" pitchFamily="49" charset="0"/>
+                        <a:cs typeface="Consolas" panose="020B0609020204030204" pitchFamily="49" charset="0"/>
+                      </a:endParaRPr>
+                    </a:p>
+                  </a:txBody>
+                  <a:tcPr marL="68580" marR="68580" marT="0" marB="0"/>
+                </a:tc>
+                <a:extLst>
+                  <a:ext uri="{0D108BD9-81ED-4DB2-BD59-A6C34878D82A}">
+                    <a16:rowId xmlns:a16="http://schemas.microsoft.com/office/drawing/2014/main" val="10001"/>
+                  </a:ext>
+                </a:extLst>
+              </a:tr>
+            </a:tbl>
+          </a:graphicData>
+        </a:graphic>
+      </p:graphicFrame>
+      <p:graphicFrame>
+        <p:nvGraphicFramePr>
+          <p:cNvPr id="6" name="Table 5">
+            <a:extLst>
+              <a:ext uri="{FF2B5EF4-FFF2-40B4-BE49-F238E27FC236}">
+                <a16:creationId xmlns:a16="http://schemas.microsoft.com/office/drawing/2014/main" id="{441ADC90-ADB8-D7DD-0AC3-9F57EB29BD9E}"/>
+              </a:ext>
+            </a:extLst>
+          </p:cNvPr>
+          <p:cNvGraphicFramePr>
+            <a:graphicFrameLocks noGrp="1"/>
+          </p:cNvGraphicFramePr>
+          <p:nvPr>
+            <p:extLst>
+              <p:ext uri="{D42A27DB-BD31-4B8C-83A1-F6EECF244321}">
+                <p14:modId xmlns:p14="http://schemas.microsoft.com/office/powerpoint/2010/main" val="3135758298"/>
+              </p:ext>
+            </p:extLst>
+          </p:nvPr>
+        </p:nvGraphicFramePr>
+        <p:xfrm>
+          <a:off x="5139813" y="2133601"/>
+          <a:ext cx="3657600" cy="1787916"/>
+        </p:xfrm>
+        <a:graphic>
+          <a:graphicData uri="http://schemas.openxmlformats.org/drawingml/2006/table">
+            <a:tbl>
+              <a:tblPr firstRow="1" firstCol="1" bandRow="1">
+                <a:tableStyleId>{5940675A-B579-460E-94D1-54222C63F5DA}</a:tableStyleId>
+              </a:tblPr>
+              <a:tblGrid>
+                <a:gridCol w="3657600">
+                  <a:extLst>
+                    <a:ext uri="{9D8B030D-6E8A-4147-A177-3AD203B41FA5}">
+                      <a16:colId xmlns:a16="http://schemas.microsoft.com/office/drawing/2014/main" val="20000"/>
+                    </a:ext>
+                  </a:extLst>
+                </a:gridCol>
+              </a:tblGrid>
+              <a:tr h="208524">
+                <a:tc>
+                  <a:txBody>
+                    <a:bodyPr/>
+                    <a:lstStyle/>
+                    <a:p>
+                      <a:pPr marL="0" marR="0" algn="just">
+                        <a:spcBef>
+                          <a:spcPts val="0"/>
+                        </a:spcBef>
+                        <a:spcAft>
+                          <a:spcPts val="0"/>
+                        </a:spcAft>
+                      </a:pPr>
+                      <a:r>
+                        <a:rPr lang="en-US" sz="1600" b="1">
+                          <a:solidFill>
+                            <a:schemeClr val="bg1"/>
+                          </a:solidFill>
+                          <a:effectLst/>
+                          <a:latin typeface="Consolas" panose="020B0609020204030204" pitchFamily="49" charset="0"/>
+                          <a:cs typeface="Consolas" panose="020B0609020204030204" pitchFamily="49" charset="0"/>
+                        </a:rPr>
+                        <a:t>Calle</a:t>
+                      </a:r>
+                      <a:r>
+                        <a:rPr lang="en-US" altLang="zh-CN" sz="1600" b="1">
+                          <a:solidFill>
+                            <a:schemeClr val="bg1"/>
+                          </a:solidFill>
+                          <a:effectLst/>
+                          <a:latin typeface="Consolas" panose="020B0609020204030204" pitchFamily="49" charset="0"/>
+                          <a:cs typeface="Consolas" panose="020B0609020204030204" pitchFamily="49" charset="0"/>
+                        </a:rPr>
+                        <a:t>e</a:t>
+                      </a:r>
+                      <a:r>
+                        <a:rPr lang="en-US" sz="1600" b="1">
+                          <a:solidFill>
+                            <a:schemeClr val="bg1"/>
+                          </a:solidFill>
+                          <a:effectLst/>
+                          <a:latin typeface="Consolas" panose="020B0609020204030204" pitchFamily="49" charset="0"/>
+                          <a:cs typeface="Consolas" panose="020B0609020204030204" pitchFamily="49" charset="0"/>
+                        </a:rPr>
+                        <a:t> Program</a:t>
+                      </a:r>
+                      <a:endParaRPr lang="en-US" sz="1600" b="1" dirty="0">
+                        <a:solidFill>
+                          <a:schemeClr val="bg1"/>
+                        </a:solidFill>
+                        <a:effectLst/>
+                        <a:latin typeface="Consolas" panose="020B0609020204030204" pitchFamily="49" charset="0"/>
+                        <a:ea typeface="宋体"/>
+                        <a:cs typeface="Consolas" panose="020B0609020204030204" pitchFamily="49" charset="0"/>
+                      </a:endParaRPr>
+                    </a:p>
+                  </a:txBody>
+                  <a:tcPr marL="68580" marR="68580" marT="0" marB="0">
+                    <a:solidFill>
+                      <a:schemeClr val="accent1"/>
+                    </a:solidFill>
+                  </a:tcPr>
+                </a:tc>
+                <a:extLst>
+                  <a:ext uri="{0D108BD9-81ED-4DB2-BD59-A6C34878D82A}">
+                    <a16:rowId xmlns:a16="http://schemas.microsoft.com/office/drawing/2014/main" val="10000"/>
+                  </a:ext>
+                </a:extLst>
+              </a:tr>
+              <a:tr h="1544076">
+                <a:tc>
+                  <a:txBody>
+                    <a:bodyPr/>
+                    <a:lstStyle/>
+                    <a:p>
+                      <a:r>
+                        <a:rPr kumimoji="0" lang="en-US" sz="1400" b="0" i="0" kern="1200" dirty="0">
+                          <a:solidFill>
+                            <a:schemeClr val="tx1"/>
+                          </a:solidFill>
+                          <a:effectLst/>
+                          <a:latin typeface="Consolas" panose="020B0609020204030204" pitchFamily="49" charset="0"/>
+                          <a:ea typeface="+mn-ea"/>
+                          <a:cs typeface="+mn-cs"/>
+                        </a:rPr>
+                        <a:t>int </a:t>
+                      </a:r>
+                      <a:r>
+                        <a:rPr kumimoji="0" lang="en-US" sz="1400" b="0" i="0" kern="1200" dirty="0" err="1">
+                          <a:solidFill>
+                            <a:schemeClr val="tx1"/>
+                          </a:solidFill>
+                          <a:effectLst/>
+                          <a:latin typeface="Consolas" panose="020B0609020204030204" pitchFamily="49" charset="0"/>
+                          <a:ea typeface="+mn-ea"/>
+                          <a:cs typeface="+mn-cs"/>
+                        </a:rPr>
+                        <a:t>toLower</a:t>
+                      </a:r>
+                      <a:r>
+                        <a:rPr kumimoji="0" lang="en-US" sz="1400" b="0" i="0" kern="1200" dirty="0">
+                          <a:solidFill>
+                            <a:schemeClr val="tx1"/>
+                          </a:solidFill>
+                          <a:effectLst/>
+                          <a:latin typeface="Consolas" panose="020B0609020204030204" pitchFamily="49" charset="0"/>
+                          <a:ea typeface="+mn-ea"/>
+                          <a:cs typeface="+mn-cs"/>
+                        </a:rPr>
+                        <a:t> (int c)</a:t>
+                      </a:r>
+                    </a:p>
+                    <a:p>
+                      <a:r>
+                        <a:rPr kumimoji="0" lang="en-US" sz="1400" b="0" i="0" kern="1200" dirty="0">
+                          <a:solidFill>
+                            <a:schemeClr val="tx1"/>
+                          </a:solidFill>
+                          <a:effectLst/>
+                          <a:latin typeface="Consolas" panose="020B0609020204030204" pitchFamily="49" charset="0"/>
+                          <a:ea typeface="+mn-ea"/>
+                          <a:cs typeface="+mn-cs"/>
+                        </a:rPr>
+                        <a:t>{</a:t>
+                      </a:r>
+                    </a:p>
+                    <a:p>
+                      <a:r>
+                        <a:rPr kumimoji="0" lang="en-US" sz="1400" b="0" i="0" kern="1200" dirty="0">
+                          <a:solidFill>
+                            <a:schemeClr val="tx1"/>
+                          </a:solidFill>
+                          <a:effectLst/>
+                          <a:latin typeface="Consolas" panose="020B0609020204030204" pitchFamily="49" charset="0"/>
+                          <a:ea typeface="+mn-ea"/>
+                          <a:cs typeface="+mn-cs"/>
+                        </a:rPr>
+                        <a:t>  if (c &gt;= 'A' &amp;&amp; c &lt;= 'Z')</a:t>
+                      </a:r>
+                    </a:p>
+                    <a:p>
+                      <a:r>
+                        <a:rPr kumimoji="0" lang="en-US" sz="1400" b="0" i="0" kern="1200" dirty="0">
+                          <a:solidFill>
+                            <a:schemeClr val="tx1"/>
+                          </a:solidFill>
+                          <a:effectLst/>
+                          <a:latin typeface="Consolas" panose="020B0609020204030204" pitchFamily="49" charset="0"/>
+                          <a:ea typeface="+mn-ea"/>
+                          <a:cs typeface="+mn-cs"/>
+                        </a:rPr>
+                        <a:t>     c += 'a' - 'A';</a:t>
+                      </a:r>
+                    </a:p>
+                    <a:p>
+                      <a:endParaRPr kumimoji="0" lang="en-US" sz="1400" b="0" i="0" kern="1200" dirty="0">
+                        <a:solidFill>
+                          <a:schemeClr val="tx1"/>
+                        </a:solidFill>
+                        <a:effectLst/>
+                        <a:latin typeface="Consolas" panose="020B0609020204030204" pitchFamily="49" charset="0"/>
+                        <a:ea typeface="+mn-ea"/>
+                        <a:cs typeface="+mn-cs"/>
+                      </a:endParaRPr>
+                    </a:p>
+                    <a:p>
+                      <a:r>
+                        <a:rPr kumimoji="0" lang="en-US" sz="1400" b="0" i="0" kern="1200" dirty="0">
+                          <a:solidFill>
+                            <a:schemeClr val="tx1"/>
+                          </a:solidFill>
+                          <a:effectLst/>
+                          <a:latin typeface="Consolas" panose="020B0609020204030204" pitchFamily="49" charset="0"/>
+                          <a:ea typeface="+mn-ea"/>
+                          <a:cs typeface="+mn-cs"/>
+                        </a:rPr>
+                        <a:t>  return c;</a:t>
+                      </a:r>
+                    </a:p>
+                    <a:p>
+                      <a:r>
+                        <a:rPr kumimoji="0" lang="en-US" sz="1400" b="0" i="0" kern="1200" dirty="0">
+                          <a:solidFill>
+                            <a:schemeClr val="tx1"/>
+                          </a:solidFill>
+                          <a:effectLst/>
+                          <a:latin typeface="Consolas" panose="020B0609020204030204" pitchFamily="49" charset="0"/>
+                          <a:ea typeface="+mn-ea"/>
+                          <a:cs typeface="+mn-cs"/>
+                        </a:rPr>
+                        <a:t>}</a:t>
+                      </a:r>
+                    </a:p>
+                  </a:txBody>
+                  <a:tcPr marL="68580" marR="68580" marT="0" marB="0"/>
+                </a:tc>
+                <a:extLst>
+                  <a:ext uri="{0D108BD9-81ED-4DB2-BD59-A6C34878D82A}">
+                    <a16:rowId xmlns:a16="http://schemas.microsoft.com/office/drawing/2014/main" val="10001"/>
+                  </a:ext>
+                </a:extLst>
+              </a:tr>
+            </a:tbl>
+          </a:graphicData>
+        </a:graphic>
+      </p:graphicFrame>
+      <p:sp>
+        <p:nvSpPr>
+          <p:cNvPr id="7" name="Content Placeholder 3">
+            <a:extLst>
+              <a:ext uri="{FF2B5EF4-FFF2-40B4-BE49-F238E27FC236}">
+                <a16:creationId xmlns:a16="http://schemas.microsoft.com/office/drawing/2014/main" id="{A8877E1E-4738-45CE-9CC3-2C75B88FD72F}"/>
+              </a:ext>
+            </a:extLst>
+          </p:cNvPr>
+          <p:cNvSpPr>
+            <a:spLocks noGrp="1"/>
+          </p:cNvSpPr>
+          <p:nvPr>
+            <p:ph sz="quarter" idx="1"/>
+          </p:nvPr>
+        </p:nvSpPr>
+        <p:spPr>
+          <a:xfrm>
+            <a:off x="5029200" y="1125794"/>
+            <a:ext cx="3581400" cy="1115961"/>
+          </a:xfrm>
+        </p:spPr>
+        <p:txBody>
+          <a:bodyPr>
+            <a:normAutofit fontScale="85000" lnSpcReduction="10000"/>
+          </a:bodyPr>
+          <a:lstStyle/>
+          <a:p>
+            <a:r>
+              <a:rPr lang="en-US" sz="2000" dirty="0"/>
+              <a:t>Consider the following C program that converts all ASCII letters to lower case. Write the </a:t>
+            </a:r>
+            <a:r>
+              <a:rPr lang="en-US" sz="2000" dirty="0" err="1"/>
+              <a:t>toLower</a:t>
+            </a:r>
+            <a:r>
+              <a:rPr lang="en-US" sz="2000" dirty="0"/>
+              <a:t> function in ARMv7 assembly code.</a:t>
+            </a:r>
+          </a:p>
+        </p:txBody>
+      </p:sp>
+      <p:graphicFrame>
+        <p:nvGraphicFramePr>
+          <p:cNvPr id="8" name="Table 7">
+            <a:extLst>
+              <a:ext uri="{FF2B5EF4-FFF2-40B4-BE49-F238E27FC236}">
+                <a16:creationId xmlns:a16="http://schemas.microsoft.com/office/drawing/2014/main" id="{AA01F272-373C-24EF-CF3E-2DDED1980174}"/>
+              </a:ext>
+            </a:extLst>
+          </p:cNvPr>
+          <p:cNvGraphicFramePr>
+            <a:graphicFrameLocks noGrp="1"/>
+          </p:cNvGraphicFramePr>
+          <p:nvPr>
+            <p:extLst>
+              <p:ext uri="{D42A27DB-BD31-4B8C-83A1-F6EECF244321}">
+                <p14:modId xmlns:p14="http://schemas.microsoft.com/office/powerpoint/2010/main" val="918362635"/>
+              </p:ext>
+            </p:extLst>
+          </p:nvPr>
+        </p:nvGraphicFramePr>
+        <p:xfrm>
+          <a:off x="5139813" y="4030356"/>
+          <a:ext cx="3657600" cy="2049421"/>
+        </p:xfrm>
+        <a:graphic>
+          <a:graphicData uri="http://schemas.openxmlformats.org/drawingml/2006/table">
+            <a:tbl>
+              <a:tblPr firstRow="1" firstCol="1" bandRow="1">
+                <a:tableStyleId>{5940675A-B579-460E-94D1-54222C63F5DA}</a:tableStyleId>
+              </a:tblPr>
+              <a:tblGrid>
+                <a:gridCol w="3657600">
+                  <a:extLst>
+                    <a:ext uri="{9D8B030D-6E8A-4147-A177-3AD203B41FA5}">
+                      <a16:colId xmlns:a16="http://schemas.microsoft.com/office/drawing/2014/main" val="20000"/>
+                    </a:ext>
+                  </a:extLst>
+                </a:gridCol>
+              </a:tblGrid>
+              <a:tr h="175619">
+                <a:tc>
+                  <a:txBody>
+                    <a:bodyPr/>
+                    <a:lstStyle/>
+                    <a:p>
+                      <a:pPr marL="0" marR="0" algn="just">
+                        <a:spcBef>
+                          <a:spcPts val="0"/>
+                        </a:spcBef>
+                        <a:spcAft>
+                          <a:spcPts val="0"/>
+                        </a:spcAft>
+                      </a:pPr>
+                      <a:r>
+                        <a:rPr lang="en-US" sz="1600" b="1" dirty="0">
+                          <a:solidFill>
+                            <a:schemeClr val="bg1"/>
+                          </a:solidFill>
+                          <a:effectLst/>
+                          <a:latin typeface="Consolas" panose="020B0609020204030204" pitchFamily="49" charset="0"/>
+                          <a:cs typeface="Consolas" panose="020B0609020204030204" pitchFamily="49" charset="0"/>
+                        </a:rPr>
+                        <a:t>Calle</a:t>
+                      </a:r>
+                      <a:r>
+                        <a:rPr lang="en-US" altLang="zh-CN" sz="1600" b="1" dirty="0">
+                          <a:solidFill>
+                            <a:schemeClr val="bg1"/>
+                          </a:solidFill>
+                          <a:effectLst/>
+                          <a:latin typeface="Consolas" panose="020B0609020204030204" pitchFamily="49" charset="0"/>
+                          <a:cs typeface="Consolas" panose="020B0609020204030204" pitchFamily="49" charset="0"/>
+                        </a:rPr>
+                        <a:t>e</a:t>
+                      </a:r>
+                      <a:r>
+                        <a:rPr lang="en-US" sz="1600" b="1" dirty="0">
+                          <a:solidFill>
+                            <a:schemeClr val="bg1"/>
+                          </a:solidFill>
+                          <a:effectLst/>
+                          <a:latin typeface="Consolas" panose="020B0609020204030204" pitchFamily="49" charset="0"/>
+                          <a:cs typeface="Consolas" panose="020B0609020204030204" pitchFamily="49" charset="0"/>
+                        </a:rPr>
+                        <a:t> Program Assembly</a:t>
+                      </a:r>
+                      <a:endParaRPr lang="en-US" sz="1600" b="1" dirty="0">
+                        <a:solidFill>
+                          <a:schemeClr val="bg1"/>
+                        </a:solidFill>
+                        <a:effectLst/>
+                        <a:latin typeface="Consolas" panose="020B0609020204030204" pitchFamily="49" charset="0"/>
+                        <a:ea typeface="宋体"/>
+                        <a:cs typeface="Consolas" panose="020B0609020204030204" pitchFamily="49" charset="0"/>
+                      </a:endParaRPr>
+                    </a:p>
+                  </a:txBody>
+                  <a:tcPr marL="68580" marR="68580" marT="0" marB="0">
+                    <a:solidFill>
+                      <a:schemeClr val="accent1"/>
+                    </a:solidFill>
+                  </a:tcPr>
+                </a:tc>
+                <a:extLst>
+                  <a:ext uri="{0D108BD9-81ED-4DB2-BD59-A6C34878D82A}">
+                    <a16:rowId xmlns:a16="http://schemas.microsoft.com/office/drawing/2014/main" val="10000"/>
+                  </a:ext>
+                </a:extLst>
+              </a:tr>
+              <a:tr h="1805581">
+                <a:tc>
+                  <a:txBody>
+                    <a:bodyPr/>
+                    <a:lstStyle/>
+                    <a:p>
+                      <a:r>
+                        <a:rPr kumimoji="0" lang="en-US" sz="1400" b="0" i="0" kern="1200" dirty="0">
+                          <a:solidFill>
+                            <a:schemeClr val="tx1"/>
+                          </a:solidFill>
+                          <a:effectLst/>
+                          <a:latin typeface="Consolas" panose="020B0609020204030204" pitchFamily="49" charset="0"/>
+                          <a:ea typeface="+mn-ea"/>
+                          <a:cs typeface="+mn-cs"/>
+                        </a:rPr>
+                        <a:t>    .text</a:t>
+                      </a:r>
+                    </a:p>
+                    <a:p>
+                      <a:r>
+                        <a:rPr kumimoji="0" lang="en-US" sz="1400" b="0" i="0" kern="1200" dirty="0">
+                          <a:solidFill>
+                            <a:schemeClr val="tx1"/>
+                          </a:solidFill>
+                          <a:effectLst/>
+                          <a:latin typeface="Consolas" panose="020B0609020204030204" pitchFamily="49" charset="0"/>
+                          <a:ea typeface="+mn-ea"/>
+                          <a:cs typeface="+mn-cs"/>
+                        </a:rPr>
+                        <a:t>    .global </a:t>
+                      </a:r>
+                      <a:r>
+                        <a:rPr kumimoji="0" lang="en-US" sz="1400" b="0" i="0" kern="1200" dirty="0" err="1">
+                          <a:solidFill>
+                            <a:schemeClr val="tx1"/>
+                          </a:solidFill>
+                          <a:effectLst/>
+                          <a:latin typeface="Consolas" panose="020B0609020204030204" pitchFamily="49" charset="0"/>
+                          <a:ea typeface="+mn-ea"/>
+                          <a:cs typeface="+mn-cs"/>
+                        </a:rPr>
+                        <a:t>toLower</a:t>
+                      </a:r>
+                      <a:endParaRPr kumimoji="0" lang="en-US" sz="1400" b="0" i="0" kern="1200" dirty="0">
+                        <a:solidFill>
+                          <a:schemeClr val="tx1"/>
+                        </a:solidFill>
+                        <a:effectLst/>
+                        <a:latin typeface="Consolas" panose="020B0609020204030204" pitchFamily="49" charset="0"/>
+                        <a:ea typeface="+mn-ea"/>
+                        <a:cs typeface="+mn-cs"/>
+                      </a:endParaRPr>
+                    </a:p>
+                    <a:p>
+                      <a:r>
+                        <a:rPr kumimoji="0" lang="en-US" sz="1400" b="0" i="0" kern="1200" dirty="0" err="1">
+                          <a:solidFill>
+                            <a:schemeClr val="tx1"/>
+                          </a:solidFill>
+                          <a:effectLst/>
+                          <a:latin typeface="Consolas" panose="020B0609020204030204" pitchFamily="49" charset="0"/>
+                          <a:ea typeface="+mn-ea"/>
+                          <a:cs typeface="+mn-cs"/>
+                        </a:rPr>
+                        <a:t>toLower</a:t>
+                      </a:r>
+                      <a:r>
+                        <a:rPr kumimoji="0" lang="en-US" sz="1400" b="0" i="0" kern="1200" dirty="0">
+                          <a:solidFill>
+                            <a:schemeClr val="tx1"/>
+                          </a:solidFill>
+                          <a:effectLst/>
+                          <a:latin typeface="Consolas" panose="020B0609020204030204" pitchFamily="49" charset="0"/>
+                          <a:ea typeface="+mn-ea"/>
+                          <a:cs typeface="+mn-cs"/>
+                        </a:rPr>
+                        <a:t>:</a:t>
+                      </a:r>
+                    </a:p>
+                  </a:txBody>
+                  <a:tcPr marL="68580" marR="68580" marT="0" marB="0"/>
+                </a:tc>
+                <a:extLst>
+                  <a:ext uri="{0D108BD9-81ED-4DB2-BD59-A6C34878D82A}">
+                    <a16:rowId xmlns:a16="http://schemas.microsoft.com/office/drawing/2014/main" val="10001"/>
+                  </a:ext>
+                </a:extLst>
+              </a:tr>
+            </a:tbl>
+          </a:graphicData>
+        </a:graphic>
+      </p:graphicFrame>
+    </p:spTree>
+    <p:extLst>
+      <p:ext uri="{BB962C8B-B14F-4D97-AF65-F5344CB8AC3E}">
+        <p14:creationId xmlns:p14="http://schemas.microsoft.com/office/powerpoint/2010/main" val="4018749421"/>
+      </p:ext>
+    </p:extLst>
+  </p:cSld>
+  <p:clrMapOvr>
+    <a:masterClrMapping/>
+  </p:clrMapOvr>
+</p:sld>
+</file>
+
+<file path=ppt/slides/slide12.xml><?xml version="1.0" encoding="utf-8"?>
+<p:sld xmlns:a="http://schemas.openxmlformats.org/drawingml/2006/main" xmlns:r="http://schemas.openxmlformats.org/officeDocument/2006/relationships" xmlns:p="http://schemas.openxmlformats.org/presentationml/2006/main">
+  <p:cSld>
+    <p:spTree>
+      <p:nvGrpSpPr>
+        <p:cNvPr id="1" name="">
+          <a:extLst>
+            <a:ext uri="{FF2B5EF4-FFF2-40B4-BE49-F238E27FC236}">
+              <a16:creationId xmlns:a16="http://schemas.microsoft.com/office/drawing/2014/main" id="{95A11246-2B88-B4D4-DF6F-83B838798BE8}"/>
+            </a:ext>
+          </a:extLst>
+        </p:cNvPr>
+        <p:cNvGrpSpPr/>
+        <p:nvPr/>
+      </p:nvGrpSpPr>
+      <p:grpSpPr>
+        <a:xfrm>
+          <a:off x="0" y="0"/>
+          <a:ext cx="0" cy="0"/>
+          <a:chOff x="0" y="0"/>
+          <a:chExt cx="0" cy="0"/>
+        </a:xfrm>
+      </p:grpSpPr>
+      <p:sp>
+        <p:nvSpPr>
+          <p:cNvPr id="2" name="Title 1">
+            <a:extLst>
+              <a:ext uri="{FF2B5EF4-FFF2-40B4-BE49-F238E27FC236}">
+                <a16:creationId xmlns:a16="http://schemas.microsoft.com/office/drawing/2014/main" id="{25E58B75-95E0-2541-7E04-055CF0C60C5B}"/>
+              </a:ext>
+            </a:extLst>
+          </p:cNvPr>
+          <p:cNvSpPr>
+            <a:spLocks noGrp="1"/>
+          </p:cNvSpPr>
+          <p:nvPr>
+            <p:ph type="title"/>
+          </p:nvPr>
+        </p:nvSpPr>
+        <p:spPr/>
+        <p:txBody>
+          <a:bodyPr/>
+          <a:lstStyle/>
+          <a:p>
+            <a:r>
+              <a:rPr lang="en-US" dirty="0" err="1"/>
+              <a:t>toLower</a:t>
+            </a:r>
+            <a:r>
+              <a:rPr lang="en-US" dirty="0"/>
+              <a:t> ANS</a:t>
+            </a:r>
+          </a:p>
+        </p:txBody>
+      </p:sp>
+      <p:sp>
+        <p:nvSpPr>
+          <p:cNvPr id="3" name="Slide Number Placeholder 2">
+            <a:extLst>
+              <a:ext uri="{FF2B5EF4-FFF2-40B4-BE49-F238E27FC236}">
+                <a16:creationId xmlns:a16="http://schemas.microsoft.com/office/drawing/2014/main" id="{2055FFEA-1824-B30B-B2F0-65F1865F3262}"/>
+              </a:ext>
+            </a:extLst>
+          </p:cNvPr>
+          <p:cNvSpPr>
+            <a:spLocks noGrp="1"/>
+          </p:cNvSpPr>
+          <p:nvPr>
+            <p:ph type="sldNum" sz="quarter" idx="12"/>
+          </p:nvPr>
+        </p:nvSpPr>
+        <p:spPr/>
+        <p:txBody>
+          <a:bodyPr/>
+          <a:lstStyle/>
+          <a:p>
+            <a:fld id="{EA7C8D44-3667-46F6-9772-CC52308E2A7F}" type="slidenum">
+              <a:rPr kumimoji="0" lang="en-US" smtClean="0"/>
+              <a:pPr/>
+              <a:t>12</a:t>
+            </a:fld>
+            <a:endParaRPr kumimoji="0" lang="en-US" dirty="0"/>
+          </a:p>
+        </p:txBody>
+      </p:sp>
+      <p:graphicFrame>
+        <p:nvGraphicFramePr>
+          <p:cNvPr id="6" name="Table 5">
+            <a:extLst>
+              <a:ext uri="{FF2B5EF4-FFF2-40B4-BE49-F238E27FC236}">
+                <a16:creationId xmlns:a16="http://schemas.microsoft.com/office/drawing/2014/main" id="{CC203EDA-BA4D-8B0A-42B8-FE11C464F19D}"/>
+              </a:ext>
+            </a:extLst>
+          </p:cNvPr>
+          <p:cNvGraphicFramePr>
+            <a:graphicFrameLocks noGrp="1"/>
+          </p:cNvGraphicFramePr>
+          <p:nvPr>
+            <p:extLst>
+              <p:ext uri="{D42A27DB-BD31-4B8C-83A1-F6EECF244321}">
+                <p14:modId xmlns:p14="http://schemas.microsoft.com/office/powerpoint/2010/main" val="2484914283"/>
+              </p:ext>
+            </p:extLst>
+          </p:nvPr>
+        </p:nvGraphicFramePr>
+        <p:xfrm>
+          <a:off x="457200" y="1219200"/>
+          <a:ext cx="3657600" cy="1787916"/>
+        </p:xfrm>
+        <a:graphic>
+          <a:graphicData uri="http://schemas.openxmlformats.org/drawingml/2006/table">
+            <a:tbl>
+              <a:tblPr firstRow="1" firstCol="1" bandRow="1">
+                <a:tableStyleId>{5940675A-B579-460E-94D1-54222C63F5DA}</a:tableStyleId>
+              </a:tblPr>
+              <a:tblGrid>
+                <a:gridCol w="3657600">
+                  <a:extLst>
+                    <a:ext uri="{9D8B030D-6E8A-4147-A177-3AD203B41FA5}">
+                      <a16:colId xmlns:a16="http://schemas.microsoft.com/office/drawing/2014/main" val="20000"/>
+                    </a:ext>
+                  </a:extLst>
+                </a:gridCol>
+              </a:tblGrid>
+              <a:tr h="208524">
+                <a:tc>
+                  <a:txBody>
+                    <a:bodyPr/>
+                    <a:lstStyle/>
+                    <a:p>
+                      <a:pPr marL="0" marR="0" algn="just">
+                        <a:spcBef>
+                          <a:spcPts val="0"/>
+                        </a:spcBef>
+                        <a:spcAft>
+                          <a:spcPts val="0"/>
+                        </a:spcAft>
+                      </a:pPr>
+                      <a:r>
+                        <a:rPr lang="en-US" sz="1600" b="1">
+                          <a:solidFill>
+                            <a:schemeClr val="bg1"/>
+                          </a:solidFill>
+                          <a:effectLst/>
+                          <a:latin typeface="Consolas" panose="020B0609020204030204" pitchFamily="49" charset="0"/>
+                          <a:cs typeface="Consolas" panose="020B0609020204030204" pitchFamily="49" charset="0"/>
+                        </a:rPr>
+                        <a:t>Calle</a:t>
+                      </a:r>
+                      <a:r>
+                        <a:rPr lang="en-US" altLang="zh-CN" sz="1600" b="1">
+                          <a:solidFill>
+                            <a:schemeClr val="bg1"/>
+                          </a:solidFill>
+                          <a:effectLst/>
+                          <a:latin typeface="Consolas" panose="020B0609020204030204" pitchFamily="49" charset="0"/>
+                          <a:cs typeface="Consolas" panose="020B0609020204030204" pitchFamily="49" charset="0"/>
+                        </a:rPr>
+                        <a:t>e</a:t>
+                      </a:r>
+                      <a:r>
+                        <a:rPr lang="en-US" sz="1600" b="1">
+                          <a:solidFill>
+                            <a:schemeClr val="bg1"/>
+                          </a:solidFill>
+                          <a:effectLst/>
+                          <a:latin typeface="Consolas" panose="020B0609020204030204" pitchFamily="49" charset="0"/>
+                          <a:cs typeface="Consolas" panose="020B0609020204030204" pitchFamily="49" charset="0"/>
+                        </a:rPr>
+                        <a:t> Program</a:t>
+                      </a:r>
+                      <a:endParaRPr lang="en-US" sz="1600" b="1" dirty="0">
+                        <a:solidFill>
+                          <a:schemeClr val="bg1"/>
+                        </a:solidFill>
+                        <a:effectLst/>
+                        <a:latin typeface="Consolas" panose="020B0609020204030204" pitchFamily="49" charset="0"/>
+                        <a:ea typeface="宋体"/>
+                        <a:cs typeface="Consolas" panose="020B0609020204030204" pitchFamily="49" charset="0"/>
+                      </a:endParaRPr>
+                    </a:p>
+                  </a:txBody>
+                  <a:tcPr marL="68580" marR="68580" marT="0" marB="0">
+                    <a:solidFill>
+                      <a:schemeClr val="accent1"/>
+                    </a:solidFill>
+                  </a:tcPr>
+                </a:tc>
+                <a:extLst>
+                  <a:ext uri="{0D108BD9-81ED-4DB2-BD59-A6C34878D82A}">
+                    <a16:rowId xmlns:a16="http://schemas.microsoft.com/office/drawing/2014/main" val="10000"/>
+                  </a:ext>
+                </a:extLst>
+              </a:tr>
+              <a:tr h="1544076">
+                <a:tc>
+                  <a:txBody>
+                    <a:bodyPr/>
+                    <a:lstStyle/>
+                    <a:p>
+                      <a:r>
+                        <a:rPr kumimoji="0" lang="en-US" sz="1400" b="0" i="0" kern="1200" dirty="0">
+                          <a:solidFill>
+                            <a:schemeClr val="tx1"/>
+                          </a:solidFill>
+                          <a:effectLst/>
+                          <a:latin typeface="Consolas" panose="020B0609020204030204" pitchFamily="49" charset="0"/>
+                          <a:ea typeface="+mn-ea"/>
+                          <a:cs typeface="+mn-cs"/>
+                        </a:rPr>
+                        <a:t>int </a:t>
+                      </a:r>
+                      <a:r>
+                        <a:rPr kumimoji="0" lang="en-US" sz="1400" b="0" i="0" kern="1200" dirty="0" err="1">
+                          <a:solidFill>
+                            <a:schemeClr val="tx1"/>
+                          </a:solidFill>
+                          <a:effectLst/>
+                          <a:latin typeface="Consolas" panose="020B0609020204030204" pitchFamily="49" charset="0"/>
+                          <a:ea typeface="+mn-ea"/>
+                          <a:cs typeface="+mn-cs"/>
+                        </a:rPr>
+                        <a:t>toLower</a:t>
+                      </a:r>
+                      <a:r>
+                        <a:rPr kumimoji="0" lang="en-US" sz="1400" b="0" i="0" kern="1200" dirty="0">
+                          <a:solidFill>
+                            <a:schemeClr val="tx1"/>
+                          </a:solidFill>
+                          <a:effectLst/>
+                          <a:latin typeface="Consolas" panose="020B0609020204030204" pitchFamily="49" charset="0"/>
+                          <a:ea typeface="+mn-ea"/>
+                          <a:cs typeface="+mn-cs"/>
+                        </a:rPr>
+                        <a:t> (int c)</a:t>
+                      </a:r>
+                    </a:p>
+                    <a:p>
+                      <a:r>
+                        <a:rPr kumimoji="0" lang="en-US" sz="1400" b="0" i="0" kern="1200" dirty="0">
+                          <a:solidFill>
+                            <a:schemeClr val="tx1"/>
+                          </a:solidFill>
+                          <a:effectLst/>
+                          <a:latin typeface="Consolas" panose="020B0609020204030204" pitchFamily="49" charset="0"/>
+                          <a:ea typeface="+mn-ea"/>
+                          <a:cs typeface="+mn-cs"/>
+                        </a:rPr>
+                        <a:t>{</a:t>
+                      </a:r>
+                    </a:p>
+                    <a:p>
+                      <a:r>
+                        <a:rPr kumimoji="0" lang="en-US" sz="1400" b="0" i="0" kern="1200" dirty="0">
+                          <a:solidFill>
+                            <a:schemeClr val="tx1"/>
+                          </a:solidFill>
+                          <a:effectLst/>
+                          <a:latin typeface="Consolas" panose="020B0609020204030204" pitchFamily="49" charset="0"/>
+                          <a:ea typeface="+mn-ea"/>
+                          <a:cs typeface="+mn-cs"/>
+                        </a:rPr>
+                        <a:t>  if (c &gt;= 'A' &amp;&amp; c &lt;= 'Z')</a:t>
+                      </a:r>
+                    </a:p>
+                    <a:p>
+                      <a:r>
+                        <a:rPr kumimoji="0" lang="en-US" sz="1400" b="0" i="0" kern="1200" dirty="0">
+                          <a:solidFill>
+                            <a:schemeClr val="tx1"/>
+                          </a:solidFill>
+                          <a:effectLst/>
+                          <a:latin typeface="Consolas" panose="020B0609020204030204" pitchFamily="49" charset="0"/>
+                          <a:ea typeface="+mn-ea"/>
+                          <a:cs typeface="+mn-cs"/>
+                        </a:rPr>
+                        <a:t>     c += 'a' - 'A';</a:t>
+                      </a:r>
+                    </a:p>
+                    <a:p>
+                      <a:endParaRPr kumimoji="0" lang="en-US" sz="1400" b="0" i="0" kern="1200" dirty="0">
+                        <a:solidFill>
+                          <a:schemeClr val="tx1"/>
+                        </a:solidFill>
+                        <a:effectLst/>
+                        <a:latin typeface="Consolas" panose="020B0609020204030204" pitchFamily="49" charset="0"/>
+                        <a:ea typeface="+mn-ea"/>
+                        <a:cs typeface="+mn-cs"/>
+                      </a:endParaRPr>
+                    </a:p>
+                    <a:p>
+                      <a:r>
+                        <a:rPr kumimoji="0" lang="en-US" sz="1400" b="0" i="0" kern="1200" dirty="0">
+                          <a:solidFill>
+                            <a:schemeClr val="tx1"/>
+                          </a:solidFill>
+                          <a:effectLst/>
+                          <a:latin typeface="Consolas" panose="020B0609020204030204" pitchFamily="49" charset="0"/>
+                          <a:ea typeface="+mn-ea"/>
+                          <a:cs typeface="+mn-cs"/>
+                        </a:rPr>
+                        <a:t>  return c;</a:t>
+                      </a:r>
+                    </a:p>
+                    <a:p>
+                      <a:r>
+                        <a:rPr kumimoji="0" lang="en-US" sz="1400" b="0" i="0" kern="1200" dirty="0">
+                          <a:solidFill>
+                            <a:schemeClr val="tx1"/>
+                          </a:solidFill>
+                          <a:effectLst/>
+                          <a:latin typeface="Consolas" panose="020B0609020204030204" pitchFamily="49" charset="0"/>
+                          <a:ea typeface="+mn-ea"/>
+                          <a:cs typeface="+mn-cs"/>
+                        </a:rPr>
+                        <a:t>}</a:t>
+                      </a:r>
+                    </a:p>
+                  </a:txBody>
+                  <a:tcPr marL="68580" marR="68580" marT="0" marB="0"/>
+                </a:tc>
+                <a:extLst>
+                  <a:ext uri="{0D108BD9-81ED-4DB2-BD59-A6C34878D82A}">
+                    <a16:rowId xmlns:a16="http://schemas.microsoft.com/office/drawing/2014/main" val="10001"/>
+                  </a:ext>
+                </a:extLst>
+              </a:tr>
+            </a:tbl>
+          </a:graphicData>
+        </a:graphic>
+      </p:graphicFrame>
+      <p:graphicFrame>
+        <p:nvGraphicFramePr>
+          <p:cNvPr id="4" name="Table 3">
+            <a:extLst>
+              <a:ext uri="{FF2B5EF4-FFF2-40B4-BE49-F238E27FC236}">
+                <a16:creationId xmlns:a16="http://schemas.microsoft.com/office/drawing/2014/main" id="{058C7988-0F62-036F-DDF3-1121F4620528}"/>
+              </a:ext>
+            </a:extLst>
+          </p:cNvPr>
+          <p:cNvGraphicFramePr>
+            <a:graphicFrameLocks noGrp="1"/>
+          </p:cNvGraphicFramePr>
+          <p:nvPr>
+            <p:extLst>
+              <p:ext uri="{D42A27DB-BD31-4B8C-83A1-F6EECF244321}">
+                <p14:modId xmlns:p14="http://schemas.microsoft.com/office/powerpoint/2010/main" val="3738326912"/>
+              </p:ext>
+            </p:extLst>
+          </p:nvPr>
+        </p:nvGraphicFramePr>
+        <p:xfrm>
+          <a:off x="459658" y="3112813"/>
+          <a:ext cx="6474542" cy="2590800"/>
+        </p:xfrm>
+        <a:graphic>
+          <a:graphicData uri="http://schemas.openxmlformats.org/drawingml/2006/table">
+            <a:tbl>
+              <a:tblPr firstRow="1" firstCol="1" bandRow="1">
+                <a:tableStyleId>{5940675A-B579-460E-94D1-54222C63F5DA}</a:tableStyleId>
+              </a:tblPr>
+              <a:tblGrid>
+                <a:gridCol w="6474542">
+                  <a:extLst>
+                    <a:ext uri="{9D8B030D-6E8A-4147-A177-3AD203B41FA5}">
+                      <a16:colId xmlns:a16="http://schemas.microsoft.com/office/drawing/2014/main" val="20000"/>
+                    </a:ext>
+                  </a:extLst>
+                </a:gridCol>
+              </a:tblGrid>
+              <a:tr h="175619">
+                <a:tc>
+                  <a:txBody>
+                    <a:bodyPr/>
+                    <a:lstStyle/>
+                    <a:p>
+                      <a:pPr marL="0" marR="0" algn="just">
+                        <a:spcBef>
+                          <a:spcPts val="0"/>
+                        </a:spcBef>
+                        <a:spcAft>
+                          <a:spcPts val="0"/>
+                        </a:spcAft>
+                      </a:pPr>
+                      <a:r>
+                        <a:rPr lang="en-US" sz="1600" b="1" dirty="0">
+                          <a:solidFill>
+                            <a:schemeClr val="bg1"/>
+                          </a:solidFill>
+                          <a:effectLst/>
+                          <a:latin typeface="Consolas" panose="020B0609020204030204" pitchFamily="49" charset="0"/>
+                          <a:cs typeface="Consolas" panose="020B0609020204030204" pitchFamily="49" charset="0"/>
+                        </a:rPr>
+                        <a:t>Calle</a:t>
+                      </a:r>
+                      <a:r>
+                        <a:rPr lang="en-US" altLang="zh-CN" sz="1600" b="1" dirty="0">
+                          <a:solidFill>
+                            <a:schemeClr val="bg1"/>
+                          </a:solidFill>
+                          <a:effectLst/>
+                          <a:latin typeface="Consolas" panose="020B0609020204030204" pitchFamily="49" charset="0"/>
+                          <a:cs typeface="Consolas" panose="020B0609020204030204" pitchFamily="49" charset="0"/>
+                        </a:rPr>
+                        <a:t>e</a:t>
+                      </a:r>
+                      <a:r>
+                        <a:rPr lang="en-US" sz="1600" b="1" dirty="0">
+                          <a:solidFill>
+                            <a:schemeClr val="bg1"/>
+                          </a:solidFill>
+                          <a:effectLst/>
+                          <a:latin typeface="Consolas" panose="020B0609020204030204" pitchFamily="49" charset="0"/>
+                          <a:cs typeface="Consolas" panose="020B0609020204030204" pitchFamily="49" charset="0"/>
+                        </a:rPr>
+                        <a:t> Program Assembly</a:t>
+                      </a:r>
+                      <a:endParaRPr lang="en-US" sz="1600" b="1" dirty="0">
+                        <a:solidFill>
+                          <a:schemeClr val="bg1"/>
+                        </a:solidFill>
+                        <a:effectLst/>
+                        <a:latin typeface="Consolas" panose="020B0609020204030204" pitchFamily="49" charset="0"/>
+                        <a:ea typeface="宋体"/>
+                        <a:cs typeface="Consolas" panose="020B0609020204030204" pitchFamily="49" charset="0"/>
+                      </a:endParaRPr>
+                    </a:p>
+                  </a:txBody>
+                  <a:tcPr marL="68580" marR="68580" marT="0" marB="0">
+                    <a:solidFill>
+                      <a:schemeClr val="accent1"/>
+                    </a:solidFill>
+                  </a:tcPr>
+                </a:tc>
+                <a:extLst>
+                  <a:ext uri="{0D108BD9-81ED-4DB2-BD59-A6C34878D82A}">
+                    <a16:rowId xmlns:a16="http://schemas.microsoft.com/office/drawing/2014/main" val="10000"/>
+                  </a:ext>
+                </a:extLst>
+              </a:tr>
+              <a:tr h="1805581">
+                <a:tc>
+                  <a:txBody>
+                    <a:bodyPr/>
+                    <a:lstStyle/>
+                    <a:p>
+                      <a:r>
+                        <a:rPr kumimoji="0" lang="en-US" sz="1400" b="0" i="0" kern="1200" dirty="0">
+                          <a:solidFill>
+                            <a:schemeClr val="tx1"/>
+                          </a:solidFill>
+                          <a:effectLst/>
+                          <a:latin typeface="Consolas" panose="020B0609020204030204" pitchFamily="49" charset="0"/>
+                          <a:ea typeface="+mn-ea"/>
+                          <a:cs typeface="+mn-cs"/>
+                        </a:rPr>
+                        <a:t> .text</a:t>
+                      </a:r>
+                    </a:p>
+                    <a:p>
+                      <a:r>
+                        <a:rPr kumimoji="0" lang="en-US" sz="1400" b="0" i="0" kern="1200" dirty="0">
+                          <a:solidFill>
+                            <a:schemeClr val="tx1"/>
+                          </a:solidFill>
+                          <a:effectLst/>
+                          <a:latin typeface="Consolas" panose="020B0609020204030204" pitchFamily="49" charset="0"/>
+                          <a:ea typeface="+mn-ea"/>
+                          <a:cs typeface="+mn-cs"/>
+                        </a:rPr>
+                        <a:t>    .global </a:t>
+                      </a:r>
+                      <a:r>
+                        <a:rPr kumimoji="0" lang="en-US" sz="1400" b="0" i="0" kern="1200" dirty="0" err="1">
+                          <a:solidFill>
+                            <a:schemeClr val="tx1"/>
+                          </a:solidFill>
+                          <a:effectLst/>
+                          <a:latin typeface="Consolas" panose="020B0609020204030204" pitchFamily="49" charset="0"/>
+                          <a:ea typeface="+mn-ea"/>
+                          <a:cs typeface="+mn-cs"/>
+                        </a:rPr>
+                        <a:t>toLower</a:t>
+                      </a:r>
+                      <a:endParaRPr kumimoji="0" lang="en-US" sz="1400" b="0" i="0" kern="1200" dirty="0">
+                        <a:solidFill>
+                          <a:schemeClr val="tx1"/>
+                        </a:solidFill>
+                        <a:effectLst/>
+                        <a:latin typeface="Consolas" panose="020B0609020204030204" pitchFamily="49" charset="0"/>
+                        <a:ea typeface="+mn-ea"/>
+                        <a:cs typeface="+mn-cs"/>
+                      </a:endParaRPr>
+                    </a:p>
+                    <a:p>
+                      <a:r>
+                        <a:rPr kumimoji="0" lang="en-US" sz="1400" b="0" i="0" kern="1200" dirty="0" err="1">
+                          <a:solidFill>
+                            <a:schemeClr val="tx1"/>
+                          </a:solidFill>
+                          <a:effectLst/>
+                          <a:latin typeface="Consolas" panose="020B0609020204030204" pitchFamily="49" charset="0"/>
+                          <a:ea typeface="+mn-ea"/>
+                          <a:cs typeface="+mn-cs"/>
+                        </a:rPr>
+                        <a:t>toLower</a:t>
+                      </a:r>
+                      <a:r>
+                        <a:rPr kumimoji="0" lang="en-US" sz="1400" b="0" i="0" kern="1200" dirty="0">
+                          <a:solidFill>
+                            <a:schemeClr val="tx1"/>
+                          </a:solidFill>
+                          <a:effectLst/>
+                          <a:latin typeface="Consolas" panose="020B0609020204030204" pitchFamily="49" charset="0"/>
+                          <a:ea typeface="+mn-ea"/>
+                          <a:cs typeface="+mn-cs"/>
+                        </a:rPr>
+                        <a:t>: </a:t>
+                      </a:r>
+                    </a:p>
+                    <a:p>
+                      <a:r>
+                        <a:rPr kumimoji="0" lang="en-US" sz="1400" b="0" i="0" kern="1200" dirty="0">
+                          <a:solidFill>
+                            <a:schemeClr val="tx1"/>
+                          </a:solidFill>
+                          <a:effectLst/>
+                          <a:latin typeface="Consolas" panose="020B0609020204030204" pitchFamily="49" charset="0"/>
+                          <a:ea typeface="+mn-ea"/>
+                          <a:cs typeface="+mn-cs"/>
+                        </a:rPr>
+                        <a:t>    </a:t>
+                      </a:r>
+                      <a:r>
+                        <a:rPr kumimoji="0" lang="en-US" sz="1400" b="0" i="0" kern="1200" dirty="0" err="1">
+                          <a:solidFill>
+                            <a:schemeClr val="tx1"/>
+                          </a:solidFill>
+                          <a:effectLst/>
+                          <a:latin typeface="Consolas" panose="020B0609020204030204" pitchFamily="49" charset="0"/>
+                          <a:ea typeface="+mn-ea"/>
+                          <a:cs typeface="+mn-cs"/>
+                        </a:rPr>
+                        <a:t>cmp</a:t>
+                      </a:r>
+                      <a:r>
+                        <a:rPr kumimoji="0" lang="en-US" sz="1400" b="0" i="0" kern="1200" dirty="0">
+                          <a:solidFill>
+                            <a:schemeClr val="tx1"/>
+                          </a:solidFill>
+                          <a:effectLst/>
+                          <a:latin typeface="Consolas" panose="020B0609020204030204" pitchFamily="49" charset="0"/>
+                          <a:ea typeface="+mn-ea"/>
+                          <a:cs typeface="+mn-cs"/>
+                        </a:rPr>
+                        <a:t>     r0, #'A'                @ if c &lt; 'A' -&gt; </a:t>
+                      </a:r>
+                      <a:r>
+                        <a:rPr kumimoji="0" lang="en-US" sz="1400" b="0" i="0" kern="1200" dirty="0" err="1">
+                          <a:solidFill>
+                            <a:schemeClr val="tx1"/>
+                          </a:solidFill>
+                          <a:effectLst/>
+                          <a:latin typeface="Consolas" panose="020B0609020204030204" pitchFamily="49" charset="0"/>
+                          <a:ea typeface="+mn-ea"/>
+                          <a:cs typeface="+mn-cs"/>
+                        </a:rPr>
+                        <a:t>skip_adjust</a:t>
+                      </a:r>
+                      <a:endParaRPr kumimoji="0" lang="en-US" sz="1400" b="0" i="0" kern="1200" dirty="0">
+                        <a:solidFill>
+                          <a:schemeClr val="tx1"/>
+                        </a:solidFill>
+                        <a:effectLst/>
+                        <a:latin typeface="Consolas" panose="020B0609020204030204" pitchFamily="49" charset="0"/>
+                        <a:ea typeface="+mn-ea"/>
+                        <a:cs typeface="+mn-cs"/>
+                      </a:endParaRPr>
+                    </a:p>
+                    <a:p>
+                      <a:r>
+                        <a:rPr kumimoji="0" lang="en-US" sz="1400" b="0" i="0" kern="1200" dirty="0">
+                          <a:solidFill>
+                            <a:schemeClr val="tx1"/>
+                          </a:solidFill>
+                          <a:effectLst/>
+                          <a:latin typeface="Consolas" panose="020B0609020204030204" pitchFamily="49" charset="0"/>
+                          <a:ea typeface="+mn-ea"/>
+                          <a:cs typeface="+mn-cs"/>
+                        </a:rPr>
+                        <a:t>    </a:t>
+                      </a:r>
+                      <a:r>
+                        <a:rPr kumimoji="0" lang="en-US" sz="1400" b="0" i="0" kern="1200" dirty="0" err="1">
+                          <a:solidFill>
+                            <a:schemeClr val="tx1"/>
+                          </a:solidFill>
+                          <a:effectLst/>
+                          <a:latin typeface="Consolas" panose="020B0609020204030204" pitchFamily="49" charset="0"/>
+                          <a:ea typeface="+mn-ea"/>
+                          <a:cs typeface="+mn-cs"/>
+                        </a:rPr>
+                        <a:t>blt</a:t>
+                      </a:r>
+                      <a:r>
+                        <a:rPr kumimoji="0" lang="en-US" sz="1400" b="0" i="0" kern="1200" dirty="0">
+                          <a:solidFill>
+                            <a:schemeClr val="tx1"/>
+                          </a:solidFill>
+                          <a:effectLst/>
+                          <a:latin typeface="Consolas" panose="020B0609020204030204" pitchFamily="49" charset="0"/>
+                          <a:ea typeface="+mn-ea"/>
+                          <a:cs typeface="+mn-cs"/>
+                        </a:rPr>
+                        <a:t>     </a:t>
+                      </a:r>
+                      <a:r>
+                        <a:rPr kumimoji="0" lang="en-US" sz="1400" b="0" i="0" kern="1200" dirty="0" err="1">
+                          <a:solidFill>
+                            <a:schemeClr val="tx1"/>
+                          </a:solidFill>
+                          <a:effectLst/>
+                          <a:latin typeface="Consolas" panose="020B0609020204030204" pitchFamily="49" charset="0"/>
+                          <a:ea typeface="+mn-ea"/>
+                          <a:cs typeface="+mn-cs"/>
+                        </a:rPr>
+                        <a:t>skip_adjust</a:t>
+                      </a:r>
+                      <a:endParaRPr kumimoji="0" lang="en-US" sz="1400" b="0" i="0" kern="1200" dirty="0">
+                        <a:solidFill>
+                          <a:schemeClr val="tx1"/>
+                        </a:solidFill>
+                        <a:effectLst/>
+                        <a:latin typeface="Consolas" panose="020B0609020204030204" pitchFamily="49" charset="0"/>
+                        <a:ea typeface="+mn-ea"/>
+                        <a:cs typeface="+mn-cs"/>
+                      </a:endParaRPr>
+                    </a:p>
+                    <a:p>
+                      <a:r>
+                        <a:rPr kumimoji="0" lang="en-US" sz="1400" b="0" i="0" kern="1200" dirty="0">
+                          <a:solidFill>
+                            <a:schemeClr val="tx1"/>
+                          </a:solidFill>
+                          <a:effectLst/>
+                          <a:latin typeface="Consolas" panose="020B0609020204030204" pitchFamily="49" charset="0"/>
+                          <a:ea typeface="+mn-ea"/>
+                          <a:cs typeface="+mn-cs"/>
+                        </a:rPr>
+                        <a:t>    </a:t>
+                      </a:r>
+                      <a:r>
+                        <a:rPr kumimoji="0" lang="en-US" sz="1400" b="0" i="0" kern="1200" dirty="0" err="1">
+                          <a:solidFill>
+                            <a:schemeClr val="tx1"/>
+                          </a:solidFill>
+                          <a:effectLst/>
+                          <a:latin typeface="Consolas" panose="020B0609020204030204" pitchFamily="49" charset="0"/>
+                          <a:ea typeface="+mn-ea"/>
+                          <a:cs typeface="+mn-cs"/>
+                        </a:rPr>
+                        <a:t>cmp</a:t>
+                      </a:r>
+                      <a:r>
+                        <a:rPr kumimoji="0" lang="en-US" sz="1400" b="0" i="0" kern="1200" dirty="0">
+                          <a:solidFill>
+                            <a:schemeClr val="tx1"/>
+                          </a:solidFill>
+                          <a:effectLst/>
+                          <a:latin typeface="Consolas" panose="020B0609020204030204" pitchFamily="49" charset="0"/>
+                          <a:ea typeface="+mn-ea"/>
+                          <a:cs typeface="+mn-cs"/>
+                        </a:rPr>
+                        <a:t>     r0, #'Z'                @ if c &gt; 'Z' -&gt; </a:t>
+                      </a:r>
+                      <a:r>
+                        <a:rPr kumimoji="0" lang="en-US" sz="1400" b="0" i="0" kern="1200" dirty="0" err="1">
+                          <a:solidFill>
+                            <a:schemeClr val="tx1"/>
+                          </a:solidFill>
+                          <a:effectLst/>
+                          <a:latin typeface="Consolas" panose="020B0609020204030204" pitchFamily="49" charset="0"/>
+                          <a:ea typeface="+mn-ea"/>
+                          <a:cs typeface="+mn-cs"/>
+                        </a:rPr>
+                        <a:t>skip_adjust</a:t>
+                      </a:r>
+                      <a:endParaRPr kumimoji="0" lang="en-US" sz="1400" b="0" i="0" kern="1200" dirty="0">
+                        <a:solidFill>
+                          <a:schemeClr val="tx1"/>
+                        </a:solidFill>
+                        <a:effectLst/>
+                        <a:latin typeface="Consolas" panose="020B0609020204030204" pitchFamily="49" charset="0"/>
+                        <a:ea typeface="+mn-ea"/>
+                        <a:cs typeface="+mn-cs"/>
+                      </a:endParaRPr>
+                    </a:p>
+                    <a:p>
+                      <a:r>
+                        <a:rPr kumimoji="0" lang="en-US" sz="1400" b="0" i="0" kern="1200" dirty="0">
+                          <a:solidFill>
+                            <a:schemeClr val="tx1"/>
+                          </a:solidFill>
+                          <a:effectLst/>
+                          <a:latin typeface="Consolas" panose="020B0609020204030204" pitchFamily="49" charset="0"/>
+                          <a:ea typeface="+mn-ea"/>
+                          <a:cs typeface="+mn-cs"/>
+                        </a:rPr>
+                        <a:t>    </a:t>
+                      </a:r>
+                      <a:r>
+                        <a:rPr kumimoji="0" lang="en-US" sz="1400" b="0" i="0" kern="1200" dirty="0" err="1">
+                          <a:solidFill>
+                            <a:schemeClr val="tx1"/>
+                          </a:solidFill>
+                          <a:effectLst/>
+                          <a:latin typeface="Consolas" panose="020B0609020204030204" pitchFamily="49" charset="0"/>
+                          <a:ea typeface="+mn-ea"/>
+                          <a:cs typeface="+mn-cs"/>
+                        </a:rPr>
+                        <a:t>bgt</a:t>
+                      </a:r>
+                      <a:r>
+                        <a:rPr kumimoji="0" lang="en-US" sz="1400" b="0" i="0" kern="1200" dirty="0">
+                          <a:solidFill>
+                            <a:schemeClr val="tx1"/>
+                          </a:solidFill>
+                          <a:effectLst/>
+                          <a:latin typeface="Consolas" panose="020B0609020204030204" pitchFamily="49" charset="0"/>
+                          <a:ea typeface="+mn-ea"/>
+                          <a:cs typeface="+mn-cs"/>
+                        </a:rPr>
+                        <a:t>     </a:t>
+                      </a:r>
+                      <a:r>
+                        <a:rPr kumimoji="0" lang="en-US" sz="1400" b="0" i="0" kern="1200" dirty="0" err="1">
+                          <a:solidFill>
+                            <a:schemeClr val="tx1"/>
+                          </a:solidFill>
+                          <a:effectLst/>
+                          <a:latin typeface="Consolas" panose="020B0609020204030204" pitchFamily="49" charset="0"/>
+                          <a:ea typeface="+mn-ea"/>
+                          <a:cs typeface="+mn-cs"/>
+                        </a:rPr>
+                        <a:t>skip_adjust</a:t>
+                      </a:r>
+                      <a:endParaRPr kumimoji="0" lang="en-US" sz="1400" b="0" i="0" kern="1200" dirty="0">
+                        <a:solidFill>
+                          <a:schemeClr val="tx1"/>
+                        </a:solidFill>
+                        <a:effectLst/>
+                        <a:latin typeface="Consolas" panose="020B0609020204030204" pitchFamily="49" charset="0"/>
+                        <a:ea typeface="+mn-ea"/>
+                        <a:cs typeface="+mn-cs"/>
+                      </a:endParaRPr>
+                    </a:p>
+                    <a:p>
+                      <a:r>
+                        <a:rPr kumimoji="0" lang="en-US" sz="1400" b="0" i="0" kern="1200" dirty="0">
+                          <a:solidFill>
+                            <a:schemeClr val="tx1"/>
+                          </a:solidFill>
+                          <a:effectLst/>
+                          <a:latin typeface="Consolas" panose="020B0609020204030204" pitchFamily="49" charset="0"/>
+                          <a:ea typeface="+mn-ea"/>
+                          <a:cs typeface="+mn-cs"/>
+                        </a:rPr>
+                        <a:t>    add     r0, r0, #('a' - 'A')    @ c += 32</a:t>
+                      </a:r>
+                    </a:p>
+                    <a:p>
+                      <a:endParaRPr kumimoji="0" lang="en-US" sz="1400" b="0" i="0" kern="1200" dirty="0">
+                        <a:solidFill>
+                          <a:schemeClr val="tx1"/>
+                        </a:solidFill>
+                        <a:effectLst/>
+                        <a:latin typeface="Consolas" panose="020B0609020204030204" pitchFamily="49" charset="0"/>
+                        <a:ea typeface="+mn-ea"/>
+                        <a:cs typeface="+mn-cs"/>
+                      </a:endParaRPr>
+                    </a:p>
+                    <a:p>
+                      <a:r>
+                        <a:rPr kumimoji="0" lang="en-US" sz="1400" b="0" i="0" kern="1200" dirty="0" err="1">
+                          <a:solidFill>
+                            <a:schemeClr val="tx1"/>
+                          </a:solidFill>
+                          <a:effectLst/>
+                          <a:latin typeface="Consolas" panose="020B0609020204030204" pitchFamily="49" charset="0"/>
+                          <a:ea typeface="+mn-ea"/>
+                          <a:cs typeface="+mn-cs"/>
+                        </a:rPr>
+                        <a:t>skip_adjust</a:t>
+                      </a:r>
+                      <a:r>
+                        <a:rPr kumimoji="0" lang="en-US" sz="1400" b="0" i="0" kern="1200" dirty="0">
+                          <a:solidFill>
+                            <a:schemeClr val="tx1"/>
+                          </a:solidFill>
+                          <a:effectLst/>
+                          <a:latin typeface="Consolas" panose="020B0609020204030204" pitchFamily="49" charset="0"/>
+                          <a:ea typeface="+mn-ea"/>
+                          <a:cs typeface="+mn-cs"/>
+                        </a:rPr>
+                        <a:t>:</a:t>
+                      </a:r>
+                    </a:p>
+                    <a:p>
+                      <a:r>
+                        <a:rPr kumimoji="0" lang="en-US" sz="1400" b="0" i="0" kern="1200" dirty="0">
+                          <a:solidFill>
+                            <a:schemeClr val="tx1"/>
+                          </a:solidFill>
+                          <a:effectLst/>
+                          <a:latin typeface="Consolas" panose="020B0609020204030204" pitchFamily="49" charset="0"/>
+                          <a:ea typeface="+mn-ea"/>
+                          <a:cs typeface="+mn-cs"/>
+                        </a:rPr>
+                        <a:t>    bx      </a:t>
+                      </a:r>
+                      <a:r>
+                        <a:rPr kumimoji="0" lang="en-US" sz="1400" b="0" i="0" kern="1200" dirty="0" err="1">
+                          <a:solidFill>
+                            <a:schemeClr val="tx1"/>
+                          </a:solidFill>
+                          <a:effectLst/>
+                          <a:latin typeface="Consolas" panose="020B0609020204030204" pitchFamily="49" charset="0"/>
+                          <a:ea typeface="+mn-ea"/>
+                          <a:cs typeface="+mn-cs"/>
+                        </a:rPr>
+                        <a:t>lr</a:t>
+                      </a:r>
+                      <a:endParaRPr kumimoji="0" lang="en-US" sz="1400" b="0" i="0" kern="1200" dirty="0">
+                        <a:solidFill>
+                          <a:schemeClr val="tx1"/>
+                        </a:solidFill>
+                        <a:effectLst/>
+                        <a:latin typeface="Consolas" panose="020B0609020204030204" pitchFamily="49" charset="0"/>
+                        <a:ea typeface="+mn-ea"/>
+                        <a:cs typeface="+mn-cs"/>
+                      </a:endParaRPr>
+                    </a:p>
+                  </a:txBody>
+                  <a:tcPr marL="68580" marR="68580" marT="0" marB="0"/>
+                </a:tc>
+                <a:extLst>
+                  <a:ext uri="{0D108BD9-81ED-4DB2-BD59-A6C34878D82A}">
+                    <a16:rowId xmlns:a16="http://schemas.microsoft.com/office/drawing/2014/main" val="10001"/>
+                  </a:ext>
+                </a:extLst>
+              </a:tr>
+            </a:tbl>
+          </a:graphicData>
+        </a:graphic>
+      </p:graphicFrame>
+    </p:spTree>
+    <p:extLst>
+      <p:ext uri="{BB962C8B-B14F-4D97-AF65-F5344CB8AC3E}">
+        <p14:creationId xmlns:p14="http://schemas.microsoft.com/office/powerpoint/2010/main" val="623618619"/>
       </p:ext>
     </p:extLst>
   </p:cSld>

--- a/PPTs/Ch8_ARM_Subroutines_Exercises ANS.pptx
+++ b/PPTs/Ch8_ARM_Subroutines_Exercises ANS.pptx
@@ -5,24 +5,28 @@
     <p:sldMasterId id="2147483660" r:id="rId1"/>
   </p:sldMasterIdLst>
   <p:notesMasterIdLst>
-    <p:notesMasterId r:id="rId14"/>
+    <p:notesMasterId r:id="rId18"/>
   </p:notesMasterIdLst>
   <p:handoutMasterIdLst>
-    <p:handoutMasterId r:id="rId15"/>
+    <p:handoutMasterId r:id="rId19"/>
   </p:handoutMasterIdLst>
   <p:sldIdLst>
     <p:sldId id="256" r:id="rId2"/>
     <p:sldId id="278" r:id="rId3"/>
     <p:sldId id="279" r:id="rId4"/>
-    <p:sldId id="261" r:id="rId5"/>
-    <p:sldId id="263" r:id="rId6"/>
-    <p:sldId id="259" r:id="rId7"/>
+    <p:sldId id="352" r:id="rId5"/>
+    <p:sldId id="261" r:id="rId6"/>
+    <p:sldId id="263" r:id="rId7"/>
     <p:sldId id="280" r:id="rId8"/>
     <p:sldId id="260" r:id="rId9"/>
     <p:sldId id="257" r:id="rId10"/>
     <p:sldId id="258" r:id="rId11"/>
     <p:sldId id="281" r:id="rId12"/>
     <p:sldId id="282" r:id="rId13"/>
+    <p:sldId id="283" r:id="rId14"/>
+    <p:sldId id="286" r:id="rId15"/>
+    <p:sldId id="353" r:id="rId16"/>
+    <p:sldId id="354" r:id="rId17"/>
   </p:sldIdLst>
   <p:sldSz cx="9144000" cy="6858000" type="screen4x3"/>
   <p:notesSz cx="6950075" cy="9236075"/>
@@ -143,7 +147,7 @@
 <file path=ppt/revisionInfo.xml><?xml version="1.0" encoding="utf-8"?>
 <p1510:revInfo xmlns:a="http://schemas.openxmlformats.org/drawingml/2006/main" xmlns:r="http://schemas.openxmlformats.org/officeDocument/2006/relationships" xmlns:p1510="http://schemas.microsoft.com/office/powerpoint/2015/10/main">
   <p1510:revLst>
-    <p1510:client id="{26DF0AC7-7898-4CAF-8C74-9051912ABD73}" v="90" dt="2025-09-23T02:40:28.480"/>
+    <p1510:client id="{26DF0AC7-7898-4CAF-8C74-9051912ABD73}" v="141" dt="2025-09-25T15:30:51.528"/>
   </p1510:revLst>
 </p1510:revInfo>
 </file>
@@ -153,7 +157,7 @@
   <pc:docChgLst>
     <pc:chgData name="Zonghua Gu" userId="9a7e1853e1951ef5" providerId="LiveId" clId="{CF1FAA12-072C-4ED5-BA76-0FFFAEFDB88A}"/>
     <pc:docChg chg="undo custSel addSld delSld modSld">
-      <pc:chgData name="Zonghua Gu" userId="9a7e1853e1951ef5" providerId="LiveId" clId="{CF1FAA12-072C-4ED5-BA76-0FFFAEFDB88A}" dt="2025-09-23T02:41:47.791" v="1178" actId="478"/>
+      <pc:chgData name="Zonghua Gu" userId="9a7e1853e1951ef5" providerId="LiveId" clId="{CF1FAA12-072C-4ED5-BA76-0FFFAEFDB88A}" dt="2025-09-25T15:30:56.049" v="2336" actId="47"/>
       <pc:docMkLst>
         <pc:docMk/>
       </pc:docMkLst>
@@ -226,14 +230,6 @@
             <ac:graphicFrameMk id="7" creationId="{7F3EEF33-13EC-BB93-CE67-9DD4DBFC221D}"/>
           </ac:graphicFrameMkLst>
         </pc:graphicFrameChg>
-        <pc:picChg chg="add del mod">
-          <ac:chgData name="Zonghua Gu" userId="9a7e1853e1951ef5" providerId="LiveId" clId="{CF1FAA12-072C-4ED5-BA76-0FFFAEFDB88A}" dt="2025-09-22T00:23:43.249" v="164" actId="478"/>
-          <ac:picMkLst>
-            <pc:docMk/>
-            <pc:sldMk cId="4120051107" sldId="257"/>
-            <ac:picMk id="6" creationId="{50986BD2-3957-C48E-7616-B112109C40B9}"/>
-          </ac:picMkLst>
-        </pc:picChg>
       </pc:sldChg>
       <pc:sldChg chg="modSp add mod">
         <pc:chgData name="Zonghua Gu" userId="9a7e1853e1951ef5" providerId="LiveId" clId="{CF1FAA12-072C-4ED5-BA76-0FFFAEFDB88A}" dt="2025-09-22T00:26:13.917" v="268" actId="207"/>
@@ -266,188 +262,12 @@
           </ac:graphicFrameMkLst>
         </pc:graphicFrameChg>
       </pc:sldChg>
-      <pc:sldChg chg="addSp delSp modSp new mod">
-        <pc:chgData name="Zonghua Gu" userId="9a7e1853e1951ef5" providerId="LiveId" clId="{CF1FAA12-072C-4ED5-BA76-0FFFAEFDB88A}" dt="2025-09-22T19:08:21.892" v="398" actId="20577"/>
+      <pc:sldChg chg="addSp delSp modSp new del mod">
+        <pc:chgData name="Zonghua Gu" userId="9a7e1853e1951ef5" providerId="LiveId" clId="{CF1FAA12-072C-4ED5-BA76-0FFFAEFDB88A}" dt="2025-09-25T15:30:56.049" v="2336" actId="47"/>
         <pc:sldMkLst>
           <pc:docMk/>
           <pc:sldMk cId="2724411605" sldId="259"/>
         </pc:sldMkLst>
-        <pc:spChg chg="mod">
-          <ac:chgData name="Zonghua Gu" userId="9a7e1853e1951ef5" providerId="LiveId" clId="{CF1FAA12-072C-4ED5-BA76-0FFFAEFDB88A}" dt="2025-09-22T19:04:29.885" v="330" actId="20577"/>
-          <ac:spMkLst>
-            <pc:docMk/>
-            <pc:sldMk cId="2724411605" sldId="259"/>
-            <ac:spMk id="2" creationId="{BBF7B3FB-5C59-12EE-7933-D1B84D34745C}"/>
-          </ac:spMkLst>
-        </pc:spChg>
-        <pc:spChg chg="mod">
-          <ac:chgData name="Zonghua Gu" userId="9a7e1853e1951ef5" providerId="LiveId" clId="{CF1FAA12-072C-4ED5-BA76-0FFFAEFDB88A}" dt="2025-09-22T19:08:21.892" v="398" actId="20577"/>
-          <ac:spMkLst>
-            <pc:docMk/>
-            <pc:sldMk cId="2724411605" sldId="259"/>
-            <ac:spMk id="4" creationId="{5891B2DB-8D92-68E6-3839-2EB2B6D0CCA5}"/>
-          </ac:spMkLst>
-        </pc:spChg>
-        <pc:spChg chg="add mod">
-          <ac:chgData name="Zonghua Gu" userId="9a7e1853e1951ef5" providerId="LiveId" clId="{CF1FAA12-072C-4ED5-BA76-0FFFAEFDB88A}" dt="2025-09-22T18:56:50.123" v="295"/>
-          <ac:spMkLst>
-            <pc:docMk/>
-            <pc:sldMk cId="2724411605" sldId="259"/>
-            <ac:spMk id="7" creationId="{785BB1D4-1FF0-B9B4-8A1B-9814F0C6ACC7}"/>
-          </ac:spMkLst>
-        </pc:spChg>
-        <pc:spChg chg="add mod">
-          <ac:chgData name="Zonghua Gu" userId="9a7e1853e1951ef5" providerId="LiveId" clId="{CF1FAA12-072C-4ED5-BA76-0FFFAEFDB88A}" dt="2025-09-22T18:56:50.123" v="295"/>
-          <ac:spMkLst>
-            <pc:docMk/>
-            <pc:sldMk cId="2724411605" sldId="259"/>
-            <ac:spMk id="8" creationId="{A33EEC6A-8058-C112-3898-A347A87B4EC6}"/>
-          </ac:spMkLst>
-        </pc:spChg>
-        <pc:spChg chg="add mod">
-          <ac:chgData name="Zonghua Gu" userId="9a7e1853e1951ef5" providerId="LiveId" clId="{CF1FAA12-072C-4ED5-BA76-0FFFAEFDB88A}" dt="2025-09-22T18:56:50.123" v="295"/>
-          <ac:spMkLst>
-            <pc:docMk/>
-            <pc:sldMk cId="2724411605" sldId="259"/>
-            <ac:spMk id="9" creationId="{8B452197-7453-4412-AE01-5F09E80CEB6E}"/>
-          </ac:spMkLst>
-        </pc:spChg>
-        <pc:spChg chg="add mod">
-          <ac:chgData name="Zonghua Gu" userId="9a7e1853e1951ef5" providerId="LiveId" clId="{CF1FAA12-072C-4ED5-BA76-0FFFAEFDB88A}" dt="2025-09-22T18:56:50.123" v="295"/>
-          <ac:spMkLst>
-            <pc:docMk/>
-            <pc:sldMk cId="2724411605" sldId="259"/>
-            <ac:spMk id="10" creationId="{7DBA327D-2110-7E95-0997-4E5300A9DDCB}"/>
-          </ac:spMkLst>
-        </pc:spChg>
-        <pc:spChg chg="add mod">
-          <ac:chgData name="Zonghua Gu" userId="9a7e1853e1951ef5" providerId="LiveId" clId="{CF1FAA12-072C-4ED5-BA76-0FFFAEFDB88A}" dt="2025-09-22T18:56:50.123" v="295"/>
-          <ac:spMkLst>
-            <pc:docMk/>
-            <pc:sldMk cId="2724411605" sldId="259"/>
-            <ac:spMk id="13" creationId="{DA4E1186-8F6E-421B-2B1F-7711315ECCA3}"/>
-          </ac:spMkLst>
-        </pc:spChg>
-        <pc:spChg chg="add mod">
-          <ac:chgData name="Zonghua Gu" userId="9a7e1853e1951ef5" providerId="LiveId" clId="{CF1FAA12-072C-4ED5-BA76-0FFFAEFDB88A}" dt="2025-09-22T18:56:50.123" v="295"/>
-          <ac:spMkLst>
-            <pc:docMk/>
-            <pc:sldMk cId="2724411605" sldId="259"/>
-            <ac:spMk id="15" creationId="{3ED5AE10-0B4C-7FD1-64E0-79EF86645894}"/>
-          </ac:spMkLst>
-        </pc:spChg>
-        <pc:spChg chg="add mod">
-          <ac:chgData name="Zonghua Gu" userId="9a7e1853e1951ef5" providerId="LiveId" clId="{CF1FAA12-072C-4ED5-BA76-0FFFAEFDB88A}" dt="2025-09-22T18:56:50.123" v="295"/>
-          <ac:spMkLst>
-            <pc:docMk/>
-            <pc:sldMk cId="2724411605" sldId="259"/>
-            <ac:spMk id="16" creationId="{8B4F19CD-44AE-D459-1218-23866AE603BA}"/>
-          </ac:spMkLst>
-        </pc:spChg>
-        <pc:spChg chg="add mod">
-          <ac:chgData name="Zonghua Gu" userId="9a7e1853e1951ef5" providerId="LiveId" clId="{CF1FAA12-072C-4ED5-BA76-0FFFAEFDB88A}" dt="2025-09-22T18:56:50.123" v="295"/>
-          <ac:spMkLst>
-            <pc:docMk/>
-            <pc:sldMk cId="2724411605" sldId="259"/>
-            <ac:spMk id="20" creationId="{4DC6C5F3-DC46-5C99-02E9-C5C6E8642CDC}"/>
-          </ac:spMkLst>
-        </pc:spChg>
-        <pc:spChg chg="add mod">
-          <ac:chgData name="Zonghua Gu" userId="9a7e1853e1951ef5" providerId="LiveId" clId="{CF1FAA12-072C-4ED5-BA76-0FFFAEFDB88A}" dt="2025-09-22T18:56:50.123" v="295"/>
-          <ac:spMkLst>
-            <pc:docMk/>
-            <pc:sldMk cId="2724411605" sldId="259"/>
-            <ac:spMk id="21" creationId="{7706CBAC-DBF0-78CE-990A-5187D41B3E5B}"/>
-          </ac:spMkLst>
-        </pc:spChg>
-        <pc:spChg chg="add mod">
-          <ac:chgData name="Zonghua Gu" userId="9a7e1853e1951ef5" providerId="LiveId" clId="{CF1FAA12-072C-4ED5-BA76-0FFFAEFDB88A}" dt="2025-09-22T18:56:50.123" v="295"/>
-          <ac:spMkLst>
-            <pc:docMk/>
-            <pc:sldMk cId="2724411605" sldId="259"/>
-            <ac:spMk id="23" creationId="{E9332474-CEDF-5726-8B84-ECB965249974}"/>
-          </ac:spMkLst>
-        </pc:spChg>
-        <pc:spChg chg="add del mod">
-          <ac:chgData name="Zonghua Gu" userId="9a7e1853e1951ef5" providerId="LiveId" clId="{CF1FAA12-072C-4ED5-BA76-0FFFAEFDB88A}" dt="2025-09-22T19:01:15.988" v="298" actId="478"/>
-          <ac:spMkLst>
-            <pc:docMk/>
-            <pc:sldMk cId="2724411605" sldId="259"/>
-            <ac:spMk id="28" creationId="{62EE7EBA-CD12-C004-2DFC-2275E9A7885F}"/>
-          </ac:spMkLst>
-        </pc:spChg>
-        <pc:spChg chg="add del mod">
-          <ac:chgData name="Zonghua Gu" userId="9a7e1853e1951ef5" providerId="LiveId" clId="{CF1FAA12-072C-4ED5-BA76-0FFFAEFDB88A}" dt="2025-09-22T19:01:15.988" v="298" actId="478"/>
-          <ac:spMkLst>
-            <pc:docMk/>
-            <pc:sldMk cId="2724411605" sldId="259"/>
-            <ac:spMk id="30" creationId="{95CE31CC-1422-B814-DC13-D223CB05898A}"/>
-          </ac:spMkLst>
-        </pc:spChg>
-        <pc:spChg chg="add del mod">
-          <ac:chgData name="Zonghua Gu" userId="9a7e1853e1951ef5" providerId="LiveId" clId="{CF1FAA12-072C-4ED5-BA76-0FFFAEFDB88A}" dt="2025-09-22T19:01:15.988" v="298" actId="478"/>
-          <ac:spMkLst>
-            <pc:docMk/>
-            <pc:sldMk cId="2724411605" sldId="259"/>
-            <ac:spMk id="31" creationId="{B13B7838-F932-0B62-C7EA-7C0EA120FB93}"/>
-          </ac:spMkLst>
-        </pc:spChg>
-        <pc:spChg chg="add del mod">
-          <ac:chgData name="Zonghua Gu" userId="9a7e1853e1951ef5" providerId="LiveId" clId="{CF1FAA12-072C-4ED5-BA76-0FFFAEFDB88A}" dt="2025-09-22T19:01:15.988" v="298" actId="478"/>
-          <ac:spMkLst>
-            <pc:docMk/>
-            <pc:sldMk cId="2724411605" sldId="259"/>
-            <ac:spMk id="32" creationId="{C8DC135E-1A65-D646-44A8-6B11EB67EAFC}"/>
-          </ac:spMkLst>
-        </pc:spChg>
-        <pc:spChg chg="add del mod">
-          <ac:chgData name="Zonghua Gu" userId="9a7e1853e1951ef5" providerId="LiveId" clId="{CF1FAA12-072C-4ED5-BA76-0FFFAEFDB88A}" dt="2025-09-22T19:01:15.988" v="298" actId="478"/>
-          <ac:spMkLst>
-            <pc:docMk/>
-            <pc:sldMk cId="2724411605" sldId="259"/>
-            <ac:spMk id="33" creationId="{658A5B97-1ED5-39E7-FC3B-88DF8A4BD472}"/>
-          </ac:spMkLst>
-        </pc:spChg>
-        <pc:spChg chg="add del mod">
-          <ac:chgData name="Zonghua Gu" userId="9a7e1853e1951ef5" providerId="LiveId" clId="{CF1FAA12-072C-4ED5-BA76-0FFFAEFDB88A}" dt="2025-09-22T19:01:15.988" v="298" actId="478"/>
-          <ac:spMkLst>
-            <pc:docMk/>
-            <pc:sldMk cId="2724411605" sldId="259"/>
-            <ac:spMk id="36" creationId="{570A3A5F-715C-903E-E493-87A70D3130FD}"/>
-          </ac:spMkLst>
-        </pc:spChg>
-        <pc:spChg chg="add del mod">
-          <ac:chgData name="Zonghua Gu" userId="9a7e1853e1951ef5" providerId="LiveId" clId="{CF1FAA12-072C-4ED5-BA76-0FFFAEFDB88A}" dt="2025-09-22T19:01:15.988" v="298" actId="478"/>
-          <ac:spMkLst>
-            <pc:docMk/>
-            <pc:sldMk cId="2724411605" sldId="259"/>
-            <ac:spMk id="37" creationId="{5C6F30BD-F800-7813-190B-927A721EB512}"/>
-          </ac:spMkLst>
-        </pc:spChg>
-        <pc:spChg chg="add del mod">
-          <ac:chgData name="Zonghua Gu" userId="9a7e1853e1951ef5" providerId="LiveId" clId="{CF1FAA12-072C-4ED5-BA76-0FFFAEFDB88A}" dt="2025-09-22T19:01:15.988" v="298" actId="478"/>
-          <ac:spMkLst>
-            <pc:docMk/>
-            <pc:sldMk cId="2724411605" sldId="259"/>
-            <ac:spMk id="40" creationId="{23E8D773-521E-EFEC-1C0A-6DD493F188E0}"/>
-          </ac:spMkLst>
-        </pc:spChg>
-        <pc:spChg chg="add del mod">
-          <ac:chgData name="Zonghua Gu" userId="9a7e1853e1951ef5" providerId="LiveId" clId="{CF1FAA12-072C-4ED5-BA76-0FFFAEFDB88A}" dt="2025-09-22T19:01:15.988" v="298" actId="478"/>
-          <ac:spMkLst>
-            <pc:docMk/>
-            <pc:sldMk cId="2724411605" sldId="259"/>
-            <ac:spMk id="44" creationId="{FAC75CD7-04CD-2A28-5654-A14BB8B35A19}"/>
-          </ac:spMkLst>
-        </pc:spChg>
-        <pc:spChg chg="add del mod">
-          <ac:chgData name="Zonghua Gu" userId="9a7e1853e1951ef5" providerId="LiveId" clId="{CF1FAA12-072C-4ED5-BA76-0FFFAEFDB88A}" dt="2025-09-22T19:01:15.988" v="298" actId="478"/>
-          <ac:spMkLst>
-            <pc:docMk/>
-            <pc:sldMk cId="2724411605" sldId="259"/>
-            <ac:spMk id="48" creationId="{081C1058-993D-A9D0-3833-E8694F50BED4}"/>
-          </ac:spMkLst>
-        </pc:spChg>
       </pc:sldChg>
       <pc:sldChg chg="addSp delSp modSp add mod">
         <pc:chgData name="Zonghua Gu" userId="9a7e1853e1951ef5" providerId="LiveId" clId="{CF1FAA12-072C-4ED5-BA76-0FFFAEFDB88A}" dt="2025-09-22T19:33:58.510" v="660" actId="478"/>
@@ -559,30 +379,6 @@
             <ac:spMk id="22" creationId="{875DABEC-3EAE-282B-99E0-5AD8630AFE37}"/>
           </ac:spMkLst>
         </pc:spChg>
-        <pc:graphicFrameChg chg="add del mod modGraphic">
-          <ac:chgData name="Zonghua Gu" userId="9a7e1853e1951ef5" providerId="LiveId" clId="{CF1FAA12-072C-4ED5-BA76-0FFFAEFDB88A}" dt="2025-09-22T19:33:58.510" v="660" actId="478"/>
-          <ac:graphicFrameMkLst>
-            <pc:docMk/>
-            <pc:sldMk cId="3884894996" sldId="260"/>
-            <ac:graphicFrameMk id="5" creationId="{8100F10B-2F1A-CE58-56D7-1EC2D605DF06}"/>
-          </ac:graphicFrameMkLst>
-        </pc:graphicFrameChg>
-        <pc:graphicFrameChg chg="add del mod modGraphic">
-          <ac:chgData name="Zonghua Gu" userId="9a7e1853e1951ef5" providerId="LiveId" clId="{CF1FAA12-072C-4ED5-BA76-0FFFAEFDB88A}" dt="2025-09-22T19:33:58.510" v="660" actId="478"/>
-          <ac:graphicFrameMkLst>
-            <pc:docMk/>
-            <pc:sldMk cId="3884894996" sldId="260"/>
-            <ac:graphicFrameMk id="6" creationId="{60884789-36D2-8938-A487-ED635FF8B69C}"/>
-          </ac:graphicFrameMkLst>
-        </pc:graphicFrameChg>
-        <pc:graphicFrameChg chg="add del mod modGraphic">
-          <ac:chgData name="Zonghua Gu" userId="9a7e1853e1951ef5" providerId="LiveId" clId="{CF1FAA12-072C-4ED5-BA76-0FFFAEFDB88A}" dt="2025-09-22T19:33:58.510" v="660" actId="478"/>
-          <ac:graphicFrameMkLst>
-            <pc:docMk/>
-            <pc:sldMk cId="3884894996" sldId="260"/>
-            <ac:graphicFrameMk id="7" creationId="{6F1B9976-D9DE-2ACB-B681-4A9B5D03ABD9}"/>
-          </ac:graphicFrameMkLst>
-        </pc:graphicFrameChg>
         <pc:graphicFrameChg chg="add mod">
           <ac:chgData name="Zonghua Gu" userId="9a7e1853e1951ef5" providerId="LiveId" clId="{CF1FAA12-072C-4ED5-BA76-0FFFAEFDB88A}" dt="2025-09-22T19:28:38.019" v="598" actId="1076"/>
           <ac:graphicFrameMkLst>
@@ -654,52 +450,12 @@
             <ac:spMk id="9" creationId="{2D771397-E6F5-FBB8-542D-C5B13309CE80}"/>
           </ac:spMkLst>
         </pc:spChg>
-        <pc:spChg chg="add del mod">
-          <ac:chgData name="Zonghua Gu" userId="9a7e1853e1951ef5" providerId="LiveId" clId="{CF1FAA12-072C-4ED5-BA76-0FFFAEFDB88A}" dt="2025-09-22T19:27:32.386" v="545" actId="478"/>
-          <ac:spMkLst>
-            <pc:docMk/>
-            <pc:sldMk cId="437885179" sldId="261"/>
-            <ac:spMk id="11" creationId="{3D277C65-F9A5-ABE5-B4D8-363831C56942}"/>
-          </ac:spMkLst>
-        </pc:spChg>
-        <pc:spChg chg="add del mod">
-          <ac:chgData name="Zonghua Gu" userId="9a7e1853e1951ef5" providerId="LiveId" clId="{CF1FAA12-072C-4ED5-BA76-0FFFAEFDB88A}" dt="2025-09-22T19:27:32.386" v="545" actId="478"/>
-          <ac:spMkLst>
-            <pc:docMk/>
-            <pc:sldMk cId="437885179" sldId="261"/>
-            <ac:spMk id="12" creationId="{5409741A-B13B-CA11-9EE5-AB85D053E74D}"/>
-          </ac:spMkLst>
-        </pc:spChg>
-        <pc:spChg chg="add del mod">
-          <ac:chgData name="Zonghua Gu" userId="9a7e1853e1951ef5" providerId="LiveId" clId="{CF1FAA12-072C-4ED5-BA76-0FFFAEFDB88A}" dt="2025-09-22T19:27:30.420" v="544" actId="478"/>
-          <ac:spMkLst>
-            <pc:docMk/>
-            <pc:sldMk cId="437885179" sldId="261"/>
-            <ac:spMk id="14" creationId="{0BD9F96F-5096-E052-20A8-9FD4C7B79AA6}"/>
-          </ac:spMkLst>
-        </pc:spChg>
-        <pc:spChg chg="add del mod">
-          <ac:chgData name="Zonghua Gu" userId="9a7e1853e1951ef5" providerId="LiveId" clId="{CF1FAA12-072C-4ED5-BA76-0FFFAEFDB88A}" dt="2025-09-22T19:27:30.420" v="544" actId="478"/>
-          <ac:spMkLst>
-            <pc:docMk/>
-            <pc:sldMk cId="437885179" sldId="261"/>
-            <ac:spMk id="15" creationId="{E3D118B7-0C41-8E16-28DA-986549126DAF}"/>
-          </ac:spMkLst>
-        </pc:spChg>
         <pc:spChg chg="add mod">
           <ac:chgData name="Zonghua Gu" userId="9a7e1853e1951ef5" providerId="LiveId" clId="{CF1FAA12-072C-4ED5-BA76-0FFFAEFDB88A}" dt="2025-09-22T19:23:58.413" v="513" actId="1076"/>
           <ac:spMkLst>
             <pc:docMk/>
             <pc:sldMk cId="437885179" sldId="261"/>
             <ac:spMk id="16" creationId="{F8C9E426-19B3-C381-5E30-7C2FF94F96E8}"/>
-          </ac:spMkLst>
-        </pc:spChg>
-        <pc:spChg chg="add del mod">
-          <ac:chgData name="Zonghua Gu" userId="9a7e1853e1951ef5" providerId="LiveId" clId="{CF1FAA12-072C-4ED5-BA76-0FFFAEFDB88A}" dt="2025-09-22T19:23:48.516" v="510" actId="478"/>
-          <ac:spMkLst>
-            <pc:docMk/>
-            <pc:sldMk cId="437885179" sldId="261"/>
-            <ac:spMk id="19" creationId="{69124F9F-786E-F6FE-3926-FC255326135A}"/>
           </ac:spMkLst>
         </pc:spChg>
         <pc:spChg chg="add mod">
@@ -734,30 +490,6 @@
             <ac:graphicFrameMk id="13" creationId="{E2800F77-7DAB-31B4-1921-A01DE4EBD781}"/>
           </ac:graphicFrameMkLst>
         </pc:graphicFrameChg>
-        <pc:picChg chg="add del mod ord">
-          <ac:chgData name="Zonghua Gu" userId="9a7e1853e1951ef5" providerId="LiveId" clId="{CF1FAA12-072C-4ED5-BA76-0FFFAEFDB88A}" dt="2025-09-22T19:19:07.616" v="417" actId="22"/>
-          <ac:picMkLst>
-            <pc:docMk/>
-            <pc:sldMk cId="437885179" sldId="261"/>
-            <ac:picMk id="6" creationId="{91055C05-2F85-D5CD-169D-26F788F8E736}"/>
-          </ac:picMkLst>
-        </pc:picChg>
-        <pc:cxnChg chg="add del mod">
-          <ac:chgData name="Zonghua Gu" userId="9a7e1853e1951ef5" providerId="LiveId" clId="{CF1FAA12-072C-4ED5-BA76-0FFFAEFDB88A}" dt="2025-09-22T19:22:50.630" v="494" actId="478"/>
-          <ac:cxnSpMkLst>
-            <pc:docMk/>
-            <pc:sldMk cId="437885179" sldId="261"/>
-            <ac:cxnSpMk id="18" creationId="{303A9457-17A1-E16E-1578-8D66CC20CA0A}"/>
-          </ac:cxnSpMkLst>
-        </pc:cxnChg>
-        <pc:cxnChg chg="add del mod">
-          <ac:chgData name="Zonghua Gu" userId="9a7e1853e1951ef5" providerId="LiveId" clId="{CF1FAA12-072C-4ED5-BA76-0FFFAEFDB88A}" dt="2025-09-22T19:23:50.480" v="511" actId="478"/>
-          <ac:cxnSpMkLst>
-            <pc:docMk/>
-            <pc:sldMk cId="437885179" sldId="261"/>
-            <ac:cxnSpMk id="20" creationId="{6536BBCC-EEDD-0758-049F-8A37B4E7E446}"/>
-          </ac:cxnSpMkLst>
-        </pc:cxnChg>
       </pc:sldChg>
       <pc:sldChg chg="modSp add del mod">
         <pc:chgData name="Zonghua Gu" userId="9a7e1853e1951ef5" providerId="LiveId" clId="{CF1FAA12-072C-4ED5-BA76-0FFFAEFDB88A}" dt="2025-09-22T19:33:49.397" v="659" actId="47"/>
@@ -765,62 +497,6 @@
           <pc:docMk/>
           <pc:sldMk cId="811408396" sldId="262"/>
         </pc:sldMkLst>
-        <pc:spChg chg="mod">
-          <ac:chgData name="Zonghua Gu" userId="9a7e1853e1951ef5" providerId="LiveId" clId="{CF1FAA12-072C-4ED5-BA76-0FFFAEFDB88A}" dt="2025-09-22T19:29:23.321" v="614" actId="1037"/>
-          <ac:spMkLst>
-            <pc:docMk/>
-            <pc:sldMk cId="811408396" sldId="262"/>
-            <ac:spMk id="8" creationId="{F1F191B1-122C-DE69-5D99-9885FE770CEF}"/>
-          </ac:spMkLst>
-        </pc:spChg>
-        <pc:spChg chg="mod">
-          <ac:chgData name="Zonghua Gu" userId="9a7e1853e1951ef5" providerId="LiveId" clId="{CF1FAA12-072C-4ED5-BA76-0FFFAEFDB88A}" dt="2025-09-22T19:29:23.321" v="614" actId="1037"/>
-          <ac:spMkLst>
-            <pc:docMk/>
-            <pc:sldMk cId="811408396" sldId="262"/>
-            <ac:spMk id="9" creationId="{4250663F-4178-8FCA-1A62-89421E05B475}"/>
-          </ac:spMkLst>
-        </pc:spChg>
-        <pc:spChg chg="mod">
-          <ac:chgData name="Zonghua Gu" userId="9a7e1853e1951ef5" providerId="LiveId" clId="{CF1FAA12-072C-4ED5-BA76-0FFFAEFDB88A}" dt="2025-09-22T19:29:27.264" v="618" actId="1037"/>
-          <ac:spMkLst>
-            <pc:docMk/>
-            <pc:sldMk cId="811408396" sldId="262"/>
-            <ac:spMk id="11" creationId="{F3A7A8C3-C9E2-865D-A8E9-38BB3A4AA9E1}"/>
-          </ac:spMkLst>
-        </pc:spChg>
-        <pc:spChg chg="mod">
-          <ac:chgData name="Zonghua Gu" userId="9a7e1853e1951ef5" providerId="LiveId" clId="{CF1FAA12-072C-4ED5-BA76-0FFFAEFDB88A}" dt="2025-09-22T19:29:27.264" v="618" actId="1037"/>
-          <ac:spMkLst>
-            <pc:docMk/>
-            <pc:sldMk cId="811408396" sldId="262"/>
-            <ac:spMk id="12" creationId="{2FC435EA-0559-1B90-C166-252E630FE067}"/>
-          </ac:spMkLst>
-        </pc:spChg>
-        <pc:spChg chg="mod">
-          <ac:chgData name="Zonghua Gu" userId="9a7e1853e1951ef5" providerId="LiveId" clId="{CF1FAA12-072C-4ED5-BA76-0FFFAEFDB88A}" dt="2025-09-22T19:29:32.070" v="622" actId="1037"/>
-          <ac:spMkLst>
-            <pc:docMk/>
-            <pc:sldMk cId="811408396" sldId="262"/>
-            <ac:spMk id="14" creationId="{3E7FA428-1FF7-3678-BA12-52B7B27CE248}"/>
-          </ac:spMkLst>
-        </pc:spChg>
-        <pc:spChg chg="mod">
-          <ac:chgData name="Zonghua Gu" userId="9a7e1853e1951ef5" providerId="LiveId" clId="{CF1FAA12-072C-4ED5-BA76-0FFFAEFDB88A}" dt="2025-09-22T19:29:32.070" v="622" actId="1037"/>
-          <ac:spMkLst>
-            <pc:docMk/>
-            <pc:sldMk cId="811408396" sldId="262"/>
-            <ac:spMk id="15" creationId="{17FA646C-7278-D65B-6456-003D90C5D49A}"/>
-          </ac:spMkLst>
-        </pc:spChg>
-        <pc:spChg chg="mod">
-          <ac:chgData name="Zonghua Gu" userId="9a7e1853e1951ef5" providerId="LiveId" clId="{CF1FAA12-072C-4ED5-BA76-0FFFAEFDB88A}" dt="2025-09-22T19:30:43.281" v="635" actId="1076"/>
-          <ac:spMkLst>
-            <pc:docMk/>
-            <pc:sldMk cId="811408396" sldId="262"/>
-            <ac:spMk id="22" creationId="{721073BD-7DB6-2778-20A6-200BC47AB188}"/>
-          </ac:spMkLst>
-        </pc:spChg>
       </pc:sldChg>
       <pc:sldChg chg="addSp modSp add mod">
         <pc:chgData name="Zonghua Gu" userId="9a7e1853e1951ef5" providerId="LiveId" clId="{CF1FAA12-072C-4ED5-BA76-0FFFAEFDB88A}" dt="2025-09-22T19:38:04.649" v="819" actId="20577"/>
@@ -875,7 +551,7 @@
         </pc:spChg>
       </pc:sldChg>
       <pc:sldChg chg="delSp modSp add mod">
-        <pc:chgData name="Zonghua Gu" userId="9a7e1853e1951ef5" providerId="LiveId" clId="{CF1FAA12-072C-4ED5-BA76-0FFFAEFDB88A}" dt="2025-09-22T19:35:54.081" v="674"/>
+        <pc:chgData name="Zonghua Gu" userId="9a7e1853e1951ef5" providerId="LiveId" clId="{CF1FAA12-072C-4ED5-BA76-0FFFAEFDB88A}" dt="2025-09-25T15:30:53.953" v="2335" actId="27636"/>
         <pc:sldMkLst>
           <pc:docMk/>
           <pc:sldMk cId="465749855" sldId="280"/>
@@ -888,52 +564,12 @@
             <ac:spMk id="2" creationId="{8CE305BA-4383-D05A-A09F-E8888E979ED1}"/>
           </ac:spMkLst>
         </pc:spChg>
-        <pc:spChg chg="del">
-          <ac:chgData name="Zonghua Gu" userId="9a7e1853e1951ef5" providerId="LiveId" clId="{CF1FAA12-072C-4ED5-BA76-0FFFAEFDB88A}" dt="2025-09-22T19:35:28.671" v="663" actId="478"/>
+        <pc:spChg chg="mod">
+          <ac:chgData name="Zonghua Gu" userId="9a7e1853e1951ef5" providerId="LiveId" clId="{CF1FAA12-072C-4ED5-BA76-0FFFAEFDB88A}" dt="2025-09-25T15:30:53.953" v="2335" actId="27636"/>
           <ac:spMkLst>
             <pc:docMk/>
             <pc:sldMk cId="465749855" sldId="280"/>
-            <ac:spMk id="12" creationId="{A4AF4342-F51E-DE37-FA1C-5EF318ED469B}"/>
-          </ac:spMkLst>
-        </pc:spChg>
-        <pc:spChg chg="del">
-          <ac:chgData name="Zonghua Gu" userId="9a7e1853e1951ef5" providerId="LiveId" clId="{CF1FAA12-072C-4ED5-BA76-0FFFAEFDB88A}" dt="2025-09-22T19:35:28.671" v="663" actId="478"/>
-          <ac:spMkLst>
-            <pc:docMk/>
-            <pc:sldMk cId="465749855" sldId="280"/>
-            <ac:spMk id="13" creationId="{B7BF2683-612D-023D-F053-9281C5D88B19}"/>
-          </ac:spMkLst>
-        </pc:spChg>
-        <pc:spChg chg="del">
-          <ac:chgData name="Zonghua Gu" userId="9a7e1853e1951ef5" providerId="LiveId" clId="{CF1FAA12-072C-4ED5-BA76-0FFFAEFDB88A}" dt="2025-09-22T19:35:28.671" v="663" actId="478"/>
-          <ac:spMkLst>
-            <pc:docMk/>
-            <pc:sldMk cId="465749855" sldId="280"/>
-            <ac:spMk id="15" creationId="{C5A44ABD-EF26-AFB1-7128-4BD1C705F8D7}"/>
-          </ac:spMkLst>
-        </pc:spChg>
-        <pc:spChg chg="del">
-          <ac:chgData name="Zonghua Gu" userId="9a7e1853e1951ef5" providerId="LiveId" clId="{CF1FAA12-072C-4ED5-BA76-0FFFAEFDB88A}" dt="2025-09-22T19:35:28.671" v="663" actId="478"/>
-          <ac:spMkLst>
-            <pc:docMk/>
-            <pc:sldMk cId="465749855" sldId="280"/>
-            <ac:spMk id="16" creationId="{F0B336CC-502A-C190-AFA3-83039C57812B}"/>
-          </ac:spMkLst>
-        </pc:spChg>
-        <pc:spChg chg="del">
-          <ac:chgData name="Zonghua Gu" userId="9a7e1853e1951ef5" providerId="LiveId" clId="{CF1FAA12-072C-4ED5-BA76-0FFFAEFDB88A}" dt="2025-09-22T19:35:31.359" v="664" actId="478"/>
-          <ac:spMkLst>
-            <pc:docMk/>
-            <pc:sldMk cId="465749855" sldId="280"/>
-            <ac:spMk id="20" creationId="{A177A75E-E534-E27E-6F7C-F055FF891F3C}"/>
-          </ac:spMkLst>
-        </pc:spChg>
-        <pc:spChg chg="del">
-          <ac:chgData name="Zonghua Gu" userId="9a7e1853e1951ef5" providerId="LiveId" clId="{CF1FAA12-072C-4ED5-BA76-0FFFAEFDB88A}" dt="2025-09-22T19:35:31.359" v="664" actId="478"/>
-          <ac:spMkLst>
-            <pc:docMk/>
-            <pc:sldMk cId="465749855" sldId="280"/>
-            <ac:spMk id="21" creationId="{28AA04E0-82B0-7BE7-8DEE-AE45D0936096}"/>
+            <ac:spMk id="4" creationId="{D196B1B3-16B9-7552-E252-1625434D0362}"/>
           </ac:spMkLst>
         </pc:spChg>
         <pc:spChg chg="mod">
@@ -973,14 +609,6 @@
             <pc:docMk/>
             <pc:sldMk cId="4018749421" sldId="281"/>
             <ac:spMk id="2" creationId="{9F91FAD6-E4B6-9B88-FA7A-9F38A7C51248}"/>
-          </ac:spMkLst>
-        </pc:spChg>
-        <pc:spChg chg="del mod">
-          <ac:chgData name="Zonghua Gu" userId="9a7e1853e1951ef5" providerId="LiveId" clId="{CF1FAA12-072C-4ED5-BA76-0FFFAEFDB88A}" dt="2025-09-23T02:22:10.232" v="839" actId="478"/>
-          <ac:spMkLst>
-            <pc:docMk/>
-            <pc:sldMk cId="4018749421" sldId="281"/>
-            <ac:spMk id="4" creationId="{5CD534CD-D4BC-44F4-6651-8462C9B8E10D}"/>
           </ac:spMkLst>
         </pc:spChg>
         <pc:spChg chg="add mod">
@@ -1030,36 +658,12 @@
             <ac:spMk id="2" creationId="{25E58B75-95E0-2541-7E04-055CF0C60C5B}"/>
           </ac:spMkLst>
         </pc:spChg>
-        <pc:spChg chg="del">
-          <ac:chgData name="Zonghua Gu" userId="9a7e1853e1951ef5" providerId="LiveId" clId="{CF1FAA12-072C-4ED5-BA76-0FFFAEFDB88A}" dt="2025-09-23T02:41:10.070" v="1177" actId="478"/>
-          <ac:spMkLst>
-            <pc:docMk/>
-            <pc:sldMk cId="623618619" sldId="282"/>
-            <ac:spMk id="7" creationId="{69DFA021-B80F-320D-C327-C1CC0BE7FB00}"/>
-          </ac:spMkLst>
-        </pc:spChg>
-        <pc:spChg chg="add del mod">
-          <ac:chgData name="Zonghua Gu" userId="9a7e1853e1951ef5" providerId="LiveId" clId="{CF1FAA12-072C-4ED5-BA76-0FFFAEFDB88A}" dt="2025-09-23T02:41:47.791" v="1178" actId="478"/>
-          <ac:spMkLst>
-            <pc:docMk/>
-            <pc:sldMk cId="623618619" sldId="282"/>
-            <ac:spMk id="10" creationId="{41973CBB-45DB-609E-6176-6CAFA5AAC7AC}"/>
-          </ac:spMkLst>
-        </pc:spChg>
         <pc:graphicFrameChg chg="add mod modGraphic">
           <ac:chgData name="Zonghua Gu" userId="9a7e1853e1951ef5" providerId="LiveId" clId="{CF1FAA12-072C-4ED5-BA76-0FFFAEFDB88A}" dt="2025-09-23T02:40:41.243" v="1175" actId="6549"/>
           <ac:graphicFrameMkLst>
             <pc:docMk/>
             <pc:sldMk cId="623618619" sldId="282"/>
             <ac:graphicFrameMk id="4" creationId="{058C7988-0F62-036F-DDF3-1121F4620528}"/>
-          </ac:graphicFrameMkLst>
-        </pc:graphicFrameChg>
-        <pc:graphicFrameChg chg="del">
-          <ac:chgData name="Zonghua Gu" userId="9a7e1853e1951ef5" providerId="LiveId" clId="{CF1FAA12-072C-4ED5-BA76-0FFFAEFDB88A}" dt="2025-09-23T02:35:45.312" v="1082" actId="478"/>
-          <ac:graphicFrameMkLst>
-            <pc:docMk/>
-            <pc:sldMk cId="623618619" sldId="282"/>
-            <ac:graphicFrameMk id="5" creationId="{7B5F49DF-8C74-AA1D-7202-93CA4F3D15D3}"/>
           </ac:graphicFrameMkLst>
         </pc:graphicFrameChg>
         <pc:graphicFrameChg chg="mod">
@@ -1070,14 +674,6 @@
             <ac:graphicFrameMk id="6" creationId="{CC203EDA-BA4D-8B0A-42B8-FE11C464F19D}"/>
           </ac:graphicFrameMkLst>
         </pc:graphicFrameChg>
-        <pc:graphicFrameChg chg="del">
-          <ac:chgData name="Zonghua Gu" userId="9a7e1853e1951ef5" providerId="LiveId" clId="{CF1FAA12-072C-4ED5-BA76-0FFFAEFDB88A}" dt="2025-09-23T02:36:17.601" v="1099" actId="478"/>
-          <ac:graphicFrameMkLst>
-            <pc:docMk/>
-            <pc:sldMk cId="623618619" sldId="282"/>
-            <ac:graphicFrameMk id="8" creationId="{91EDDF68-3421-266E-768C-7C650A8A4438}"/>
-          </ac:graphicFrameMkLst>
-        </pc:graphicFrameChg>
       </pc:sldChg>
       <pc:sldChg chg="modSp new del mod">
         <pc:chgData name="Zonghua Gu" userId="9a7e1853e1951ef5" providerId="LiveId" clId="{CF1FAA12-072C-4ED5-BA76-0FFFAEFDB88A}" dt="2025-09-23T02:35:32.497" v="1076" actId="47"/>
@@ -1085,12 +681,206 @@
           <pc:docMk/>
           <pc:sldMk cId="1063931100" sldId="282"/>
         </pc:sldMkLst>
+      </pc:sldChg>
+      <pc:sldChg chg="modSp new mod">
+        <pc:chgData name="Zonghua Gu" userId="9a7e1853e1951ef5" providerId="LiveId" clId="{CF1FAA12-072C-4ED5-BA76-0FFFAEFDB88A}" dt="2025-09-24T22:40:48.618" v="1791" actId="20577"/>
+        <pc:sldMkLst>
+          <pc:docMk/>
+          <pc:sldMk cId="1767069891" sldId="283"/>
+        </pc:sldMkLst>
         <pc:spChg chg="mod">
-          <ac:chgData name="Zonghua Gu" userId="9a7e1853e1951ef5" providerId="LiveId" clId="{CF1FAA12-072C-4ED5-BA76-0FFFAEFDB88A}" dt="2025-09-23T02:29:33.042" v="1032" actId="20577"/>
+          <ac:chgData name="Zonghua Gu" userId="9a7e1853e1951ef5" providerId="LiveId" clId="{CF1FAA12-072C-4ED5-BA76-0FFFAEFDB88A}" dt="2025-09-24T22:40:29.276" v="1778" actId="20577"/>
           <ac:spMkLst>
             <pc:docMk/>
-            <pc:sldMk cId="1063931100" sldId="282"/>
-            <ac:spMk id="4" creationId="{152BA667-EB09-4802-7AD7-705B8572BEBC}"/>
+            <pc:sldMk cId="1767069891" sldId="283"/>
+            <ac:spMk id="2" creationId="{440EADDE-B5E4-F571-7D39-10F7E6EFD50E}"/>
+          </ac:spMkLst>
+        </pc:spChg>
+        <pc:spChg chg="mod">
+          <ac:chgData name="Zonghua Gu" userId="9a7e1853e1951ef5" providerId="LiveId" clId="{CF1FAA12-072C-4ED5-BA76-0FFFAEFDB88A}" dt="2025-09-24T22:40:48.618" v="1791" actId="20577"/>
+          <ac:spMkLst>
+            <pc:docMk/>
+            <pc:sldMk cId="1767069891" sldId="283"/>
+            <ac:spMk id="4" creationId="{86CB5709-ADC9-6526-7743-1565742B86E0}"/>
+          </ac:spMkLst>
+        </pc:spChg>
+      </pc:sldChg>
+      <pc:sldChg chg="modSp add del mod">
+        <pc:chgData name="Zonghua Gu" userId="9a7e1853e1951ef5" providerId="LiveId" clId="{CF1FAA12-072C-4ED5-BA76-0FFFAEFDB88A}" dt="2025-09-24T22:43:52.740" v="1805" actId="47"/>
+        <pc:sldMkLst>
+          <pc:docMk/>
+          <pc:sldMk cId="2969345435" sldId="284"/>
+        </pc:sldMkLst>
+        <pc:spChg chg="mod">
+          <ac:chgData name="Zonghua Gu" userId="9a7e1853e1951ef5" providerId="LiveId" clId="{CF1FAA12-072C-4ED5-BA76-0FFFAEFDB88A}" dt="2025-09-24T22:06:07.331" v="1244" actId="20577"/>
+          <ac:spMkLst>
+            <pc:docMk/>
+            <pc:sldMk cId="2969345435" sldId="284"/>
+            <ac:spMk id="2" creationId="{D7CEA2F8-4AE4-8385-992B-BDF56FFCBED5}"/>
+          </ac:spMkLst>
+        </pc:spChg>
+        <pc:spChg chg="mod">
+          <ac:chgData name="Zonghua Gu" userId="9a7e1853e1951ef5" providerId="LiveId" clId="{CF1FAA12-072C-4ED5-BA76-0FFFAEFDB88A}" dt="2025-09-24T22:06:42.870" v="1266" actId="20577"/>
+          <ac:spMkLst>
+            <pc:docMk/>
+            <pc:sldMk cId="2969345435" sldId="284"/>
+            <ac:spMk id="4" creationId="{C37C0F39-CE7A-B58B-992C-A84D2A7B333A}"/>
+          </ac:spMkLst>
+        </pc:spChg>
+      </pc:sldChg>
+      <pc:sldChg chg="addSp delSp modSp new del mod">
+        <pc:chgData name="Zonghua Gu" userId="9a7e1853e1951ef5" providerId="LiveId" clId="{CF1FAA12-072C-4ED5-BA76-0FFFAEFDB88A}" dt="2025-09-24T22:17:27.877" v="1438" actId="47"/>
+        <pc:sldMkLst>
+          <pc:docMk/>
+          <pc:sldMk cId="3647343664" sldId="285"/>
+        </pc:sldMkLst>
+        <pc:spChg chg="del">
+          <ac:chgData name="Zonghua Gu" userId="9a7e1853e1951ef5" providerId="LiveId" clId="{CF1FAA12-072C-4ED5-BA76-0FFFAEFDB88A}" dt="2025-09-24T22:12:07.059" v="1320" actId="478"/>
+          <ac:spMkLst>
+            <pc:docMk/>
+            <pc:sldMk cId="3647343664" sldId="285"/>
+            <ac:spMk id="4" creationId="{B9BABDB1-4606-E156-A300-30BC5BD72AE5}"/>
+          </ac:spMkLst>
+        </pc:spChg>
+        <pc:spChg chg="add del mod">
+          <ac:chgData name="Zonghua Gu" userId="9a7e1853e1951ef5" providerId="LiveId" clId="{CF1FAA12-072C-4ED5-BA76-0FFFAEFDB88A}" dt="2025-09-24T22:12:01.702" v="1317" actId="478"/>
+          <ac:spMkLst>
+            <pc:docMk/>
+            <pc:sldMk cId="3647343664" sldId="285"/>
+            <ac:spMk id="5" creationId="{00BD1EE5-071C-A702-B24E-837D41A0F1EA}"/>
+          </ac:spMkLst>
+        </pc:spChg>
+        <pc:spChg chg="add del">
+          <ac:chgData name="Zonghua Gu" userId="9a7e1853e1951ef5" providerId="LiveId" clId="{CF1FAA12-072C-4ED5-BA76-0FFFAEFDB88A}" dt="2025-09-24T22:16:09.931" v="1418" actId="22"/>
+          <ac:spMkLst>
+            <pc:docMk/>
+            <pc:sldMk cId="3647343664" sldId="285"/>
+            <ac:spMk id="8" creationId="{738802FA-C2AF-0D8F-352C-E355A8B9BE29}"/>
+          </ac:spMkLst>
+        </pc:spChg>
+        <pc:spChg chg="add del">
+          <ac:chgData name="Zonghua Gu" userId="9a7e1853e1951ef5" providerId="LiveId" clId="{CF1FAA12-072C-4ED5-BA76-0FFFAEFDB88A}" dt="2025-09-24T22:16:24.346" v="1422" actId="22"/>
+          <ac:spMkLst>
+            <pc:docMk/>
+            <pc:sldMk cId="3647343664" sldId="285"/>
+            <ac:spMk id="10" creationId="{DBC4066F-3113-8CEE-389D-18D22F3654FC}"/>
+          </ac:spMkLst>
+        </pc:spChg>
+        <pc:spChg chg="add del">
+          <ac:chgData name="Zonghua Gu" userId="9a7e1853e1951ef5" providerId="LiveId" clId="{CF1FAA12-072C-4ED5-BA76-0FFFAEFDB88A}" dt="2025-09-24T22:16:25.893" v="1424" actId="22"/>
+          <ac:spMkLst>
+            <pc:docMk/>
+            <pc:sldMk cId="3647343664" sldId="285"/>
+            <ac:spMk id="12" creationId="{2BBDFC78-7C41-28DC-E32F-05A96E8BBA30}"/>
+          </ac:spMkLst>
+        </pc:spChg>
+        <pc:graphicFrameChg chg="add mod modGraphic">
+          <ac:chgData name="Zonghua Gu" userId="9a7e1853e1951ef5" providerId="LiveId" clId="{CF1FAA12-072C-4ED5-BA76-0FFFAEFDB88A}" dt="2025-09-24T22:14:49.203" v="1416" actId="20577"/>
+          <ac:graphicFrameMkLst>
+            <pc:docMk/>
+            <pc:sldMk cId="3647343664" sldId="285"/>
+            <ac:graphicFrameMk id="6" creationId="{933FA100-AB65-E88B-9776-DD11654196F5}"/>
+          </ac:graphicFrameMkLst>
+        </pc:graphicFrameChg>
+      </pc:sldChg>
+      <pc:sldChg chg="addSp delSp modSp new mod">
+        <pc:chgData name="Zonghua Gu" userId="9a7e1853e1951ef5" providerId="LiveId" clId="{CF1FAA12-072C-4ED5-BA76-0FFFAEFDB88A}" dt="2025-09-24T22:42:29.165" v="1804" actId="404"/>
+        <pc:sldMkLst>
+          <pc:docMk/>
+          <pc:sldMk cId="3387447015" sldId="286"/>
+        </pc:sldMkLst>
+        <pc:spChg chg="mod">
+          <ac:chgData name="Zonghua Gu" userId="9a7e1853e1951ef5" providerId="LiveId" clId="{CF1FAA12-072C-4ED5-BA76-0FFFAEFDB88A}" dt="2025-09-24T22:40:26.731" v="1777"/>
+          <ac:spMkLst>
+            <pc:docMk/>
+            <pc:sldMk cId="3387447015" sldId="286"/>
+            <ac:spMk id="2" creationId="{B94D12DC-0F10-83D1-ABB7-CBAA3C868C79}"/>
+          </ac:spMkLst>
+        </pc:spChg>
+        <pc:spChg chg="mod">
+          <ac:chgData name="Zonghua Gu" userId="9a7e1853e1951ef5" providerId="LiveId" clId="{CF1FAA12-072C-4ED5-BA76-0FFFAEFDB88A}" dt="2025-09-24T22:42:29.165" v="1804" actId="404"/>
+          <ac:spMkLst>
+            <pc:docMk/>
+            <pc:sldMk cId="3387447015" sldId="286"/>
+            <ac:spMk id="4" creationId="{AA7D4B7B-4A30-8F07-789A-FFB8DD17492B}"/>
+          </ac:spMkLst>
+        </pc:spChg>
+        <pc:spChg chg="add mod">
+          <ac:chgData name="Zonghua Gu" userId="9a7e1853e1951ef5" providerId="LiveId" clId="{CF1FAA12-072C-4ED5-BA76-0FFFAEFDB88A}" dt="2025-09-24T22:42:24.196" v="1799" actId="6549"/>
+          <ac:spMkLst>
+            <pc:docMk/>
+            <pc:sldMk cId="3387447015" sldId="286"/>
+            <ac:spMk id="7" creationId="{0D126F9E-0C09-AE3C-A9BD-81B85FCD0F23}"/>
+          </ac:spMkLst>
+        </pc:spChg>
+        <pc:picChg chg="add del mod">
+          <ac:chgData name="Zonghua Gu" userId="9a7e1853e1951ef5" providerId="LiveId" clId="{CF1FAA12-072C-4ED5-BA76-0FFFAEFDB88A}" dt="2025-09-24T22:17:36.674" v="1441" actId="478"/>
+          <ac:picMkLst>
+            <pc:docMk/>
+            <pc:sldMk cId="3387447015" sldId="286"/>
+            <ac:picMk id="6" creationId="{7E1A984A-9297-FCEE-8B34-5378C416B091}"/>
+          </ac:picMkLst>
+        </pc:picChg>
+        <pc:picChg chg="add del">
+          <ac:chgData name="Zonghua Gu" userId="9a7e1853e1951ef5" providerId="LiveId" clId="{CF1FAA12-072C-4ED5-BA76-0FFFAEFDB88A}" dt="2025-09-24T22:26:15.001" v="1546" actId="22"/>
+          <ac:picMkLst>
+            <pc:docMk/>
+            <pc:sldMk cId="3387447015" sldId="286"/>
+            <ac:picMk id="9" creationId="{F38195C1-5D87-914C-D5C2-416E55FA6CB9}"/>
+          </ac:picMkLst>
+        </pc:picChg>
+        <pc:picChg chg="add del mod">
+          <ac:chgData name="Zonghua Gu" userId="9a7e1853e1951ef5" providerId="LiveId" clId="{CF1FAA12-072C-4ED5-BA76-0FFFAEFDB88A}" dt="2025-09-24T22:36:05.735" v="1683" actId="478"/>
+          <ac:picMkLst>
+            <pc:docMk/>
+            <pc:sldMk cId="3387447015" sldId="286"/>
+            <ac:picMk id="11" creationId="{0EEFA22E-D2E4-86CB-A191-5AA20B423E3F}"/>
+          </ac:picMkLst>
+        </pc:picChg>
+        <pc:picChg chg="add del mod">
+          <ac:chgData name="Zonghua Gu" userId="9a7e1853e1951ef5" providerId="LiveId" clId="{CF1FAA12-072C-4ED5-BA76-0FFFAEFDB88A}" dt="2025-09-24T22:39:59.237" v="1772" actId="478"/>
+          <ac:picMkLst>
+            <pc:docMk/>
+            <pc:sldMk cId="3387447015" sldId="286"/>
+            <ac:picMk id="13" creationId="{28730A3B-E834-618F-8693-523BFFB40037}"/>
+          </ac:picMkLst>
+        </pc:picChg>
+        <pc:picChg chg="add del mod">
+          <ac:chgData name="Zonghua Gu" userId="9a7e1853e1951ef5" providerId="LiveId" clId="{CF1FAA12-072C-4ED5-BA76-0FFFAEFDB88A}" dt="2025-09-24T22:40:21.030" v="1776" actId="478"/>
+          <ac:picMkLst>
+            <pc:docMk/>
+            <pc:sldMk cId="3387447015" sldId="286"/>
+            <ac:picMk id="15" creationId="{B1FB70C4-8F4D-2B5C-B4E6-A3D87627A0EB}"/>
+          </ac:picMkLst>
+        </pc:picChg>
+      </pc:sldChg>
+      <pc:sldChg chg="modSp new del">
+        <pc:chgData name="Zonghua Gu" userId="9a7e1853e1951ef5" providerId="LiveId" clId="{CF1FAA12-072C-4ED5-BA76-0FFFAEFDB88A}" dt="2025-09-24T22:40:05.085" v="1773" actId="47"/>
+        <pc:sldMkLst>
+          <pc:docMk/>
+          <pc:sldMk cId="836989917" sldId="287"/>
+        </pc:sldMkLst>
+        <pc:spChg chg="mod">
+          <ac:chgData name="Zonghua Gu" userId="9a7e1853e1951ef5" providerId="LiveId" clId="{CF1FAA12-072C-4ED5-BA76-0FFFAEFDB88A}" dt="2025-09-24T22:38:34.633" v="1755"/>
+          <ac:spMkLst>
+            <pc:docMk/>
+            <pc:sldMk cId="836989917" sldId="287"/>
+            <ac:spMk id="4" creationId="{605AD5BA-7D69-D071-4281-A4CB39254413}"/>
+          </ac:spMkLst>
+        </pc:spChg>
+      </pc:sldChg>
+      <pc:sldChg chg="modSp new del mod">
+        <pc:chgData name="Zonghua Gu" userId="9a7e1853e1951ef5" providerId="LiveId" clId="{CF1FAA12-072C-4ED5-BA76-0FFFAEFDB88A}" dt="2025-09-24T23:48:12" v="1930" actId="2696"/>
+        <pc:sldMkLst>
+          <pc:docMk/>
+          <pc:sldMk cId="3365210863" sldId="287"/>
+        </pc:sldMkLst>
+        <pc:spChg chg="mod">
+          <ac:chgData name="Zonghua Gu" userId="9a7e1853e1951ef5" providerId="LiveId" clId="{CF1FAA12-072C-4ED5-BA76-0FFFAEFDB88A}" dt="2025-09-24T23:04:02.409" v="1929" actId="20577"/>
+          <ac:spMkLst>
+            <pc:docMk/>
+            <pc:sldMk cId="3365210863" sldId="287"/>
+            <ac:spMk id="4" creationId="{2E644054-91F4-1D97-9E7A-B6455D725376}"/>
           </ac:spMkLst>
         </pc:spChg>
       </pc:sldChg>
@@ -1156,14 +946,6 @@
           <pc:docMk/>
           <pc:sldMk cId="3919809568" sldId="348"/>
         </pc:sldMkLst>
-        <pc:spChg chg="del mod">
-          <ac:chgData name="Zonghua Gu" userId="9a7e1853e1951ef5" providerId="LiveId" clId="{CF1FAA12-072C-4ED5-BA76-0FFFAEFDB88A}" dt="2025-09-22T00:03:02.951" v="76" actId="478"/>
-          <ac:spMkLst>
-            <pc:docMk/>
-            <pc:sldMk cId="3919809568" sldId="348"/>
-            <ac:spMk id="54" creationId="{00000000-0000-0000-0000-000000000000}"/>
-          </ac:spMkLst>
-        </pc:spChg>
       </pc:sldChg>
       <pc:sldChg chg="del">
         <pc:chgData name="Zonghua Gu" userId="9a7e1853e1951ef5" providerId="LiveId" clId="{CF1FAA12-072C-4ED5-BA76-0FFFAEFDB88A}" dt="2025-09-22T00:19:08.642" v="112" actId="47"/>
@@ -1186,20 +968,35 @@
           <pc:sldMk cId="1602140629" sldId="351"/>
         </pc:sldMkLst>
       </pc:sldChg>
+      <pc:sldChg chg="addSp modSp add mod">
+        <pc:chgData name="Zonghua Gu" userId="9a7e1853e1951ef5" providerId="LiveId" clId="{CF1FAA12-072C-4ED5-BA76-0FFFAEFDB88A}" dt="2025-09-24T22:59:39.527" v="1859" actId="14100"/>
+        <pc:sldMkLst>
+          <pc:docMk/>
+          <pc:sldMk cId="2083494270" sldId="352"/>
+        </pc:sldMkLst>
+        <pc:spChg chg="add mod">
+          <ac:chgData name="Zonghua Gu" userId="9a7e1853e1951ef5" providerId="LiveId" clId="{CF1FAA12-072C-4ED5-BA76-0FFFAEFDB88A}" dt="2025-09-24T22:59:33.992" v="1857"/>
+          <ac:spMkLst>
+            <pc:docMk/>
+            <pc:sldMk cId="2083494270" sldId="352"/>
+            <ac:spMk id="3" creationId="{4ACAA33B-8833-6998-194D-3EC418B6F321}"/>
+          </ac:spMkLst>
+        </pc:spChg>
+        <pc:spChg chg="mod">
+          <ac:chgData name="Zonghua Gu" userId="9a7e1853e1951ef5" providerId="LiveId" clId="{CF1FAA12-072C-4ED5-BA76-0FFFAEFDB88A}" dt="2025-09-24T22:59:39.527" v="1859" actId="14100"/>
+          <ac:spMkLst>
+            <pc:docMk/>
+            <pc:sldMk cId="2083494270" sldId="352"/>
+            <ac:spMk id="14339" creationId="{00000000-0000-0000-0000-000000000000}"/>
+          </ac:spMkLst>
+        </pc:spChg>
+      </pc:sldChg>
       <pc:sldChg chg="delSp modSp del mod delAnim">
         <pc:chgData name="Zonghua Gu" userId="9a7e1853e1951ef5" providerId="LiveId" clId="{CF1FAA12-072C-4ED5-BA76-0FFFAEFDB88A}" dt="2025-09-22T00:19:08.642" v="112" actId="47"/>
         <pc:sldMkLst>
           <pc:docMk/>
           <pc:sldMk cId="2521967986" sldId="352"/>
         </pc:sldMkLst>
-        <pc:spChg chg="del mod">
-          <ac:chgData name="Zonghua Gu" userId="9a7e1853e1951ef5" providerId="LiveId" clId="{CF1FAA12-072C-4ED5-BA76-0FFFAEFDB88A}" dt="2025-09-22T00:03:29.889" v="78" actId="478"/>
-          <ac:spMkLst>
-            <pc:docMk/>
-            <pc:sldMk cId="2521967986" sldId="352"/>
-            <ac:spMk id="44" creationId="{00000000-0000-0000-0000-000000000000}"/>
-          </ac:spMkLst>
-        </pc:spChg>
       </pc:sldChg>
       <pc:sldChg chg="del">
         <pc:chgData name="Zonghua Gu" userId="9a7e1853e1951ef5" providerId="LiveId" clId="{CF1FAA12-072C-4ED5-BA76-0FFFAEFDB88A}" dt="2025-09-22T00:19:08.642" v="112" actId="47"/>
@@ -1208,11 +1005,96 @@
           <pc:sldMk cId="4051972" sldId="353"/>
         </pc:sldMkLst>
       </pc:sldChg>
+      <pc:sldChg chg="addSp modSp new mod">
+        <pc:chgData name="Zonghua Gu" userId="9a7e1853e1951ef5" providerId="LiveId" clId="{CF1FAA12-072C-4ED5-BA76-0FFFAEFDB88A}" dt="2025-09-25T01:13:28.548" v="2331" actId="14100"/>
+        <pc:sldMkLst>
+          <pc:docMk/>
+          <pc:sldMk cId="2707139683" sldId="353"/>
+        </pc:sldMkLst>
+        <pc:spChg chg="mod">
+          <ac:chgData name="Zonghua Gu" userId="9a7e1853e1951ef5" providerId="LiveId" clId="{CF1FAA12-072C-4ED5-BA76-0FFFAEFDB88A}" dt="2025-09-25T00:34:19.939" v="1968" actId="20577"/>
+          <ac:spMkLst>
+            <pc:docMk/>
+            <pc:sldMk cId="2707139683" sldId="353"/>
+            <ac:spMk id="2" creationId="{C56DF89D-8DCD-F432-1E58-FAB096FB80C5}"/>
+          </ac:spMkLst>
+        </pc:spChg>
+        <pc:spChg chg="mod">
+          <ac:chgData name="Zonghua Gu" userId="9a7e1853e1951ef5" providerId="LiveId" clId="{CF1FAA12-072C-4ED5-BA76-0FFFAEFDB88A}" dt="2025-09-25T01:13:28.548" v="2331" actId="14100"/>
+          <ac:spMkLst>
+            <pc:docMk/>
+            <pc:sldMk cId="2707139683" sldId="353"/>
+            <ac:spMk id="4" creationId="{591F8C61-3E91-895F-2C57-5743F12F4706}"/>
+          </ac:spMkLst>
+        </pc:spChg>
+        <pc:spChg chg="add mod">
+          <ac:chgData name="Zonghua Gu" userId="9a7e1853e1951ef5" providerId="LiveId" clId="{CF1FAA12-072C-4ED5-BA76-0FFFAEFDB88A}" dt="2025-09-25T00:43:55.145" v="2202" actId="1076"/>
+          <ac:spMkLst>
+            <pc:docMk/>
+            <pc:sldMk cId="2707139683" sldId="353"/>
+            <ac:spMk id="5" creationId="{8A76ECE7-0B5A-383E-0091-ADC927BEEC87}"/>
+          </ac:spMkLst>
+        </pc:spChg>
+        <pc:spChg chg="add mod">
+          <ac:chgData name="Zonghua Gu" userId="9a7e1853e1951ef5" providerId="LiveId" clId="{CF1FAA12-072C-4ED5-BA76-0FFFAEFDB88A}" dt="2025-09-25T00:44:02.939" v="2205" actId="1076"/>
+          <ac:spMkLst>
+            <pc:docMk/>
+            <pc:sldMk cId="2707139683" sldId="353"/>
+            <ac:spMk id="6" creationId="{45D15B45-A356-638A-35FB-768B7AA8995D}"/>
+          </ac:spMkLst>
+        </pc:spChg>
+      </pc:sldChg>
       <pc:sldChg chg="del">
         <pc:chgData name="Zonghua Gu" userId="9a7e1853e1951ef5" providerId="LiveId" clId="{CF1FAA12-072C-4ED5-BA76-0FFFAEFDB88A}" dt="2025-09-22T00:19:08.642" v="112" actId="47"/>
         <pc:sldMkLst>
           <pc:docMk/>
           <pc:sldMk cId="786387890" sldId="354"/>
+        </pc:sldMkLst>
+      </pc:sldChg>
+      <pc:sldChg chg="addSp delSp modSp new mod">
+        <pc:chgData name="Zonghua Gu" userId="9a7e1853e1951ef5" providerId="LiveId" clId="{CF1FAA12-072C-4ED5-BA76-0FFFAEFDB88A}" dt="2025-09-25T01:08:20.122" v="2223" actId="14100"/>
+        <pc:sldMkLst>
+          <pc:docMk/>
+          <pc:sldMk cId="4056115254" sldId="354"/>
+        </pc:sldMkLst>
+        <pc:spChg chg="mod">
+          <ac:chgData name="Zonghua Gu" userId="9a7e1853e1951ef5" providerId="LiveId" clId="{CF1FAA12-072C-4ED5-BA76-0FFFAEFDB88A}" dt="2025-09-25T00:43:47.205" v="2200"/>
+          <ac:spMkLst>
+            <pc:docMk/>
+            <pc:sldMk cId="4056115254" sldId="354"/>
+            <ac:spMk id="2" creationId="{CAB26404-63EE-CB5A-481A-AD6B0B09C23D}"/>
+          </ac:spMkLst>
+        </pc:spChg>
+        <pc:spChg chg="mod">
+          <ac:chgData name="Zonghua Gu" userId="9a7e1853e1951ef5" providerId="LiveId" clId="{CF1FAA12-072C-4ED5-BA76-0FFFAEFDB88A}" dt="2025-09-25T01:08:17.743" v="2222" actId="14100"/>
+          <ac:spMkLst>
+            <pc:docMk/>
+            <pc:sldMk cId="4056115254" sldId="354"/>
+            <ac:spMk id="4" creationId="{C2EFFC15-913C-F5C8-F67E-5B2B5295992D}"/>
+          </ac:spMkLst>
+        </pc:spChg>
+        <pc:spChg chg="add mod">
+          <ac:chgData name="Zonghua Gu" userId="9a7e1853e1951ef5" providerId="LiveId" clId="{CF1FAA12-072C-4ED5-BA76-0FFFAEFDB88A}" dt="2025-09-25T01:08:20.122" v="2223" actId="14100"/>
+          <ac:spMkLst>
+            <pc:docMk/>
+            <pc:sldMk cId="4056115254" sldId="354"/>
+            <ac:spMk id="5" creationId="{B60DE175-89CF-1980-2FF5-09D118299DF7}"/>
+          </ac:spMkLst>
+        </pc:spChg>
+        <pc:picChg chg="add del mod">
+          <ac:chgData name="Zonghua Gu" userId="9a7e1853e1951ef5" providerId="LiveId" clId="{CF1FAA12-072C-4ED5-BA76-0FFFAEFDB88A}" dt="2025-09-25T01:08:02.608" v="2217" actId="478"/>
+          <ac:picMkLst>
+            <pc:docMk/>
+            <pc:sldMk cId="4056115254" sldId="354"/>
+            <ac:picMk id="7" creationId="{CE214E37-3975-665F-2AD9-910AFF14BBB6}"/>
+          </ac:picMkLst>
+        </pc:picChg>
+      </pc:sldChg>
+      <pc:sldChg chg="add del">
+        <pc:chgData name="Zonghua Gu" userId="9a7e1853e1951ef5" providerId="LiveId" clId="{CF1FAA12-072C-4ED5-BA76-0FFFAEFDB88A}" dt="2025-09-25T00:43:43.393" v="2199" actId="47"/>
+        <pc:sldMkLst>
+          <pc:docMk/>
+          <pc:sldMk cId="821456373" sldId="355"/>
         </pc:sldMkLst>
       </pc:sldChg>
       <pc:sldChg chg="del">
@@ -1354,22 +1236,6 @@
           <pc:docMk/>
           <pc:sldMk cId="75619375" sldId="374"/>
         </pc:sldMkLst>
-        <pc:spChg chg="mod">
-          <ac:chgData name="Zonghua Gu" userId="9a7e1853e1951ef5" providerId="LiveId" clId="{CF1FAA12-072C-4ED5-BA76-0FFFAEFDB88A}" dt="2025-09-22T00:02:31.772" v="74"/>
-          <ac:spMkLst>
-            <pc:docMk/>
-            <pc:sldMk cId="75619375" sldId="374"/>
-            <ac:spMk id="2" creationId="{8C466A76-CD50-3559-3AEE-C44E77FF3255}"/>
-          </ac:spMkLst>
-        </pc:spChg>
-        <pc:spChg chg="add mod">
-          <ac:chgData name="Zonghua Gu" userId="9a7e1853e1951ef5" providerId="LiveId" clId="{CF1FAA12-072C-4ED5-BA76-0FFFAEFDB88A}" dt="2025-09-22T00:02:26.784" v="73" actId="1076"/>
-          <ac:spMkLst>
-            <pc:docMk/>
-            <pc:sldMk cId="75619375" sldId="374"/>
-            <ac:spMk id="6" creationId="{0F9C45FC-EB05-6566-3F0F-E99A8F69C9EC}"/>
-          </ac:spMkLst>
-        </pc:spChg>
       </pc:sldChg>
       <pc:sldChg chg="modSp add del mod">
         <pc:chgData name="Zonghua Gu" userId="9a7e1853e1951ef5" providerId="LiveId" clId="{CF1FAA12-072C-4ED5-BA76-0FFFAEFDB88A}" dt="2025-09-22T00:19:08.642" v="112" actId="47"/>
@@ -1377,14 +1243,6 @@
           <pc:docMk/>
           <pc:sldMk cId="831910973" sldId="375"/>
         </pc:sldMkLst>
-        <pc:spChg chg="mod">
-          <ac:chgData name="Zonghua Gu" userId="9a7e1853e1951ef5" providerId="LiveId" clId="{CF1FAA12-072C-4ED5-BA76-0FFFAEFDB88A}" dt="2025-09-22T00:07:45.409" v="82" actId="113"/>
-          <ac:spMkLst>
-            <pc:docMk/>
-            <pc:sldMk cId="831910973" sldId="375"/>
-            <ac:spMk id="2" creationId="{00000000-0000-0000-0000-000000000000}"/>
-          </ac:spMkLst>
-        </pc:spChg>
       </pc:sldChg>
       <pc:sldChg chg="modSp new del mod">
         <pc:chgData name="Zonghua Gu" userId="9a7e1853e1951ef5" providerId="LiveId" clId="{CF1FAA12-072C-4ED5-BA76-0FFFAEFDB88A}" dt="2025-09-22T00:19:08.642" v="112" actId="47"/>
@@ -1392,22 +1250,6 @@
           <pc:docMk/>
           <pc:sldMk cId="3663400516" sldId="376"/>
         </pc:sldMkLst>
-        <pc:spChg chg="mod">
-          <ac:chgData name="Zonghua Gu" userId="9a7e1853e1951ef5" providerId="LiveId" clId="{CF1FAA12-072C-4ED5-BA76-0FFFAEFDB88A}" dt="2025-09-22T00:13:19.209" v="92"/>
-          <ac:spMkLst>
-            <pc:docMk/>
-            <pc:sldMk cId="3663400516" sldId="376"/>
-            <ac:spMk id="2" creationId="{2D74D106-5672-D2D0-91A6-33EAE728340F}"/>
-          </ac:spMkLst>
-        </pc:spChg>
-        <pc:spChg chg="mod">
-          <ac:chgData name="Zonghua Gu" userId="9a7e1853e1951ef5" providerId="LiveId" clId="{CF1FAA12-072C-4ED5-BA76-0FFFAEFDB88A}" dt="2025-09-22T00:18:13.660" v="98" actId="20577"/>
-          <ac:spMkLst>
-            <pc:docMk/>
-            <pc:sldMk cId="3663400516" sldId="376"/>
-            <ac:spMk id="4" creationId="{C3EB6FC8-0A57-C4F7-A418-87CC97372C95}"/>
-          </ac:spMkLst>
-        </pc:spChg>
       </pc:sldChg>
     </pc:docChg>
   </pc:docChgLst>
@@ -1508,7 +1350,7 @@
           <a:p>
             <a:fld id="{3B161579-C726-4AFD-89FC-66D961EAF8EA}" type="datetimeFigureOut">
               <a:rPr lang="en-US" smtClean="0"/>
-              <a:t>9/22/2025</a:t>
+              <a:t>9/25/2025</a:t>
             </a:fld>
             <a:endParaRPr lang="en-US"/>
           </a:p>
@@ -1686,7 +1528,7 @@
             <a:fld id="{0C5DCA7A-C3FD-4606-A3AD-864BD96433D4}" type="datetimeFigureOut">
               <a:rPr lang="en-US" smtClean="0"/>
               <a:pPr/>
-              <a:t>9/22/2025</a:t>
+              <a:t>9/25/2025</a:t>
             </a:fld>
             <a:endParaRPr lang="en-US"/>
           </a:p>
@@ -2297,6 +2139,105 @@
       </p:grpSpPr>
       <p:sp>
         <p:nvSpPr>
+          <p:cNvPr id="45058" name="Rectangle 2"/>
+          <p:cNvSpPr>
+            <a:spLocks noGrp="1" noChangeArrowheads="1"/>
+          </p:cNvSpPr>
+          <p:nvPr>
+            <p:ph type="body" idx="1"/>
+          </p:nvPr>
+        </p:nvSpPr>
+        <p:spPr>
+          <a:xfrm>
+            <a:off x="924810" y="4404346"/>
+            <a:ext cx="5100458" cy="4170576"/>
+          </a:xfrm>
+          <a:solidFill>
+            <a:srgbClr val="FFFFFF"/>
+          </a:solidFill>
+          <a:ln>
+            <a:solidFill>
+              <a:srgbClr val="000000"/>
+            </a:solidFill>
+          </a:ln>
+        </p:spPr>
+        <p:txBody>
+          <a:bodyPr lIns="95780" tIns="47890" rIns="95780" bIns="47890"/>
+          <a:lstStyle/>
+          <a:p>
+            <a:pPr marL="0" lvl="2" defTabSz="924879">
+              <a:defRPr/>
+            </a:pPr>
+            <a:r>
+              <a:rPr lang="en-US" dirty="0"/>
+              <a:t>Condition codes are simply a way of testing the ALU status flags. </a:t>
+            </a:r>
+          </a:p>
+          <a:p>
+            <a:pPr marL="0" lvl="2" defTabSz="924879">
+              <a:defRPr/>
+            </a:pPr>
+            <a:r>
+              <a:rPr lang="en-US" dirty="0"/>
+              <a:t>Note AL is the default and does not need to be specified </a:t>
+            </a:r>
+            <a:endParaRPr lang="en-GB" dirty="0"/>
+          </a:p>
+          <a:p>
+            <a:endParaRPr lang="en-US" dirty="0"/>
+          </a:p>
+        </p:txBody>
+      </p:sp>
+      <p:sp>
+        <p:nvSpPr>
+          <p:cNvPr id="45059" name="Rectangle 3"/>
+          <p:cNvSpPr>
+            <a:spLocks noGrp="1" noRot="1" noChangeAspect="1" noChangeArrowheads="1" noTextEdit="1"/>
+          </p:cNvSpPr>
+          <p:nvPr>
+            <p:ph type="sldImg"/>
+          </p:nvPr>
+        </p:nvSpPr>
+        <p:spPr>
+          <a:xfrm>
+            <a:off x="1279525" y="863600"/>
+            <a:ext cx="4403725" cy="3303588"/>
+          </a:xfrm>
+          <a:ln/>
+        </p:spPr>
+      </p:sp>
+    </p:spTree>
+    <p:extLst>
+      <p:ext uri="{BB962C8B-B14F-4D97-AF65-F5344CB8AC3E}">
+        <p14:creationId xmlns:p14="http://schemas.microsoft.com/office/powerpoint/2010/main" val="542877082"/>
+      </p:ext>
+    </p:extLst>
+  </p:cSld>
+  <p:clrMapOvr>
+    <a:masterClrMapping/>
+  </p:clrMapOvr>
+</p:notes>
+</file>
+
+<file path=ppt/notesSlides/notesSlide3.xml><?xml version="1.0" encoding="utf-8"?>
+<p:notes xmlns:a="http://schemas.openxmlformats.org/drawingml/2006/main" xmlns:r="http://schemas.openxmlformats.org/officeDocument/2006/relationships" xmlns:p="http://schemas.openxmlformats.org/presentationml/2006/main">
+  <p:cSld>
+    <p:spTree>
+      <p:nvGrpSpPr>
+        <p:cNvPr id="1" name=""/>
+        <p:cNvGrpSpPr/>
+        <p:nvPr/>
+      </p:nvGrpSpPr>
+      <p:grpSpPr>
+        <a:xfrm>
+          <a:off x="0" y="0"/>
+          <a:ext cx="0" cy="0"/>
+          <a:chOff x="0" y="0"/>
+          <a:chExt cx="0" cy="0"/>
+        </a:xfrm>
+      </p:grpSpPr>
+      <p:sp>
+        <p:nvSpPr>
           <p:cNvPr id="2" name="Slide Image Placeholder 1"/>
           <p:cNvSpPr>
             <a:spLocks noGrp="1" noRot="1" noChangeAspect="1"/>
@@ -2481,7 +2422,7 @@
 </p:notes>
 </file>
 
-<file path=ppt/notesSlides/notesSlide3.xml><?xml version="1.0" encoding="utf-8"?>
+<file path=ppt/notesSlides/notesSlide4.xml><?xml version="1.0" encoding="utf-8"?>
 <p:notes xmlns:a="http://schemas.openxmlformats.org/drawingml/2006/main" xmlns:r="http://schemas.openxmlformats.org/officeDocument/2006/relationships" xmlns:p="http://schemas.openxmlformats.org/presentationml/2006/main">
   <p:cSld>
     <p:spTree>
@@ -2708,6 +2649,184 @@
 </p:notes>
 </file>
 
+<file path=ppt/notesSlides/notesSlide5.xml><?xml version="1.0" encoding="utf-8"?>
+<p:notes xmlns:a="http://schemas.openxmlformats.org/drawingml/2006/main" xmlns:r="http://schemas.openxmlformats.org/officeDocument/2006/relationships" xmlns:p="http://schemas.openxmlformats.org/presentationml/2006/main">
+  <p:cSld>
+    <p:spTree>
+      <p:nvGrpSpPr>
+        <p:cNvPr id="1" name=""/>
+        <p:cNvGrpSpPr/>
+        <p:nvPr/>
+      </p:nvGrpSpPr>
+      <p:grpSpPr>
+        <a:xfrm>
+          <a:off x="0" y="0"/>
+          <a:ext cx="0" cy="0"/>
+          <a:chOff x="0" y="0"/>
+          <a:chExt cx="0" cy="0"/>
+        </a:xfrm>
+      </p:grpSpPr>
+      <p:sp>
+        <p:nvSpPr>
+          <p:cNvPr id="2" name="Slide Image Placeholder 1"/>
+          <p:cNvSpPr>
+            <a:spLocks noGrp="1" noRot="1" noChangeAspect="1"/>
+          </p:cNvSpPr>
+          <p:nvPr>
+            <p:ph type="sldImg"/>
+          </p:nvPr>
+        </p:nvSpPr>
+        <p:spPr/>
+      </p:sp>
+      <p:sp>
+        <p:nvSpPr>
+          <p:cNvPr id="3" name="Notes Placeholder 2"/>
+          <p:cNvSpPr>
+            <a:spLocks noGrp="1"/>
+          </p:cNvSpPr>
+          <p:nvPr>
+            <p:ph type="body" idx="1"/>
+          </p:nvPr>
+        </p:nvSpPr>
+        <p:spPr/>
+        <p:txBody>
+          <a:bodyPr/>
+          <a:lstStyle/>
+          <a:p>
+            <a:pPr lvl="0"/>
+            <a:r>
+              <a:rPr lang="en-US" sz="1200" kern="1200" dirty="0">
+                <a:solidFill>
+                  <a:schemeClr val="tx1"/>
+                </a:solidFill>
+                <a:effectLst/>
+                <a:latin typeface="+mn-lt"/>
+                <a:ea typeface="+mn-ea"/>
+                <a:cs typeface="+mn-cs"/>
+              </a:rPr>
+              <a:t>Calling convention: inputs </a:t>
+            </a:r>
+            <a:r>
+              <a:rPr lang="en-US" sz="1200" kern="1200" dirty="0" err="1">
+                <a:solidFill>
+                  <a:schemeClr val="tx1"/>
+                </a:solidFill>
+                <a:effectLst/>
+                <a:latin typeface="+mn-lt"/>
+                <a:ea typeface="+mn-ea"/>
+                <a:cs typeface="+mn-cs"/>
+              </a:rPr>
+              <a:t>x,y</a:t>
+            </a:r>
+            <a:r>
+              <a:rPr lang="en-US" sz="1200" kern="1200" dirty="0">
+                <a:solidFill>
+                  <a:schemeClr val="tx1"/>
+                </a:solidFill>
+                <a:effectLst/>
+                <a:latin typeface="+mn-lt"/>
+                <a:ea typeface="+mn-ea"/>
+                <a:cs typeface="+mn-cs"/>
+              </a:rPr>
+              <a:t> in r0,r1; result in r0; </a:t>
+            </a:r>
+            <a:r>
+              <a:rPr lang="en-US" sz="1200" kern="1200" dirty="0" err="1">
+                <a:solidFill>
+                  <a:schemeClr val="tx1"/>
+                </a:solidFill>
+                <a:effectLst/>
+                <a:latin typeface="+mn-lt"/>
+                <a:ea typeface="+mn-ea"/>
+                <a:cs typeface="+mn-cs"/>
+              </a:rPr>
+              <a:t>lr</a:t>
+            </a:r>
+            <a:r>
+              <a:rPr lang="en-US" sz="1200" kern="1200" dirty="0">
+                <a:solidFill>
+                  <a:schemeClr val="tx1"/>
+                </a:solidFill>
+                <a:effectLst/>
+                <a:latin typeface="+mn-lt"/>
+                <a:ea typeface="+mn-ea"/>
+                <a:cs typeface="+mn-cs"/>
+              </a:rPr>
+              <a:t> holds return address; no callee-saved registers are clobbered.</a:t>
+            </a:r>
+          </a:p>
+          <a:p>
+            <a:pPr lvl="0"/>
+            <a:r>
+              <a:rPr lang="en-US" sz="1200" kern="1200" dirty="0">
+                <a:solidFill>
+                  <a:schemeClr val="tx1"/>
+                </a:solidFill>
+                <a:effectLst/>
+                <a:latin typeface="+mn-lt"/>
+                <a:ea typeface="+mn-ea"/>
+                <a:cs typeface="+mn-cs"/>
+              </a:rPr>
+              <a:t>Choose MI/PL (based on N) or LT/GE (signed) consistently; both are correct when flags come from the sum or a compare to zero.</a:t>
+            </a:r>
+          </a:p>
+          <a:p>
+            <a:pPr lvl="0"/>
+            <a:r>
+              <a:rPr lang="en-US" sz="1200" kern="1200" dirty="0">
+                <a:solidFill>
+                  <a:schemeClr val="tx1"/>
+                </a:solidFill>
+                <a:effectLst/>
+                <a:latin typeface="+mn-lt"/>
+                <a:ea typeface="+mn-ea"/>
+                <a:cs typeface="+mn-cs"/>
+              </a:rPr>
+              <a:t>For Thumb-2, prefer conditional branches or the IT block variant if permitted by assembler; for classic ARM state, full conditional MOVs avoid branches.</a:t>
+            </a:r>
+          </a:p>
+          <a:p>
+            <a:endParaRPr lang="en-US" dirty="0"/>
+          </a:p>
+        </p:txBody>
+      </p:sp>
+      <p:sp>
+        <p:nvSpPr>
+          <p:cNvPr id="4" name="Slide Number Placeholder 3"/>
+          <p:cNvSpPr>
+            <a:spLocks noGrp="1"/>
+          </p:cNvSpPr>
+          <p:nvPr>
+            <p:ph type="sldNum" sz="quarter" idx="5"/>
+          </p:nvPr>
+        </p:nvSpPr>
+        <p:spPr/>
+        <p:txBody>
+          <a:bodyPr/>
+          <a:lstStyle/>
+          <a:p>
+            <a:fld id="{D46F4F04-2BB1-473A-9274-1B455085D21A}" type="slidenum">
+              <a:rPr lang="en-US" smtClean="0"/>
+              <a:pPr/>
+              <a:t>14</a:t>
+            </a:fld>
+            <a:endParaRPr lang="en-US"/>
+          </a:p>
+        </p:txBody>
+      </p:sp>
+    </p:spTree>
+    <p:extLst>
+      <p:ext uri="{BB962C8B-B14F-4D97-AF65-F5344CB8AC3E}">
+        <p14:creationId xmlns:p14="http://schemas.microsoft.com/office/powerpoint/2010/main" val="297106540"/>
+      </p:ext>
+    </p:extLst>
+  </p:cSld>
+  <p:clrMapOvr>
+    <a:masterClrMapping/>
+  </p:clrMapOvr>
+</p:notes>
+</file>
+
 <file path=ppt/slideLayouts/slideLayout1.xml><?xml version="1.0" encoding="utf-8"?>
 <p:sldLayout xmlns:a="http://schemas.openxmlformats.org/drawingml/2006/main" xmlns:r="http://schemas.openxmlformats.org/officeDocument/2006/relationships" xmlns:p="http://schemas.openxmlformats.org/presentationml/2006/main" showMasterSp="0" type="title" preserve="1">
   <p:cSld name="Title Slide">
@@ -2850,7 +2969,7 @@
             <a:pPr eaLnBrk="1" latinLnBrk="0" hangingPunct="1"/>
             <a:fld id="{7966D375-7FE4-4861-9EA3-8493E3E81506}" type="datetime1">
               <a:rPr lang="en-US" smtClean="0"/>
-              <a:t>9/22/2025</a:t>
+              <a:t>9/25/2025</a:t>
             </a:fld>
             <a:endParaRPr lang="en-US" sz="1600" dirty="0"/>
           </a:p>
@@ -3210,7 +3329,7 @@
             <a:pPr eaLnBrk="1" latinLnBrk="0" hangingPunct="1"/>
             <a:fld id="{A9C54BE0-D5FE-4C7B-88A7-8835FDA599B1}" type="datetime1">
               <a:rPr lang="en-US" smtClean="0"/>
-              <a:t>9/22/2025</a:t>
+              <a:t>9/25/2025</a:t>
             </a:fld>
             <a:endParaRPr lang="en-US"/>
           </a:p>
@@ -3386,7 +3505,7 @@
             <a:pPr eaLnBrk="1" latinLnBrk="0" hangingPunct="1"/>
             <a:fld id="{F132153C-039A-48A4-AC9F-CEC24D5C2B7A}" type="datetime1">
               <a:rPr lang="en-US" smtClean="0"/>
-              <a:t>9/22/2025</a:t>
+              <a:t>9/25/2025</a:t>
             </a:fld>
             <a:endParaRPr lang="en-US"/>
           </a:p>
@@ -3767,7 +3886,7 @@
             <a:pPr eaLnBrk="1" latinLnBrk="0" hangingPunct="1"/>
             <a:fld id="{00065D69-4622-413E-9E09-6A2509001B66}" type="datetime1">
               <a:rPr lang="en-US" smtClean="0"/>
-              <a:t>9/22/2025</a:t>
+              <a:t>9/25/2025</a:t>
             </a:fld>
             <a:endParaRPr lang="en-US" dirty="0"/>
           </a:p>
@@ -4037,7 +4156,7 @@
             <a:pPr eaLnBrk="1" latinLnBrk="0" hangingPunct="1"/>
             <a:fld id="{26D84756-85D3-4017-90AB-B482945A0CB0}" type="datetime1">
               <a:rPr lang="en-US" smtClean="0"/>
-              <a:t>9/22/2025</a:t>
+              <a:t>9/25/2025</a:t>
             </a:fld>
             <a:endParaRPr lang="en-US" dirty="0"/>
           </a:p>
@@ -4258,7 +4377,7 @@
             <a:pPr eaLnBrk="1" latinLnBrk="0" hangingPunct="1"/>
             <a:fld id="{1359E9A9-3822-4D57-8A64-831B26641011}" type="datetime1">
               <a:rPr lang="en-US" smtClean="0"/>
-              <a:t>9/22/2025</a:t>
+              <a:t>9/25/2025</a:t>
             </a:fld>
             <a:endParaRPr lang="en-US"/>
           </a:p>
@@ -4611,7 +4730,7 @@
             <a:pPr eaLnBrk="1" latinLnBrk="0" hangingPunct="1"/>
             <a:fld id="{F96C45A0-00E6-4B4B-A1A7-CF1486D67AF4}" type="datetime1">
               <a:rPr lang="en-US" smtClean="0"/>
-              <a:t>9/22/2025</a:t>
+              <a:t>9/25/2025</a:t>
             </a:fld>
             <a:endParaRPr lang="en-US"/>
           </a:p>
@@ -4844,7 +4963,7 @@
             <a:pPr eaLnBrk="1" latinLnBrk="0" hangingPunct="1"/>
             <a:fld id="{B88C3861-EF45-4815-A76E-294671FAB405}" type="datetime1">
               <a:rPr lang="en-US" smtClean="0"/>
-              <a:t>9/22/2025</a:t>
+              <a:t>9/25/2025</a:t>
             </a:fld>
             <a:endParaRPr lang="en-US"/>
           </a:p>
@@ -4986,7 +5105,7 @@
             <a:pPr eaLnBrk="1" latinLnBrk="0" hangingPunct="1"/>
             <a:fld id="{0F0B8080-ED7A-45A9-A704-76D750342F93}" type="datetime1">
               <a:rPr lang="en-US" smtClean="0"/>
-              <a:t>9/22/2025</a:t>
+              <a:t>9/25/2025</a:t>
             </a:fld>
             <a:endParaRPr lang="en-US"/>
           </a:p>
@@ -5264,7 +5383,7 @@
             <a:pPr eaLnBrk="1" latinLnBrk="0" hangingPunct="1"/>
             <a:fld id="{D1503A19-0780-4B28-9CCB-B5B1820188BD}" type="datetime1">
               <a:rPr lang="en-US" smtClean="0"/>
-              <a:t>9/22/2025</a:t>
+              <a:t>9/25/2025</a:t>
             </a:fld>
             <a:endParaRPr lang="en-US"/>
           </a:p>
@@ -5672,7 +5791,7 @@
             <a:pPr eaLnBrk="1" latinLnBrk="0" hangingPunct="1"/>
             <a:fld id="{2142A9E5-AE71-46A9-A65E-9BA279401128}" type="datetime1">
               <a:rPr lang="en-US" smtClean="0"/>
-              <a:t>9/22/2025</a:t>
+              <a:t>9/25/2025</a:t>
             </a:fld>
             <a:endParaRPr lang="en-US"/>
           </a:p>
@@ -6010,7 +6129,7 @@
             <a:pPr eaLnBrk="1" latinLnBrk="0" hangingPunct="1"/>
             <a:fld id="{4087DD3F-948A-46ED-B3EC-5D68A963D0B7}" type="datetime1">
               <a:rPr lang="en-US" smtClean="0"/>
-              <a:t>9/22/2025</a:t>
+              <a:t>9/25/2025</a:t>
             </a:fld>
             <a:endParaRPr lang="en-US" sz="1400" dirty="0">
               <a:solidFill>
@@ -10146,6 +10265,2507 @@
 </p:sld>
 </file>
 
+<file path=ppt/slides/slide13.xml><?xml version="1.0" encoding="utf-8"?>
+<p:sld xmlns:a="http://schemas.openxmlformats.org/drawingml/2006/main" xmlns:r="http://schemas.openxmlformats.org/officeDocument/2006/relationships" xmlns:p="http://schemas.openxmlformats.org/presentationml/2006/main">
+  <p:cSld>
+    <p:spTree>
+      <p:nvGrpSpPr>
+        <p:cNvPr id="1" name=""/>
+        <p:cNvGrpSpPr/>
+        <p:nvPr/>
+      </p:nvGrpSpPr>
+      <p:grpSpPr>
+        <a:xfrm>
+          <a:off x="0" y="0"/>
+          <a:ext cx="0" cy="0"/>
+          <a:chOff x="0" y="0"/>
+          <a:chExt cx="0" cy="0"/>
+        </a:xfrm>
+      </p:grpSpPr>
+      <p:sp>
+        <p:nvSpPr>
+          <p:cNvPr id="2" name="Title 1">
+            <a:extLst>
+              <a:ext uri="{FF2B5EF4-FFF2-40B4-BE49-F238E27FC236}">
+                <a16:creationId xmlns:a16="http://schemas.microsoft.com/office/drawing/2014/main" id="{440EADDE-B5E4-F571-7D39-10F7E6EFD50E}"/>
+              </a:ext>
+            </a:extLst>
+          </p:cNvPr>
+          <p:cNvSpPr>
+            <a:spLocks noGrp="1"/>
+          </p:cNvSpPr>
+          <p:nvPr>
+            <p:ph type="title"/>
+          </p:nvPr>
+        </p:nvSpPr>
+        <p:spPr/>
+        <p:txBody>
+          <a:bodyPr/>
+          <a:lstStyle/>
+          <a:p>
+            <a:r>
+              <a:rPr lang="en-US" dirty="0"/>
+              <a:t>If Then Else</a:t>
+            </a:r>
+          </a:p>
+        </p:txBody>
+      </p:sp>
+      <p:sp>
+        <p:nvSpPr>
+          <p:cNvPr id="3" name="Slide Number Placeholder 2">
+            <a:extLst>
+              <a:ext uri="{FF2B5EF4-FFF2-40B4-BE49-F238E27FC236}">
+                <a16:creationId xmlns:a16="http://schemas.microsoft.com/office/drawing/2014/main" id="{F09614DF-7D37-017A-6AE1-CB37C3AAF956}"/>
+              </a:ext>
+            </a:extLst>
+          </p:cNvPr>
+          <p:cNvSpPr>
+            <a:spLocks noGrp="1"/>
+          </p:cNvSpPr>
+          <p:nvPr>
+            <p:ph type="sldNum" sz="quarter" idx="12"/>
+          </p:nvPr>
+        </p:nvSpPr>
+        <p:spPr/>
+        <p:txBody>
+          <a:bodyPr/>
+          <a:lstStyle/>
+          <a:p>
+            <a:fld id="{EA7C8D44-3667-46F6-9772-CC52308E2A7F}" type="slidenum">
+              <a:rPr kumimoji="0" lang="en-US" smtClean="0"/>
+              <a:pPr/>
+              <a:t>13</a:t>
+            </a:fld>
+            <a:endParaRPr kumimoji="0" lang="en-US" dirty="0"/>
+          </a:p>
+        </p:txBody>
+      </p:sp>
+      <p:sp>
+        <p:nvSpPr>
+          <p:cNvPr id="4" name="Content Placeholder 3">
+            <a:extLst>
+              <a:ext uri="{FF2B5EF4-FFF2-40B4-BE49-F238E27FC236}">
+                <a16:creationId xmlns:a16="http://schemas.microsoft.com/office/drawing/2014/main" id="{86CB5709-ADC9-6526-7743-1565742B86E0}"/>
+              </a:ext>
+            </a:extLst>
+          </p:cNvPr>
+          <p:cNvSpPr>
+            <a:spLocks noGrp="1"/>
+          </p:cNvSpPr>
+          <p:nvPr>
+            <p:ph sz="quarter" idx="1"/>
+          </p:nvPr>
+        </p:nvSpPr>
+        <p:spPr/>
+        <p:txBody>
+          <a:bodyPr>
+            <a:normAutofit lnSpcReduction="10000"/>
+          </a:bodyPr>
+          <a:lstStyle/>
+          <a:p>
+            <a:r>
+              <a:rPr lang="en-US" dirty="0"/>
+              <a:t>Translate the following program into ARMv7 assembly. </a:t>
+            </a:r>
+          </a:p>
+          <a:p>
+            <a:pPr lvl="1"/>
+            <a:r>
+              <a:rPr lang="en-US" dirty="0"/>
+              <a:t>int foo(int x, int y) {</a:t>
+            </a:r>
+          </a:p>
+          <a:p>
+            <a:pPr lvl="1"/>
+            <a:r>
+              <a:rPr lang="en-US" dirty="0"/>
+              <a:t>if ((</a:t>
+            </a:r>
+            <a:r>
+              <a:rPr lang="en-US" dirty="0" err="1"/>
+              <a:t>x+y</a:t>
+            </a:r>
+            <a:r>
+              <a:rPr lang="en-US" dirty="0"/>
+              <a:t>) &lt; 0)</a:t>
+            </a:r>
+          </a:p>
+          <a:p>
+            <a:pPr lvl="1"/>
+            <a:r>
+              <a:rPr lang="en-US" dirty="0"/>
+              <a:t>return 0;</a:t>
+            </a:r>
+          </a:p>
+          <a:p>
+            <a:pPr lvl="1"/>
+            <a:r>
+              <a:rPr lang="en-US" dirty="0"/>
+              <a:t>else return 1;</a:t>
+            </a:r>
+          </a:p>
+          <a:p>
+            <a:pPr lvl="1"/>
+            <a:r>
+              <a:rPr lang="en-US" dirty="0"/>
+              <a:t>}</a:t>
+            </a:r>
+          </a:p>
+          <a:p>
+            <a:r>
+              <a:rPr lang="en-US" dirty="0"/>
+              <a:t>ANS:</a:t>
+            </a:r>
+          </a:p>
+          <a:p>
+            <a:pPr lvl="1"/>
+            <a:r>
+              <a:rPr lang="en-US" dirty="0"/>
+              <a:t>@ int foo(int x, int y) - returns 0 if (</a:t>
+            </a:r>
+            <a:r>
+              <a:rPr lang="en-US" dirty="0" err="1"/>
+              <a:t>x+y</a:t>
+            </a:r>
+            <a:r>
+              <a:rPr lang="en-US" dirty="0"/>
+              <a:t>) &lt; 0, else 1</a:t>
+            </a:r>
+          </a:p>
+          <a:p>
+            <a:pPr lvl="1"/>
+            <a:r>
+              <a:rPr lang="en-US" dirty="0"/>
+              <a:t>@ x in r0, y in r1, return in r0</a:t>
+            </a:r>
+          </a:p>
+          <a:p>
+            <a:pPr lvl="1"/>
+            <a:r>
+              <a:rPr lang="en-US" dirty="0"/>
+              <a:t>foo:</a:t>
+            </a:r>
+          </a:p>
+          <a:p>
+            <a:pPr lvl="1"/>
+            <a:r>
+              <a:rPr lang="en-US" dirty="0"/>
+              <a:t>  …</a:t>
+            </a:r>
+          </a:p>
+          <a:p>
+            <a:pPr lvl="1"/>
+            <a:r>
+              <a:rPr lang="en-US" dirty="0"/>
+              <a:t>  BX </a:t>
+            </a:r>
+            <a:r>
+              <a:rPr lang="en-US" dirty="0" err="1"/>
+              <a:t>lr</a:t>
+            </a:r>
+            <a:endParaRPr lang="en-US" dirty="0"/>
+          </a:p>
+          <a:p>
+            <a:pPr lvl="1"/>
+            <a:endParaRPr lang="en-US" dirty="0"/>
+          </a:p>
+          <a:p>
+            <a:endParaRPr lang="en-US" dirty="0"/>
+          </a:p>
+        </p:txBody>
+      </p:sp>
+    </p:spTree>
+    <p:extLst>
+      <p:ext uri="{BB962C8B-B14F-4D97-AF65-F5344CB8AC3E}">
+        <p14:creationId xmlns:p14="http://schemas.microsoft.com/office/powerpoint/2010/main" val="1767069891"/>
+      </p:ext>
+    </p:extLst>
+  </p:cSld>
+  <p:clrMapOvr>
+    <a:masterClrMapping/>
+  </p:clrMapOvr>
+</p:sld>
+</file>
+
+<file path=ppt/slides/slide14.xml><?xml version="1.0" encoding="utf-8"?>
+<p:sld xmlns:a="http://schemas.openxmlformats.org/drawingml/2006/main" xmlns:r="http://schemas.openxmlformats.org/officeDocument/2006/relationships" xmlns:p="http://schemas.openxmlformats.org/presentationml/2006/main">
+  <p:cSld>
+    <p:spTree>
+      <p:nvGrpSpPr>
+        <p:cNvPr id="1" name=""/>
+        <p:cNvGrpSpPr/>
+        <p:nvPr/>
+      </p:nvGrpSpPr>
+      <p:grpSpPr>
+        <a:xfrm>
+          <a:off x="0" y="0"/>
+          <a:ext cx="0" cy="0"/>
+          <a:chOff x="0" y="0"/>
+          <a:chExt cx="0" cy="0"/>
+        </a:xfrm>
+      </p:grpSpPr>
+      <p:sp>
+        <p:nvSpPr>
+          <p:cNvPr id="2" name="Title 1">
+            <a:extLst>
+              <a:ext uri="{FF2B5EF4-FFF2-40B4-BE49-F238E27FC236}">
+                <a16:creationId xmlns:a16="http://schemas.microsoft.com/office/drawing/2014/main" id="{B94D12DC-0F10-83D1-ABB7-CBAA3C868C79}"/>
+              </a:ext>
+            </a:extLst>
+          </p:cNvPr>
+          <p:cNvSpPr>
+            <a:spLocks noGrp="1"/>
+          </p:cNvSpPr>
+          <p:nvPr>
+            <p:ph type="title"/>
+          </p:nvPr>
+        </p:nvSpPr>
+        <p:spPr>
+          <a:xfrm>
+            <a:off x="457200" y="135890"/>
+            <a:ext cx="8229600" cy="924027"/>
+          </a:xfrm>
+        </p:spPr>
+        <p:txBody>
+          <a:bodyPr>
+            <a:normAutofit/>
+          </a:bodyPr>
+          <a:lstStyle/>
+          <a:p>
+            <a:r>
+              <a:rPr lang="en-US" dirty="0"/>
+              <a:t>If Then Else ANS</a:t>
+            </a:r>
+          </a:p>
+        </p:txBody>
+      </p:sp>
+      <p:sp>
+        <p:nvSpPr>
+          <p:cNvPr id="3" name="Slide Number Placeholder 2">
+            <a:extLst>
+              <a:ext uri="{FF2B5EF4-FFF2-40B4-BE49-F238E27FC236}">
+                <a16:creationId xmlns:a16="http://schemas.microsoft.com/office/drawing/2014/main" id="{15F21901-5D89-CA2E-1399-0FE05B68EBA5}"/>
+              </a:ext>
+            </a:extLst>
+          </p:cNvPr>
+          <p:cNvSpPr>
+            <a:spLocks noGrp="1"/>
+          </p:cNvSpPr>
+          <p:nvPr>
+            <p:ph type="sldNum" sz="quarter" idx="12"/>
+          </p:nvPr>
+        </p:nvSpPr>
+        <p:spPr/>
+        <p:txBody>
+          <a:bodyPr/>
+          <a:lstStyle/>
+          <a:p>
+            <a:fld id="{EA7C8D44-3667-46F6-9772-CC52308E2A7F}" type="slidenum">
+              <a:rPr kumimoji="0" lang="en-US" smtClean="0"/>
+              <a:pPr/>
+              <a:t>14</a:t>
+            </a:fld>
+            <a:endParaRPr kumimoji="0" lang="en-US" dirty="0"/>
+          </a:p>
+        </p:txBody>
+      </p:sp>
+      <p:sp>
+        <p:nvSpPr>
+          <p:cNvPr id="4" name="Content Placeholder 3">
+            <a:extLst>
+              <a:ext uri="{FF2B5EF4-FFF2-40B4-BE49-F238E27FC236}">
+                <a16:creationId xmlns:a16="http://schemas.microsoft.com/office/drawing/2014/main" id="{AA7D4B7B-4A30-8F07-789A-FFB8DD17492B}"/>
+              </a:ext>
+            </a:extLst>
+          </p:cNvPr>
+          <p:cNvSpPr>
+            <a:spLocks noGrp="1"/>
+          </p:cNvSpPr>
+          <p:nvPr>
+            <p:ph sz="quarter" idx="1"/>
+          </p:nvPr>
+        </p:nvSpPr>
+        <p:spPr>
+          <a:xfrm>
+            <a:off x="457200" y="1143000"/>
+            <a:ext cx="4343400" cy="5334000"/>
+          </a:xfrm>
+        </p:spPr>
+        <p:txBody>
+          <a:bodyPr>
+            <a:normAutofit/>
+          </a:bodyPr>
+          <a:lstStyle/>
+          <a:p>
+            <a:r>
+              <a:rPr lang="en-US" sz="1400" dirty="0"/>
+              <a:t>Straight-line with conditional execution</a:t>
+            </a:r>
+          </a:p>
+          <a:p>
+            <a:r>
+              <a:rPr lang="en-US" sz="1400" dirty="0"/>
+              <a:t>foo:</a:t>
+            </a:r>
+            <a:br>
+              <a:rPr lang="en-US" sz="1400" dirty="0"/>
+            </a:br>
+            <a:r>
+              <a:rPr lang="en-US" sz="1400" dirty="0"/>
+              <a:t>    ADD     r2, r0, r1      ; r2 = x + y</a:t>
+            </a:r>
+            <a:br>
+              <a:rPr lang="en-US" sz="1400" dirty="0"/>
+            </a:br>
+            <a:r>
+              <a:rPr lang="en-US" sz="1400" dirty="0"/>
+              <a:t>    CMP     r2, #0          ; sets N,Z,V,C for signed compare to 0</a:t>
+            </a:r>
+            <a:br>
+              <a:rPr lang="en-US" sz="1400" dirty="0"/>
+            </a:br>
+            <a:r>
+              <a:rPr lang="en-US" sz="1400" dirty="0"/>
+              <a:t>    MOVLT   r0, #0        ; if (</a:t>
+            </a:r>
+            <a:r>
+              <a:rPr lang="en-US" sz="1400" dirty="0" err="1"/>
+              <a:t>x+y</a:t>
+            </a:r>
+            <a:r>
+              <a:rPr lang="en-US" sz="1400" dirty="0"/>
+              <a:t>) &lt; 0 -&gt; r0 = 0</a:t>
+            </a:r>
+            <a:br>
+              <a:rPr lang="en-US" sz="1400" dirty="0"/>
+            </a:br>
+            <a:r>
+              <a:rPr lang="en-US" sz="1400" dirty="0"/>
+              <a:t>    MOVGE   r0, #1       ; else r0 = 1</a:t>
+            </a:r>
+            <a:br>
+              <a:rPr lang="en-US" sz="1400" dirty="0"/>
+            </a:br>
+            <a:r>
+              <a:rPr lang="en-US" sz="1400" dirty="0"/>
+              <a:t>    BX      </a:t>
+            </a:r>
+            <a:r>
+              <a:rPr lang="en-US" sz="1400" dirty="0" err="1"/>
+              <a:t>lr</a:t>
+            </a:r>
+            <a:endParaRPr lang="en-US" sz="1400" dirty="0"/>
+          </a:p>
+          <a:p>
+            <a:r>
+              <a:rPr lang="en-US" sz="1400" dirty="0"/>
+              <a:t>Conditional branch to label</a:t>
+            </a:r>
+          </a:p>
+          <a:p>
+            <a:r>
+              <a:rPr lang="en-US" sz="1400" dirty="0"/>
+              <a:t>foo:</a:t>
+            </a:r>
+            <a:br>
+              <a:rPr lang="en-US" sz="1400" dirty="0"/>
+            </a:br>
+            <a:r>
+              <a:rPr lang="en-US" sz="1400" dirty="0"/>
+              <a:t>    ADD     r2, r0, r1</a:t>
+            </a:r>
+            <a:br>
+              <a:rPr lang="en-US" sz="1400" dirty="0"/>
+            </a:br>
+            <a:r>
+              <a:rPr lang="en-US" sz="1400" dirty="0"/>
+              <a:t>    CMP     r2, #0</a:t>
+            </a:r>
+            <a:br>
+              <a:rPr lang="en-US" sz="1400" dirty="0"/>
+            </a:br>
+            <a:r>
+              <a:rPr lang="en-US" sz="1400" dirty="0"/>
+              <a:t>    BLT     .</a:t>
+            </a:r>
+            <a:r>
+              <a:rPr lang="en-US" sz="1400" dirty="0" err="1"/>
+              <a:t>Lneg</a:t>
+            </a:r>
+            <a:br>
+              <a:rPr lang="en-US" sz="1400" dirty="0"/>
+            </a:br>
+            <a:r>
+              <a:rPr lang="en-US" sz="1400" dirty="0"/>
+              <a:t>    MOV     r0, #1</a:t>
+            </a:r>
+            <a:br>
+              <a:rPr lang="en-US" sz="1400" dirty="0"/>
+            </a:br>
+            <a:r>
+              <a:rPr lang="en-US" sz="1400" dirty="0"/>
+              <a:t>    BX      </a:t>
+            </a:r>
+            <a:r>
+              <a:rPr lang="en-US" sz="1400" dirty="0" err="1"/>
+              <a:t>lr</a:t>
+            </a:r>
+            <a:br>
+              <a:rPr lang="en-US" sz="1400" dirty="0"/>
+            </a:br>
+            <a:r>
+              <a:rPr lang="en-US" sz="1400" dirty="0"/>
+              <a:t>.</a:t>
+            </a:r>
+            <a:r>
+              <a:rPr lang="en-US" sz="1400" dirty="0" err="1"/>
+              <a:t>Lneg</a:t>
+            </a:r>
+            <a:r>
+              <a:rPr lang="en-US" sz="1400" dirty="0"/>
+              <a:t>:</a:t>
+            </a:r>
+            <a:br>
+              <a:rPr lang="en-US" sz="1400" dirty="0"/>
+            </a:br>
+            <a:r>
+              <a:rPr lang="en-US" sz="1400" dirty="0"/>
+              <a:t>    MOV     r0, #0</a:t>
+            </a:r>
+            <a:br>
+              <a:rPr lang="en-US" sz="1400" dirty="0"/>
+            </a:br>
+            <a:r>
+              <a:rPr lang="en-US" sz="1400" dirty="0"/>
+              <a:t>    BX      </a:t>
+            </a:r>
+            <a:r>
+              <a:rPr lang="en-US" sz="1400" dirty="0" err="1"/>
+              <a:t>lr</a:t>
+            </a:r>
+            <a:endParaRPr lang="pt-BR" sz="1400" dirty="0"/>
+          </a:p>
+        </p:txBody>
+      </p:sp>
+      <p:sp>
+        <p:nvSpPr>
+          <p:cNvPr id="7" name="Content Placeholder 3">
+            <a:extLst>
+              <a:ext uri="{FF2B5EF4-FFF2-40B4-BE49-F238E27FC236}">
+                <a16:creationId xmlns:a16="http://schemas.microsoft.com/office/drawing/2014/main" id="{0D126F9E-0C09-AE3C-A9BD-81B85FCD0F23}"/>
+              </a:ext>
+            </a:extLst>
+          </p:cNvPr>
+          <p:cNvSpPr txBox="1">
+            <a:spLocks/>
+          </p:cNvSpPr>
+          <p:nvPr/>
+        </p:nvSpPr>
+        <p:spPr>
+          <a:xfrm>
+            <a:off x="4724400" y="1143000"/>
+            <a:ext cx="4267200" cy="5036083"/>
+          </a:xfrm>
+          <a:prstGeom prst="rect">
+            <a:avLst/>
+          </a:prstGeom>
+        </p:spPr>
+        <p:txBody>
+          <a:bodyPr vert="horz">
+            <a:normAutofit/>
+          </a:bodyPr>
+          <a:lstStyle>
+            <a:lvl1pPr marL="274320" indent="-274320" algn="l" rtl="0" eaLnBrk="1" latinLnBrk="0" hangingPunct="1">
+              <a:spcBef>
+                <a:spcPts val="600"/>
+              </a:spcBef>
+              <a:buClr>
+                <a:schemeClr val="accent1"/>
+              </a:buClr>
+              <a:buSzPct val="76000"/>
+              <a:buFont typeface="Wingdings 3"/>
+              <a:buChar char=""/>
+              <a:defRPr kumimoji="0" sz="2600" kern="1200">
+                <a:solidFill>
+                  <a:schemeClr val="tx1"/>
+                </a:solidFill>
+                <a:latin typeface="+mn-lt"/>
+                <a:ea typeface="+mn-ea"/>
+                <a:cs typeface="+mn-cs"/>
+              </a:defRPr>
+            </a:lvl1pPr>
+            <a:lvl2pPr marL="548640" indent="-274320" algn="l" rtl="0" eaLnBrk="1" latinLnBrk="0" hangingPunct="1">
+              <a:spcBef>
+                <a:spcPts val="500"/>
+              </a:spcBef>
+              <a:buClr>
+                <a:schemeClr val="accent2"/>
+              </a:buClr>
+              <a:buSzPct val="76000"/>
+              <a:buFont typeface="Wingdings 3"/>
+              <a:buChar char=""/>
+              <a:defRPr kumimoji="0" sz="2300" kern="1200">
+                <a:solidFill>
+                  <a:schemeClr val="tx2"/>
+                </a:solidFill>
+                <a:latin typeface="+mn-lt"/>
+                <a:ea typeface="+mn-ea"/>
+                <a:cs typeface="+mn-cs"/>
+              </a:defRPr>
+            </a:lvl2pPr>
+            <a:lvl3pPr marL="822960" indent="-228600" algn="l" rtl="0" eaLnBrk="1" latinLnBrk="0" hangingPunct="1">
+              <a:spcBef>
+                <a:spcPts val="500"/>
+              </a:spcBef>
+              <a:buClr>
+                <a:schemeClr val="bg1">
+                  <a:shade val="50000"/>
+                </a:schemeClr>
+              </a:buClr>
+              <a:buSzPct val="76000"/>
+              <a:buFont typeface="Wingdings 3"/>
+              <a:buChar char=""/>
+              <a:defRPr kumimoji="0" sz="2000" kern="1200">
+                <a:solidFill>
+                  <a:schemeClr val="tx1"/>
+                </a:solidFill>
+                <a:latin typeface="+mn-lt"/>
+                <a:ea typeface="+mn-ea"/>
+                <a:cs typeface="+mn-cs"/>
+              </a:defRPr>
+            </a:lvl3pPr>
+            <a:lvl4pPr marL="1097280" indent="-228600" algn="l" rtl="0" eaLnBrk="1" latinLnBrk="0" hangingPunct="1">
+              <a:spcBef>
+                <a:spcPts val="400"/>
+              </a:spcBef>
+              <a:buClr>
+                <a:schemeClr val="accent2">
+                  <a:shade val="75000"/>
+                </a:schemeClr>
+              </a:buClr>
+              <a:buSzPct val="70000"/>
+              <a:buFont typeface="Wingdings"/>
+              <a:buChar char=""/>
+              <a:defRPr kumimoji="0" sz="1800" kern="1200">
+                <a:solidFill>
+                  <a:schemeClr val="tx1"/>
+                </a:solidFill>
+                <a:latin typeface="+mn-lt"/>
+                <a:ea typeface="+mn-ea"/>
+                <a:cs typeface="+mn-cs"/>
+              </a:defRPr>
+            </a:lvl4pPr>
+            <a:lvl5pPr marL="1371600" indent="-228600" algn="l" rtl="0" eaLnBrk="1" latinLnBrk="0" hangingPunct="1">
+              <a:spcBef>
+                <a:spcPts val="300"/>
+              </a:spcBef>
+              <a:buClr>
+                <a:schemeClr val="accent2"/>
+              </a:buClr>
+              <a:buSzPct val="70000"/>
+              <a:buFont typeface="Wingdings"/>
+              <a:buChar char=""/>
+              <a:defRPr kumimoji="0" sz="1600" kern="1200">
+                <a:solidFill>
+                  <a:schemeClr val="tx1"/>
+                </a:solidFill>
+                <a:latin typeface="+mn-lt"/>
+                <a:ea typeface="+mn-ea"/>
+                <a:cs typeface="+mn-cs"/>
+              </a:defRPr>
+            </a:lvl5pPr>
+            <a:lvl6pPr marL="1645920" indent="-182880" algn="l" rtl="0" eaLnBrk="1" latinLnBrk="0" hangingPunct="1">
+              <a:spcBef>
+                <a:spcPts val="300"/>
+              </a:spcBef>
+              <a:buClr>
+                <a:srgbClr val="9FB8CD">
+                  <a:shade val="75000"/>
+                </a:srgbClr>
+              </a:buClr>
+              <a:buSzPct val="75000"/>
+              <a:buFont typeface="Wingdings 3"/>
+              <a:buChar char=""/>
+              <a:defRPr kumimoji="0" lang="en-US" sz="1600" kern="1200" smtClean="0">
+                <a:solidFill>
+                  <a:schemeClr val="tx1"/>
+                </a:solidFill>
+                <a:latin typeface="+mn-lt"/>
+                <a:ea typeface="+mn-ea"/>
+                <a:cs typeface="+mn-cs"/>
+              </a:defRPr>
+            </a:lvl6pPr>
+            <a:lvl7pPr marL="1828800" indent="-182880" algn="l" rtl="0" eaLnBrk="1" latinLnBrk="0" hangingPunct="1">
+              <a:spcBef>
+                <a:spcPts val="300"/>
+              </a:spcBef>
+              <a:buClr>
+                <a:srgbClr val="727CA3">
+                  <a:shade val="75000"/>
+                </a:srgbClr>
+              </a:buClr>
+              <a:buSzPct val="75000"/>
+              <a:buFont typeface="Wingdings 3"/>
+              <a:buChar char=""/>
+              <a:defRPr kumimoji="0" lang="en-US" sz="1400" kern="1200" smtClean="0">
+                <a:solidFill>
+                  <a:schemeClr val="tx1"/>
+                </a:solidFill>
+                <a:latin typeface="+mn-lt"/>
+                <a:ea typeface="+mn-ea"/>
+                <a:cs typeface="+mn-cs"/>
+              </a:defRPr>
+            </a:lvl7pPr>
+            <a:lvl8pPr marL="2011680" indent="-182880" algn="l" rtl="0" eaLnBrk="1" latinLnBrk="0" hangingPunct="1">
+              <a:spcBef>
+                <a:spcPts val="300"/>
+              </a:spcBef>
+              <a:buClr>
+                <a:prstClr val="white">
+                  <a:shade val="50000"/>
+                </a:prstClr>
+              </a:buClr>
+              <a:buSzPct val="75000"/>
+              <a:buFont typeface="Wingdings 3"/>
+              <a:buChar char=""/>
+              <a:defRPr kumimoji="0" lang="en-US" sz="1400" kern="1200" smtClean="0">
+                <a:solidFill>
+                  <a:schemeClr val="tx1"/>
+                </a:solidFill>
+                <a:latin typeface="+mn-lt"/>
+                <a:ea typeface="+mn-ea"/>
+                <a:cs typeface="+mn-cs"/>
+              </a:defRPr>
+            </a:lvl8pPr>
+            <a:lvl9pPr marL="2194560" indent="-182880" algn="l" rtl="0" eaLnBrk="1" latinLnBrk="0" hangingPunct="1">
+              <a:spcBef>
+                <a:spcPts val="300"/>
+              </a:spcBef>
+              <a:buClr>
+                <a:srgbClr val="9FB8CD"/>
+              </a:buClr>
+              <a:buSzPct val="75000"/>
+              <a:buFont typeface="Wingdings 3"/>
+              <a:buChar char=""/>
+              <a:defRPr kumimoji="0" lang="en-US" sz="1200" kern="1200" smtClean="0">
+                <a:solidFill>
+                  <a:schemeClr val="tx1"/>
+                </a:solidFill>
+                <a:latin typeface="+mn-lt"/>
+                <a:ea typeface="+mn-ea"/>
+                <a:cs typeface="+mn-cs"/>
+              </a:defRPr>
+            </a:lvl9pPr>
+          </a:lstStyle>
+          <a:p>
+            <a:r>
+              <a:rPr lang="en-US" sz="1200" dirty="0"/>
+              <a:t>Combine add and compare with ADDS</a:t>
+            </a:r>
+          </a:p>
+          <a:p>
+            <a:r>
+              <a:rPr lang="en-US" sz="1200" dirty="0"/>
+              <a:t>foo:</a:t>
+            </a:r>
+            <a:br>
+              <a:rPr lang="en-US" sz="1200" dirty="0"/>
+            </a:br>
+            <a:r>
+              <a:rPr lang="en-US" sz="1200" dirty="0"/>
+              <a:t>    ADDS    r2, r0, r1         ; r2 = x + y, sets flags from the sum</a:t>
+            </a:r>
+            <a:br>
+              <a:rPr lang="en-US" sz="1200" dirty="0"/>
+            </a:br>
+            <a:r>
+              <a:rPr lang="en-US" sz="1200" dirty="0"/>
+              <a:t>    MOVMI   r0, #0             ; MI means N==1 (negative)</a:t>
+            </a:r>
+            <a:br>
+              <a:rPr lang="en-US" sz="1200" dirty="0"/>
+            </a:br>
+            <a:r>
+              <a:rPr lang="en-US" sz="1200" dirty="0"/>
+              <a:t>    MOVPL   r0, #1             ; PL means N==0 (non-negative)</a:t>
+            </a:r>
+            <a:br>
+              <a:rPr lang="en-US" sz="1200" dirty="0"/>
+            </a:br>
+            <a:r>
+              <a:rPr lang="en-US" sz="1200" dirty="0"/>
+              <a:t>    BX      </a:t>
+            </a:r>
+            <a:r>
+              <a:rPr lang="en-US" sz="1200" dirty="0" err="1"/>
+              <a:t>lr</a:t>
+            </a:r>
+            <a:endParaRPr lang="en-US" sz="1200" dirty="0"/>
+          </a:p>
+          <a:p>
+            <a:r>
+              <a:rPr lang="en-US" sz="1200" dirty="0"/>
+              <a:t>No temp register r2, reuse r0</a:t>
+            </a:r>
+          </a:p>
+          <a:p>
+            <a:r>
+              <a:rPr lang="en-US" sz="1200" dirty="0"/>
+              <a:t>foo:</a:t>
+            </a:r>
+            <a:br>
+              <a:rPr lang="en-US" sz="1200" dirty="0"/>
+            </a:br>
+            <a:r>
+              <a:rPr lang="en-US" sz="1200" dirty="0"/>
+              <a:t>    ADDS    r0, r0, r1          ; r0 = x + y, flags set</a:t>
+            </a:r>
+            <a:br>
+              <a:rPr lang="en-US" sz="1200" dirty="0"/>
+            </a:br>
+            <a:r>
+              <a:rPr lang="en-US" sz="1200" dirty="0"/>
+              <a:t>    MOVMI   r0, #0</a:t>
+            </a:r>
+            <a:br>
+              <a:rPr lang="en-US" sz="1200" dirty="0"/>
+            </a:br>
+            <a:r>
+              <a:rPr lang="en-US" sz="1200" dirty="0"/>
+              <a:t>    MOVPL   r0, #1</a:t>
+            </a:r>
+            <a:br>
+              <a:rPr lang="en-US" sz="1200" dirty="0"/>
+            </a:br>
+            <a:r>
+              <a:rPr lang="en-US" sz="1200" dirty="0"/>
+              <a:t>    BX      </a:t>
+            </a:r>
+            <a:r>
+              <a:rPr lang="en-US" sz="1200" dirty="0" err="1"/>
+              <a:t>lr</a:t>
+            </a:r>
+            <a:endParaRPr lang="en-US" sz="1200" dirty="0"/>
+          </a:p>
+          <a:p>
+            <a:r>
+              <a:rPr lang="en-US" sz="1200" dirty="0"/>
+              <a:t>Conditional branch to label</a:t>
+            </a:r>
+          </a:p>
+          <a:p>
+            <a:r>
+              <a:rPr lang="en-US" sz="1200" dirty="0"/>
+              <a:t>foo:</a:t>
+            </a:r>
+            <a:br>
+              <a:rPr lang="en-US" sz="1200" dirty="0"/>
+            </a:br>
+            <a:r>
+              <a:rPr lang="en-US" sz="1200" dirty="0"/>
+              <a:t>    ADDS    r2, r0, r1</a:t>
+            </a:r>
+            <a:br>
+              <a:rPr lang="en-US" sz="1200" dirty="0"/>
+            </a:br>
+            <a:r>
+              <a:rPr lang="en-US" sz="1200" dirty="0"/>
+              <a:t>    BMI       .</a:t>
+            </a:r>
+            <a:r>
+              <a:rPr lang="en-US" sz="1200" dirty="0" err="1"/>
+              <a:t>Lneg</a:t>
+            </a:r>
+            <a:r>
+              <a:rPr lang="en-US" sz="1200" dirty="0"/>
+              <a:t>            ; if negative</a:t>
+            </a:r>
+            <a:br>
+              <a:rPr lang="en-US" sz="1200" dirty="0"/>
+            </a:br>
+            <a:r>
+              <a:rPr lang="en-US" sz="1200" dirty="0"/>
+              <a:t>    MOV    r0, #1</a:t>
+            </a:r>
+            <a:br>
+              <a:rPr lang="en-US" sz="1200" dirty="0"/>
+            </a:br>
+            <a:r>
+              <a:rPr lang="en-US" sz="1200" dirty="0"/>
+              <a:t>    BX      </a:t>
+            </a:r>
+            <a:r>
+              <a:rPr lang="en-US" sz="1200" dirty="0" err="1"/>
+              <a:t>lr</a:t>
+            </a:r>
+            <a:br>
+              <a:rPr lang="en-US" sz="1200" dirty="0"/>
+            </a:br>
+            <a:r>
+              <a:rPr lang="en-US" sz="1200" dirty="0"/>
+              <a:t>.</a:t>
+            </a:r>
+            <a:r>
+              <a:rPr lang="en-US" sz="1200" dirty="0" err="1"/>
+              <a:t>Lneg</a:t>
+            </a:r>
+            <a:r>
+              <a:rPr lang="en-US" sz="1200" dirty="0"/>
+              <a:t>: </a:t>
+            </a:r>
+          </a:p>
+          <a:p>
+            <a:pPr marL="0" indent="0">
+              <a:buNone/>
+            </a:pPr>
+            <a:r>
+              <a:rPr lang="en-US" sz="1200" dirty="0"/>
+              <a:t>          MOV    r0, #0</a:t>
+            </a:r>
+            <a:br>
+              <a:rPr lang="en-US" sz="1200" dirty="0"/>
+            </a:br>
+            <a:r>
+              <a:rPr lang="en-US" sz="1200" dirty="0"/>
+              <a:t>          BX      </a:t>
+            </a:r>
+            <a:r>
+              <a:rPr lang="en-US" sz="1200" dirty="0" err="1"/>
+              <a:t>lr</a:t>
+            </a:r>
+            <a:endParaRPr lang="en-US" sz="1200" dirty="0"/>
+          </a:p>
+        </p:txBody>
+      </p:sp>
+    </p:spTree>
+    <p:extLst>
+      <p:ext uri="{BB962C8B-B14F-4D97-AF65-F5344CB8AC3E}">
+        <p14:creationId xmlns:p14="http://schemas.microsoft.com/office/powerpoint/2010/main" val="3387447015"/>
+      </p:ext>
+    </p:extLst>
+  </p:cSld>
+  <p:clrMapOvr>
+    <a:masterClrMapping/>
+  </p:clrMapOvr>
+</p:sld>
+</file>
+
+<file path=ppt/slides/slide15.xml><?xml version="1.0" encoding="utf-8"?>
+<p:sld xmlns:a="http://schemas.openxmlformats.org/drawingml/2006/main" xmlns:r="http://schemas.openxmlformats.org/officeDocument/2006/relationships" xmlns:p="http://schemas.openxmlformats.org/presentationml/2006/main">
+  <p:cSld>
+    <p:spTree>
+      <p:nvGrpSpPr>
+        <p:cNvPr id="1" name=""/>
+        <p:cNvGrpSpPr/>
+        <p:nvPr/>
+      </p:nvGrpSpPr>
+      <p:grpSpPr>
+        <a:xfrm>
+          <a:off x="0" y="0"/>
+          <a:ext cx="0" cy="0"/>
+          <a:chOff x="0" y="0"/>
+          <a:chExt cx="0" cy="0"/>
+        </a:xfrm>
+      </p:grpSpPr>
+      <p:sp>
+        <p:nvSpPr>
+          <p:cNvPr id="2" name="Title 1">
+            <a:extLst>
+              <a:ext uri="{FF2B5EF4-FFF2-40B4-BE49-F238E27FC236}">
+                <a16:creationId xmlns:a16="http://schemas.microsoft.com/office/drawing/2014/main" id="{C56DF89D-8DCD-F432-1E58-FAB096FB80C5}"/>
+              </a:ext>
+            </a:extLst>
+          </p:cNvPr>
+          <p:cNvSpPr>
+            <a:spLocks noGrp="1"/>
+          </p:cNvSpPr>
+          <p:nvPr>
+            <p:ph type="title"/>
+          </p:nvPr>
+        </p:nvSpPr>
+        <p:spPr/>
+        <p:txBody>
+          <a:bodyPr/>
+          <a:lstStyle/>
+          <a:p>
+            <a:r>
+              <a:rPr lang="en-US" dirty="0"/>
+              <a:t>Factorial ANS</a:t>
+            </a:r>
+          </a:p>
+        </p:txBody>
+      </p:sp>
+      <p:sp>
+        <p:nvSpPr>
+          <p:cNvPr id="3" name="Slide Number Placeholder 2">
+            <a:extLst>
+              <a:ext uri="{FF2B5EF4-FFF2-40B4-BE49-F238E27FC236}">
+                <a16:creationId xmlns:a16="http://schemas.microsoft.com/office/drawing/2014/main" id="{ED177E67-749A-4929-DF9E-A6F535A2290B}"/>
+              </a:ext>
+            </a:extLst>
+          </p:cNvPr>
+          <p:cNvSpPr>
+            <a:spLocks noGrp="1"/>
+          </p:cNvSpPr>
+          <p:nvPr>
+            <p:ph type="sldNum" sz="quarter" idx="12"/>
+          </p:nvPr>
+        </p:nvSpPr>
+        <p:spPr/>
+        <p:txBody>
+          <a:bodyPr/>
+          <a:lstStyle/>
+          <a:p>
+            <a:fld id="{EA7C8D44-3667-46F6-9772-CC52308E2A7F}" type="slidenum">
+              <a:rPr kumimoji="0" lang="en-US" smtClean="0"/>
+              <a:pPr/>
+              <a:t>15</a:t>
+            </a:fld>
+            <a:endParaRPr kumimoji="0" lang="en-US" dirty="0"/>
+          </a:p>
+        </p:txBody>
+      </p:sp>
+      <p:sp>
+        <p:nvSpPr>
+          <p:cNvPr id="4" name="Content Placeholder 3">
+            <a:extLst>
+              <a:ext uri="{FF2B5EF4-FFF2-40B4-BE49-F238E27FC236}">
+                <a16:creationId xmlns:a16="http://schemas.microsoft.com/office/drawing/2014/main" id="{591F8C61-3E91-895F-2C57-5743F12F4706}"/>
+              </a:ext>
+            </a:extLst>
+          </p:cNvPr>
+          <p:cNvSpPr>
+            <a:spLocks noGrp="1"/>
+          </p:cNvSpPr>
+          <p:nvPr>
+            <p:ph sz="quarter" idx="1"/>
+          </p:nvPr>
+        </p:nvSpPr>
+        <p:spPr>
+          <a:xfrm>
+            <a:off x="457200" y="1219200"/>
+            <a:ext cx="8229600" cy="943610"/>
+          </a:xfrm>
+        </p:spPr>
+        <p:txBody>
+          <a:bodyPr>
+            <a:normAutofit fontScale="70000" lnSpcReduction="20000"/>
+          </a:bodyPr>
+          <a:lstStyle/>
+          <a:p>
+            <a:r>
+              <a:rPr lang="en-US" dirty="0"/>
+              <a:t>Write an assembly program to calculate the factorial of a number, corresponding to the following C programs. One recursive version, one iterative version. (In the exams, I may provide most of the code and let you fill in the blanks.)</a:t>
+            </a:r>
+          </a:p>
+        </p:txBody>
+      </p:sp>
+      <p:sp>
+        <p:nvSpPr>
+          <p:cNvPr id="5" name="Content Placeholder 3">
+            <a:extLst>
+              <a:ext uri="{FF2B5EF4-FFF2-40B4-BE49-F238E27FC236}">
+                <a16:creationId xmlns:a16="http://schemas.microsoft.com/office/drawing/2014/main" id="{8A76ECE7-0B5A-383E-0091-ADC927BEEC87}"/>
+              </a:ext>
+            </a:extLst>
+          </p:cNvPr>
+          <p:cNvSpPr txBox="1">
+            <a:spLocks/>
+          </p:cNvSpPr>
+          <p:nvPr/>
+        </p:nvSpPr>
+        <p:spPr>
+          <a:xfrm>
+            <a:off x="4800600" y="2162810"/>
+            <a:ext cx="3886200" cy="3794760"/>
+          </a:xfrm>
+          <a:prstGeom prst="rect">
+            <a:avLst/>
+          </a:prstGeom>
+          <a:ln>
+            <a:solidFill>
+              <a:schemeClr val="tx1"/>
+            </a:solidFill>
+          </a:ln>
+        </p:spPr>
+        <p:txBody>
+          <a:bodyPr vert="horz">
+            <a:normAutofit/>
+          </a:bodyPr>
+          <a:lstStyle>
+            <a:lvl1pPr marL="274320" indent="-274320" algn="l" rtl="0" eaLnBrk="1" latinLnBrk="0" hangingPunct="1">
+              <a:spcBef>
+                <a:spcPts val="600"/>
+              </a:spcBef>
+              <a:buClr>
+                <a:schemeClr val="accent1"/>
+              </a:buClr>
+              <a:buSzPct val="76000"/>
+              <a:buFont typeface="Wingdings 3"/>
+              <a:buChar char=""/>
+              <a:defRPr kumimoji="0" sz="2600" kern="1200">
+                <a:solidFill>
+                  <a:schemeClr val="tx1"/>
+                </a:solidFill>
+                <a:latin typeface="+mn-lt"/>
+                <a:ea typeface="+mn-ea"/>
+                <a:cs typeface="+mn-cs"/>
+              </a:defRPr>
+            </a:lvl1pPr>
+            <a:lvl2pPr marL="548640" indent="-274320" algn="l" rtl="0" eaLnBrk="1" latinLnBrk="0" hangingPunct="1">
+              <a:spcBef>
+                <a:spcPts val="500"/>
+              </a:spcBef>
+              <a:buClr>
+                <a:schemeClr val="accent2"/>
+              </a:buClr>
+              <a:buSzPct val="76000"/>
+              <a:buFont typeface="Wingdings 3"/>
+              <a:buChar char=""/>
+              <a:defRPr kumimoji="0" sz="2300" kern="1200">
+                <a:solidFill>
+                  <a:schemeClr val="tx2"/>
+                </a:solidFill>
+                <a:latin typeface="+mn-lt"/>
+                <a:ea typeface="+mn-ea"/>
+                <a:cs typeface="+mn-cs"/>
+              </a:defRPr>
+            </a:lvl2pPr>
+            <a:lvl3pPr marL="822960" indent="-228600" algn="l" rtl="0" eaLnBrk="1" latinLnBrk="0" hangingPunct="1">
+              <a:spcBef>
+                <a:spcPts val="500"/>
+              </a:spcBef>
+              <a:buClr>
+                <a:schemeClr val="bg1">
+                  <a:shade val="50000"/>
+                </a:schemeClr>
+              </a:buClr>
+              <a:buSzPct val="76000"/>
+              <a:buFont typeface="Wingdings 3"/>
+              <a:buChar char=""/>
+              <a:defRPr kumimoji="0" sz="2000" kern="1200">
+                <a:solidFill>
+                  <a:schemeClr val="tx1"/>
+                </a:solidFill>
+                <a:latin typeface="+mn-lt"/>
+                <a:ea typeface="+mn-ea"/>
+                <a:cs typeface="+mn-cs"/>
+              </a:defRPr>
+            </a:lvl3pPr>
+            <a:lvl4pPr marL="1097280" indent="-228600" algn="l" rtl="0" eaLnBrk="1" latinLnBrk="0" hangingPunct="1">
+              <a:spcBef>
+                <a:spcPts val="400"/>
+              </a:spcBef>
+              <a:buClr>
+                <a:schemeClr val="accent2">
+                  <a:shade val="75000"/>
+                </a:schemeClr>
+              </a:buClr>
+              <a:buSzPct val="70000"/>
+              <a:buFont typeface="Wingdings"/>
+              <a:buChar char=""/>
+              <a:defRPr kumimoji="0" sz="1800" kern="1200">
+                <a:solidFill>
+                  <a:schemeClr val="tx1"/>
+                </a:solidFill>
+                <a:latin typeface="+mn-lt"/>
+                <a:ea typeface="+mn-ea"/>
+                <a:cs typeface="+mn-cs"/>
+              </a:defRPr>
+            </a:lvl4pPr>
+            <a:lvl5pPr marL="1371600" indent="-228600" algn="l" rtl="0" eaLnBrk="1" latinLnBrk="0" hangingPunct="1">
+              <a:spcBef>
+                <a:spcPts val="300"/>
+              </a:spcBef>
+              <a:buClr>
+                <a:schemeClr val="accent2"/>
+              </a:buClr>
+              <a:buSzPct val="70000"/>
+              <a:buFont typeface="Wingdings"/>
+              <a:buChar char=""/>
+              <a:defRPr kumimoji="0" sz="1600" kern="1200">
+                <a:solidFill>
+                  <a:schemeClr val="tx1"/>
+                </a:solidFill>
+                <a:latin typeface="+mn-lt"/>
+                <a:ea typeface="+mn-ea"/>
+                <a:cs typeface="+mn-cs"/>
+              </a:defRPr>
+            </a:lvl5pPr>
+            <a:lvl6pPr marL="1645920" indent="-182880" algn="l" rtl="0" eaLnBrk="1" latinLnBrk="0" hangingPunct="1">
+              <a:spcBef>
+                <a:spcPts val="300"/>
+              </a:spcBef>
+              <a:buClr>
+                <a:srgbClr val="9FB8CD">
+                  <a:shade val="75000"/>
+                </a:srgbClr>
+              </a:buClr>
+              <a:buSzPct val="75000"/>
+              <a:buFont typeface="Wingdings 3"/>
+              <a:buChar char=""/>
+              <a:defRPr kumimoji="0" lang="en-US" sz="1600" kern="1200" smtClean="0">
+                <a:solidFill>
+                  <a:schemeClr val="tx1"/>
+                </a:solidFill>
+                <a:latin typeface="+mn-lt"/>
+                <a:ea typeface="+mn-ea"/>
+                <a:cs typeface="+mn-cs"/>
+              </a:defRPr>
+            </a:lvl6pPr>
+            <a:lvl7pPr marL="1828800" indent="-182880" algn="l" rtl="0" eaLnBrk="1" latinLnBrk="0" hangingPunct="1">
+              <a:spcBef>
+                <a:spcPts val="300"/>
+              </a:spcBef>
+              <a:buClr>
+                <a:srgbClr val="727CA3">
+                  <a:shade val="75000"/>
+                </a:srgbClr>
+              </a:buClr>
+              <a:buSzPct val="75000"/>
+              <a:buFont typeface="Wingdings 3"/>
+              <a:buChar char=""/>
+              <a:defRPr kumimoji="0" lang="en-US" sz="1400" kern="1200" smtClean="0">
+                <a:solidFill>
+                  <a:schemeClr val="tx1"/>
+                </a:solidFill>
+                <a:latin typeface="+mn-lt"/>
+                <a:ea typeface="+mn-ea"/>
+                <a:cs typeface="+mn-cs"/>
+              </a:defRPr>
+            </a:lvl7pPr>
+            <a:lvl8pPr marL="2011680" indent="-182880" algn="l" rtl="0" eaLnBrk="1" latinLnBrk="0" hangingPunct="1">
+              <a:spcBef>
+                <a:spcPts val="300"/>
+              </a:spcBef>
+              <a:buClr>
+                <a:prstClr val="white">
+                  <a:shade val="50000"/>
+                </a:prstClr>
+              </a:buClr>
+              <a:buSzPct val="75000"/>
+              <a:buFont typeface="Wingdings 3"/>
+              <a:buChar char=""/>
+              <a:defRPr kumimoji="0" lang="en-US" sz="1400" kern="1200" smtClean="0">
+                <a:solidFill>
+                  <a:schemeClr val="tx1"/>
+                </a:solidFill>
+                <a:latin typeface="+mn-lt"/>
+                <a:ea typeface="+mn-ea"/>
+                <a:cs typeface="+mn-cs"/>
+              </a:defRPr>
+            </a:lvl8pPr>
+            <a:lvl9pPr marL="2194560" indent="-182880" algn="l" rtl="0" eaLnBrk="1" latinLnBrk="0" hangingPunct="1">
+              <a:spcBef>
+                <a:spcPts val="300"/>
+              </a:spcBef>
+              <a:buClr>
+                <a:srgbClr val="9FB8CD"/>
+              </a:buClr>
+              <a:buSzPct val="75000"/>
+              <a:buFont typeface="Wingdings 3"/>
+              <a:buChar char=""/>
+              <a:defRPr kumimoji="0" lang="en-US" sz="1200" kern="1200" smtClean="0">
+                <a:solidFill>
+                  <a:schemeClr val="tx1"/>
+                </a:solidFill>
+                <a:latin typeface="+mn-lt"/>
+                <a:ea typeface="+mn-ea"/>
+                <a:cs typeface="+mn-cs"/>
+              </a:defRPr>
+            </a:lvl9pPr>
+          </a:lstStyle>
+          <a:p>
+            <a:pPr marL="0" indent="0">
+              <a:buNone/>
+            </a:pPr>
+            <a:r>
+              <a:rPr lang="en-US" sz="1800" dirty="0"/>
+              <a:t>//Recursive algorithms for Factorial</a:t>
+            </a:r>
+          </a:p>
+          <a:p>
+            <a:pPr marL="0" indent="0">
+              <a:buNone/>
+            </a:pPr>
+            <a:r>
+              <a:rPr lang="en-US" sz="1800" dirty="0"/>
+              <a:t>#include &lt;</a:t>
+            </a:r>
+            <a:r>
+              <a:rPr lang="en-US" sz="1800" dirty="0" err="1"/>
+              <a:t>stdint.h</a:t>
+            </a:r>
+            <a:r>
+              <a:rPr lang="en-US" sz="1800" dirty="0"/>
+              <a:t>&gt;</a:t>
+            </a:r>
+          </a:p>
+          <a:p>
+            <a:pPr marL="0" indent="0">
+              <a:buNone/>
+            </a:pPr>
+            <a:endParaRPr lang="en-US" sz="1800" dirty="0"/>
+          </a:p>
+          <a:p>
+            <a:pPr marL="0" indent="0">
+              <a:buNone/>
+            </a:pPr>
+            <a:r>
+              <a:rPr lang="en-US" sz="1800" dirty="0"/>
+              <a:t>uint32_t </a:t>
+            </a:r>
+            <a:r>
+              <a:rPr lang="en-US" sz="1800" dirty="0" err="1"/>
+              <a:t>fact_rec</a:t>
+            </a:r>
+            <a:r>
+              <a:rPr lang="en-US" sz="1800" dirty="0"/>
+              <a:t>(uint32_t n) {</a:t>
+            </a:r>
+          </a:p>
+          <a:p>
+            <a:pPr marL="0" indent="0">
+              <a:buNone/>
+            </a:pPr>
+            <a:r>
+              <a:rPr lang="en-US" sz="1800" dirty="0"/>
+              <a:t>    if (n &lt;= 1) {</a:t>
+            </a:r>
+          </a:p>
+          <a:p>
+            <a:pPr marL="0" indent="0">
+              <a:buNone/>
+            </a:pPr>
+            <a:r>
+              <a:rPr lang="en-US" sz="1800" dirty="0"/>
+              <a:t>        return 1;</a:t>
+            </a:r>
+          </a:p>
+          <a:p>
+            <a:pPr marL="0" indent="0">
+              <a:buNone/>
+            </a:pPr>
+            <a:r>
+              <a:rPr lang="en-US" sz="1800" dirty="0"/>
+              <a:t>    }</a:t>
+            </a:r>
+          </a:p>
+          <a:p>
+            <a:pPr marL="0" indent="0">
+              <a:buNone/>
+            </a:pPr>
+            <a:r>
+              <a:rPr lang="en-US" sz="1800" dirty="0"/>
+              <a:t>    return n * </a:t>
+            </a:r>
+            <a:r>
+              <a:rPr lang="en-US" sz="1800" dirty="0" err="1"/>
+              <a:t>fact_rec</a:t>
+            </a:r>
+            <a:r>
+              <a:rPr lang="en-US" sz="1800" dirty="0"/>
+              <a:t>(n - 1);</a:t>
+            </a:r>
+          </a:p>
+          <a:p>
+            <a:pPr marL="0" indent="0">
+              <a:buNone/>
+            </a:pPr>
+            <a:r>
+              <a:rPr lang="en-US" sz="1800" dirty="0"/>
+              <a:t>}</a:t>
+            </a:r>
+          </a:p>
+        </p:txBody>
+      </p:sp>
+      <p:sp>
+        <p:nvSpPr>
+          <p:cNvPr id="6" name="Content Placeholder 3">
+            <a:extLst>
+              <a:ext uri="{FF2B5EF4-FFF2-40B4-BE49-F238E27FC236}">
+                <a16:creationId xmlns:a16="http://schemas.microsoft.com/office/drawing/2014/main" id="{45D15B45-A356-638A-35FB-768B7AA8995D}"/>
+              </a:ext>
+            </a:extLst>
+          </p:cNvPr>
+          <p:cNvSpPr txBox="1">
+            <a:spLocks/>
+          </p:cNvSpPr>
+          <p:nvPr/>
+        </p:nvSpPr>
+        <p:spPr>
+          <a:xfrm>
+            <a:off x="685800" y="2162810"/>
+            <a:ext cx="3886200" cy="4251960"/>
+          </a:xfrm>
+          <a:prstGeom prst="rect">
+            <a:avLst/>
+          </a:prstGeom>
+          <a:ln>
+            <a:solidFill>
+              <a:schemeClr val="tx1"/>
+            </a:solidFill>
+          </a:ln>
+        </p:spPr>
+        <p:txBody>
+          <a:bodyPr vert="horz">
+            <a:normAutofit fontScale="70000" lnSpcReduction="20000"/>
+          </a:bodyPr>
+          <a:lstStyle>
+            <a:lvl1pPr marL="274320" indent="-274320" algn="l" rtl="0" eaLnBrk="1" latinLnBrk="0" hangingPunct="1">
+              <a:spcBef>
+                <a:spcPts val="600"/>
+              </a:spcBef>
+              <a:buClr>
+                <a:schemeClr val="accent1"/>
+              </a:buClr>
+              <a:buSzPct val="76000"/>
+              <a:buFont typeface="Wingdings 3"/>
+              <a:buChar char=""/>
+              <a:defRPr kumimoji="0" sz="2600" kern="1200">
+                <a:solidFill>
+                  <a:schemeClr val="tx1"/>
+                </a:solidFill>
+                <a:latin typeface="+mn-lt"/>
+                <a:ea typeface="+mn-ea"/>
+                <a:cs typeface="+mn-cs"/>
+              </a:defRPr>
+            </a:lvl1pPr>
+            <a:lvl2pPr marL="548640" indent="-274320" algn="l" rtl="0" eaLnBrk="1" latinLnBrk="0" hangingPunct="1">
+              <a:spcBef>
+                <a:spcPts val="500"/>
+              </a:spcBef>
+              <a:buClr>
+                <a:schemeClr val="accent2"/>
+              </a:buClr>
+              <a:buSzPct val="76000"/>
+              <a:buFont typeface="Wingdings 3"/>
+              <a:buChar char=""/>
+              <a:defRPr kumimoji="0" sz="2300" kern="1200">
+                <a:solidFill>
+                  <a:schemeClr val="tx2"/>
+                </a:solidFill>
+                <a:latin typeface="+mn-lt"/>
+                <a:ea typeface="+mn-ea"/>
+                <a:cs typeface="+mn-cs"/>
+              </a:defRPr>
+            </a:lvl2pPr>
+            <a:lvl3pPr marL="822960" indent="-228600" algn="l" rtl="0" eaLnBrk="1" latinLnBrk="0" hangingPunct="1">
+              <a:spcBef>
+                <a:spcPts val="500"/>
+              </a:spcBef>
+              <a:buClr>
+                <a:schemeClr val="bg1">
+                  <a:shade val="50000"/>
+                </a:schemeClr>
+              </a:buClr>
+              <a:buSzPct val="76000"/>
+              <a:buFont typeface="Wingdings 3"/>
+              <a:buChar char=""/>
+              <a:defRPr kumimoji="0" sz="2000" kern="1200">
+                <a:solidFill>
+                  <a:schemeClr val="tx1"/>
+                </a:solidFill>
+                <a:latin typeface="+mn-lt"/>
+                <a:ea typeface="+mn-ea"/>
+                <a:cs typeface="+mn-cs"/>
+              </a:defRPr>
+            </a:lvl3pPr>
+            <a:lvl4pPr marL="1097280" indent="-228600" algn="l" rtl="0" eaLnBrk="1" latinLnBrk="0" hangingPunct="1">
+              <a:spcBef>
+                <a:spcPts val="400"/>
+              </a:spcBef>
+              <a:buClr>
+                <a:schemeClr val="accent2">
+                  <a:shade val="75000"/>
+                </a:schemeClr>
+              </a:buClr>
+              <a:buSzPct val="70000"/>
+              <a:buFont typeface="Wingdings"/>
+              <a:buChar char=""/>
+              <a:defRPr kumimoji="0" sz="1800" kern="1200">
+                <a:solidFill>
+                  <a:schemeClr val="tx1"/>
+                </a:solidFill>
+                <a:latin typeface="+mn-lt"/>
+                <a:ea typeface="+mn-ea"/>
+                <a:cs typeface="+mn-cs"/>
+              </a:defRPr>
+            </a:lvl4pPr>
+            <a:lvl5pPr marL="1371600" indent="-228600" algn="l" rtl="0" eaLnBrk="1" latinLnBrk="0" hangingPunct="1">
+              <a:spcBef>
+                <a:spcPts val="300"/>
+              </a:spcBef>
+              <a:buClr>
+                <a:schemeClr val="accent2"/>
+              </a:buClr>
+              <a:buSzPct val="70000"/>
+              <a:buFont typeface="Wingdings"/>
+              <a:buChar char=""/>
+              <a:defRPr kumimoji="0" sz="1600" kern="1200">
+                <a:solidFill>
+                  <a:schemeClr val="tx1"/>
+                </a:solidFill>
+                <a:latin typeface="+mn-lt"/>
+                <a:ea typeface="+mn-ea"/>
+                <a:cs typeface="+mn-cs"/>
+              </a:defRPr>
+            </a:lvl5pPr>
+            <a:lvl6pPr marL="1645920" indent="-182880" algn="l" rtl="0" eaLnBrk="1" latinLnBrk="0" hangingPunct="1">
+              <a:spcBef>
+                <a:spcPts val="300"/>
+              </a:spcBef>
+              <a:buClr>
+                <a:srgbClr val="9FB8CD">
+                  <a:shade val="75000"/>
+                </a:srgbClr>
+              </a:buClr>
+              <a:buSzPct val="75000"/>
+              <a:buFont typeface="Wingdings 3"/>
+              <a:buChar char=""/>
+              <a:defRPr kumimoji="0" lang="en-US" sz="1600" kern="1200" smtClean="0">
+                <a:solidFill>
+                  <a:schemeClr val="tx1"/>
+                </a:solidFill>
+                <a:latin typeface="+mn-lt"/>
+                <a:ea typeface="+mn-ea"/>
+                <a:cs typeface="+mn-cs"/>
+              </a:defRPr>
+            </a:lvl6pPr>
+            <a:lvl7pPr marL="1828800" indent="-182880" algn="l" rtl="0" eaLnBrk="1" latinLnBrk="0" hangingPunct="1">
+              <a:spcBef>
+                <a:spcPts val="300"/>
+              </a:spcBef>
+              <a:buClr>
+                <a:srgbClr val="727CA3">
+                  <a:shade val="75000"/>
+                </a:srgbClr>
+              </a:buClr>
+              <a:buSzPct val="75000"/>
+              <a:buFont typeface="Wingdings 3"/>
+              <a:buChar char=""/>
+              <a:defRPr kumimoji="0" lang="en-US" sz="1400" kern="1200" smtClean="0">
+                <a:solidFill>
+                  <a:schemeClr val="tx1"/>
+                </a:solidFill>
+                <a:latin typeface="+mn-lt"/>
+                <a:ea typeface="+mn-ea"/>
+                <a:cs typeface="+mn-cs"/>
+              </a:defRPr>
+            </a:lvl7pPr>
+            <a:lvl8pPr marL="2011680" indent="-182880" algn="l" rtl="0" eaLnBrk="1" latinLnBrk="0" hangingPunct="1">
+              <a:spcBef>
+                <a:spcPts val="300"/>
+              </a:spcBef>
+              <a:buClr>
+                <a:prstClr val="white">
+                  <a:shade val="50000"/>
+                </a:prstClr>
+              </a:buClr>
+              <a:buSzPct val="75000"/>
+              <a:buFont typeface="Wingdings 3"/>
+              <a:buChar char=""/>
+              <a:defRPr kumimoji="0" lang="en-US" sz="1400" kern="1200" smtClean="0">
+                <a:solidFill>
+                  <a:schemeClr val="tx1"/>
+                </a:solidFill>
+                <a:latin typeface="+mn-lt"/>
+                <a:ea typeface="+mn-ea"/>
+                <a:cs typeface="+mn-cs"/>
+              </a:defRPr>
+            </a:lvl8pPr>
+            <a:lvl9pPr marL="2194560" indent="-182880" algn="l" rtl="0" eaLnBrk="1" latinLnBrk="0" hangingPunct="1">
+              <a:spcBef>
+                <a:spcPts val="300"/>
+              </a:spcBef>
+              <a:buClr>
+                <a:srgbClr val="9FB8CD"/>
+              </a:buClr>
+              <a:buSzPct val="75000"/>
+              <a:buFont typeface="Wingdings 3"/>
+              <a:buChar char=""/>
+              <a:defRPr kumimoji="0" lang="en-US" sz="1200" kern="1200" smtClean="0">
+                <a:solidFill>
+                  <a:schemeClr val="tx1"/>
+                </a:solidFill>
+                <a:latin typeface="+mn-lt"/>
+                <a:ea typeface="+mn-ea"/>
+                <a:cs typeface="+mn-cs"/>
+              </a:defRPr>
+            </a:lvl9pPr>
+          </a:lstStyle>
+          <a:p>
+            <a:pPr marL="0" indent="0">
+              <a:buNone/>
+            </a:pPr>
+            <a:r>
+              <a:rPr lang="en-US" dirty="0"/>
+              <a:t>//Iterative algorithms for Factorial</a:t>
+            </a:r>
+          </a:p>
+          <a:p>
+            <a:pPr marL="0" indent="0">
+              <a:buNone/>
+            </a:pPr>
+            <a:r>
+              <a:rPr lang="en-US" dirty="0"/>
+              <a:t>#include &lt;</a:t>
+            </a:r>
+            <a:r>
+              <a:rPr lang="en-US" dirty="0" err="1"/>
+              <a:t>stdint.h</a:t>
+            </a:r>
+            <a:r>
+              <a:rPr lang="en-US" dirty="0"/>
+              <a:t>&gt;</a:t>
+            </a:r>
+          </a:p>
+          <a:p>
+            <a:pPr marL="0" indent="0">
+              <a:buNone/>
+            </a:pPr>
+            <a:endParaRPr lang="en-US" dirty="0"/>
+          </a:p>
+          <a:p>
+            <a:pPr marL="0" indent="0">
+              <a:buNone/>
+            </a:pPr>
+            <a:r>
+              <a:rPr lang="en-US" dirty="0"/>
+              <a:t>uint32_t </a:t>
+            </a:r>
+            <a:r>
+              <a:rPr lang="en-US" dirty="0" err="1"/>
+              <a:t>fact_iter</a:t>
+            </a:r>
+            <a:r>
+              <a:rPr lang="en-US" dirty="0"/>
+              <a:t>(uint32_t n) {</a:t>
+            </a:r>
+          </a:p>
+          <a:p>
+            <a:pPr marL="0" indent="0">
+              <a:buNone/>
+            </a:pPr>
+            <a:r>
+              <a:rPr lang="en-US" dirty="0"/>
+              <a:t>    uint32_t acc = 1;</a:t>
+            </a:r>
+          </a:p>
+          <a:p>
+            <a:pPr marL="0" indent="0">
+              <a:buNone/>
+            </a:pPr>
+            <a:r>
+              <a:rPr lang="en-US" dirty="0"/>
+              <a:t>    if (n &lt;= 1) {</a:t>
+            </a:r>
+          </a:p>
+          <a:p>
+            <a:pPr marL="0" indent="0">
+              <a:buNone/>
+            </a:pPr>
+            <a:r>
+              <a:rPr lang="en-US" dirty="0"/>
+              <a:t>        return 1;</a:t>
+            </a:r>
+          </a:p>
+          <a:p>
+            <a:pPr marL="0" indent="0">
+              <a:buNone/>
+            </a:pPr>
+            <a:r>
+              <a:rPr lang="en-US" dirty="0"/>
+              <a:t>    }</a:t>
+            </a:r>
+          </a:p>
+          <a:p>
+            <a:pPr marL="0" indent="0">
+              <a:buNone/>
+            </a:pPr>
+            <a:r>
+              <a:rPr lang="en-US" dirty="0"/>
+              <a:t>    while (n &gt; 1) {</a:t>
+            </a:r>
+          </a:p>
+          <a:p>
+            <a:pPr marL="0" indent="0">
+              <a:buNone/>
+            </a:pPr>
+            <a:r>
+              <a:rPr lang="en-US" dirty="0"/>
+              <a:t>        acc *= n;</a:t>
+            </a:r>
+          </a:p>
+          <a:p>
+            <a:pPr marL="0" indent="0">
+              <a:buNone/>
+            </a:pPr>
+            <a:r>
+              <a:rPr lang="en-US" dirty="0"/>
+              <a:t>        n -= 1;</a:t>
+            </a:r>
+          </a:p>
+          <a:p>
+            <a:pPr marL="0" indent="0">
+              <a:buNone/>
+            </a:pPr>
+            <a:r>
+              <a:rPr lang="en-US" dirty="0"/>
+              <a:t>    }</a:t>
+            </a:r>
+          </a:p>
+          <a:p>
+            <a:pPr marL="0" indent="0">
+              <a:buNone/>
+            </a:pPr>
+            <a:r>
+              <a:rPr lang="en-US" dirty="0"/>
+              <a:t>    return acc;</a:t>
+            </a:r>
+          </a:p>
+          <a:p>
+            <a:pPr marL="0" indent="0">
+              <a:buNone/>
+            </a:pPr>
+            <a:r>
+              <a:rPr lang="en-US" dirty="0"/>
+              <a:t>}</a:t>
+            </a:r>
+          </a:p>
+        </p:txBody>
+      </p:sp>
+    </p:spTree>
+    <p:extLst>
+      <p:ext uri="{BB962C8B-B14F-4D97-AF65-F5344CB8AC3E}">
+        <p14:creationId xmlns:p14="http://schemas.microsoft.com/office/powerpoint/2010/main" val="2707139683"/>
+      </p:ext>
+    </p:extLst>
+  </p:cSld>
+  <p:clrMapOvr>
+    <a:masterClrMapping/>
+  </p:clrMapOvr>
+</p:sld>
+</file>
+
+<file path=ppt/slides/slide16.xml><?xml version="1.0" encoding="utf-8"?>
+<p:sld xmlns:a="http://schemas.openxmlformats.org/drawingml/2006/main" xmlns:r="http://schemas.openxmlformats.org/officeDocument/2006/relationships" xmlns:p="http://schemas.openxmlformats.org/presentationml/2006/main">
+  <p:cSld>
+    <p:spTree>
+      <p:nvGrpSpPr>
+        <p:cNvPr id="1" name=""/>
+        <p:cNvGrpSpPr/>
+        <p:nvPr/>
+      </p:nvGrpSpPr>
+      <p:grpSpPr>
+        <a:xfrm>
+          <a:off x="0" y="0"/>
+          <a:ext cx="0" cy="0"/>
+          <a:chOff x="0" y="0"/>
+          <a:chExt cx="0" cy="0"/>
+        </a:xfrm>
+      </p:grpSpPr>
+      <p:sp>
+        <p:nvSpPr>
+          <p:cNvPr id="2" name="Title 1">
+            <a:extLst>
+              <a:ext uri="{FF2B5EF4-FFF2-40B4-BE49-F238E27FC236}">
+                <a16:creationId xmlns:a16="http://schemas.microsoft.com/office/drawing/2014/main" id="{CAB26404-63EE-CB5A-481A-AD6B0B09C23D}"/>
+              </a:ext>
+            </a:extLst>
+          </p:cNvPr>
+          <p:cNvSpPr>
+            <a:spLocks noGrp="1"/>
+          </p:cNvSpPr>
+          <p:nvPr>
+            <p:ph type="title"/>
+          </p:nvPr>
+        </p:nvSpPr>
+        <p:spPr/>
+        <p:txBody>
+          <a:bodyPr/>
+          <a:lstStyle/>
+          <a:p>
+            <a:r>
+              <a:rPr lang="en-US" dirty="0"/>
+              <a:t>Factorial ANS</a:t>
+            </a:r>
+          </a:p>
+        </p:txBody>
+      </p:sp>
+      <p:sp>
+        <p:nvSpPr>
+          <p:cNvPr id="3" name="Slide Number Placeholder 2">
+            <a:extLst>
+              <a:ext uri="{FF2B5EF4-FFF2-40B4-BE49-F238E27FC236}">
+                <a16:creationId xmlns:a16="http://schemas.microsoft.com/office/drawing/2014/main" id="{923D6100-04EF-AD50-41F7-0624A60BB679}"/>
+              </a:ext>
+            </a:extLst>
+          </p:cNvPr>
+          <p:cNvSpPr>
+            <a:spLocks noGrp="1"/>
+          </p:cNvSpPr>
+          <p:nvPr>
+            <p:ph type="sldNum" sz="quarter" idx="12"/>
+          </p:nvPr>
+        </p:nvSpPr>
+        <p:spPr/>
+        <p:txBody>
+          <a:bodyPr/>
+          <a:lstStyle/>
+          <a:p>
+            <a:fld id="{EA7C8D44-3667-46F6-9772-CC52308E2A7F}" type="slidenum">
+              <a:rPr kumimoji="0" lang="en-US" smtClean="0"/>
+              <a:pPr/>
+              <a:t>16</a:t>
+            </a:fld>
+            <a:endParaRPr kumimoji="0" lang="en-US" dirty="0"/>
+          </a:p>
+        </p:txBody>
+      </p:sp>
+      <p:sp>
+        <p:nvSpPr>
+          <p:cNvPr id="4" name="Content Placeholder 3">
+            <a:extLst>
+              <a:ext uri="{FF2B5EF4-FFF2-40B4-BE49-F238E27FC236}">
+                <a16:creationId xmlns:a16="http://schemas.microsoft.com/office/drawing/2014/main" id="{C2EFFC15-913C-F5C8-F67E-5B2B5295992D}"/>
+              </a:ext>
+            </a:extLst>
+          </p:cNvPr>
+          <p:cNvSpPr>
+            <a:spLocks noGrp="1"/>
+          </p:cNvSpPr>
+          <p:nvPr>
+            <p:ph sz="quarter" idx="1"/>
+          </p:nvPr>
+        </p:nvSpPr>
+        <p:spPr>
+          <a:xfrm>
+            <a:off x="457200" y="1219200"/>
+            <a:ext cx="3657600" cy="4937760"/>
+          </a:xfrm>
+          <a:ln>
+            <a:solidFill>
+              <a:schemeClr val="tx1"/>
+            </a:solidFill>
+          </a:ln>
+        </p:spPr>
+        <p:txBody>
+          <a:bodyPr>
+            <a:normAutofit fontScale="55000" lnSpcReduction="20000"/>
+          </a:bodyPr>
+          <a:lstStyle/>
+          <a:p>
+            <a:pPr marL="0" indent="0">
+              <a:buNone/>
+            </a:pPr>
+            <a:r>
+              <a:rPr lang="en-US" dirty="0"/>
+              <a:t> // uint32_t </a:t>
+            </a:r>
+            <a:r>
+              <a:rPr lang="en-US" dirty="0" err="1"/>
+              <a:t>fact_iter</a:t>
+            </a:r>
+            <a:r>
+              <a:rPr lang="en-US" dirty="0"/>
+              <a:t>(uint32_t n);</a:t>
+            </a:r>
+          </a:p>
+          <a:p>
+            <a:pPr marL="0" indent="0">
+              <a:buNone/>
+            </a:pPr>
+            <a:r>
+              <a:rPr lang="en-US" dirty="0"/>
+              <a:t> // r0 = n, returns r0 = n!</a:t>
+            </a:r>
+          </a:p>
+          <a:p>
+            <a:pPr marL="0" indent="0">
+              <a:buNone/>
+            </a:pPr>
+            <a:r>
+              <a:rPr lang="en-US" dirty="0"/>
+              <a:t>    .global </a:t>
+            </a:r>
+            <a:r>
+              <a:rPr lang="en-US" dirty="0" err="1"/>
+              <a:t>fact_iter</a:t>
+            </a:r>
+            <a:endParaRPr lang="en-US" dirty="0"/>
+          </a:p>
+          <a:p>
+            <a:pPr marL="0" indent="0">
+              <a:buNone/>
+            </a:pPr>
+            <a:r>
+              <a:rPr lang="en-US" dirty="0" err="1"/>
+              <a:t>fact_iter</a:t>
+            </a:r>
+            <a:r>
+              <a:rPr lang="en-US" dirty="0"/>
+              <a:t>:</a:t>
+            </a:r>
+          </a:p>
+          <a:p>
+            <a:pPr marL="0" indent="0">
+              <a:buNone/>
+            </a:pPr>
+            <a:r>
+              <a:rPr lang="en-US" dirty="0"/>
+              <a:t>    PUSH    {r4, </a:t>
+            </a:r>
+            <a:r>
+              <a:rPr lang="en-US" dirty="0" err="1"/>
+              <a:t>lr</a:t>
+            </a:r>
+            <a:r>
+              <a:rPr lang="en-US" dirty="0"/>
+              <a:t>}          // save callee-saved we’ll use and return </a:t>
+            </a:r>
+            <a:r>
+              <a:rPr lang="en-US" dirty="0" err="1"/>
+              <a:t>addr</a:t>
+            </a:r>
+            <a:endParaRPr lang="en-US" dirty="0"/>
+          </a:p>
+          <a:p>
+            <a:pPr marL="0" indent="0">
+              <a:buNone/>
+            </a:pPr>
+            <a:r>
+              <a:rPr lang="en-US" dirty="0"/>
+              <a:t>    MOV    r1, r0          // r1 = n (loop counter)</a:t>
+            </a:r>
+          </a:p>
+          <a:p>
+            <a:pPr marL="0" indent="0">
+              <a:buNone/>
+            </a:pPr>
+            <a:r>
+              <a:rPr lang="en-US" dirty="0"/>
+              <a:t>    MOV    r0, #1         // r0 = acc = 1</a:t>
+            </a:r>
+          </a:p>
+          <a:p>
+            <a:pPr marL="0" indent="0">
+              <a:buNone/>
+            </a:pPr>
+            <a:r>
+              <a:rPr lang="en-US" dirty="0"/>
+              <a:t>    CMP     r1, #1</a:t>
+            </a:r>
+          </a:p>
+          <a:p>
+            <a:pPr marL="0" indent="0">
+              <a:buNone/>
+            </a:pPr>
+            <a:r>
+              <a:rPr lang="en-US" dirty="0"/>
+              <a:t>    BLS     .</a:t>
+            </a:r>
+            <a:r>
+              <a:rPr lang="en-US" dirty="0" err="1"/>
+              <a:t>Ldone_iter</a:t>
+            </a:r>
+            <a:r>
+              <a:rPr lang="en-US" dirty="0"/>
+              <a:t>       // if n &lt;= 1, return 1</a:t>
+            </a:r>
+          </a:p>
+          <a:p>
+            <a:pPr marL="0" indent="0">
+              <a:buNone/>
+            </a:pPr>
+            <a:endParaRPr lang="en-US" dirty="0"/>
+          </a:p>
+          <a:p>
+            <a:pPr marL="0" indent="0">
+              <a:buNone/>
+            </a:pPr>
+            <a:r>
+              <a:rPr lang="en-US" dirty="0"/>
+              <a:t>.</a:t>
+            </a:r>
+            <a:r>
+              <a:rPr lang="en-US" dirty="0" err="1"/>
+              <a:t>Lloop_iter</a:t>
+            </a:r>
+            <a:r>
+              <a:rPr lang="en-US" dirty="0"/>
+              <a:t>:</a:t>
+            </a:r>
+          </a:p>
+          <a:p>
+            <a:pPr marL="0" indent="0">
+              <a:buNone/>
+            </a:pPr>
+            <a:r>
+              <a:rPr lang="en-US" dirty="0"/>
+              <a:t>    MUL     r0, r0, r1        // acc *= </a:t>
+            </a:r>
+            <a:r>
+              <a:rPr lang="en-US" dirty="0" err="1"/>
+              <a:t>i</a:t>
+            </a:r>
+            <a:endParaRPr lang="en-US" dirty="0"/>
+          </a:p>
+          <a:p>
+            <a:pPr marL="0" indent="0">
+              <a:buNone/>
+            </a:pPr>
+            <a:r>
+              <a:rPr lang="en-US" dirty="0"/>
+              <a:t>    SUBS    r1, r1, #1        // </a:t>
+            </a:r>
+            <a:r>
+              <a:rPr lang="en-US" dirty="0" err="1"/>
+              <a:t>i</a:t>
+            </a:r>
+            <a:r>
+              <a:rPr lang="en-US" dirty="0"/>
+              <a:t>--</a:t>
+            </a:r>
+          </a:p>
+          <a:p>
+            <a:pPr marL="0" indent="0">
+              <a:buNone/>
+            </a:pPr>
+            <a:r>
+              <a:rPr lang="en-US" dirty="0"/>
+              <a:t>    BHI     .</a:t>
+            </a:r>
+            <a:r>
+              <a:rPr lang="en-US" dirty="0" err="1"/>
+              <a:t>Lloop_iter</a:t>
+            </a:r>
+            <a:r>
+              <a:rPr lang="en-US" dirty="0"/>
+              <a:t>       // continue while </a:t>
+            </a:r>
+            <a:r>
+              <a:rPr lang="en-US" dirty="0" err="1"/>
+              <a:t>i</a:t>
+            </a:r>
+            <a:r>
+              <a:rPr lang="en-US" dirty="0"/>
+              <a:t> &gt; 1 (unsigned)</a:t>
+            </a:r>
+          </a:p>
+          <a:p>
+            <a:pPr marL="0" indent="0">
+              <a:buNone/>
+            </a:pPr>
+            <a:r>
+              <a:rPr lang="en-US" dirty="0"/>
+              <a:t>.</a:t>
+            </a:r>
+            <a:r>
+              <a:rPr lang="en-US" dirty="0" err="1"/>
+              <a:t>Ldone_iter</a:t>
+            </a:r>
+            <a:r>
+              <a:rPr lang="en-US" dirty="0"/>
+              <a:t>:</a:t>
+            </a:r>
+          </a:p>
+          <a:p>
+            <a:pPr marL="0" indent="0">
+              <a:buNone/>
+            </a:pPr>
+            <a:r>
+              <a:rPr lang="en-US" dirty="0"/>
+              <a:t>    POP     {r4, </a:t>
+            </a:r>
+            <a:r>
+              <a:rPr lang="en-US" dirty="0" err="1"/>
+              <a:t>lr</a:t>
+            </a:r>
+            <a:r>
+              <a:rPr lang="en-US" dirty="0"/>
+              <a:t>}</a:t>
+            </a:r>
+          </a:p>
+          <a:p>
+            <a:pPr marL="0" indent="0">
+              <a:buNone/>
+            </a:pPr>
+            <a:r>
+              <a:rPr lang="en-US" dirty="0"/>
+              <a:t>    BX      </a:t>
+            </a:r>
+            <a:r>
+              <a:rPr lang="en-US" dirty="0" err="1"/>
+              <a:t>lr</a:t>
+            </a:r>
+            <a:endParaRPr lang="en-US" dirty="0"/>
+          </a:p>
+        </p:txBody>
+      </p:sp>
+      <p:sp>
+        <p:nvSpPr>
+          <p:cNvPr id="5" name="Content Placeholder 3">
+            <a:extLst>
+              <a:ext uri="{FF2B5EF4-FFF2-40B4-BE49-F238E27FC236}">
+                <a16:creationId xmlns:a16="http://schemas.microsoft.com/office/drawing/2014/main" id="{B60DE175-89CF-1980-2FF5-09D118299DF7}"/>
+              </a:ext>
+            </a:extLst>
+          </p:cNvPr>
+          <p:cNvSpPr txBox="1">
+            <a:spLocks/>
+          </p:cNvSpPr>
+          <p:nvPr/>
+        </p:nvSpPr>
+        <p:spPr>
+          <a:xfrm>
+            <a:off x="4267200" y="1219200"/>
+            <a:ext cx="4800600" cy="5334000"/>
+          </a:xfrm>
+          <a:prstGeom prst="rect">
+            <a:avLst/>
+          </a:prstGeom>
+          <a:ln>
+            <a:solidFill>
+              <a:schemeClr val="tx1"/>
+            </a:solidFill>
+          </a:ln>
+        </p:spPr>
+        <p:txBody>
+          <a:bodyPr vert="horz">
+            <a:normAutofit fontScale="47500" lnSpcReduction="20000"/>
+          </a:bodyPr>
+          <a:lstStyle>
+            <a:lvl1pPr marL="274320" indent="-274320" algn="l" rtl="0" eaLnBrk="1" latinLnBrk="0" hangingPunct="1">
+              <a:spcBef>
+                <a:spcPts val="600"/>
+              </a:spcBef>
+              <a:buClr>
+                <a:schemeClr val="accent1"/>
+              </a:buClr>
+              <a:buSzPct val="76000"/>
+              <a:buFont typeface="Wingdings 3"/>
+              <a:buChar char=""/>
+              <a:defRPr kumimoji="0" sz="2600" kern="1200">
+                <a:solidFill>
+                  <a:schemeClr val="tx1"/>
+                </a:solidFill>
+                <a:latin typeface="+mn-lt"/>
+                <a:ea typeface="+mn-ea"/>
+                <a:cs typeface="+mn-cs"/>
+              </a:defRPr>
+            </a:lvl1pPr>
+            <a:lvl2pPr marL="548640" indent="-274320" algn="l" rtl="0" eaLnBrk="1" latinLnBrk="0" hangingPunct="1">
+              <a:spcBef>
+                <a:spcPts val="500"/>
+              </a:spcBef>
+              <a:buClr>
+                <a:schemeClr val="accent2"/>
+              </a:buClr>
+              <a:buSzPct val="76000"/>
+              <a:buFont typeface="Wingdings 3"/>
+              <a:buChar char=""/>
+              <a:defRPr kumimoji="0" sz="2300" kern="1200">
+                <a:solidFill>
+                  <a:schemeClr val="tx2"/>
+                </a:solidFill>
+                <a:latin typeface="+mn-lt"/>
+                <a:ea typeface="+mn-ea"/>
+                <a:cs typeface="+mn-cs"/>
+              </a:defRPr>
+            </a:lvl2pPr>
+            <a:lvl3pPr marL="822960" indent="-228600" algn="l" rtl="0" eaLnBrk="1" latinLnBrk="0" hangingPunct="1">
+              <a:spcBef>
+                <a:spcPts val="500"/>
+              </a:spcBef>
+              <a:buClr>
+                <a:schemeClr val="bg1">
+                  <a:shade val="50000"/>
+                </a:schemeClr>
+              </a:buClr>
+              <a:buSzPct val="76000"/>
+              <a:buFont typeface="Wingdings 3"/>
+              <a:buChar char=""/>
+              <a:defRPr kumimoji="0" sz="2000" kern="1200">
+                <a:solidFill>
+                  <a:schemeClr val="tx1"/>
+                </a:solidFill>
+                <a:latin typeface="+mn-lt"/>
+                <a:ea typeface="+mn-ea"/>
+                <a:cs typeface="+mn-cs"/>
+              </a:defRPr>
+            </a:lvl3pPr>
+            <a:lvl4pPr marL="1097280" indent="-228600" algn="l" rtl="0" eaLnBrk="1" latinLnBrk="0" hangingPunct="1">
+              <a:spcBef>
+                <a:spcPts val="400"/>
+              </a:spcBef>
+              <a:buClr>
+                <a:schemeClr val="accent2">
+                  <a:shade val="75000"/>
+                </a:schemeClr>
+              </a:buClr>
+              <a:buSzPct val="70000"/>
+              <a:buFont typeface="Wingdings"/>
+              <a:buChar char=""/>
+              <a:defRPr kumimoji="0" sz="1800" kern="1200">
+                <a:solidFill>
+                  <a:schemeClr val="tx1"/>
+                </a:solidFill>
+                <a:latin typeface="+mn-lt"/>
+                <a:ea typeface="+mn-ea"/>
+                <a:cs typeface="+mn-cs"/>
+              </a:defRPr>
+            </a:lvl4pPr>
+            <a:lvl5pPr marL="1371600" indent="-228600" algn="l" rtl="0" eaLnBrk="1" latinLnBrk="0" hangingPunct="1">
+              <a:spcBef>
+                <a:spcPts val="300"/>
+              </a:spcBef>
+              <a:buClr>
+                <a:schemeClr val="accent2"/>
+              </a:buClr>
+              <a:buSzPct val="70000"/>
+              <a:buFont typeface="Wingdings"/>
+              <a:buChar char=""/>
+              <a:defRPr kumimoji="0" sz="1600" kern="1200">
+                <a:solidFill>
+                  <a:schemeClr val="tx1"/>
+                </a:solidFill>
+                <a:latin typeface="+mn-lt"/>
+                <a:ea typeface="+mn-ea"/>
+                <a:cs typeface="+mn-cs"/>
+              </a:defRPr>
+            </a:lvl5pPr>
+            <a:lvl6pPr marL="1645920" indent="-182880" algn="l" rtl="0" eaLnBrk="1" latinLnBrk="0" hangingPunct="1">
+              <a:spcBef>
+                <a:spcPts val="300"/>
+              </a:spcBef>
+              <a:buClr>
+                <a:srgbClr val="9FB8CD">
+                  <a:shade val="75000"/>
+                </a:srgbClr>
+              </a:buClr>
+              <a:buSzPct val="75000"/>
+              <a:buFont typeface="Wingdings 3"/>
+              <a:buChar char=""/>
+              <a:defRPr kumimoji="0" lang="en-US" sz="1600" kern="1200" smtClean="0">
+                <a:solidFill>
+                  <a:schemeClr val="tx1"/>
+                </a:solidFill>
+                <a:latin typeface="+mn-lt"/>
+                <a:ea typeface="+mn-ea"/>
+                <a:cs typeface="+mn-cs"/>
+              </a:defRPr>
+            </a:lvl6pPr>
+            <a:lvl7pPr marL="1828800" indent="-182880" algn="l" rtl="0" eaLnBrk="1" latinLnBrk="0" hangingPunct="1">
+              <a:spcBef>
+                <a:spcPts val="300"/>
+              </a:spcBef>
+              <a:buClr>
+                <a:srgbClr val="727CA3">
+                  <a:shade val="75000"/>
+                </a:srgbClr>
+              </a:buClr>
+              <a:buSzPct val="75000"/>
+              <a:buFont typeface="Wingdings 3"/>
+              <a:buChar char=""/>
+              <a:defRPr kumimoji="0" lang="en-US" sz="1400" kern="1200" smtClean="0">
+                <a:solidFill>
+                  <a:schemeClr val="tx1"/>
+                </a:solidFill>
+                <a:latin typeface="+mn-lt"/>
+                <a:ea typeface="+mn-ea"/>
+                <a:cs typeface="+mn-cs"/>
+              </a:defRPr>
+            </a:lvl7pPr>
+            <a:lvl8pPr marL="2011680" indent="-182880" algn="l" rtl="0" eaLnBrk="1" latinLnBrk="0" hangingPunct="1">
+              <a:spcBef>
+                <a:spcPts val="300"/>
+              </a:spcBef>
+              <a:buClr>
+                <a:prstClr val="white">
+                  <a:shade val="50000"/>
+                </a:prstClr>
+              </a:buClr>
+              <a:buSzPct val="75000"/>
+              <a:buFont typeface="Wingdings 3"/>
+              <a:buChar char=""/>
+              <a:defRPr kumimoji="0" lang="en-US" sz="1400" kern="1200" smtClean="0">
+                <a:solidFill>
+                  <a:schemeClr val="tx1"/>
+                </a:solidFill>
+                <a:latin typeface="+mn-lt"/>
+                <a:ea typeface="+mn-ea"/>
+                <a:cs typeface="+mn-cs"/>
+              </a:defRPr>
+            </a:lvl8pPr>
+            <a:lvl9pPr marL="2194560" indent="-182880" algn="l" rtl="0" eaLnBrk="1" latinLnBrk="0" hangingPunct="1">
+              <a:spcBef>
+                <a:spcPts val="300"/>
+              </a:spcBef>
+              <a:buClr>
+                <a:srgbClr val="9FB8CD"/>
+              </a:buClr>
+              <a:buSzPct val="75000"/>
+              <a:buFont typeface="Wingdings 3"/>
+              <a:buChar char=""/>
+              <a:defRPr kumimoji="0" lang="en-US" sz="1200" kern="1200" smtClean="0">
+                <a:solidFill>
+                  <a:schemeClr val="tx1"/>
+                </a:solidFill>
+                <a:latin typeface="+mn-lt"/>
+                <a:ea typeface="+mn-ea"/>
+                <a:cs typeface="+mn-cs"/>
+              </a:defRPr>
+            </a:lvl9pPr>
+          </a:lstStyle>
+          <a:p>
+            <a:pPr marL="0" indent="0">
+              <a:buNone/>
+            </a:pPr>
+            <a:r>
+              <a:rPr lang="en-US" dirty="0"/>
+              <a:t> // uint32_t factorial(uint32_t n);</a:t>
+            </a:r>
+          </a:p>
+          <a:p>
+            <a:pPr marL="0" indent="0">
+              <a:buNone/>
+            </a:pPr>
+            <a:r>
+              <a:rPr lang="en-US" dirty="0"/>
+              <a:t>    // r0: n</a:t>
+            </a:r>
+          </a:p>
+          <a:p>
+            <a:pPr marL="0" indent="0">
+              <a:buNone/>
+            </a:pPr>
+            <a:r>
+              <a:rPr lang="en-US" dirty="0"/>
+              <a:t>    // returns r0: n!</a:t>
+            </a:r>
+          </a:p>
+          <a:p>
+            <a:pPr marL="0" indent="0">
+              <a:buNone/>
+            </a:pPr>
+            <a:endParaRPr lang="en-US" dirty="0"/>
+          </a:p>
+          <a:p>
+            <a:pPr marL="0" indent="0">
+              <a:buNone/>
+            </a:pPr>
+            <a:r>
+              <a:rPr lang="en-US" dirty="0"/>
+              <a:t>factorial:</a:t>
+            </a:r>
+          </a:p>
+          <a:p>
+            <a:pPr marL="0" indent="0">
+              <a:buNone/>
+            </a:pPr>
+            <a:r>
+              <a:rPr lang="en-US" dirty="0"/>
+              <a:t>    CMP     r0, #1            // if (n &lt;= 1) ...</a:t>
+            </a:r>
+          </a:p>
+          <a:p>
+            <a:pPr marL="0" indent="0">
+              <a:buNone/>
+            </a:pPr>
+            <a:r>
+              <a:rPr lang="en-US" dirty="0"/>
+              <a:t>    BLE     </a:t>
+            </a:r>
+            <a:r>
+              <a:rPr lang="en-US" dirty="0" err="1"/>
+              <a:t>base_case</a:t>
+            </a:r>
+            <a:r>
+              <a:rPr lang="en-US" dirty="0"/>
+              <a:t>         //    ... return 1</a:t>
+            </a:r>
+          </a:p>
+          <a:p>
+            <a:pPr marL="0" indent="0">
+              <a:buNone/>
+            </a:pPr>
+            <a:endParaRPr lang="en-US" dirty="0"/>
+          </a:p>
+          <a:p>
+            <a:pPr marL="0" indent="0">
+              <a:buNone/>
+            </a:pPr>
+            <a:r>
+              <a:rPr lang="en-US" dirty="0"/>
+              <a:t>    PUSH    {</a:t>
+            </a:r>
+            <a:r>
+              <a:rPr lang="en-US" dirty="0" err="1"/>
+              <a:t>lr</a:t>
+            </a:r>
+            <a:r>
+              <a:rPr lang="en-US" dirty="0"/>
+              <a:t>}              // save return address for this frame</a:t>
+            </a:r>
+          </a:p>
+          <a:p>
+            <a:pPr marL="0" indent="0">
+              <a:buNone/>
+            </a:pPr>
+            <a:r>
+              <a:rPr lang="en-US" dirty="0"/>
+              <a:t>    PUSH    {r0}              // save current n on stack (we'll need it after the recursive call)</a:t>
+            </a:r>
+          </a:p>
+          <a:p>
+            <a:pPr marL="0" indent="0">
+              <a:buNone/>
+            </a:pPr>
+            <a:endParaRPr lang="en-US" dirty="0"/>
+          </a:p>
+          <a:p>
+            <a:pPr marL="0" indent="0">
+              <a:buNone/>
+            </a:pPr>
+            <a:r>
+              <a:rPr lang="en-US" dirty="0"/>
+              <a:t>    SUB     r0, r0, #1        // r0 = n - 1 (argument for recursive call)</a:t>
+            </a:r>
+          </a:p>
+          <a:p>
+            <a:pPr marL="0" indent="0">
+              <a:buNone/>
+            </a:pPr>
+            <a:r>
+              <a:rPr lang="en-US" dirty="0"/>
+              <a:t>    BL      factorial         // r0 = factorial(n - 1)</a:t>
+            </a:r>
+          </a:p>
+          <a:p>
+            <a:pPr marL="0" indent="0">
+              <a:buNone/>
+            </a:pPr>
+            <a:endParaRPr lang="en-US" dirty="0"/>
+          </a:p>
+          <a:p>
+            <a:pPr marL="0" indent="0">
+              <a:buNone/>
+            </a:pPr>
+            <a:r>
+              <a:rPr lang="en-US" dirty="0"/>
+              <a:t>    POP     {r1}              // r1 = saved n (restore caller's n)</a:t>
+            </a:r>
+          </a:p>
+          <a:p>
+            <a:pPr marL="0" indent="0">
+              <a:buNone/>
+            </a:pPr>
+            <a:r>
+              <a:rPr lang="en-US" dirty="0"/>
+              <a:t>    MUL     r0, r0, r1        // r0 = factorial(n - 1) * n</a:t>
+            </a:r>
+          </a:p>
+          <a:p>
+            <a:pPr marL="0" indent="0">
+              <a:buNone/>
+            </a:pPr>
+            <a:endParaRPr lang="en-US" dirty="0"/>
+          </a:p>
+          <a:p>
+            <a:pPr marL="0" indent="0">
+              <a:buNone/>
+            </a:pPr>
+            <a:r>
+              <a:rPr lang="en-US" dirty="0"/>
+              <a:t>    POP     {</a:t>
+            </a:r>
+            <a:r>
+              <a:rPr lang="en-US" dirty="0" err="1"/>
+              <a:t>lr</a:t>
+            </a:r>
+            <a:r>
+              <a:rPr lang="en-US" dirty="0"/>
+              <a:t>}              // restore return address</a:t>
+            </a:r>
+          </a:p>
+          <a:p>
+            <a:pPr marL="0" indent="0">
+              <a:buNone/>
+            </a:pPr>
+            <a:r>
+              <a:rPr lang="en-US" dirty="0"/>
+              <a:t>    BX      </a:t>
+            </a:r>
+            <a:r>
+              <a:rPr lang="en-US" dirty="0" err="1"/>
+              <a:t>lr</a:t>
+            </a:r>
+            <a:r>
+              <a:rPr lang="en-US" dirty="0"/>
+              <a:t>                // return with result in r0</a:t>
+            </a:r>
+          </a:p>
+          <a:p>
+            <a:pPr marL="0" indent="0">
+              <a:buNone/>
+            </a:pPr>
+            <a:endParaRPr lang="en-US" dirty="0"/>
+          </a:p>
+          <a:p>
+            <a:pPr marL="0" indent="0">
+              <a:buNone/>
+            </a:pPr>
+            <a:r>
+              <a:rPr lang="en-US" dirty="0" err="1"/>
+              <a:t>base_case</a:t>
+            </a:r>
+            <a:r>
+              <a:rPr lang="en-US" dirty="0"/>
+              <a:t>:</a:t>
+            </a:r>
+          </a:p>
+          <a:p>
+            <a:pPr marL="0" indent="0">
+              <a:buNone/>
+            </a:pPr>
+            <a:r>
+              <a:rPr lang="en-US" dirty="0"/>
+              <a:t>    MOV     r0, #1            // factorial(n) = 1 for n &lt;= 1</a:t>
+            </a:r>
+          </a:p>
+          <a:p>
+            <a:pPr marL="0" indent="0">
+              <a:buNone/>
+            </a:pPr>
+            <a:r>
+              <a:rPr lang="en-US" dirty="0"/>
+              <a:t>    BX      </a:t>
+            </a:r>
+            <a:r>
+              <a:rPr lang="en-US" dirty="0" err="1"/>
+              <a:t>lr</a:t>
+            </a:r>
+            <a:r>
+              <a:rPr lang="en-US" dirty="0"/>
+              <a:t>                // return</a:t>
+            </a:r>
+          </a:p>
+        </p:txBody>
+      </p:sp>
+    </p:spTree>
+    <p:extLst>
+      <p:ext uri="{BB962C8B-B14F-4D97-AF65-F5344CB8AC3E}">
+        <p14:creationId xmlns:p14="http://schemas.microsoft.com/office/powerpoint/2010/main" val="4056115254"/>
+      </p:ext>
+    </p:extLst>
+  </p:cSld>
+  <p:clrMapOvr>
+    <a:masterClrMapping/>
+  </p:clrMapOvr>
+</p:sld>
+</file>
+
 <file path=ppt/slides/slide2.xml><?xml version="1.0" encoding="utf-8"?>
 <p:sld xmlns:a="http://schemas.openxmlformats.org/drawingml/2006/main" xmlns:r="http://schemas.openxmlformats.org/officeDocument/2006/relationships" xmlns:p="http://schemas.openxmlformats.org/presentationml/2006/main">
   <p:cSld>
@@ -11685,6 +14305,2712 @@
       </p:grpSpPr>
       <p:sp>
         <p:nvSpPr>
+          <p:cNvPr id="14339" name="Rectangle 3"/>
+          <p:cNvSpPr>
+            <a:spLocks noGrp="1" noChangeArrowheads="1"/>
+          </p:cNvSpPr>
+          <p:nvPr>
+            <p:ph type="title"/>
+          </p:nvPr>
+        </p:nvSpPr>
+        <p:spPr>
+          <a:xfrm>
+            <a:off x="1390649" y="152400"/>
+            <a:ext cx="7296151" cy="990600"/>
+          </a:xfrm>
+        </p:spPr>
+        <p:txBody>
+          <a:bodyPr>
+            <a:normAutofit fontScale="90000"/>
+          </a:bodyPr>
+          <a:lstStyle/>
+          <a:p>
+            <a:r>
+              <a:rPr lang="en-US" dirty="0"/>
+              <a:t>Summary:</a:t>
+            </a:r>
+            <a:br>
+              <a:rPr lang="en-US" dirty="0"/>
+            </a:br>
+            <a:r>
+              <a:rPr lang="en-US" dirty="0"/>
+              <a:t>Condition Codes </a:t>
+            </a:r>
+          </a:p>
+        </p:txBody>
+      </p:sp>
+      <p:sp>
+        <p:nvSpPr>
+          <p:cNvPr id="54" name="Slide Number Placeholder 53"/>
+          <p:cNvSpPr>
+            <a:spLocks noGrp="1"/>
+          </p:cNvSpPr>
+          <p:nvPr>
+            <p:ph type="sldNum" sz="quarter" idx="12"/>
+          </p:nvPr>
+        </p:nvSpPr>
+        <p:spPr/>
+        <p:txBody>
+          <a:bodyPr/>
+          <a:lstStyle/>
+          <a:p>
+            <a:fld id="{AEE14D4A-FE32-40AF-B06D-E9622816B101}" type="slidenum">
+              <a:rPr lang="en-US" smtClean="0"/>
+              <a:pPr/>
+              <a:t>4</a:t>
+            </a:fld>
+            <a:endParaRPr lang="en-US"/>
+          </a:p>
+        </p:txBody>
+      </p:sp>
+      <p:sp>
+        <p:nvSpPr>
+          <p:cNvPr id="2" name="Rectangle 1"/>
+          <p:cNvSpPr/>
+          <p:nvPr/>
+        </p:nvSpPr>
+        <p:spPr>
+          <a:xfrm>
+            <a:off x="1390649" y="5765380"/>
+            <a:ext cx="6358825" cy="307777"/>
+          </a:xfrm>
+          <a:prstGeom prst="rect">
+            <a:avLst/>
+          </a:prstGeom>
+        </p:spPr>
+        <p:txBody>
+          <a:bodyPr wrap="square">
+            <a:spAutoFit/>
+          </a:bodyPr>
+          <a:lstStyle/>
+          <a:p>
+            <a:pPr lvl="2"/>
+            <a:r>
+              <a:rPr lang="en-US" sz="1400" i="1" dirty="0"/>
+              <a:t>Note AL is the default and does not need to be specified </a:t>
+            </a:r>
+            <a:endParaRPr lang="en-GB" sz="1400" i="1" dirty="0"/>
+          </a:p>
+        </p:txBody>
+      </p:sp>
+      <p:grpSp>
+        <p:nvGrpSpPr>
+          <p:cNvPr id="4" name="Group 3"/>
+          <p:cNvGrpSpPr/>
+          <p:nvPr/>
+        </p:nvGrpSpPr>
+        <p:grpSpPr>
+          <a:xfrm>
+            <a:off x="1390650" y="1412356"/>
+            <a:ext cx="6362700" cy="4241801"/>
+            <a:chOff x="1423974" y="1779588"/>
+            <a:chExt cx="6362700" cy="4241801"/>
+          </a:xfrm>
+        </p:grpSpPr>
+        <p:sp>
+          <p:nvSpPr>
+            <p:cNvPr id="14342" name="Rectangle 5"/>
+            <p:cNvSpPr>
+              <a:spLocks noChangeArrowheads="1"/>
+            </p:cNvSpPr>
+            <p:nvPr/>
+          </p:nvSpPr>
+          <p:spPr bwMode="auto">
+            <a:xfrm>
+              <a:off x="2696971" y="2309813"/>
+              <a:ext cx="3435035" cy="265113"/>
+            </a:xfrm>
+            <a:prstGeom prst="rect">
+              <a:avLst/>
+            </a:prstGeom>
+            <a:noFill/>
+            <a:ln w="12700">
+              <a:solidFill>
+                <a:schemeClr val="tx1"/>
+              </a:solidFill>
+              <a:miter lim="800000"/>
+              <a:headEnd/>
+              <a:tailEnd/>
+            </a:ln>
+          </p:spPr>
+          <p:txBody>
+            <a:bodyPr wrap="none" anchor="ctr"/>
+            <a:lstStyle/>
+            <a:p>
+              <a:r>
+                <a:rPr lang="en-US" sz="1800" b="1" dirty="0">
+                  <a:solidFill>
+                    <a:srgbClr val="FF0000"/>
+                  </a:solidFill>
+                  <a:latin typeface="Consolas" panose="020B0609020204030204" pitchFamily="49" charset="0"/>
+                  <a:cs typeface="Consolas" panose="020B0609020204030204" pitchFamily="49" charset="0"/>
+                </a:rPr>
+                <a:t>N</a:t>
+              </a:r>
+              <a:r>
+                <a:rPr lang="en-US" sz="1800" b="0" dirty="0">
+                  <a:latin typeface="Consolas" panose="020B0609020204030204" pitchFamily="49" charset="0"/>
+                  <a:cs typeface="Consolas" panose="020B0609020204030204" pitchFamily="49" charset="0"/>
+                </a:rPr>
+                <a:t>ot </a:t>
+              </a:r>
+              <a:r>
+                <a:rPr lang="en-US" sz="1800" b="1" dirty="0">
+                  <a:solidFill>
+                    <a:srgbClr val="FF0000"/>
+                  </a:solidFill>
+                  <a:latin typeface="Consolas" panose="020B0609020204030204" pitchFamily="49" charset="0"/>
+                  <a:cs typeface="Consolas" panose="020B0609020204030204" pitchFamily="49" charset="0"/>
+                </a:rPr>
+                <a:t>E</a:t>
+              </a:r>
+              <a:r>
+                <a:rPr lang="en-US" sz="1800" b="0" dirty="0">
+                  <a:latin typeface="Consolas" panose="020B0609020204030204" pitchFamily="49" charset="0"/>
+                  <a:cs typeface="Consolas" panose="020B0609020204030204" pitchFamily="49" charset="0"/>
+                </a:rPr>
+                <a:t>qual</a:t>
+              </a:r>
+            </a:p>
+          </p:txBody>
+        </p:sp>
+        <p:sp>
+          <p:nvSpPr>
+            <p:cNvPr id="14343" name="Rectangle 6"/>
+            <p:cNvSpPr>
+              <a:spLocks noChangeArrowheads="1"/>
+            </p:cNvSpPr>
+            <p:nvPr/>
+          </p:nvSpPr>
+          <p:spPr bwMode="auto">
+            <a:xfrm>
+              <a:off x="2696971" y="2574926"/>
+              <a:ext cx="3435035" cy="265113"/>
+            </a:xfrm>
+            <a:prstGeom prst="rect">
+              <a:avLst/>
+            </a:prstGeom>
+            <a:noFill/>
+            <a:ln w="12700">
+              <a:solidFill>
+                <a:schemeClr val="tx1"/>
+              </a:solidFill>
+              <a:miter lim="800000"/>
+              <a:headEnd/>
+              <a:tailEnd/>
+            </a:ln>
+          </p:spPr>
+          <p:txBody>
+            <a:bodyPr wrap="none" anchor="ctr"/>
+            <a:lstStyle/>
+            <a:p>
+              <a:r>
+                <a:rPr lang="en-US" sz="1800" b="0" dirty="0">
+                  <a:latin typeface="Consolas" panose="020B0609020204030204" pitchFamily="49" charset="0"/>
+                  <a:cs typeface="Consolas" panose="020B0609020204030204" pitchFamily="49" charset="0"/>
+                </a:rPr>
+                <a:t>Unsigned </a:t>
+              </a:r>
+              <a:r>
+                <a:rPr lang="en-US" sz="1800" b="1" dirty="0">
+                  <a:solidFill>
+                    <a:srgbClr val="FF0000"/>
+                  </a:solidFill>
+                  <a:latin typeface="Consolas" panose="020B0609020204030204" pitchFamily="49" charset="0"/>
+                  <a:cs typeface="Consolas" panose="020B0609020204030204" pitchFamily="49" charset="0"/>
+                </a:rPr>
+                <a:t>H</a:t>
+              </a:r>
+              <a:r>
+                <a:rPr lang="en-US" sz="1800" b="0" dirty="0">
+                  <a:latin typeface="Consolas" panose="020B0609020204030204" pitchFamily="49" charset="0"/>
+                  <a:cs typeface="Consolas" panose="020B0609020204030204" pitchFamily="49" charset="0"/>
+                </a:rPr>
+                <a:t>igher or </a:t>
+              </a:r>
+              <a:r>
+                <a:rPr lang="en-US" sz="1800" b="1" dirty="0">
+                  <a:solidFill>
+                    <a:srgbClr val="FF0000"/>
+                  </a:solidFill>
+                  <a:latin typeface="Consolas" panose="020B0609020204030204" pitchFamily="49" charset="0"/>
+                  <a:cs typeface="Consolas" panose="020B0609020204030204" pitchFamily="49" charset="0"/>
+                </a:rPr>
+                <a:t>S</a:t>
+              </a:r>
+              <a:r>
+                <a:rPr lang="en-US" sz="1800" b="0" dirty="0">
+                  <a:latin typeface="Consolas" panose="020B0609020204030204" pitchFamily="49" charset="0"/>
+                  <a:cs typeface="Consolas" panose="020B0609020204030204" pitchFamily="49" charset="0"/>
+                </a:rPr>
+                <a:t>ame</a:t>
+              </a:r>
+            </a:p>
+          </p:txBody>
+        </p:sp>
+        <p:sp>
+          <p:nvSpPr>
+            <p:cNvPr id="14344" name="Rectangle 7"/>
+            <p:cNvSpPr>
+              <a:spLocks noChangeArrowheads="1"/>
+            </p:cNvSpPr>
+            <p:nvPr/>
+          </p:nvSpPr>
+          <p:spPr bwMode="auto">
+            <a:xfrm>
+              <a:off x="2696971" y="2840038"/>
+              <a:ext cx="3435035" cy="265113"/>
+            </a:xfrm>
+            <a:prstGeom prst="rect">
+              <a:avLst/>
+            </a:prstGeom>
+            <a:noFill/>
+            <a:ln w="12700">
+              <a:solidFill>
+                <a:schemeClr val="tx1"/>
+              </a:solidFill>
+              <a:miter lim="800000"/>
+              <a:headEnd/>
+              <a:tailEnd/>
+            </a:ln>
+          </p:spPr>
+          <p:txBody>
+            <a:bodyPr wrap="none" anchor="ctr"/>
+            <a:lstStyle/>
+            <a:p>
+              <a:r>
+                <a:rPr lang="en-US" sz="1800" b="0" dirty="0">
+                  <a:latin typeface="Consolas" panose="020B0609020204030204" pitchFamily="49" charset="0"/>
+                  <a:cs typeface="Consolas" panose="020B0609020204030204" pitchFamily="49" charset="0"/>
+                </a:rPr>
+                <a:t>Unsigned </a:t>
+              </a:r>
+              <a:r>
+                <a:rPr lang="en-US" sz="1800" b="1" dirty="0" err="1">
+                  <a:solidFill>
+                    <a:srgbClr val="FF0000"/>
+                  </a:solidFill>
+                  <a:latin typeface="Consolas" panose="020B0609020204030204" pitchFamily="49" charset="0"/>
+                  <a:cs typeface="Consolas" panose="020B0609020204030204" pitchFamily="49" charset="0"/>
+                </a:rPr>
+                <a:t>LO</a:t>
+              </a:r>
+              <a:r>
+                <a:rPr lang="en-US" sz="1800" b="0" dirty="0" err="1">
+                  <a:latin typeface="Consolas" panose="020B0609020204030204" pitchFamily="49" charset="0"/>
+                  <a:cs typeface="Consolas" panose="020B0609020204030204" pitchFamily="49" charset="0"/>
+                </a:rPr>
+                <a:t>wer</a:t>
+              </a:r>
+              <a:endParaRPr lang="en-US" sz="1800" b="0" dirty="0">
+                <a:latin typeface="Consolas" panose="020B0609020204030204" pitchFamily="49" charset="0"/>
+                <a:cs typeface="Consolas" panose="020B0609020204030204" pitchFamily="49" charset="0"/>
+              </a:endParaRPr>
+            </a:p>
+          </p:txBody>
+        </p:sp>
+        <p:sp>
+          <p:nvSpPr>
+            <p:cNvPr id="14345" name="Rectangle 8"/>
+            <p:cNvSpPr>
+              <a:spLocks noChangeArrowheads="1"/>
+            </p:cNvSpPr>
+            <p:nvPr/>
+          </p:nvSpPr>
+          <p:spPr bwMode="auto">
+            <a:xfrm>
+              <a:off x="2696971" y="3105151"/>
+              <a:ext cx="3435035" cy="265113"/>
+            </a:xfrm>
+            <a:prstGeom prst="rect">
+              <a:avLst/>
+            </a:prstGeom>
+            <a:noFill/>
+            <a:ln w="12700">
+              <a:solidFill>
+                <a:schemeClr val="tx1"/>
+              </a:solidFill>
+              <a:miter lim="800000"/>
+              <a:headEnd/>
+              <a:tailEnd/>
+            </a:ln>
+          </p:spPr>
+          <p:txBody>
+            <a:bodyPr wrap="none" anchor="ctr"/>
+            <a:lstStyle/>
+            <a:p>
+              <a:r>
+                <a:rPr lang="en-US" sz="1800" b="1" dirty="0" err="1">
+                  <a:solidFill>
+                    <a:srgbClr val="FF0000"/>
+                  </a:solidFill>
+                  <a:latin typeface="Consolas" panose="020B0609020204030204" pitchFamily="49" charset="0"/>
+                  <a:cs typeface="Consolas" panose="020B0609020204030204" pitchFamily="49" charset="0"/>
+                </a:rPr>
+                <a:t>MI</a:t>
+              </a:r>
+              <a:r>
+                <a:rPr lang="en-US" sz="1800" b="0" dirty="0" err="1">
+                  <a:latin typeface="Consolas" panose="020B0609020204030204" pitchFamily="49" charset="0"/>
+                  <a:cs typeface="Consolas" panose="020B0609020204030204" pitchFamily="49" charset="0"/>
+                </a:rPr>
+                <a:t>nus</a:t>
+              </a:r>
+              <a:r>
+                <a:rPr lang="en-US" sz="1800" b="0" dirty="0">
+                  <a:latin typeface="Consolas" panose="020B0609020204030204" pitchFamily="49" charset="0"/>
+                  <a:cs typeface="Consolas" panose="020B0609020204030204" pitchFamily="49" charset="0"/>
+                </a:rPr>
+                <a:t> </a:t>
+              </a:r>
+              <a:r>
+                <a:rPr lang="en-US" dirty="0">
+                  <a:latin typeface="Consolas" panose="020B0609020204030204" pitchFamily="49" charset="0"/>
+                  <a:cs typeface="Consolas" panose="020B0609020204030204" pitchFamily="49" charset="0"/>
+                </a:rPr>
+                <a:t>(</a:t>
+              </a:r>
+              <a:r>
+                <a:rPr lang="en-US" sz="1800" b="0" dirty="0">
+                  <a:latin typeface="Consolas" panose="020B0609020204030204" pitchFamily="49" charset="0"/>
+                  <a:cs typeface="Consolas" panose="020B0609020204030204" pitchFamily="49" charset="0"/>
+                </a:rPr>
+                <a:t>Negative)</a:t>
+              </a:r>
+            </a:p>
+          </p:txBody>
+        </p:sp>
+        <p:sp>
+          <p:nvSpPr>
+            <p:cNvPr id="14346" name="Rectangle 9"/>
+            <p:cNvSpPr>
+              <a:spLocks noChangeArrowheads="1"/>
+            </p:cNvSpPr>
+            <p:nvPr/>
+          </p:nvSpPr>
+          <p:spPr bwMode="auto">
+            <a:xfrm>
+              <a:off x="2696971" y="2044701"/>
+              <a:ext cx="3435035" cy="265113"/>
+            </a:xfrm>
+            <a:prstGeom prst="rect">
+              <a:avLst/>
+            </a:prstGeom>
+            <a:noFill/>
+            <a:ln w="12700">
+              <a:solidFill>
+                <a:schemeClr val="tx1"/>
+              </a:solidFill>
+              <a:miter lim="800000"/>
+              <a:headEnd/>
+              <a:tailEnd/>
+            </a:ln>
+          </p:spPr>
+          <p:txBody>
+            <a:bodyPr wrap="none" anchor="ctr"/>
+            <a:lstStyle/>
+            <a:p>
+              <a:r>
+                <a:rPr lang="en-US" sz="1800" b="1" dirty="0" err="1">
+                  <a:solidFill>
+                    <a:srgbClr val="FF0000"/>
+                  </a:solidFill>
+                  <a:latin typeface="Consolas" panose="020B0609020204030204" pitchFamily="49" charset="0"/>
+                  <a:cs typeface="Consolas" panose="020B0609020204030204" pitchFamily="49" charset="0"/>
+                </a:rPr>
+                <a:t>EQ</a:t>
+              </a:r>
+              <a:r>
+                <a:rPr lang="en-US" sz="1800" b="0" dirty="0" err="1">
+                  <a:latin typeface="Consolas" panose="020B0609020204030204" pitchFamily="49" charset="0"/>
+                  <a:cs typeface="Consolas" panose="020B0609020204030204" pitchFamily="49" charset="0"/>
+                </a:rPr>
+                <a:t>ual</a:t>
+              </a:r>
+              <a:endParaRPr lang="en-US" sz="1800" b="0" dirty="0">
+                <a:latin typeface="Consolas" panose="020B0609020204030204" pitchFamily="49" charset="0"/>
+                <a:cs typeface="Consolas" panose="020B0609020204030204" pitchFamily="49" charset="0"/>
+              </a:endParaRPr>
+            </a:p>
+          </p:txBody>
+        </p:sp>
+        <p:sp>
+          <p:nvSpPr>
+            <p:cNvPr id="14347" name="Rectangle 10"/>
+            <p:cNvSpPr>
+              <a:spLocks noChangeArrowheads="1"/>
+            </p:cNvSpPr>
+            <p:nvPr/>
+          </p:nvSpPr>
+          <p:spPr bwMode="auto">
+            <a:xfrm>
+              <a:off x="2696971" y="3635376"/>
+              <a:ext cx="3435035" cy="265113"/>
+            </a:xfrm>
+            <a:prstGeom prst="rect">
+              <a:avLst/>
+            </a:prstGeom>
+            <a:noFill/>
+            <a:ln w="12700">
+              <a:solidFill>
+                <a:schemeClr val="tx1"/>
+              </a:solidFill>
+              <a:miter lim="800000"/>
+              <a:headEnd/>
+              <a:tailEnd/>
+            </a:ln>
+          </p:spPr>
+          <p:txBody>
+            <a:bodyPr wrap="none" anchor="ctr"/>
+            <a:lstStyle/>
+            <a:p>
+              <a:r>
+                <a:rPr lang="en-US" dirty="0" err="1">
+                  <a:latin typeface="Consolas" panose="020B0609020204030204" pitchFamily="49" charset="0"/>
+                  <a:cs typeface="Consolas" panose="020B0609020204030204" pitchFamily="49" charset="0"/>
+                </a:rPr>
+                <a:t>o</a:t>
+              </a:r>
+              <a:r>
+                <a:rPr lang="en-US" sz="1800" b="1" dirty="0" err="1">
+                  <a:solidFill>
+                    <a:srgbClr val="FF0000"/>
+                  </a:solidFill>
+                  <a:latin typeface="Consolas" panose="020B0609020204030204" pitchFamily="49" charset="0"/>
+                  <a:cs typeface="Consolas" panose="020B0609020204030204" pitchFamily="49" charset="0"/>
+                </a:rPr>
+                <a:t>V</a:t>
+              </a:r>
+              <a:r>
+                <a:rPr lang="en-US" sz="1800" b="0" dirty="0" err="1">
+                  <a:latin typeface="Consolas" panose="020B0609020204030204" pitchFamily="49" charset="0"/>
+                  <a:cs typeface="Consolas" panose="020B0609020204030204" pitchFamily="49" charset="0"/>
+                </a:rPr>
+                <a:t>erflow</a:t>
+              </a:r>
+              <a:r>
+                <a:rPr lang="en-US" sz="1800" b="0" dirty="0">
+                  <a:latin typeface="Consolas" panose="020B0609020204030204" pitchFamily="49" charset="0"/>
+                  <a:cs typeface="Consolas" panose="020B0609020204030204" pitchFamily="49" charset="0"/>
+                </a:rPr>
+                <a:t> </a:t>
+              </a:r>
+              <a:r>
+                <a:rPr lang="en-US" sz="1800" b="1" dirty="0">
+                  <a:solidFill>
+                    <a:srgbClr val="FF0000"/>
+                  </a:solidFill>
+                  <a:latin typeface="Consolas" panose="020B0609020204030204" pitchFamily="49" charset="0"/>
+                  <a:cs typeface="Consolas" panose="020B0609020204030204" pitchFamily="49" charset="0"/>
+                </a:rPr>
+                <a:t>S</a:t>
+              </a:r>
+              <a:r>
+                <a:rPr lang="en-US" sz="1800" b="0" dirty="0">
+                  <a:latin typeface="Consolas" panose="020B0609020204030204" pitchFamily="49" charset="0"/>
+                  <a:cs typeface="Consolas" panose="020B0609020204030204" pitchFamily="49" charset="0"/>
+                </a:rPr>
+                <a:t>et</a:t>
+              </a:r>
+            </a:p>
+          </p:txBody>
+        </p:sp>
+        <p:sp>
+          <p:nvSpPr>
+            <p:cNvPr id="14348" name="Rectangle 11"/>
+            <p:cNvSpPr>
+              <a:spLocks noChangeArrowheads="1"/>
+            </p:cNvSpPr>
+            <p:nvPr/>
+          </p:nvSpPr>
+          <p:spPr bwMode="auto">
+            <a:xfrm>
+              <a:off x="2696971" y="3900488"/>
+              <a:ext cx="3435035" cy="265113"/>
+            </a:xfrm>
+            <a:prstGeom prst="rect">
+              <a:avLst/>
+            </a:prstGeom>
+            <a:noFill/>
+            <a:ln w="12700">
+              <a:solidFill>
+                <a:schemeClr val="tx1"/>
+              </a:solidFill>
+              <a:miter lim="800000"/>
+              <a:headEnd/>
+              <a:tailEnd/>
+            </a:ln>
+          </p:spPr>
+          <p:txBody>
+            <a:bodyPr wrap="none" anchor="ctr"/>
+            <a:lstStyle/>
+            <a:p>
+              <a:r>
+                <a:rPr lang="en-US" dirty="0" err="1">
+                  <a:latin typeface="Consolas" panose="020B0609020204030204" pitchFamily="49" charset="0"/>
+                  <a:cs typeface="Consolas" panose="020B0609020204030204" pitchFamily="49" charset="0"/>
+                </a:rPr>
+                <a:t>o</a:t>
+              </a:r>
+              <a:r>
+                <a:rPr lang="en-US" b="1" dirty="0" err="1">
+                  <a:solidFill>
+                    <a:srgbClr val="FF0000"/>
+                  </a:solidFill>
+                  <a:latin typeface="Consolas" panose="020B0609020204030204" pitchFamily="49" charset="0"/>
+                  <a:cs typeface="Consolas" panose="020B0609020204030204" pitchFamily="49" charset="0"/>
+                </a:rPr>
+                <a:t>V</a:t>
+              </a:r>
+              <a:r>
+                <a:rPr lang="en-US" dirty="0" err="1">
+                  <a:latin typeface="Consolas" panose="020B0609020204030204" pitchFamily="49" charset="0"/>
+                  <a:cs typeface="Consolas" panose="020B0609020204030204" pitchFamily="49" charset="0"/>
+                </a:rPr>
+                <a:t>erflow</a:t>
+              </a:r>
+              <a:r>
+                <a:rPr lang="en-US" dirty="0">
+                  <a:latin typeface="Consolas" panose="020B0609020204030204" pitchFamily="49" charset="0"/>
+                  <a:cs typeface="Consolas" panose="020B0609020204030204" pitchFamily="49" charset="0"/>
+                </a:rPr>
+                <a:t> </a:t>
+              </a:r>
+              <a:r>
+                <a:rPr lang="en-US" b="1" dirty="0">
+                  <a:solidFill>
+                    <a:srgbClr val="FF0000"/>
+                  </a:solidFill>
+                  <a:latin typeface="Consolas" panose="020B0609020204030204" pitchFamily="49" charset="0"/>
+                  <a:cs typeface="Consolas" panose="020B0609020204030204" pitchFamily="49" charset="0"/>
+                </a:rPr>
+                <a:t>C</a:t>
+              </a:r>
+              <a:r>
+                <a:rPr lang="en-US" dirty="0">
+                  <a:latin typeface="Consolas" panose="020B0609020204030204" pitchFamily="49" charset="0"/>
+                  <a:cs typeface="Consolas" panose="020B0609020204030204" pitchFamily="49" charset="0"/>
+                </a:rPr>
+                <a:t>leared</a:t>
+              </a:r>
+            </a:p>
+          </p:txBody>
+        </p:sp>
+        <p:sp>
+          <p:nvSpPr>
+            <p:cNvPr id="14349" name="Rectangle 12"/>
+            <p:cNvSpPr>
+              <a:spLocks noChangeArrowheads="1"/>
+            </p:cNvSpPr>
+            <p:nvPr/>
+          </p:nvSpPr>
+          <p:spPr bwMode="auto">
+            <a:xfrm>
+              <a:off x="2696971" y="4165601"/>
+              <a:ext cx="3435035" cy="265113"/>
+            </a:xfrm>
+            <a:prstGeom prst="rect">
+              <a:avLst/>
+            </a:prstGeom>
+            <a:noFill/>
+            <a:ln w="12700">
+              <a:solidFill>
+                <a:schemeClr val="tx1"/>
+              </a:solidFill>
+              <a:miter lim="800000"/>
+              <a:headEnd/>
+              <a:tailEnd/>
+            </a:ln>
+          </p:spPr>
+          <p:txBody>
+            <a:bodyPr wrap="none" anchor="ctr"/>
+            <a:lstStyle/>
+            <a:p>
+              <a:r>
+                <a:rPr lang="en-US" sz="1800" b="0" dirty="0">
+                  <a:latin typeface="Consolas" panose="020B0609020204030204" pitchFamily="49" charset="0"/>
+                  <a:cs typeface="Consolas" panose="020B0609020204030204" pitchFamily="49" charset="0"/>
+                </a:rPr>
+                <a:t>Unsigned </a:t>
+              </a:r>
+              <a:r>
+                <a:rPr lang="en-US" sz="1800" b="1" dirty="0" err="1">
+                  <a:solidFill>
+                    <a:srgbClr val="FF0000"/>
+                  </a:solidFill>
+                  <a:latin typeface="Consolas" panose="020B0609020204030204" pitchFamily="49" charset="0"/>
+                  <a:cs typeface="Consolas" panose="020B0609020204030204" pitchFamily="49" charset="0"/>
+                </a:rPr>
+                <a:t>HI</a:t>
+              </a:r>
+              <a:r>
+                <a:rPr lang="en-US" sz="1800" b="0" dirty="0" err="1">
+                  <a:latin typeface="Consolas" panose="020B0609020204030204" pitchFamily="49" charset="0"/>
+                  <a:cs typeface="Consolas" panose="020B0609020204030204" pitchFamily="49" charset="0"/>
+                </a:rPr>
+                <a:t>gher</a:t>
+              </a:r>
+              <a:endParaRPr lang="en-US" sz="1800" b="0" dirty="0">
+                <a:latin typeface="Consolas" panose="020B0609020204030204" pitchFamily="49" charset="0"/>
+                <a:cs typeface="Consolas" panose="020B0609020204030204" pitchFamily="49" charset="0"/>
+              </a:endParaRPr>
+            </a:p>
+          </p:txBody>
+        </p:sp>
+        <p:sp>
+          <p:nvSpPr>
+            <p:cNvPr id="14350" name="Rectangle 13"/>
+            <p:cNvSpPr>
+              <a:spLocks noChangeArrowheads="1"/>
+            </p:cNvSpPr>
+            <p:nvPr/>
+          </p:nvSpPr>
+          <p:spPr bwMode="auto">
+            <a:xfrm>
+              <a:off x="2696971" y="4430713"/>
+              <a:ext cx="3435035" cy="265113"/>
+            </a:xfrm>
+            <a:prstGeom prst="rect">
+              <a:avLst/>
+            </a:prstGeom>
+            <a:noFill/>
+            <a:ln w="12700">
+              <a:solidFill>
+                <a:schemeClr val="tx1"/>
+              </a:solidFill>
+              <a:miter lim="800000"/>
+              <a:headEnd/>
+              <a:tailEnd/>
+            </a:ln>
+          </p:spPr>
+          <p:txBody>
+            <a:bodyPr wrap="none" anchor="ctr"/>
+            <a:lstStyle/>
+            <a:p>
+              <a:r>
+                <a:rPr lang="en-US" sz="1800" b="0" dirty="0">
+                  <a:latin typeface="Consolas" panose="020B0609020204030204" pitchFamily="49" charset="0"/>
+                  <a:cs typeface="Consolas" panose="020B0609020204030204" pitchFamily="49" charset="0"/>
+                </a:rPr>
+                <a:t>Unsigned </a:t>
+              </a:r>
+              <a:r>
+                <a:rPr lang="en-US" sz="1800" b="1" dirty="0">
+                  <a:solidFill>
+                    <a:srgbClr val="FF0000"/>
+                  </a:solidFill>
+                  <a:latin typeface="Consolas" panose="020B0609020204030204" pitchFamily="49" charset="0"/>
+                  <a:cs typeface="Consolas" panose="020B0609020204030204" pitchFamily="49" charset="0"/>
+                </a:rPr>
+                <a:t>L</a:t>
+              </a:r>
+              <a:r>
+                <a:rPr lang="en-US" sz="1800" b="0" dirty="0">
+                  <a:latin typeface="Consolas" panose="020B0609020204030204" pitchFamily="49" charset="0"/>
+                  <a:cs typeface="Consolas" panose="020B0609020204030204" pitchFamily="49" charset="0"/>
+                </a:rPr>
+                <a:t>ower or </a:t>
+              </a:r>
+              <a:r>
+                <a:rPr lang="en-US" sz="1800" b="1" dirty="0">
+                  <a:solidFill>
+                    <a:srgbClr val="FF0000"/>
+                  </a:solidFill>
+                  <a:latin typeface="Consolas" panose="020B0609020204030204" pitchFamily="49" charset="0"/>
+                  <a:cs typeface="Consolas" panose="020B0609020204030204" pitchFamily="49" charset="0"/>
+                </a:rPr>
+                <a:t>S</a:t>
+              </a:r>
+              <a:r>
+                <a:rPr lang="en-US" sz="1800" b="0" dirty="0">
+                  <a:latin typeface="Consolas" panose="020B0609020204030204" pitchFamily="49" charset="0"/>
+                  <a:cs typeface="Consolas" panose="020B0609020204030204" pitchFamily="49" charset="0"/>
+                </a:rPr>
+                <a:t>ame</a:t>
+              </a:r>
+            </a:p>
+          </p:txBody>
+        </p:sp>
+        <p:sp>
+          <p:nvSpPr>
+            <p:cNvPr id="14351" name="Rectangle 14"/>
+            <p:cNvSpPr>
+              <a:spLocks noChangeArrowheads="1"/>
+            </p:cNvSpPr>
+            <p:nvPr/>
+          </p:nvSpPr>
+          <p:spPr bwMode="auto">
+            <a:xfrm>
+              <a:off x="2696971" y="3370263"/>
+              <a:ext cx="3435035" cy="265113"/>
+            </a:xfrm>
+            <a:prstGeom prst="rect">
+              <a:avLst/>
+            </a:prstGeom>
+            <a:noFill/>
+            <a:ln w="12700">
+              <a:solidFill>
+                <a:schemeClr val="tx1"/>
+              </a:solidFill>
+              <a:miter lim="800000"/>
+              <a:headEnd/>
+              <a:tailEnd/>
+            </a:ln>
+          </p:spPr>
+          <p:txBody>
+            <a:bodyPr wrap="none" anchor="ctr"/>
+            <a:lstStyle/>
+            <a:p>
+              <a:r>
+                <a:rPr lang="en-US" sz="1800" b="1" dirty="0" err="1">
+                  <a:solidFill>
+                    <a:srgbClr val="FF0000"/>
+                  </a:solidFill>
+                  <a:latin typeface="Consolas" panose="020B0609020204030204" pitchFamily="49" charset="0"/>
+                  <a:cs typeface="Consolas" panose="020B0609020204030204" pitchFamily="49" charset="0"/>
+                </a:rPr>
+                <a:t>PL</a:t>
+              </a:r>
+              <a:r>
+                <a:rPr lang="en-US" sz="1800" b="0" dirty="0" err="1">
+                  <a:latin typeface="Consolas" panose="020B0609020204030204" pitchFamily="49" charset="0"/>
+                  <a:cs typeface="Consolas" panose="020B0609020204030204" pitchFamily="49" charset="0"/>
+                </a:rPr>
+                <a:t>us</a:t>
+              </a:r>
+              <a:r>
+                <a:rPr lang="en-US" sz="1800" b="0" dirty="0">
+                  <a:latin typeface="Consolas" panose="020B0609020204030204" pitchFamily="49" charset="0"/>
+                  <a:cs typeface="Consolas" panose="020B0609020204030204" pitchFamily="49" charset="0"/>
+                </a:rPr>
+                <a:t> (Positive or Zero)</a:t>
+              </a:r>
+            </a:p>
+          </p:txBody>
+        </p:sp>
+        <p:sp>
+          <p:nvSpPr>
+            <p:cNvPr id="14352" name="Rectangle 15"/>
+            <p:cNvSpPr>
+              <a:spLocks noChangeArrowheads="1"/>
+            </p:cNvSpPr>
+            <p:nvPr/>
+          </p:nvSpPr>
+          <p:spPr bwMode="auto">
+            <a:xfrm>
+              <a:off x="2696971" y="4960938"/>
+              <a:ext cx="3435035" cy="265113"/>
+            </a:xfrm>
+            <a:prstGeom prst="rect">
+              <a:avLst/>
+            </a:prstGeom>
+            <a:noFill/>
+            <a:ln w="12700">
+              <a:solidFill>
+                <a:schemeClr val="tx1"/>
+              </a:solidFill>
+              <a:miter lim="800000"/>
+              <a:headEnd/>
+              <a:tailEnd/>
+            </a:ln>
+          </p:spPr>
+          <p:txBody>
+            <a:bodyPr wrap="none" anchor="ctr"/>
+            <a:lstStyle/>
+            <a:p>
+              <a:r>
+                <a:rPr lang="en-US" sz="1800" b="0" dirty="0">
+                  <a:latin typeface="Consolas" panose="020B0609020204030204" pitchFamily="49" charset="0"/>
+                  <a:cs typeface="Consolas" panose="020B0609020204030204" pitchFamily="49" charset="0"/>
+                </a:rPr>
+                <a:t>Signed </a:t>
+              </a:r>
+              <a:r>
+                <a:rPr lang="en-US" sz="1800" b="1" dirty="0">
+                  <a:solidFill>
+                    <a:srgbClr val="FF0000"/>
+                  </a:solidFill>
+                  <a:latin typeface="Consolas" panose="020B0609020204030204" pitchFamily="49" charset="0"/>
+                  <a:cs typeface="Consolas" panose="020B0609020204030204" pitchFamily="49" charset="0"/>
+                </a:rPr>
+                <a:t>L</a:t>
+              </a:r>
+              <a:r>
+                <a:rPr lang="en-US" sz="1800" b="0" dirty="0">
+                  <a:latin typeface="Consolas" panose="020B0609020204030204" pitchFamily="49" charset="0"/>
+                  <a:cs typeface="Consolas" panose="020B0609020204030204" pitchFamily="49" charset="0"/>
+                </a:rPr>
+                <a:t>ess </a:t>
+              </a:r>
+              <a:r>
+                <a:rPr lang="en-US" sz="1800" b="1" dirty="0">
+                  <a:solidFill>
+                    <a:srgbClr val="FF0000"/>
+                  </a:solidFill>
+                  <a:latin typeface="Consolas" panose="020B0609020204030204" pitchFamily="49" charset="0"/>
+                  <a:cs typeface="Consolas" panose="020B0609020204030204" pitchFamily="49" charset="0"/>
+                </a:rPr>
+                <a:t>T</a:t>
+              </a:r>
+              <a:r>
+                <a:rPr lang="en-US" sz="1800" b="0" dirty="0">
+                  <a:latin typeface="Consolas" panose="020B0609020204030204" pitchFamily="49" charset="0"/>
+                  <a:cs typeface="Consolas" panose="020B0609020204030204" pitchFamily="49" charset="0"/>
+                </a:rPr>
+                <a:t>han</a:t>
+              </a:r>
+            </a:p>
+          </p:txBody>
+        </p:sp>
+        <p:sp>
+          <p:nvSpPr>
+            <p:cNvPr id="14353" name="Rectangle 16"/>
+            <p:cNvSpPr>
+              <a:spLocks noChangeArrowheads="1"/>
+            </p:cNvSpPr>
+            <p:nvPr/>
+          </p:nvSpPr>
+          <p:spPr bwMode="auto">
+            <a:xfrm>
+              <a:off x="2696971" y="5226051"/>
+              <a:ext cx="3435035" cy="265113"/>
+            </a:xfrm>
+            <a:prstGeom prst="rect">
+              <a:avLst/>
+            </a:prstGeom>
+            <a:noFill/>
+            <a:ln w="12700">
+              <a:solidFill>
+                <a:schemeClr val="tx1"/>
+              </a:solidFill>
+              <a:miter lim="800000"/>
+              <a:headEnd/>
+              <a:tailEnd/>
+            </a:ln>
+          </p:spPr>
+          <p:txBody>
+            <a:bodyPr wrap="none" anchor="ctr"/>
+            <a:lstStyle/>
+            <a:p>
+              <a:r>
+                <a:rPr lang="en-US" dirty="0">
+                  <a:latin typeface="Consolas" panose="020B0609020204030204" pitchFamily="49" charset="0"/>
+                  <a:cs typeface="Consolas" panose="020B0609020204030204" pitchFamily="49" charset="0"/>
+                </a:rPr>
+                <a:t>Signed </a:t>
+              </a:r>
+              <a:r>
+                <a:rPr lang="en-US" sz="1800" b="1" dirty="0">
+                  <a:solidFill>
+                    <a:srgbClr val="FF0000"/>
+                  </a:solidFill>
+                  <a:latin typeface="Consolas" panose="020B0609020204030204" pitchFamily="49" charset="0"/>
+                  <a:cs typeface="Consolas" panose="020B0609020204030204" pitchFamily="49" charset="0"/>
+                </a:rPr>
+                <a:t>G</a:t>
+              </a:r>
+              <a:r>
+                <a:rPr lang="en-US" sz="1800" b="0" dirty="0">
+                  <a:latin typeface="Consolas" panose="020B0609020204030204" pitchFamily="49" charset="0"/>
+                  <a:cs typeface="Consolas" panose="020B0609020204030204" pitchFamily="49" charset="0"/>
+                </a:rPr>
+                <a:t>reater </a:t>
+              </a:r>
+              <a:r>
+                <a:rPr lang="en-US" sz="1800" b="1" dirty="0">
+                  <a:solidFill>
+                    <a:srgbClr val="FF0000"/>
+                  </a:solidFill>
+                  <a:latin typeface="Consolas" panose="020B0609020204030204" pitchFamily="49" charset="0"/>
+                  <a:cs typeface="Consolas" panose="020B0609020204030204" pitchFamily="49" charset="0"/>
+                </a:rPr>
+                <a:t>T</a:t>
+              </a:r>
+              <a:r>
+                <a:rPr lang="en-US" sz="1800" b="0" dirty="0">
+                  <a:latin typeface="Consolas" panose="020B0609020204030204" pitchFamily="49" charset="0"/>
+                  <a:cs typeface="Consolas" panose="020B0609020204030204" pitchFamily="49" charset="0"/>
+                </a:rPr>
+                <a:t>han</a:t>
+              </a:r>
+            </a:p>
+          </p:txBody>
+        </p:sp>
+        <p:sp>
+          <p:nvSpPr>
+            <p:cNvPr id="14354" name="Rectangle 17"/>
+            <p:cNvSpPr>
+              <a:spLocks noChangeArrowheads="1"/>
+            </p:cNvSpPr>
+            <p:nvPr/>
+          </p:nvSpPr>
+          <p:spPr bwMode="auto">
+            <a:xfrm>
+              <a:off x="2696971" y="5491163"/>
+              <a:ext cx="3435035" cy="265113"/>
+            </a:xfrm>
+            <a:prstGeom prst="rect">
+              <a:avLst/>
+            </a:prstGeom>
+            <a:noFill/>
+            <a:ln w="12700">
+              <a:solidFill>
+                <a:schemeClr val="tx1"/>
+              </a:solidFill>
+              <a:miter lim="800000"/>
+              <a:headEnd/>
+              <a:tailEnd/>
+            </a:ln>
+          </p:spPr>
+          <p:txBody>
+            <a:bodyPr wrap="none" anchor="ctr"/>
+            <a:lstStyle/>
+            <a:p>
+              <a:r>
+                <a:rPr lang="en-US" sz="1800" b="0" dirty="0">
+                  <a:latin typeface="Consolas" panose="020B0609020204030204" pitchFamily="49" charset="0"/>
+                  <a:cs typeface="Consolas" panose="020B0609020204030204" pitchFamily="49" charset="0"/>
+                </a:rPr>
+                <a:t>Signed </a:t>
+              </a:r>
+              <a:r>
+                <a:rPr lang="en-US" sz="1800" b="1" dirty="0">
+                  <a:solidFill>
+                    <a:srgbClr val="FF0000"/>
+                  </a:solidFill>
+                  <a:latin typeface="Consolas" panose="020B0609020204030204" pitchFamily="49" charset="0"/>
+                  <a:cs typeface="Consolas" panose="020B0609020204030204" pitchFamily="49" charset="0"/>
+                </a:rPr>
+                <a:t>L</a:t>
+              </a:r>
+              <a:r>
+                <a:rPr lang="en-US" sz="1800" b="0" dirty="0">
+                  <a:latin typeface="Consolas" panose="020B0609020204030204" pitchFamily="49" charset="0"/>
+                  <a:cs typeface="Consolas" panose="020B0609020204030204" pitchFamily="49" charset="0"/>
+                </a:rPr>
+                <a:t>ess than or </a:t>
+              </a:r>
+              <a:r>
+                <a:rPr lang="en-US" sz="1800" b="1" dirty="0">
+                  <a:solidFill>
+                    <a:srgbClr val="FF0000"/>
+                  </a:solidFill>
+                  <a:latin typeface="Consolas" panose="020B0609020204030204" pitchFamily="49" charset="0"/>
+                  <a:cs typeface="Consolas" panose="020B0609020204030204" pitchFamily="49" charset="0"/>
+                </a:rPr>
+                <a:t>E</a:t>
+              </a:r>
+              <a:r>
+                <a:rPr lang="en-US" sz="1800" b="0" dirty="0">
+                  <a:latin typeface="Consolas" panose="020B0609020204030204" pitchFamily="49" charset="0"/>
+                  <a:cs typeface="Consolas" panose="020B0609020204030204" pitchFamily="49" charset="0"/>
+                </a:rPr>
+                <a:t>qual</a:t>
+              </a:r>
+            </a:p>
+          </p:txBody>
+        </p:sp>
+        <p:sp>
+          <p:nvSpPr>
+            <p:cNvPr id="14355" name="Rectangle 18"/>
+            <p:cNvSpPr>
+              <a:spLocks noChangeArrowheads="1"/>
+            </p:cNvSpPr>
+            <p:nvPr/>
+          </p:nvSpPr>
+          <p:spPr bwMode="auto">
+            <a:xfrm>
+              <a:off x="2696971" y="5756276"/>
+              <a:ext cx="3435035" cy="265113"/>
+            </a:xfrm>
+            <a:prstGeom prst="rect">
+              <a:avLst/>
+            </a:prstGeom>
+            <a:noFill/>
+            <a:ln w="12700">
+              <a:solidFill>
+                <a:schemeClr val="tx1"/>
+              </a:solidFill>
+              <a:miter lim="800000"/>
+              <a:headEnd/>
+              <a:tailEnd/>
+            </a:ln>
+          </p:spPr>
+          <p:txBody>
+            <a:bodyPr wrap="none" anchor="ctr"/>
+            <a:lstStyle/>
+            <a:p>
+              <a:r>
+                <a:rPr lang="en-US" sz="1800" b="1" dirty="0" err="1">
+                  <a:solidFill>
+                    <a:srgbClr val="FF0000"/>
+                  </a:solidFill>
+                  <a:latin typeface="Consolas" panose="020B0609020204030204" pitchFamily="49" charset="0"/>
+                  <a:cs typeface="Consolas" panose="020B0609020204030204" pitchFamily="49" charset="0"/>
+                </a:rPr>
+                <a:t>AL</a:t>
+              </a:r>
+              <a:r>
+                <a:rPr lang="en-US" sz="1800" b="0" dirty="0" err="1">
+                  <a:latin typeface="Consolas" panose="020B0609020204030204" pitchFamily="49" charset="0"/>
+                  <a:cs typeface="Consolas" panose="020B0609020204030204" pitchFamily="49" charset="0"/>
+                </a:rPr>
+                <a:t>ways</a:t>
+              </a:r>
+              <a:endParaRPr lang="en-US" sz="1800" b="0" dirty="0">
+                <a:latin typeface="Consolas" panose="020B0609020204030204" pitchFamily="49" charset="0"/>
+                <a:cs typeface="Consolas" panose="020B0609020204030204" pitchFamily="49" charset="0"/>
+              </a:endParaRPr>
+            </a:p>
+          </p:txBody>
+        </p:sp>
+        <p:sp>
+          <p:nvSpPr>
+            <p:cNvPr id="14356" name="Rectangle 19"/>
+            <p:cNvSpPr>
+              <a:spLocks noChangeArrowheads="1"/>
+            </p:cNvSpPr>
+            <p:nvPr/>
+          </p:nvSpPr>
+          <p:spPr bwMode="auto">
+            <a:xfrm>
+              <a:off x="2696971" y="4695826"/>
+              <a:ext cx="3435035" cy="265113"/>
+            </a:xfrm>
+            <a:prstGeom prst="rect">
+              <a:avLst/>
+            </a:prstGeom>
+            <a:noFill/>
+            <a:ln w="12700">
+              <a:solidFill>
+                <a:schemeClr val="tx1"/>
+              </a:solidFill>
+              <a:miter lim="800000"/>
+              <a:headEnd/>
+              <a:tailEnd/>
+            </a:ln>
+          </p:spPr>
+          <p:txBody>
+            <a:bodyPr wrap="none" anchor="ctr"/>
+            <a:lstStyle/>
+            <a:p>
+              <a:r>
+                <a:rPr lang="en-US" sz="1800" b="0" dirty="0">
+                  <a:latin typeface="Consolas" panose="020B0609020204030204" pitchFamily="49" charset="0"/>
+                  <a:cs typeface="Consolas" panose="020B0609020204030204" pitchFamily="49" charset="0"/>
+                </a:rPr>
+                <a:t>Signed </a:t>
+              </a:r>
+              <a:r>
+                <a:rPr lang="en-US" sz="1800" b="1" dirty="0">
+                  <a:solidFill>
+                    <a:srgbClr val="FF0000"/>
+                  </a:solidFill>
+                  <a:latin typeface="Consolas" panose="020B0609020204030204" pitchFamily="49" charset="0"/>
+                  <a:cs typeface="Consolas" panose="020B0609020204030204" pitchFamily="49" charset="0"/>
+                </a:rPr>
+                <a:t>G</a:t>
+              </a:r>
+              <a:r>
+                <a:rPr lang="en-US" sz="1800" b="0" dirty="0">
+                  <a:latin typeface="Consolas" panose="020B0609020204030204" pitchFamily="49" charset="0"/>
+                  <a:cs typeface="Consolas" panose="020B0609020204030204" pitchFamily="49" charset="0"/>
+                </a:rPr>
+                <a:t>reater or </a:t>
+              </a:r>
+              <a:r>
+                <a:rPr lang="en-US" sz="1800" b="1" dirty="0">
+                  <a:solidFill>
+                    <a:srgbClr val="FF0000"/>
+                  </a:solidFill>
+                  <a:latin typeface="Consolas" panose="020B0609020204030204" pitchFamily="49" charset="0"/>
+                  <a:cs typeface="Consolas" panose="020B0609020204030204" pitchFamily="49" charset="0"/>
+                </a:rPr>
+                <a:t>E</a:t>
+              </a:r>
+              <a:r>
+                <a:rPr lang="en-US" sz="1800" b="0" dirty="0">
+                  <a:latin typeface="Consolas" panose="020B0609020204030204" pitchFamily="49" charset="0"/>
+                  <a:cs typeface="Consolas" panose="020B0609020204030204" pitchFamily="49" charset="0"/>
+                </a:rPr>
+                <a:t>qual</a:t>
+              </a:r>
+            </a:p>
+          </p:txBody>
+        </p:sp>
+        <p:sp>
+          <p:nvSpPr>
+            <p:cNvPr id="14357" name="Rectangle 20"/>
+            <p:cNvSpPr>
+              <a:spLocks noChangeArrowheads="1"/>
+            </p:cNvSpPr>
+            <p:nvPr/>
+          </p:nvSpPr>
+          <p:spPr bwMode="auto">
+            <a:xfrm>
+              <a:off x="1423974" y="2044701"/>
+              <a:ext cx="1272997" cy="265113"/>
+            </a:xfrm>
+            <a:prstGeom prst="rect">
+              <a:avLst/>
+            </a:prstGeom>
+            <a:noFill/>
+            <a:ln w="12700">
+              <a:solidFill>
+                <a:schemeClr val="tx1"/>
+              </a:solidFill>
+              <a:miter lim="800000"/>
+              <a:headEnd/>
+              <a:tailEnd/>
+            </a:ln>
+          </p:spPr>
+          <p:txBody>
+            <a:bodyPr wrap="none" anchor="ctr"/>
+            <a:lstStyle/>
+            <a:p>
+              <a:pPr algn="ctr"/>
+              <a:r>
+                <a:rPr lang="en-US" sz="2000" b="1" dirty="0">
+                  <a:solidFill>
+                    <a:srgbClr val="FF0000"/>
+                  </a:solidFill>
+                  <a:latin typeface="Consolas" panose="020B0609020204030204" pitchFamily="49" charset="0"/>
+                  <a:cs typeface="Consolas" panose="020B0609020204030204" pitchFamily="49" charset="0"/>
+                </a:rPr>
+                <a:t>EQ</a:t>
+              </a:r>
+            </a:p>
+          </p:txBody>
+        </p:sp>
+        <p:sp>
+          <p:nvSpPr>
+            <p:cNvPr id="14358" name="Rectangle 21"/>
+            <p:cNvSpPr>
+              <a:spLocks noChangeArrowheads="1"/>
+            </p:cNvSpPr>
+            <p:nvPr/>
+          </p:nvSpPr>
+          <p:spPr bwMode="auto">
+            <a:xfrm>
+              <a:off x="1423974" y="2309813"/>
+              <a:ext cx="1272997" cy="265113"/>
+            </a:xfrm>
+            <a:prstGeom prst="rect">
+              <a:avLst/>
+            </a:prstGeom>
+            <a:noFill/>
+            <a:ln w="12700">
+              <a:solidFill>
+                <a:schemeClr val="tx1"/>
+              </a:solidFill>
+              <a:miter lim="800000"/>
+              <a:headEnd/>
+              <a:tailEnd/>
+            </a:ln>
+          </p:spPr>
+          <p:txBody>
+            <a:bodyPr wrap="none" anchor="ctr"/>
+            <a:lstStyle/>
+            <a:p>
+              <a:pPr algn="ctr"/>
+              <a:r>
+                <a:rPr lang="en-US" sz="2000" b="1" dirty="0">
+                  <a:solidFill>
+                    <a:srgbClr val="FF0000"/>
+                  </a:solidFill>
+                  <a:latin typeface="Consolas" panose="020B0609020204030204" pitchFamily="49" charset="0"/>
+                  <a:cs typeface="Consolas" panose="020B0609020204030204" pitchFamily="49" charset="0"/>
+                </a:rPr>
+                <a:t>NE</a:t>
+              </a:r>
+            </a:p>
+          </p:txBody>
+        </p:sp>
+        <p:sp>
+          <p:nvSpPr>
+            <p:cNvPr id="14359" name="Rectangle 22"/>
+            <p:cNvSpPr>
+              <a:spLocks noChangeArrowheads="1"/>
+            </p:cNvSpPr>
+            <p:nvPr/>
+          </p:nvSpPr>
+          <p:spPr bwMode="auto">
+            <a:xfrm>
+              <a:off x="1423974" y="2574926"/>
+              <a:ext cx="1272997" cy="265113"/>
+            </a:xfrm>
+            <a:prstGeom prst="rect">
+              <a:avLst/>
+            </a:prstGeom>
+            <a:noFill/>
+            <a:ln w="12700">
+              <a:solidFill>
+                <a:schemeClr val="tx1"/>
+              </a:solidFill>
+              <a:miter lim="800000"/>
+              <a:headEnd/>
+              <a:tailEnd/>
+            </a:ln>
+          </p:spPr>
+          <p:txBody>
+            <a:bodyPr wrap="none" anchor="ctr"/>
+            <a:lstStyle/>
+            <a:p>
+              <a:pPr algn="ctr"/>
+              <a:r>
+                <a:rPr lang="en-US" sz="2000" b="1" dirty="0">
+                  <a:solidFill>
+                    <a:srgbClr val="FF0000"/>
+                  </a:solidFill>
+                  <a:latin typeface="Consolas" panose="020B0609020204030204" pitchFamily="49" charset="0"/>
+                  <a:cs typeface="Consolas" panose="020B0609020204030204" pitchFamily="49" charset="0"/>
+                </a:rPr>
+                <a:t>CS/HS</a:t>
+              </a:r>
+            </a:p>
+          </p:txBody>
+        </p:sp>
+        <p:sp>
+          <p:nvSpPr>
+            <p:cNvPr id="14360" name="Rectangle 23"/>
+            <p:cNvSpPr>
+              <a:spLocks noChangeArrowheads="1"/>
+            </p:cNvSpPr>
+            <p:nvPr/>
+          </p:nvSpPr>
+          <p:spPr bwMode="auto">
+            <a:xfrm>
+              <a:off x="1423974" y="2840038"/>
+              <a:ext cx="1272997" cy="265113"/>
+            </a:xfrm>
+            <a:prstGeom prst="rect">
+              <a:avLst/>
+            </a:prstGeom>
+            <a:noFill/>
+            <a:ln w="12700">
+              <a:solidFill>
+                <a:schemeClr val="tx1"/>
+              </a:solidFill>
+              <a:miter lim="800000"/>
+              <a:headEnd/>
+              <a:tailEnd/>
+            </a:ln>
+          </p:spPr>
+          <p:txBody>
+            <a:bodyPr wrap="none" anchor="ctr"/>
+            <a:lstStyle/>
+            <a:p>
+              <a:pPr algn="ctr"/>
+              <a:r>
+                <a:rPr lang="en-US" sz="2000" b="1" dirty="0">
+                  <a:solidFill>
+                    <a:srgbClr val="FF0000"/>
+                  </a:solidFill>
+                  <a:latin typeface="Consolas" panose="020B0609020204030204" pitchFamily="49" charset="0"/>
+                  <a:cs typeface="Consolas" panose="020B0609020204030204" pitchFamily="49" charset="0"/>
+                </a:rPr>
+                <a:t>CC/LO</a:t>
+              </a:r>
+            </a:p>
+          </p:txBody>
+        </p:sp>
+        <p:sp>
+          <p:nvSpPr>
+            <p:cNvPr id="14361" name="Rectangle 24"/>
+            <p:cNvSpPr>
+              <a:spLocks noChangeArrowheads="1"/>
+            </p:cNvSpPr>
+            <p:nvPr/>
+          </p:nvSpPr>
+          <p:spPr bwMode="auto">
+            <a:xfrm>
+              <a:off x="1423974" y="3370263"/>
+              <a:ext cx="1272997" cy="265113"/>
+            </a:xfrm>
+            <a:prstGeom prst="rect">
+              <a:avLst/>
+            </a:prstGeom>
+            <a:noFill/>
+            <a:ln w="12700">
+              <a:solidFill>
+                <a:schemeClr val="tx1"/>
+              </a:solidFill>
+              <a:miter lim="800000"/>
+              <a:headEnd/>
+              <a:tailEnd/>
+            </a:ln>
+          </p:spPr>
+          <p:txBody>
+            <a:bodyPr wrap="none" anchor="ctr"/>
+            <a:lstStyle/>
+            <a:p>
+              <a:pPr algn="ctr"/>
+              <a:r>
+                <a:rPr lang="en-US" sz="2000" b="1" dirty="0">
+                  <a:solidFill>
+                    <a:srgbClr val="FF0000"/>
+                  </a:solidFill>
+                  <a:latin typeface="Consolas" panose="020B0609020204030204" pitchFamily="49" charset="0"/>
+                  <a:cs typeface="Consolas" panose="020B0609020204030204" pitchFamily="49" charset="0"/>
+                </a:rPr>
+                <a:t>PL</a:t>
+              </a:r>
+            </a:p>
+          </p:txBody>
+        </p:sp>
+        <p:sp>
+          <p:nvSpPr>
+            <p:cNvPr id="14362" name="Rectangle 25"/>
+            <p:cNvSpPr>
+              <a:spLocks noChangeArrowheads="1"/>
+            </p:cNvSpPr>
+            <p:nvPr/>
+          </p:nvSpPr>
+          <p:spPr bwMode="auto">
+            <a:xfrm>
+              <a:off x="1423974" y="3635376"/>
+              <a:ext cx="1272997" cy="265113"/>
+            </a:xfrm>
+            <a:prstGeom prst="rect">
+              <a:avLst/>
+            </a:prstGeom>
+            <a:noFill/>
+            <a:ln w="12700">
+              <a:solidFill>
+                <a:schemeClr val="tx1"/>
+              </a:solidFill>
+              <a:miter lim="800000"/>
+              <a:headEnd/>
+              <a:tailEnd/>
+            </a:ln>
+          </p:spPr>
+          <p:txBody>
+            <a:bodyPr wrap="none" anchor="ctr"/>
+            <a:lstStyle/>
+            <a:p>
+              <a:pPr algn="ctr"/>
+              <a:r>
+                <a:rPr lang="en-US" sz="2000" b="1" dirty="0">
+                  <a:solidFill>
+                    <a:srgbClr val="FF0000"/>
+                  </a:solidFill>
+                  <a:latin typeface="Consolas" panose="020B0609020204030204" pitchFamily="49" charset="0"/>
+                  <a:cs typeface="Consolas" panose="020B0609020204030204" pitchFamily="49" charset="0"/>
+                </a:rPr>
+                <a:t>VS</a:t>
+              </a:r>
+            </a:p>
+          </p:txBody>
+        </p:sp>
+        <p:sp>
+          <p:nvSpPr>
+            <p:cNvPr id="14363" name="Rectangle 26"/>
+            <p:cNvSpPr>
+              <a:spLocks noChangeArrowheads="1"/>
+            </p:cNvSpPr>
+            <p:nvPr/>
+          </p:nvSpPr>
+          <p:spPr bwMode="auto">
+            <a:xfrm>
+              <a:off x="1423974" y="4165601"/>
+              <a:ext cx="1272997" cy="265113"/>
+            </a:xfrm>
+            <a:prstGeom prst="rect">
+              <a:avLst/>
+            </a:prstGeom>
+            <a:noFill/>
+            <a:ln w="12700">
+              <a:solidFill>
+                <a:schemeClr val="tx1"/>
+              </a:solidFill>
+              <a:miter lim="800000"/>
+              <a:headEnd/>
+              <a:tailEnd/>
+            </a:ln>
+          </p:spPr>
+          <p:txBody>
+            <a:bodyPr wrap="none" anchor="ctr"/>
+            <a:lstStyle/>
+            <a:p>
+              <a:pPr algn="ctr"/>
+              <a:r>
+                <a:rPr lang="en-US" sz="2000" b="1" dirty="0">
+                  <a:solidFill>
+                    <a:srgbClr val="FF0000"/>
+                  </a:solidFill>
+                  <a:latin typeface="Consolas" panose="020B0609020204030204" pitchFamily="49" charset="0"/>
+                  <a:cs typeface="Consolas" panose="020B0609020204030204" pitchFamily="49" charset="0"/>
+                </a:rPr>
+                <a:t>HI</a:t>
+              </a:r>
+            </a:p>
+          </p:txBody>
+        </p:sp>
+        <p:sp>
+          <p:nvSpPr>
+            <p:cNvPr id="14364" name="Rectangle 27"/>
+            <p:cNvSpPr>
+              <a:spLocks noChangeArrowheads="1"/>
+            </p:cNvSpPr>
+            <p:nvPr/>
+          </p:nvSpPr>
+          <p:spPr bwMode="auto">
+            <a:xfrm>
+              <a:off x="1423974" y="4430713"/>
+              <a:ext cx="1272997" cy="265113"/>
+            </a:xfrm>
+            <a:prstGeom prst="rect">
+              <a:avLst/>
+            </a:prstGeom>
+            <a:noFill/>
+            <a:ln w="12700">
+              <a:solidFill>
+                <a:schemeClr val="tx1"/>
+              </a:solidFill>
+              <a:miter lim="800000"/>
+              <a:headEnd/>
+              <a:tailEnd/>
+            </a:ln>
+          </p:spPr>
+          <p:txBody>
+            <a:bodyPr wrap="none" anchor="ctr"/>
+            <a:lstStyle/>
+            <a:p>
+              <a:pPr algn="ctr"/>
+              <a:r>
+                <a:rPr lang="en-US" sz="2000" b="1" dirty="0">
+                  <a:solidFill>
+                    <a:srgbClr val="FF0000"/>
+                  </a:solidFill>
+                  <a:latin typeface="Consolas" panose="020B0609020204030204" pitchFamily="49" charset="0"/>
+                  <a:cs typeface="Consolas" panose="020B0609020204030204" pitchFamily="49" charset="0"/>
+                </a:rPr>
+                <a:t>LS</a:t>
+              </a:r>
+            </a:p>
+          </p:txBody>
+        </p:sp>
+        <p:sp>
+          <p:nvSpPr>
+            <p:cNvPr id="14365" name="Rectangle 28"/>
+            <p:cNvSpPr>
+              <a:spLocks noChangeArrowheads="1"/>
+            </p:cNvSpPr>
+            <p:nvPr/>
+          </p:nvSpPr>
+          <p:spPr bwMode="auto">
+            <a:xfrm>
+              <a:off x="1423974" y="4695826"/>
+              <a:ext cx="1272997" cy="265113"/>
+            </a:xfrm>
+            <a:prstGeom prst="rect">
+              <a:avLst/>
+            </a:prstGeom>
+            <a:noFill/>
+            <a:ln w="12700">
+              <a:solidFill>
+                <a:schemeClr val="tx1"/>
+              </a:solidFill>
+              <a:miter lim="800000"/>
+              <a:headEnd/>
+              <a:tailEnd/>
+            </a:ln>
+          </p:spPr>
+          <p:txBody>
+            <a:bodyPr wrap="none" anchor="ctr"/>
+            <a:lstStyle/>
+            <a:p>
+              <a:pPr algn="ctr"/>
+              <a:r>
+                <a:rPr lang="en-US" sz="2000" b="1" dirty="0">
+                  <a:solidFill>
+                    <a:srgbClr val="FF0000"/>
+                  </a:solidFill>
+                  <a:latin typeface="Consolas" panose="020B0609020204030204" pitchFamily="49" charset="0"/>
+                  <a:cs typeface="Consolas" panose="020B0609020204030204" pitchFamily="49" charset="0"/>
+                </a:rPr>
+                <a:t>GE</a:t>
+              </a:r>
+            </a:p>
+          </p:txBody>
+        </p:sp>
+        <p:sp>
+          <p:nvSpPr>
+            <p:cNvPr id="14366" name="Rectangle 29"/>
+            <p:cNvSpPr>
+              <a:spLocks noChangeArrowheads="1"/>
+            </p:cNvSpPr>
+            <p:nvPr/>
+          </p:nvSpPr>
+          <p:spPr bwMode="auto">
+            <a:xfrm>
+              <a:off x="1423974" y="4960938"/>
+              <a:ext cx="1272997" cy="265113"/>
+            </a:xfrm>
+            <a:prstGeom prst="rect">
+              <a:avLst/>
+            </a:prstGeom>
+            <a:noFill/>
+            <a:ln w="12700">
+              <a:solidFill>
+                <a:schemeClr val="tx1"/>
+              </a:solidFill>
+              <a:miter lim="800000"/>
+              <a:headEnd/>
+              <a:tailEnd/>
+            </a:ln>
+          </p:spPr>
+          <p:txBody>
+            <a:bodyPr wrap="none" anchor="ctr"/>
+            <a:lstStyle/>
+            <a:p>
+              <a:pPr algn="ctr"/>
+              <a:r>
+                <a:rPr lang="en-US" sz="2000" b="1" dirty="0">
+                  <a:solidFill>
+                    <a:srgbClr val="FF0000"/>
+                  </a:solidFill>
+                  <a:latin typeface="Consolas" panose="020B0609020204030204" pitchFamily="49" charset="0"/>
+                  <a:cs typeface="Consolas" panose="020B0609020204030204" pitchFamily="49" charset="0"/>
+                </a:rPr>
+                <a:t>LT</a:t>
+              </a:r>
+            </a:p>
+          </p:txBody>
+        </p:sp>
+        <p:sp>
+          <p:nvSpPr>
+            <p:cNvPr id="14367" name="Rectangle 30"/>
+            <p:cNvSpPr>
+              <a:spLocks noChangeArrowheads="1"/>
+            </p:cNvSpPr>
+            <p:nvPr/>
+          </p:nvSpPr>
+          <p:spPr bwMode="auto">
+            <a:xfrm>
+              <a:off x="1423974" y="5226051"/>
+              <a:ext cx="1272997" cy="265113"/>
+            </a:xfrm>
+            <a:prstGeom prst="rect">
+              <a:avLst/>
+            </a:prstGeom>
+            <a:noFill/>
+            <a:ln w="12700">
+              <a:solidFill>
+                <a:schemeClr val="tx1"/>
+              </a:solidFill>
+              <a:miter lim="800000"/>
+              <a:headEnd/>
+              <a:tailEnd/>
+            </a:ln>
+          </p:spPr>
+          <p:txBody>
+            <a:bodyPr wrap="none" anchor="ctr"/>
+            <a:lstStyle/>
+            <a:p>
+              <a:pPr algn="ctr"/>
+              <a:r>
+                <a:rPr lang="en-US" sz="2000" b="1" dirty="0">
+                  <a:solidFill>
+                    <a:srgbClr val="FF0000"/>
+                  </a:solidFill>
+                  <a:latin typeface="Consolas" panose="020B0609020204030204" pitchFamily="49" charset="0"/>
+                  <a:cs typeface="Consolas" panose="020B0609020204030204" pitchFamily="49" charset="0"/>
+                </a:rPr>
+                <a:t>GT</a:t>
+              </a:r>
+            </a:p>
+          </p:txBody>
+        </p:sp>
+        <p:sp>
+          <p:nvSpPr>
+            <p:cNvPr id="14368" name="Rectangle 31"/>
+            <p:cNvSpPr>
+              <a:spLocks noChangeArrowheads="1"/>
+            </p:cNvSpPr>
+            <p:nvPr/>
+          </p:nvSpPr>
+          <p:spPr bwMode="auto">
+            <a:xfrm>
+              <a:off x="1423974" y="5491163"/>
+              <a:ext cx="1272997" cy="265113"/>
+            </a:xfrm>
+            <a:prstGeom prst="rect">
+              <a:avLst/>
+            </a:prstGeom>
+            <a:noFill/>
+            <a:ln w="12700">
+              <a:solidFill>
+                <a:schemeClr val="tx1"/>
+              </a:solidFill>
+              <a:miter lim="800000"/>
+              <a:headEnd/>
+              <a:tailEnd/>
+            </a:ln>
+          </p:spPr>
+          <p:txBody>
+            <a:bodyPr wrap="none" anchor="ctr"/>
+            <a:lstStyle/>
+            <a:p>
+              <a:pPr algn="ctr"/>
+              <a:r>
+                <a:rPr lang="en-US" sz="2000" b="1" dirty="0">
+                  <a:solidFill>
+                    <a:srgbClr val="FF0000"/>
+                  </a:solidFill>
+                  <a:latin typeface="Consolas" panose="020B0609020204030204" pitchFamily="49" charset="0"/>
+                  <a:cs typeface="Consolas" panose="020B0609020204030204" pitchFamily="49" charset="0"/>
+                </a:rPr>
+                <a:t>LE</a:t>
+              </a:r>
+            </a:p>
+          </p:txBody>
+        </p:sp>
+        <p:sp>
+          <p:nvSpPr>
+            <p:cNvPr id="14369" name="Rectangle 32"/>
+            <p:cNvSpPr>
+              <a:spLocks noChangeArrowheads="1"/>
+            </p:cNvSpPr>
+            <p:nvPr/>
+          </p:nvSpPr>
+          <p:spPr bwMode="auto">
+            <a:xfrm>
+              <a:off x="1423974" y="5756276"/>
+              <a:ext cx="1272997" cy="265113"/>
+            </a:xfrm>
+            <a:prstGeom prst="rect">
+              <a:avLst/>
+            </a:prstGeom>
+            <a:noFill/>
+            <a:ln w="12700">
+              <a:solidFill>
+                <a:schemeClr val="tx1"/>
+              </a:solidFill>
+              <a:miter lim="800000"/>
+              <a:headEnd/>
+              <a:tailEnd/>
+            </a:ln>
+          </p:spPr>
+          <p:txBody>
+            <a:bodyPr wrap="none" anchor="ctr"/>
+            <a:lstStyle/>
+            <a:p>
+              <a:pPr algn="ctr"/>
+              <a:r>
+                <a:rPr lang="en-US" sz="2000" b="1" dirty="0">
+                  <a:solidFill>
+                    <a:srgbClr val="FF0000"/>
+                  </a:solidFill>
+                  <a:latin typeface="Consolas" panose="020B0609020204030204" pitchFamily="49" charset="0"/>
+                  <a:cs typeface="Consolas" panose="020B0609020204030204" pitchFamily="49" charset="0"/>
+                </a:rPr>
+                <a:t>AL</a:t>
+              </a:r>
+            </a:p>
+          </p:txBody>
+        </p:sp>
+        <p:sp>
+          <p:nvSpPr>
+            <p:cNvPr id="14370" name="Rectangle 33"/>
+            <p:cNvSpPr>
+              <a:spLocks noChangeArrowheads="1"/>
+            </p:cNvSpPr>
+            <p:nvPr/>
+          </p:nvSpPr>
+          <p:spPr bwMode="auto">
+            <a:xfrm>
+              <a:off x="1423974" y="3105151"/>
+              <a:ext cx="1272997" cy="265113"/>
+            </a:xfrm>
+            <a:prstGeom prst="rect">
+              <a:avLst/>
+            </a:prstGeom>
+            <a:noFill/>
+            <a:ln w="12700">
+              <a:solidFill>
+                <a:schemeClr val="tx1"/>
+              </a:solidFill>
+              <a:miter lim="800000"/>
+              <a:headEnd/>
+              <a:tailEnd/>
+            </a:ln>
+          </p:spPr>
+          <p:txBody>
+            <a:bodyPr wrap="none" anchor="ctr"/>
+            <a:lstStyle/>
+            <a:p>
+              <a:pPr algn="ctr"/>
+              <a:r>
+                <a:rPr lang="en-US" sz="2000" b="1" dirty="0">
+                  <a:solidFill>
+                    <a:srgbClr val="FF0000"/>
+                  </a:solidFill>
+                  <a:latin typeface="Consolas" panose="020B0609020204030204" pitchFamily="49" charset="0"/>
+                  <a:cs typeface="Consolas" panose="020B0609020204030204" pitchFamily="49" charset="0"/>
+                </a:rPr>
+                <a:t>MI</a:t>
+              </a:r>
+            </a:p>
+          </p:txBody>
+        </p:sp>
+        <p:sp>
+          <p:nvSpPr>
+            <p:cNvPr id="14371" name="Rectangle 34"/>
+            <p:cNvSpPr>
+              <a:spLocks noChangeArrowheads="1"/>
+            </p:cNvSpPr>
+            <p:nvPr/>
+          </p:nvSpPr>
+          <p:spPr bwMode="auto">
+            <a:xfrm>
+              <a:off x="1423974" y="3900488"/>
+              <a:ext cx="1272997" cy="265113"/>
+            </a:xfrm>
+            <a:prstGeom prst="rect">
+              <a:avLst/>
+            </a:prstGeom>
+            <a:noFill/>
+            <a:ln w="12700">
+              <a:solidFill>
+                <a:schemeClr val="tx1"/>
+              </a:solidFill>
+              <a:miter lim="800000"/>
+              <a:headEnd/>
+              <a:tailEnd/>
+            </a:ln>
+          </p:spPr>
+          <p:txBody>
+            <a:bodyPr wrap="none" anchor="ctr"/>
+            <a:lstStyle/>
+            <a:p>
+              <a:pPr algn="ctr"/>
+              <a:r>
+                <a:rPr lang="en-US" sz="2000" b="1" dirty="0">
+                  <a:solidFill>
+                    <a:srgbClr val="FF0000"/>
+                  </a:solidFill>
+                  <a:latin typeface="Consolas" panose="020B0609020204030204" pitchFamily="49" charset="0"/>
+                  <a:cs typeface="Consolas" panose="020B0609020204030204" pitchFamily="49" charset="0"/>
+                </a:rPr>
+                <a:t>VC</a:t>
+              </a:r>
+            </a:p>
+          </p:txBody>
+        </p:sp>
+        <p:sp>
+          <p:nvSpPr>
+            <p:cNvPr id="14372" name="Rectangle 35"/>
+            <p:cNvSpPr>
+              <a:spLocks noChangeArrowheads="1"/>
+            </p:cNvSpPr>
+            <p:nvPr/>
+          </p:nvSpPr>
+          <p:spPr bwMode="auto">
+            <a:xfrm>
+              <a:off x="1423974" y="1779588"/>
+              <a:ext cx="1272997" cy="265113"/>
+            </a:xfrm>
+            <a:prstGeom prst="rect">
+              <a:avLst/>
+            </a:prstGeom>
+            <a:solidFill>
+              <a:schemeClr val="accent1"/>
+            </a:solidFill>
+            <a:ln w="12700">
+              <a:solidFill>
+                <a:schemeClr val="tx1"/>
+              </a:solidFill>
+              <a:miter lim="800000"/>
+              <a:headEnd/>
+              <a:tailEnd/>
+            </a:ln>
+          </p:spPr>
+          <p:txBody>
+            <a:bodyPr wrap="none" anchor="ctr"/>
+            <a:lstStyle/>
+            <a:p>
+              <a:pPr algn="ctr"/>
+              <a:r>
+                <a:rPr lang="en-US" sz="1800" b="1" dirty="0">
+                  <a:solidFill>
+                    <a:schemeClr val="bg1"/>
+                  </a:solidFill>
+                  <a:latin typeface="Consolas" panose="020B0609020204030204" pitchFamily="49" charset="0"/>
+                  <a:cs typeface="Consolas" panose="020B0609020204030204" pitchFamily="49" charset="0"/>
+                </a:rPr>
+                <a:t>Suffix</a:t>
+              </a:r>
+            </a:p>
+          </p:txBody>
+        </p:sp>
+        <p:sp>
+          <p:nvSpPr>
+            <p:cNvPr id="14373" name="Rectangle 36"/>
+            <p:cNvSpPr>
+              <a:spLocks noChangeArrowheads="1"/>
+            </p:cNvSpPr>
+            <p:nvPr/>
+          </p:nvSpPr>
+          <p:spPr bwMode="auto">
+            <a:xfrm>
+              <a:off x="2696971" y="1779588"/>
+              <a:ext cx="3435035" cy="265113"/>
+            </a:xfrm>
+            <a:prstGeom prst="rect">
+              <a:avLst/>
+            </a:prstGeom>
+            <a:solidFill>
+              <a:schemeClr val="accent1"/>
+            </a:solidFill>
+            <a:ln w="12700">
+              <a:solidFill>
+                <a:schemeClr val="tx1"/>
+              </a:solidFill>
+              <a:miter lim="800000"/>
+              <a:headEnd/>
+              <a:tailEnd/>
+            </a:ln>
+          </p:spPr>
+          <p:txBody>
+            <a:bodyPr wrap="none" anchor="ctr"/>
+            <a:lstStyle/>
+            <a:p>
+              <a:r>
+                <a:rPr lang="en-US" sz="1800" b="1" dirty="0">
+                  <a:solidFill>
+                    <a:schemeClr val="bg1"/>
+                  </a:solidFill>
+                  <a:latin typeface="Consolas" panose="020B0609020204030204" pitchFamily="49" charset="0"/>
+                  <a:cs typeface="Consolas" panose="020B0609020204030204" pitchFamily="49" charset="0"/>
+                </a:rPr>
+                <a:t>Description</a:t>
+              </a:r>
+            </a:p>
+          </p:txBody>
+        </p:sp>
+        <p:sp>
+          <p:nvSpPr>
+            <p:cNvPr id="14374" name="Rectangle 37"/>
+            <p:cNvSpPr>
+              <a:spLocks noChangeArrowheads="1"/>
+            </p:cNvSpPr>
+            <p:nvPr/>
+          </p:nvSpPr>
+          <p:spPr bwMode="auto">
+            <a:xfrm>
+              <a:off x="6132006" y="2309813"/>
+              <a:ext cx="1654668" cy="265113"/>
+            </a:xfrm>
+            <a:prstGeom prst="rect">
+              <a:avLst/>
+            </a:prstGeom>
+            <a:noFill/>
+            <a:ln w="12700">
+              <a:solidFill>
+                <a:schemeClr val="tx1"/>
+              </a:solidFill>
+              <a:miter lim="800000"/>
+              <a:headEnd/>
+              <a:tailEnd/>
+            </a:ln>
+          </p:spPr>
+          <p:txBody>
+            <a:bodyPr wrap="none" anchor="ctr"/>
+            <a:lstStyle/>
+            <a:p>
+              <a:r>
+                <a:rPr lang="en-US" sz="1800" b="1" dirty="0">
+                  <a:solidFill>
+                    <a:srgbClr val="0000FF"/>
+                  </a:solidFill>
+                  <a:latin typeface="Consolas" panose="020B0609020204030204" pitchFamily="49" charset="0"/>
+                  <a:cs typeface="Consolas" panose="020B0609020204030204" pitchFamily="49" charset="0"/>
+                </a:rPr>
+                <a:t>Z=0</a:t>
+              </a:r>
+            </a:p>
+          </p:txBody>
+        </p:sp>
+        <p:sp>
+          <p:nvSpPr>
+            <p:cNvPr id="14375" name="Rectangle 38"/>
+            <p:cNvSpPr>
+              <a:spLocks noChangeArrowheads="1"/>
+            </p:cNvSpPr>
+            <p:nvPr/>
+          </p:nvSpPr>
+          <p:spPr bwMode="auto">
+            <a:xfrm>
+              <a:off x="6132006" y="2574926"/>
+              <a:ext cx="1654668" cy="265113"/>
+            </a:xfrm>
+            <a:prstGeom prst="rect">
+              <a:avLst/>
+            </a:prstGeom>
+            <a:noFill/>
+            <a:ln w="12700">
+              <a:solidFill>
+                <a:schemeClr val="tx1"/>
+              </a:solidFill>
+              <a:miter lim="800000"/>
+              <a:headEnd/>
+              <a:tailEnd/>
+            </a:ln>
+          </p:spPr>
+          <p:txBody>
+            <a:bodyPr wrap="none" anchor="ctr"/>
+            <a:lstStyle/>
+            <a:p>
+              <a:r>
+                <a:rPr lang="en-US" sz="1800" b="1" dirty="0">
+                  <a:solidFill>
+                    <a:srgbClr val="0000FF"/>
+                  </a:solidFill>
+                  <a:latin typeface="Consolas" panose="020B0609020204030204" pitchFamily="49" charset="0"/>
+                  <a:cs typeface="Consolas" panose="020B0609020204030204" pitchFamily="49" charset="0"/>
+                </a:rPr>
+                <a:t>C=1</a:t>
+              </a:r>
+            </a:p>
+          </p:txBody>
+        </p:sp>
+        <p:sp>
+          <p:nvSpPr>
+            <p:cNvPr id="14376" name="Rectangle 39"/>
+            <p:cNvSpPr>
+              <a:spLocks noChangeArrowheads="1"/>
+            </p:cNvSpPr>
+            <p:nvPr/>
+          </p:nvSpPr>
+          <p:spPr bwMode="auto">
+            <a:xfrm>
+              <a:off x="6132006" y="2840038"/>
+              <a:ext cx="1654668" cy="265113"/>
+            </a:xfrm>
+            <a:prstGeom prst="rect">
+              <a:avLst/>
+            </a:prstGeom>
+            <a:noFill/>
+            <a:ln w="12700">
+              <a:solidFill>
+                <a:schemeClr val="tx1"/>
+              </a:solidFill>
+              <a:miter lim="800000"/>
+              <a:headEnd/>
+              <a:tailEnd/>
+            </a:ln>
+          </p:spPr>
+          <p:txBody>
+            <a:bodyPr wrap="none" anchor="ctr"/>
+            <a:lstStyle/>
+            <a:p>
+              <a:r>
+                <a:rPr lang="en-US" sz="1800" b="1" dirty="0">
+                  <a:solidFill>
+                    <a:srgbClr val="0000FF"/>
+                  </a:solidFill>
+                  <a:latin typeface="Consolas" panose="020B0609020204030204" pitchFamily="49" charset="0"/>
+                  <a:cs typeface="Consolas" panose="020B0609020204030204" pitchFamily="49" charset="0"/>
+                </a:rPr>
+                <a:t>C=0</a:t>
+              </a:r>
+            </a:p>
+          </p:txBody>
+        </p:sp>
+        <p:sp>
+          <p:nvSpPr>
+            <p:cNvPr id="14377" name="Rectangle 40"/>
+            <p:cNvSpPr>
+              <a:spLocks noChangeArrowheads="1"/>
+            </p:cNvSpPr>
+            <p:nvPr/>
+          </p:nvSpPr>
+          <p:spPr bwMode="auto">
+            <a:xfrm>
+              <a:off x="6132006" y="2044701"/>
+              <a:ext cx="1654668" cy="265113"/>
+            </a:xfrm>
+            <a:prstGeom prst="rect">
+              <a:avLst/>
+            </a:prstGeom>
+            <a:noFill/>
+            <a:ln w="12700">
+              <a:solidFill>
+                <a:schemeClr val="tx1"/>
+              </a:solidFill>
+              <a:miter lim="800000"/>
+              <a:headEnd/>
+              <a:tailEnd/>
+            </a:ln>
+          </p:spPr>
+          <p:txBody>
+            <a:bodyPr wrap="none" anchor="ctr"/>
+            <a:lstStyle/>
+            <a:p>
+              <a:r>
+                <a:rPr lang="en-US" sz="1800" b="1" dirty="0">
+                  <a:solidFill>
+                    <a:srgbClr val="0000FF"/>
+                  </a:solidFill>
+                  <a:latin typeface="Consolas" panose="020B0609020204030204" pitchFamily="49" charset="0"/>
+                  <a:cs typeface="Consolas" panose="020B0609020204030204" pitchFamily="49" charset="0"/>
+                </a:rPr>
+                <a:t>Z=1</a:t>
+              </a:r>
+            </a:p>
+          </p:txBody>
+        </p:sp>
+        <p:sp>
+          <p:nvSpPr>
+            <p:cNvPr id="14378" name="Rectangle 41"/>
+            <p:cNvSpPr>
+              <a:spLocks noChangeArrowheads="1"/>
+            </p:cNvSpPr>
+            <p:nvPr/>
+          </p:nvSpPr>
+          <p:spPr bwMode="auto">
+            <a:xfrm>
+              <a:off x="6132006" y="1779588"/>
+              <a:ext cx="1654668" cy="265113"/>
+            </a:xfrm>
+            <a:prstGeom prst="rect">
+              <a:avLst/>
+            </a:prstGeom>
+            <a:solidFill>
+              <a:schemeClr val="accent1"/>
+            </a:solidFill>
+            <a:ln w="12700">
+              <a:solidFill>
+                <a:schemeClr val="tx1"/>
+              </a:solidFill>
+              <a:miter lim="800000"/>
+              <a:headEnd/>
+              <a:tailEnd/>
+            </a:ln>
+          </p:spPr>
+          <p:txBody>
+            <a:bodyPr wrap="none" anchor="ctr"/>
+            <a:lstStyle/>
+            <a:p>
+              <a:r>
+                <a:rPr lang="en-US" sz="1800" b="1" dirty="0">
+                  <a:solidFill>
+                    <a:schemeClr val="bg1"/>
+                  </a:solidFill>
+                  <a:latin typeface="Consolas" panose="020B0609020204030204" pitchFamily="49" charset="0"/>
+                  <a:cs typeface="Consolas" panose="020B0609020204030204" pitchFamily="49" charset="0"/>
+                </a:rPr>
+                <a:t>Flags tested</a:t>
+              </a:r>
+            </a:p>
+          </p:txBody>
+        </p:sp>
+        <p:sp>
+          <p:nvSpPr>
+            <p:cNvPr id="14379" name="Rectangle 42"/>
+            <p:cNvSpPr>
+              <a:spLocks noChangeArrowheads="1"/>
+            </p:cNvSpPr>
+            <p:nvPr/>
+          </p:nvSpPr>
+          <p:spPr bwMode="auto">
+            <a:xfrm>
+              <a:off x="6132006" y="3105151"/>
+              <a:ext cx="1654668" cy="265113"/>
+            </a:xfrm>
+            <a:prstGeom prst="rect">
+              <a:avLst/>
+            </a:prstGeom>
+            <a:noFill/>
+            <a:ln w="12700">
+              <a:solidFill>
+                <a:schemeClr val="tx1"/>
+              </a:solidFill>
+              <a:miter lim="800000"/>
+              <a:headEnd/>
+              <a:tailEnd/>
+            </a:ln>
+          </p:spPr>
+          <p:txBody>
+            <a:bodyPr wrap="none" anchor="ctr"/>
+            <a:lstStyle/>
+            <a:p>
+              <a:r>
+                <a:rPr lang="en-US" sz="1800" b="1" dirty="0">
+                  <a:solidFill>
+                    <a:srgbClr val="0000FF"/>
+                  </a:solidFill>
+                  <a:latin typeface="Consolas" panose="020B0609020204030204" pitchFamily="49" charset="0"/>
+                  <a:cs typeface="Consolas" panose="020B0609020204030204" pitchFamily="49" charset="0"/>
+                </a:rPr>
+                <a:t>N=1</a:t>
+              </a:r>
+            </a:p>
+          </p:txBody>
+        </p:sp>
+        <p:sp>
+          <p:nvSpPr>
+            <p:cNvPr id="14380" name="Rectangle 43"/>
+            <p:cNvSpPr>
+              <a:spLocks noChangeArrowheads="1"/>
+            </p:cNvSpPr>
+            <p:nvPr/>
+          </p:nvSpPr>
+          <p:spPr bwMode="auto">
+            <a:xfrm>
+              <a:off x="6132006" y="3370263"/>
+              <a:ext cx="1654668" cy="265113"/>
+            </a:xfrm>
+            <a:prstGeom prst="rect">
+              <a:avLst/>
+            </a:prstGeom>
+            <a:noFill/>
+            <a:ln w="12700">
+              <a:solidFill>
+                <a:schemeClr val="tx1"/>
+              </a:solidFill>
+              <a:miter lim="800000"/>
+              <a:headEnd/>
+              <a:tailEnd/>
+            </a:ln>
+          </p:spPr>
+          <p:txBody>
+            <a:bodyPr wrap="none" anchor="ctr"/>
+            <a:lstStyle/>
+            <a:p>
+              <a:r>
+                <a:rPr lang="en-US" sz="1800" b="1" dirty="0">
+                  <a:solidFill>
+                    <a:srgbClr val="0000FF"/>
+                  </a:solidFill>
+                  <a:latin typeface="Consolas" panose="020B0609020204030204" pitchFamily="49" charset="0"/>
+                  <a:cs typeface="Consolas" panose="020B0609020204030204" pitchFamily="49" charset="0"/>
+                </a:rPr>
+                <a:t>N=0</a:t>
+              </a:r>
+            </a:p>
+          </p:txBody>
+        </p:sp>
+        <p:sp>
+          <p:nvSpPr>
+            <p:cNvPr id="14381" name="Rectangle 44"/>
+            <p:cNvSpPr>
+              <a:spLocks noChangeArrowheads="1"/>
+            </p:cNvSpPr>
+            <p:nvPr/>
+          </p:nvSpPr>
+          <p:spPr bwMode="auto">
+            <a:xfrm>
+              <a:off x="6132006" y="3635376"/>
+              <a:ext cx="1654668" cy="265113"/>
+            </a:xfrm>
+            <a:prstGeom prst="rect">
+              <a:avLst/>
+            </a:prstGeom>
+            <a:noFill/>
+            <a:ln w="12700">
+              <a:solidFill>
+                <a:schemeClr val="tx1"/>
+              </a:solidFill>
+              <a:miter lim="800000"/>
+              <a:headEnd/>
+              <a:tailEnd/>
+            </a:ln>
+          </p:spPr>
+          <p:txBody>
+            <a:bodyPr wrap="none" anchor="ctr"/>
+            <a:lstStyle/>
+            <a:p>
+              <a:r>
+                <a:rPr lang="en-US" sz="1800" b="1" dirty="0">
+                  <a:solidFill>
+                    <a:srgbClr val="0000FF"/>
+                  </a:solidFill>
+                  <a:latin typeface="Consolas" panose="020B0609020204030204" pitchFamily="49" charset="0"/>
+                  <a:cs typeface="Consolas" panose="020B0609020204030204" pitchFamily="49" charset="0"/>
+                </a:rPr>
+                <a:t>V=1</a:t>
+              </a:r>
+            </a:p>
+          </p:txBody>
+        </p:sp>
+        <p:sp>
+          <p:nvSpPr>
+            <p:cNvPr id="14382" name="Rectangle 45"/>
+            <p:cNvSpPr>
+              <a:spLocks noChangeArrowheads="1"/>
+            </p:cNvSpPr>
+            <p:nvPr/>
+          </p:nvSpPr>
+          <p:spPr bwMode="auto">
+            <a:xfrm>
+              <a:off x="6132006" y="3900488"/>
+              <a:ext cx="1654668" cy="265113"/>
+            </a:xfrm>
+            <a:prstGeom prst="rect">
+              <a:avLst/>
+            </a:prstGeom>
+            <a:noFill/>
+            <a:ln w="12700">
+              <a:solidFill>
+                <a:schemeClr val="tx1"/>
+              </a:solidFill>
+              <a:miter lim="800000"/>
+              <a:headEnd/>
+              <a:tailEnd/>
+            </a:ln>
+          </p:spPr>
+          <p:txBody>
+            <a:bodyPr wrap="none" anchor="ctr"/>
+            <a:lstStyle/>
+            <a:p>
+              <a:r>
+                <a:rPr lang="en-US" sz="1800" b="1" dirty="0">
+                  <a:solidFill>
+                    <a:srgbClr val="0000FF"/>
+                  </a:solidFill>
+                  <a:latin typeface="Consolas" panose="020B0609020204030204" pitchFamily="49" charset="0"/>
+                  <a:cs typeface="Consolas" panose="020B0609020204030204" pitchFamily="49" charset="0"/>
+                </a:rPr>
+                <a:t>V=0</a:t>
+              </a:r>
+            </a:p>
+          </p:txBody>
+        </p:sp>
+        <p:sp>
+          <p:nvSpPr>
+            <p:cNvPr id="14383" name="Rectangle 46"/>
+            <p:cNvSpPr>
+              <a:spLocks noChangeArrowheads="1"/>
+            </p:cNvSpPr>
+            <p:nvPr/>
+          </p:nvSpPr>
+          <p:spPr bwMode="auto">
+            <a:xfrm>
+              <a:off x="6132006" y="4165601"/>
+              <a:ext cx="1654668" cy="265113"/>
+            </a:xfrm>
+            <a:prstGeom prst="rect">
+              <a:avLst/>
+            </a:prstGeom>
+            <a:noFill/>
+            <a:ln w="12700">
+              <a:solidFill>
+                <a:schemeClr val="tx1"/>
+              </a:solidFill>
+              <a:miter lim="800000"/>
+              <a:headEnd/>
+              <a:tailEnd/>
+            </a:ln>
+          </p:spPr>
+          <p:txBody>
+            <a:bodyPr wrap="none" anchor="ctr"/>
+            <a:lstStyle/>
+            <a:p>
+              <a:r>
+                <a:rPr lang="en-US" sz="1800" b="1" dirty="0">
+                  <a:solidFill>
+                    <a:srgbClr val="0000FF"/>
+                  </a:solidFill>
+                  <a:latin typeface="Consolas" panose="020B0609020204030204" pitchFamily="49" charset="0"/>
+                  <a:cs typeface="Consolas" panose="020B0609020204030204" pitchFamily="49" charset="0"/>
+                </a:rPr>
+                <a:t>C=1 &amp; Z=0</a:t>
+              </a:r>
+            </a:p>
+          </p:txBody>
+        </p:sp>
+        <p:sp>
+          <p:nvSpPr>
+            <p:cNvPr id="14384" name="Rectangle 47"/>
+            <p:cNvSpPr>
+              <a:spLocks noChangeArrowheads="1"/>
+            </p:cNvSpPr>
+            <p:nvPr/>
+          </p:nvSpPr>
+          <p:spPr bwMode="auto">
+            <a:xfrm>
+              <a:off x="6132006" y="4430713"/>
+              <a:ext cx="1654668" cy="265113"/>
+            </a:xfrm>
+            <a:prstGeom prst="rect">
+              <a:avLst/>
+            </a:prstGeom>
+            <a:noFill/>
+            <a:ln w="12700">
+              <a:solidFill>
+                <a:schemeClr val="tx1"/>
+              </a:solidFill>
+              <a:miter lim="800000"/>
+              <a:headEnd/>
+              <a:tailEnd/>
+            </a:ln>
+          </p:spPr>
+          <p:txBody>
+            <a:bodyPr wrap="none" anchor="ctr"/>
+            <a:lstStyle/>
+            <a:p>
+              <a:r>
+                <a:rPr lang="en-US" sz="1800" b="1">
+                  <a:solidFill>
+                    <a:srgbClr val="0000FF"/>
+                  </a:solidFill>
+                  <a:latin typeface="Consolas" panose="020B0609020204030204" pitchFamily="49" charset="0"/>
+                  <a:cs typeface="Consolas" panose="020B0609020204030204" pitchFamily="49" charset="0"/>
+                </a:rPr>
+                <a:t>C=0 or Z=1</a:t>
+              </a:r>
+            </a:p>
+          </p:txBody>
+        </p:sp>
+        <p:sp>
+          <p:nvSpPr>
+            <p:cNvPr id="14385" name="Rectangle 48"/>
+            <p:cNvSpPr>
+              <a:spLocks noChangeArrowheads="1"/>
+            </p:cNvSpPr>
+            <p:nvPr/>
+          </p:nvSpPr>
+          <p:spPr bwMode="auto">
+            <a:xfrm>
+              <a:off x="6132006" y="4695826"/>
+              <a:ext cx="1654668" cy="265113"/>
+            </a:xfrm>
+            <a:prstGeom prst="rect">
+              <a:avLst/>
+            </a:prstGeom>
+            <a:noFill/>
+            <a:ln w="12700">
+              <a:solidFill>
+                <a:schemeClr val="tx1"/>
+              </a:solidFill>
+              <a:miter lim="800000"/>
+              <a:headEnd/>
+              <a:tailEnd/>
+            </a:ln>
+          </p:spPr>
+          <p:txBody>
+            <a:bodyPr wrap="none" anchor="ctr"/>
+            <a:lstStyle/>
+            <a:p>
+              <a:r>
+                <a:rPr lang="en-US" sz="1800" b="1">
+                  <a:solidFill>
+                    <a:srgbClr val="0000FF"/>
+                  </a:solidFill>
+                  <a:latin typeface="Consolas" panose="020B0609020204030204" pitchFamily="49" charset="0"/>
+                  <a:cs typeface="Consolas" panose="020B0609020204030204" pitchFamily="49" charset="0"/>
+                </a:rPr>
+                <a:t>N=V</a:t>
+              </a:r>
+            </a:p>
+          </p:txBody>
+        </p:sp>
+        <p:sp>
+          <p:nvSpPr>
+            <p:cNvPr id="14386" name="Rectangle 49"/>
+            <p:cNvSpPr>
+              <a:spLocks noChangeArrowheads="1"/>
+            </p:cNvSpPr>
+            <p:nvPr/>
+          </p:nvSpPr>
+          <p:spPr bwMode="auto">
+            <a:xfrm>
+              <a:off x="6132006" y="4960938"/>
+              <a:ext cx="1654668" cy="265113"/>
+            </a:xfrm>
+            <a:prstGeom prst="rect">
+              <a:avLst/>
+            </a:prstGeom>
+            <a:noFill/>
+            <a:ln w="12700">
+              <a:solidFill>
+                <a:schemeClr val="tx1"/>
+              </a:solidFill>
+              <a:miter lim="800000"/>
+              <a:headEnd/>
+              <a:tailEnd/>
+            </a:ln>
+          </p:spPr>
+          <p:txBody>
+            <a:bodyPr wrap="none" anchor="ctr"/>
+            <a:lstStyle/>
+            <a:p>
+              <a:r>
+                <a:rPr lang="en-US" sz="1800" b="1">
+                  <a:solidFill>
+                    <a:srgbClr val="0000FF"/>
+                  </a:solidFill>
+                  <a:latin typeface="Consolas" panose="020B0609020204030204" pitchFamily="49" charset="0"/>
+                  <a:cs typeface="Consolas" panose="020B0609020204030204" pitchFamily="49" charset="0"/>
+                </a:rPr>
+                <a:t>N!=V</a:t>
+              </a:r>
+            </a:p>
+          </p:txBody>
+        </p:sp>
+        <p:sp>
+          <p:nvSpPr>
+            <p:cNvPr id="14387" name="Rectangle 50"/>
+            <p:cNvSpPr>
+              <a:spLocks noChangeArrowheads="1"/>
+            </p:cNvSpPr>
+            <p:nvPr/>
+          </p:nvSpPr>
+          <p:spPr bwMode="auto">
+            <a:xfrm>
+              <a:off x="6132006" y="5226051"/>
+              <a:ext cx="1654668" cy="265113"/>
+            </a:xfrm>
+            <a:prstGeom prst="rect">
+              <a:avLst/>
+            </a:prstGeom>
+            <a:noFill/>
+            <a:ln w="12700">
+              <a:solidFill>
+                <a:schemeClr val="tx1"/>
+              </a:solidFill>
+              <a:miter lim="800000"/>
+              <a:headEnd/>
+              <a:tailEnd/>
+            </a:ln>
+          </p:spPr>
+          <p:txBody>
+            <a:bodyPr wrap="none" anchor="ctr"/>
+            <a:lstStyle/>
+            <a:p>
+              <a:r>
+                <a:rPr lang="en-US" sz="1800" b="1">
+                  <a:solidFill>
+                    <a:srgbClr val="0000FF"/>
+                  </a:solidFill>
+                  <a:latin typeface="Consolas" panose="020B0609020204030204" pitchFamily="49" charset="0"/>
+                  <a:cs typeface="Consolas" panose="020B0609020204030204" pitchFamily="49" charset="0"/>
+                </a:rPr>
+                <a:t>Z=0 &amp; N=V</a:t>
+              </a:r>
+            </a:p>
+          </p:txBody>
+        </p:sp>
+        <p:sp>
+          <p:nvSpPr>
+            <p:cNvPr id="14388" name="Rectangle 51"/>
+            <p:cNvSpPr>
+              <a:spLocks noChangeArrowheads="1"/>
+            </p:cNvSpPr>
+            <p:nvPr/>
+          </p:nvSpPr>
+          <p:spPr bwMode="auto">
+            <a:xfrm>
+              <a:off x="6132006" y="5491163"/>
+              <a:ext cx="1654668" cy="265113"/>
+            </a:xfrm>
+            <a:prstGeom prst="rect">
+              <a:avLst/>
+            </a:prstGeom>
+            <a:noFill/>
+            <a:ln w="12700">
+              <a:solidFill>
+                <a:schemeClr val="tx1"/>
+              </a:solidFill>
+              <a:miter lim="800000"/>
+              <a:headEnd/>
+              <a:tailEnd/>
+            </a:ln>
+          </p:spPr>
+          <p:txBody>
+            <a:bodyPr wrap="none" anchor="ctr"/>
+            <a:lstStyle/>
+            <a:p>
+              <a:r>
+                <a:rPr lang="en-US" sz="1800" b="1" dirty="0">
+                  <a:solidFill>
+                    <a:srgbClr val="0000FF"/>
+                  </a:solidFill>
+                  <a:latin typeface="Consolas" panose="020B0609020204030204" pitchFamily="49" charset="0"/>
+                  <a:cs typeface="Consolas" panose="020B0609020204030204" pitchFamily="49" charset="0"/>
+                </a:rPr>
+                <a:t>Z=1 or N!=V</a:t>
+              </a:r>
+            </a:p>
+          </p:txBody>
+        </p:sp>
+        <p:sp>
+          <p:nvSpPr>
+            <p:cNvPr id="14389" name="Rectangle 52"/>
+            <p:cNvSpPr>
+              <a:spLocks noChangeArrowheads="1"/>
+            </p:cNvSpPr>
+            <p:nvPr/>
+          </p:nvSpPr>
+          <p:spPr bwMode="auto">
+            <a:xfrm>
+              <a:off x="6132006" y="5756276"/>
+              <a:ext cx="1654668" cy="265113"/>
+            </a:xfrm>
+            <a:prstGeom prst="rect">
+              <a:avLst/>
+            </a:prstGeom>
+            <a:noFill/>
+            <a:ln w="12700">
+              <a:solidFill>
+                <a:schemeClr val="tx1"/>
+              </a:solidFill>
+              <a:miter lim="800000"/>
+              <a:headEnd/>
+              <a:tailEnd/>
+            </a:ln>
+          </p:spPr>
+          <p:txBody>
+            <a:bodyPr wrap="none" anchor="ctr"/>
+            <a:lstStyle/>
+            <a:p>
+              <a:endParaRPr lang="en-GB" sz="1800" b="1">
+                <a:solidFill>
+                  <a:srgbClr val="0000FF"/>
+                </a:solidFill>
+                <a:latin typeface="Consolas" panose="020B0609020204030204" pitchFamily="49" charset="0"/>
+                <a:cs typeface="Consolas" panose="020B0609020204030204" pitchFamily="49" charset="0"/>
+              </a:endParaRPr>
+            </a:p>
+          </p:txBody>
+        </p:sp>
+      </p:grpSp>
+      <p:sp>
+        <p:nvSpPr>
+          <p:cNvPr id="3" name="Horizontal Scroll 15">
+            <a:extLst>
+              <a:ext uri="{FF2B5EF4-FFF2-40B4-BE49-F238E27FC236}">
+                <a16:creationId xmlns:a16="http://schemas.microsoft.com/office/drawing/2014/main" id="{4ACAA33B-8833-6998-194D-3EC418B6F321}"/>
+              </a:ext>
+            </a:extLst>
+          </p:cNvPr>
+          <p:cNvSpPr/>
+          <p:nvPr/>
+        </p:nvSpPr>
+        <p:spPr>
+          <a:xfrm>
+            <a:off x="76200" y="-23210"/>
+            <a:ext cx="1265712" cy="762000"/>
+          </a:xfrm>
+          <a:prstGeom prst="horizontalScroll">
+            <a:avLst/>
+          </a:prstGeom>
+          <a:gradFill rotWithShape="1">
+            <a:gsLst>
+              <a:gs pos="0">
+                <a:srgbClr val="4F81BD">
+                  <a:tint val="50000"/>
+                  <a:satMod val="300000"/>
+                </a:srgbClr>
+              </a:gs>
+              <a:gs pos="35000">
+                <a:srgbClr val="4F81BD">
+                  <a:tint val="37000"/>
+                  <a:satMod val="300000"/>
+                </a:srgbClr>
+              </a:gs>
+              <a:gs pos="100000">
+                <a:srgbClr val="4F81BD">
+                  <a:tint val="15000"/>
+                  <a:satMod val="350000"/>
+                </a:srgbClr>
+              </a:gs>
+            </a:gsLst>
+            <a:lin ang="16200000" scaled="1"/>
+          </a:gradFill>
+          <a:ln w="9525" cap="flat" cmpd="sng" algn="ctr">
+            <a:solidFill>
+              <a:srgbClr val="4F81BD">
+                <a:shade val="95000"/>
+                <a:satMod val="105000"/>
+              </a:srgbClr>
+            </a:solidFill>
+            <a:prstDash val="solid"/>
+          </a:ln>
+          <a:effectLst>
+            <a:outerShdw blurRad="40000" dist="20000" dir="5400000" rotWithShape="0">
+              <a:srgbClr val="000000">
+                <a:alpha val="38000"/>
+              </a:srgbClr>
+            </a:outerShdw>
+          </a:effectLst>
+        </p:spPr>
+        <p:txBody>
+          <a:bodyPr rtlCol="0" anchor="ctr"/>
+          <a:lstStyle/>
+          <a:p>
+            <a:pPr marL="0" marR="0" lvl="0" indent="0" algn="ctr" defTabSz="457200" eaLnBrk="1" fontAlgn="auto" latinLnBrk="0" hangingPunct="1">
+              <a:lnSpc>
+                <a:spcPct val="100000"/>
+              </a:lnSpc>
+              <a:spcBef>
+                <a:spcPts val="0"/>
+              </a:spcBef>
+              <a:spcAft>
+                <a:spcPts val="0"/>
+              </a:spcAft>
+              <a:buClrTx/>
+              <a:buSzTx/>
+              <a:buFontTx/>
+              <a:buNone/>
+              <a:tabLst/>
+              <a:defRPr/>
+            </a:pPr>
+            <a:r>
+              <a:rPr kumimoji="0" lang="en-US" sz="2400" b="0" i="0" u="none" strike="noStrike" kern="0" cap="none" spc="0" normalizeH="0" baseline="0" noProof="0" dirty="0">
+                <a:ln>
+                  <a:noFill/>
+                </a:ln>
+                <a:solidFill>
+                  <a:prstClr val="black"/>
+                </a:solidFill>
+                <a:effectLst/>
+                <a:uLnTx/>
+                <a:uFillTx/>
+                <a:latin typeface="Calibri"/>
+                <a:ea typeface="+mn-ea"/>
+                <a:cs typeface="+mn-cs"/>
+              </a:rPr>
+              <a:t>Review</a:t>
+            </a:r>
+          </a:p>
+        </p:txBody>
+      </p:sp>
+    </p:spTree>
+    <p:extLst>
+      <p:ext uri="{BB962C8B-B14F-4D97-AF65-F5344CB8AC3E}">
+        <p14:creationId xmlns:p14="http://schemas.microsoft.com/office/powerpoint/2010/main" val="2083494270"/>
+      </p:ext>
+    </p:extLst>
+  </p:cSld>
+  <p:clrMapOvr>
+    <a:masterClrMapping/>
+  </p:clrMapOvr>
+  <p:transition/>
+</p:sld>
+</file>
+
+<file path=ppt/slides/slide5.xml><?xml version="1.0" encoding="utf-8"?>
+<p:sld xmlns:a="http://schemas.openxmlformats.org/drawingml/2006/main" xmlns:r="http://schemas.openxmlformats.org/officeDocument/2006/relationships" xmlns:p="http://schemas.openxmlformats.org/presentationml/2006/main">
+  <p:cSld>
+    <p:spTree>
+      <p:nvGrpSpPr>
+        <p:cNvPr id="1" name=""/>
+        <p:cNvGrpSpPr/>
+        <p:nvPr/>
+      </p:nvGrpSpPr>
+      <p:grpSpPr>
+        <a:xfrm>
+          <a:off x="0" y="0"/>
+          <a:ext cx="0" cy="0"/>
+          <a:chOff x="0" y="0"/>
+          <a:chExt cx="0" cy="0"/>
+        </a:xfrm>
+      </p:grpSpPr>
+      <p:sp>
+        <p:nvSpPr>
           <p:cNvPr id="2" name="Title 1">
             <a:extLst>
               <a:ext uri="{FF2B5EF4-FFF2-40B4-BE49-F238E27FC236}">
@@ -11735,7 +17061,7 @@
             <a:fld id="{EA7C8D44-3667-46F6-9772-CC52308E2A7F}" type="slidenum">
               <a:rPr kumimoji="0" lang="en-US" smtClean="0"/>
               <a:pPr/>
-              <a:t>4</a:t>
+              <a:t>5</a:t>
             </a:fld>
             <a:endParaRPr kumimoji="0" lang="en-US" dirty="0"/>
           </a:p>
@@ -12368,7 +17694,7 @@
 </p:sld>
 </file>
 
-<file path=ppt/slides/slide5.xml><?xml version="1.0" encoding="utf-8"?>
+<file path=ppt/slides/slide6.xml><?xml version="1.0" encoding="utf-8"?>
 <p:sld xmlns:a="http://schemas.openxmlformats.org/drawingml/2006/main" xmlns:r="http://schemas.openxmlformats.org/officeDocument/2006/relationships" xmlns:p="http://schemas.openxmlformats.org/presentationml/2006/main">
   <p:cSld>
     <p:spTree>
@@ -12443,7 +17769,7 @@
             <a:fld id="{EA7C8D44-3667-46F6-9772-CC52308E2A7F}" type="slidenum">
               <a:rPr kumimoji="0" lang="en-US" smtClean="0"/>
               <a:pPr/>
-              <a:t>5</a:t>
+              <a:t>6</a:t>
             </a:fld>
             <a:endParaRPr kumimoji="0" lang="en-US" dirty="0"/>
           </a:p>
@@ -13303,211 +18629,6 @@
 </p:sld>
 </file>
 
-<file path=ppt/slides/slide6.xml><?xml version="1.0" encoding="utf-8"?>
-<p:sld xmlns:a="http://schemas.openxmlformats.org/drawingml/2006/main" xmlns:r="http://schemas.openxmlformats.org/officeDocument/2006/relationships" xmlns:p="http://schemas.openxmlformats.org/presentationml/2006/main">
-  <p:cSld>
-    <p:spTree>
-      <p:nvGrpSpPr>
-        <p:cNvPr id="1" name=""/>
-        <p:cNvGrpSpPr/>
-        <p:nvPr/>
-      </p:nvGrpSpPr>
-      <p:grpSpPr>
-        <a:xfrm>
-          <a:off x="0" y="0"/>
-          <a:ext cx="0" cy="0"/>
-          <a:chOff x="0" y="0"/>
-          <a:chExt cx="0" cy="0"/>
-        </a:xfrm>
-      </p:grpSpPr>
-      <p:sp>
-        <p:nvSpPr>
-          <p:cNvPr id="2" name="Title 1">
-            <a:extLst>
-              <a:ext uri="{FF2B5EF4-FFF2-40B4-BE49-F238E27FC236}">
-                <a16:creationId xmlns:a16="http://schemas.microsoft.com/office/drawing/2014/main" id="{BBF7B3FB-5C59-12EE-7933-D1B84D34745C}"/>
-              </a:ext>
-            </a:extLst>
-          </p:cNvPr>
-          <p:cNvSpPr>
-            <a:spLocks noGrp="1"/>
-          </p:cNvSpPr>
-          <p:nvPr>
-            <p:ph type="title"/>
-          </p:nvPr>
-        </p:nvSpPr>
-        <p:spPr/>
-        <p:txBody>
-          <a:bodyPr/>
-          <a:lstStyle/>
-          <a:p>
-            <a:r>
-              <a:rPr lang="en-US" dirty="0"/>
-              <a:t>Stack</a:t>
-            </a:r>
-          </a:p>
-        </p:txBody>
-      </p:sp>
-      <p:sp>
-        <p:nvSpPr>
-          <p:cNvPr id="3" name="Slide Number Placeholder 2">
-            <a:extLst>
-              <a:ext uri="{FF2B5EF4-FFF2-40B4-BE49-F238E27FC236}">
-                <a16:creationId xmlns:a16="http://schemas.microsoft.com/office/drawing/2014/main" id="{0C4872FB-6E30-C087-032F-93730EF17554}"/>
-              </a:ext>
-            </a:extLst>
-          </p:cNvPr>
-          <p:cNvSpPr>
-            <a:spLocks noGrp="1"/>
-          </p:cNvSpPr>
-          <p:nvPr>
-            <p:ph type="sldNum" sz="quarter" idx="12"/>
-          </p:nvPr>
-        </p:nvSpPr>
-        <p:spPr/>
-        <p:txBody>
-          <a:bodyPr/>
-          <a:lstStyle/>
-          <a:p>
-            <a:fld id="{EA7C8D44-3667-46F6-9772-CC52308E2A7F}" type="slidenum">
-              <a:rPr kumimoji="0" lang="en-US" smtClean="0"/>
-              <a:pPr/>
-              <a:t>6</a:t>
-            </a:fld>
-            <a:endParaRPr kumimoji="0" lang="en-US" dirty="0"/>
-          </a:p>
-        </p:txBody>
-      </p:sp>
-      <p:sp>
-        <p:nvSpPr>
-          <p:cNvPr id="4" name="Content Placeholder 3">
-            <a:extLst>
-              <a:ext uri="{FF2B5EF4-FFF2-40B4-BE49-F238E27FC236}">
-                <a16:creationId xmlns:a16="http://schemas.microsoft.com/office/drawing/2014/main" id="{5891B2DB-8D92-68E6-3839-2EB2B6D0CCA5}"/>
-              </a:ext>
-            </a:extLst>
-          </p:cNvPr>
-          <p:cNvSpPr>
-            <a:spLocks noGrp="1"/>
-          </p:cNvSpPr>
-          <p:nvPr>
-            <p:ph sz="quarter" idx="1"/>
-          </p:nvPr>
-        </p:nvSpPr>
-        <p:spPr/>
-        <p:txBody>
-          <a:bodyPr/>
-          <a:lstStyle/>
-          <a:p>
-            <a:pPr marL="342900" indent="-342900">
-              <a:spcBef>
-                <a:spcPts val="0"/>
-              </a:spcBef>
-            </a:pPr>
-            <a:r>
-              <a:rPr lang="en-US" dirty="0"/>
-              <a:t>Initially, let r0=0, r1=1, r2=2, r3=3</a:t>
-            </a:r>
-          </a:p>
-          <a:p>
-            <a:pPr marL="342900" indent="-342900"/>
-            <a:r>
-              <a:rPr lang="en-US" dirty="0"/>
-              <a:t>Execute  </a:t>
-            </a:r>
-          </a:p>
-          <a:p>
-            <a:pPr marL="0" indent="0">
-              <a:buNone/>
-            </a:pPr>
-            <a:r>
-              <a:rPr lang="en-US" dirty="0">
-                <a:solidFill>
-                  <a:srgbClr val="7030A0"/>
-                </a:solidFill>
-                <a:ea typeface="Courier New"/>
-                <a:cs typeface="Courier New"/>
-                <a:sym typeface="Courier New"/>
-              </a:rPr>
-              <a:t>     PUSH {r1,r2}</a:t>
-            </a:r>
-          </a:p>
-          <a:p>
-            <a:pPr marL="0" indent="0">
-              <a:buNone/>
-            </a:pPr>
-            <a:r>
-              <a:rPr lang="en-US" dirty="0">
-                <a:solidFill>
-                  <a:srgbClr val="7030A0"/>
-                </a:solidFill>
-                <a:ea typeface="Courier New"/>
-                <a:cs typeface="Courier New"/>
-                <a:sym typeface="Courier New"/>
-              </a:rPr>
-              <a:t>     PUSH {r3,r0}</a:t>
-            </a:r>
-          </a:p>
-          <a:p>
-            <a:pPr marL="0" indent="0">
-              <a:buNone/>
-            </a:pPr>
-            <a:r>
-              <a:rPr lang="en-US" dirty="0">
-                <a:solidFill>
-                  <a:srgbClr val="7030A0"/>
-                </a:solidFill>
-                <a:ea typeface="Courier New"/>
-                <a:cs typeface="Courier New"/>
-                <a:sym typeface="Courier New"/>
-              </a:rPr>
-              <a:t>     POP {r0-r3}  (same as </a:t>
-            </a:r>
-            <a:r>
-              <a:rPr lang="pt-BR" dirty="0">
-                <a:solidFill>
-                  <a:srgbClr val="7030A0"/>
-                </a:solidFill>
-                <a:ea typeface="Courier New"/>
-                <a:cs typeface="Courier New"/>
-                <a:sym typeface="Courier New"/>
-              </a:rPr>
-              <a:t>POP {r0, r1, r2, r3}</a:t>
-            </a:r>
-            <a:r>
-              <a:rPr lang="en-US" dirty="0">
-                <a:solidFill>
-                  <a:srgbClr val="7030A0"/>
-                </a:solidFill>
-                <a:ea typeface="Courier New"/>
-                <a:cs typeface="Courier New"/>
-                <a:sym typeface="Courier New"/>
-              </a:rPr>
-              <a:t>)</a:t>
-            </a:r>
-          </a:p>
-          <a:p>
-            <a:pPr marL="342900" indent="-342900"/>
-            <a:r>
-              <a:rPr lang="en-US" dirty="0"/>
-              <a:t>What is in registers ?</a:t>
-            </a:r>
-          </a:p>
-        </p:txBody>
-      </p:sp>
-    </p:spTree>
-    <p:extLst>
-      <p:ext uri="{BB962C8B-B14F-4D97-AF65-F5344CB8AC3E}">
-        <p14:creationId xmlns:p14="http://schemas.microsoft.com/office/powerpoint/2010/main" val="2724411605"/>
-      </p:ext>
-    </p:extLst>
-  </p:cSld>
-  <p:clrMapOvr>
-    <a:masterClrMapping/>
-  </p:clrMapOvr>
-</p:sld>
-</file>
-
 <file path=ppt/slides/slide7.xml><?xml version="1.0" encoding="utf-8"?>
 <p:sld xmlns:a="http://schemas.openxmlformats.org/drawingml/2006/main" xmlns:r="http://schemas.openxmlformats.org/officeDocument/2006/relationships" xmlns:p="http://schemas.openxmlformats.org/presentationml/2006/main">
   <p:cSld>
@@ -13679,7 +18800,29 @@
                 <a:cs typeface="Courier New"/>
                 <a:sym typeface="Courier New"/>
               </a:rPr>
-              <a:t>     POP {r0-r3}</a:t>
+              <a:t>     POP {r0-r3}  (same as </a:t>
+            </a:r>
+            <a:r>
+              <a:rPr lang="pt-BR" dirty="0">
+                <a:solidFill>
+                  <a:srgbClr val="7030A0"/>
+                </a:solidFill>
+                <a:ea typeface="Courier New"/>
+                <a:cs typeface="Courier New"/>
+                <a:sym typeface="Courier New"/>
+              </a:rPr>
+              <a:t>POP {r0, r1, r2, r3}</a:t>
+            </a:r>
+            <a:r>
+              <a:rPr lang="en-US" dirty="0">
+                <a:solidFill>
+                  <a:srgbClr val="7030A0"/>
+                </a:solidFill>
+                <a:ea typeface="Courier New"/>
+                <a:cs typeface="Courier New"/>
+                <a:sym typeface="Courier New"/>
+              </a:rPr>
+              <a:t>)</a:t>
             </a:r>
           </a:p>
           <a:p>
